--- a/web.pptx
+++ b/web.pptx
@@ -2,10 +2,10 @@
 <file path=ppt/presentation.xml><?xml version="1.0" encoding="utf-8"?>
 <p:presentation xmlns:a="http://schemas.openxmlformats.org/drawingml/2006/main" xmlns:r="http://schemas.openxmlformats.org/officeDocument/2006/relationships" xmlns:p="http://schemas.openxmlformats.org/presentationml/2006/main" rtl="1" saveSubsetFonts="1">
   <p:sldMasterIdLst>
-    <p:sldMasterId id="2147483792" r:id="rId1"/>
+    <p:sldMasterId id="2147483816" r:id="rId1"/>
   </p:sldMasterIdLst>
   <p:notesMasterIdLst>
-    <p:notesMasterId r:id="rId12"/>
+    <p:notesMasterId r:id="rId14"/>
   </p:notesMasterIdLst>
   <p:sldIdLst>
     <p:sldId id="256" r:id="rId2"/>
@@ -16,16 +16,18 @@
     <p:sldId id="263" r:id="rId7"/>
     <p:sldId id="261" r:id="rId8"/>
     <p:sldId id="262" r:id="rId9"/>
-    <p:sldId id="264" r:id="rId10"/>
-    <p:sldId id="265" r:id="rId11"/>
+    <p:sldId id="265" r:id="rId10"/>
+    <p:sldId id="264" r:id="rId11"/>
+    <p:sldId id="266" r:id="rId12"/>
+    <p:sldId id="267" r:id="rId13"/>
   </p:sldIdLst>
   <p:sldSz cx="12192000" cy="6858000"/>
   <p:notesSz cx="6858000" cy="9144000"/>
   <p:defaultTextStyle>
     <a:defPPr>
-      <a:defRPr lang="ar-SY"/>
+      <a:defRPr lang="en-US"/>
     </a:defPPr>
-    <a:lvl1pPr marL="0" algn="r" defTabSz="914400" rtl="1" eaLnBrk="1" latinLnBrk="0" hangingPunct="1">
+    <a:lvl1pPr marL="0" algn="l" defTabSz="457200" rtl="0" eaLnBrk="1" latinLnBrk="0" hangingPunct="1">
       <a:defRPr sz="1800" kern="1200">
         <a:solidFill>
           <a:schemeClr val="tx1"/>
@@ -35,7 +37,7 @@
         <a:cs typeface="+mn-cs"/>
       </a:defRPr>
     </a:lvl1pPr>
-    <a:lvl2pPr marL="457200" algn="r" defTabSz="914400" rtl="1" eaLnBrk="1" latinLnBrk="0" hangingPunct="1">
+    <a:lvl2pPr marL="457200" algn="l" defTabSz="457200" rtl="0" eaLnBrk="1" latinLnBrk="0" hangingPunct="1">
       <a:defRPr sz="1800" kern="1200">
         <a:solidFill>
           <a:schemeClr val="tx1"/>
@@ -45,7 +47,7 @@
         <a:cs typeface="+mn-cs"/>
       </a:defRPr>
     </a:lvl2pPr>
-    <a:lvl3pPr marL="914400" algn="r" defTabSz="914400" rtl="1" eaLnBrk="1" latinLnBrk="0" hangingPunct="1">
+    <a:lvl3pPr marL="914400" algn="l" defTabSz="457200" rtl="0" eaLnBrk="1" latinLnBrk="0" hangingPunct="1">
       <a:defRPr sz="1800" kern="1200">
         <a:solidFill>
           <a:schemeClr val="tx1"/>
@@ -55,7 +57,7 @@
         <a:cs typeface="+mn-cs"/>
       </a:defRPr>
     </a:lvl3pPr>
-    <a:lvl4pPr marL="1371600" algn="r" defTabSz="914400" rtl="1" eaLnBrk="1" latinLnBrk="0" hangingPunct="1">
+    <a:lvl4pPr marL="1371600" algn="l" defTabSz="457200" rtl="0" eaLnBrk="1" latinLnBrk="0" hangingPunct="1">
       <a:defRPr sz="1800" kern="1200">
         <a:solidFill>
           <a:schemeClr val="tx1"/>
@@ -65,7 +67,7 @@
         <a:cs typeface="+mn-cs"/>
       </a:defRPr>
     </a:lvl4pPr>
-    <a:lvl5pPr marL="1828800" algn="r" defTabSz="914400" rtl="1" eaLnBrk="1" latinLnBrk="0" hangingPunct="1">
+    <a:lvl5pPr marL="1828800" algn="l" defTabSz="457200" rtl="0" eaLnBrk="1" latinLnBrk="0" hangingPunct="1">
       <a:defRPr sz="1800" kern="1200">
         <a:solidFill>
           <a:schemeClr val="tx1"/>
@@ -75,7 +77,7 @@
         <a:cs typeface="+mn-cs"/>
       </a:defRPr>
     </a:lvl5pPr>
-    <a:lvl6pPr marL="2286000" algn="r" defTabSz="914400" rtl="1" eaLnBrk="1" latinLnBrk="0" hangingPunct="1">
+    <a:lvl6pPr marL="2286000" algn="l" defTabSz="457200" rtl="0" eaLnBrk="1" latinLnBrk="0" hangingPunct="1">
       <a:defRPr sz="1800" kern="1200">
         <a:solidFill>
           <a:schemeClr val="tx1"/>
@@ -85,7 +87,7 @@
         <a:cs typeface="+mn-cs"/>
       </a:defRPr>
     </a:lvl6pPr>
-    <a:lvl7pPr marL="2743200" algn="r" defTabSz="914400" rtl="1" eaLnBrk="1" latinLnBrk="0" hangingPunct="1">
+    <a:lvl7pPr marL="2743200" algn="l" defTabSz="457200" rtl="0" eaLnBrk="1" latinLnBrk="0" hangingPunct="1">
       <a:defRPr sz="1800" kern="1200">
         <a:solidFill>
           <a:schemeClr val="tx1"/>
@@ -95,7 +97,7 @@
         <a:cs typeface="+mn-cs"/>
       </a:defRPr>
     </a:lvl7pPr>
-    <a:lvl8pPr marL="3200400" algn="r" defTabSz="914400" rtl="1" eaLnBrk="1" latinLnBrk="0" hangingPunct="1">
+    <a:lvl8pPr marL="3200400" algn="l" defTabSz="457200" rtl="0" eaLnBrk="1" latinLnBrk="0" hangingPunct="1">
       <a:defRPr sz="1800" kern="1200">
         <a:solidFill>
           <a:schemeClr val="tx1"/>
@@ -105,7 +107,7 @@
         <a:cs typeface="+mn-cs"/>
       </a:defRPr>
     </a:lvl8pPr>
-    <a:lvl9pPr marL="3657600" algn="r" defTabSz="914400" rtl="1" eaLnBrk="1" latinLnBrk="0" hangingPunct="1">
+    <a:lvl9pPr marL="3657600" algn="l" defTabSz="457200" rtl="0" eaLnBrk="1" latinLnBrk="0" hangingPunct="1">
       <a:defRPr sz="1800" kern="1200">
         <a:solidFill>
           <a:schemeClr val="tx1"/>
@@ -116,6 +118,11 @@
       </a:defRPr>
     </a:lvl9pPr>
   </p:defaultTextStyle>
+  <p:extLst>
+    <p:ext uri="{EFAFB233-063F-42B5-8137-9DF3F51BA10A}">
+      <p15:sldGuideLst xmlns:p15="http://schemas.microsoft.com/office/powerpoint/2012/main"/>
+    </p:ext>
+  </p:extLst>
 </p:presentation>
 </file>
 
@@ -201,7 +208,7 @@
           <a:p>
             <a:fld id="{0A1A1DAE-EBF7-412C-A29B-AC6DBC49921F}" type="datetimeFigureOut">
               <a:rPr lang="ar-SY" smtClean="0"/>
-              <a:t>01/02/1442</a:t>
+              <a:t>02/02/1442</a:t>
             </a:fld>
             <a:endParaRPr lang="ar-SY"/>
           </a:p>
@@ -265,35 +272,35 @@
           <a:p>
             <a:pPr lvl="0"/>
             <a:r>
-              <a:rPr lang="ar-SA" smtClean="0"/>
+              <a:rPr lang="ar-SA"/>
               <a:t>انقر لتحرير أنماط النص الرئيسي</a:t>
             </a:r>
           </a:p>
           <a:p>
             <a:pPr lvl="1"/>
             <a:r>
-              <a:rPr lang="ar-SA" smtClean="0"/>
+              <a:rPr lang="ar-SA"/>
               <a:t>المستوى الثاني</a:t>
             </a:r>
           </a:p>
           <a:p>
             <a:pPr lvl="2"/>
             <a:r>
-              <a:rPr lang="ar-SA" smtClean="0"/>
+              <a:rPr lang="ar-SA"/>
               <a:t>المستوى الثالث</a:t>
             </a:r>
           </a:p>
           <a:p>
             <a:pPr lvl="3"/>
             <a:r>
-              <a:rPr lang="ar-SA" smtClean="0"/>
+              <a:rPr lang="ar-SA"/>
               <a:t>المستوى الرابع</a:t>
             </a:r>
           </a:p>
           <a:p>
             <a:pPr lvl="4"/>
             <a:r>
-              <a:rPr lang="ar-SA" smtClean="0"/>
+              <a:rPr lang="ar-SA"/>
               <a:t>المستوى الخامس</a:t>
             </a:r>
             <a:endParaRPr lang="ar-SY"/>
@@ -513,7 +520,7 @@
           <a:bodyPr/>
           <a:lstStyle/>
           <a:p>
-            <a:endParaRPr lang="ar-SY" sz="1200" b="0" i="0" u="none" strike="noStrike" kern="1200" baseline="0" dirty="0" smtClean="0">
+            <a:endParaRPr lang="ar-SY" sz="1200" b="0" i="0" u="none" strike="noStrike" kern="1200" baseline="0" dirty="0">
               <a:solidFill>
                 <a:schemeClr val="tx1"/>
               </a:solidFill>
@@ -524,7 +531,7 @@
           </a:p>
           <a:p>
             <a:r>
-              <a:rPr lang="ar-SY" sz="1200" b="0" i="0" u="none" strike="noStrike" kern="1200" baseline="0" dirty="0" smtClean="0">
+              <a:rPr lang="ar-SY" sz="1200" b="0" i="0" u="none" strike="noStrike" kern="1200" baseline="0" dirty="0">
                 <a:solidFill>
                   <a:schemeClr val="tx1"/>
                 </a:solidFill>
@@ -535,7 +542,7 @@
               <a:t>يجب </a:t>
             </a:r>
             <a:r>
-              <a:rPr lang="ar-SY" sz="1200" b="1" i="0" u="none" strike="noStrike" kern="1200" baseline="0" dirty="0" smtClean="0">
+              <a:rPr lang="ar-SY" sz="1200" b="1" i="0" u="none" strike="noStrike" kern="1200" baseline="0" dirty="0">
                 <a:solidFill>
                   <a:schemeClr val="tx1"/>
                 </a:solidFill>
@@ -546,7 +553,7 @@
               <a:t>أن نميز جيداً بين الانترنت وبين الويب</a:t>
             </a:r>
             <a:r>
-              <a:rPr lang="ar-SY" sz="1200" b="0" i="0" u="none" strike="noStrike" kern="1200" baseline="0" dirty="0" smtClean="0">
+              <a:rPr lang="ar-SY" sz="1200" b="0" i="0" u="none" strike="noStrike" kern="1200" baseline="0" dirty="0">
                 <a:solidFill>
                   <a:schemeClr val="tx1"/>
                 </a:solidFill>
@@ -559,7 +566,7 @@
           </a:p>
           <a:p>
             <a:r>
-              <a:rPr lang="ar-SY" sz="1200" b="0" i="0" u="none" strike="noStrike" kern="1200" baseline="0" dirty="0" smtClean="0">
+              <a:rPr lang="ar-SY" sz="1200" b="0" i="0" u="none" strike="noStrike" kern="1200" baseline="0" dirty="0">
                 <a:solidFill>
                   <a:schemeClr val="tx1"/>
                 </a:solidFill>
@@ -570,7 +577,7 @@
               <a:t> إذ أن </a:t>
             </a:r>
             <a:r>
-              <a:rPr lang="ar-SY" sz="1200" b="1" i="0" u="none" strike="noStrike" kern="1200" baseline="0" dirty="0" smtClean="0">
+              <a:rPr lang="ar-SY" sz="1200" b="1" i="0" u="none" strike="noStrike" kern="1200" baseline="0" dirty="0">
                 <a:solidFill>
                   <a:schemeClr val="tx1"/>
                 </a:solidFill>
@@ -581,7 +588,7 @@
               <a:t>الانترنت</a:t>
             </a:r>
             <a:r>
-              <a:rPr lang="ar-SY" sz="1200" b="0" i="0" u="none" strike="noStrike" kern="1200" baseline="0" dirty="0" smtClean="0">
+              <a:rPr lang="ar-SY" sz="1200" b="0" i="0" u="none" strike="noStrike" kern="1200" baseline="0" dirty="0">
                 <a:solidFill>
                   <a:schemeClr val="tx1"/>
                 </a:solidFill>
@@ -594,7 +601,7 @@
           </a:p>
           <a:p>
             <a:r>
-              <a:rPr lang="ar-SY" sz="1200" b="0" i="0" u="none" strike="noStrike" kern="1200" baseline="0" dirty="0" smtClean="0">
+              <a:rPr lang="ar-SY" sz="1200" b="0" i="0" u="none" strike="noStrike" kern="1200" baseline="0" dirty="0">
                 <a:solidFill>
                   <a:schemeClr val="tx1"/>
                 </a:solidFill>
@@ -624,7 +631,7 @@
               <a:defRPr/>
             </a:pPr>
             <a:r>
-              <a:rPr lang="ar-SY" sz="1200" b="0" i="0" u="none" strike="noStrike" kern="1200" baseline="0" dirty="0" smtClean="0">
+              <a:rPr lang="ar-SY" sz="1200" b="0" i="0" u="none" strike="noStrike" kern="1200" baseline="0" dirty="0">
                 <a:solidFill>
                   <a:schemeClr val="tx1"/>
                 </a:solidFill>
@@ -635,7 +642,7 @@
               <a:t>الآخر عبر </a:t>
             </a:r>
             <a:r>
-              <a:rPr lang="en-US" sz="1200" b="0" i="0" u="none" strike="noStrike" kern="1200" baseline="0" dirty="0" smtClean="0">
+              <a:rPr lang="en-US" sz="1200" b="0" i="0" u="none" strike="noStrike" kern="1200" baseline="0" dirty="0">
                 <a:solidFill>
                   <a:schemeClr val="tx1"/>
                 </a:solidFill>
@@ -646,7 +653,7 @@
               <a:t>Transmission Control Protocol/Internet Protocol (TCP/IP)</a:t>
             </a:r>
             <a:r>
-              <a:rPr lang="ar-SY" sz="1200" b="0" i="0" u="none" strike="noStrike" kern="1200" baseline="0" dirty="0" smtClean="0">
+              <a:rPr lang="ar-SY" sz="1200" b="0" i="0" u="none" strike="noStrike" kern="1200" baseline="0" dirty="0">
                 <a:solidFill>
                   <a:schemeClr val="tx1"/>
                 </a:solidFill>
@@ -675,7 +682,7 @@
               <a:tabLst/>
               <a:defRPr/>
             </a:pPr>
-            <a:endParaRPr lang="ar-SY" sz="1200" b="0" i="0" u="none" strike="noStrike" kern="1200" baseline="0" dirty="0" smtClean="0">
+            <a:endParaRPr lang="ar-SY" sz="1200" b="0" i="0" u="none" strike="noStrike" kern="1200" baseline="0" dirty="0">
               <a:solidFill>
                 <a:schemeClr val="tx1"/>
               </a:solidFill>
@@ -703,7 +710,7 @@
               <a:defRPr/>
             </a:pPr>
             <a:r>
-              <a:rPr lang="ar-SY" sz="1200" b="0" i="0" u="none" strike="noStrike" kern="1200" baseline="0" dirty="0" smtClean="0">
+              <a:rPr lang="ar-SY" sz="1200" b="0" i="0" u="none" strike="noStrike" kern="1200" baseline="0" dirty="0">
                 <a:solidFill>
                   <a:schemeClr val="tx1"/>
                 </a:solidFill>
@@ -714,7 +721,7 @@
               <a:t> أما </a:t>
             </a:r>
             <a:r>
-              <a:rPr lang="ar-SY" sz="1200" b="1" i="0" u="none" strike="noStrike" kern="1200" baseline="0" dirty="0" smtClean="0">
+              <a:rPr lang="ar-SY" sz="1200" b="1" i="0" u="none" strike="noStrike" kern="1200" baseline="0" dirty="0">
                 <a:solidFill>
                   <a:schemeClr val="tx1"/>
                 </a:solidFill>
@@ -725,7 +732,7 @@
               <a:t>الويب</a:t>
             </a:r>
             <a:r>
-              <a:rPr lang="ar-SY" sz="1200" b="0" i="0" u="none" strike="noStrike" kern="1200" baseline="0" dirty="0" smtClean="0">
+              <a:rPr lang="ar-SY" sz="1200" b="0" i="0" u="none" strike="noStrike" kern="1200" baseline="0" dirty="0">
                 <a:solidFill>
                   <a:schemeClr val="tx1"/>
                 </a:solidFill>
@@ -738,7 +745,7 @@
           </a:p>
           <a:p>
             <a:r>
-              <a:rPr lang="ar-SY" sz="1200" b="0" i="0" u="none" strike="noStrike" kern="1200" baseline="0" dirty="0" smtClean="0">
+              <a:rPr lang="ar-SY" sz="1200" b="0" i="0" u="none" strike="noStrike" kern="1200" baseline="0" dirty="0">
                 <a:solidFill>
                   <a:schemeClr val="tx1"/>
                 </a:solidFill>
@@ -749,7 +756,7 @@
               <a:t>حواسب الانترنت )تستخدم الويب البروتوكول </a:t>
             </a:r>
             <a:r>
-              <a:rPr lang="en-US" sz="1200" b="0" i="0" u="none" strike="noStrike" kern="1200" baseline="0" dirty="0" smtClean="0">
+              <a:rPr lang="en-US" sz="1200" b="0" i="0" u="none" strike="noStrike" kern="1200" baseline="0" dirty="0">
                 <a:solidFill>
                   <a:schemeClr val="tx1"/>
                 </a:solidFill>
@@ -760,7 +767,7 @@
               <a:t>HTTP (. </a:t>
             </a:r>
             <a:r>
-              <a:rPr lang="ar-SY" sz="1200" b="0" i="0" u="none" strike="noStrike" kern="1200" baseline="0" dirty="0" smtClean="0">
+              <a:rPr lang="ar-SY" sz="1200" b="0" i="0" u="none" strike="noStrike" kern="1200" baseline="0" dirty="0">
                 <a:solidFill>
                   <a:schemeClr val="tx1"/>
                 </a:solidFill>
@@ -773,7 +780,7 @@
           </a:p>
           <a:p>
             <a:r>
-              <a:rPr lang="ar-SY" sz="1200" b="0" i="0" u="none" strike="noStrike" kern="1200" baseline="0" dirty="0" err="1" smtClean="0">
+              <a:rPr lang="ar-SY" sz="1200" b="0" i="0" u="none" strike="noStrike" kern="1200" baseline="0" dirty="0" err="1">
                 <a:solidFill>
                   <a:schemeClr val="tx1"/>
                 </a:solidFill>
@@ -784,7 +791,7 @@
               <a:t>وماتازل</a:t>
             </a:r>
             <a:r>
-              <a:rPr lang="ar-SY" sz="1200" b="0" i="0" u="none" strike="noStrike" kern="1200" baseline="0" dirty="0" smtClean="0">
+              <a:rPr lang="ar-SY" sz="1200" b="0" i="0" u="none" strike="noStrike" kern="1200" baseline="0" dirty="0">
                 <a:solidFill>
                   <a:schemeClr val="tx1"/>
                 </a:solidFill>
@@ -797,7 +804,7 @@
           </a:p>
           <a:p>
             <a:r>
-              <a:rPr lang="ar-SY" sz="1200" b="0" i="0" u="none" strike="noStrike" kern="1200" baseline="0" dirty="0" smtClean="0">
+              <a:rPr lang="ar-SY" sz="1200" b="0" i="0" u="none" strike="noStrike" kern="1200" baseline="0" dirty="0">
                 <a:solidFill>
                   <a:schemeClr val="tx1"/>
                 </a:solidFill>
@@ -809,7 +816,7 @@
             </a:r>
           </a:p>
           <a:p>
-            <a:endParaRPr lang="ar-SY" sz="1200" b="0" i="0" u="none" strike="noStrike" kern="1200" baseline="0" dirty="0" smtClean="0">
+            <a:endParaRPr lang="ar-SY" sz="1200" b="0" i="0" u="none" strike="noStrike" kern="1200" baseline="0" dirty="0">
               <a:solidFill>
                 <a:schemeClr val="tx1"/>
               </a:solidFill>
@@ -1005,43 +1012,43 @@
               <a:defRPr/>
             </a:pPr>
             <a:r>
-              <a:rPr lang="ar-SY" dirty="0" smtClean="0"/>
+              <a:rPr lang="ar-SY" dirty="0"/>
               <a:t>تفاصيل</a:t>
             </a:r>
             <a:r>
-              <a:rPr lang="ar-SY" baseline="0" dirty="0" smtClean="0"/>
+              <a:rPr lang="ar-SY" baseline="0" dirty="0"/>
               <a:t> الانترنت تدرس في مواد الشبكات الأن ما يهمنا هو الأساسيات التي تساعد في بناء الويب </a:t>
             </a:r>
-            <a:endParaRPr lang="ar-SY" dirty="0" smtClean="0"/>
-          </a:p>
-          <a:p>
-            <a:r>
-              <a:rPr lang="ar-SY" dirty="0" smtClean="0"/>
+            <a:endParaRPr lang="ar-SY" dirty="0"/>
+          </a:p>
+          <a:p>
+            <a:r>
+              <a:rPr lang="ar-SY" dirty="0"/>
               <a:t>كيف</a:t>
             </a:r>
             <a:r>
-              <a:rPr lang="ar-SY" baseline="0" dirty="0" smtClean="0"/>
+              <a:rPr lang="ar-SY" baseline="0" dirty="0"/>
               <a:t> يتم معرفة الأجهزة على شبكة الانترنت ؟</a:t>
             </a:r>
           </a:p>
           <a:p>
             <a:r>
-              <a:rPr lang="ar-SY" baseline="0" dirty="0" smtClean="0"/>
+              <a:rPr lang="ar-SY" baseline="0" dirty="0"/>
               <a:t>باستخدام معرف فريد لكل جهاز... </a:t>
             </a:r>
             <a:r>
-              <a:rPr lang="en-US" baseline="0" dirty="0" err="1" smtClean="0"/>
+              <a:rPr lang="en-US" baseline="0" dirty="0" err="1"/>
               <a:t>Ip</a:t>
             </a:r>
             <a:r>
-              <a:rPr lang="en-US" baseline="0" dirty="0" smtClean="0"/>
+              <a:rPr lang="en-US" baseline="0" dirty="0"/>
               <a:t> address</a:t>
             </a:r>
-            <a:endParaRPr lang="ar-SY" baseline="0" dirty="0" smtClean="0"/>
-          </a:p>
-          <a:p>
-            <a:r>
-              <a:rPr lang="ar-SY" sz="1200" b="0" i="0" u="none" strike="noStrike" kern="1200" baseline="0" dirty="0" smtClean="0">
+            <a:endParaRPr lang="ar-SY" baseline="0" dirty="0"/>
+          </a:p>
+          <a:p>
+            <a:r>
+              <a:rPr lang="ar-SY" sz="1200" b="0" i="0" u="none" strike="noStrike" kern="1200" baseline="0" dirty="0">
                 <a:solidFill>
                   <a:schemeClr val="tx1"/>
                 </a:solidFill>
@@ -1052,7 +1059,7 @@
               <a:t>يتكون العنوان الفريد </a:t>
             </a:r>
             <a:r>
-              <a:rPr lang="en-US" sz="1200" b="0" i="0" u="none" strike="noStrike" kern="1200" baseline="0" dirty="0" smtClean="0">
+              <a:rPr lang="en-US" sz="1200" b="0" i="0" u="none" strike="noStrike" kern="1200" baseline="0" dirty="0">
                 <a:solidFill>
                   <a:schemeClr val="tx1"/>
                 </a:solidFill>
@@ -1063,7 +1070,7 @@
               <a:t> Internet Protocol(IP) address </a:t>
             </a:r>
             <a:r>
-              <a:rPr lang="ar-SY" sz="1200" b="0" i="0" u="none" strike="noStrike" kern="1200" baseline="0" dirty="0" smtClean="0">
+              <a:rPr lang="ar-SY" sz="1200" b="0" i="0" u="none" strike="noStrike" kern="1200" baseline="0" dirty="0">
                 <a:solidFill>
                   <a:schemeClr val="tx1"/>
                 </a:solidFill>
@@ -1076,7 +1083,7 @@
           </a:p>
           <a:p>
             <a:r>
-              <a:rPr lang="ar-SY" sz="1200" b="0" i="0" u="none" strike="noStrike" kern="1200" baseline="0" dirty="0" smtClean="0">
+              <a:rPr lang="ar-SY" sz="1200" b="0" i="0" u="none" strike="noStrike" kern="1200" baseline="0" dirty="0">
                 <a:solidFill>
                   <a:schemeClr val="tx1"/>
                 </a:solidFill>
@@ -1087,7 +1094,7 @@
               <a:t>مثل </a:t>
             </a:r>
             <a:r>
-              <a:rPr lang="en-US" sz="1200" b="0" i="0" u="none" strike="noStrike" kern="1200" baseline="0" dirty="0" smtClean="0">
+              <a:rPr lang="en-US" sz="1200" b="0" i="0" u="none" strike="noStrike" kern="1200" baseline="0" dirty="0">
                 <a:solidFill>
                   <a:schemeClr val="tx1"/>
                 </a:solidFill>
@@ -1098,7 +1105,7 @@
               <a:t>191.57.126.121 </a:t>
             </a:r>
             <a:r>
-              <a:rPr lang="ar-SY" sz="1200" b="0" i="0" u="none" strike="noStrike" kern="1200" baseline="0" dirty="0" smtClean="0">
+              <a:rPr lang="ar-SY" sz="1200" b="0" i="0" u="none" strike="noStrike" kern="1200" baseline="0" dirty="0">
                 <a:solidFill>
                   <a:schemeClr val="tx1"/>
                 </a:solidFill>
@@ -1111,7 +1118,7 @@
           </a:p>
           <a:p>
             <a:r>
-              <a:rPr lang="ar-SY" sz="1200" b="0" i="0" u="none" strike="noStrike" kern="1200" baseline="0" dirty="0" smtClean="0">
+              <a:rPr lang="ar-SY" sz="1200" b="0" i="0" u="none" strike="noStrike" kern="1200" baseline="0" dirty="0">
                 <a:solidFill>
                   <a:schemeClr val="tx1"/>
                 </a:solidFill>
@@ -1124,7 +1131,7 @@
           </a:p>
           <a:p>
             <a:r>
-              <a:rPr lang="ar-SY" sz="1200" b="0" i="0" u="none" strike="noStrike" kern="1200" baseline="0" dirty="0" smtClean="0">
+              <a:rPr lang="ar-SY" sz="1200" b="0" i="0" u="none" strike="noStrike" kern="1200" baseline="0" dirty="0">
                 <a:solidFill>
                   <a:schemeClr val="tx1"/>
                 </a:solidFill>
@@ -1135,7 +1142,7 @@
               <a:t>من </a:t>
             </a:r>
             <a:r>
-              <a:rPr lang="en-US" sz="1200" b="0" i="0" u="none" strike="noStrike" kern="1200" baseline="0" dirty="0" smtClean="0">
+              <a:rPr lang="en-US" sz="1200" b="0" i="0" u="none" strike="noStrike" kern="1200" baseline="0" dirty="0">
                 <a:solidFill>
                   <a:schemeClr val="tx1"/>
                 </a:solidFill>
@@ -1146,7 +1153,7 @@
               <a:t>12.0.0.0   </a:t>
             </a:r>
             <a:r>
-              <a:rPr lang="ar-SY" sz="1200" b="0" i="0" u="none" strike="noStrike" kern="1200" baseline="0" dirty="0" smtClean="0">
+              <a:rPr lang="ar-SY" sz="1200" b="0" i="0" u="none" strike="noStrike" kern="1200" baseline="0" dirty="0">
                 <a:solidFill>
                   <a:schemeClr val="tx1"/>
                 </a:solidFill>
@@ -1157,7 +1164,7 @@
               <a:t> حتى </a:t>
             </a:r>
             <a:r>
-              <a:rPr lang="en-US" sz="1200" b="0" i="0" u="none" strike="noStrike" kern="1200" baseline="0" dirty="0" smtClean="0">
+              <a:rPr lang="en-US" sz="1200" b="0" i="0" u="none" strike="noStrike" kern="1200" baseline="0" dirty="0">
                 <a:solidFill>
                   <a:schemeClr val="tx1"/>
                 </a:solidFill>
@@ -1168,7 +1175,7 @@
               <a:t>12.255.255.255 </a:t>
             </a:r>
             <a:r>
-              <a:rPr lang="ar-SY" sz="1200" b="0" i="0" u="none" strike="noStrike" kern="1200" baseline="0" dirty="0" smtClean="0">
+              <a:rPr lang="ar-SY" sz="1200" b="0" i="0" u="none" strike="noStrike" kern="1200" baseline="0" dirty="0">
                 <a:solidFill>
                   <a:schemeClr val="tx1"/>
                 </a:solidFill>
@@ -1181,7 +1188,7 @@
           </a:p>
           <a:p>
             <a:r>
-              <a:rPr lang="ar-SY" sz="1200" b="0" i="0" u="none" strike="noStrike" kern="1200" baseline="0" dirty="0" smtClean="0">
+              <a:rPr lang="ar-SY" sz="1200" b="0" i="0" u="none" strike="noStrike" kern="1200" baseline="0" dirty="0">
                 <a:solidFill>
                   <a:schemeClr val="tx1"/>
                 </a:solidFill>
@@ -1192,7 +1199,7 @@
               <a:t>و مع تزايد الطلب على هذه  المجالات ظهر معيار </a:t>
             </a:r>
             <a:r>
-              <a:rPr lang="en-US" sz="1200" b="0" i="0" u="none" strike="noStrike" kern="1200" baseline="0" dirty="0" smtClean="0">
+              <a:rPr lang="en-US" sz="1200" b="0" i="0" u="none" strike="noStrike" kern="1200" baseline="0" dirty="0">
                 <a:solidFill>
                   <a:schemeClr val="tx1"/>
                 </a:solidFill>
@@ -1203,7 +1210,7 @@
               <a:t>ipv6</a:t>
             </a:r>
             <a:r>
-              <a:rPr lang="ar-SY" sz="1200" b="0" i="0" u="none" strike="noStrike" kern="1200" baseline="0" dirty="0" smtClean="0">
+              <a:rPr lang="ar-SY" sz="1200" b="0" i="0" u="none" strike="noStrike" kern="1200" baseline="0" dirty="0">
                 <a:solidFill>
                   <a:schemeClr val="tx1"/>
                 </a:solidFill>
@@ -1314,43 +1321,43 @@
               <a:defRPr/>
             </a:pPr>
             <a:r>
-              <a:rPr lang="ar-SY" dirty="0" smtClean="0"/>
+              <a:rPr lang="ar-SY" dirty="0"/>
               <a:t>تفاصيل</a:t>
             </a:r>
             <a:r>
-              <a:rPr lang="ar-SY" baseline="0" dirty="0" smtClean="0"/>
+              <a:rPr lang="ar-SY" baseline="0" dirty="0"/>
               <a:t> الانترنت تدرس في مواد الشبكات الأن ما يهمنا هو الأساسيات التي تساعد في بناء الويب </a:t>
             </a:r>
-            <a:endParaRPr lang="ar-SY" dirty="0" smtClean="0"/>
-          </a:p>
-          <a:p>
-            <a:r>
-              <a:rPr lang="ar-SY" dirty="0" smtClean="0"/>
+            <a:endParaRPr lang="ar-SY" dirty="0"/>
+          </a:p>
+          <a:p>
+            <a:r>
+              <a:rPr lang="ar-SY" dirty="0"/>
               <a:t>كيف</a:t>
             </a:r>
             <a:r>
-              <a:rPr lang="ar-SY" baseline="0" dirty="0" smtClean="0"/>
+              <a:rPr lang="ar-SY" baseline="0" dirty="0"/>
               <a:t> يتم معرفة الأجهزة على شبكة الانترنت ؟</a:t>
             </a:r>
           </a:p>
           <a:p>
             <a:r>
-              <a:rPr lang="ar-SY" baseline="0" dirty="0" smtClean="0"/>
+              <a:rPr lang="ar-SY" baseline="0" dirty="0"/>
               <a:t>باستخدام معرف فريد لكل جهاز... </a:t>
             </a:r>
             <a:r>
-              <a:rPr lang="en-US" baseline="0" dirty="0" err="1" smtClean="0"/>
+              <a:rPr lang="en-US" baseline="0" dirty="0" err="1"/>
               <a:t>Ip</a:t>
             </a:r>
             <a:r>
-              <a:rPr lang="en-US" baseline="0" dirty="0" smtClean="0"/>
+              <a:rPr lang="en-US" baseline="0" dirty="0"/>
               <a:t> address</a:t>
             </a:r>
-            <a:endParaRPr lang="ar-SY" baseline="0" dirty="0" smtClean="0"/>
-          </a:p>
-          <a:p>
-            <a:r>
-              <a:rPr lang="ar-SY" sz="1200" b="0" i="0" u="none" strike="noStrike" kern="1200" baseline="0" dirty="0" smtClean="0">
+            <a:endParaRPr lang="ar-SY" baseline="0" dirty="0"/>
+          </a:p>
+          <a:p>
+            <a:r>
+              <a:rPr lang="ar-SY" sz="1200" b="0" i="0" u="none" strike="noStrike" kern="1200" baseline="0" dirty="0">
                 <a:solidFill>
                   <a:schemeClr val="tx1"/>
                 </a:solidFill>
@@ -1361,7 +1368,7 @@
               <a:t>يتكون العنوان الفريد </a:t>
             </a:r>
             <a:r>
-              <a:rPr lang="en-US" sz="1200" b="0" i="0" u="none" strike="noStrike" kern="1200" baseline="0" dirty="0" smtClean="0">
+              <a:rPr lang="en-US" sz="1200" b="0" i="0" u="none" strike="noStrike" kern="1200" baseline="0" dirty="0">
                 <a:solidFill>
                   <a:schemeClr val="tx1"/>
                 </a:solidFill>
@@ -1372,7 +1379,7 @@
               <a:t> Internet Protocol(IP) address </a:t>
             </a:r>
             <a:r>
-              <a:rPr lang="ar-SY" sz="1200" b="0" i="0" u="none" strike="noStrike" kern="1200" baseline="0" dirty="0" smtClean="0">
+              <a:rPr lang="ar-SY" sz="1200" b="0" i="0" u="none" strike="noStrike" kern="1200" baseline="0" dirty="0">
                 <a:solidFill>
                   <a:schemeClr val="tx1"/>
                 </a:solidFill>
@@ -1385,7 +1392,7 @@
           </a:p>
           <a:p>
             <a:r>
-              <a:rPr lang="ar-SY" sz="1200" b="0" i="0" u="none" strike="noStrike" kern="1200" baseline="0" dirty="0" smtClean="0">
+              <a:rPr lang="ar-SY" sz="1200" b="0" i="0" u="none" strike="noStrike" kern="1200" baseline="0" dirty="0">
                 <a:solidFill>
                   <a:schemeClr val="tx1"/>
                 </a:solidFill>
@@ -1396,7 +1403,7 @@
               <a:t>مثل </a:t>
             </a:r>
             <a:r>
-              <a:rPr lang="en-US" sz="1200" b="0" i="0" u="none" strike="noStrike" kern="1200" baseline="0" dirty="0" smtClean="0">
+              <a:rPr lang="en-US" sz="1200" b="0" i="0" u="none" strike="noStrike" kern="1200" baseline="0" dirty="0">
                 <a:solidFill>
                   <a:schemeClr val="tx1"/>
                 </a:solidFill>
@@ -1407,7 +1414,7 @@
               <a:t>191.57.126.121 </a:t>
             </a:r>
             <a:r>
-              <a:rPr lang="ar-SY" sz="1200" b="0" i="0" u="none" strike="noStrike" kern="1200" baseline="0" dirty="0" smtClean="0">
+              <a:rPr lang="ar-SY" sz="1200" b="0" i="0" u="none" strike="noStrike" kern="1200" baseline="0" dirty="0">
                 <a:solidFill>
                   <a:schemeClr val="tx1"/>
                 </a:solidFill>
@@ -1420,7 +1427,7 @@
           </a:p>
           <a:p>
             <a:r>
-              <a:rPr lang="ar-SY" sz="1200" b="0" i="0" u="none" strike="noStrike" kern="1200" baseline="0" dirty="0" smtClean="0">
+              <a:rPr lang="ar-SY" sz="1200" b="0" i="0" u="none" strike="noStrike" kern="1200" baseline="0" dirty="0">
                 <a:solidFill>
                   <a:schemeClr val="tx1"/>
                 </a:solidFill>
@@ -1433,7 +1440,7 @@
           </a:p>
           <a:p>
             <a:r>
-              <a:rPr lang="ar-SY" sz="1200" b="0" i="0" u="none" strike="noStrike" kern="1200" baseline="0" dirty="0" smtClean="0">
+              <a:rPr lang="ar-SY" sz="1200" b="0" i="0" u="none" strike="noStrike" kern="1200" baseline="0" dirty="0">
                 <a:solidFill>
                   <a:schemeClr val="tx1"/>
                 </a:solidFill>
@@ -1444,7 +1451,7 @@
               <a:t>من </a:t>
             </a:r>
             <a:r>
-              <a:rPr lang="en-US" sz="1200" b="0" i="0" u="none" strike="noStrike" kern="1200" baseline="0" dirty="0" smtClean="0">
+              <a:rPr lang="en-US" sz="1200" b="0" i="0" u="none" strike="noStrike" kern="1200" baseline="0" dirty="0">
                 <a:solidFill>
                   <a:schemeClr val="tx1"/>
                 </a:solidFill>
@@ -1455,7 +1462,7 @@
               <a:t>12.0.0.0   </a:t>
             </a:r>
             <a:r>
-              <a:rPr lang="ar-SY" sz="1200" b="0" i="0" u="none" strike="noStrike" kern="1200" baseline="0" dirty="0" smtClean="0">
+              <a:rPr lang="ar-SY" sz="1200" b="0" i="0" u="none" strike="noStrike" kern="1200" baseline="0" dirty="0">
                 <a:solidFill>
                   <a:schemeClr val="tx1"/>
                 </a:solidFill>
@@ -1466,7 +1473,7 @@
               <a:t> حتى </a:t>
             </a:r>
             <a:r>
-              <a:rPr lang="en-US" sz="1200" b="0" i="0" u="none" strike="noStrike" kern="1200" baseline="0" dirty="0" smtClean="0">
+              <a:rPr lang="en-US" sz="1200" b="0" i="0" u="none" strike="noStrike" kern="1200" baseline="0" dirty="0">
                 <a:solidFill>
                   <a:schemeClr val="tx1"/>
                 </a:solidFill>
@@ -1477,7 +1484,7 @@
               <a:t>12.255.255.255 </a:t>
             </a:r>
             <a:r>
-              <a:rPr lang="ar-SY" sz="1200" b="0" i="0" u="none" strike="noStrike" kern="1200" baseline="0" dirty="0" smtClean="0">
+              <a:rPr lang="ar-SY" sz="1200" b="0" i="0" u="none" strike="noStrike" kern="1200" baseline="0" dirty="0">
                 <a:solidFill>
                   <a:schemeClr val="tx1"/>
                 </a:solidFill>
@@ -1490,7 +1497,7 @@
           </a:p>
           <a:p>
             <a:r>
-              <a:rPr lang="ar-SY" sz="1200" b="0" i="0" u="none" strike="noStrike" kern="1200" baseline="0" dirty="0" smtClean="0">
+              <a:rPr lang="ar-SY" sz="1200" b="0" i="0" u="none" strike="noStrike" kern="1200" baseline="0" dirty="0">
                 <a:solidFill>
                   <a:schemeClr val="tx1"/>
                 </a:solidFill>
@@ -1501,7 +1508,7 @@
               <a:t>و مع تزايد الطلب على هذه  المجالات ظهر معيار </a:t>
             </a:r>
             <a:r>
-              <a:rPr lang="en-US" sz="1200" b="0" i="0" u="none" strike="noStrike" kern="1200" baseline="0" dirty="0" smtClean="0">
+              <a:rPr lang="en-US" sz="1200" b="0" i="0" u="none" strike="noStrike" kern="1200" baseline="0" dirty="0">
                 <a:solidFill>
                   <a:schemeClr val="tx1"/>
                 </a:solidFill>
@@ -1512,7 +1519,7 @@
               <a:t>ipv6</a:t>
             </a:r>
             <a:r>
-              <a:rPr lang="ar-SY" sz="1200" b="0" i="0" u="none" strike="noStrike" kern="1200" baseline="0" dirty="0" smtClean="0">
+              <a:rPr lang="ar-SY" sz="1200" b="0" i="0" u="none" strike="noStrike" kern="1200" baseline="0" dirty="0">
                 <a:solidFill>
                   <a:schemeClr val="tx1"/>
                 </a:solidFill>
@@ -1522,14 +1529,6 @@
               </a:rPr>
               <a:t> لذي يوسع العنوان إلى 128 بت </a:t>
             </a:r>
-            <a:endParaRPr lang="ar-SY" sz="1200" b="0" i="0" u="none" strike="noStrike" kern="1200" baseline="0" dirty="0" smtClean="0">
-              <a:solidFill>
-                <a:schemeClr val="tx1"/>
-              </a:solidFill>
-              <a:latin typeface="+mn-lt"/>
-              <a:ea typeface="+mn-ea"/>
-              <a:cs typeface="+mn-cs"/>
-            </a:endParaRPr>
           </a:p>
         </p:txBody>
       </p:sp>
@@ -1613,7 +1612,11 @@
           <a:bodyPr/>
           <a:lstStyle/>
           <a:p>
-            <a:endParaRPr lang="ar-SY" dirty="0"/>
+            <a:r>
+              <a:rPr lang="ar-SA" dirty="0"/>
+              <a:t>يقوم المتصفح (الزبون) بطلب وثائق من المخدم و يقوم المخدم بتحديد الوثائق المطلوبة و ارسالها للمتصفح (( يمكن أن تكون الوثائق ساكنة أو نتيجة طلب تنفيذ برنامج ما على مخدم كما يمكن للمخدم طلب بيانات معينة من مستخدم المتصفح كبيانات التسجيل في الموقع مثلا ...))</a:t>
+            </a:r>
+            <a:endParaRPr lang="en-US" dirty="0"/>
           </a:p>
         </p:txBody>
       </p:sp>
@@ -1624,7 +1627,7 @@
             <a:spLocks noGrp="1"/>
           </p:cNvSpPr>
           <p:nvPr>
-            <p:ph type="sldNum" sz="quarter" idx="10"/>
+            <p:ph type="sldNum" sz="quarter" idx="5"/>
           </p:nvPr>
         </p:nvSpPr>
         <p:spPr/>
@@ -1643,7 +1646,266 @@
     </p:spTree>
     <p:extLst>
       <p:ext uri="{BB962C8B-B14F-4D97-AF65-F5344CB8AC3E}">
+        <p14:creationId xmlns:p14="http://schemas.microsoft.com/office/powerpoint/2010/main" val="3338899791"/>
+      </p:ext>
+    </p:extLst>
+  </p:cSld>
+  <p:clrMapOvr>
+    <a:masterClrMapping/>
+  </p:clrMapOvr>
+</p:notes>
+</file>
+
+<file path=ppt/notesSlides/notesSlide6.xml><?xml version="1.0" encoding="utf-8"?>
+<p:notes xmlns:a="http://schemas.openxmlformats.org/drawingml/2006/main" xmlns:r="http://schemas.openxmlformats.org/officeDocument/2006/relationships" xmlns:p="http://schemas.openxmlformats.org/presentationml/2006/main">
+  <p:cSld>
+    <p:spTree>
+      <p:nvGrpSpPr>
+        <p:cNvPr id="1" name=""/>
+        <p:cNvGrpSpPr/>
+        <p:nvPr/>
+      </p:nvGrpSpPr>
+      <p:grpSpPr>
+        <a:xfrm>
+          <a:off x="0" y="0"/>
+          <a:ext cx="0" cy="0"/>
+          <a:chOff x="0" y="0"/>
+          <a:chExt cx="0" cy="0"/>
+        </a:xfrm>
+      </p:grpSpPr>
+      <p:sp>
+        <p:nvSpPr>
+          <p:cNvPr id="2" name="عنصر نائب لصورة الشريحة 1"/>
+          <p:cNvSpPr>
+            <a:spLocks noGrp="1" noRot="1" noChangeAspect="1"/>
+          </p:cNvSpPr>
+          <p:nvPr>
+            <p:ph type="sldImg"/>
+          </p:nvPr>
+        </p:nvSpPr>
+        <p:spPr/>
+      </p:sp>
+      <p:sp>
+        <p:nvSpPr>
+          <p:cNvPr id="3" name="عنصر نائب للملاحظات 2"/>
+          <p:cNvSpPr>
+            <a:spLocks noGrp="1"/>
+          </p:cNvSpPr>
+          <p:nvPr>
+            <p:ph type="body" idx="1"/>
+          </p:nvPr>
+        </p:nvSpPr>
+        <p:spPr/>
+        <p:txBody>
+          <a:bodyPr/>
+          <a:lstStyle/>
+          <a:p>
+            <a:r>
+              <a:rPr lang="ar-SA" dirty="0"/>
+              <a:t>يعتمد الويب لتحقيق التواصل بين  المستعرض و المخدم على بروتوكول </a:t>
+            </a:r>
+            <a:endParaRPr lang="en-US" dirty="0"/>
+          </a:p>
+          <a:p>
+            <a:r>
+              <a:rPr lang="en-US" dirty="0"/>
+              <a:t>HTTP (Hyper Text Transfer Protocol)</a:t>
+            </a:r>
+            <a:endParaRPr lang="ar-SY" dirty="0"/>
+          </a:p>
+        </p:txBody>
+      </p:sp>
+      <p:sp>
+        <p:nvSpPr>
+          <p:cNvPr id="4" name="عنصر نائب لرقم الشريحة 3"/>
+          <p:cNvSpPr>
+            <a:spLocks noGrp="1"/>
+          </p:cNvSpPr>
+          <p:nvPr>
+            <p:ph type="sldNum" sz="quarter" idx="10"/>
+          </p:nvPr>
+        </p:nvSpPr>
+        <p:spPr/>
+        <p:txBody>
+          <a:bodyPr/>
+          <a:lstStyle/>
+          <a:p>
+            <a:fld id="{CC320E0A-D0AF-4D7D-9A21-388A396A7CCB}" type="slidenum">
+              <a:rPr lang="ar-SY" smtClean="0"/>
+              <a:t>10</a:t>
+            </a:fld>
+            <a:endParaRPr lang="ar-SY"/>
+          </a:p>
+        </p:txBody>
+      </p:sp>
+    </p:spTree>
+    <p:extLst>
+      <p:ext uri="{BB962C8B-B14F-4D97-AF65-F5344CB8AC3E}">
         <p14:creationId xmlns:p14="http://schemas.microsoft.com/office/powerpoint/2010/main" val="870209674"/>
+      </p:ext>
+    </p:extLst>
+  </p:cSld>
+  <p:clrMapOvr>
+    <a:masterClrMapping/>
+  </p:clrMapOvr>
+</p:notes>
+</file>
+
+<file path=ppt/notesSlides/notesSlide7.xml><?xml version="1.0" encoding="utf-8"?>
+<p:notes xmlns:a="http://schemas.openxmlformats.org/drawingml/2006/main" xmlns:r="http://schemas.openxmlformats.org/officeDocument/2006/relationships" xmlns:p="http://schemas.openxmlformats.org/presentationml/2006/main">
+  <p:cSld>
+    <p:spTree>
+      <p:nvGrpSpPr>
+        <p:cNvPr id="1" name=""/>
+        <p:cNvGrpSpPr/>
+        <p:nvPr/>
+      </p:nvGrpSpPr>
+      <p:grpSpPr>
+        <a:xfrm>
+          <a:off x="0" y="0"/>
+          <a:ext cx="0" cy="0"/>
+          <a:chOff x="0" y="0"/>
+          <a:chExt cx="0" cy="0"/>
+        </a:xfrm>
+      </p:grpSpPr>
+      <p:sp>
+        <p:nvSpPr>
+          <p:cNvPr id="2" name="عنصر نائب لصورة الشريحة 1"/>
+          <p:cNvSpPr>
+            <a:spLocks noGrp="1" noRot="1" noChangeAspect="1"/>
+          </p:cNvSpPr>
+          <p:nvPr>
+            <p:ph type="sldImg"/>
+          </p:nvPr>
+        </p:nvSpPr>
+        <p:spPr/>
+      </p:sp>
+      <p:sp>
+        <p:nvSpPr>
+          <p:cNvPr id="3" name="عنصر نائب للملاحظات 2"/>
+          <p:cNvSpPr>
+            <a:spLocks noGrp="1"/>
+          </p:cNvSpPr>
+          <p:nvPr>
+            <p:ph type="body" idx="1"/>
+          </p:nvPr>
+        </p:nvSpPr>
+        <p:spPr/>
+        <p:txBody>
+          <a:bodyPr/>
+          <a:lstStyle/>
+          <a:p>
+            <a:r>
+              <a:rPr lang="en-US" dirty="0"/>
+              <a:t> </a:t>
+            </a:r>
+            <a:r>
+              <a:rPr lang="ar-SA" b="1" dirty="0"/>
+              <a:t>المخدم </a:t>
+            </a:r>
+            <a:r>
+              <a:rPr lang="en-US" b="1" dirty="0"/>
+              <a:t>Apache </a:t>
+            </a:r>
+            <a:r>
+              <a:rPr lang="ar-SA" dirty="0"/>
+              <a:t>و</a:t>
+            </a:r>
+            <a:r>
+              <a:rPr lang="en-US" dirty="0"/>
+              <a:t> </a:t>
+            </a:r>
+            <a:r>
+              <a:rPr lang="ar-SA" dirty="0"/>
+              <a:t>هو مخدم مجاني مفتوح المصدر يعمل على جميع أنظمة التشغيل. ويتميز </a:t>
+            </a:r>
+            <a:r>
+              <a:rPr lang="ar-SA" dirty="0" err="1"/>
+              <a:t>بوثوقيته</a:t>
+            </a:r>
+            <a:r>
+              <a:rPr lang="ar-SA" dirty="0"/>
+              <a:t> ودعمه للعديد من لغات البرمجة مثل </a:t>
+            </a:r>
+            <a:r>
+              <a:rPr lang="en-US" dirty="0"/>
+              <a:t>php.</a:t>
+            </a:r>
+          </a:p>
+          <a:p>
+            <a:endParaRPr lang="en-US" dirty="0"/>
+          </a:p>
+          <a:p>
+            <a:r>
+              <a:rPr lang="ar-SA" b="1" dirty="0"/>
+              <a:t>المخدم </a:t>
+            </a:r>
+            <a:r>
+              <a:rPr lang="en-US" b="1" dirty="0"/>
+              <a:t>IIS (Internet Information Services) </a:t>
+            </a:r>
+            <a:r>
+              <a:rPr lang="ar-SA" dirty="0"/>
+              <a:t>وهو مخدم </a:t>
+            </a:r>
+            <a:r>
+              <a:rPr lang="en-US" dirty="0"/>
+              <a:t>Microsoft </a:t>
+            </a:r>
+            <a:r>
+              <a:rPr lang="ar-SA" dirty="0"/>
+              <a:t>وبالتالي فهو يعمل على النظام </a:t>
+            </a:r>
+            <a:r>
+              <a:rPr lang="en-US" dirty="0"/>
+              <a:t>Windows </a:t>
+            </a:r>
+            <a:r>
+              <a:rPr lang="ar-SA" dirty="0"/>
+              <a:t>فقط. وهو المنافس </a:t>
+            </a:r>
+            <a:r>
+              <a:rPr lang="ar-SA" dirty="0" err="1"/>
+              <a:t>األقوى</a:t>
+            </a:r>
+            <a:r>
+              <a:rPr lang="ar-SA" dirty="0"/>
+              <a:t> للمخدم </a:t>
+            </a:r>
+            <a:r>
+              <a:rPr lang="en-US" dirty="0"/>
+              <a:t>Apache.</a:t>
+            </a:r>
+          </a:p>
+        </p:txBody>
+      </p:sp>
+      <p:sp>
+        <p:nvSpPr>
+          <p:cNvPr id="4" name="عنصر نائب لرقم الشريحة 3"/>
+          <p:cNvSpPr>
+            <a:spLocks noGrp="1"/>
+          </p:cNvSpPr>
+          <p:nvPr>
+            <p:ph type="sldNum" sz="quarter" idx="5"/>
+          </p:nvPr>
+        </p:nvSpPr>
+        <p:spPr/>
+        <p:txBody>
+          <a:bodyPr/>
+          <a:lstStyle/>
+          <a:p>
+            <a:fld id="{CC320E0A-D0AF-4D7D-9A21-388A396A7CCB}" type="slidenum">
+              <a:rPr lang="ar-SY" smtClean="0"/>
+              <a:t>11</a:t>
+            </a:fld>
+            <a:endParaRPr lang="ar-SY"/>
+          </a:p>
+        </p:txBody>
+      </p:sp>
+    </p:spTree>
+    <p:extLst>
+      <p:ext uri="{BB962C8B-B14F-4D97-AF65-F5344CB8AC3E}">
+        <p14:creationId xmlns:p14="http://schemas.microsoft.com/office/powerpoint/2010/main" val="135952831"/>
       </p:ext>
     </p:extLst>
   </p:cSld>
@@ -1695,8 +1957,8 @@
           </a:lstStyle>
           <a:p>
             <a:r>
-              <a:rPr lang="ar-SA" smtClean="0"/>
-              <a:t>انقر لتحرير نمط العنوان الرئيسي</a:t>
+              <a:rPr lang="ar-SA"/>
+              <a:t>انقر لتحرير نمط عنوان الشكل الرئيسي</a:t>
             </a:r>
             <a:endParaRPr lang="en-US" dirty="0"/>
           </a:p>
@@ -1760,8 +2022,8 @@
           </a:lstStyle>
           <a:p>
             <a:r>
-              <a:rPr lang="ar-SA" smtClean="0"/>
-              <a:t>انقر لتحرير نمط العنوان الثانوي الرئيسي</a:t>
+              <a:rPr lang="ar-SA"/>
+              <a:t>انقر لتحرير نمط العنوان الفرعي للشكل الرئيسي</a:t>
             </a:r>
             <a:endParaRPr lang="en-US" dirty="0"/>
           </a:p>
@@ -1784,7 +2046,7 @@
           <a:p>
             <a:fld id="{3B88ACB1-6B07-4748-A2AF-A58E584E06E3}" type="datetimeFigureOut">
               <a:rPr lang="ar-SY" smtClean="0"/>
-              <a:t>01/02/1442</a:t>
+              <a:t>02/02/1442</a:t>
             </a:fld>
             <a:endParaRPr lang="ar-SY"/>
           </a:p>
@@ -1835,20 +2097,20 @@
     </p:spTree>
     <p:extLst>
       <p:ext uri="{BB962C8B-B14F-4D97-AF65-F5344CB8AC3E}">
-        <p14:creationId xmlns:p14="http://schemas.microsoft.com/office/powerpoint/2010/main" val="4042682895"/>
+        <p14:creationId xmlns:p14="http://schemas.microsoft.com/office/powerpoint/2010/main" val="88883354"/>
       </p:ext>
     </p:extLst>
   </p:cSld>
   <p:clrMapOvr>
     <a:masterClrMapping/>
   </p:clrMapOvr>
-  <mc:AlternateContent xmlns:mc="http://schemas.openxmlformats.org/markup-compatibility/2006">
-    <mc:Choice xmlns:p14="http://schemas.microsoft.com/office/powerpoint/2010/main" Requires="p14">
+  <mc:AlternateContent xmlns:mc="http://schemas.openxmlformats.org/markup-compatibility/2006" xmlns:p14="http://schemas.microsoft.com/office/powerpoint/2010/main">
+    <mc:Choice Requires="p14">
       <p:transition spd="slow" p14:dur="1300">
         <p14:pan dir="u"/>
       </p:transition>
     </mc:Choice>
-    <mc:Fallback>
+    <mc:Fallback xmlns="">
       <p:transition spd="slow">
         <p:fade/>
       </p:transition>
@@ -1890,8 +2152,8 @@
           <a:lstStyle/>
           <a:p>
             <a:r>
-              <a:rPr lang="ar-SA" smtClean="0"/>
-              <a:t>انقر لتحرير نمط العنوان الرئيسي</a:t>
+              <a:rPr lang="ar-SA"/>
+              <a:t>انقر لتحرير نمط عنوان الشكل الرئيسي</a:t>
             </a:r>
             <a:endParaRPr lang="en-US" dirty="0"/>
           </a:p>
@@ -1914,35 +2176,35 @@
           <a:p>
             <a:pPr lvl="0"/>
             <a:r>
-              <a:rPr lang="ar-SA" smtClean="0"/>
-              <a:t>انقر لتحرير أنماط النص الرئيسي</a:t>
+              <a:rPr lang="ar-SA"/>
+              <a:t>انقر لتحرير أنماط نص الشكل الرئيسي</a:t>
             </a:r>
           </a:p>
           <a:p>
             <a:pPr lvl="1"/>
             <a:r>
-              <a:rPr lang="ar-SA" smtClean="0"/>
+              <a:rPr lang="ar-SA"/>
               <a:t>المستوى الثاني</a:t>
             </a:r>
           </a:p>
           <a:p>
             <a:pPr lvl="2"/>
             <a:r>
-              <a:rPr lang="ar-SA" smtClean="0"/>
+              <a:rPr lang="ar-SA"/>
               <a:t>المستوى الثالث</a:t>
             </a:r>
           </a:p>
           <a:p>
             <a:pPr lvl="3"/>
             <a:r>
-              <a:rPr lang="ar-SA" smtClean="0"/>
+              <a:rPr lang="ar-SA"/>
               <a:t>المستوى الرابع</a:t>
             </a:r>
           </a:p>
           <a:p>
             <a:pPr lvl="4"/>
             <a:r>
-              <a:rPr lang="ar-SA" smtClean="0"/>
+              <a:rPr lang="ar-SA"/>
               <a:t>المستوى الخامس</a:t>
             </a:r>
             <a:endParaRPr lang="en-US" dirty="0"/>
@@ -1966,7 +2228,7 @@
           <a:p>
             <a:fld id="{3B88ACB1-6B07-4748-A2AF-A58E584E06E3}" type="datetimeFigureOut">
               <a:rPr lang="ar-SY" smtClean="0"/>
-              <a:t>01/02/1442</a:t>
+              <a:t>02/02/1442</a:t>
             </a:fld>
             <a:endParaRPr lang="ar-SY"/>
           </a:p>
@@ -2017,20 +2279,20 @@
     </p:spTree>
     <p:extLst>
       <p:ext uri="{BB962C8B-B14F-4D97-AF65-F5344CB8AC3E}">
-        <p14:creationId xmlns:p14="http://schemas.microsoft.com/office/powerpoint/2010/main" val="3141322361"/>
+        <p14:creationId xmlns:p14="http://schemas.microsoft.com/office/powerpoint/2010/main" val="1705227890"/>
       </p:ext>
     </p:extLst>
   </p:cSld>
   <p:clrMapOvr>
     <a:masterClrMapping/>
   </p:clrMapOvr>
-  <mc:AlternateContent xmlns:mc="http://schemas.openxmlformats.org/markup-compatibility/2006">
-    <mc:Choice xmlns:p14="http://schemas.microsoft.com/office/powerpoint/2010/main" Requires="p14">
+  <mc:AlternateContent xmlns:mc="http://schemas.openxmlformats.org/markup-compatibility/2006" xmlns:p14="http://schemas.microsoft.com/office/powerpoint/2010/main">
+    <mc:Choice Requires="p14">
       <p:transition spd="slow" p14:dur="1300">
         <p14:pan dir="u"/>
       </p:transition>
     </mc:Choice>
-    <mc:Fallback>
+    <mc:Fallback xmlns="">
       <p:transition spd="slow">
         <p:fade/>
       </p:transition>
@@ -2077,8 +2339,8 @@
           <a:lstStyle/>
           <a:p>
             <a:r>
-              <a:rPr lang="ar-SA" smtClean="0"/>
-              <a:t>انقر لتحرير نمط العنوان الرئيسي</a:t>
+              <a:rPr lang="ar-SA"/>
+              <a:t>انقر لتحرير نمط عنوان الشكل الرئيسي</a:t>
             </a:r>
             <a:endParaRPr lang="en-US" dirty="0"/>
           </a:p>
@@ -2106,35 +2368,35 @@
           <a:p>
             <a:pPr lvl="0"/>
             <a:r>
-              <a:rPr lang="ar-SA" smtClean="0"/>
-              <a:t>انقر لتحرير أنماط النص الرئيسي</a:t>
+              <a:rPr lang="ar-SA"/>
+              <a:t>انقر لتحرير أنماط نص الشكل الرئيسي</a:t>
             </a:r>
           </a:p>
           <a:p>
             <a:pPr lvl="1"/>
             <a:r>
-              <a:rPr lang="ar-SA" smtClean="0"/>
+              <a:rPr lang="ar-SA"/>
               <a:t>المستوى الثاني</a:t>
             </a:r>
           </a:p>
           <a:p>
             <a:pPr lvl="2"/>
             <a:r>
-              <a:rPr lang="ar-SA" smtClean="0"/>
+              <a:rPr lang="ar-SA"/>
               <a:t>المستوى الثالث</a:t>
             </a:r>
           </a:p>
           <a:p>
             <a:pPr lvl="3"/>
             <a:r>
-              <a:rPr lang="ar-SA" smtClean="0"/>
+              <a:rPr lang="ar-SA"/>
               <a:t>المستوى الرابع</a:t>
             </a:r>
           </a:p>
           <a:p>
             <a:pPr lvl="4"/>
             <a:r>
-              <a:rPr lang="ar-SA" smtClean="0"/>
+              <a:rPr lang="ar-SA"/>
               <a:t>المستوى الخامس</a:t>
             </a:r>
             <a:endParaRPr lang="en-US" dirty="0"/>
@@ -2158,7 +2420,7 @@
           <a:p>
             <a:fld id="{3B88ACB1-6B07-4748-A2AF-A58E584E06E3}" type="datetimeFigureOut">
               <a:rPr lang="ar-SY" smtClean="0"/>
-              <a:t>01/02/1442</a:t>
+              <a:t>02/02/1442</a:t>
             </a:fld>
             <a:endParaRPr lang="ar-SY"/>
           </a:p>
@@ -2209,20 +2471,20 @@
     </p:spTree>
     <p:extLst>
       <p:ext uri="{BB962C8B-B14F-4D97-AF65-F5344CB8AC3E}">
-        <p14:creationId xmlns:p14="http://schemas.microsoft.com/office/powerpoint/2010/main" val="2597619606"/>
+        <p14:creationId xmlns:p14="http://schemas.microsoft.com/office/powerpoint/2010/main" val="2177614343"/>
       </p:ext>
     </p:extLst>
   </p:cSld>
   <p:clrMapOvr>
     <a:masterClrMapping/>
   </p:clrMapOvr>
-  <mc:AlternateContent xmlns:mc="http://schemas.openxmlformats.org/markup-compatibility/2006">
-    <mc:Choice xmlns:p14="http://schemas.microsoft.com/office/powerpoint/2010/main" Requires="p14">
+  <mc:AlternateContent xmlns:mc="http://schemas.openxmlformats.org/markup-compatibility/2006" xmlns:p14="http://schemas.microsoft.com/office/powerpoint/2010/main">
+    <mc:Choice Requires="p14">
       <p:transition spd="slow" p14:dur="1300">
         <p14:pan dir="u"/>
       </p:transition>
     </mc:Choice>
-    <mc:Fallback>
+    <mc:Fallback xmlns="">
       <p:transition spd="slow">
         <p:fade/>
       </p:transition>
@@ -2264,8 +2526,8 @@
           <a:lstStyle/>
           <a:p>
             <a:r>
-              <a:rPr lang="ar-SA" smtClean="0"/>
-              <a:t>انقر لتحرير نمط العنوان الرئيسي</a:t>
+              <a:rPr lang="ar-SA"/>
+              <a:t>انقر لتحرير نمط عنوان الشكل الرئيسي</a:t>
             </a:r>
             <a:endParaRPr lang="en-US" dirty="0"/>
           </a:p>
@@ -2288,35 +2550,35 @@
           <a:p>
             <a:pPr lvl="0"/>
             <a:r>
-              <a:rPr lang="ar-SA" smtClean="0"/>
-              <a:t>انقر لتحرير أنماط النص الرئيسي</a:t>
+              <a:rPr lang="ar-SA"/>
+              <a:t>انقر لتحرير أنماط نص الشكل الرئيسي</a:t>
             </a:r>
           </a:p>
           <a:p>
             <a:pPr lvl="1"/>
             <a:r>
-              <a:rPr lang="ar-SA" smtClean="0"/>
+              <a:rPr lang="ar-SA"/>
               <a:t>المستوى الثاني</a:t>
             </a:r>
           </a:p>
           <a:p>
             <a:pPr lvl="2"/>
             <a:r>
-              <a:rPr lang="ar-SA" smtClean="0"/>
+              <a:rPr lang="ar-SA"/>
               <a:t>المستوى الثالث</a:t>
             </a:r>
           </a:p>
           <a:p>
             <a:pPr lvl="3"/>
             <a:r>
-              <a:rPr lang="ar-SA" smtClean="0"/>
+              <a:rPr lang="ar-SA"/>
               <a:t>المستوى الرابع</a:t>
             </a:r>
           </a:p>
           <a:p>
             <a:pPr lvl="4"/>
             <a:r>
-              <a:rPr lang="ar-SA" smtClean="0"/>
+              <a:rPr lang="ar-SA"/>
               <a:t>المستوى الخامس</a:t>
             </a:r>
             <a:endParaRPr lang="en-US" dirty="0"/>
@@ -2340,7 +2602,7 @@
           <a:p>
             <a:fld id="{3B88ACB1-6B07-4748-A2AF-A58E584E06E3}" type="datetimeFigureOut">
               <a:rPr lang="ar-SY" smtClean="0"/>
-              <a:t>01/02/1442</a:t>
+              <a:t>02/02/1442</a:t>
             </a:fld>
             <a:endParaRPr lang="ar-SY"/>
           </a:p>
@@ -2391,20 +2653,20 @@
     </p:spTree>
     <p:extLst>
       <p:ext uri="{BB962C8B-B14F-4D97-AF65-F5344CB8AC3E}">
-        <p14:creationId xmlns:p14="http://schemas.microsoft.com/office/powerpoint/2010/main" val="2141044290"/>
+        <p14:creationId xmlns:p14="http://schemas.microsoft.com/office/powerpoint/2010/main" val="942183262"/>
       </p:ext>
     </p:extLst>
   </p:cSld>
   <p:clrMapOvr>
     <a:masterClrMapping/>
   </p:clrMapOvr>
-  <mc:AlternateContent xmlns:mc="http://schemas.openxmlformats.org/markup-compatibility/2006">
-    <mc:Choice xmlns:p14="http://schemas.microsoft.com/office/powerpoint/2010/main" Requires="p14">
+  <mc:AlternateContent xmlns:mc="http://schemas.openxmlformats.org/markup-compatibility/2006" xmlns:p14="http://schemas.microsoft.com/office/powerpoint/2010/main">
+    <mc:Choice Requires="p14">
       <p:transition spd="slow" p14:dur="1300">
         <p14:pan dir="u"/>
       </p:transition>
     </mc:Choice>
-    <mc:Fallback>
+    <mc:Fallback xmlns="">
       <p:transition spd="slow">
         <p:fade/>
       </p:transition>
@@ -2455,8 +2717,8 @@
           </a:lstStyle>
           <a:p>
             <a:r>
-              <a:rPr lang="ar-SA" smtClean="0"/>
-              <a:t>انقر لتحرير نمط العنوان الرئيسي</a:t>
+              <a:rPr lang="ar-SA"/>
+              <a:t>انقر لتحرير نمط عنوان الشكل الرئيسي</a:t>
             </a:r>
             <a:endParaRPr lang="en-US" dirty="0"/>
           </a:p>
@@ -2575,8 +2837,8 @@
           <a:p>
             <a:pPr lvl="0"/>
             <a:r>
-              <a:rPr lang="ar-SA" smtClean="0"/>
-              <a:t>انقر لتحرير أنماط النص الرئيسي</a:t>
+              <a:rPr lang="ar-SA"/>
+              <a:t>انقر لتحرير أنماط نص الشكل الرئيسي</a:t>
             </a:r>
           </a:p>
         </p:txBody>
@@ -2598,7 +2860,7 @@
           <a:p>
             <a:fld id="{3B88ACB1-6B07-4748-A2AF-A58E584E06E3}" type="datetimeFigureOut">
               <a:rPr lang="ar-SY" smtClean="0"/>
-              <a:t>01/02/1442</a:t>
+              <a:t>02/02/1442</a:t>
             </a:fld>
             <a:endParaRPr lang="ar-SY"/>
           </a:p>
@@ -2649,20 +2911,20 @@
     </p:spTree>
     <p:extLst>
       <p:ext uri="{BB962C8B-B14F-4D97-AF65-F5344CB8AC3E}">
-        <p14:creationId xmlns:p14="http://schemas.microsoft.com/office/powerpoint/2010/main" val="752096372"/>
+        <p14:creationId xmlns:p14="http://schemas.microsoft.com/office/powerpoint/2010/main" val="3540915329"/>
       </p:ext>
     </p:extLst>
   </p:cSld>
   <p:clrMapOvr>
     <a:masterClrMapping/>
   </p:clrMapOvr>
-  <mc:AlternateContent xmlns:mc="http://schemas.openxmlformats.org/markup-compatibility/2006">
-    <mc:Choice xmlns:p14="http://schemas.microsoft.com/office/powerpoint/2010/main" Requires="p14">
+  <mc:AlternateContent xmlns:mc="http://schemas.openxmlformats.org/markup-compatibility/2006" xmlns:p14="http://schemas.microsoft.com/office/powerpoint/2010/main">
+    <mc:Choice Requires="p14">
       <p:transition spd="slow" p14:dur="1300">
         <p14:pan dir="u"/>
       </p:transition>
     </mc:Choice>
-    <mc:Fallback>
+    <mc:Fallback xmlns="">
       <p:transition spd="slow">
         <p:fade/>
       </p:transition>
@@ -2673,7 +2935,7 @@
 
 <file path=ppt/slideLayouts/slideLayout4.xml><?xml version="1.0" encoding="utf-8"?>
 <p:sldLayout xmlns:a="http://schemas.openxmlformats.org/drawingml/2006/main" xmlns:r="http://schemas.openxmlformats.org/officeDocument/2006/relationships" xmlns:p="http://schemas.openxmlformats.org/presentationml/2006/main" type="twoObj" preserve="1">
-  <p:cSld name="محتويين">
+  <p:cSld name="محتويان">
     <p:spTree>
       <p:nvGrpSpPr>
         <p:cNvPr id="1" name=""/>
@@ -2704,8 +2966,8 @@
           <a:lstStyle/>
           <a:p>
             <a:r>
-              <a:rPr lang="ar-SA" smtClean="0"/>
-              <a:t>انقر لتحرير نمط العنوان الرئيسي</a:t>
+              <a:rPr lang="ar-SA"/>
+              <a:t>انقر لتحرير نمط عنوان الشكل الرئيسي</a:t>
             </a:r>
             <a:endParaRPr lang="en-US" dirty="0"/>
           </a:p>
@@ -2733,35 +2995,35 @@
           <a:p>
             <a:pPr lvl="0"/>
             <a:r>
-              <a:rPr lang="ar-SA" smtClean="0"/>
-              <a:t>انقر لتحرير أنماط النص الرئيسي</a:t>
+              <a:rPr lang="ar-SA"/>
+              <a:t>انقر لتحرير أنماط نص الشكل الرئيسي</a:t>
             </a:r>
           </a:p>
           <a:p>
             <a:pPr lvl="1"/>
             <a:r>
-              <a:rPr lang="ar-SA" smtClean="0"/>
+              <a:rPr lang="ar-SA"/>
               <a:t>المستوى الثاني</a:t>
             </a:r>
           </a:p>
           <a:p>
             <a:pPr lvl="2"/>
             <a:r>
-              <a:rPr lang="ar-SA" smtClean="0"/>
+              <a:rPr lang="ar-SA"/>
               <a:t>المستوى الثالث</a:t>
             </a:r>
           </a:p>
           <a:p>
             <a:pPr lvl="3"/>
             <a:r>
-              <a:rPr lang="ar-SA" smtClean="0"/>
+              <a:rPr lang="ar-SA"/>
               <a:t>المستوى الرابع</a:t>
             </a:r>
           </a:p>
           <a:p>
             <a:pPr lvl="4"/>
             <a:r>
-              <a:rPr lang="ar-SA" smtClean="0"/>
+              <a:rPr lang="ar-SA"/>
               <a:t>المستوى الخامس</a:t>
             </a:r>
             <a:endParaRPr lang="en-US" dirty="0"/>
@@ -2790,35 +3052,35 @@
           <a:p>
             <a:pPr lvl="0"/>
             <a:r>
-              <a:rPr lang="ar-SA" smtClean="0"/>
-              <a:t>انقر لتحرير أنماط النص الرئيسي</a:t>
+              <a:rPr lang="ar-SA"/>
+              <a:t>انقر لتحرير أنماط نص الشكل الرئيسي</a:t>
             </a:r>
           </a:p>
           <a:p>
             <a:pPr lvl="1"/>
             <a:r>
-              <a:rPr lang="ar-SA" smtClean="0"/>
+              <a:rPr lang="ar-SA"/>
               <a:t>المستوى الثاني</a:t>
             </a:r>
           </a:p>
           <a:p>
             <a:pPr lvl="2"/>
             <a:r>
-              <a:rPr lang="ar-SA" smtClean="0"/>
+              <a:rPr lang="ar-SA"/>
               <a:t>المستوى الثالث</a:t>
             </a:r>
           </a:p>
           <a:p>
             <a:pPr lvl="3"/>
             <a:r>
-              <a:rPr lang="ar-SA" smtClean="0"/>
+              <a:rPr lang="ar-SA"/>
               <a:t>المستوى الرابع</a:t>
             </a:r>
           </a:p>
           <a:p>
             <a:pPr lvl="4"/>
             <a:r>
-              <a:rPr lang="ar-SA" smtClean="0"/>
+              <a:rPr lang="ar-SA"/>
               <a:t>المستوى الخامس</a:t>
             </a:r>
             <a:endParaRPr lang="en-US" dirty="0"/>
@@ -2842,7 +3104,7 @@
           <a:p>
             <a:fld id="{3B88ACB1-6B07-4748-A2AF-A58E584E06E3}" type="datetimeFigureOut">
               <a:rPr lang="ar-SY" smtClean="0"/>
-              <a:t>01/02/1442</a:t>
+              <a:t>02/02/1442</a:t>
             </a:fld>
             <a:endParaRPr lang="ar-SY"/>
           </a:p>
@@ -2893,25 +3155,13 @@
     </p:spTree>
     <p:extLst>
       <p:ext uri="{BB962C8B-B14F-4D97-AF65-F5344CB8AC3E}">
-        <p14:creationId xmlns:p14="http://schemas.microsoft.com/office/powerpoint/2010/main" val="4136603242"/>
+        <p14:creationId xmlns:p14="http://schemas.microsoft.com/office/powerpoint/2010/main" val="182560861"/>
       </p:ext>
     </p:extLst>
   </p:cSld>
   <p:clrMapOvr>
     <a:masterClrMapping/>
   </p:clrMapOvr>
-  <mc:AlternateContent xmlns:mc="http://schemas.openxmlformats.org/markup-compatibility/2006">
-    <mc:Choice xmlns:p14="http://schemas.microsoft.com/office/powerpoint/2010/main" Requires="p14">
-      <p:transition spd="slow" p14:dur="1300">
-        <p14:pan dir="u"/>
-      </p:transition>
-    </mc:Choice>
-    <mc:Fallback>
-      <p:transition spd="slow">
-        <p:fade/>
-      </p:transition>
-    </mc:Fallback>
-  </mc:AlternateContent>
 </p:sldLayout>
 </file>
 
@@ -2953,8 +3203,8 @@
           <a:lstStyle/>
           <a:p>
             <a:r>
-              <a:rPr lang="ar-SA" smtClean="0"/>
-              <a:t>انقر لتحرير نمط العنوان الرئيسي</a:t>
+              <a:rPr lang="ar-SA"/>
+              <a:t>انقر لتحرير نمط عنوان الشكل الرئيسي</a:t>
             </a:r>
             <a:endParaRPr lang="en-US" dirty="0"/>
           </a:p>
@@ -3019,8 +3269,8 @@
           <a:p>
             <a:pPr lvl="0"/>
             <a:r>
-              <a:rPr lang="ar-SA" smtClean="0"/>
-              <a:t>انقر لتحرير أنماط النص الرئيسي</a:t>
+              <a:rPr lang="ar-SA"/>
+              <a:t>انقر لتحرير أنماط نص الشكل الرئيسي</a:t>
             </a:r>
           </a:p>
         </p:txBody>
@@ -3047,35 +3297,35 @@
           <a:p>
             <a:pPr lvl="0"/>
             <a:r>
-              <a:rPr lang="ar-SA" smtClean="0"/>
-              <a:t>انقر لتحرير أنماط النص الرئيسي</a:t>
+              <a:rPr lang="ar-SA"/>
+              <a:t>انقر لتحرير أنماط نص الشكل الرئيسي</a:t>
             </a:r>
           </a:p>
           <a:p>
             <a:pPr lvl="1"/>
             <a:r>
-              <a:rPr lang="ar-SA" smtClean="0"/>
+              <a:rPr lang="ar-SA"/>
               <a:t>المستوى الثاني</a:t>
             </a:r>
           </a:p>
           <a:p>
             <a:pPr lvl="2"/>
             <a:r>
-              <a:rPr lang="ar-SA" smtClean="0"/>
+              <a:rPr lang="ar-SA"/>
               <a:t>المستوى الثالث</a:t>
             </a:r>
           </a:p>
           <a:p>
             <a:pPr lvl="3"/>
             <a:r>
-              <a:rPr lang="ar-SA" smtClean="0"/>
+              <a:rPr lang="ar-SA"/>
               <a:t>المستوى الرابع</a:t>
             </a:r>
           </a:p>
           <a:p>
             <a:pPr lvl="4"/>
             <a:r>
-              <a:rPr lang="ar-SA" smtClean="0"/>
+              <a:rPr lang="ar-SA"/>
               <a:t>المستوى الخامس</a:t>
             </a:r>
             <a:endParaRPr lang="en-US" dirty="0"/>
@@ -3141,8 +3391,8 @@
           <a:p>
             <a:pPr lvl="0"/>
             <a:r>
-              <a:rPr lang="ar-SA" smtClean="0"/>
-              <a:t>انقر لتحرير أنماط النص الرئيسي</a:t>
+              <a:rPr lang="ar-SA"/>
+              <a:t>انقر لتحرير أنماط نص الشكل الرئيسي</a:t>
             </a:r>
           </a:p>
         </p:txBody>
@@ -3169,35 +3419,35 @@
           <a:p>
             <a:pPr lvl="0"/>
             <a:r>
-              <a:rPr lang="ar-SA" smtClean="0"/>
-              <a:t>انقر لتحرير أنماط النص الرئيسي</a:t>
+              <a:rPr lang="ar-SA"/>
+              <a:t>انقر لتحرير أنماط نص الشكل الرئيسي</a:t>
             </a:r>
           </a:p>
           <a:p>
             <a:pPr lvl="1"/>
             <a:r>
-              <a:rPr lang="ar-SA" smtClean="0"/>
+              <a:rPr lang="ar-SA"/>
               <a:t>المستوى الثاني</a:t>
             </a:r>
           </a:p>
           <a:p>
             <a:pPr lvl="2"/>
             <a:r>
-              <a:rPr lang="ar-SA" smtClean="0"/>
+              <a:rPr lang="ar-SA"/>
               <a:t>المستوى الثالث</a:t>
             </a:r>
           </a:p>
           <a:p>
             <a:pPr lvl="3"/>
             <a:r>
-              <a:rPr lang="ar-SA" smtClean="0"/>
+              <a:rPr lang="ar-SA"/>
               <a:t>المستوى الرابع</a:t>
             </a:r>
           </a:p>
           <a:p>
             <a:pPr lvl="4"/>
             <a:r>
-              <a:rPr lang="ar-SA" smtClean="0"/>
+              <a:rPr lang="ar-SA"/>
               <a:t>المستوى الخامس</a:t>
             </a:r>
             <a:endParaRPr lang="en-US" dirty="0"/>
@@ -3221,7 +3471,7 @@
           <a:p>
             <a:fld id="{3B88ACB1-6B07-4748-A2AF-A58E584E06E3}" type="datetimeFigureOut">
               <a:rPr lang="ar-SY" smtClean="0"/>
-              <a:t>01/02/1442</a:t>
+              <a:t>02/02/1442</a:t>
             </a:fld>
             <a:endParaRPr lang="ar-SY"/>
           </a:p>
@@ -3272,20 +3522,20 @@
     </p:spTree>
     <p:extLst>
       <p:ext uri="{BB962C8B-B14F-4D97-AF65-F5344CB8AC3E}">
-        <p14:creationId xmlns:p14="http://schemas.microsoft.com/office/powerpoint/2010/main" val="3087688999"/>
+        <p14:creationId xmlns:p14="http://schemas.microsoft.com/office/powerpoint/2010/main" val="3170882929"/>
       </p:ext>
     </p:extLst>
   </p:cSld>
   <p:clrMapOvr>
     <a:masterClrMapping/>
   </p:clrMapOvr>
-  <mc:AlternateContent xmlns:mc="http://schemas.openxmlformats.org/markup-compatibility/2006">
-    <mc:Choice xmlns:p14="http://schemas.microsoft.com/office/powerpoint/2010/main" Requires="p14">
+  <mc:AlternateContent xmlns:mc="http://schemas.openxmlformats.org/markup-compatibility/2006" xmlns:p14="http://schemas.microsoft.com/office/powerpoint/2010/main">
+    <mc:Choice Requires="p14">
       <p:transition spd="slow" p14:dur="1300">
         <p14:pan dir="u"/>
       </p:transition>
     </mc:Choice>
-    <mc:Fallback>
+    <mc:Fallback xmlns="">
       <p:transition spd="slow">
         <p:fade/>
       </p:transition>
@@ -3327,8 +3577,8 @@
           <a:lstStyle/>
           <a:p>
             <a:r>
-              <a:rPr lang="ar-SA" smtClean="0"/>
-              <a:t>انقر لتحرير نمط العنوان الرئيسي</a:t>
+              <a:rPr lang="ar-SA"/>
+              <a:t>انقر لتحرير نمط عنوان الشكل الرئيسي</a:t>
             </a:r>
             <a:endParaRPr lang="en-US" dirty="0"/>
           </a:p>
@@ -3351,7 +3601,7 @@
           <a:p>
             <a:fld id="{3B88ACB1-6B07-4748-A2AF-A58E584E06E3}" type="datetimeFigureOut">
               <a:rPr lang="ar-SY" smtClean="0"/>
-              <a:t>01/02/1442</a:t>
+              <a:t>02/02/1442</a:t>
             </a:fld>
             <a:endParaRPr lang="ar-SY"/>
           </a:p>
@@ -3402,20 +3652,20 @@
     </p:spTree>
     <p:extLst>
       <p:ext uri="{BB962C8B-B14F-4D97-AF65-F5344CB8AC3E}">
-        <p14:creationId xmlns:p14="http://schemas.microsoft.com/office/powerpoint/2010/main" val="2872382385"/>
+        <p14:creationId xmlns:p14="http://schemas.microsoft.com/office/powerpoint/2010/main" val="742069145"/>
       </p:ext>
     </p:extLst>
   </p:cSld>
   <p:clrMapOvr>
     <a:masterClrMapping/>
   </p:clrMapOvr>
-  <mc:AlternateContent xmlns:mc="http://schemas.openxmlformats.org/markup-compatibility/2006">
-    <mc:Choice xmlns:p14="http://schemas.microsoft.com/office/powerpoint/2010/main" Requires="p14">
+  <mc:AlternateContent xmlns:mc="http://schemas.openxmlformats.org/markup-compatibility/2006" xmlns:p14="http://schemas.microsoft.com/office/powerpoint/2010/main">
+    <mc:Choice Requires="p14">
       <p:transition spd="slow" p14:dur="1300">
         <p14:pan dir="u"/>
       </p:transition>
     </mc:Choice>
-    <mc:Fallback>
+    <mc:Fallback xmlns="">
       <p:transition spd="slow">
         <p:fade/>
       </p:transition>
@@ -3458,7 +3708,7 @@
           <a:p>
             <a:fld id="{3B88ACB1-6B07-4748-A2AF-A58E584E06E3}" type="datetimeFigureOut">
               <a:rPr lang="ar-SY" smtClean="0"/>
-              <a:t>01/02/1442</a:t>
+              <a:t>02/02/1442</a:t>
             </a:fld>
             <a:endParaRPr lang="ar-SY"/>
           </a:p>
@@ -3509,20 +3759,20 @@
     </p:spTree>
     <p:extLst>
       <p:ext uri="{BB962C8B-B14F-4D97-AF65-F5344CB8AC3E}">
-        <p14:creationId xmlns:p14="http://schemas.microsoft.com/office/powerpoint/2010/main" val="2039637527"/>
+        <p14:creationId xmlns:p14="http://schemas.microsoft.com/office/powerpoint/2010/main" val="2003752470"/>
       </p:ext>
     </p:extLst>
   </p:cSld>
   <p:clrMapOvr>
     <a:masterClrMapping/>
   </p:clrMapOvr>
-  <mc:AlternateContent xmlns:mc="http://schemas.openxmlformats.org/markup-compatibility/2006">
-    <mc:Choice xmlns:p14="http://schemas.microsoft.com/office/powerpoint/2010/main" Requires="p14">
+  <mc:AlternateContent xmlns:mc="http://schemas.openxmlformats.org/markup-compatibility/2006" xmlns:p14="http://schemas.microsoft.com/office/powerpoint/2010/main">
+    <mc:Choice Requires="p14">
       <p:transition spd="slow" p14:dur="1300">
         <p14:pan dir="u"/>
       </p:transition>
     </mc:Choice>
-    <mc:Fallback>
+    <mc:Fallback xmlns="">
       <p:transition spd="slow">
         <p:fade/>
       </p:transition>
@@ -3533,7 +3783,7 @@
 
 <file path=ppt/slideLayouts/slideLayout8.xml><?xml version="1.0" encoding="utf-8"?>
 <p:sldLayout xmlns:a="http://schemas.openxmlformats.org/drawingml/2006/main" xmlns:r="http://schemas.openxmlformats.org/officeDocument/2006/relationships" xmlns:p="http://schemas.openxmlformats.org/presentationml/2006/main" type="objTx" preserve="1">
-  <p:cSld name="محتوى ذو تسمية توضيحية">
+  <p:cSld name="محتوى مع تسمية توضيحية">
     <p:spTree>
       <p:nvGrpSpPr>
         <p:cNvPr id="1" name=""/>
@@ -3573,8 +3823,8 @@
           </a:lstStyle>
           <a:p>
             <a:r>
-              <a:rPr lang="ar-SA" smtClean="0"/>
-              <a:t>انقر لتحرير نمط العنوان الرئيسي</a:t>
+              <a:rPr lang="ar-SA"/>
+              <a:t>انقر لتحرير نمط عنوان الشكل الرئيسي</a:t>
             </a:r>
             <a:endParaRPr lang="en-US" dirty="0"/>
           </a:p>
@@ -3630,35 +3880,35 @@
           <a:p>
             <a:pPr lvl="0"/>
             <a:r>
-              <a:rPr lang="ar-SA" smtClean="0"/>
-              <a:t>انقر لتحرير أنماط النص الرئيسي</a:t>
+              <a:rPr lang="ar-SA"/>
+              <a:t>انقر لتحرير أنماط نص الشكل الرئيسي</a:t>
             </a:r>
           </a:p>
           <a:p>
             <a:pPr lvl="1"/>
             <a:r>
-              <a:rPr lang="ar-SA" smtClean="0"/>
+              <a:rPr lang="ar-SA"/>
               <a:t>المستوى الثاني</a:t>
             </a:r>
           </a:p>
           <a:p>
             <a:pPr lvl="2"/>
             <a:r>
-              <a:rPr lang="ar-SA" smtClean="0"/>
+              <a:rPr lang="ar-SA"/>
               <a:t>المستوى الثالث</a:t>
             </a:r>
           </a:p>
           <a:p>
             <a:pPr lvl="3"/>
             <a:r>
-              <a:rPr lang="ar-SA" smtClean="0"/>
+              <a:rPr lang="ar-SA"/>
               <a:t>المستوى الرابع</a:t>
             </a:r>
           </a:p>
           <a:p>
             <a:pPr lvl="4"/>
             <a:r>
-              <a:rPr lang="ar-SA" smtClean="0"/>
+              <a:rPr lang="ar-SA"/>
               <a:t>المستوى الخامس</a:t>
             </a:r>
             <a:endParaRPr lang="en-US" dirty="0"/>
@@ -3724,8 +3974,8 @@
           <a:p>
             <a:pPr lvl="0"/>
             <a:r>
-              <a:rPr lang="ar-SA" smtClean="0"/>
-              <a:t>انقر لتحرير أنماط النص الرئيسي</a:t>
+              <a:rPr lang="ar-SA"/>
+              <a:t>انقر لتحرير أنماط نص الشكل الرئيسي</a:t>
             </a:r>
           </a:p>
         </p:txBody>
@@ -3747,7 +3997,7 @@
           <a:p>
             <a:fld id="{3B88ACB1-6B07-4748-A2AF-A58E584E06E3}" type="datetimeFigureOut">
               <a:rPr lang="ar-SY" smtClean="0"/>
-              <a:t>01/02/1442</a:t>
+              <a:t>02/02/1442</a:t>
             </a:fld>
             <a:endParaRPr lang="ar-SY"/>
           </a:p>
@@ -3798,25 +4048,13 @@
     </p:spTree>
     <p:extLst>
       <p:ext uri="{BB962C8B-B14F-4D97-AF65-F5344CB8AC3E}">
-        <p14:creationId xmlns:p14="http://schemas.microsoft.com/office/powerpoint/2010/main" val="4220415065"/>
+        <p14:creationId xmlns:p14="http://schemas.microsoft.com/office/powerpoint/2010/main" val="2824989716"/>
       </p:ext>
     </p:extLst>
   </p:cSld>
   <p:clrMapOvr>
     <a:masterClrMapping/>
   </p:clrMapOvr>
-  <mc:AlternateContent xmlns:mc="http://schemas.openxmlformats.org/markup-compatibility/2006">
-    <mc:Choice xmlns:p14="http://schemas.microsoft.com/office/powerpoint/2010/main" Requires="p14">
-      <p:transition spd="slow" p14:dur="1300">
-        <p14:pan dir="u"/>
-      </p:transition>
-    </mc:Choice>
-    <mc:Fallback>
-      <p:transition spd="slow">
-        <p:fade/>
-      </p:transition>
-    </mc:Fallback>
-  </mc:AlternateContent>
 </p:sldLayout>
 </file>
 
@@ -3862,8 +4100,8 @@
           </a:lstStyle>
           <a:p>
             <a:r>
-              <a:rPr lang="ar-SA" smtClean="0"/>
-              <a:t>انقر لتحرير نمط العنوان الرئيسي</a:t>
+              <a:rPr lang="ar-SA"/>
+              <a:t>انقر لتحرير نمط عنوان الشكل الرئيسي</a:t>
             </a:r>
             <a:endParaRPr lang="en-US" dirty="0"/>
           </a:p>
@@ -3927,7 +4165,7 @@
           </a:lstStyle>
           <a:p>
             <a:r>
-              <a:rPr lang="ar-SA" smtClean="0"/>
+              <a:rPr lang="ar-SA"/>
               <a:t>انقر فوق الأيقونة لإضافة صورة</a:t>
             </a:r>
             <a:endParaRPr lang="en-US" dirty="0"/>
@@ -3993,8 +4231,8 @@
           <a:p>
             <a:pPr lvl="0"/>
             <a:r>
-              <a:rPr lang="ar-SA" smtClean="0"/>
-              <a:t>انقر لتحرير أنماط النص الرئيسي</a:t>
+              <a:rPr lang="ar-SA"/>
+              <a:t>انقر لتحرير أنماط نص الشكل الرئيسي</a:t>
             </a:r>
           </a:p>
         </p:txBody>
@@ -4016,7 +4254,7 @@
           <a:p>
             <a:fld id="{3B88ACB1-6B07-4748-A2AF-A58E584E06E3}" type="datetimeFigureOut">
               <a:rPr lang="ar-SY" smtClean="0"/>
-              <a:t>01/02/1442</a:t>
+              <a:t>02/02/1442</a:t>
             </a:fld>
             <a:endParaRPr lang="ar-SY"/>
           </a:p>
@@ -4067,20 +4305,20 @@
     </p:spTree>
     <p:extLst>
       <p:ext uri="{BB962C8B-B14F-4D97-AF65-F5344CB8AC3E}">
-        <p14:creationId xmlns:p14="http://schemas.microsoft.com/office/powerpoint/2010/main" val="3299685966"/>
+        <p14:creationId xmlns:p14="http://schemas.microsoft.com/office/powerpoint/2010/main" val="3732755769"/>
       </p:ext>
     </p:extLst>
   </p:cSld>
   <p:clrMapOvr>
     <a:masterClrMapping/>
   </p:clrMapOvr>
-  <mc:AlternateContent xmlns:mc="http://schemas.openxmlformats.org/markup-compatibility/2006">
-    <mc:Choice xmlns:p14="http://schemas.microsoft.com/office/powerpoint/2010/main" Requires="p14">
+  <mc:AlternateContent xmlns:mc="http://schemas.openxmlformats.org/markup-compatibility/2006" xmlns:p14="http://schemas.microsoft.com/office/powerpoint/2010/main">
+    <mc:Choice Requires="p14">
       <p:transition spd="slow" p14:dur="1300">
         <p14:pan dir="u"/>
       </p:transition>
     </mc:Choice>
-    <mc:Fallback>
+    <mc:Fallback xmlns="">
       <p:transition spd="slow">
         <p:fade/>
       </p:transition>
@@ -4137,8 +4375,8 @@
           <a:lstStyle/>
           <a:p>
             <a:r>
-              <a:rPr lang="ar-SA" smtClean="0"/>
-              <a:t>انقر لتحرير نمط العنوان الرئيسي</a:t>
+              <a:rPr lang="ar-SA"/>
+              <a:t>انقر لتحرير نمط عنوان الشكل الرئيسي</a:t>
             </a:r>
             <a:endParaRPr lang="en-US" dirty="0"/>
           </a:p>
@@ -4171,35 +4409,35 @@
           <a:p>
             <a:pPr lvl="0"/>
             <a:r>
-              <a:rPr lang="ar-SA" smtClean="0"/>
-              <a:t>انقر لتحرير أنماط النص الرئيسي</a:t>
+              <a:rPr lang="ar-SA"/>
+              <a:t>انقر لتحرير أنماط نص الشكل الرئيسي</a:t>
             </a:r>
           </a:p>
           <a:p>
             <a:pPr lvl="1"/>
             <a:r>
-              <a:rPr lang="ar-SA" smtClean="0"/>
+              <a:rPr lang="ar-SA"/>
               <a:t>المستوى الثاني</a:t>
             </a:r>
           </a:p>
           <a:p>
             <a:pPr lvl="2"/>
             <a:r>
-              <a:rPr lang="ar-SA" smtClean="0"/>
+              <a:rPr lang="ar-SA"/>
               <a:t>المستوى الثالث</a:t>
             </a:r>
           </a:p>
           <a:p>
             <a:pPr lvl="3"/>
             <a:r>
-              <a:rPr lang="ar-SA" smtClean="0"/>
+              <a:rPr lang="ar-SA"/>
               <a:t>المستوى الرابع</a:t>
             </a:r>
           </a:p>
           <a:p>
             <a:pPr lvl="4"/>
             <a:r>
-              <a:rPr lang="ar-SA" smtClean="0"/>
+              <a:rPr lang="ar-SA"/>
               <a:t>المستوى الخامس</a:t>
             </a:r>
             <a:endParaRPr lang="en-US" dirty="0"/>
@@ -4241,7 +4479,7 @@
           <a:p>
             <a:fld id="{3B88ACB1-6B07-4748-A2AF-A58E584E06E3}" type="datetimeFigureOut">
               <a:rPr lang="ar-SY" smtClean="0"/>
-              <a:t>01/02/1442</a:t>
+              <a:t>02/02/1442</a:t>
             </a:fld>
             <a:endParaRPr lang="ar-SY"/>
           </a:p>
@@ -4328,31 +4566,31 @@
     </p:spTree>
     <p:extLst>
       <p:ext uri="{BB962C8B-B14F-4D97-AF65-F5344CB8AC3E}">
-        <p14:creationId xmlns:p14="http://schemas.microsoft.com/office/powerpoint/2010/main" val="2949750908"/>
+        <p14:creationId xmlns:p14="http://schemas.microsoft.com/office/powerpoint/2010/main" val="2147025047"/>
       </p:ext>
     </p:extLst>
   </p:cSld>
   <p:clrMap bg1="dk1" tx1="lt1" bg2="dk2" tx2="lt2" accent1="accent1" accent2="accent2" accent3="accent3" accent4="accent4" accent5="accent5" accent6="accent6" hlink="hlink" folHlink="folHlink"/>
   <p:sldLayoutIdLst>
-    <p:sldLayoutId id="2147483793" r:id="rId1"/>
-    <p:sldLayoutId id="2147483794" r:id="rId2"/>
-    <p:sldLayoutId id="2147483795" r:id="rId3"/>
-    <p:sldLayoutId id="2147483796" r:id="rId4"/>
-    <p:sldLayoutId id="2147483797" r:id="rId5"/>
-    <p:sldLayoutId id="2147483798" r:id="rId6"/>
-    <p:sldLayoutId id="2147483799" r:id="rId7"/>
-    <p:sldLayoutId id="2147483800" r:id="rId8"/>
-    <p:sldLayoutId id="2147483801" r:id="rId9"/>
-    <p:sldLayoutId id="2147483802" r:id="rId10"/>
-    <p:sldLayoutId id="2147483803" r:id="rId11"/>
+    <p:sldLayoutId id="2147483817" r:id="rId1"/>
+    <p:sldLayoutId id="2147483818" r:id="rId2"/>
+    <p:sldLayoutId id="2147483819" r:id="rId3"/>
+    <p:sldLayoutId id="2147483820" r:id="rId4"/>
+    <p:sldLayoutId id="2147483821" r:id="rId5"/>
+    <p:sldLayoutId id="2147483822" r:id="rId6"/>
+    <p:sldLayoutId id="2147483823" r:id="rId7"/>
+    <p:sldLayoutId id="2147483824" r:id="rId8"/>
+    <p:sldLayoutId id="2147483825" r:id="rId9"/>
+    <p:sldLayoutId id="2147483826" r:id="rId10"/>
+    <p:sldLayoutId id="2147483827" r:id="rId11"/>
   </p:sldLayoutIdLst>
-  <mc:AlternateContent xmlns:mc="http://schemas.openxmlformats.org/markup-compatibility/2006">
-    <mc:Choice xmlns:p14="http://schemas.microsoft.com/office/powerpoint/2010/main" Requires="p14">
+  <mc:AlternateContent xmlns:mc="http://schemas.openxmlformats.org/markup-compatibility/2006" xmlns:p14="http://schemas.microsoft.com/office/powerpoint/2010/main">
+    <mc:Choice Requires="p14">
       <p:transition spd="slow" p14:dur="1300">
         <p14:pan dir="u"/>
       </p:transition>
     </mc:Choice>
-    <mc:Fallback>
+    <mc:Fallback xmlns="">
       <p:transition spd="slow">
         <p:fade/>
       </p:transition>
@@ -4360,7 +4598,7 @@
   </mc:AlternateContent>
   <p:txStyles>
     <p:titleStyle>
-      <a:lvl1pPr algn="l" defTabSz="914400" rtl="1" eaLnBrk="1" latinLnBrk="0" hangingPunct="1">
+      <a:lvl1pPr algn="l" defTabSz="914400" rtl="0" eaLnBrk="1" latinLnBrk="0" hangingPunct="1">
         <a:lnSpc>
           <a:spcPct val="90000"/>
         </a:lnSpc>
@@ -4379,7 +4617,7 @@
       </a:lvl1pPr>
     </p:titleStyle>
     <p:bodyStyle>
-      <a:lvl1pPr marL="228600" indent="-228600" algn="r" defTabSz="914400" rtl="1" eaLnBrk="1" latinLnBrk="0" hangingPunct="1">
+      <a:lvl1pPr marL="228600" indent="-228600" algn="l" defTabSz="914400" rtl="0" eaLnBrk="1" latinLnBrk="0" hangingPunct="1">
         <a:lnSpc>
           <a:spcPct val="90000"/>
         </a:lnSpc>
@@ -4397,7 +4635,7 @@
           <a:cs typeface="+mn-cs"/>
         </a:defRPr>
       </a:lvl1pPr>
-      <a:lvl2pPr marL="685800" indent="-228600" algn="r" defTabSz="914400" rtl="1" eaLnBrk="1" latinLnBrk="0" hangingPunct="1">
+      <a:lvl2pPr marL="685800" indent="-228600" algn="l" defTabSz="914400" rtl="0" eaLnBrk="1" latinLnBrk="0" hangingPunct="1">
         <a:lnSpc>
           <a:spcPct val="90000"/>
         </a:lnSpc>
@@ -4415,7 +4653,7 @@
           <a:cs typeface="+mn-cs"/>
         </a:defRPr>
       </a:lvl2pPr>
-      <a:lvl3pPr marL="1143000" indent="-228600" algn="r" defTabSz="914400" rtl="1" eaLnBrk="1" latinLnBrk="0" hangingPunct="1">
+      <a:lvl3pPr marL="1143000" indent="-228600" algn="l" defTabSz="914400" rtl="0" eaLnBrk="1" latinLnBrk="0" hangingPunct="1">
         <a:lnSpc>
           <a:spcPct val="90000"/>
         </a:lnSpc>
@@ -4433,7 +4671,7 @@
           <a:cs typeface="+mn-cs"/>
         </a:defRPr>
       </a:lvl3pPr>
-      <a:lvl4pPr marL="1600200" indent="-228600" algn="r" defTabSz="914400" rtl="1" eaLnBrk="1" latinLnBrk="0" hangingPunct="1">
+      <a:lvl4pPr marL="1600200" indent="-228600" algn="l" defTabSz="914400" rtl="0" eaLnBrk="1" latinLnBrk="0" hangingPunct="1">
         <a:lnSpc>
           <a:spcPct val="90000"/>
         </a:lnSpc>
@@ -4451,7 +4689,7 @@
           <a:cs typeface="+mn-cs"/>
         </a:defRPr>
       </a:lvl4pPr>
-      <a:lvl5pPr marL="2057400" indent="-228600" algn="r" defTabSz="914400" rtl="1" eaLnBrk="1" latinLnBrk="0" hangingPunct="1">
+      <a:lvl5pPr marL="2057400" indent="-228600" algn="l" defTabSz="914400" rtl="0" eaLnBrk="1" latinLnBrk="0" hangingPunct="1">
         <a:lnSpc>
           <a:spcPct val="90000"/>
         </a:lnSpc>
@@ -4469,7 +4707,7 @@
           <a:cs typeface="+mn-cs"/>
         </a:defRPr>
       </a:lvl5pPr>
-      <a:lvl6pPr marL="2514600" indent="-228600" algn="r" defTabSz="914400" rtl="1" eaLnBrk="1" latinLnBrk="0" hangingPunct="1">
+      <a:lvl6pPr marL="2514600" indent="-228600" algn="l" defTabSz="914400" rtl="0" eaLnBrk="1" latinLnBrk="0" hangingPunct="1">
         <a:lnSpc>
           <a:spcPct val="90000"/>
         </a:lnSpc>
@@ -4487,7 +4725,7 @@
           <a:cs typeface="+mn-cs"/>
         </a:defRPr>
       </a:lvl6pPr>
-      <a:lvl7pPr marL="2971800" indent="-228600" algn="r" defTabSz="914400" rtl="1" eaLnBrk="1" latinLnBrk="0" hangingPunct="1">
+      <a:lvl7pPr marL="2971800" indent="-228600" algn="l" defTabSz="914400" rtl="0" eaLnBrk="1" latinLnBrk="0" hangingPunct="1">
         <a:lnSpc>
           <a:spcPct val="90000"/>
         </a:lnSpc>
@@ -4505,7 +4743,7 @@
           <a:cs typeface="+mn-cs"/>
         </a:defRPr>
       </a:lvl7pPr>
-      <a:lvl8pPr marL="3429000" indent="-228600" algn="r" defTabSz="914400" rtl="1" eaLnBrk="1" latinLnBrk="0" hangingPunct="1">
+      <a:lvl8pPr marL="3429000" indent="-228600" algn="l" defTabSz="914400" rtl="0" eaLnBrk="1" latinLnBrk="0" hangingPunct="1">
         <a:lnSpc>
           <a:spcPct val="90000"/>
         </a:lnSpc>
@@ -4523,7 +4761,7 @@
           <a:cs typeface="+mn-cs"/>
         </a:defRPr>
       </a:lvl8pPr>
-      <a:lvl9pPr marL="3886200" indent="-228600" algn="r" defTabSz="914400" rtl="1" eaLnBrk="1" latinLnBrk="0" hangingPunct="1">
+      <a:lvl9pPr marL="3886200" indent="-228600" algn="l" defTabSz="914400" rtl="0" eaLnBrk="1" latinLnBrk="0" hangingPunct="1">
         <a:lnSpc>
           <a:spcPct val="90000"/>
         </a:lnSpc>
@@ -4546,7 +4784,7 @@
       <a:defPPr>
         <a:defRPr lang="en-US"/>
       </a:defPPr>
-      <a:lvl1pPr marL="0" algn="r" defTabSz="914400" rtl="1" eaLnBrk="1" latinLnBrk="0" hangingPunct="1">
+      <a:lvl1pPr marL="0" algn="l" defTabSz="914400" rtl="0" eaLnBrk="1" latinLnBrk="0" hangingPunct="1">
         <a:defRPr sz="1800" kern="1200">
           <a:solidFill>
             <a:schemeClr val="tx1"/>
@@ -4556,7 +4794,7 @@
           <a:cs typeface="+mn-cs"/>
         </a:defRPr>
       </a:lvl1pPr>
-      <a:lvl2pPr marL="457200" algn="r" defTabSz="914400" rtl="1" eaLnBrk="1" latinLnBrk="0" hangingPunct="1">
+      <a:lvl2pPr marL="457200" algn="l" defTabSz="914400" rtl="0" eaLnBrk="1" latinLnBrk="0" hangingPunct="1">
         <a:defRPr sz="1800" kern="1200">
           <a:solidFill>
             <a:schemeClr val="tx1"/>
@@ -4566,7 +4804,7 @@
           <a:cs typeface="+mn-cs"/>
         </a:defRPr>
       </a:lvl2pPr>
-      <a:lvl3pPr marL="914400" algn="r" defTabSz="914400" rtl="1" eaLnBrk="1" latinLnBrk="0" hangingPunct="1">
+      <a:lvl3pPr marL="914400" algn="l" defTabSz="914400" rtl="0" eaLnBrk="1" latinLnBrk="0" hangingPunct="1">
         <a:defRPr sz="1800" kern="1200">
           <a:solidFill>
             <a:schemeClr val="tx1"/>
@@ -4576,7 +4814,7 @@
           <a:cs typeface="+mn-cs"/>
         </a:defRPr>
       </a:lvl3pPr>
-      <a:lvl4pPr marL="1371600" algn="r" defTabSz="914400" rtl="1" eaLnBrk="1" latinLnBrk="0" hangingPunct="1">
+      <a:lvl4pPr marL="1371600" algn="l" defTabSz="914400" rtl="0" eaLnBrk="1" latinLnBrk="0" hangingPunct="1">
         <a:defRPr sz="1800" kern="1200">
           <a:solidFill>
             <a:schemeClr val="tx1"/>
@@ -4586,7 +4824,7 @@
           <a:cs typeface="+mn-cs"/>
         </a:defRPr>
       </a:lvl4pPr>
-      <a:lvl5pPr marL="1828800" algn="r" defTabSz="914400" rtl="1" eaLnBrk="1" latinLnBrk="0" hangingPunct="1">
+      <a:lvl5pPr marL="1828800" algn="l" defTabSz="914400" rtl="0" eaLnBrk="1" latinLnBrk="0" hangingPunct="1">
         <a:defRPr sz="1800" kern="1200">
           <a:solidFill>
             <a:schemeClr val="tx1"/>
@@ -4596,7 +4834,7 @@
           <a:cs typeface="+mn-cs"/>
         </a:defRPr>
       </a:lvl5pPr>
-      <a:lvl6pPr marL="2286000" algn="r" defTabSz="914400" rtl="1" eaLnBrk="1" latinLnBrk="0" hangingPunct="1">
+      <a:lvl6pPr marL="2286000" algn="l" defTabSz="914400" rtl="0" eaLnBrk="1" latinLnBrk="0" hangingPunct="1">
         <a:defRPr sz="1800" kern="1200">
           <a:solidFill>
             <a:schemeClr val="tx1"/>
@@ -4606,7 +4844,7 @@
           <a:cs typeface="+mn-cs"/>
         </a:defRPr>
       </a:lvl6pPr>
-      <a:lvl7pPr marL="2743200" algn="r" defTabSz="914400" rtl="1" eaLnBrk="1" latinLnBrk="0" hangingPunct="1">
+      <a:lvl7pPr marL="2743200" algn="l" defTabSz="914400" rtl="0" eaLnBrk="1" latinLnBrk="0" hangingPunct="1">
         <a:defRPr sz="1800" kern="1200">
           <a:solidFill>
             <a:schemeClr val="tx1"/>
@@ -4616,7 +4854,7 @@
           <a:cs typeface="+mn-cs"/>
         </a:defRPr>
       </a:lvl7pPr>
-      <a:lvl8pPr marL="3200400" algn="r" defTabSz="914400" rtl="1" eaLnBrk="1" latinLnBrk="0" hangingPunct="1">
+      <a:lvl8pPr marL="3200400" algn="l" defTabSz="914400" rtl="0" eaLnBrk="1" latinLnBrk="0" hangingPunct="1">
         <a:defRPr sz="1800" kern="1200">
           <a:solidFill>
             <a:schemeClr val="tx1"/>
@@ -4626,7 +4864,7 @@
           <a:cs typeface="+mn-cs"/>
         </a:defRPr>
       </a:lvl8pPr>
-      <a:lvl9pPr marL="3657600" algn="r" defTabSz="914400" rtl="1" eaLnBrk="1" latinLnBrk="0" hangingPunct="1">
+      <a:lvl9pPr marL="3657600" algn="l" defTabSz="914400" rtl="0" eaLnBrk="1" latinLnBrk="0" hangingPunct="1">
         <a:defRPr sz="1800" kern="1200">
           <a:solidFill>
             <a:schemeClr val="tx1"/>
@@ -4681,7 +4919,7 @@
           <a:lstStyle/>
           <a:p>
             <a:r>
-              <a:rPr lang="ar-SY" sz="6600" b="1" dirty="0" smtClean="0"/>
+              <a:rPr lang="ar-SY" sz="6600" b="1" dirty="0"/>
               <a:t>تقانات الإنترنت و برمجة الويب</a:t>
             </a:r>
             <a:endParaRPr lang="en-US" sz="6600" b="1" dirty="0"/>
@@ -4709,10 +4947,9 @@
           <a:lstStyle/>
           <a:p>
             <a:r>
-              <a:rPr lang="ar-SY" b="1" dirty="0" smtClean="0"/>
+              <a:rPr lang="ar-SY" b="1" dirty="0"/>
               <a:t>م . حيدر ابراهيم</a:t>
             </a:r>
-            <a:endParaRPr lang="ar-SY" b="1" dirty="0"/>
           </a:p>
         </p:txBody>
       </p:sp>
@@ -4726,25 +4963,18 @@
   <p:clrMapOvr>
     <a:masterClrMapping/>
   </p:clrMapOvr>
-  <mc:AlternateContent xmlns:mc="http://schemas.openxmlformats.org/markup-compatibility/2006">
-    <mc:Choice xmlns:p14="http://schemas.microsoft.com/office/powerpoint/2010/main" Requires="p14">
+  <mc:AlternateContent xmlns:mc="http://schemas.openxmlformats.org/markup-compatibility/2006" xmlns:p14="http://schemas.microsoft.com/office/powerpoint/2010/main">
+    <mc:Choice Requires="p14">
       <p:transition spd="slow" p14:dur="1300">
         <p14:pan dir="u"/>
       </p:transition>
     </mc:Choice>
-    <mc:Fallback>
+    <mc:Fallback xmlns="">
       <p:transition spd="slow">
         <p:fade/>
       </p:transition>
     </mc:Fallback>
   </mc:AlternateContent>
-  <p:timing>
-    <p:tnLst>
-      <p:par>
-        <p:cTn id="1" dur="indefinite" restart="never" nodeType="tmRoot"/>
-      </p:par>
-    </p:tnLst>
-  </p:timing>
 </p:sld>
 </file>
 
@@ -4775,7 +5005,12 @@
             <p:ph type="title"/>
           </p:nvPr>
         </p:nvSpPr>
-        <p:spPr/>
+        <p:spPr>
+          <a:xfrm>
+            <a:off x="838200" y="172898"/>
+            <a:ext cx="10515600" cy="1325563"/>
+          </a:xfrm>
+        </p:spPr>
         <p:txBody>
           <a:bodyPr>
             <a:normAutofit/>
@@ -4785,7 +5020,7 @@
             <a:pPr algn="ctr"/>
             <a:r>
               <a:rPr lang="en-US" sz="4800" b="1" dirty="0"/>
-              <a:t>client server</a:t>
+              <a:t>Web Browsers</a:t>
             </a:r>
             <a:endParaRPr lang="ar-SY" sz="4800" b="1" dirty="0"/>
           </a:p>
@@ -4793,22 +5028,22 @@
       </p:sp>
       <p:pic>
         <p:nvPicPr>
-          <p:cNvPr id="7" name="صورة 6"/>
+          <p:cNvPr id="4" name="صورة 3"/>
           <p:cNvPicPr>
             <a:picLocks noChangeAspect="1"/>
           </p:cNvPicPr>
           <p:nvPr/>
         </p:nvPicPr>
         <p:blipFill>
-          <a:blip r:embed="rId2"/>
+          <a:blip r:embed="rId3"/>
           <a:stretch>
             <a:fillRect/>
           </a:stretch>
         </p:blipFill>
         <p:spPr>
           <a:xfrm>
-            <a:off x="3074504" y="1432271"/>
-            <a:ext cx="6042991" cy="5000852"/>
+            <a:off x="2079073" y="1205346"/>
+            <a:ext cx="8033854" cy="5204402"/>
           </a:xfrm>
           <a:prstGeom prst="rect">
             <a:avLst/>
@@ -4818,32 +5053,208 @@
     </p:spTree>
     <p:extLst>
       <p:ext uri="{BB962C8B-B14F-4D97-AF65-F5344CB8AC3E}">
-        <p14:creationId xmlns:p14="http://schemas.microsoft.com/office/powerpoint/2010/main" val="4013603775"/>
+        <p14:creationId xmlns:p14="http://schemas.microsoft.com/office/powerpoint/2010/main" val="1733241889"/>
       </p:ext>
     </p:extLst>
   </p:cSld>
   <p:clrMapOvr>
     <a:masterClrMapping/>
   </p:clrMapOvr>
-  <mc:AlternateContent xmlns:mc="http://schemas.openxmlformats.org/markup-compatibility/2006">
-    <mc:Choice xmlns:p14="http://schemas.microsoft.com/office/powerpoint/2010/main" Requires="p14">
+  <mc:AlternateContent xmlns:mc="http://schemas.openxmlformats.org/markup-compatibility/2006" xmlns:p14="http://schemas.microsoft.com/office/powerpoint/2010/main">
+    <mc:Choice Requires="p14">
       <p:transition spd="slow" p14:dur="1300">
         <p14:pan dir="u"/>
       </p:transition>
     </mc:Choice>
-    <mc:Fallback>
+    <mc:Fallback xmlns="">
       <p:transition spd="slow">
         <p:fade/>
       </p:transition>
     </mc:Fallback>
   </mc:AlternateContent>
-  <p:timing>
-    <p:tnLst>
-      <p:par>
-        <p:cTn id="1" dur="indefinite" restart="never" nodeType="tmRoot"/>
-      </p:par>
-    </p:tnLst>
-  </p:timing>
+</p:sld>
+</file>
+
+<file path=ppt/slides/slide11.xml><?xml version="1.0" encoding="utf-8"?>
+<p:sld xmlns:a="http://schemas.openxmlformats.org/drawingml/2006/main" xmlns:r="http://schemas.openxmlformats.org/officeDocument/2006/relationships" xmlns:p="http://schemas.openxmlformats.org/presentationml/2006/main">
+  <p:cSld>
+    <p:spTree>
+      <p:nvGrpSpPr>
+        <p:cNvPr id="1" name=""/>
+        <p:cNvGrpSpPr/>
+        <p:nvPr/>
+      </p:nvGrpSpPr>
+      <p:grpSpPr>
+        <a:xfrm>
+          <a:off x="0" y="0"/>
+          <a:ext cx="0" cy="0"/>
+          <a:chOff x="0" y="0"/>
+          <a:chExt cx="0" cy="0"/>
+        </a:xfrm>
+      </p:grpSpPr>
+      <p:sp>
+        <p:nvSpPr>
+          <p:cNvPr id="2" name="عنوان 1">
+            <a:extLst>
+              <a:ext uri="{FF2B5EF4-FFF2-40B4-BE49-F238E27FC236}">
+                <a16:creationId xmlns:a16="http://schemas.microsoft.com/office/drawing/2014/main" id="{FABE6D8F-611E-4C3A-BF03-368EA85E2E4C}"/>
+              </a:ext>
+            </a:extLst>
+          </p:cNvPr>
+          <p:cNvSpPr>
+            <a:spLocks noGrp="1"/>
+          </p:cNvSpPr>
+          <p:nvPr>
+            <p:ph type="title"/>
+          </p:nvPr>
+        </p:nvSpPr>
+        <p:spPr/>
+        <p:txBody>
+          <a:bodyPr>
+            <a:normAutofit/>
+          </a:bodyPr>
+          <a:lstStyle/>
+          <a:p>
+            <a:pPr algn="ctr"/>
+            <a:r>
+              <a:rPr lang="en-US" sz="4800" b="1" dirty="0"/>
+              <a:t>Web Server</a:t>
+            </a:r>
+          </a:p>
+        </p:txBody>
+      </p:sp>
+      <p:pic>
+        <p:nvPicPr>
+          <p:cNvPr id="10" name="صورة 9">
+            <a:extLst>
+              <a:ext uri="{FF2B5EF4-FFF2-40B4-BE49-F238E27FC236}">
+                <a16:creationId xmlns:a16="http://schemas.microsoft.com/office/drawing/2014/main" id="{CDC21F2B-6FF8-4358-A469-D6EA8318A295}"/>
+              </a:ext>
+            </a:extLst>
+          </p:cNvPr>
+          <p:cNvPicPr>
+            <a:picLocks noChangeAspect="1"/>
+          </p:cNvPicPr>
+          <p:nvPr/>
+        </p:nvPicPr>
+        <p:blipFill>
+          <a:blip r:embed="rId3"/>
+          <a:stretch>
+            <a:fillRect/>
+          </a:stretch>
+        </p:blipFill>
+        <p:spPr>
+          <a:xfrm>
+            <a:off x="1714500" y="2005171"/>
+            <a:ext cx="9387840" cy="3755136"/>
+          </a:xfrm>
+          <a:prstGeom prst="rect">
+            <a:avLst/>
+          </a:prstGeom>
+        </p:spPr>
+      </p:pic>
+    </p:spTree>
+    <p:extLst>
+      <p:ext uri="{BB962C8B-B14F-4D97-AF65-F5344CB8AC3E}">
+        <p14:creationId xmlns:p14="http://schemas.microsoft.com/office/powerpoint/2010/main" val="3934502192"/>
+      </p:ext>
+    </p:extLst>
+  </p:cSld>
+  <p:clrMapOvr>
+    <a:masterClrMapping/>
+  </p:clrMapOvr>
+  <mc:AlternateContent xmlns:mc="http://schemas.openxmlformats.org/markup-compatibility/2006" xmlns:p14="http://schemas.microsoft.com/office/powerpoint/2010/main">
+    <mc:Choice Requires="p14">
+      <p:transition spd="slow" p14:dur="1300">
+        <p14:pan dir="u"/>
+      </p:transition>
+    </mc:Choice>
+    <mc:Fallback xmlns="">
+      <p:transition spd="slow">
+        <p:fade/>
+      </p:transition>
+    </mc:Fallback>
+  </mc:AlternateContent>
+</p:sld>
+</file>
+
+<file path=ppt/slides/slide12.xml><?xml version="1.0" encoding="utf-8"?>
+<p:sld xmlns:a="http://schemas.openxmlformats.org/drawingml/2006/main" xmlns:r="http://schemas.openxmlformats.org/officeDocument/2006/relationships" xmlns:p="http://schemas.openxmlformats.org/presentationml/2006/main">
+  <p:cSld>
+    <p:spTree>
+      <p:nvGrpSpPr>
+        <p:cNvPr id="1" name=""/>
+        <p:cNvGrpSpPr/>
+        <p:nvPr/>
+      </p:nvGrpSpPr>
+      <p:grpSpPr>
+        <a:xfrm>
+          <a:off x="0" y="0"/>
+          <a:ext cx="0" cy="0"/>
+          <a:chOff x="0" y="0"/>
+          <a:chExt cx="0" cy="0"/>
+        </a:xfrm>
+      </p:grpSpPr>
+      <p:sp>
+        <p:nvSpPr>
+          <p:cNvPr id="2" name="عنوان 1">
+            <a:extLst>
+              <a:ext uri="{FF2B5EF4-FFF2-40B4-BE49-F238E27FC236}">
+                <a16:creationId xmlns:a16="http://schemas.microsoft.com/office/drawing/2014/main" id="{9453BCD2-7A68-48FC-AE50-605253AD70DE}"/>
+              </a:ext>
+            </a:extLst>
+          </p:cNvPr>
+          <p:cNvSpPr>
+            <a:spLocks noGrp="1"/>
+          </p:cNvSpPr>
+          <p:nvPr>
+            <p:ph type="title"/>
+          </p:nvPr>
+        </p:nvSpPr>
+        <p:spPr/>
+        <p:txBody>
+          <a:bodyPr>
+            <a:normAutofit/>
+          </a:bodyPr>
+          <a:lstStyle/>
+          <a:p>
+            <a:pPr algn="ctr"/>
+            <a:r>
+              <a:rPr lang="ar-SA" sz="4800" b="1" dirty="0">
+                <a:latin typeface="Simplified Arabic" panose="02020603050405020304" pitchFamily="18" charset="-78"/>
+                <a:cs typeface="Simplified Arabic" panose="02020603050405020304" pitchFamily="18" charset="-78"/>
+              </a:rPr>
+              <a:t>صفحات الويب </a:t>
+            </a:r>
+            <a:endParaRPr lang="en-US" sz="4800" b="1" dirty="0">
+              <a:latin typeface="Simplified Arabic" panose="02020603050405020304" pitchFamily="18" charset="-78"/>
+              <a:cs typeface="Simplified Arabic" panose="02020603050405020304" pitchFamily="18" charset="-78"/>
+            </a:endParaRPr>
+          </a:p>
+        </p:txBody>
+      </p:sp>
+    </p:spTree>
+    <p:extLst>
+      <p:ext uri="{BB962C8B-B14F-4D97-AF65-F5344CB8AC3E}">
+        <p14:creationId xmlns:p14="http://schemas.microsoft.com/office/powerpoint/2010/main" val="4064589631"/>
+      </p:ext>
+    </p:extLst>
+  </p:cSld>
+  <p:clrMapOvr>
+    <a:masterClrMapping/>
+  </p:clrMapOvr>
+  <mc:AlternateContent xmlns:mc="http://schemas.openxmlformats.org/markup-compatibility/2006" xmlns:p14="http://schemas.microsoft.com/office/powerpoint/2010/main">
+    <mc:Choice Requires="p14">
+      <p:transition spd="slow" p14:dur="1300">
+        <p14:pan dir="u"/>
+      </p:transition>
+    </mc:Choice>
+    <mc:Fallback xmlns="">
+      <p:transition spd="slow">
+        <p:fade/>
+      </p:transition>
+    </mc:Fallback>
+  </mc:AlternateContent>
 </p:sld>
 </file>
 
@@ -4936,26 +5347,25 @@
           <a:p>
             <a:pPr algn="ctr"/>
             <a:r>
-              <a:rPr lang="ar-SY" sz="4800" b="1" dirty="0" smtClean="0"/>
+              <a:rPr lang="ar-SY" sz="4800" b="1" dirty="0"/>
               <a:t>الويب        </a:t>
             </a:r>
             <a:r>
-              <a:rPr lang="en-US" sz="4800" b="1" dirty="0" smtClean="0"/>
+              <a:rPr lang="en-US" sz="4800" b="1" dirty="0"/>
               <a:t> </a:t>
             </a:r>
             <a:r>
-              <a:rPr lang="en-US" sz="6000" b="1" dirty="0" smtClean="0"/>
+              <a:rPr lang="en-US" sz="6000" b="1" dirty="0"/>
               <a:t>X</a:t>
             </a:r>
             <a:r>
-              <a:rPr lang="ar-SY" sz="6000" b="1" dirty="0" smtClean="0"/>
+              <a:rPr lang="ar-SY" sz="6000" b="1" dirty="0"/>
               <a:t>     </a:t>
             </a:r>
             <a:r>
-              <a:rPr lang="ar-SY" sz="4800" b="1" dirty="0" smtClean="0"/>
+              <a:rPr lang="ar-SY" sz="4800" b="1" dirty="0"/>
               <a:t>الانترنت</a:t>
             </a:r>
-            <a:endParaRPr lang="ar-SY" sz="4800" b="1" dirty="0"/>
           </a:p>
         </p:txBody>
       </p:sp>
@@ -4969,25 +5379,18 @@
   <p:clrMapOvr>
     <a:masterClrMapping/>
   </p:clrMapOvr>
-  <mc:AlternateContent xmlns:mc="http://schemas.openxmlformats.org/markup-compatibility/2006">
-    <mc:Choice xmlns:p14="http://schemas.microsoft.com/office/powerpoint/2010/main" Requires="p14">
+  <mc:AlternateContent xmlns:mc="http://schemas.openxmlformats.org/markup-compatibility/2006" xmlns:p14="http://schemas.microsoft.com/office/powerpoint/2010/main">
+    <mc:Choice Requires="p14">
       <p:transition spd="slow" p14:dur="1300">
         <p14:pan dir="u"/>
       </p:transition>
     </mc:Choice>
-    <mc:Fallback>
+    <mc:Fallback xmlns="">
       <p:transition spd="slow">
         <p:fade/>
       </p:transition>
     </mc:Fallback>
   </mc:AlternateContent>
-  <p:timing>
-    <p:tnLst>
-      <p:par>
-        <p:cTn id="1" dur="indefinite" restart="never" nodeType="tmRoot"/>
-      </p:par>
-    </p:tnLst>
-  </p:timing>
 </p:sld>
 </file>
 
@@ -5018,13 +5421,13 @@
             <p:ph idx="1"/>
             <p:extLst>
               <p:ext uri="{D42A27DB-BD31-4B8C-83A1-F6EECF244321}">
-                <p14:modId xmlns:p14="http://schemas.microsoft.com/office/powerpoint/2010/main" val="3261153243"/>
+                <p14:modId xmlns:p14="http://schemas.microsoft.com/office/powerpoint/2010/main" val="2807231300"/>
               </p:ext>
             </p:extLst>
           </p:nvPr>
         </p:nvGraphicFramePr>
         <p:xfrm>
-          <a:off x="6202907" y="1528550"/>
+          <a:off x="6202907" y="1734290"/>
           <a:ext cx="5257800" cy="3534361"/>
         </p:xfrm>
         <a:graphic>
@@ -5034,7 +5437,13 @@
                 <a:tableStyleId>{5940675A-B579-460E-94D1-54222C63F5DA}</a:tableStyleId>
               </a:tblPr>
               <a:tblGrid>
-                <a:gridCol w="5257800"/>
+                <a:gridCol w="5257800">
+                  <a:extLst>
+                    <a:ext uri="{9D8B030D-6E8A-4147-A177-3AD203B41FA5}">
+                      <a16:colId xmlns:a16="http://schemas.microsoft.com/office/drawing/2014/main" val="20000"/>
+                    </a:ext>
+                  </a:extLst>
+                </a:gridCol>
               </a:tblGrid>
               <a:tr h="1268015">
                 <a:tc>
@@ -5044,11 +5453,11 @@
                     <a:p>
                       <a:pPr algn="ctr" rtl="1"/>
                       <a:r>
-                        <a:rPr lang="ar-SY" sz="2000" b="1" dirty="0" smtClean="0"/>
+                        <a:rPr lang="ar-SY" sz="2000" b="1" dirty="0"/>
                         <a:t>بداية</a:t>
                       </a:r>
                       <a:r>
-                        <a:rPr lang="ar-SY" sz="2000" b="1" baseline="0" dirty="0" smtClean="0"/>
+                        <a:rPr lang="ar-SY" sz="2000" b="1" baseline="0" dirty="0"/>
                         <a:t> التسعينيات </a:t>
                       </a:r>
                       <a:endParaRPr lang="ar-SY" sz="2000" b="1" dirty="0"/>
@@ -5056,6 +5465,11 @@
                   </a:txBody>
                   <a:tcPr anchor="ctr"/>
                 </a:tc>
+                <a:extLst>
+                  <a:ext uri="{0D108BD9-81ED-4DB2-BD59-A6C34878D82A}">
+                    <a16:rowId xmlns:a16="http://schemas.microsoft.com/office/drawing/2014/main" val="10000"/>
+                  </a:ext>
+                </a:extLst>
               </a:tr>
               <a:tr h="1133173">
                 <a:tc>
@@ -5065,14 +5479,18 @@
                     <a:p>
                       <a:pPr algn="ctr" rtl="1"/>
                       <a:r>
-                        <a:rPr lang="ar-SY" sz="2000" b="1" dirty="0" smtClean="0"/>
+                        <a:rPr lang="ar-SY" sz="2000" b="1" dirty="0"/>
                         <a:t>تتألف من ملفات و مجلدات مخزنة على حواسب متنوعة</a:t>
                       </a:r>
-                      <a:endParaRPr lang="ar-SY" sz="2000" b="1" dirty="0"/>
                     </a:p>
                   </a:txBody>
                   <a:tcPr anchor="ctr"/>
                 </a:tc>
+                <a:extLst>
+                  <a:ext uri="{0D108BD9-81ED-4DB2-BD59-A6C34878D82A}">
+                    <a16:rowId xmlns:a16="http://schemas.microsoft.com/office/drawing/2014/main" val="10001"/>
+                  </a:ext>
+                </a:extLst>
               </a:tr>
               <a:tr h="1133173">
                 <a:tc>
@@ -5098,14 +5516,14 @@
                         <a:defRPr/>
                       </a:pPr>
                       <a:r>
-                        <a:rPr lang="ar-SY" sz="2000" b="1" dirty="0" smtClean="0"/>
+                        <a:rPr lang="ar-SY" sz="2000" b="1" dirty="0"/>
                         <a:t>تعمل</a:t>
                       </a:r>
                       <a:r>
-                        <a:rPr lang="ar-SY" sz="2000" b="1" baseline="0" dirty="0" smtClean="0"/>
+                        <a:rPr lang="ar-SY" sz="2000" b="1" baseline="0" dirty="0"/>
                         <a:t> بالاعتماد على الانترنت </a:t>
                       </a:r>
-                      <a:endParaRPr lang="ar-SY" sz="2000" b="1" dirty="0" smtClean="0"/>
+                      <a:endParaRPr lang="ar-SY" sz="2000" b="1" dirty="0"/>
                     </a:p>
                     <a:p>
                       <a:pPr algn="ctr" rtl="1"/>
@@ -5114,6 +5532,11 @@
                   </a:txBody>
                   <a:tcPr anchor="ctr"/>
                 </a:tc>
+                <a:extLst>
+                  <a:ext uri="{0D108BD9-81ED-4DB2-BD59-A6C34878D82A}">
+                    <a16:rowId xmlns:a16="http://schemas.microsoft.com/office/drawing/2014/main" val="10002"/>
+                  </a:ext>
+                </a:extLst>
               </a:tr>
             </a:tbl>
           </a:graphicData>
@@ -5162,26 +5585,25 @@
           <a:p>
             <a:pPr algn="ctr"/>
             <a:r>
-              <a:rPr lang="ar-SY" sz="4800" b="1" dirty="0" smtClean="0"/>
+              <a:rPr lang="ar-SY" sz="4800" b="1" dirty="0"/>
               <a:t>الويب        </a:t>
             </a:r>
             <a:r>
-              <a:rPr lang="en-US" sz="4800" b="1" dirty="0" smtClean="0"/>
+              <a:rPr lang="en-US" sz="4800" b="1" dirty="0"/>
               <a:t> </a:t>
             </a:r>
             <a:r>
-              <a:rPr lang="en-US" sz="6000" b="1" dirty="0" smtClean="0"/>
+              <a:rPr lang="en-US" sz="6000" b="1" dirty="0"/>
               <a:t>X</a:t>
             </a:r>
             <a:r>
-              <a:rPr lang="ar-SY" sz="6000" b="1" dirty="0" smtClean="0"/>
+              <a:rPr lang="ar-SY" sz="6000" b="1" dirty="0"/>
               <a:t>     </a:t>
             </a:r>
             <a:r>
-              <a:rPr lang="ar-SY" sz="4800" b="1" dirty="0" smtClean="0"/>
+              <a:rPr lang="ar-SY" sz="4800" b="1" dirty="0"/>
               <a:t>الانترنت</a:t>
             </a:r>
-            <a:endParaRPr lang="ar-SY" sz="4800" b="1" dirty="0"/>
           </a:p>
         </p:txBody>
       </p:sp>
@@ -5194,13 +5616,13 @@
           <p:nvPr>
             <p:extLst>
               <p:ext uri="{D42A27DB-BD31-4B8C-83A1-F6EECF244321}">
-                <p14:modId xmlns:p14="http://schemas.microsoft.com/office/powerpoint/2010/main" val="1609106412"/>
+                <p14:modId xmlns:p14="http://schemas.microsoft.com/office/powerpoint/2010/main" val="2744358858"/>
               </p:ext>
             </p:extLst>
           </p:nvPr>
         </p:nvGraphicFramePr>
         <p:xfrm>
-          <a:off x="677838" y="1542198"/>
+          <a:off x="677838" y="1747938"/>
           <a:ext cx="5257800" cy="3517540"/>
         </p:xfrm>
         <a:graphic>
@@ -5210,7 +5632,13 @@
                 <a:tableStyleId>{5940675A-B579-460E-94D1-54222C63F5DA}</a:tableStyleId>
               </a:tblPr>
               <a:tblGrid>
-                <a:gridCol w="5257800"/>
+                <a:gridCol w="5257800">
+                  <a:extLst>
+                    <a:ext uri="{9D8B030D-6E8A-4147-A177-3AD203B41FA5}">
+                      <a16:colId xmlns:a16="http://schemas.microsoft.com/office/drawing/2014/main" val="20000"/>
+                    </a:ext>
+                  </a:extLst>
+                </a:gridCol>
               </a:tblGrid>
               <a:tr h="1251194">
                 <a:tc>
@@ -5220,11 +5648,11 @@
                     <a:p>
                       <a:pPr algn="ctr" rtl="1"/>
                       <a:r>
-                        <a:rPr lang="ar-SY" sz="2000" b="1" dirty="0" smtClean="0"/>
+                        <a:rPr lang="ar-SY" sz="2000" b="1" dirty="0"/>
                         <a:t>بداية</a:t>
                       </a:r>
                       <a:r>
-                        <a:rPr lang="ar-SY" sz="2000" b="1" baseline="0" dirty="0" smtClean="0"/>
+                        <a:rPr lang="ar-SY" sz="2000" b="1" baseline="0" dirty="0"/>
                         <a:t> السبعينيات </a:t>
                       </a:r>
                       <a:endParaRPr lang="ar-SY" sz="2000" b="1" dirty="0"/>
@@ -5232,6 +5660,11 @@
                   </a:txBody>
                   <a:tcPr anchor="ctr"/>
                 </a:tc>
+                <a:extLst>
+                  <a:ext uri="{0D108BD9-81ED-4DB2-BD59-A6C34878D82A}">
+                    <a16:rowId xmlns:a16="http://schemas.microsoft.com/office/drawing/2014/main" val="10000"/>
+                  </a:ext>
+                </a:extLst>
               </a:tr>
               <a:tr h="1133173">
                 <a:tc>
@@ -5241,11 +5674,11 @@
                     <a:p>
                       <a:pPr algn="ctr" rtl="1"/>
                       <a:r>
-                        <a:rPr lang="ar-SY" sz="2000" b="1" dirty="0" smtClean="0"/>
+                        <a:rPr lang="ar-SY" sz="2000" b="1" dirty="0"/>
                         <a:t>تتألف من الشبكات</a:t>
                       </a:r>
                       <a:r>
-                        <a:rPr lang="ar-SY" sz="2000" b="1" baseline="0" dirty="0" smtClean="0"/>
+                        <a:rPr lang="ar-SY" sz="2000" b="1" baseline="0" dirty="0"/>
                         <a:t> و مكوناتها (حواسب - أكبال ..)</a:t>
                       </a:r>
                       <a:endParaRPr lang="ar-SY" sz="2000" b="1" dirty="0"/>
@@ -5253,6 +5686,11 @@
                   </a:txBody>
                   <a:tcPr anchor="ctr"/>
                 </a:tc>
+                <a:extLst>
+                  <a:ext uri="{0D108BD9-81ED-4DB2-BD59-A6C34878D82A}">
+                    <a16:rowId xmlns:a16="http://schemas.microsoft.com/office/drawing/2014/main" val="10001"/>
+                  </a:ext>
+                </a:extLst>
               </a:tr>
               <a:tr h="1133173">
                 <a:tc>
@@ -5278,7 +5716,7 @@
                         <a:defRPr/>
                       </a:pPr>
                       <a:r>
-                        <a:rPr lang="ar-SY" sz="2000" b="1" dirty="0" smtClean="0"/>
+                        <a:rPr lang="ar-SY" sz="2000" b="1" dirty="0"/>
                         <a:t>هي الأساس</a:t>
                       </a:r>
                     </a:p>
@@ -5289,6 +5727,11 @@
                   </a:txBody>
                   <a:tcPr anchor="ctr"/>
                 </a:tc>
+                <a:extLst>
+                  <a:ext uri="{0D108BD9-81ED-4DB2-BD59-A6C34878D82A}">
+                    <a16:rowId xmlns:a16="http://schemas.microsoft.com/office/drawing/2014/main" val="10002"/>
+                  </a:ext>
+                </a:extLst>
               </a:tr>
             </a:tbl>
           </a:graphicData>
@@ -5304,25 +5747,18 @@
   <p:clrMapOvr>
     <a:masterClrMapping/>
   </p:clrMapOvr>
-  <mc:AlternateContent xmlns:mc="http://schemas.openxmlformats.org/markup-compatibility/2006">
-    <mc:Choice xmlns:p14="http://schemas.microsoft.com/office/powerpoint/2010/main" Requires="p14">
+  <mc:AlternateContent xmlns:mc="http://schemas.openxmlformats.org/markup-compatibility/2006" xmlns:p14="http://schemas.microsoft.com/office/powerpoint/2010/main">
+    <mc:Choice Requires="p14">
       <p:transition spd="slow" p14:dur="1300">
         <p14:pan dir="u"/>
       </p:transition>
     </mc:Choice>
-    <mc:Fallback>
+    <mc:Fallback xmlns="">
       <p:transition spd="slow">
         <p:fade/>
       </p:transition>
     </mc:Fallback>
   </mc:AlternateContent>
-  <p:timing>
-    <p:tnLst>
-      <p:par>
-        <p:cTn id="1" dur="indefinite" restart="never" nodeType="tmRoot"/>
-      </p:par>
-    </p:tnLst>
-  </p:timing>
 </p:sld>
 </file>
 
@@ -5361,8 +5797,8 @@
         </p:blipFill>
         <p:spPr>
           <a:xfrm>
-            <a:off x="2108096" y="2248694"/>
-            <a:ext cx="7975808" cy="3987904"/>
+            <a:off x="1744662" y="1825625"/>
+            <a:ext cx="8702676" cy="4351338"/>
           </a:xfrm>
           <a:prstGeom prst="rect">
             <a:avLst/>
@@ -5412,11 +5848,11 @@
           <a:p>
             <a:pPr algn="ctr"/>
             <a:r>
-              <a:rPr lang="en-US" sz="4800" b="1" dirty="0" err="1" smtClean="0"/>
+              <a:rPr lang="en-US" sz="4800" b="1" dirty="0" err="1"/>
               <a:t>Ip</a:t>
             </a:r>
             <a:r>
-              <a:rPr lang="en-US" sz="4800" b="1" dirty="0" smtClean="0"/>
+              <a:rPr lang="en-US" sz="4800" b="1" dirty="0"/>
               <a:t> address</a:t>
             </a:r>
             <a:endParaRPr lang="ar-SY" b="1" dirty="0"/>
@@ -5433,25 +5869,18 @@
   <p:clrMapOvr>
     <a:masterClrMapping/>
   </p:clrMapOvr>
-  <mc:AlternateContent xmlns:mc="http://schemas.openxmlformats.org/markup-compatibility/2006">
-    <mc:Choice xmlns:p14="http://schemas.microsoft.com/office/powerpoint/2010/main" Requires="p14">
+  <mc:AlternateContent xmlns:mc="http://schemas.openxmlformats.org/markup-compatibility/2006" xmlns:p14="http://schemas.microsoft.com/office/powerpoint/2010/main">
+    <mc:Choice Requires="p14">
       <p:transition spd="slow" p14:dur="1300">
         <p14:pan dir="u"/>
       </p:transition>
     </mc:Choice>
-    <mc:Fallback>
+    <mc:Fallback xmlns="">
       <p:transition spd="slow">
         <p:fade/>
       </p:transition>
     </mc:Fallback>
   </mc:AlternateContent>
-  <p:timing>
-    <p:tnLst>
-      <p:par>
-        <p:cTn id="1" dur="indefinite" restart="never" nodeType="tmRoot"/>
-      </p:par>
-    </p:tnLst>
-  </p:timing>
 </p:sld>
 </file>
 
@@ -5534,25 +5963,18 @@
   <p:clrMapOvr>
     <a:masterClrMapping/>
   </p:clrMapOvr>
-  <mc:AlternateContent xmlns:mc="http://schemas.openxmlformats.org/markup-compatibility/2006">
-    <mc:Choice xmlns:p14="http://schemas.microsoft.com/office/powerpoint/2010/main" Requires="p14">
+  <mc:AlternateContent xmlns:mc="http://schemas.openxmlformats.org/markup-compatibility/2006" xmlns:p14="http://schemas.microsoft.com/office/powerpoint/2010/main">
+    <mc:Choice Requires="p14">
       <p:transition spd="slow" p14:dur="1300">
         <p14:pan dir="u"/>
       </p:transition>
     </mc:Choice>
-    <mc:Fallback>
+    <mc:Fallback xmlns="">
       <p:transition spd="slow">
         <p:fade/>
       </p:transition>
     </mc:Fallback>
   </mc:AlternateContent>
-  <p:timing>
-    <p:tnLst>
-      <p:par>
-        <p:cTn id="1" dur="indefinite" restart="never" nodeType="tmRoot"/>
-      </p:par>
-    </p:tnLst>
-  </p:timing>
 </p:sld>
 </file>
 
@@ -5633,25 +6055,18 @@
   <p:clrMapOvr>
     <a:masterClrMapping/>
   </p:clrMapOvr>
-  <mc:AlternateContent xmlns:mc="http://schemas.openxmlformats.org/markup-compatibility/2006">
-    <mc:Choice xmlns:p14="http://schemas.microsoft.com/office/powerpoint/2010/main" Requires="p14">
+  <mc:AlternateContent xmlns:mc="http://schemas.openxmlformats.org/markup-compatibility/2006" xmlns:p14="http://schemas.microsoft.com/office/powerpoint/2010/main">
+    <mc:Choice Requires="p14">
       <p:transition spd="slow" p14:dur="1300">
         <p14:pan dir="u"/>
       </p:transition>
     </mc:Choice>
-    <mc:Fallback>
+    <mc:Fallback xmlns="">
       <p:transition spd="slow">
         <p:fade/>
       </p:transition>
     </mc:Fallback>
   </mc:AlternateContent>
-  <p:timing>
-    <p:tnLst>
-      <p:par>
-        <p:cTn id="1" dur="indefinite" restart="never" nodeType="tmRoot"/>
-      </p:par>
-    </p:tnLst>
-  </p:timing>
 </p:sld>
 </file>
 
@@ -5696,7 +6111,7 @@
           <a:p>
             <a:pPr algn="ctr"/>
             <a:r>
-              <a:rPr lang="en-US" sz="4800" b="1" dirty="0" smtClean="0"/>
+              <a:rPr lang="en-US" sz="4800" b="1" dirty="0"/>
               <a:t>DNS </a:t>
             </a:r>
             <a:endParaRPr lang="ar-SY" sz="4800" b="1" dirty="0"/>
@@ -5737,25 +6152,18 @@
   <p:clrMapOvr>
     <a:masterClrMapping/>
   </p:clrMapOvr>
-  <mc:AlternateContent xmlns:mc="http://schemas.openxmlformats.org/markup-compatibility/2006">
-    <mc:Choice xmlns:p14="http://schemas.microsoft.com/office/powerpoint/2010/main" Requires="p14">
+  <mc:AlternateContent xmlns:mc="http://schemas.openxmlformats.org/markup-compatibility/2006" xmlns:p14="http://schemas.microsoft.com/office/powerpoint/2010/main">
+    <mc:Choice Requires="p14">
       <p:transition spd="slow" p14:dur="1300">
         <p14:pan dir="u"/>
       </p:transition>
     </mc:Choice>
-    <mc:Fallback>
+    <mc:Fallback xmlns="">
       <p:transition spd="slow">
         <p:fade/>
       </p:transition>
     </mc:Fallback>
   </mc:AlternateContent>
-  <p:timing>
-    <p:tnLst>
-      <p:par>
-        <p:cTn id="1" dur="indefinite" restart="never" nodeType="tmRoot"/>
-      </p:par>
-    </p:tnLst>
-  </p:timing>
 </p:sld>
 </file>
 
@@ -5795,7 +6203,7 @@
           <a:p>
             <a:pPr algn="ctr"/>
             <a:r>
-              <a:rPr lang="en-US" sz="4800" b="1" dirty="0" smtClean="0"/>
+              <a:rPr lang="en-US" sz="4800" b="1" dirty="0"/>
               <a:t>Domain name</a:t>
             </a:r>
             <a:endParaRPr lang="ar-SY" sz="4800" b="1" dirty="0"/>
@@ -5836,25 +6244,18 @@
   <p:clrMapOvr>
     <a:masterClrMapping/>
   </p:clrMapOvr>
-  <mc:AlternateContent xmlns:mc="http://schemas.openxmlformats.org/markup-compatibility/2006">
-    <mc:Choice xmlns:p14="http://schemas.microsoft.com/office/powerpoint/2010/main" Requires="p14">
+  <mc:AlternateContent xmlns:mc="http://schemas.openxmlformats.org/markup-compatibility/2006" xmlns:p14="http://schemas.microsoft.com/office/powerpoint/2010/main">
+    <mc:Choice Requires="p14">
       <p:transition spd="slow" p14:dur="1300">
         <p14:pan dir="u"/>
       </p:transition>
     </mc:Choice>
-    <mc:Fallback>
+    <mc:Fallback xmlns="">
       <p:transition spd="slow">
         <p:fade/>
       </p:transition>
     </mc:Fallback>
   </mc:AlternateContent>
-  <p:timing>
-    <p:tnLst>
-      <p:par>
-        <p:cTn id="1" dur="indefinite" restart="never" nodeType="tmRoot"/>
-      </p:par>
-    </p:tnLst>
-  </p:timing>
 </p:sld>
 </file>
 
@@ -5885,7 +6286,12 @@
             <p:ph type="title"/>
           </p:nvPr>
         </p:nvSpPr>
-        <p:spPr/>
+        <p:spPr>
+          <a:xfrm>
+            <a:off x="838199" y="115949"/>
+            <a:ext cx="10515600" cy="1325563"/>
+          </a:xfrm>
+        </p:spPr>
         <p:txBody>
           <a:bodyPr>
             <a:normAutofit/>
@@ -5894,12 +6300,8 @@
           <a:p>
             <a:pPr algn="ctr"/>
             <a:r>
-              <a:rPr lang="en-US" sz="4800" b="1" dirty="0" smtClean="0"/>
-              <a:t>Web </a:t>
-            </a:r>
-            <a:r>
               <a:rPr lang="en-US" sz="4800" b="1" dirty="0"/>
-              <a:t>browsers</a:t>
+              <a:t>Client Server</a:t>
             </a:r>
             <a:endParaRPr lang="ar-SY" sz="4800" b="1" dirty="0"/>
           </a:p>
@@ -5907,7 +6309,7 @@
       </p:sp>
       <p:pic>
         <p:nvPicPr>
-          <p:cNvPr id="4" name="صورة 3"/>
+          <p:cNvPr id="7" name="صورة 6"/>
           <p:cNvPicPr>
             <a:picLocks noChangeAspect="1"/>
           </p:cNvPicPr>
@@ -5921,8 +6323,8 @@
         </p:blipFill>
         <p:spPr>
           <a:xfrm>
-            <a:off x="2488095" y="1929228"/>
-            <a:ext cx="7215809" cy="4755874"/>
+            <a:off x="3074504" y="1441512"/>
+            <a:ext cx="6381223" cy="5280754"/>
           </a:xfrm>
           <a:prstGeom prst="rect">
             <a:avLst/>
@@ -5932,32 +6334,25 @@
     </p:spTree>
     <p:extLst>
       <p:ext uri="{BB962C8B-B14F-4D97-AF65-F5344CB8AC3E}">
-        <p14:creationId xmlns:p14="http://schemas.microsoft.com/office/powerpoint/2010/main" val="1733241889"/>
+        <p14:creationId xmlns:p14="http://schemas.microsoft.com/office/powerpoint/2010/main" val="4013603775"/>
       </p:ext>
     </p:extLst>
   </p:cSld>
   <p:clrMapOvr>
     <a:masterClrMapping/>
   </p:clrMapOvr>
-  <mc:AlternateContent xmlns:mc="http://schemas.openxmlformats.org/markup-compatibility/2006">
-    <mc:Choice xmlns:p14="http://schemas.microsoft.com/office/powerpoint/2010/main" Requires="p14">
+  <mc:AlternateContent xmlns:mc="http://schemas.openxmlformats.org/markup-compatibility/2006" xmlns:p14="http://schemas.microsoft.com/office/powerpoint/2010/main">
+    <mc:Choice Requires="p14">
       <p:transition spd="slow" p14:dur="1300">
         <p14:pan dir="u"/>
       </p:transition>
     </mc:Choice>
-    <mc:Fallback>
+    <mc:Fallback xmlns="">
       <p:transition spd="slow">
         <p:fade/>
       </p:transition>
     </mc:Fallback>
   </mc:AlternateContent>
-  <p:timing>
-    <p:tnLst>
-      <p:par>
-        <p:cTn id="1" dur="indefinite" restart="never" nodeType="tmRoot"/>
-      </p:par>
-    </p:tnLst>
-  </p:timing>
 </p:sld>
 </file>
 
@@ -5978,7 +6373,7 @@
         <a:srgbClr val="E7E6E6"/>
       </a:lt2>
       <a:accent1>
-        <a:srgbClr val="5B9BD5"/>
+        <a:srgbClr val="4472C4"/>
       </a:accent1>
       <a:accent2>
         <a:srgbClr val="ED7D31"/>
@@ -5990,7 +6385,7 @@
         <a:srgbClr val="FFC000"/>
       </a:accent4>
       <a:accent5>
-        <a:srgbClr val="4472C4"/>
+        <a:srgbClr val="5B9BD5"/>
       </a:accent5>
       <a:accent6>
         <a:srgbClr val="70AD47"/>
@@ -6007,9 +6402,9 @@
         <a:latin typeface="Calibri Light" panose="020F0302020204030204"/>
         <a:ea typeface=""/>
         <a:cs typeface=""/>
-        <a:font script="Jpan" typeface="ＭＳ Ｐゴシック"/>
+        <a:font script="Jpan" typeface="游ゴシック Light"/>
         <a:font script="Hang" typeface="맑은 고딕"/>
-        <a:font script="Hans" typeface="宋体"/>
+        <a:font script="Hans" typeface="等线 Light"/>
         <a:font script="Hant" typeface="新細明體"/>
         <a:font script="Arab" typeface="Times New Roman"/>
         <a:font script="Hebr" typeface="Times New Roman"/>
@@ -6042,9 +6437,9 @@
         <a:latin typeface="Calibri" panose="020F0502020204030204"/>
         <a:ea typeface=""/>
         <a:cs typeface=""/>
-        <a:font script="Jpan" typeface="ＭＳ Ｐゴシック"/>
+        <a:font script="Jpan" typeface="游ゴシック"/>
         <a:font script="Hang" typeface="맑은 고딕"/>
-        <a:font script="Hans" typeface="宋体"/>
+        <a:font script="Hans" typeface="等线"/>
         <a:font script="Hant" typeface="新細明體"/>
         <a:font script="Arab" typeface="Arial"/>
         <a:font script="Hebr" typeface="Arial"/>

--- a/web.pptx
+++ b/web.pptx
@@ -2,10 +2,10 @@
 <file path=ppt/presentation.xml><?xml version="1.0" encoding="utf-8"?>
 <p:presentation xmlns:a="http://schemas.openxmlformats.org/drawingml/2006/main" xmlns:r="http://schemas.openxmlformats.org/officeDocument/2006/relationships" xmlns:p="http://schemas.openxmlformats.org/presentationml/2006/main" rtl="1" saveSubsetFonts="1">
   <p:sldMasterIdLst>
-    <p:sldMasterId id="2147483816" r:id="rId1"/>
+    <p:sldMasterId id="2147483840" r:id="rId1"/>
   </p:sldMasterIdLst>
   <p:notesMasterIdLst>
-    <p:notesMasterId r:id="rId14"/>
+    <p:notesMasterId r:id="rId16"/>
   </p:notesMasterIdLst>
   <p:sldIdLst>
     <p:sldId id="256" r:id="rId2"/>
@@ -20,6 +20,8 @@
     <p:sldId id="264" r:id="rId11"/>
     <p:sldId id="266" r:id="rId12"/>
     <p:sldId id="267" r:id="rId13"/>
+    <p:sldId id="268" r:id="rId14"/>
+    <p:sldId id="269" r:id="rId15"/>
   </p:sldIdLst>
   <p:sldSz cx="12192000" cy="6858000"/>
   <p:notesSz cx="6858000" cy="9144000"/>
@@ -520,313 +522,7 @@
           <a:bodyPr/>
           <a:lstStyle/>
           <a:p>
-            <a:endParaRPr lang="ar-SY" sz="1200" b="0" i="0" u="none" strike="noStrike" kern="1200" baseline="0" dirty="0">
-              <a:solidFill>
-                <a:schemeClr val="tx1"/>
-              </a:solidFill>
-              <a:latin typeface="+mn-lt"/>
-              <a:ea typeface="+mn-ea"/>
-              <a:cs typeface="+mn-cs"/>
-            </a:endParaRPr>
-          </a:p>
-          <a:p>
-            <a:r>
-              <a:rPr lang="ar-SY" sz="1200" b="0" i="0" u="none" strike="noStrike" kern="1200" baseline="0" dirty="0">
-                <a:solidFill>
-                  <a:schemeClr val="tx1"/>
-                </a:solidFill>
-                <a:latin typeface="+mn-lt"/>
-                <a:ea typeface="+mn-ea"/>
-                <a:cs typeface="+mn-cs"/>
-              </a:rPr>
-              <a:t>يجب </a:t>
-            </a:r>
-            <a:r>
-              <a:rPr lang="ar-SY" sz="1200" b="1" i="0" u="none" strike="noStrike" kern="1200" baseline="0" dirty="0">
-                <a:solidFill>
-                  <a:schemeClr val="tx1"/>
-                </a:solidFill>
-                <a:latin typeface="+mn-lt"/>
-                <a:ea typeface="+mn-ea"/>
-                <a:cs typeface="+mn-cs"/>
-              </a:rPr>
-              <a:t>أن نميز جيداً بين الانترنت وبين الويب</a:t>
-            </a:r>
-            <a:r>
-              <a:rPr lang="ar-SY" sz="1200" b="0" i="0" u="none" strike="noStrike" kern="1200" baseline="0" dirty="0">
-                <a:solidFill>
-                  <a:schemeClr val="tx1"/>
-                </a:solidFill>
-                <a:latin typeface="+mn-lt"/>
-                <a:ea typeface="+mn-ea"/>
-                <a:cs typeface="+mn-cs"/>
-              </a:rPr>
-              <a:t>.</a:t>
-            </a:r>
-          </a:p>
-          <a:p>
-            <a:r>
-              <a:rPr lang="ar-SY" sz="1200" b="0" i="0" u="none" strike="noStrike" kern="1200" baseline="0" dirty="0">
-                <a:solidFill>
-                  <a:schemeClr val="tx1"/>
-                </a:solidFill>
-                <a:latin typeface="+mn-lt"/>
-                <a:ea typeface="+mn-ea"/>
-                <a:cs typeface="+mn-cs"/>
-              </a:rPr>
-              <a:t> إذ أن </a:t>
-            </a:r>
-            <a:r>
-              <a:rPr lang="ar-SY" sz="1200" b="1" i="0" u="none" strike="noStrike" kern="1200" baseline="0" dirty="0">
-                <a:solidFill>
-                  <a:schemeClr val="tx1"/>
-                </a:solidFill>
-                <a:latin typeface="+mn-lt"/>
-                <a:ea typeface="+mn-ea"/>
-                <a:cs typeface="+mn-cs"/>
-              </a:rPr>
-              <a:t>الانترنت</a:t>
-            </a:r>
-            <a:r>
-              <a:rPr lang="ar-SY" sz="1200" b="0" i="0" u="none" strike="noStrike" kern="1200" baseline="0" dirty="0">
-                <a:solidFill>
-                  <a:schemeClr val="tx1"/>
-                </a:solidFill>
-                <a:latin typeface="+mn-lt"/>
-                <a:ea typeface="+mn-ea"/>
-                <a:cs typeface="+mn-cs"/>
-              </a:rPr>
-              <a:t> هي مجموعة من</a:t>
-            </a:r>
-          </a:p>
-          <a:p>
-            <a:r>
-              <a:rPr lang="ar-SY" sz="1200" b="0" i="0" u="none" strike="noStrike" kern="1200" baseline="0" dirty="0">
-                <a:solidFill>
-                  <a:schemeClr val="tx1"/>
-                </a:solidFill>
-                <a:latin typeface="+mn-lt"/>
-                <a:ea typeface="+mn-ea"/>
-                <a:cs typeface="+mn-cs"/>
-              </a:rPr>
-              <a:t>الحواسب والتجهيزات المرتبطة مع بعضها بحيث يُمكن لكل منها التخاطب مع</a:t>
-            </a:r>
-          </a:p>
-          <a:p>
-            <a:pPr marL="0" marR="0" indent="0" algn="r" defTabSz="914400" rtl="1" eaLnBrk="1" fontAlgn="auto" latinLnBrk="0" hangingPunct="1">
-              <a:lnSpc>
-                <a:spcPct val="100000"/>
-              </a:lnSpc>
-              <a:spcBef>
-                <a:spcPts val="0"/>
-              </a:spcBef>
-              <a:spcAft>
-                <a:spcPts val="0"/>
-              </a:spcAft>
-              <a:buClrTx/>
-              <a:buSzTx/>
-              <a:buFontTx/>
-              <a:buNone/>
-              <a:tabLst/>
-              <a:defRPr/>
-            </a:pPr>
-            <a:r>
-              <a:rPr lang="ar-SY" sz="1200" b="0" i="0" u="none" strike="noStrike" kern="1200" baseline="0" dirty="0">
-                <a:solidFill>
-                  <a:schemeClr val="tx1"/>
-                </a:solidFill>
-                <a:latin typeface="+mn-lt"/>
-                <a:ea typeface="+mn-ea"/>
-                <a:cs typeface="+mn-cs"/>
-              </a:rPr>
-              <a:t>الآخر عبر </a:t>
-            </a:r>
-            <a:r>
-              <a:rPr lang="en-US" sz="1200" b="0" i="0" u="none" strike="noStrike" kern="1200" baseline="0" dirty="0">
-                <a:solidFill>
-                  <a:schemeClr val="tx1"/>
-                </a:solidFill>
-                <a:latin typeface="+mn-lt"/>
-                <a:ea typeface="+mn-ea"/>
-                <a:cs typeface="+mn-cs"/>
-              </a:rPr>
-              <a:t>Transmission Control Protocol/Internet Protocol (TCP/IP)</a:t>
-            </a:r>
-            <a:r>
-              <a:rPr lang="ar-SY" sz="1200" b="0" i="0" u="none" strike="noStrike" kern="1200" baseline="0" dirty="0">
-                <a:solidFill>
-                  <a:schemeClr val="tx1"/>
-                </a:solidFill>
-                <a:latin typeface="+mn-lt"/>
-                <a:ea typeface="+mn-ea"/>
-                <a:cs typeface="+mn-cs"/>
-              </a:rPr>
-              <a:t>.</a:t>
-            </a:r>
-          </a:p>
-          <a:p>
-            <a:pPr marL="0" marR="0" indent="0" algn="r" defTabSz="914400" rtl="1" eaLnBrk="1" fontAlgn="auto" latinLnBrk="0" hangingPunct="1">
-              <a:lnSpc>
-                <a:spcPct val="100000"/>
-              </a:lnSpc>
-              <a:spcBef>
-                <a:spcPts val="0"/>
-              </a:spcBef>
-              <a:spcAft>
-                <a:spcPts val="0"/>
-              </a:spcAft>
-              <a:buClrTx/>
-              <a:buSzTx/>
-              <a:buFontTx/>
-              <a:buNone/>
-              <a:tabLst/>
-              <a:defRPr/>
-            </a:pPr>
-            <a:endParaRPr lang="ar-SY" sz="1200" b="0" i="0" u="none" strike="noStrike" kern="1200" baseline="0" dirty="0">
-              <a:solidFill>
-                <a:schemeClr val="tx1"/>
-              </a:solidFill>
-              <a:latin typeface="+mn-lt"/>
-              <a:ea typeface="+mn-ea"/>
-              <a:cs typeface="+mn-cs"/>
-            </a:endParaRPr>
-          </a:p>
-          <a:p>
-            <a:pPr marL="0" marR="0" indent="0" algn="r" defTabSz="914400" rtl="1" eaLnBrk="1" fontAlgn="auto" latinLnBrk="0" hangingPunct="1">
-              <a:lnSpc>
-                <a:spcPct val="100000"/>
-              </a:lnSpc>
-              <a:spcBef>
-                <a:spcPts val="0"/>
-              </a:spcBef>
-              <a:spcAft>
-                <a:spcPts val="0"/>
-              </a:spcAft>
-              <a:buClrTx/>
-              <a:buSzTx/>
-              <a:buFontTx/>
-              <a:buNone/>
-              <a:tabLst/>
-              <a:defRPr/>
-            </a:pPr>
-            <a:r>
-              <a:rPr lang="ar-SY" sz="1200" b="0" i="0" u="none" strike="noStrike" kern="1200" baseline="0" dirty="0">
-                <a:solidFill>
-                  <a:schemeClr val="tx1"/>
-                </a:solidFill>
-                <a:latin typeface="+mn-lt"/>
-                <a:ea typeface="+mn-ea"/>
-                <a:cs typeface="+mn-cs"/>
-              </a:rPr>
-              <a:t> أما </a:t>
-            </a:r>
-            <a:r>
-              <a:rPr lang="ar-SY" sz="1200" b="1" i="0" u="none" strike="noStrike" kern="1200" baseline="0" dirty="0">
-                <a:solidFill>
-                  <a:schemeClr val="tx1"/>
-                </a:solidFill>
-                <a:latin typeface="+mn-lt"/>
-                <a:ea typeface="+mn-ea"/>
-                <a:cs typeface="+mn-cs"/>
-              </a:rPr>
-              <a:t>الويب</a:t>
-            </a:r>
-            <a:r>
-              <a:rPr lang="ar-SY" sz="1200" b="0" i="0" u="none" strike="noStrike" kern="1200" baseline="0" dirty="0">
-                <a:solidFill>
-                  <a:schemeClr val="tx1"/>
-                </a:solidFill>
-                <a:latin typeface="+mn-lt"/>
-                <a:ea typeface="+mn-ea"/>
-                <a:cs typeface="+mn-cs"/>
-              </a:rPr>
-              <a:t> فهي مجموعة من البرمجيات والبروتوكولات التي تمّ وضعها على</a:t>
-            </a:r>
-          </a:p>
-          <a:p>
-            <a:r>
-              <a:rPr lang="ar-SY" sz="1200" b="0" i="0" u="none" strike="noStrike" kern="1200" baseline="0" dirty="0">
-                <a:solidFill>
-                  <a:schemeClr val="tx1"/>
-                </a:solidFill>
-                <a:latin typeface="+mn-lt"/>
-                <a:ea typeface="+mn-ea"/>
-                <a:cs typeface="+mn-cs"/>
-              </a:rPr>
-              <a:t>حواسب الانترنت )تستخدم الويب البروتوكول </a:t>
-            </a:r>
-            <a:r>
-              <a:rPr lang="en-US" sz="1200" b="0" i="0" u="none" strike="noStrike" kern="1200" baseline="0" dirty="0">
-                <a:solidFill>
-                  <a:schemeClr val="tx1"/>
-                </a:solidFill>
-                <a:latin typeface="+mn-lt"/>
-                <a:ea typeface="+mn-ea"/>
-                <a:cs typeface="+mn-cs"/>
-              </a:rPr>
-              <a:t>HTTP (. </a:t>
-            </a:r>
-            <a:r>
-              <a:rPr lang="ar-SY" sz="1200" b="0" i="0" u="none" strike="noStrike" kern="1200" baseline="0" dirty="0">
-                <a:solidFill>
-                  <a:schemeClr val="tx1"/>
-                </a:solidFill>
-                <a:latin typeface="+mn-lt"/>
-                <a:ea typeface="+mn-ea"/>
-                <a:cs typeface="+mn-cs"/>
-              </a:rPr>
-              <a:t>وبهذا فإن الانترنت كانت</a:t>
-            </a:r>
-          </a:p>
-          <a:p>
-            <a:r>
-              <a:rPr lang="ar-SY" sz="1200" b="0" i="0" u="none" strike="noStrike" kern="1200" baseline="0" dirty="0" err="1">
-                <a:solidFill>
-                  <a:schemeClr val="tx1"/>
-                </a:solidFill>
-                <a:latin typeface="+mn-lt"/>
-                <a:ea typeface="+mn-ea"/>
-                <a:cs typeface="+mn-cs"/>
-              </a:rPr>
-              <a:t>وماتازل</a:t>
-            </a:r>
-            <a:r>
-              <a:rPr lang="ar-SY" sz="1200" b="0" i="0" u="none" strike="noStrike" kern="1200" baseline="0" dirty="0">
-                <a:solidFill>
-                  <a:schemeClr val="tx1"/>
-                </a:solidFill>
-                <a:latin typeface="+mn-lt"/>
-                <a:ea typeface="+mn-ea"/>
-                <a:cs typeface="+mn-cs"/>
-              </a:rPr>
-              <a:t> مفيدة قبل ظهور الويب، مع ملاحظة أن معظم البشر اليوم يستخدمون</a:t>
-            </a:r>
-          </a:p>
-          <a:p>
-            <a:r>
-              <a:rPr lang="ar-SY" sz="1200" b="0" i="0" u="none" strike="noStrike" kern="1200" baseline="0" dirty="0">
-                <a:solidFill>
-                  <a:schemeClr val="tx1"/>
-                </a:solidFill>
-                <a:latin typeface="+mn-lt"/>
-                <a:ea typeface="+mn-ea"/>
-                <a:cs typeface="+mn-cs"/>
-              </a:rPr>
-              <a:t>الانترنت عبر الويب.</a:t>
-            </a:r>
-          </a:p>
-          <a:p>
-            <a:endParaRPr lang="ar-SY" sz="1200" b="0" i="0" u="none" strike="noStrike" kern="1200" baseline="0" dirty="0">
-              <a:solidFill>
-                <a:schemeClr val="tx1"/>
-              </a:solidFill>
-              <a:latin typeface="+mn-lt"/>
-              <a:ea typeface="+mn-ea"/>
-              <a:cs typeface="+mn-cs"/>
-            </a:endParaRPr>
-          </a:p>
-          <a:p>
-            <a:endParaRPr lang="ar-SY" dirty="0"/>
+            <a:endParaRPr lang="ar-SY"/>
           </a:p>
         </p:txBody>
       </p:sp>
@@ -847,7 +543,7 @@
           <a:p>
             <a:fld id="{CC320E0A-D0AF-4D7D-9A21-388A396A7CCB}" type="slidenum">
               <a:rPr lang="ar-SY" smtClean="0"/>
-              <a:t>2</a:t>
+              <a:t>1</a:t>
             </a:fld>
             <a:endParaRPr lang="ar-SY"/>
           </a:p>
@@ -856,7 +552,624 @@
     </p:spTree>
     <p:extLst>
       <p:ext uri="{BB962C8B-B14F-4D97-AF65-F5344CB8AC3E}">
-        <p14:creationId xmlns:p14="http://schemas.microsoft.com/office/powerpoint/2010/main" val="2066652015"/>
+        <p14:creationId xmlns:p14="http://schemas.microsoft.com/office/powerpoint/2010/main" val="977123567"/>
+      </p:ext>
+    </p:extLst>
+  </p:cSld>
+  <p:clrMapOvr>
+    <a:masterClrMapping/>
+  </p:clrMapOvr>
+</p:notes>
+</file>
+
+<file path=ppt/notesSlides/notesSlide10.xml><?xml version="1.0" encoding="utf-8"?>
+<p:notes xmlns:a="http://schemas.openxmlformats.org/drawingml/2006/main" xmlns:r="http://schemas.openxmlformats.org/officeDocument/2006/relationships" xmlns:p="http://schemas.openxmlformats.org/presentationml/2006/main">
+  <p:cSld>
+    <p:spTree>
+      <p:nvGrpSpPr>
+        <p:cNvPr id="1" name=""/>
+        <p:cNvGrpSpPr/>
+        <p:nvPr/>
+      </p:nvGrpSpPr>
+      <p:grpSpPr>
+        <a:xfrm>
+          <a:off x="0" y="0"/>
+          <a:ext cx="0" cy="0"/>
+          <a:chOff x="0" y="0"/>
+          <a:chExt cx="0" cy="0"/>
+        </a:xfrm>
+      </p:grpSpPr>
+      <p:sp>
+        <p:nvSpPr>
+          <p:cNvPr id="2" name="عنصر نائب لصورة الشريحة 1"/>
+          <p:cNvSpPr>
+            <a:spLocks noGrp="1" noRot="1" noChangeAspect="1"/>
+          </p:cNvSpPr>
+          <p:nvPr>
+            <p:ph type="sldImg"/>
+          </p:nvPr>
+        </p:nvSpPr>
+        <p:spPr/>
+      </p:sp>
+      <p:sp>
+        <p:nvSpPr>
+          <p:cNvPr id="3" name="عنصر نائب للملاحظات 2"/>
+          <p:cNvSpPr>
+            <a:spLocks noGrp="1"/>
+          </p:cNvSpPr>
+          <p:nvPr>
+            <p:ph type="body" idx="1"/>
+          </p:nvPr>
+        </p:nvSpPr>
+        <p:spPr/>
+        <p:txBody>
+          <a:bodyPr/>
+          <a:lstStyle/>
+          <a:p>
+            <a:r>
+              <a:rPr lang="ar-SA" dirty="0"/>
+              <a:t>يعتمد الويب لتحقيق التواصل بين  المستعرض و المخدم على بروتوكول </a:t>
+            </a:r>
+            <a:endParaRPr lang="en-US" dirty="0"/>
+          </a:p>
+          <a:p>
+            <a:r>
+              <a:rPr lang="en-US" dirty="0"/>
+              <a:t>HTTP (Hyper Text Transfer Protocol)</a:t>
+            </a:r>
+            <a:endParaRPr lang="ar-SY" dirty="0"/>
+          </a:p>
+        </p:txBody>
+      </p:sp>
+      <p:sp>
+        <p:nvSpPr>
+          <p:cNvPr id="4" name="عنصر نائب لرقم الشريحة 3"/>
+          <p:cNvSpPr>
+            <a:spLocks noGrp="1"/>
+          </p:cNvSpPr>
+          <p:nvPr>
+            <p:ph type="sldNum" sz="quarter" idx="10"/>
+          </p:nvPr>
+        </p:nvSpPr>
+        <p:spPr/>
+        <p:txBody>
+          <a:bodyPr/>
+          <a:lstStyle/>
+          <a:p>
+            <a:fld id="{CC320E0A-D0AF-4D7D-9A21-388A396A7CCB}" type="slidenum">
+              <a:rPr lang="ar-SY" smtClean="0"/>
+              <a:t>10</a:t>
+            </a:fld>
+            <a:endParaRPr lang="ar-SY"/>
+          </a:p>
+        </p:txBody>
+      </p:sp>
+    </p:spTree>
+    <p:extLst>
+      <p:ext uri="{BB962C8B-B14F-4D97-AF65-F5344CB8AC3E}">
+        <p14:creationId xmlns:p14="http://schemas.microsoft.com/office/powerpoint/2010/main" val="870209674"/>
+      </p:ext>
+    </p:extLst>
+  </p:cSld>
+  <p:clrMapOvr>
+    <a:masterClrMapping/>
+  </p:clrMapOvr>
+</p:notes>
+</file>
+
+<file path=ppt/notesSlides/notesSlide11.xml><?xml version="1.0" encoding="utf-8"?>
+<p:notes xmlns:a="http://schemas.openxmlformats.org/drawingml/2006/main" xmlns:r="http://schemas.openxmlformats.org/officeDocument/2006/relationships" xmlns:p="http://schemas.openxmlformats.org/presentationml/2006/main">
+  <p:cSld>
+    <p:spTree>
+      <p:nvGrpSpPr>
+        <p:cNvPr id="1" name=""/>
+        <p:cNvGrpSpPr/>
+        <p:nvPr/>
+      </p:nvGrpSpPr>
+      <p:grpSpPr>
+        <a:xfrm>
+          <a:off x="0" y="0"/>
+          <a:ext cx="0" cy="0"/>
+          <a:chOff x="0" y="0"/>
+          <a:chExt cx="0" cy="0"/>
+        </a:xfrm>
+      </p:grpSpPr>
+      <p:sp>
+        <p:nvSpPr>
+          <p:cNvPr id="2" name="عنصر نائب لصورة الشريحة 1"/>
+          <p:cNvSpPr>
+            <a:spLocks noGrp="1" noRot="1" noChangeAspect="1"/>
+          </p:cNvSpPr>
+          <p:nvPr>
+            <p:ph type="sldImg"/>
+          </p:nvPr>
+        </p:nvSpPr>
+        <p:spPr/>
+      </p:sp>
+      <p:sp>
+        <p:nvSpPr>
+          <p:cNvPr id="3" name="عنصر نائب للملاحظات 2"/>
+          <p:cNvSpPr>
+            <a:spLocks noGrp="1"/>
+          </p:cNvSpPr>
+          <p:nvPr>
+            <p:ph type="body" idx="1"/>
+          </p:nvPr>
+        </p:nvSpPr>
+        <p:spPr/>
+        <p:txBody>
+          <a:bodyPr/>
+          <a:lstStyle/>
+          <a:p>
+            <a:r>
+              <a:rPr lang="en-US" dirty="0"/>
+              <a:t> </a:t>
+            </a:r>
+            <a:r>
+              <a:rPr lang="ar-SY" dirty="0" smtClean="0"/>
+              <a:t>يوجد</a:t>
+            </a:r>
+            <a:r>
+              <a:rPr lang="ar-SY" baseline="0" dirty="0" smtClean="0"/>
+              <a:t> العديد من أنواع </a:t>
+            </a:r>
+            <a:r>
+              <a:rPr lang="ar-SY" baseline="0" dirty="0" err="1" smtClean="0"/>
+              <a:t>المخدمات</a:t>
+            </a:r>
+            <a:r>
+              <a:rPr lang="ar-SY" baseline="0" dirty="0" smtClean="0"/>
+              <a:t> و أشهرها </a:t>
+            </a:r>
+            <a:endParaRPr lang="en-US" dirty="0" smtClean="0"/>
+          </a:p>
+          <a:p>
+            <a:r>
+              <a:rPr lang="ar-SA" b="1" dirty="0" smtClean="0"/>
+              <a:t>المخدم </a:t>
+            </a:r>
+            <a:r>
+              <a:rPr lang="en-US" b="1" dirty="0"/>
+              <a:t>Apache </a:t>
+            </a:r>
+            <a:r>
+              <a:rPr lang="ar-SA" dirty="0"/>
+              <a:t>و</a:t>
+            </a:r>
+            <a:r>
+              <a:rPr lang="en-US" dirty="0"/>
+              <a:t> </a:t>
+            </a:r>
+            <a:r>
+              <a:rPr lang="ar-SA" dirty="0"/>
+              <a:t>هو مخدم مجاني مفتوح المصدر يعمل على جميع أنظمة التشغيل. ويتميز </a:t>
+            </a:r>
+            <a:r>
+              <a:rPr lang="ar-SA" dirty="0" err="1"/>
+              <a:t>بوثوقيته</a:t>
+            </a:r>
+            <a:r>
+              <a:rPr lang="ar-SA" dirty="0"/>
+              <a:t> ودعمه للعديد من لغات البرمجة مثل </a:t>
+            </a:r>
+            <a:r>
+              <a:rPr lang="en-US" dirty="0"/>
+              <a:t>php.</a:t>
+            </a:r>
+          </a:p>
+          <a:p>
+            <a:endParaRPr lang="en-US" dirty="0"/>
+          </a:p>
+          <a:p>
+            <a:r>
+              <a:rPr lang="ar-SA" b="1" dirty="0"/>
+              <a:t>المخدم </a:t>
+            </a:r>
+            <a:r>
+              <a:rPr lang="en-US" b="1" dirty="0"/>
+              <a:t>IIS (Internet Information Services) </a:t>
+            </a:r>
+            <a:r>
+              <a:rPr lang="ar-SA" dirty="0"/>
+              <a:t>وهو مخدم </a:t>
+            </a:r>
+            <a:r>
+              <a:rPr lang="en-US" dirty="0"/>
+              <a:t>Microsoft </a:t>
+            </a:r>
+            <a:r>
+              <a:rPr lang="ar-SA" dirty="0"/>
+              <a:t>وبالتالي فهو يعمل على النظام </a:t>
+            </a:r>
+            <a:r>
+              <a:rPr lang="en-US" dirty="0"/>
+              <a:t>Windows </a:t>
+            </a:r>
+            <a:r>
+              <a:rPr lang="ar-SA" dirty="0"/>
+              <a:t>فقط. وهو المنافس </a:t>
+            </a:r>
+            <a:r>
+              <a:rPr lang="ar-SA" dirty="0" err="1"/>
+              <a:t>األقوى</a:t>
+            </a:r>
+            <a:r>
+              <a:rPr lang="ar-SA" dirty="0"/>
+              <a:t> للمخدم </a:t>
+            </a:r>
+            <a:r>
+              <a:rPr lang="en-US" dirty="0"/>
+              <a:t>Apache</a:t>
+            </a:r>
+            <a:r>
+              <a:rPr lang="en-US" dirty="0" smtClean="0"/>
+              <a:t>.</a:t>
+            </a:r>
+            <a:endParaRPr lang="ar-SY" dirty="0" smtClean="0"/>
+          </a:p>
+          <a:p>
+            <a:endParaRPr lang="ar-SY" dirty="0" smtClean="0"/>
+          </a:p>
+          <a:p>
+            <a:endParaRPr lang="ar-SY" dirty="0" smtClean="0"/>
+          </a:p>
+          <a:p>
+            <a:r>
+              <a:rPr lang="ar-SY" b="1" dirty="0" smtClean="0"/>
+              <a:t>مخدم = خادم =</a:t>
+            </a:r>
+            <a:r>
+              <a:rPr lang="ar-SY" b="1" baseline="0" dirty="0" smtClean="0"/>
+              <a:t> سيرفر </a:t>
+            </a:r>
+            <a:r>
+              <a:rPr lang="en-US" b="1" baseline="0" dirty="0" smtClean="0"/>
+              <a:t>=</a:t>
+            </a:r>
+            <a:r>
+              <a:rPr lang="ar-SY" b="1" baseline="0" dirty="0" smtClean="0"/>
+              <a:t> </a:t>
+            </a:r>
+            <a:r>
+              <a:rPr lang="en-US" b="1" baseline="0" dirty="0" smtClean="0"/>
+              <a:t>server</a:t>
+            </a:r>
+            <a:endParaRPr lang="en-US" b="1" dirty="0"/>
+          </a:p>
+        </p:txBody>
+      </p:sp>
+      <p:sp>
+        <p:nvSpPr>
+          <p:cNvPr id="4" name="عنصر نائب لرقم الشريحة 3"/>
+          <p:cNvSpPr>
+            <a:spLocks noGrp="1"/>
+          </p:cNvSpPr>
+          <p:nvPr>
+            <p:ph type="sldNum" sz="quarter" idx="5"/>
+          </p:nvPr>
+        </p:nvSpPr>
+        <p:spPr/>
+        <p:txBody>
+          <a:bodyPr/>
+          <a:lstStyle/>
+          <a:p>
+            <a:fld id="{CC320E0A-D0AF-4D7D-9A21-388A396A7CCB}" type="slidenum">
+              <a:rPr lang="ar-SY" smtClean="0"/>
+              <a:t>11</a:t>
+            </a:fld>
+            <a:endParaRPr lang="ar-SY"/>
+          </a:p>
+        </p:txBody>
+      </p:sp>
+    </p:spTree>
+    <p:extLst>
+      <p:ext uri="{BB962C8B-B14F-4D97-AF65-F5344CB8AC3E}">
+        <p14:creationId xmlns:p14="http://schemas.microsoft.com/office/powerpoint/2010/main" val="135952831"/>
+      </p:ext>
+    </p:extLst>
+  </p:cSld>
+  <p:clrMapOvr>
+    <a:masterClrMapping/>
+  </p:clrMapOvr>
+</p:notes>
+</file>
+
+<file path=ppt/notesSlides/notesSlide12.xml><?xml version="1.0" encoding="utf-8"?>
+<p:notes xmlns:a="http://schemas.openxmlformats.org/drawingml/2006/main" xmlns:r="http://schemas.openxmlformats.org/officeDocument/2006/relationships" xmlns:p="http://schemas.openxmlformats.org/presentationml/2006/main">
+  <p:cSld>
+    <p:spTree>
+      <p:nvGrpSpPr>
+        <p:cNvPr id="1" name=""/>
+        <p:cNvGrpSpPr/>
+        <p:nvPr/>
+      </p:nvGrpSpPr>
+      <p:grpSpPr>
+        <a:xfrm>
+          <a:off x="0" y="0"/>
+          <a:ext cx="0" cy="0"/>
+          <a:chOff x="0" y="0"/>
+          <a:chExt cx="0" cy="0"/>
+        </a:xfrm>
+      </p:grpSpPr>
+      <p:sp>
+        <p:nvSpPr>
+          <p:cNvPr id="2" name="عنصر نائب لصورة الشريحة 1"/>
+          <p:cNvSpPr>
+            <a:spLocks noGrp="1" noRot="1" noChangeAspect="1"/>
+          </p:cNvSpPr>
+          <p:nvPr>
+            <p:ph type="sldImg"/>
+          </p:nvPr>
+        </p:nvSpPr>
+        <p:spPr/>
+      </p:sp>
+      <p:sp>
+        <p:nvSpPr>
+          <p:cNvPr id="3" name="عنصر نائب للملاحظات 2"/>
+          <p:cNvSpPr>
+            <a:spLocks noGrp="1"/>
+          </p:cNvSpPr>
+          <p:nvPr>
+            <p:ph type="body" idx="1"/>
+          </p:nvPr>
+        </p:nvSpPr>
+        <p:spPr/>
+        <p:txBody>
+          <a:bodyPr/>
+          <a:lstStyle/>
+          <a:p>
+            <a:r>
+              <a:rPr lang="ar-SY" dirty="0" smtClean="0"/>
+              <a:t>اذا بناء</a:t>
+            </a:r>
+            <a:r>
+              <a:rPr lang="ar-SY" baseline="0" dirty="0" smtClean="0"/>
+              <a:t> موقع ويب يحتاج وجود طرفين و هما </a:t>
+            </a:r>
+            <a:r>
+              <a:rPr lang="en-US" baseline="0" dirty="0" smtClean="0"/>
+              <a:t>client – server </a:t>
+            </a:r>
+            <a:endParaRPr lang="ar-SY" baseline="0" dirty="0" smtClean="0"/>
+          </a:p>
+          <a:p>
+            <a:r>
+              <a:rPr lang="ar-SY" baseline="0" dirty="0" smtClean="0"/>
+              <a:t>ولكل منهم ادواته الخاصة  </a:t>
+            </a:r>
+          </a:p>
+          <a:p>
+            <a:r>
+              <a:rPr lang="ar-SY" baseline="0" dirty="0" smtClean="0"/>
+              <a:t>حيث يتم تحزين كل الملفات الخاصة بالموقع في السيرفر ليتم ارسالها للزون عند طلبها </a:t>
+            </a:r>
+          </a:p>
+          <a:p>
+            <a:r>
+              <a:rPr lang="ar-SY" baseline="0" dirty="0" smtClean="0"/>
+              <a:t>و عند استلامها من قبل الزون يقوم المتصفح الخاص به بعملية عرض للمعلومات </a:t>
+            </a:r>
+            <a:endParaRPr lang="ar-SY" dirty="0"/>
+          </a:p>
+        </p:txBody>
+      </p:sp>
+      <p:sp>
+        <p:nvSpPr>
+          <p:cNvPr id="4" name="عنصر نائب لرقم الشريحة 3"/>
+          <p:cNvSpPr>
+            <a:spLocks noGrp="1"/>
+          </p:cNvSpPr>
+          <p:nvPr>
+            <p:ph type="sldNum" sz="quarter" idx="10"/>
+          </p:nvPr>
+        </p:nvSpPr>
+        <p:spPr/>
+        <p:txBody>
+          <a:bodyPr/>
+          <a:lstStyle/>
+          <a:p>
+            <a:fld id="{CC320E0A-D0AF-4D7D-9A21-388A396A7CCB}" type="slidenum">
+              <a:rPr lang="ar-SY" smtClean="0"/>
+              <a:t>12</a:t>
+            </a:fld>
+            <a:endParaRPr lang="ar-SY"/>
+          </a:p>
+        </p:txBody>
+      </p:sp>
+    </p:spTree>
+    <p:extLst>
+      <p:ext uri="{BB962C8B-B14F-4D97-AF65-F5344CB8AC3E}">
+        <p14:creationId xmlns:p14="http://schemas.microsoft.com/office/powerpoint/2010/main" val="998073179"/>
+      </p:ext>
+    </p:extLst>
+  </p:cSld>
+  <p:clrMapOvr>
+    <a:masterClrMapping/>
+  </p:clrMapOvr>
+</p:notes>
+</file>
+
+<file path=ppt/notesSlides/notesSlide13.xml><?xml version="1.0" encoding="utf-8"?>
+<p:notes xmlns:a="http://schemas.openxmlformats.org/drawingml/2006/main" xmlns:r="http://schemas.openxmlformats.org/officeDocument/2006/relationships" xmlns:p="http://schemas.openxmlformats.org/presentationml/2006/main">
+  <p:cSld>
+    <p:spTree>
+      <p:nvGrpSpPr>
+        <p:cNvPr id="1" name=""/>
+        <p:cNvGrpSpPr/>
+        <p:nvPr/>
+      </p:nvGrpSpPr>
+      <p:grpSpPr>
+        <a:xfrm>
+          <a:off x="0" y="0"/>
+          <a:ext cx="0" cy="0"/>
+          <a:chOff x="0" y="0"/>
+          <a:chExt cx="0" cy="0"/>
+        </a:xfrm>
+      </p:grpSpPr>
+      <p:sp>
+        <p:nvSpPr>
+          <p:cNvPr id="2" name="عنصر نائب لصورة الشريحة 1"/>
+          <p:cNvSpPr>
+            <a:spLocks noGrp="1" noRot="1" noChangeAspect="1"/>
+          </p:cNvSpPr>
+          <p:nvPr>
+            <p:ph type="sldImg"/>
+          </p:nvPr>
+        </p:nvSpPr>
+        <p:spPr/>
+      </p:sp>
+      <p:sp>
+        <p:nvSpPr>
+          <p:cNvPr id="3" name="عنصر نائب للملاحظات 2"/>
+          <p:cNvSpPr>
+            <a:spLocks noGrp="1"/>
+          </p:cNvSpPr>
+          <p:nvPr>
+            <p:ph type="body" idx="1"/>
+          </p:nvPr>
+        </p:nvSpPr>
+        <p:spPr/>
+        <p:txBody>
+          <a:bodyPr/>
+          <a:lstStyle/>
+          <a:p>
+            <a:r>
+              <a:rPr lang="ar-SY" dirty="0" smtClean="0"/>
+              <a:t>في</a:t>
+            </a:r>
+            <a:r>
+              <a:rPr lang="ar-SY" baseline="0" dirty="0" smtClean="0"/>
+              <a:t> السيرفر تستخدم لغات برمجة للمعالجة المنطقية للداتا من أجل الحصول على معلومات مفيدة لعرضها للمستخدم </a:t>
+            </a:r>
+          </a:p>
+          <a:p>
+            <a:r>
+              <a:rPr lang="ar-SY" baseline="0" dirty="0" smtClean="0"/>
+              <a:t>أما بالنسبة للزبون فيكون بحاجة إلى وجود المتصفح الذي يقوم بعملية </a:t>
+            </a:r>
+            <a:r>
+              <a:rPr lang="ar-SY" baseline="0" dirty="0" err="1" smtClean="0"/>
+              <a:t>الرندر</a:t>
+            </a:r>
+            <a:r>
+              <a:rPr lang="ar-SY" baseline="0" dirty="0" smtClean="0"/>
+              <a:t> «عرض» للمكونات الموجود في صفحة الويب المرسلة من قبل المخدم</a:t>
+            </a:r>
+            <a:endParaRPr lang="ar-SY" dirty="0"/>
+          </a:p>
+        </p:txBody>
+      </p:sp>
+      <p:sp>
+        <p:nvSpPr>
+          <p:cNvPr id="4" name="عنصر نائب لرقم الشريحة 3"/>
+          <p:cNvSpPr>
+            <a:spLocks noGrp="1"/>
+          </p:cNvSpPr>
+          <p:nvPr>
+            <p:ph type="sldNum" sz="quarter" idx="10"/>
+          </p:nvPr>
+        </p:nvSpPr>
+        <p:spPr/>
+        <p:txBody>
+          <a:bodyPr/>
+          <a:lstStyle/>
+          <a:p>
+            <a:fld id="{CC320E0A-D0AF-4D7D-9A21-388A396A7CCB}" type="slidenum">
+              <a:rPr lang="ar-SY" smtClean="0"/>
+              <a:t>13</a:t>
+            </a:fld>
+            <a:endParaRPr lang="ar-SY"/>
+          </a:p>
+        </p:txBody>
+      </p:sp>
+    </p:spTree>
+    <p:extLst>
+      <p:ext uri="{BB962C8B-B14F-4D97-AF65-F5344CB8AC3E}">
+        <p14:creationId xmlns:p14="http://schemas.microsoft.com/office/powerpoint/2010/main" val="2459342021"/>
+      </p:ext>
+    </p:extLst>
+  </p:cSld>
+  <p:clrMapOvr>
+    <a:masterClrMapping/>
+  </p:clrMapOvr>
+</p:notes>
+</file>
+
+<file path=ppt/notesSlides/notesSlide14.xml><?xml version="1.0" encoding="utf-8"?>
+<p:notes xmlns:a="http://schemas.openxmlformats.org/drawingml/2006/main" xmlns:r="http://schemas.openxmlformats.org/officeDocument/2006/relationships" xmlns:p="http://schemas.openxmlformats.org/presentationml/2006/main">
+  <p:cSld>
+    <p:spTree>
+      <p:nvGrpSpPr>
+        <p:cNvPr id="1" name=""/>
+        <p:cNvGrpSpPr/>
+        <p:nvPr/>
+      </p:nvGrpSpPr>
+      <p:grpSpPr>
+        <a:xfrm>
+          <a:off x="0" y="0"/>
+          <a:ext cx="0" cy="0"/>
+          <a:chOff x="0" y="0"/>
+          <a:chExt cx="0" cy="0"/>
+        </a:xfrm>
+      </p:grpSpPr>
+      <p:sp>
+        <p:nvSpPr>
+          <p:cNvPr id="2" name="عنصر نائب لصورة الشريحة 1"/>
+          <p:cNvSpPr>
+            <a:spLocks noGrp="1" noRot="1" noChangeAspect="1"/>
+          </p:cNvSpPr>
+          <p:nvPr>
+            <p:ph type="sldImg"/>
+          </p:nvPr>
+        </p:nvSpPr>
+        <p:spPr/>
+      </p:sp>
+      <p:sp>
+        <p:nvSpPr>
+          <p:cNvPr id="3" name="عنصر نائب للملاحظات 2"/>
+          <p:cNvSpPr>
+            <a:spLocks noGrp="1"/>
+          </p:cNvSpPr>
+          <p:nvPr>
+            <p:ph type="body" idx="1"/>
+          </p:nvPr>
+        </p:nvSpPr>
+        <p:spPr/>
+        <p:txBody>
+          <a:bodyPr/>
+          <a:lstStyle/>
+          <a:p>
+            <a:endParaRPr lang="ar-SY" dirty="0"/>
+          </a:p>
+        </p:txBody>
+      </p:sp>
+      <p:sp>
+        <p:nvSpPr>
+          <p:cNvPr id="4" name="عنصر نائب لرقم الشريحة 3"/>
+          <p:cNvSpPr>
+            <a:spLocks noGrp="1"/>
+          </p:cNvSpPr>
+          <p:nvPr>
+            <p:ph type="sldNum" sz="quarter" idx="10"/>
+          </p:nvPr>
+        </p:nvSpPr>
+        <p:spPr/>
+        <p:txBody>
+          <a:bodyPr/>
+          <a:lstStyle/>
+          <a:p>
+            <a:fld id="{CC320E0A-D0AF-4D7D-9A21-388A396A7CCB}" type="slidenum">
+              <a:rPr lang="ar-SY" smtClean="0"/>
+              <a:t>14</a:t>
+            </a:fld>
+            <a:endParaRPr lang="ar-SY"/>
+          </a:p>
+        </p:txBody>
+      </p:sp>
+    </p:spTree>
+    <p:extLst>
+      <p:ext uri="{BB962C8B-B14F-4D97-AF65-F5344CB8AC3E}">
+        <p14:creationId xmlns:p14="http://schemas.microsoft.com/office/powerpoint/2010/main" val="4114500247"/>
       </p:ext>
     </p:extLst>
   </p:cSld>
@@ -910,6 +1223,312 @@
           <a:bodyPr/>
           <a:lstStyle/>
           <a:p>
+            <a:endParaRPr lang="ar-SY" sz="1200" b="0" i="0" u="none" strike="noStrike" kern="1200" baseline="0" dirty="0">
+              <a:solidFill>
+                <a:schemeClr val="tx1"/>
+              </a:solidFill>
+              <a:latin typeface="+mn-lt"/>
+              <a:ea typeface="+mn-ea"/>
+              <a:cs typeface="+mn-cs"/>
+            </a:endParaRPr>
+          </a:p>
+          <a:p>
+            <a:r>
+              <a:rPr lang="ar-SY" sz="1200" b="0" i="0" u="none" strike="noStrike" kern="1200" baseline="0" dirty="0">
+                <a:solidFill>
+                  <a:schemeClr val="tx1"/>
+                </a:solidFill>
+                <a:latin typeface="+mn-lt"/>
+                <a:ea typeface="+mn-ea"/>
+                <a:cs typeface="+mn-cs"/>
+              </a:rPr>
+              <a:t>يجب </a:t>
+            </a:r>
+            <a:r>
+              <a:rPr lang="ar-SY" sz="1200" b="1" i="0" u="none" strike="noStrike" kern="1200" baseline="0" dirty="0">
+                <a:solidFill>
+                  <a:schemeClr val="tx1"/>
+                </a:solidFill>
+                <a:latin typeface="+mn-lt"/>
+                <a:ea typeface="+mn-ea"/>
+                <a:cs typeface="+mn-cs"/>
+              </a:rPr>
+              <a:t>أن نميز جيداً بين الانترنت وبين الويب</a:t>
+            </a:r>
+            <a:r>
+              <a:rPr lang="ar-SY" sz="1200" b="0" i="0" u="none" strike="noStrike" kern="1200" baseline="0" dirty="0">
+                <a:solidFill>
+                  <a:schemeClr val="tx1"/>
+                </a:solidFill>
+                <a:latin typeface="+mn-lt"/>
+                <a:ea typeface="+mn-ea"/>
+                <a:cs typeface="+mn-cs"/>
+              </a:rPr>
+              <a:t>.</a:t>
+            </a:r>
+          </a:p>
+          <a:p>
+            <a:r>
+              <a:rPr lang="ar-SY" sz="1200" b="0" i="0" u="none" strike="noStrike" kern="1200" baseline="0" dirty="0">
+                <a:solidFill>
+                  <a:schemeClr val="tx1"/>
+                </a:solidFill>
+                <a:latin typeface="+mn-lt"/>
+                <a:ea typeface="+mn-ea"/>
+                <a:cs typeface="+mn-cs"/>
+              </a:rPr>
+              <a:t> إذ أن </a:t>
+            </a:r>
+            <a:r>
+              <a:rPr lang="ar-SY" sz="1200" b="1" i="0" u="none" strike="noStrike" kern="1200" baseline="0" dirty="0">
+                <a:solidFill>
+                  <a:schemeClr val="tx1"/>
+                </a:solidFill>
+                <a:latin typeface="+mn-lt"/>
+                <a:ea typeface="+mn-ea"/>
+                <a:cs typeface="+mn-cs"/>
+              </a:rPr>
+              <a:t>الانترنت</a:t>
+            </a:r>
+            <a:r>
+              <a:rPr lang="ar-SY" sz="1200" b="0" i="0" u="none" strike="noStrike" kern="1200" baseline="0" dirty="0">
+                <a:solidFill>
+                  <a:schemeClr val="tx1"/>
+                </a:solidFill>
+                <a:latin typeface="+mn-lt"/>
+                <a:ea typeface="+mn-ea"/>
+                <a:cs typeface="+mn-cs"/>
+              </a:rPr>
+              <a:t> هي مجموعة من</a:t>
+            </a:r>
+          </a:p>
+          <a:p>
+            <a:r>
+              <a:rPr lang="ar-SY" sz="1200" b="0" i="0" u="none" strike="noStrike" kern="1200" baseline="0" dirty="0">
+                <a:solidFill>
+                  <a:schemeClr val="tx1"/>
+                </a:solidFill>
+                <a:latin typeface="+mn-lt"/>
+                <a:ea typeface="+mn-ea"/>
+                <a:cs typeface="+mn-cs"/>
+              </a:rPr>
+              <a:t>الحواسب والتجهيزات المرتبطة مع بعضها بحيث يُمكن لكل منها التخاطب مع</a:t>
+            </a:r>
+          </a:p>
+          <a:p>
+            <a:pPr marL="0" marR="0" indent="0" algn="r" defTabSz="914400" rtl="1" eaLnBrk="1" fontAlgn="auto" latinLnBrk="0" hangingPunct="1">
+              <a:lnSpc>
+                <a:spcPct val="100000"/>
+              </a:lnSpc>
+              <a:spcBef>
+                <a:spcPts val="0"/>
+              </a:spcBef>
+              <a:spcAft>
+                <a:spcPts val="0"/>
+              </a:spcAft>
+              <a:buClrTx/>
+              <a:buSzTx/>
+              <a:buFontTx/>
+              <a:buNone/>
+              <a:tabLst/>
+              <a:defRPr/>
+            </a:pPr>
+            <a:r>
+              <a:rPr lang="ar-SY" sz="1200" b="0" i="0" u="none" strike="noStrike" kern="1200" baseline="0" dirty="0">
+                <a:solidFill>
+                  <a:schemeClr val="tx1"/>
+                </a:solidFill>
+                <a:latin typeface="+mn-lt"/>
+                <a:ea typeface="+mn-ea"/>
+                <a:cs typeface="+mn-cs"/>
+              </a:rPr>
+              <a:t>الآخر عبر </a:t>
+            </a:r>
+            <a:r>
+              <a:rPr lang="en-US" sz="1200" b="0" i="0" u="none" strike="noStrike" kern="1200" baseline="0" dirty="0">
+                <a:solidFill>
+                  <a:schemeClr val="tx1"/>
+                </a:solidFill>
+                <a:latin typeface="+mn-lt"/>
+                <a:ea typeface="+mn-ea"/>
+                <a:cs typeface="+mn-cs"/>
+              </a:rPr>
+              <a:t>Transmission Control Protocol/Internet Protocol (TCP/IP)</a:t>
+            </a:r>
+            <a:r>
+              <a:rPr lang="ar-SY" sz="1200" b="0" i="0" u="none" strike="noStrike" kern="1200" baseline="0" dirty="0">
+                <a:solidFill>
+                  <a:schemeClr val="tx1"/>
+                </a:solidFill>
+                <a:latin typeface="+mn-lt"/>
+                <a:ea typeface="+mn-ea"/>
+                <a:cs typeface="+mn-cs"/>
+              </a:rPr>
+              <a:t>.</a:t>
+            </a:r>
+          </a:p>
+          <a:p>
+            <a:pPr marL="0" marR="0" indent="0" algn="r" defTabSz="914400" rtl="1" eaLnBrk="1" fontAlgn="auto" latinLnBrk="0" hangingPunct="1">
+              <a:lnSpc>
+                <a:spcPct val="100000"/>
+              </a:lnSpc>
+              <a:spcBef>
+                <a:spcPts val="0"/>
+              </a:spcBef>
+              <a:spcAft>
+                <a:spcPts val="0"/>
+              </a:spcAft>
+              <a:buClrTx/>
+              <a:buSzTx/>
+              <a:buFontTx/>
+              <a:buNone/>
+              <a:tabLst/>
+              <a:defRPr/>
+            </a:pPr>
+            <a:endParaRPr lang="ar-SY" sz="1200" b="0" i="0" u="none" strike="noStrike" kern="1200" baseline="0" dirty="0">
+              <a:solidFill>
+                <a:schemeClr val="tx1"/>
+              </a:solidFill>
+              <a:latin typeface="+mn-lt"/>
+              <a:ea typeface="+mn-ea"/>
+              <a:cs typeface="+mn-cs"/>
+            </a:endParaRPr>
+          </a:p>
+          <a:p>
+            <a:pPr marL="0" marR="0" indent="0" algn="r" defTabSz="914400" rtl="1" eaLnBrk="1" fontAlgn="auto" latinLnBrk="0" hangingPunct="1">
+              <a:lnSpc>
+                <a:spcPct val="100000"/>
+              </a:lnSpc>
+              <a:spcBef>
+                <a:spcPts val="0"/>
+              </a:spcBef>
+              <a:spcAft>
+                <a:spcPts val="0"/>
+              </a:spcAft>
+              <a:buClrTx/>
+              <a:buSzTx/>
+              <a:buFontTx/>
+              <a:buNone/>
+              <a:tabLst/>
+              <a:defRPr/>
+            </a:pPr>
+            <a:r>
+              <a:rPr lang="ar-SY" sz="1200" b="0" i="0" u="none" strike="noStrike" kern="1200" baseline="0" dirty="0">
+                <a:solidFill>
+                  <a:schemeClr val="tx1"/>
+                </a:solidFill>
+                <a:latin typeface="+mn-lt"/>
+                <a:ea typeface="+mn-ea"/>
+                <a:cs typeface="+mn-cs"/>
+              </a:rPr>
+              <a:t> أما </a:t>
+            </a:r>
+            <a:r>
+              <a:rPr lang="ar-SY" sz="1200" b="1" i="0" u="none" strike="noStrike" kern="1200" baseline="0" dirty="0">
+                <a:solidFill>
+                  <a:schemeClr val="tx1"/>
+                </a:solidFill>
+                <a:latin typeface="+mn-lt"/>
+                <a:ea typeface="+mn-ea"/>
+                <a:cs typeface="+mn-cs"/>
+              </a:rPr>
+              <a:t>الويب</a:t>
+            </a:r>
+            <a:r>
+              <a:rPr lang="ar-SY" sz="1200" b="0" i="0" u="none" strike="noStrike" kern="1200" baseline="0" dirty="0">
+                <a:solidFill>
+                  <a:schemeClr val="tx1"/>
+                </a:solidFill>
+                <a:latin typeface="+mn-lt"/>
+                <a:ea typeface="+mn-ea"/>
+                <a:cs typeface="+mn-cs"/>
+              </a:rPr>
+              <a:t> فهي مجموعة من البرمجيات والبروتوكولات التي تمّ وضعها على</a:t>
+            </a:r>
+          </a:p>
+          <a:p>
+            <a:r>
+              <a:rPr lang="ar-SY" sz="1200" b="0" i="0" u="none" strike="noStrike" kern="1200" baseline="0" dirty="0">
+                <a:solidFill>
+                  <a:schemeClr val="tx1"/>
+                </a:solidFill>
+                <a:latin typeface="+mn-lt"/>
+                <a:ea typeface="+mn-ea"/>
+                <a:cs typeface="+mn-cs"/>
+              </a:rPr>
+              <a:t>حواسب الانترنت )تستخدم الويب البروتوكول </a:t>
+            </a:r>
+            <a:r>
+              <a:rPr lang="en-US" sz="1200" b="0" i="0" u="none" strike="noStrike" kern="1200" baseline="0" dirty="0">
+                <a:solidFill>
+                  <a:schemeClr val="tx1"/>
+                </a:solidFill>
+                <a:latin typeface="+mn-lt"/>
+                <a:ea typeface="+mn-ea"/>
+                <a:cs typeface="+mn-cs"/>
+              </a:rPr>
+              <a:t>HTTP (. </a:t>
+            </a:r>
+            <a:r>
+              <a:rPr lang="ar-SY" sz="1200" b="0" i="0" u="none" strike="noStrike" kern="1200" baseline="0" dirty="0">
+                <a:solidFill>
+                  <a:schemeClr val="tx1"/>
+                </a:solidFill>
+                <a:latin typeface="+mn-lt"/>
+                <a:ea typeface="+mn-ea"/>
+                <a:cs typeface="+mn-cs"/>
+              </a:rPr>
+              <a:t>وبهذا فإن الانترنت كانت</a:t>
+            </a:r>
+          </a:p>
+          <a:p>
+            <a:r>
+              <a:rPr lang="ar-SY" sz="1200" b="0" i="0" u="none" strike="noStrike" kern="1200" baseline="0" dirty="0" err="1">
+                <a:solidFill>
+                  <a:schemeClr val="tx1"/>
+                </a:solidFill>
+                <a:latin typeface="+mn-lt"/>
+                <a:ea typeface="+mn-ea"/>
+                <a:cs typeface="+mn-cs"/>
+              </a:rPr>
+              <a:t>وماتازل</a:t>
+            </a:r>
+            <a:r>
+              <a:rPr lang="ar-SY" sz="1200" b="0" i="0" u="none" strike="noStrike" kern="1200" baseline="0" dirty="0">
+                <a:solidFill>
+                  <a:schemeClr val="tx1"/>
+                </a:solidFill>
+                <a:latin typeface="+mn-lt"/>
+                <a:ea typeface="+mn-ea"/>
+                <a:cs typeface="+mn-cs"/>
+              </a:rPr>
+              <a:t> مفيدة قبل ظهور الويب، مع ملاحظة أن معظم البشر اليوم يستخدمون</a:t>
+            </a:r>
+          </a:p>
+          <a:p>
+            <a:r>
+              <a:rPr lang="ar-SY" sz="1200" b="0" i="0" u="none" strike="noStrike" kern="1200" baseline="0" dirty="0">
+                <a:solidFill>
+                  <a:schemeClr val="tx1"/>
+                </a:solidFill>
+                <a:latin typeface="+mn-lt"/>
+                <a:ea typeface="+mn-ea"/>
+                <a:cs typeface="+mn-cs"/>
+              </a:rPr>
+              <a:t>الانترنت عبر الويب.</a:t>
+            </a:r>
+          </a:p>
+          <a:p>
+            <a:endParaRPr lang="ar-SY" sz="1200" b="0" i="0" u="none" strike="noStrike" kern="1200" baseline="0" dirty="0">
+              <a:solidFill>
+                <a:schemeClr val="tx1"/>
+              </a:solidFill>
+              <a:latin typeface="+mn-lt"/>
+              <a:ea typeface="+mn-ea"/>
+              <a:cs typeface="+mn-cs"/>
+            </a:endParaRPr>
+          </a:p>
+          <a:p>
             <a:endParaRPr lang="ar-SY" dirty="0"/>
           </a:p>
         </p:txBody>
@@ -931,7 +1550,7 @@
           <a:p>
             <a:fld id="{CC320E0A-D0AF-4D7D-9A21-388A396A7CCB}" type="slidenum">
               <a:rPr lang="ar-SY" smtClean="0"/>
-              <a:t>3</a:t>
+              <a:t>2</a:t>
             </a:fld>
             <a:endParaRPr lang="ar-SY"/>
           </a:p>
@@ -940,7 +1559,7 @@
     </p:spTree>
     <p:extLst>
       <p:ext uri="{BB962C8B-B14F-4D97-AF65-F5344CB8AC3E}">
-        <p14:creationId xmlns:p14="http://schemas.microsoft.com/office/powerpoint/2010/main" val="1109766447"/>
+        <p14:creationId xmlns:p14="http://schemas.microsoft.com/office/powerpoint/2010/main" val="2066652015"/>
       </p:ext>
     </p:extLst>
   </p:cSld>
@@ -994,232 +1613,7 @@
           <a:bodyPr/>
           <a:lstStyle/>
           <a:p>
-            <a:pPr marL="0" marR="0" indent="0" algn="r" defTabSz="914400" rtl="1" eaLnBrk="1" fontAlgn="auto" latinLnBrk="0" hangingPunct="1">
-              <a:lnSpc>
-                <a:spcPct val="100000"/>
-              </a:lnSpc>
-              <a:spcBef>
-                <a:spcPts val="0"/>
-              </a:spcBef>
-              <a:spcAft>
-                <a:spcPts val="0"/>
-              </a:spcAft>
-              <a:buClrTx/>
-              <a:buSzTx/>
-              <a:buFontTx/>
-              <a:buNone/>
-              <a:tabLst/>
-              <a:defRPr/>
-            </a:pPr>
-            <a:r>
-              <a:rPr lang="ar-SY" dirty="0"/>
-              <a:t>تفاصيل</a:t>
-            </a:r>
-            <a:r>
-              <a:rPr lang="ar-SY" baseline="0" dirty="0"/>
-              <a:t> الانترنت تدرس في مواد الشبكات الأن ما يهمنا هو الأساسيات التي تساعد في بناء الويب </a:t>
-            </a:r>
             <a:endParaRPr lang="ar-SY" dirty="0"/>
-          </a:p>
-          <a:p>
-            <a:r>
-              <a:rPr lang="ar-SY" dirty="0"/>
-              <a:t>كيف</a:t>
-            </a:r>
-            <a:r>
-              <a:rPr lang="ar-SY" baseline="0" dirty="0"/>
-              <a:t> يتم معرفة الأجهزة على شبكة الانترنت ؟</a:t>
-            </a:r>
-          </a:p>
-          <a:p>
-            <a:r>
-              <a:rPr lang="ar-SY" baseline="0" dirty="0"/>
-              <a:t>باستخدام معرف فريد لكل جهاز... </a:t>
-            </a:r>
-            <a:r>
-              <a:rPr lang="en-US" baseline="0" dirty="0" err="1"/>
-              <a:t>Ip</a:t>
-            </a:r>
-            <a:r>
-              <a:rPr lang="en-US" baseline="0" dirty="0"/>
-              <a:t> address</a:t>
-            </a:r>
-            <a:endParaRPr lang="ar-SY" baseline="0" dirty="0"/>
-          </a:p>
-          <a:p>
-            <a:r>
-              <a:rPr lang="ar-SY" sz="1200" b="0" i="0" u="none" strike="noStrike" kern="1200" baseline="0" dirty="0">
-                <a:solidFill>
-                  <a:schemeClr val="tx1"/>
-                </a:solidFill>
-                <a:latin typeface="+mn-lt"/>
-                <a:ea typeface="+mn-ea"/>
-                <a:cs typeface="+mn-cs"/>
-              </a:rPr>
-              <a:t>يتكون العنوان الفريد </a:t>
-            </a:r>
-            <a:r>
-              <a:rPr lang="en-US" sz="1200" b="0" i="0" u="none" strike="noStrike" kern="1200" baseline="0" dirty="0">
-                <a:solidFill>
-                  <a:schemeClr val="tx1"/>
-                </a:solidFill>
-                <a:latin typeface="+mn-lt"/>
-                <a:ea typeface="+mn-ea"/>
-                <a:cs typeface="+mn-cs"/>
-              </a:rPr>
-              <a:t> Internet Protocol(IP) address </a:t>
-            </a:r>
-            <a:r>
-              <a:rPr lang="ar-SY" sz="1200" b="0" i="0" u="none" strike="noStrike" kern="1200" baseline="0" dirty="0">
-                <a:solidFill>
-                  <a:schemeClr val="tx1"/>
-                </a:solidFill>
-                <a:latin typeface="+mn-lt"/>
-                <a:ea typeface="+mn-ea"/>
-                <a:cs typeface="+mn-cs"/>
-              </a:rPr>
-              <a:t> من 32 بت ويكتب عادة باستخدام أربعة أرقام  كل منها 8 بت </a:t>
-            </a:r>
-          </a:p>
-          <a:p>
-            <a:r>
-              <a:rPr lang="ar-SY" sz="1200" b="0" i="0" u="none" strike="noStrike" kern="1200" baseline="0" dirty="0">
-                <a:solidFill>
-                  <a:schemeClr val="tx1"/>
-                </a:solidFill>
-                <a:latin typeface="+mn-lt"/>
-                <a:ea typeface="+mn-ea"/>
-                <a:cs typeface="+mn-cs"/>
-              </a:rPr>
-              <a:t>مثل </a:t>
-            </a:r>
-            <a:r>
-              <a:rPr lang="en-US" sz="1200" b="0" i="0" u="none" strike="noStrike" kern="1200" baseline="0" dirty="0">
-                <a:solidFill>
-                  <a:schemeClr val="tx1"/>
-                </a:solidFill>
-                <a:latin typeface="+mn-lt"/>
-                <a:ea typeface="+mn-ea"/>
-                <a:cs typeface="+mn-cs"/>
-              </a:rPr>
-              <a:t>191.57.126.121 </a:t>
-            </a:r>
-            <a:r>
-              <a:rPr lang="ar-SY" sz="1200" b="0" i="0" u="none" strike="noStrike" kern="1200" baseline="0" dirty="0">
-                <a:solidFill>
-                  <a:schemeClr val="tx1"/>
-                </a:solidFill>
-                <a:latin typeface="+mn-lt"/>
-                <a:ea typeface="+mn-ea"/>
-                <a:cs typeface="+mn-cs"/>
-              </a:rPr>
-              <a:t> و يتم عادة إعصاء مجال متسلسل من هذه الأرقام لكل منظمة  و التي تقوم بتوزيع الأرقام ضمن المجال على حواسبها .</a:t>
-            </a:r>
-          </a:p>
-          <a:p>
-            <a:r>
-              <a:rPr lang="ar-SY" sz="1200" b="0" i="0" u="none" strike="noStrike" kern="1200" baseline="0" dirty="0">
-                <a:solidFill>
-                  <a:schemeClr val="tx1"/>
-                </a:solidFill>
-                <a:latin typeface="+mn-lt"/>
-                <a:ea typeface="+mn-ea"/>
-                <a:cs typeface="+mn-cs"/>
-              </a:rPr>
-              <a:t>مثال المجال الخاص بوزارة الدفاع الأمريكية </a:t>
-            </a:r>
-          </a:p>
-          <a:p>
-            <a:r>
-              <a:rPr lang="ar-SY" sz="1200" b="0" i="0" u="none" strike="noStrike" kern="1200" baseline="0" dirty="0">
-                <a:solidFill>
-                  <a:schemeClr val="tx1"/>
-                </a:solidFill>
-                <a:latin typeface="+mn-lt"/>
-                <a:ea typeface="+mn-ea"/>
-                <a:cs typeface="+mn-cs"/>
-              </a:rPr>
-              <a:t>من </a:t>
-            </a:r>
-            <a:r>
-              <a:rPr lang="en-US" sz="1200" b="0" i="0" u="none" strike="noStrike" kern="1200" baseline="0" dirty="0">
-                <a:solidFill>
-                  <a:schemeClr val="tx1"/>
-                </a:solidFill>
-                <a:latin typeface="+mn-lt"/>
-                <a:ea typeface="+mn-ea"/>
-                <a:cs typeface="+mn-cs"/>
-              </a:rPr>
-              <a:t>12.0.0.0   </a:t>
-            </a:r>
-            <a:r>
-              <a:rPr lang="ar-SY" sz="1200" b="0" i="0" u="none" strike="noStrike" kern="1200" baseline="0" dirty="0">
-                <a:solidFill>
-                  <a:schemeClr val="tx1"/>
-                </a:solidFill>
-                <a:latin typeface="+mn-lt"/>
-                <a:ea typeface="+mn-ea"/>
-                <a:cs typeface="+mn-cs"/>
-              </a:rPr>
-              <a:t> حتى </a:t>
-            </a:r>
-            <a:r>
-              <a:rPr lang="en-US" sz="1200" b="0" i="0" u="none" strike="noStrike" kern="1200" baseline="0" dirty="0">
-                <a:solidFill>
-                  <a:schemeClr val="tx1"/>
-                </a:solidFill>
-                <a:latin typeface="+mn-lt"/>
-                <a:ea typeface="+mn-ea"/>
-                <a:cs typeface="+mn-cs"/>
-              </a:rPr>
-              <a:t>12.255.255.255 </a:t>
-            </a:r>
-            <a:r>
-              <a:rPr lang="ar-SY" sz="1200" b="0" i="0" u="none" strike="noStrike" kern="1200" baseline="0" dirty="0">
-                <a:solidFill>
-                  <a:schemeClr val="tx1"/>
-                </a:solidFill>
-                <a:latin typeface="+mn-lt"/>
-                <a:ea typeface="+mn-ea"/>
-                <a:cs typeface="+mn-cs"/>
-              </a:rPr>
-              <a:t> أي 16 مليون عنوان .</a:t>
-            </a:r>
-          </a:p>
-          <a:p>
-            <a:r>
-              <a:rPr lang="ar-SY" sz="1200" b="0" i="0" u="none" strike="noStrike" kern="1200" baseline="0" dirty="0">
-                <a:solidFill>
-                  <a:schemeClr val="tx1"/>
-                </a:solidFill>
-                <a:latin typeface="+mn-lt"/>
-                <a:ea typeface="+mn-ea"/>
-                <a:cs typeface="+mn-cs"/>
-              </a:rPr>
-              <a:t>و مع تزايد الطلب على هذه  المجالات ظهر معيار </a:t>
-            </a:r>
-            <a:r>
-              <a:rPr lang="en-US" sz="1200" b="0" i="0" u="none" strike="noStrike" kern="1200" baseline="0" dirty="0">
-                <a:solidFill>
-                  <a:schemeClr val="tx1"/>
-                </a:solidFill>
-                <a:latin typeface="+mn-lt"/>
-                <a:ea typeface="+mn-ea"/>
-                <a:cs typeface="+mn-cs"/>
-              </a:rPr>
-              <a:t>ipv6</a:t>
-            </a:r>
-            <a:r>
-              <a:rPr lang="ar-SY" sz="1200" b="0" i="0" u="none" strike="noStrike" kern="1200" baseline="0" dirty="0">
-                <a:solidFill>
-                  <a:schemeClr val="tx1"/>
-                </a:solidFill>
-                <a:latin typeface="+mn-lt"/>
-                <a:ea typeface="+mn-ea"/>
-                <a:cs typeface="+mn-cs"/>
-              </a:rPr>
-              <a:t> لذي يوسع العنوان إلى 128 بت </a:t>
-            </a:r>
           </a:p>
         </p:txBody>
       </p:sp>
@@ -1240,7 +1634,7 @@
           <a:p>
             <a:fld id="{CC320E0A-D0AF-4D7D-9A21-388A396A7CCB}" type="slidenum">
               <a:rPr lang="ar-SY" smtClean="0"/>
-              <a:t>4</a:t>
+              <a:t>3</a:t>
             </a:fld>
             <a:endParaRPr lang="ar-SY"/>
           </a:p>
@@ -1249,7 +1643,7 @@
     </p:spTree>
     <p:extLst>
       <p:ext uri="{BB962C8B-B14F-4D97-AF65-F5344CB8AC3E}">
-        <p14:creationId xmlns:p14="http://schemas.microsoft.com/office/powerpoint/2010/main" val="3242911823"/>
+        <p14:creationId xmlns:p14="http://schemas.microsoft.com/office/powerpoint/2010/main" val="1109766447"/>
       </p:ext>
     </p:extLst>
   </p:cSld>
@@ -1422,7 +1816,29 @@
                 <a:ea typeface="+mn-ea"/>
                 <a:cs typeface="+mn-cs"/>
               </a:rPr>
-              <a:t> و يتم عادة إعصاء مجال متسلسل من هذه الأرقام لكل منظمة  و التي تقوم بتوزيع الأرقام ضمن المجال على حواسبها .</a:t>
+              <a:t> و يتم عادة </a:t>
+            </a:r>
+            <a:r>
+              <a:rPr lang="ar-SY" sz="1200" b="0" i="0" u="none" strike="noStrike" kern="1200" baseline="0" dirty="0" smtClean="0">
+                <a:solidFill>
+                  <a:schemeClr val="tx1"/>
+                </a:solidFill>
+                <a:latin typeface="+mn-lt"/>
+                <a:ea typeface="+mn-ea"/>
+                <a:cs typeface="+mn-cs"/>
+              </a:rPr>
+              <a:t>إعطاء مجال </a:t>
+            </a:r>
+            <a:r>
+              <a:rPr lang="ar-SY" sz="1200" b="0" i="0" u="none" strike="noStrike" kern="1200" baseline="0" dirty="0">
+                <a:solidFill>
+                  <a:schemeClr val="tx1"/>
+                </a:solidFill>
+                <a:latin typeface="+mn-lt"/>
+                <a:ea typeface="+mn-ea"/>
+                <a:cs typeface="+mn-cs"/>
+              </a:rPr>
+              <a:t>متسلسل من هذه الأرقام لكل منظمة  و التي تقوم بتوزيع الأرقام ضمن المجال على حواسبها .</a:t>
             </a:r>
           </a:p>
           <a:p>
@@ -1549,7 +1965,7 @@
           <a:p>
             <a:fld id="{CC320E0A-D0AF-4D7D-9A21-388A396A7CCB}" type="slidenum">
               <a:rPr lang="ar-SY" smtClean="0"/>
-              <a:t>5</a:t>
+              <a:t>4</a:t>
             </a:fld>
             <a:endParaRPr lang="ar-SY"/>
           </a:p>
@@ -1558,7 +1974,7 @@
     </p:spTree>
     <p:extLst>
       <p:ext uri="{BB962C8B-B14F-4D97-AF65-F5344CB8AC3E}">
-        <p14:creationId xmlns:p14="http://schemas.microsoft.com/office/powerpoint/2010/main" val="3838695081"/>
+        <p14:creationId xmlns:p14="http://schemas.microsoft.com/office/powerpoint/2010/main" val="3242911823"/>
       </p:ext>
     </p:extLst>
   </p:cSld>
@@ -1612,11 +2028,232 @@
           <a:bodyPr/>
           <a:lstStyle/>
           <a:p>
-            <a:r>
-              <a:rPr lang="ar-SA" dirty="0"/>
-              <a:t>يقوم المتصفح (الزبون) بطلب وثائق من المخدم و يقوم المخدم بتحديد الوثائق المطلوبة و ارسالها للمتصفح (( يمكن أن تكون الوثائق ساكنة أو نتيجة طلب تنفيذ برنامج ما على مخدم كما يمكن للمخدم طلب بيانات معينة من مستخدم المتصفح كبيانات التسجيل في الموقع مثلا ...))</a:t>
-            </a:r>
-            <a:endParaRPr lang="en-US" dirty="0"/>
+            <a:pPr marL="0" marR="0" indent="0" algn="r" defTabSz="914400" rtl="1" eaLnBrk="1" fontAlgn="auto" latinLnBrk="0" hangingPunct="1">
+              <a:lnSpc>
+                <a:spcPct val="100000"/>
+              </a:lnSpc>
+              <a:spcBef>
+                <a:spcPts val="0"/>
+              </a:spcBef>
+              <a:spcAft>
+                <a:spcPts val="0"/>
+              </a:spcAft>
+              <a:buClrTx/>
+              <a:buSzTx/>
+              <a:buFontTx/>
+              <a:buNone/>
+              <a:tabLst/>
+              <a:defRPr/>
+            </a:pPr>
+            <a:r>
+              <a:rPr lang="ar-SY" dirty="0"/>
+              <a:t>تفاصيل</a:t>
+            </a:r>
+            <a:r>
+              <a:rPr lang="ar-SY" baseline="0" dirty="0"/>
+              <a:t> الانترنت تدرس في مواد الشبكات الأن ما يهمنا هو الأساسيات التي تساعد في بناء الويب </a:t>
+            </a:r>
+            <a:endParaRPr lang="ar-SY" dirty="0"/>
+          </a:p>
+          <a:p>
+            <a:r>
+              <a:rPr lang="ar-SY" dirty="0"/>
+              <a:t>كيف</a:t>
+            </a:r>
+            <a:r>
+              <a:rPr lang="ar-SY" baseline="0" dirty="0"/>
+              <a:t> يتم معرفة الأجهزة على شبكة الانترنت ؟</a:t>
+            </a:r>
+          </a:p>
+          <a:p>
+            <a:r>
+              <a:rPr lang="ar-SY" baseline="0" dirty="0"/>
+              <a:t>باستخدام معرف فريد لكل جهاز... </a:t>
+            </a:r>
+            <a:r>
+              <a:rPr lang="en-US" baseline="0" dirty="0" err="1"/>
+              <a:t>Ip</a:t>
+            </a:r>
+            <a:r>
+              <a:rPr lang="en-US" baseline="0" dirty="0"/>
+              <a:t> address</a:t>
+            </a:r>
+            <a:endParaRPr lang="ar-SY" baseline="0" dirty="0"/>
+          </a:p>
+          <a:p>
+            <a:r>
+              <a:rPr lang="ar-SY" sz="1200" b="0" i="0" u="none" strike="noStrike" kern="1200" baseline="0" dirty="0">
+                <a:solidFill>
+                  <a:schemeClr val="tx1"/>
+                </a:solidFill>
+                <a:latin typeface="+mn-lt"/>
+                <a:ea typeface="+mn-ea"/>
+                <a:cs typeface="+mn-cs"/>
+              </a:rPr>
+              <a:t>يتكون العنوان الفريد </a:t>
+            </a:r>
+            <a:r>
+              <a:rPr lang="en-US" sz="1200" b="0" i="0" u="none" strike="noStrike" kern="1200" baseline="0" dirty="0">
+                <a:solidFill>
+                  <a:schemeClr val="tx1"/>
+                </a:solidFill>
+                <a:latin typeface="+mn-lt"/>
+                <a:ea typeface="+mn-ea"/>
+                <a:cs typeface="+mn-cs"/>
+              </a:rPr>
+              <a:t> Internet Protocol(IP) address </a:t>
+            </a:r>
+            <a:r>
+              <a:rPr lang="ar-SY" sz="1200" b="0" i="0" u="none" strike="noStrike" kern="1200" baseline="0" dirty="0">
+                <a:solidFill>
+                  <a:schemeClr val="tx1"/>
+                </a:solidFill>
+                <a:latin typeface="+mn-lt"/>
+                <a:ea typeface="+mn-ea"/>
+                <a:cs typeface="+mn-cs"/>
+              </a:rPr>
+              <a:t> من 32 بت ويكتب عادة باستخدام أربعة أرقام  كل منها 8 بت </a:t>
+            </a:r>
+          </a:p>
+          <a:p>
+            <a:r>
+              <a:rPr lang="ar-SY" sz="1200" b="0" i="0" u="none" strike="noStrike" kern="1200" baseline="0" dirty="0">
+                <a:solidFill>
+                  <a:schemeClr val="tx1"/>
+                </a:solidFill>
+                <a:latin typeface="+mn-lt"/>
+                <a:ea typeface="+mn-ea"/>
+                <a:cs typeface="+mn-cs"/>
+              </a:rPr>
+              <a:t>مثل </a:t>
+            </a:r>
+            <a:r>
+              <a:rPr lang="en-US" sz="1200" b="0" i="0" u="none" strike="noStrike" kern="1200" baseline="0" dirty="0">
+                <a:solidFill>
+                  <a:schemeClr val="tx1"/>
+                </a:solidFill>
+                <a:latin typeface="+mn-lt"/>
+                <a:ea typeface="+mn-ea"/>
+                <a:cs typeface="+mn-cs"/>
+              </a:rPr>
+              <a:t>191.57.126.121 </a:t>
+            </a:r>
+            <a:r>
+              <a:rPr lang="ar-SY" sz="1200" b="0" i="0" u="none" strike="noStrike" kern="1200" baseline="0" dirty="0">
+                <a:solidFill>
+                  <a:schemeClr val="tx1"/>
+                </a:solidFill>
+                <a:latin typeface="+mn-lt"/>
+                <a:ea typeface="+mn-ea"/>
+                <a:cs typeface="+mn-cs"/>
+              </a:rPr>
+              <a:t> و يتم عادة إعصاء مجال متسلسل من هذه الأرقام لكل منظمة  و التي تقوم بتوزيع الأرقام ضمن المجال على حواسبها .</a:t>
+            </a:r>
+          </a:p>
+          <a:p>
+            <a:r>
+              <a:rPr lang="ar-SY" sz="1200" b="0" i="0" u="none" strike="noStrike" kern="1200" baseline="0" dirty="0">
+                <a:solidFill>
+                  <a:schemeClr val="tx1"/>
+                </a:solidFill>
+                <a:latin typeface="+mn-lt"/>
+                <a:ea typeface="+mn-ea"/>
+                <a:cs typeface="+mn-cs"/>
+              </a:rPr>
+              <a:t>مثال المجال الخاص بوزارة الدفاع الأمريكية </a:t>
+            </a:r>
+          </a:p>
+          <a:p>
+            <a:r>
+              <a:rPr lang="ar-SY" sz="1200" b="0" i="0" u="none" strike="noStrike" kern="1200" baseline="0" dirty="0">
+                <a:solidFill>
+                  <a:schemeClr val="tx1"/>
+                </a:solidFill>
+                <a:latin typeface="+mn-lt"/>
+                <a:ea typeface="+mn-ea"/>
+                <a:cs typeface="+mn-cs"/>
+              </a:rPr>
+              <a:t>من </a:t>
+            </a:r>
+            <a:r>
+              <a:rPr lang="en-US" sz="1200" b="0" i="0" u="none" strike="noStrike" kern="1200" baseline="0" dirty="0">
+                <a:solidFill>
+                  <a:schemeClr val="tx1"/>
+                </a:solidFill>
+                <a:latin typeface="+mn-lt"/>
+                <a:ea typeface="+mn-ea"/>
+                <a:cs typeface="+mn-cs"/>
+              </a:rPr>
+              <a:t>12.0.0.0   </a:t>
+            </a:r>
+            <a:r>
+              <a:rPr lang="ar-SY" sz="1200" b="0" i="0" u="none" strike="noStrike" kern="1200" baseline="0" dirty="0">
+                <a:solidFill>
+                  <a:schemeClr val="tx1"/>
+                </a:solidFill>
+                <a:latin typeface="+mn-lt"/>
+                <a:ea typeface="+mn-ea"/>
+                <a:cs typeface="+mn-cs"/>
+              </a:rPr>
+              <a:t> حتى </a:t>
+            </a:r>
+            <a:r>
+              <a:rPr lang="en-US" sz="1200" b="0" i="0" u="none" strike="noStrike" kern="1200" baseline="0" dirty="0">
+                <a:solidFill>
+                  <a:schemeClr val="tx1"/>
+                </a:solidFill>
+                <a:latin typeface="+mn-lt"/>
+                <a:ea typeface="+mn-ea"/>
+                <a:cs typeface="+mn-cs"/>
+              </a:rPr>
+              <a:t>12.255.255.255 </a:t>
+            </a:r>
+            <a:r>
+              <a:rPr lang="ar-SY" sz="1200" b="0" i="0" u="none" strike="noStrike" kern="1200" baseline="0" dirty="0">
+                <a:solidFill>
+                  <a:schemeClr val="tx1"/>
+                </a:solidFill>
+                <a:latin typeface="+mn-lt"/>
+                <a:ea typeface="+mn-ea"/>
+                <a:cs typeface="+mn-cs"/>
+              </a:rPr>
+              <a:t> أي 16 مليون عنوان .</a:t>
+            </a:r>
+          </a:p>
+          <a:p>
+            <a:r>
+              <a:rPr lang="ar-SY" sz="1200" b="0" i="0" u="none" strike="noStrike" kern="1200" baseline="0" dirty="0">
+                <a:solidFill>
+                  <a:schemeClr val="tx1"/>
+                </a:solidFill>
+                <a:latin typeface="+mn-lt"/>
+                <a:ea typeface="+mn-ea"/>
+                <a:cs typeface="+mn-cs"/>
+              </a:rPr>
+              <a:t>و مع تزايد الطلب على هذه  المجالات ظهر معيار </a:t>
+            </a:r>
+            <a:r>
+              <a:rPr lang="en-US" sz="1200" b="0" i="0" u="none" strike="noStrike" kern="1200" baseline="0" dirty="0">
+                <a:solidFill>
+                  <a:schemeClr val="tx1"/>
+                </a:solidFill>
+                <a:latin typeface="+mn-lt"/>
+                <a:ea typeface="+mn-ea"/>
+                <a:cs typeface="+mn-cs"/>
+              </a:rPr>
+              <a:t>ipv6</a:t>
+            </a:r>
+            <a:r>
+              <a:rPr lang="ar-SY" sz="1200" b="0" i="0" u="none" strike="noStrike" kern="1200" baseline="0" dirty="0">
+                <a:solidFill>
+                  <a:schemeClr val="tx1"/>
+                </a:solidFill>
+                <a:latin typeface="+mn-lt"/>
+                <a:ea typeface="+mn-ea"/>
+                <a:cs typeface="+mn-cs"/>
+              </a:rPr>
+              <a:t> لذي يوسع العنوان إلى 128 بت </a:t>
+            </a:r>
           </a:p>
         </p:txBody>
       </p:sp>
@@ -1627,7 +2264,7 @@
             <a:spLocks noGrp="1"/>
           </p:cNvSpPr>
           <p:nvPr>
-            <p:ph type="sldNum" sz="quarter" idx="5"/>
+            <p:ph type="sldNum" sz="quarter" idx="10"/>
           </p:nvPr>
         </p:nvSpPr>
         <p:spPr/>
@@ -1637,7 +2274,7 @@
           <a:p>
             <a:fld id="{CC320E0A-D0AF-4D7D-9A21-388A396A7CCB}" type="slidenum">
               <a:rPr lang="ar-SY" smtClean="0"/>
-              <a:t>9</a:t>
+              <a:t>5</a:t>
             </a:fld>
             <a:endParaRPr lang="ar-SY"/>
           </a:p>
@@ -1646,7 +2283,7 @@
     </p:spTree>
     <p:extLst>
       <p:ext uri="{BB962C8B-B14F-4D97-AF65-F5344CB8AC3E}">
-        <p14:creationId xmlns:p14="http://schemas.microsoft.com/office/powerpoint/2010/main" val="3338899791"/>
+        <p14:creationId xmlns:p14="http://schemas.microsoft.com/office/powerpoint/2010/main" val="3838695081"/>
       </p:ext>
     </p:extLst>
   </p:cSld>
@@ -1701,15 +2338,175 @@
           <a:lstStyle/>
           <a:p>
             <a:r>
-              <a:rPr lang="ar-SA" dirty="0"/>
-              <a:t>يعتمد الويب لتحقيق التواصل بين  المستعرض و المخدم على بروتوكول </a:t>
-            </a:r>
-            <a:endParaRPr lang="en-US" dirty="0"/>
-          </a:p>
-          <a:p>
-            <a:r>
-              <a:rPr lang="en-US" dirty="0"/>
-              <a:t>HTTP (Hyper Text Transfer Protocol)</a:t>
+              <a:rPr lang="ar-SY" sz="1200" b="1" i="0" kern="1200" dirty="0" smtClean="0">
+                <a:solidFill>
+                  <a:schemeClr val="tx1"/>
+                </a:solidFill>
+                <a:effectLst/>
+                <a:latin typeface="+mn-lt"/>
+                <a:ea typeface="+mn-ea"/>
+                <a:cs typeface="+mn-cs"/>
+              </a:rPr>
+              <a:t>اسم النطاق</a:t>
+            </a:r>
+            <a:r>
+              <a:rPr lang="ar-SY" sz="1200" b="0" i="0" kern="1200" dirty="0" smtClean="0">
+                <a:solidFill>
+                  <a:schemeClr val="tx1"/>
+                </a:solidFill>
+                <a:effectLst/>
+                <a:latin typeface="+mn-lt"/>
+                <a:ea typeface="+mn-ea"/>
+                <a:cs typeface="+mn-cs"/>
+              </a:rPr>
+              <a:t> هو باختصار اسم يدل على عنوان </a:t>
+            </a:r>
+            <a:r>
+              <a:rPr lang="ar-SY" sz="1200" b="0" i="0" u="none" strike="noStrike" kern="1200" dirty="0" smtClean="0">
+                <a:solidFill>
+                  <a:schemeClr val="tx1"/>
+                </a:solidFill>
+                <a:effectLst/>
+                <a:latin typeface="+mn-lt"/>
+                <a:ea typeface="+mn-ea"/>
+                <a:cs typeface="+mn-cs"/>
+              </a:rPr>
+              <a:t>بروتوكول</a:t>
+            </a:r>
+            <a:r>
+              <a:rPr lang="ar-SY" sz="1200" b="0" i="0" u="none" strike="noStrike" kern="1200" baseline="0" dirty="0" smtClean="0">
+                <a:solidFill>
+                  <a:schemeClr val="tx1"/>
+                </a:solidFill>
+                <a:effectLst/>
+                <a:latin typeface="+mn-lt"/>
+                <a:ea typeface="+mn-ea"/>
+                <a:cs typeface="+mn-cs"/>
+              </a:rPr>
+              <a:t> </a:t>
+            </a:r>
+            <a:r>
+              <a:rPr lang="ar-SY" sz="1200" b="0" i="0" u="none" strike="noStrike" kern="1200" dirty="0" smtClean="0">
+                <a:solidFill>
+                  <a:schemeClr val="tx1"/>
+                </a:solidFill>
+                <a:effectLst/>
+                <a:latin typeface="+mn-lt"/>
+                <a:ea typeface="+mn-ea"/>
+                <a:cs typeface="+mn-cs"/>
+              </a:rPr>
+              <a:t>الانترنت</a:t>
+            </a:r>
+            <a:r>
+              <a:rPr lang="ar-SY" sz="1200" b="0" i="0" kern="1200" dirty="0" smtClean="0">
+                <a:solidFill>
+                  <a:schemeClr val="tx1"/>
+                </a:solidFill>
+                <a:effectLst/>
+                <a:latin typeface="+mn-lt"/>
+                <a:ea typeface="+mn-ea"/>
+                <a:cs typeface="+mn-cs"/>
+              </a:rPr>
+              <a:t> </a:t>
+            </a:r>
+            <a:r>
+              <a:rPr lang="ar-SY" sz="1200" b="0" i="0" kern="1200" baseline="0" dirty="0" smtClean="0">
+                <a:solidFill>
+                  <a:schemeClr val="tx1"/>
+                </a:solidFill>
+                <a:effectLst/>
+                <a:latin typeface="+mn-lt"/>
+                <a:ea typeface="+mn-ea"/>
+                <a:cs typeface="+mn-cs"/>
+              </a:rPr>
+              <a:t> </a:t>
+            </a:r>
+            <a:r>
+              <a:rPr lang="en-US" sz="1200" b="0" i="0" kern="1200" baseline="0" dirty="0" smtClean="0">
+                <a:solidFill>
+                  <a:schemeClr val="tx1"/>
+                </a:solidFill>
+                <a:effectLst/>
+                <a:latin typeface="+mn-lt"/>
+                <a:ea typeface="+mn-ea"/>
+                <a:cs typeface="+mn-cs"/>
+              </a:rPr>
+              <a:t>IP</a:t>
+            </a:r>
+            <a:r>
+              <a:rPr lang="en-US" sz="1200" b="0" i="0" kern="1200" dirty="0" smtClean="0">
+                <a:solidFill>
+                  <a:schemeClr val="tx1"/>
+                </a:solidFill>
+                <a:effectLst/>
+                <a:latin typeface="+mn-lt"/>
+                <a:ea typeface="+mn-ea"/>
+                <a:cs typeface="+mn-cs"/>
+              </a:rPr>
+              <a:t> </a:t>
+            </a:r>
+            <a:r>
+              <a:rPr lang="ar-SY" sz="1200" b="0" i="0" kern="1200" dirty="0" smtClean="0">
+                <a:solidFill>
+                  <a:schemeClr val="tx1"/>
+                </a:solidFill>
+                <a:effectLst/>
+                <a:latin typeface="+mn-lt"/>
+                <a:ea typeface="+mn-ea"/>
+                <a:cs typeface="+mn-cs"/>
+              </a:rPr>
+              <a:t> الخاص </a:t>
+            </a:r>
+            <a:r>
+              <a:rPr lang="ar-SY" sz="1200" b="0" i="0" u="none" strike="noStrike" kern="1200" dirty="0" smtClean="0">
+                <a:solidFill>
+                  <a:schemeClr val="tx1"/>
+                </a:solidFill>
+                <a:effectLst/>
+                <a:latin typeface="+mn-lt"/>
+                <a:ea typeface="+mn-ea"/>
+                <a:cs typeface="+mn-cs"/>
+              </a:rPr>
+              <a:t>بالخادم</a:t>
+            </a:r>
+            <a:r>
+              <a:rPr lang="ar-SY" sz="1200" b="0" i="0" kern="1200" dirty="0" smtClean="0">
+                <a:solidFill>
+                  <a:schemeClr val="tx1"/>
+                </a:solidFill>
+                <a:effectLst/>
+                <a:latin typeface="+mn-lt"/>
+                <a:ea typeface="+mn-ea"/>
+                <a:cs typeface="+mn-cs"/>
+              </a:rPr>
+              <a:t> الذي يحمل هذا الرقم وبحاسوب المتصل بالإنترنت.</a:t>
+            </a:r>
+          </a:p>
+          <a:p>
+            <a:r>
+              <a:rPr lang="ar-SY" dirty="0" smtClean="0"/>
+              <a:t>و يكون اسم النطاق جزء من </a:t>
+            </a:r>
+            <a:r>
+              <a:rPr lang="en-US" dirty="0" smtClean="0"/>
+              <a:t>URL</a:t>
+            </a:r>
+            <a:r>
+              <a:rPr lang="en-US" baseline="0" dirty="0" smtClean="0"/>
+              <a:t> </a:t>
+            </a:r>
+            <a:r>
+              <a:rPr lang="ar-SY" baseline="0" dirty="0" smtClean="0"/>
+              <a:t> الخاص بالموقع</a:t>
+            </a:r>
+          </a:p>
+          <a:p>
+            <a:endParaRPr lang="ar-SY" baseline="0" dirty="0" smtClean="0"/>
+          </a:p>
+          <a:p>
+            <a:r>
+              <a:rPr lang="ar-SY" baseline="0" dirty="0" smtClean="0"/>
+              <a:t>يتم استخدام أسماء النطاقات لسهولة تذكرها مقارنةً بالأرقام</a:t>
             </a:r>
             <a:endParaRPr lang="ar-SY" dirty="0"/>
           </a:p>
@@ -1732,7 +2529,7 @@
           <a:p>
             <a:fld id="{CC320E0A-D0AF-4D7D-9A21-388A396A7CCB}" type="slidenum">
               <a:rPr lang="ar-SY" smtClean="0"/>
-              <a:t>10</a:t>
+              <a:t>6</a:t>
             </a:fld>
             <a:endParaRPr lang="ar-SY"/>
           </a:p>
@@ -1741,7 +2538,7 @@
     </p:spTree>
     <p:extLst>
       <p:ext uri="{BB962C8B-B14F-4D97-AF65-F5344CB8AC3E}">
-        <p14:creationId xmlns:p14="http://schemas.microsoft.com/office/powerpoint/2010/main" val="870209674"/>
+        <p14:creationId xmlns:p14="http://schemas.microsoft.com/office/powerpoint/2010/main" val="866029650"/>
       </p:ext>
     </p:extLst>
   </p:cSld>
@@ -1796,86 +2593,141 @@
           <a:lstStyle/>
           <a:p>
             <a:r>
-              <a:rPr lang="en-US" dirty="0"/>
+              <a:rPr lang="ar-SY" dirty="0" smtClean="0"/>
+              <a:t>يتم</a:t>
+            </a:r>
+            <a:r>
+              <a:rPr lang="ar-SY" baseline="0" dirty="0" smtClean="0"/>
+              <a:t> ربط </a:t>
+            </a:r>
+            <a:r>
+              <a:rPr lang="en-US" baseline="0" dirty="0" err="1" smtClean="0"/>
+              <a:t>domin</a:t>
+            </a:r>
+            <a:r>
+              <a:rPr lang="en-US" baseline="0" dirty="0" smtClean="0"/>
+              <a:t> name </a:t>
+            </a:r>
+            <a:r>
+              <a:rPr lang="ar-SY" baseline="0" dirty="0" smtClean="0"/>
+              <a:t> بال </a:t>
+            </a:r>
+            <a:r>
+              <a:rPr lang="en-US" baseline="0" dirty="0" err="1" smtClean="0"/>
+              <a:t>ip</a:t>
+            </a:r>
+            <a:r>
+              <a:rPr lang="en-US" baseline="0" dirty="0" smtClean="0"/>
               <a:t> </a:t>
             </a:r>
             <a:r>
-              <a:rPr lang="ar-SA" b="1" dirty="0"/>
-              <a:t>المخدم </a:t>
-            </a:r>
-            <a:r>
-              <a:rPr lang="en-US" b="1" dirty="0"/>
-              <a:t>Apache </a:t>
-            </a:r>
-            <a:r>
-              <a:rPr lang="ar-SA" dirty="0"/>
-              <a:t>و</a:t>
-            </a:r>
-            <a:r>
-              <a:rPr lang="en-US" dirty="0"/>
+              <a:rPr lang="ar-SY" baseline="0" dirty="0" smtClean="0"/>
+              <a:t> المقايل له عن طريق </a:t>
+            </a:r>
+            <a:r>
+              <a:rPr lang="en-US" baseline="0" dirty="0" smtClean="0"/>
+              <a:t>DNS </a:t>
+            </a:r>
+            <a:r>
+              <a:rPr lang="ar-SY" baseline="0" dirty="0" smtClean="0"/>
               <a:t> </a:t>
             </a:r>
             <a:r>
-              <a:rPr lang="ar-SA" dirty="0"/>
-              <a:t>هو مخدم مجاني مفتوح المصدر يعمل على جميع أنظمة التشغيل. ويتميز </a:t>
-            </a:r>
-            <a:r>
-              <a:rPr lang="ar-SA" dirty="0" err="1"/>
-              <a:t>بوثوقيته</a:t>
-            </a:r>
-            <a:r>
-              <a:rPr lang="ar-SA" dirty="0"/>
-              <a:t> ودعمه للعديد من لغات البرمجة مثل </a:t>
-            </a:r>
-            <a:r>
-              <a:rPr lang="en-US" dirty="0"/>
-              <a:t>php.</a:t>
-            </a:r>
-          </a:p>
-          <a:p>
-            <a:endParaRPr lang="en-US" dirty="0"/>
-          </a:p>
-          <a:p>
-            <a:r>
-              <a:rPr lang="ar-SA" b="1" dirty="0"/>
-              <a:t>المخدم </a:t>
-            </a:r>
-            <a:r>
-              <a:rPr lang="en-US" b="1" dirty="0"/>
-              <a:t>IIS (Internet Information Services) </a:t>
-            </a:r>
-            <a:r>
-              <a:rPr lang="ar-SA" dirty="0"/>
-              <a:t>وهو مخدم </a:t>
-            </a:r>
-            <a:r>
-              <a:rPr lang="en-US" dirty="0"/>
-              <a:t>Microsoft </a:t>
-            </a:r>
-            <a:r>
-              <a:rPr lang="ar-SA" dirty="0"/>
-              <a:t>وبالتالي فهو يعمل على النظام </a:t>
-            </a:r>
-            <a:r>
-              <a:rPr lang="en-US" dirty="0"/>
-              <a:t>Windows </a:t>
-            </a:r>
-            <a:r>
-              <a:rPr lang="ar-SA" dirty="0"/>
-              <a:t>فقط. وهو المنافس </a:t>
-            </a:r>
-            <a:r>
-              <a:rPr lang="ar-SA" dirty="0" err="1"/>
-              <a:t>األقوى</a:t>
-            </a:r>
-            <a:r>
-              <a:rPr lang="ar-SA" dirty="0"/>
-              <a:t> للمخدم </a:t>
-            </a:r>
-            <a:r>
-              <a:rPr lang="en-US" dirty="0"/>
-              <a:t>Apache.</a:t>
-            </a:r>
+              <a:rPr lang="en-US" sz="1200" b="1" i="0" kern="1200" dirty="0" smtClean="0">
+                <a:solidFill>
+                  <a:schemeClr val="tx1"/>
+                </a:solidFill>
+                <a:effectLst/>
+                <a:latin typeface="+mn-lt"/>
+                <a:ea typeface="+mn-ea"/>
+                <a:cs typeface="+mn-cs"/>
+              </a:rPr>
+              <a:t>Domain Name System</a:t>
+            </a:r>
+            <a:endParaRPr lang="ar-SY" sz="1200" b="1" i="0" kern="1200" dirty="0" smtClean="0">
+              <a:solidFill>
+                <a:schemeClr val="tx1"/>
+              </a:solidFill>
+              <a:effectLst/>
+              <a:latin typeface="+mn-lt"/>
+              <a:ea typeface="+mn-ea"/>
+              <a:cs typeface="+mn-cs"/>
+            </a:endParaRPr>
+          </a:p>
+          <a:p>
+            <a:r>
+              <a:rPr lang="ar-SY" sz="1200" b="1" i="0" kern="1200" dirty="0" smtClean="0">
+                <a:solidFill>
+                  <a:schemeClr val="tx1"/>
+                </a:solidFill>
+                <a:effectLst/>
+                <a:latin typeface="+mn-lt"/>
+                <a:ea typeface="+mn-ea"/>
+                <a:cs typeface="+mn-cs"/>
+              </a:rPr>
+              <a:t>حيث أن المستخدم يقوم بطلب الموقع المطلوب عن طريق  اسم الدمين الخاص به ليتم</a:t>
+            </a:r>
+            <a:r>
+              <a:rPr lang="ar-SY" sz="1200" b="1" i="0" kern="1200" baseline="0" dirty="0" smtClean="0">
+                <a:solidFill>
+                  <a:schemeClr val="tx1"/>
+                </a:solidFill>
+                <a:effectLst/>
+                <a:latin typeface="+mn-lt"/>
+                <a:ea typeface="+mn-ea"/>
+                <a:cs typeface="+mn-cs"/>
+              </a:rPr>
+              <a:t> استخراج ال </a:t>
+            </a:r>
+            <a:r>
+              <a:rPr lang="en-US" sz="1200" b="1" i="0" kern="1200" baseline="0" dirty="0" err="1" smtClean="0">
+                <a:solidFill>
+                  <a:schemeClr val="tx1"/>
+                </a:solidFill>
+                <a:effectLst/>
+                <a:latin typeface="+mn-lt"/>
+                <a:ea typeface="+mn-ea"/>
+                <a:cs typeface="+mn-cs"/>
+              </a:rPr>
+              <a:t>iP</a:t>
+            </a:r>
+            <a:r>
+              <a:rPr lang="en-US" sz="1200" b="1" i="0" kern="1200" baseline="0" dirty="0" smtClean="0">
+                <a:solidFill>
+                  <a:schemeClr val="tx1"/>
+                </a:solidFill>
+                <a:effectLst/>
+                <a:latin typeface="+mn-lt"/>
+                <a:ea typeface="+mn-ea"/>
+                <a:cs typeface="+mn-cs"/>
+              </a:rPr>
+              <a:t>  </a:t>
+            </a:r>
+            <a:r>
+              <a:rPr lang="ar-SY" sz="1200" b="1" i="0" kern="1200" baseline="0" dirty="0" smtClean="0">
+                <a:solidFill>
+                  <a:schemeClr val="tx1"/>
+                </a:solidFill>
+                <a:effectLst/>
+                <a:latin typeface="+mn-lt"/>
+                <a:ea typeface="+mn-ea"/>
+                <a:cs typeface="+mn-cs"/>
+              </a:rPr>
+              <a:t> الخاص بالموقع من </a:t>
+            </a:r>
+            <a:r>
+              <a:rPr lang="en-US" sz="1200" b="1" i="0" kern="1200" baseline="0" dirty="0" smtClean="0">
+                <a:solidFill>
+                  <a:schemeClr val="tx1"/>
+                </a:solidFill>
+                <a:effectLst/>
+                <a:latin typeface="+mn-lt"/>
+                <a:ea typeface="+mn-ea"/>
+                <a:cs typeface="+mn-cs"/>
+              </a:rPr>
+              <a:t>DNS</a:t>
+            </a:r>
+            <a:endParaRPr lang="ar-SY" dirty="0"/>
           </a:p>
         </p:txBody>
       </p:sp>
@@ -1886,7 +2738,7 @@
             <a:spLocks noGrp="1"/>
           </p:cNvSpPr>
           <p:nvPr>
-            <p:ph type="sldNum" sz="quarter" idx="5"/>
+            <p:ph type="sldNum" sz="quarter" idx="10"/>
           </p:nvPr>
         </p:nvSpPr>
         <p:spPr/>
@@ -1896,7 +2748,7 @@
           <a:p>
             <a:fld id="{CC320E0A-D0AF-4D7D-9A21-388A396A7CCB}" type="slidenum">
               <a:rPr lang="ar-SY" smtClean="0"/>
-              <a:t>11</a:t>
+              <a:t>7</a:t>
             </a:fld>
             <a:endParaRPr lang="ar-SY"/>
           </a:p>
@@ -1905,7 +2757,197 @@
     </p:spTree>
     <p:extLst>
       <p:ext uri="{BB962C8B-B14F-4D97-AF65-F5344CB8AC3E}">
-        <p14:creationId xmlns:p14="http://schemas.microsoft.com/office/powerpoint/2010/main" val="135952831"/>
+        <p14:creationId xmlns:p14="http://schemas.microsoft.com/office/powerpoint/2010/main" val="1926841481"/>
+      </p:ext>
+    </p:extLst>
+  </p:cSld>
+  <p:clrMapOvr>
+    <a:masterClrMapping/>
+  </p:clrMapOvr>
+</p:notes>
+</file>
+
+<file path=ppt/notesSlides/notesSlide8.xml><?xml version="1.0" encoding="utf-8"?>
+<p:notes xmlns:a="http://schemas.openxmlformats.org/drawingml/2006/main" xmlns:r="http://schemas.openxmlformats.org/officeDocument/2006/relationships" xmlns:p="http://schemas.openxmlformats.org/presentationml/2006/main">
+  <p:cSld>
+    <p:spTree>
+      <p:nvGrpSpPr>
+        <p:cNvPr id="1" name=""/>
+        <p:cNvGrpSpPr/>
+        <p:nvPr/>
+      </p:nvGrpSpPr>
+      <p:grpSpPr>
+        <a:xfrm>
+          <a:off x="0" y="0"/>
+          <a:ext cx="0" cy="0"/>
+          <a:chOff x="0" y="0"/>
+          <a:chExt cx="0" cy="0"/>
+        </a:xfrm>
+      </p:grpSpPr>
+      <p:sp>
+        <p:nvSpPr>
+          <p:cNvPr id="2" name="عنصر نائب لصورة الشريحة 1"/>
+          <p:cNvSpPr>
+            <a:spLocks noGrp="1" noRot="1" noChangeAspect="1"/>
+          </p:cNvSpPr>
+          <p:nvPr>
+            <p:ph type="sldImg"/>
+          </p:nvPr>
+        </p:nvSpPr>
+        <p:spPr/>
+      </p:sp>
+      <p:sp>
+        <p:nvSpPr>
+          <p:cNvPr id="3" name="عنصر نائب للملاحظات 2"/>
+          <p:cNvSpPr>
+            <a:spLocks noGrp="1"/>
+          </p:cNvSpPr>
+          <p:nvPr>
+            <p:ph type="body" idx="1"/>
+          </p:nvPr>
+        </p:nvSpPr>
+        <p:spPr/>
+        <p:txBody>
+          <a:bodyPr/>
+          <a:lstStyle/>
+          <a:p>
+            <a:endParaRPr lang="ar-SY"/>
+          </a:p>
+        </p:txBody>
+      </p:sp>
+      <p:sp>
+        <p:nvSpPr>
+          <p:cNvPr id="4" name="عنصر نائب لرقم الشريحة 3"/>
+          <p:cNvSpPr>
+            <a:spLocks noGrp="1"/>
+          </p:cNvSpPr>
+          <p:nvPr>
+            <p:ph type="sldNum" sz="quarter" idx="10"/>
+          </p:nvPr>
+        </p:nvSpPr>
+        <p:spPr/>
+        <p:txBody>
+          <a:bodyPr/>
+          <a:lstStyle/>
+          <a:p>
+            <a:fld id="{CC320E0A-D0AF-4D7D-9A21-388A396A7CCB}" type="slidenum">
+              <a:rPr lang="ar-SY" smtClean="0"/>
+              <a:t>8</a:t>
+            </a:fld>
+            <a:endParaRPr lang="ar-SY"/>
+          </a:p>
+        </p:txBody>
+      </p:sp>
+    </p:spTree>
+    <p:extLst>
+      <p:ext uri="{BB962C8B-B14F-4D97-AF65-F5344CB8AC3E}">
+        <p14:creationId xmlns:p14="http://schemas.microsoft.com/office/powerpoint/2010/main" val="1139389540"/>
+      </p:ext>
+    </p:extLst>
+  </p:cSld>
+  <p:clrMapOvr>
+    <a:masterClrMapping/>
+  </p:clrMapOvr>
+</p:notes>
+</file>
+
+<file path=ppt/notesSlides/notesSlide9.xml><?xml version="1.0" encoding="utf-8"?>
+<p:notes xmlns:a="http://schemas.openxmlformats.org/drawingml/2006/main" xmlns:r="http://schemas.openxmlformats.org/officeDocument/2006/relationships" xmlns:p="http://schemas.openxmlformats.org/presentationml/2006/main">
+  <p:cSld>
+    <p:spTree>
+      <p:nvGrpSpPr>
+        <p:cNvPr id="1" name=""/>
+        <p:cNvGrpSpPr/>
+        <p:nvPr/>
+      </p:nvGrpSpPr>
+      <p:grpSpPr>
+        <a:xfrm>
+          <a:off x="0" y="0"/>
+          <a:ext cx="0" cy="0"/>
+          <a:chOff x="0" y="0"/>
+          <a:chExt cx="0" cy="0"/>
+        </a:xfrm>
+      </p:grpSpPr>
+      <p:sp>
+        <p:nvSpPr>
+          <p:cNvPr id="2" name="عنصر نائب لصورة الشريحة 1"/>
+          <p:cNvSpPr>
+            <a:spLocks noGrp="1" noRot="1" noChangeAspect="1"/>
+          </p:cNvSpPr>
+          <p:nvPr>
+            <p:ph type="sldImg"/>
+          </p:nvPr>
+        </p:nvSpPr>
+        <p:spPr/>
+      </p:sp>
+      <p:sp>
+        <p:nvSpPr>
+          <p:cNvPr id="3" name="عنصر نائب للملاحظات 2"/>
+          <p:cNvSpPr>
+            <a:spLocks noGrp="1"/>
+          </p:cNvSpPr>
+          <p:nvPr>
+            <p:ph type="body" idx="1"/>
+          </p:nvPr>
+        </p:nvSpPr>
+        <p:spPr/>
+        <p:txBody>
+          <a:bodyPr/>
+          <a:lstStyle/>
+          <a:p>
+            <a:r>
+              <a:rPr lang="ar-SA" dirty="0"/>
+              <a:t>يقوم المتصفح (الزبون) بطلب وثائق من المخدم و يقوم المخدم بتحديد الوثائق المطلوبة و ارسالها للمتصفح (( يمكن أن تكون الوثائق ساكنة أو نتيجة طلب تنفيذ برنامج ما على مخدم كما يمكن للمخدم طلب بيانات معينة من مستخدم المتصفح كبيانات التسجيل في الموقع مثلا </a:t>
+            </a:r>
+            <a:r>
+              <a:rPr lang="ar-SA" dirty="0" smtClean="0"/>
+              <a:t>...))</a:t>
+            </a:r>
+            <a:endParaRPr lang="ar-SY" dirty="0" smtClean="0"/>
+          </a:p>
+          <a:p>
+            <a:endParaRPr lang="ar-SY" dirty="0" smtClean="0"/>
+          </a:p>
+          <a:p>
+            <a:r>
+              <a:rPr lang="ar-SY" dirty="0" smtClean="0"/>
+              <a:t>المخدم هو حاسب ذو</a:t>
+            </a:r>
+            <a:r>
+              <a:rPr lang="ar-SY" baseline="0" dirty="0" smtClean="0"/>
+              <a:t> قدرات كبيرة يمتاز بسرعة الاستجابة </a:t>
+            </a:r>
+            <a:endParaRPr lang="en-US" dirty="0"/>
+          </a:p>
+        </p:txBody>
+      </p:sp>
+      <p:sp>
+        <p:nvSpPr>
+          <p:cNvPr id="4" name="عنصر نائب لرقم الشريحة 3"/>
+          <p:cNvSpPr>
+            <a:spLocks noGrp="1"/>
+          </p:cNvSpPr>
+          <p:nvPr>
+            <p:ph type="sldNum" sz="quarter" idx="5"/>
+          </p:nvPr>
+        </p:nvSpPr>
+        <p:spPr/>
+        <p:txBody>
+          <a:bodyPr/>
+          <a:lstStyle/>
+          <a:p>
+            <a:fld id="{CC320E0A-D0AF-4D7D-9A21-388A396A7CCB}" type="slidenum">
+              <a:rPr lang="ar-SY" smtClean="0"/>
+              <a:t>9</a:t>
+            </a:fld>
+            <a:endParaRPr lang="ar-SY"/>
+          </a:p>
+        </p:txBody>
+      </p:sp>
+    </p:spTree>
+    <p:extLst>
+      <p:ext uri="{BB962C8B-B14F-4D97-AF65-F5344CB8AC3E}">
+        <p14:creationId xmlns:p14="http://schemas.microsoft.com/office/powerpoint/2010/main" val="3338899791"/>
       </p:ext>
     </p:extLst>
   </p:cSld>
@@ -1957,8 +2999,8 @@
           </a:lstStyle>
           <a:p>
             <a:r>
-              <a:rPr lang="ar-SA"/>
-              <a:t>انقر لتحرير نمط عنوان الشكل الرئيسي</a:t>
+              <a:rPr lang="ar-SA" smtClean="0"/>
+              <a:t>انقر لتحرير نمط العنوان الرئيسي</a:t>
             </a:r>
             <a:endParaRPr lang="en-US" dirty="0"/>
           </a:p>
@@ -2022,8 +3064,8 @@
           </a:lstStyle>
           <a:p>
             <a:r>
-              <a:rPr lang="ar-SA"/>
-              <a:t>انقر لتحرير نمط العنوان الفرعي للشكل الرئيسي</a:t>
+              <a:rPr lang="ar-SA" smtClean="0"/>
+              <a:t>انقر لتحرير نمط العنوان الثانوي الرئيسي</a:t>
             </a:r>
             <a:endParaRPr lang="en-US" dirty="0"/>
           </a:p>
@@ -2097,7 +3139,7 @@
     </p:spTree>
     <p:extLst>
       <p:ext uri="{BB962C8B-B14F-4D97-AF65-F5344CB8AC3E}">
-        <p14:creationId xmlns:p14="http://schemas.microsoft.com/office/powerpoint/2010/main" val="88883354"/>
+        <p14:creationId xmlns:p14="http://schemas.microsoft.com/office/powerpoint/2010/main" val="2149068598"/>
       </p:ext>
     </p:extLst>
   </p:cSld>
@@ -2116,6 +3158,13 @@
       </p:transition>
     </mc:Fallback>
   </mc:AlternateContent>
+  <p:timing>
+    <p:tnLst>
+      <p:par>
+        <p:cTn id="1" dur="indefinite" restart="never" nodeType="tmRoot"/>
+      </p:par>
+    </p:tnLst>
+  </p:timing>
 </p:sldLayout>
 </file>
 
@@ -2152,8 +3201,8 @@
           <a:lstStyle/>
           <a:p>
             <a:r>
-              <a:rPr lang="ar-SA"/>
-              <a:t>انقر لتحرير نمط عنوان الشكل الرئيسي</a:t>
+              <a:rPr lang="ar-SA" smtClean="0"/>
+              <a:t>انقر لتحرير نمط العنوان الرئيسي</a:t>
             </a:r>
             <a:endParaRPr lang="en-US" dirty="0"/>
           </a:p>
@@ -2176,35 +3225,35 @@
           <a:p>
             <a:pPr lvl="0"/>
             <a:r>
-              <a:rPr lang="ar-SA"/>
-              <a:t>انقر لتحرير أنماط نص الشكل الرئيسي</a:t>
+              <a:rPr lang="ar-SA" smtClean="0"/>
+              <a:t>انقر لتحرير أنماط النص الرئيسي</a:t>
             </a:r>
           </a:p>
           <a:p>
             <a:pPr lvl="1"/>
             <a:r>
-              <a:rPr lang="ar-SA"/>
+              <a:rPr lang="ar-SA" smtClean="0"/>
               <a:t>المستوى الثاني</a:t>
             </a:r>
           </a:p>
           <a:p>
             <a:pPr lvl="2"/>
             <a:r>
-              <a:rPr lang="ar-SA"/>
+              <a:rPr lang="ar-SA" smtClean="0"/>
               <a:t>المستوى الثالث</a:t>
             </a:r>
           </a:p>
           <a:p>
             <a:pPr lvl="3"/>
             <a:r>
-              <a:rPr lang="ar-SA"/>
+              <a:rPr lang="ar-SA" smtClean="0"/>
               <a:t>المستوى الرابع</a:t>
             </a:r>
           </a:p>
           <a:p>
             <a:pPr lvl="4"/>
             <a:r>
-              <a:rPr lang="ar-SA"/>
+              <a:rPr lang="ar-SA" smtClean="0"/>
               <a:t>المستوى الخامس</a:t>
             </a:r>
             <a:endParaRPr lang="en-US" dirty="0"/>
@@ -2279,7 +3328,7 @@
     </p:spTree>
     <p:extLst>
       <p:ext uri="{BB962C8B-B14F-4D97-AF65-F5344CB8AC3E}">
-        <p14:creationId xmlns:p14="http://schemas.microsoft.com/office/powerpoint/2010/main" val="1705227890"/>
+        <p14:creationId xmlns:p14="http://schemas.microsoft.com/office/powerpoint/2010/main" val="3329494193"/>
       </p:ext>
     </p:extLst>
   </p:cSld>
@@ -2298,6 +3347,13 @@
       </p:transition>
     </mc:Fallback>
   </mc:AlternateContent>
+  <p:timing>
+    <p:tnLst>
+      <p:par>
+        <p:cTn id="1" dur="indefinite" restart="never" nodeType="tmRoot"/>
+      </p:par>
+    </p:tnLst>
+  </p:timing>
 </p:sldLayout>
 </file>
 
@@ -2339,8 +3395,8 @@
           <a:lstStyle/>
           <a:p>
             <a:r>
-              <a:rPr lang="ar-SA"/>
-              <a:t>انقر لتحرير نمط عنوان الشكل الرئيسي</a:t>
+              <a:rPr lang="ar-SA" smtClean="0"/>
+              <a:t>انقر لتحرير نمط العنوان الرئيسي</a:t>
             </a:r>
             <a:endParaRPr lang="en-US" dirty="0"/>
           </a:p>
@@ -2368,35 +3424,35 @@
           <a:p>
             <a:pPr lvl="0"/>
             <a:r>
-              <a:rPr lang="ar-SA"/>
-              <a:t>انقر لتحرير أنماط نص الشكل الرئيسي</a:t>
+              <a:rPr lang="ar-SA" smtClean="0"/>
+              <a:t>انقر لتحرير أنماط النص الرئيسي</a:t>
             </a:r>
           </a:p>
           <a:p>
             <a:pPr lvl="1"/>
             <a:r>
-              <a:rPr lang="ar-SA"/>
+              <a:rPr lang="ar-SA" smtClean="0"/>
               <a:t>المستوى الثاني</a:t>
             </a:r>
           </a:p>
           <a:p>
             <a:pPr lvl="2"/>
             <a:r>
-              <a:rPr lang="ar-SA"/>
+              <a:rPr lang="ar-SA" smtClean="0"/>
               <a:t>المستوى الثالث</a:t>
             </a:r>
           </a:p>
           <a:p>
             <a:pPr lvl="3"/>
             <a:r>
-              <a:rPr lang="ar-SA"/>
+              <a:rPr lang="ar-SA" smtClean="0"/>
               <a:t>المستوى الرابع</a:t>
             </a:r>
           </a:p>
           <a:p>
             <a:pPr lvl="4"/>
             <a:r>
-              <a:rPr lang="ar-SA"/>
+              <a:rPr lang="ar-SA" smtClean="0"/>
               <a:t>المستوى الخامس</a:t>
             </a:r>
             <a:endParaRPr lang="en-US" dirty="0"/>
@@ -2471,7 +3527,7 @@
     </p:spTree>
     <p:extLst>
       <p:ext uri="{BB962C8B-B14F-4D97-AF65-F5344CB8AC3E}">
-        <p14:creationId xmlns:p14="http://schemas.microsoft.com/office/powerpoint/2010/main" val="2177614343"/>
+        <p14:creationId xmlns:p14="http://schemas.microsoft.com/office/powerpoint/2010/main" val="201481324"/>
       </p:ext>
     </p:extLst>
   </p:cSld>
@@ -2490,6 +3546,13 @@
       </p:transition>
     </mc:Fallback>
   </mc:AlternateContent>
+  <p:timing>
+    <p:tnLst>
+      <p:par>
+        <p:cTn id="1" dur="indefinite" restart="never" nodeType="tmRoot"/>
+      </p:par>
+    </p:tnLst>
+  </p:timing>
 </p:sldLayout>
 </file>
 
@@ -2526,8 +3589,8 @@
           <a:lstStyle/>
           <a:p>
             <a:r>
-              <a:rPr lang="ar-SA"/>
-              <a:t>انقر لتحرير نمط عنوان الشكل الرئيسي</a:t>
+              <a:rPr lang="ar-SA" smtClean="0"/>
+              <a:t>انقر لتحرير نمط العنوان الرئيسي</a:t>
             </a:r>
             <a:endParaRPr lang="en-US" dirty="0"/>
           </a:p>
@@ -2550,35 +3613,35 @@
           <a:p>
             <a:pPr lvl="0"/>
             <a:r>
-              <a:rPr lang="ar-SA"/>
-              <a:t>انقر لتحرير أنماط نص الشكل الرئيسي</a:t>
+              <a:rPr lang="ar-SA" smtClean="0"/>
+              <a:t>انقر لتحرير أنماط النص الرئيسي</a:t>
             </a:r>
           </a:p>
           <a:p>
             <a:pPr lvl="1"/>
             <a:r>
-              <a:rPr lang="ar-SA"/>
+              <a:rPr lang="ar-SA" smtClean="0"/>
               <a:t>المستوى الثاني</a:t>
             </a:r>
           </a:p>
           <a:p>
             <a:pPr lvl="2"/>
             <a:r>
-              <a:rPr lang="ar-SA"/>
+              <a:rPr lang="ar-SA" smtClean="0"/>
               <a:t>المستوى الثالث</a:t>
             </a:r>
           </a:p>
           <a:p>
             <a:pPr lvl="3"/>
             <a:r>
-              <a:rPr lang="ar-SA"/>
+              <a:rPr lang="ar-SA" smtClean="0"/>
               <a:t>المستوى الرابع</a:t>
             </a:r>
           </a:p>
           <a:p>
             <a:pPr lvl="4"/>
             <a:r>
-              <a:rPr lang="ar-SA"/>
+              <a:rPr lang="ar-SA" smtClean="0"/>
               <a:t>المستوى الخامس</a:t>
             </a:r>
             <a:endParaRPr lang="en-US" dirty="0"/>
@@ -2653,7 +3716,7 @@
     </p:spTree>
     <p:extLst>
       <p:ext uri="{BB962C8B-B14F-4D97-AF65-F5344CB8AC3E}">
-        <p14:creationId xmlns:p14="http://schemas.microsoft.com/office/powerpoint/2010/main" val="942183262"/>
+        <p14:creationId xmlns:p14="http://schemas.microsoft.com/office/powerpoint/2010/main" val="529348451"/>
       </p:ext>
     </p:extLst>
   </p:cSld>
@@ -2672,6 +3735,13 @@
       </p:transition>
     </mc:Fallback>
   </mc:AlternateContent>
+  <p:timing>
+    <p:tnLst>
+      <p:par>
+        <p:cTn id="1" dur="indefinite" restart="never" nodeType="tmRoot"/>
+      </p:par>
+    </p:tnLst>
+  </p:timing>
 </p:sldLayout>
 </file>
 
@@ -2717,8 +3787,8 @@
           </a:lstStyle>
           <a:p>
             <a:r>
-              <a:rPr lang="ar-SA"/>
-              <a:t>انقر لتحرير نمط عنوان الشكل الرئيسي</a:t>
+              <a:rPr lang="ar-SA" smtClean="0"/>
+              <a:t>انقر لتحرير نمط العنوان الرئيسي</a:t>
             </a:r>
             <a:endParaRPr lang="en-US" dirty="0"/>
           </a:p>
@@ -2837,8 +3907,8 @@
           <a:p>
             <a:pPr lvl="0"/>
             <a:r>
-              <a:rPr lang="ar-SA"/>
-              <a:t>انقر لتحرير أنماط نص الشكل الرئيسي</a:t>
+              <a:rPr lang="ar-SA" smtClean="0"/>
+              <a:t>انقر لتحرير أنماط النص الرئيسي</a:t>
             </a:r>
           </a:p>
         </p:txBody>
@@ -2911,7 +3981,7 @@
     </p:spTree>
     <p:extLst>
       <p:ext uri="{BB962C8B-B14F-4D97-AF65-F5344CB8AC3E}">
-        <p14:creationId xmlns:p14="http://schemas.microsoft.com/office/powerpoint/2010/main" val="3540915329"/>
+        <p14:creationId xmlns:p14="http://schemas.microsoft.com/office/powerpoint/2010/main" val="552654093"/>
       </p:ext>
     </p:extLst>
   </p:cSld>
@@ -2930,12 +4000,19 @@
       </p:transition>
     </mc:Fallback>
   </mc:AlternateContent>
+  <p:timing>
+    <p:tnLst>
+      <p:par>
+        <p:cTn id="1" dur="indefinite" restart="never" nodeType="tmRoot"/>
+      </p:par>
+    </p:tnLst>
+  </p:timing>
 </p:sldLayout>
 </file>
 
 <file path=ppt/slideLayouts/slideLayout4.xml><?xml version="1.0" encoding="utf-8"?>
 <p:sldLayout xmlns:a="http://schemas.openxmlformats.org/drawingml/2006/main" xmlns:r="http://schemas.openxmlformats.org/officeDocument/2006/relationships" xmlns:p="http://schemas.openxmlformats.org/presentationml/2006/main" type="twoObj" preserve="1">
-  <p:cSld name="محتويان">
+  <p:cSld name="محتويين">
     <p:spTree>
       <p:nvGrpSpPr>
         <p:cNvPr id="1" name=""/>
@@ -2966,8 +4043,8 @@
           <a:lstStyle/>
           <a:p>
             <a:r>
-              <a:rPr lang="ar-SA"/>
-              <a:t>انقر لتحرير نمط عنوان الشكل الرئيسي</a:t>
+              <a:rPr lang="ar-SA" smtClean="0"/>
+              <a:t>انقر لتحرير نمط العنوان الرئيسي</a:t>
             </a:r>
             <a:endParaRPr lang="en-US" dirty="0"/>
           </a:p>
@@ -2995,35 +4072,35 @@
           <a:p>
             <a:pPr lvl="0"/>
             <a:r>
-              <a:rPr lang="ar-SA"/>
-              <a:t>انقر لتحرير أنماط نص الشكل الرئيسي</a:t>
+              <a:rPr lang="ar-SA" smtClean="0"/>
+              <a:t>انقر لتحرير أنماط النص الرئيسي</a:t>
             </a:r>
           </a:p>
           <a:p>
             <a:pPr lvl="1"/>
             <a:r>
-              <a:rPr lang="ar-SA"/>
+              <a:rPr lang="ar-SA" smtClean="0"/>
               <a:t>المستوى الثاني</a:t>
             </a:r>
           </a:p>
           <a:p>
             <a:pPr lvl="2"/>
             <a:r>
-              <a:rPr lang="ar-SA"/>
+              <a:rPr lang="ar-SA" smtClean="0"/>
               <a:t>المستوى الثالث</a:t>
             </a:r>
           </a:p>
           <a:p>
             <a:pPr lvl="3"/>
             <a:r>
-              <a:rPr lang="ar-SA"/>
+              <a:rPr lang="ar-SA" smtClean="0"/>
               <a:t>المستوى الرابع</a:t>
             </a:r>
           </a:p>
           <a:p>
             <a:pPr lvl="4"/>
             <a:r>
-              <a:rPr lang="ar-SA"/>
+              <a:rPr lang="ar-SA" smtClean="0"/>
               <a:t>المستوى الخامس</a:t>
             </a:r>
             <a:endParaRPr lang="en-US" dirty="0"/>
@@ -3052,35 +4129,35 @@
           <a:p>
             <a:pPr lvl="0"/>
             <a:r>
-              <a:rPr lang="ar-SA"/>
-              <a:t>انقر لتحرير أنماط نص الشكل الرئيسي</a:t>
+              <a:rPr lang="ar-SA" smtClean="0"/>
+              <a:t>انقر لتحرير أنماط النص الرئيسي</a:t>
             </a:r>
           </a:p>
           <a:p>
             <a:pPr lvl="1"/>
             <a:r>
-              <a:rPr lang="ar-SA"/>
+              <a:rPr lang="ar-SA" smtClean="0"/>
               <a:t>المستوى الثاني</a:t>
             </a:r>
           </a:p>
           <a:p>
             <a:pPr lvl="2"/>
             <a:r>
-              <a:rPr lang="ar-SA"/>
+              <a:rPr lang="ar-SA" smtClean="0"/>
               <a:t>المستوى الثالث</a:t>
             </a:r>
           </a:p>
           <a:p>
             <a:pPr lvl="3"/>
             <a:r>
-              <a:rPr lang="ar-SA"/>
+              <a:rPr lang="ar-SA" smtClean="0"/>
               <a:t>المستوى الرابع</a:t>
             </a:r>
           </a:p>
           <a:p>
             <a:pPr lvl="4"/>
             <a:r>
-              <a:rPr lang="ar-SA"/>
+              <a:rPr lang="ar-SA" smtClean="0"/>
               <a:t>المستوى الخامس</a:t>
             </a:r>
             <a:endParaRPr lang="en-US" dirty="0"/>
@@ -3155,13 +4232,20 @@
     </p:spTree>
     <p:extLst>
       <p:ext uri="{BB962C8B-B14F-4D97-AF65-F5344CB8AC3E}">
-        <p14:creationId xmlns:p14="http://schemas.microsoft.com/office/powerpoint/2010/main" val="182560861"/>
+        <p14:creationId xmlns:p14="http://schemas.microsoft.com/office/powerpoint/2010/main" val="233251311"/>
       </p:ext>
     </p:extLst>
   </p:cSld>
   <p:clrMapOvr>
     <a:masterClrMapping/>
   </p:clrMapOvr>
+  <p:timing>
+    <p:tnLst>
+      <p:par>
+        <p:cTn id="1" dur="indefinite" restart="never" nodeType="tmRoot"/>
+      </p:par>
+    </p:tnLst>
+  </p:timing>
 </p:sldLayout>
 </file>
 
@@ -3203,8 +4287,8 @@
           <a:lstStyle/>
           <a:p>
             <a:r>
-              <a:rPr lang="ar-SA"/>
-              <a:t>انقر لتحرير نمط عنوان الشكل الرئيسي</a:t>
+              <a:rPr lang="ar-SA" smtClean="0"/>
+              <a:t>انقر لتحرير نمط العنوان الرئيسي</a:t>
             </a:r>
             <a:endParaRPr lang="en-US" dirty="0"/>
           </a:p>
@@ -3269,8 +4353,8 @@
           <a:p>
             <a:pPr lvl="0"/>
             <a:r>
-              <a:rPr lang="ar-SA"/>
-              <a:t>انقر لتحرير أنماط نص الشكل الرئيسي</a:t>
+              <a:rPr lang="ar-SA" smtClean="0"/>
+              <a:t>انقر لتحرير أنماط النص الرئيسي</a:t>
             </a:r>
           </a:p>
         </p:txBody>
@@ -3297,35 +4381,35 @@
           <a:p>
             <a:pPr lvl="0"/>
             <a:r>
-              <a:rPr lang="ar-SA"/>
-              <a:t>انقر لتحرير أنماط نص الشكل الرئيسي</a:t>
+              <a:rPr lang="ar-SA" smtClean="0"/>
+              <a:t>انقر لتحرير أنماط النص الرئيسي</a:t>
             </a:r>
           </a:p>
           <a:p>
             <a:pPr lvl="1"/>
             <a:r>
-              <a:rPr lang="ar-SA"/>
+              <a:rPr lang="ar-SA" smtClean="0"/>
               <a:t>المستوى الثاني</a:t>
             </a:r>
           </a:p>
           <a:p>
             <a:pPr lvl="2"/>
             <a:r>
-              <a:rPr lang="ar-SA"/>
+              <a:rPr lang="ar-SA" smtClean="0"/>
               <a:t>المستوى الثالث</a:t>
             </a:r>
           </a:p>
           <a:p>
             <a:pPr lvl="3"/>
             <a:r>
-              <a:rPr lang="ar-SA"/>
+              <a:rPr lang="ar-SA" smtClean="0"/>
               <a:t>المستوى الرابع</a:t>
             </a:r>
           </a:p>
           <a:p>
             <a:pPr lvl="4"/>
             <a:r>
-              <a:rPr lang="ar-SA"/>
+              <a:rPr lang="ar-SA" smtClean="0"/>
               <a:t>المستوى الخامس</a:t>
             </a:r>
             <a:endParaRPr lang="en-US" dirty="0"/>
@@ -3391,8 +4475,8 @@
           <a:p>
             <a:pPr lvl="0"/>
             <a:r>
-              <a:rPr lang="ar-SA"/>
-              <a:t>انقر لتحرير أنماط نص الشكل الرئيسي</a:t>
+              <a:rPr lang="ar-SA" smtClean="0"/>
+              <a:t>انقر لتحرير أنماط النص الرئيسي</a:t>
             </a:r>
           </a:p>
         </p:txBody>
@@ -3419,35 +4503,35 @@
           <a:p>
             <a:pPr lvl="0"/>
             <a:r>
-              <a:rPr lang="ar-SA"/>
-              <a:t>انقر لتحرير أنماط نص الشكل الرئيسي</a:t>
+              <a:rPr lang="ar-SA" smtClean="0"/>
+              <a:t>انقر لتحرير أنماط النص الرئيسي</a:t>
             </a:r>
           </a:p>
           <a:p>
             <a:pPr lvl="1"/>
             <a:r>
-              <a:rPr lang="ar-SA"/>
+              <a:rPr lang="ar-SA" smtClean="0"/>
               <a:t>المستوى الثاني</a:t>
             </a:r>
           </a:p>
           <a:p>
             <a:pPr lvl="2"/>
             <a:r>
-              <a:rPr lang="ar-SA"/>
+              <a:rPr lang="ar-SA" smtClean="0"/>
               <a:t>المستوى الثالث</a:t>
             </a:r>
           </a:p>
           <a:p>
             <a:pPr lvl="3"/>
             <a:r>
-              <a:rPr lang="ar-SA"/>
+              <a:rPr lang="ar-SA" smtClean="0"/>
               <a:t>المستوى الرابع</a:t>
             </a:r>
           </a:p>
           <a:p>
             <a:pPr lvl="4"/>
             <a:r>
-              <a:rPr lang="ar-SA"/>
+              <a:rPr lang="ar-SA" smtClean="0"/>
               <a:t>المستوى الخامس</a:t>
             </a:r>
             <a:endParaRPr lang="en-US" dirty="0"/>
@@ -3522,7 +4606,7 @@
     </p:spTree>
     <p:extLst>
       <p:ext uri="{BB962C8B-B14F-4D97-AF65-F5344CB8AC3E}">
-        <p14:creationId xmlns:p14="http://schemas.microsoft.com/office/powerpoint/2010/main" val="3170882929"/>
+        <p14:creationId xmlns:p14="http://schemas.microsoft.com/office/powerpoint/2010/main" val="864205666"/>
       </p:ext>
     </p:extLst>
   </p:cSld>
@@ -3541,6 +4625,13 @@
       </p:transition>
     </mc:Fallback>
   </mc:AlternateContent>
+  <p:timing>
+    <p:tnLst>
+      <p:par>
+        <p:cTn id="1" dur="indefinite" restart="never" nodeType="tmRoot"/>
+      </p:par>
+    </p:tnLst>
+  </p:timing>
 </p:sldLayout>
 </file>
 
@@ -3577,8 +4668,8 @@
           <a:lstStyle/>
           <a:p>
             <a:r>
-              <a:rPr lang="ar-SA"/>
-              <a:t>انقر لتحرير نمط عنوان الشكل الرئيسي</a:t>
+              <a:rPr lang="ar-SA" smtClean="0"/>
+              <a:t>انقر لتحرير نمط العنوان الرئيسي</a:t>
             </a:r>
             <a:endParaRPr lang="en-US" dirty="0"/>
           </a:p>
@@ -3652,7 +4743,7 @@
     </p:spTree>
     <p:extLst>
       <p:ext uri="{BB962C8B-B14F-4D97-AF65-F5344CB8AC3E}">
-        <p14:creationId xmlns:p14="http://schemas.microsoft.com/office/powerpoint/2010/main" val="742069145"/>
+        <p14:creationId xmlns:p14="http://schemas.microsoft.com/office/powerpoint/2010/main" val="1646351948"/>
       </p:ext>
     </p:extLst>
   </p:cSld>
@@ -3671,6 +4762,13 @@
       </p:transition>
     </mc:Fallback>
   </mc:AlternateContent>
+  <p:timing>
+    <p:tnLst>
+      <p:par>
+        <p:cTn id="1" dur="indefinite" restart="never" nodeType="tmRoot"/>
+      </p:par>
+    </p:tnLst>
+  </p:timing>
 </p:sldLayout>
 </file>
 
@@ -3759,7 +4857,7 @@
     </p:spTree>
     <p:extLst>
       <p:ext uri="{BB962C8B-B14F-4D97-AF65-F5344CB8AC3E}">
-        <p14:creationId xmlns:p14="http://schemas.microsoft.com/office/powerpoint/2010/main" val="2003752470"/>
+        <p14:creationId xmlns:p14="http://schemas.microsoft.com/office/powerpoint/2010/main" val="958850355"/>
       </p:ext>
     </p:extLst>
   </p:cSld>
@@ -3778,12 +4876,19 @@
       </p:transition>
     </mc:Fallback>
   </mc:AlternateContent>
+  <p:timing>
+    <p:tnLst>
+      <p:par>
+        <p:cTn id="1" dur="indefinite" restart="never" nodeType="tmRoot"/>
+      </p:par>
+    </p:tnLst>
+  </p:timing>
 </p:sldLayout>
 </file>
 
 <file path=ppt/slideLayouts/slideLayout8.xml><?xml version="1.0" encoding="utf-8"?>
 <p:sldLayout xmlns:a="http://schemas.openxmlformats.org/drawingml/2006/main" xmlns:r="http://schemas.openxmlformats.org/officeDocument/2006/relationships" xmlns:p="http://schemas.openxmlformats.org/presentationml/2006/main" type="objTx" preserve="1">
-  <p:cSld name="محتوى مع تسمية توضيحية">
+  <p:cSld name="محتوى ذو تسمية توضيحية">
     <p:spTree>
       <p:nvGrpSpPr>
         <p:cNvPr id="1" name=""/>
@@ -3823,8 +4928,8 @@
           </a:lstStyle>
           <a:p>
             <a:r>
-              <a:rPr lang="ar-SA"/>
-              <a:t>انقر لتحرير نمط عنوان الشكل الرئيسي</a:t>
+              <a:rPr lang="ar-SA" smtClean="0"/>
+              <a:t>انقر لتحرير نمط العنوان الرئيسي</a:t>
             </a:r>
             <a:endParaRPr lang="en-US" dirty="0"/>
           </a:p>
@@ -3880,35 +4985,35 @@
           <a:p>
             <a:pPr lvl="0"/>
             <a:r>
-              <a:rPr lang="ar-SA"/>
-              <a:t>انقر لتحرير أنماط نص الشكل الرئيسي</a:t>
+              <a:rPr lang="ar-SA" smtClean="0"/>
+              <a:t>انقر لتحرير أنماط النص الرئيسي</a:t>
             </a:r>
           </a:p>
           <a:p>
             <a:pPr lvl="1"/>
             <a:r>
-              <a:rPr lang="ar-SA"/>
+              <a:rPr lang="ar-SA" smtClean="0"/>
               <a:t>المستوى الثاني</a:t>
             </a:r>
           </a:p>
           <a:p>
             <a:pPr lvl="2"/>
             <a:r>
-              <a:rPr lang="ar-SA"/>
+              <a:rPr lang="ar-SA" smtClean="0"/>
               <a:t>المستوى الثالث</a:t>
             </a:r>
           </a:p>
           <a:p>
             <a:pPr lvl="3"/>
             <a:r>
-              <a:rPr lang="ar-SA"/>
+              <a:rPr lang="ar-SA" smtClean="0"/>
               <a:t>المستوى الرابع</a:t>
             </a:r>
           </a:p>
           <a:p>
             <a:pPr lvl="4"/>
             <a:r>
-              <a:rPr lang="ar-SA"/>
+              <a:rPr lang="ar-SA" smtClean="0"/>
               <a:t>المستوى الخامس</a:t>
             </a:r>
             <a:endParaRPr lang="en-US" dirty="0"/>
@@ -3974,8 +5079,8 @@
           <a:p>
             <a:pPr lvl="0"/>
             <a:r>
-              <a:rPr lang="ar-SA"/>
-              <a:t>انقر لتحرير أنماط نص الشكل الرئيسي</a:t>
+              <a:rPr lang="ar-SA" smtClean="0"/>
+              <a:t>انقر لتحرير أنماط النص الرئيسي</a:t>
             </a:r>
           </a:p>
         </p:txBody>
@@ -4048,13 +5153,20 @@
     </p:spTree>
     <p:extLst>
       <p:ext uri="{BB962C8B-B14F-4D97-AF65-F5344CB8AC3E}">
-        <p14:creationId xmlns:p14="http://schemas.microsoft.com/office/powerpoint/2010/main" val="2824989716"/>
+        <p14:creationId xmlns:p14="http://schemas.microsoft.com/office/powerpoint/2010/main" val="967423750"/>
       </p:ext>
     </p:extLst>
   </p:cSld>
   <p:clrMapOvr>
     <a:masterClrMapping/>
   </p:clrMapOvr>
+  <p:timing>
+    <p:tnLst>
+      <p:par>
+        <p:cTn id="1" dur="indefinite" restart="never" nodeType="tmRoot"/>
+      </p:par>
+    </p:tnLst>
+  </p:timing>
 </p:sldLayout>
 </file>
 
@@ -4100,8 +5212,8 @@
           </a:lstStyle>
           <a:p>
             <a:r>
-              <a:rPr lang="ar-SA"/>
-              <a:t>انقر لتحرير نمط عنوان الشكل الرئيسي</a:t>
+              <a:rPr lang="ar-SA" smtClean="0"/>
+              <a:t>انقر لتحرير نمط العنوان الرئيسي</a:t>
             </a:r>
             <a:endParaRPr lang="en-US" dirty="0"/>
           </a:p>
@@ -4165,7 +5277,7 @@
           </a:lstStyle>
           <a:p>
             <a:r>
-              <a:rPr lang="ar-SA"/>
+              <a:rPr lang="ar-SA" smtClean="0"/>
               <a:t>انقر فوق الأيقونة لإضافة صورة</a:t>
             </a:r>
             <a:endParaRPr lang="en-US" dirty="0"/>
@@ -4231,8 +5343,8 @@
           <a:p>
             <a:pPr lvl="0"/>
             <a:r>
-              <a:rPr lang="ar-SA"/>
-              <a:t>انقر لتحرير أنماط نص الشكل الرئيسي</a:t>
+              <a:rPr lang="ar-SA" smtClean="0"/>
+              <a:t>انقر لتحرير أنماط النص الرئيسي</a:t>
             </a:r>
           </a:p>
         </p:txBody>
@@ -4305,7 +5417,7 @@
     </p:spTree>
     <p:extLst>
       <p:ext uri="{BB962C8B-B14F-4D97-AF65-F5344CB8AC3E}">
-        <p14:creationId xmlns:p14="http://schemas.microsoft.com/office/powerpoint/2010/main" val="3732755769"/>
+        <p14:creationId xmlns:p14="http://schemas.microsoft.com/office/powerpoint/2010/main" val="2539493291"/>
       </p:ext>
     </p:extLst>
   </p:cSld>
@@ -4324,6 +5436,13 @@
       </p:transition>
     </mc:Fallback>
   </mc:AlternateContent>
+  <p:timing>
+    <p:tnLst>
+      <p:par>
+        <p:cTn id="1" dur="indefinite" restart="never" nodeType="tmRoot"/>
+      </p:par>
+    </p:tnLst>
+  </p:timing>
 </p:sldLayout>
 </file>
 
@@ -4375,8 +5494,8 @@
           <a:lstStyle/>
           <a:p>
             <a:r>
-              <a:rPr lang="ar-SA"/>
-              <a:t>انقر لتحرير نمط عنوان الشكل الرئيسي</a:t>
+              <a:rPr lang="ar-SA" smtClean="0"/>
+              <a:t>انقر لتحرير نمط العنوان الرئيسي</a:t>
             </a:r>
             <a:endParaRPr lang="en-US" dirty="0"/>
           </a:p>
@@ -4409,35 +5528,35 @@
           <a:p>
             <a:pPr lvl="0"/>
             <a:r>
-              <a:rPr lang="ar-SA"/>
-              <a:t>انقر لتحرير أنماط نص الشكل الرئيسي</a:t>
+              <a:rPr lang="ar-SA" smtClean="0"/>
+              <a:t>انقر لتحرير أنماط النص الرئيسي</a:t>
             </a:r>
           </a:p>
           <a:p>
             <a:pPr lvl="1"/>
             <a:r>
-              <a:rPr lang="ar-SA"/>
+              <a:rPr lang="ar-SA" smtClean="0"/>
               <a:t>المستوى الثاني</a:t>
             </a:r>
           </a:p>
           <a:p>
             <a:pPr lvl="2"/>
             <a:r>
-              <a:rPr lang="ar-SA"/>
+              <a:rPr lang="ar-SA" smtClean="0"/>
               <a:t>المستوى الثالث</a:t>
             </a:r>
           </a:p>
           <a:p>
             <a:pPr lvl="3"/>
             <a:r>
-              <a:rPr lang="ar-SA"/>
+              <a:rPr lang="ar-SA" smtClean="0"/>
               <a:t>المستوى الرابع</a:t>
             </a:r>
           </a:p>
           <a:p>
             <a:pPr lvl="4"/>
             <a:r>
-              <a:rPr lang="ar-SA"/>
+              <a:rPr lang="ar-SA" smtClean="0"/>
               <a:t>المستوى الخامس</a:t>
             </a:r>
             <a:endParaRPr lang="en-US" dirty="0"/>
@@ -4566,23 +5685,23 @@
     </p:spTree>
     <p:extLst>
       <p:ext uri="{BB962C8B-B14F-4D97-AF65-F5344CB8AC3E}">
-        <p14:creationId xmlns:p14="http://schemas.microsoft.com/office/powerpoint/2010/main" val="2147025047"/>
+        <p14:creationId xmlns:p14="http://schemas.microsoft.com/office/powerpoint/2010/main" val="3974381884"/>
       </p:ext>
     </p:extLst>
   </p:cSld>
   <p:clrMap bg1="dk1" tx1="lt1" bg2="dk2" tx2="lt2" accent1="accent1" accent2="accent2" accent3="accent3" accent4="accent4" accent5="accent5" accent6="accent6" hlink="hlink" folHlink="folHlink"/>
   <p:sldLayoutIdLst>
-    <p:sldLayoutId id="2147483817" r:id="rId1"/>
-    <p:sldLayoutId id="2147483818" r:id="rId2"/>
-    <p:sldLayoutId id="2147483819" r:id="rId3"/>
-    <p:sldLayoutId id="2147483820" r:id="rId4"/>
-    <p:sldLayoutId id="2147483821" r:id="rId5"/>
-    <p:sldLayoutId id="2147483822" r:id="rId6"/>
-    <p:sldLayoutId id="2147483823" r:id="rId7"/>
-    <p:sldLayoutId id="2147483824" r:id="rId8"/>
-    <p:sldLayoutId id="2147483825" r:id="rId9"/>
-    <p:sldLayoutId id="2147483826" r:id="rId10"/>
-    <p:sldLayoutId id="2147483827" r:id="rId11"/>
+    <p:sldLayoutId id="2147483841" r:id="rId1"/>
+    <p:sldLayoutId id="2147483842" r:id="rId2"/>
+    <p:sldLayoutId id="2147483843" r:id="rId3"/>
+    <p:sldLayoutId id="2147483844" r:id="rId4"/>
+    <p:sldLayoutId id="2147483845" r:id="rId5"/>
+    <p:sldLayoutId id="2147483846" r:id="rId6"/>
+    <p:sldLayoutId id="2147483847" r:id="rId7"/>
+    <p:sldLayoutId id="2147483848" r:id="rId8"/>
+    <p:sldLayoutId id="2147483849" r:id="rId9"/>
+    <p:sldLayoutId id="2147483850" r:id="rId10"/>
+    <p:sldLayoutId id="2147483851" r:id="rId11"/>
   </p:sldLayoutIdLst>
   <mc:AlternateContent xmlns:mc="http://schemas.openxmlformats.org/markup-compatibility/2006" xmlns:p14="http://schemas.microsoft.com/office/powerpoint/2010/main">
     <mc:Choice Requires="p14">
@@ -4596,9 +5715,16 @@
       </p:transition>
     </mc:Fallback>
   </mc:AlternateContent>
+  <p:timing>
+    <p:tnLst>
+      <p:par>
+        <p:cTn id="1" dur="indefinite" restart="never" nodeType="tmRoot"/>
+      </p:par>
+    </p:tnLst>
+  </p:timing>
   <p:txStyles>
     <p:titleStyle>
-      <a:lvl1pPr algn="l" defTabSz="914400" rtl="0" eaLnBrk="1" latinLnBrk="0" hangingPunct="1">
+      <a:lvl1pPr algn="l" defTabSz="914400" rtl="1" eaLnBrk="1" latinLnBrk="0" hangingPunct="1">
         <a:lnSpc>
           <a:spcPct val="90000"/>
         </a:lnSpc>
@@ -4617,7 +5743,7 @@
       </a:lvl1pPr>
     </p:titleStyle>
     <p:bodyStyle>
-      <a:lvl1pPr marL="228600" indent="-228600" algn="l" defTabSz="914400" rtl="0" eaLnBrk="1" latinLnBrk="0" hangingPunct="1">
+      <a:lvl1pPr marL="228600" indent="-228600" algn="r" defTabSz="914400" rtl="1" eaLnBrk="1" latinLnBrk="0" hangingPunct="1">
         <a:lnSpc>
           <a:spcPct val="90000"/>
         </a:lnSpc>
@@ -4635,7 +5761,7 @@
           <a:cs typeface="+mn-cs"/>
         </a:defRPr>
       </a:lvl1pPr>
-      <a:lvl2pPr marL="685800" indent="-228600" algn="l" defTabSz="914400" rtl="0" eaLnBrk="1" latinLnBrk="0" hangingPunct="1">
+      <a:lvl2pPr marL="685800" indent="-228600" algn="r" defTabSz="914400" rtl="1" eaLnBrk="1" latinLnBrk="0" hangingPunct="1">
         <a:lnSpc>
           <a:spcPct val="90000"/>
         </a:lnSpc>
@@ -4653,7 +5779,7 @@
           <a:cs typeface="+mn-cs"/>
         </a:defRPr>
       </a:lvl2pPr>
-      <a:lvl3pPr marL="1143000" indent="-228600" algn="l" defTabSz="914400" rtl="0" eaLnBrk="1" latinLnBrk="0" hangingPunct="1">
+      <a:lvl3pPr marL="1143000" indent="-228600" algn="r" defTabSz="914400" rtl="1" eaLnBrk="1" latinLnBrk="0" hangingPunct="1">
         <a:lnSpc>
           <a:spcPct val="90000"/>
         </a:lnSpc>
@@ -4671,7 +5797,7 @@
           <a:cs typeface="+mn-cs"/>
         </a:defRPr>
       </a:lvl3pPr>
-      <a:lvl4pPr marL="1600200" indent="-228600" algn="l" defTabSz="914400" rtl="0" eaLnBrk="1" latinLnBrk="0" hangingPunct="1">
+      <a:lvl4pPr marL="1600200" indent="-228600" algn="r" defTabSz="914400" rtl="1" eaLnBrk="1" latinLnBrk="0" hangingPunct="1">
         <a:lnSpc>
           <a:spcPct val="90000"/>
         </a:lnSpc>
@@ -4689,7 +5815,7 @@
           <a:cs typeface="+mn-cs"/>
         </a:defRPr>
       </a:lvl4pPr>
-      <a:lvl5pPr marL="2057400" indent="-228600" algn="l" defTabSz="914400" rtl="0" eaLnBrk="1" latinLnBrk="0" hangingPunct="1">
+      <a:lvl5pPr marL="2057400" indent="-228600" algn="r" defTabSz="914400" rtl="1" eaLnBrk="1" latinLnBrk="0" hangingPunct="1">
         <a:lnSpc>
           <a:spcPct val="90000"/>
         </a:lnSpc>
@@ -4707,7 +5833,7 @@
           <a:cs typeface="+mn-cs"/>
         </a:defRPr>
       </a:lvl5pPr>
-      <a:lvl6pPr marL="2514600" indent="-228600" algn="l" defTabSz="914400" rtl="0" eaLnBrk="1" latinLnBrk="0" hangingPunct="1">
+      <a:lvl6pPr marL="2514600" indent="-228600" algn="r" defTabSz="914400" rtl="1" eaLnBrk="1" latinLnBrk="0" hangingPunct="1">
         <a:lnSpc>
           <a:spcPct val="90000"/>
         </a:lnSpc>
@@ -4725,7 +5851,7 @@
           <a:cs typeface="+mn-cs"/>
         </a:defRPr>
       </a:lvl6pPr>
-      <a:lvl7pPr marL="2971800" indent="-228600" algn="l" defTabSz="914400" rtl="0" eaLnBrk="1" latinLnBrk="0" hangingPunct="1">
+      <a:lvl7pPr marL="2971800" indent="-228600" algn="r" defTabSz="914400" rtl="1" eaLnBrk="1" latinLnBrk="0" hangingPunct="1">
         <a:lnSpc>
           <a:spcPct val="90000"/>
         </a:lnSpc>
@@ -4743,7 +5869,7 @@
           <a:cs typeface="+mn-cs"/>
         </a:defRPr>
       </a:lvl7pPr>
-      <a:lvl8pPr marL="3429000" indent="-228600" algn="l" defTabSz="914400" rtl="0" eaLnBrk="1" latinLnBrk="0" hangingPunct="1">
+      <a:lvl8pPr marL="3429000" indent="-228600" algn="r" defTabSz="914400" rtl="1" eaLnBrk="1" latinLnBrk="0" hangingPunct="1">
         <a:lnSpc>
           <a:spcPct val="90000"/>
         </a:lnSpc>
@@ -4761,7 +5887,7 @@
           <a:cs typeface="+mn-cs"/>
         </a:defRPr>
       </a:lvl8pPr>
-      <a:lvl9pPr marL="3886200" indent="-228600" algn="l" defTabSz="914400" rtl="0" eaLnBrk="1" latinLnBrk="0" hangingPunct="1">
+      <a:lvl9pPr marL="3886200" indent="-228600" algn="r" defTabSz="914400" rtl="1" eaLnBrk="1" latinLnBrk="0" hangingPunct="1">
         <a:lnSpc>
           <a:spcPct val="90000"/>
         </a:lnSpc>
@@ -4784,7 +5910,7 @@
       <a:defPPr>
         <a:defRPr lang="en-US"/>
       </a:defPPr>
-      <a:lvl1pPr marL="0" algn="l" defTabSz="914400" rtl="0" eaLnBrk="1" latinLnBrk="0" hangingPunct="1">
+      <a:lvl1pPr marL="0" algn="r" defTabSz="914400" rtl="1" eaLnBrk="1" latinLnBrk="0" hangingPunct="1">
         <a:defRPr sz="1800" kern="1200">
           <a:solidFill>
             <a:schemeClr val="tx1"/>
@@ -4794,7 +5920,7 @@
           <a:cs typeface="+mn-cs"/>
         </a:defRPr>
       </a:lvl1pPr>
-      <a:lvl2pPr marL="457200" algn="l" defTabSz="914400" rtl="0" eaLnBrk="1" latinLnBrk="0" hangingPunct="1">
+      <a:lvl2pPr marL="457200" algn="r" defTabSz="914400" rtl="1" eaLnBrk="1" latinLnBrk="0" hangingPunct="1">
         <a:defRPr sz="1800" kern="1200">
           <a:solidFill>
             <a:schemeClr val="tx1"/>
@@ -4804,7 +5930,7 @@
           <a:cs typeface="+mn-cs"/>
         </a:defRPr>
       </a:lvl2pPr>
-      <a:lvl3pPr marL="914400" algn="l" defTabSz="914400" rtl="0" eaLnBrk="1" latinLnBrk="0" hangingPunct="1">
+      <a:lvl3pPr marL="914400" algn="r" defTabSz="914400" rtl="1" eaLnBrk="1" latinLnBrk="0" hangingPunct="1">
         <a:defRPr sz="1800" kern="1200">
           <a:solidFill>
             <a:schemeClr val="tx1"/>
@@ -4814,7 +5940,7 @@
           <a:cs typeface="+mn-cs"/>
         </a:defRPr>
       </a:lvl3pPr>
-      <a:lvl4pPr marL="1371600" algn="l" defTabSz="914400" rtl="0" eaLnBrk="1" latinLnBrk="0" hangingPunct="1">
+      <a:lvl4pPr marL="1371600" algn="r" defTabSz="914400" rtl="1" eaLnBrk="1" latinLnBrk="0" hangingPunct="1">
         <a:defRPr sz="1800" kern="1200">
           <a:solidFill>
             <a:schemeClr val="tx1"/>
@@ -4824,7 +5950,7 @@
           <a:cs typeface="+mn-cs"/>
         </a:defRPr>
       </a:lvl4pPr>
-      <a:lvl5pPr marL="1828800" algn="l" defTabSz="914400" rtl="0" eaLnBrk="1" latinLnBrk="0" hangingPunct="1">
+      <a:lvl5pPr marL="1828800" algn="r" defTabSz="914400" rtl="1" eaLnBrk="1" latinLnBrk="0" hangingPunct="1">
         <a:defRPr sz="1800" kern="1200">
           <a:solidFill>
             <a:schemeClr val="tx1"/>
@@ -4834,7 +5960,7 @@
           <a:cs typeface="+mn-cs"/>
         </a:defRPr>
       </a:lvl5pPr>
-      <a:lvl6pPr marL="2286000" algn="l" defTabSz="914400" rtl="0" eaLnBrk="1" latinLnBrk="0" hangingPunct="1">
+      <a:lvl6pPr marL="2286000" algn="r" defTabSz="914400" rtl="1" eaLnBrk="1" latinLnBrk="0" hangingPunct="1">
         <a:defRPr sz="1800" kern="1200">
           <a:solidFill>
             <a:schemeClr val="tx1"/>
@@ -4844,7 +5970,7 @@
           <a:cs typeface="+mn-cs"/>
         </a:defRPr>
       </a:lvl6pPr>
-      <a:lvl7pPr marL="2743200" algn="l" defTabSz="914400" rtl="0" eaLnBrk="1" latinLnBrk="0" hangingPunct="1">
+      <a:lvl7pPr marL="2743200" algn="r" defTabSz="914400" rtl="1" eaLnBrk="1" latinLnBrk="0" hangingPunct="1">
         <a:defRPr sz="1800" kern="1200">
           <a:solidFill>
             <a:schemeClr val="tx1"/>
@@ -4854,7 +5980,7 @@
           <a:cs typeface="+mn-cs"/>
         </a:defRPr>
       </a:lvl7pPr>
-      <a:lvl8pPr marL="3200400" algn="l" defTabSz="914400" rtl="0" eaLnBrk="1" latinLnBrk="0" hangingPunct="1">
+      <a:lvl8pPr marL="3200400" algn="r" defTabSz="914400" rtl="1" eaLnBrk="1" latinLnBrk="0" hangingPunct="1">
         <a:defRPr sz="1800" kern="1200">
           <a:solidFill>
             <a:schemeClr val="tx1"/>
@@ -4864,7 +5990,7 @@
           <a:cs typeface="+mn-cs"/>
         </a:defRPr>
       </a:lvl8pPr>
-      <a:lvl9pPr marL="3657600" algn="l" defTabSz="914400" rtl="0" eaLnBrk="1" latinLnBrk="0" hangingPunct="1">
+      <a:lvl9pPr marL="3657600" algn="r" defTabSz="914400" rtl="1" eaLnBrk="1" latinLnBrk="0" hangingPunct="1">
         <a:defRPr sz="1800" kern="1200">
           <a:solidFill>
             <a:schemeClr val="tx1"/>
@@ -4975,6 +6101,13 @@
       </p:transition>
     </mc:Fallback>
   </mc:AlternateContent>
+  <p:timing>
+    <p:tnLst>
+      <p:par>
+        <p:cTn id="1" dur="indefinite" restart="never" nodeType="tmRoot"/>
+      </p:par>
+    </p:tnLst>
+  </p:timing>
 </p:sld>
 </file>
 
@@ -5097,7 +6230,7 @@
           <p:cNvPr id="2" name="عنوان 1">
             <a:extLst>
               <a:ext uri="{FF2B5EF4-FFF2-40B4-BE49-F238E27FC236}">
-                <a16:creationId xmlns:a16="http://schemas.microsoft.com/office/drawing/2014/main" id="{FABE6D8F-611E-4C3A-BF03-368EA85E2E4C}"/>
+                <a16:creationId xmlns:a16="http://schemas.microsoft.com/office/drawing/2014/main" xmlns="" id="{FABE6D8F-611E-4C3A-BF03-368EA85E2E4C}"/>
               </a:ext>
             </a:extLst>
           </p:cNvPr>
@@ -5128,7 +6261,7 @@
           <p:cNvPr id="10" name="صورة 9">
             <a:extLst>
               <a:ext uri="{FF2B5EF4-FFF2-40B4-BE49-F238E27FC236}">
-                <a16:creationId xmlns:a16="http://schemas.microsoft.com/office/drawing/2014/main" id="{CDC21F2B-6FF8-4358-A469-D6EA8318A295}"/>
+                <a16:creationId xmlns:a16="http://schemas.microsoft.com/office/drawing/2014/main" xmlns="" id="{CDC21F2B-6FF8-4358-A469-D6EA8318A295}"/>
               </a:ext>
             </a:extLst>
           </p:cNvPr>
@@ -5145,7 +6278,7 @@
         </p:blipFill>
         <p:spPr>
           <a:xfrm>
-            <a:off x="1714500" y="2005171"/>
+            <a:off x="1402080" y="2025050"/>
             <a:ext cx="9387840" cy="3755136"/>
           </a:xfrm>
           <a:prstGeom prst="rect">
@@ -5175,6 +6308,13 @@
       </p:transition>
     </mc:Fallback>
   </mc:AlternateContent>
+  <p:timing>
+    <p:tnLst>
+      <p:par>
+        <p:cTn id="1" dur="indefinite" restart="never" nodeType="tmRoot"/>
+      </p:par>
+    </p:tnLst>
+  </p:timing>
 </p:sld>
 </file>
 
@@ -5200,7 +6340,7 @@
           <p:cNvPr id="2" name="عنوان 1">
             <a:extLst>
               <a:ext uri="{FF2B5EF4-FFF2-40B4-BE49-F238E27FC236}">
-                <a16:creationId xmlns:a16="http://schemas.microsoft.com/office/drawing/2014/main" id="{9453BCD2-7A68-48FC-AE50-605253AD70DE}"/>
+                <a16:creationId xmlns:a16="http://schemas.microsoft.com/office/drawing/2014/main" xmlns="" id="{9453BCD2-7A68-48FC-AE50-605253AD70DE}"/>
               </a:ext>
             </a:extLst>
           </p:cNvPr>
@@ -5233,6 +6373,36 @@
           </a:p>
         </p:txBody>
       </p:sp>
+      <p:pic>
+        <p:nvPicPr>
+          <p:cNvPr id="6" name="صورة 5"/>
+          <p:cNvPicPr>
+            <a:picLocks noChangeAspect="1"/>
+          </p:cNvPicPr>
+          <p:nvPr/>
+        </p:nvPicPr>
+        <p:blipFill>
+          <a:blip r:embed="rId3">
+            <a:extLst>
+              <a:ext uri="{28A0092B-C50C-407E-A947-70E740481C1C}">
+                <a14:useLocalDpi xmlns:a14="http://schemas.microsoft.com/office/drawing/2010/main" val="0"/>
+              </a:ext>
+            </a:extLst>
+          </a:blip>
+          <a:stretch>
+            <a:fillRect/>
+          </a:stretch>
+        </p:blipFill>
+        <p:spPr>
+          <a:xfrm>
+            <a:off x="1944756" y="1335157"/>
+            <a:ext cx="8302487" cy="5189054"/>
+          </a:xfrm>
+          <a:prstGeom prst="rect">
+            <a:avLst/>
+          </a:prstGeom>
+        </p:spPr>
+      </p:pic>
     </p:spTree>
     <p:extLst>
       <p:ext uri="{BB962C8B-B14F-4D97-AF65-F5344CB8AC3E}">
@@ -5255,6 +6425,229 @@
       </p:transition>
     </mc:Fallback>
   </mc:AlternateContent>
+  <p:timing>
+    <p:tnLst>
+      <p:par>
+        <p:cTn id="1" dur="indefinite" restart="never" nodeType="tmRoot"/>
+      </p:par>
+    </p:tnLst>
+  </p:timing>
+</p:sld>
+</file>
+
+<file path=ppt/slides/slide13.xml><?xml version="1.0" encoding="utf-8"?>
+<p:sld xmlns:a="http://schemas.openxmlformats.org/drawingml/2006/main" xmlns:r="http://schemas.openxmlformats.org/officeDocument/2006/relationships" xmlns:p="http://schemas.openxmlformats.org/presentationml/2006/main">
+  <p:cSld>
+    <p:spTree>
+      <p:nvGrpSpPr>
+        <p:cNvPr id="1" name=""/>
+        <p:cNvGrpSpPr/>
+        <p:nvPr/>
+      </p:nvGrpSpPr>
+      <p:grpSpPr>
+        <a:xfrm>
+          <a:off x="0" y="0"/>
+          <a:ext cx="0" cy="0"/>
+          <a:chOff x="0" y="0"/>
+          <a:chExt cx="0" cy="0"/>
+        </a:xfrm>
+      </p:grpSpPr>
+      <p:sp>
+        <p:nvSpPr>
+          <p:cNvPr id="2" name="عنوان 1">
+            <a:extLst>
+              <a:ext uri="{FF2B5EF4-FFF2-40B4-BE49-F238E27FC236}">
+                <a16:creationId xmlns:a16="http://schemas.microsoft.com/office/drawing/2014/main" xmlns="" id="{9453BCD2-7A68-48FC-AE50-605253AD70DE}"/>
+              </a:ext>
+            </a:extLst>
+          </p:cNvPr>
+          <p:cNvSpPr>
+            <a:spLocks noGrp="1"/>
+          </p:cNvSpPr>
+          <p:nvPr>
+            <p:ph type="title"/>
+          </p:nvPr>
+        </p:nvSpPr>
+        <p:spPr/>
+        <p:txBody>
+          <a:bodyPr>
+            <a:normAutofit/>
+          </a:bodyPr>
+          <a:lstStyle/>
+          <a:p>
+            <a:pPr algn="ctr"/>
+            <a:r>
+              <a:rPr lang="ar-SA" sz="4800" b="1" dirty="0">
+                <a:latin typeface="Simplified Arabic" panose="02020603050405020304" pitchFamily="18" charset="-78"/>
+                <a:cs typeface="Simplified Arabic" panose="02020603050405020304" pitchFamily="18" charset="-78"/>
+              </a:rPr>
+              <a:t>صفحات الويب </a:t>
+            </a:r>
+            <a:endParaRPr lang="en-US" sz="4800" b="1" dirty="0">
+              <a:latin typeface="Simplified Arabic" panose="02020603050405020304" pitchFamily="18" charset="-78"/>
+              <a:cs typeface="Simplified Arabic" panose="02020603050405020304" pitchFamily="18" charset="-78"/>
+            </a:endParaRPr>
+          </a:p>
+        </p:txBody>
+      </p:sp>
+      <p:pic>
+        <p:nvPicPr>
+          <p:cNvPr id="4" name="صورة 3"/>
+          <p:cNvPicPr>
+            <a:picLocks noChangeAspect="1"/>
+          </p:cNvPicPr>
+          <p:nvPr/>
+        </p:nvPicPr>
+        <p:blipFill>
+          <a:blip r:embed="rId3">
+            <a:extLst>
+              <a:ext uri="{28A0092B-C50C-407E-A947-70E740481C1C}">
+                <a14:useLocalDpi xmlns:a14="http://schemas.microsoft.com/office/drawing/2010/main" val="0"/>
+              </a:ext>
+            </a:extLst>
+          </a:blip>
+          <a:stretch>
+            <a:fillRect/>
+          </a:stretch>
+        </p:blipFill>
+        <p:spPr>
+          <a:xfrm>
+            <a:off x="1702904" y="1538081"/>
+            <a:ext cx="8786191" cy="4942232"/>
+          </a:xfrm>
+          <a:prstGeom prst="rect">
+            <a:avLst/>
+          </a:prstGeom>
+        </p:spPr>
+      </p:pic>
+    </p:spTree>
+    <p:extLst>
+      <p:ext uri="{BB962C8B-B14F-4D97-AF65-F5344CB8AC3E}">
+        <p14:creationId xmlns:p14="http://schemas.microsoft.com/office/powerpoint/2010/main" val="1934648162"/>
+      </p:ext>
+    </p:extLst>
+  </p:cSld>
+  <p:clrMapOvr>
+    <a:masterClrMapping/>
+  </p:clrMapOvr>
+  <mc:AlternateContent xmlns:mc="http://schemas.openxmlformats.org/markup-compatibility/2006">
+    <mc:Choice xmlns:p14="http://schemas.microsoft.com/office/powerpoint/2010/main" Requires="p14">
+      <p:transition spd="slow" p14:dur="1300">
+        <p14:pan dir="u"/>
+      </p:transition>
+    </mc:Choice>
+    <mc:Fallback>
+      <p:transition spd="slow">
+        <p:fade/>
+      </p:transition>
+    </mc:Fallback>
+  </mc:AlternateContent>
+  <p:timing>
+    <p:tnLst>
+      <p:par>
+        <p:cTn id="1" dur="indefinite" restart="never" nodeType="tmRoot"/>
+      </p:par>
+    </p:tnLst>
+  </p:timing>
+</p:sld>
+</file>
+
+<file path=ppt/slides/slide14.xml><?xml version="1.0" encoding="utf-8"?>
+<p:sld xmlns:a="http://schemas.openxmlformats.org/drawingml/2006/main" xmlns:r="http://schemas.openxmlformats.org/officeDocument/2006/relationships" xmlns:p="http://schemas.openxmlformats.org/presentationml/2006/main">
+  <p:cSld>
+    <p:spTree>
+      <p:nvGrpSpPr>
+        <p:cNvPr id="1" name=""/>
+        <p:cNvGrpSpPr/>
+        <p:nvPr/>
+      </p:nvGrpSpPr>
+      <p:grpSpPr>
+        <a:xfrm>
+          <a:off x="0" y="0"/>
+          <a:ext cx="0" cy="0"/>
+          <a:chOff x="0" y="0"/>
+          <a:chExt cx="0" cy="0"/>
+        </a:xfrm>
+      </p:grpSpPr>
+      <p:sp>
+        <p:nvSpPr>
+          <p:cNvPr id="2" name="عنوان 1"/>
+          <p:cNvSpPr>
+            <a:spLocks noGrp="1"/>
+          </p:cNvSpPr>
+          <p:nvPr>
+            <p:ph type="title"/>
+          </p:nvPr>
+        </p:nvSpPr>
+        <p:spPr/>
+        <p:txBody>
+          <a:bodyPr>
+            <a:normAutofit/>
+          </a:bodyPr>
+          <a:lstStyle/>
+          <a:p>
+            <a:pPr algn="ctr"/>
+            <a:r>
+              <a:rPr lang="en-US" sz="4800" b="1" dirty="0" smtClean="0"/>
+              <a:t>Front End</a:t>
+            </a:r>
+            <a:endParaRPr lang="ar-SY" sz="4800" b="1" dirty="0"/>
+          </a:p>
+        </p:txBody>
+      </p:sp>
+      <p:pic>
+        <p:nvPicPr>
+          <p:cNvPr id="5" name="صورة 4"/>
+          <p:cNvPicPr>
+            <a:picLocks noChangeAspect="1"/>
+          </p:cNvPicPr>
+          <p:nvPr/>
+        </p:nvPicPr>
+        <p:blipFill>
+          <a:blip r:embed="rId3"/>
+          <a:stretch>
+            <a:fillRect/>
+          </a:stretch>
+        </p:blipFill>
+        <p:spPr>
+          <a:xfrm>
+            <a:off x="2070652" y="1482350"/>
+            <a:ext cx="8050695" cy="5196745"/>
+          </a:xfrm>
+          <a:prstGeom prst="rect">
+            <a:avLst/>
+          </a:prstGeom>
+        </p:spPr>
+      </p:pic>
+    </p:spTree>
+    <p:extLst>
+      <p:ext uri="{BB962C8B-B14F-4D97-AF65-F5344CB8AC3E}">
+        <p14:creationId xmlns:p14="http://schemas.microsoft.com/office/powerpoint/2010/main" val="1548492451"/>
+      </p:ext>
+    </p:extLst>
+  </p:cSld>
+  <p:clrMapOvr>
+    <a:masterClrMapping/>
+  </p:clrMapOvr>
+  <mc:AlternateContent xmlns:mc="http://schemas.openxmlformats.org/markup-compatibility/2006">
+    <mc:Choice xmlns:p14="http://schemas.microsoft.com/office/powerpoint/2010/main" Requires="p14">
+      <p:transition spd="slow" p14:dur="1300">
+        <p14:pan dir="u"/>
+      </p:transition>
+    </mc:Choice>
+    <mc:Fallback>
+      <p:transition spd="slow">
+        <p:fade/>
+      </p:transition>
+    </mc:Fallback>
+  </mc:AlternateContent>
+  <p:timing>
+    <p:tnLst>
+      <p:par>
+        <p:cTn id="1" dur="indefinite" restart="never" nodeType="tmRoot"/>
+      </p:par>
+    </p:tnLst>
+  </p:timing>
 </p:sld>
 </file>
 
@@ -5391,6 +6784,13 @@
       </p:transition>
     </mc:Fallback>
   </mc:AlternateContent>
+  <p:timing>
+    <p:tnLst>
+      <p:par>
+        <p:cTn id="1" dur="indefinite" restart="never" nodeType="tmRoot"/>
+      </p:par>
+    </p:tnLst>
+  </p:timing>
 </p:sld>
 </file>
 
@@ -5440,7 +6840,7 @@
                 <a:gridCol w="5257800">
                   <a:extLst>
                     <a:ext uri="{9D8B030D-6E8A-4147-A177-3AD203B41FA5}">
-                      <a16:colId xmlns:a16="http://schemas.microsoft.com/office/drawing/2014/main" val="20000"/>
+                      <a16:colId xmlns:a16="http://schemas.microsoft.com/office/drawing/2014/main" xmlns="" val="20000"/>
                     </a:ext>
                   </a:extLst>
                 </a:gridCol>
@@ -5467,7 +6867,7 @@
                 </a:tc>
                 <a:extLst>
                   <a:ext uri="{0D108BD9-81ED-4DB2-BD59-A6C34878D82A}">
-                    <a16:rowId xmlns:a16="http://schemas.microsoft.com/office/drawing/2014/main" val="10000"/>
+                    <a16:rowId xmlns:a16="http://schemas.microsoft.com/office/drawing/2014/main" xmlns="" val="10000"/>
                   </a:ext>
                 </a:extLst>
               </a:tr>
@@ -5488,7 +6888,7 @@
                 </a:tc>
                 <a:extLst>
                   <a:ext uri="{0D108BD9-81ED-4DB2-BD59-A6C34878D82A}">
-                    <a16:rowId xmlns:a16="http://schemas.microsoft.com/office/drawing/2014/main" val="10001"/>
+                    <a16:rowId xmlns:a16="http://schemas.microsoft.com/office/drawing/2014/main" xmlns="" val="10001"/>
                   </a:ext>
                 </a:extLst>
               </a:tr>
@@ -5534,7 +6934,7 @@
                 </a:tc>
                 <a:extLst>
                   <a:ext uri="{0D108BD9-81ED-4DB2-BD59-A6C34878D82A}">
-                    <a16:rowId xmlns:a16="http://schemas.microsoft.com/office/drawing/2014/main" val="10002"/>
+                    <a16:rowId xmlns:a16="http://schemas.microsoft.com/office/drawing/2014/main" xmlns="" val="10002"/>
                   </a:ext>
                 </a:extLst>
               </a:tr>
@@ -5635,7 +7035,7 @@
                 <a:gridCol w="5257800">
                   <a:extLst>
                     <a:ext uri="{9D8B030D-6E8A-4147-A177-3AD203B41FA5}">
-                      <a16:colId xmlns:a16="http://schemas.microsoft.com/office/drawing/2014/main" val="20000"/>
+                      <a16:colId xmlns:a16="http://schemas.microsoft.com/office/drawing/2014/main" xmlns="" val="20000"/>
                     </a:ext>
                   </a:extLst>
                 </a:gridCol>
@@ -5662,7 +7062,7 @@
                 </a:tc>
                 <a:extLst>
                   <a:ext uri="{0D108BD9-81ED-4DB2-BD59-A6C34878D82A}">
-                    <a16:rowId xmlns:a16="http://schemas.microsoft.com/office/drawing/2014/main" val="10000"/>
+                    <a16:rowId xmlns:a16="http://schemas.microsoft.com/office/drawing/2014/main" xmlns="" val="10000"/>
                   </a:ext>
                 </a:extLst>
               </a:tr>
@@ -5688,7 +7088,7 @@
                 </a:tc>
                 <a:extLst>
                   <a:ext uri="{0D108BD9-81ED-4DB2-BD59-A6C34878D82A}">
-                    <a16:rowId xmlns:a16="http://schemas.microsoft.com/office/drawing/2014/main" val="10001"/>
+                    <a16:rowId xmlns:a16="http://schemas.microsoft.com/office/drawing/2014/main" xmlns="" val="10001"/>
                   </a:ext>
                 </a:extLst>
               </a:tr>
@@ -5729,7 +7129,7 @@
                 </a:tc>
                 <a:extLst>
                   <a:ext uri="{0D108BD9-81ED-4DB2-BD59-A6C34878D82A}">
-                    <a16:rowId xmlns:a16="http://schemas.microsoft.com/office/drawing/2014/main" val="10002"/>
+                    <a16:rowId xmlns:a16="http://schemas.microsoft.com/office/drawing/2014/main" xmlns="" val="10002"/>
                   </a:ext>
                 </a:extLst>
               </a:tr>
@@ -5759,6 +7159,13 @@
       </p:transition>
     </mc:Fallback>
   </mc:AlternateContent>
+  <p:timing>
+    <p:tnLst>
+      <p:par>
+        <p:cTn id="1" dur="indefinite" restart="never" nodeType="tmRoot"/>
+      </p:par>
+    </p:tnLst>
+  </p:timing>
 </p:sld>
 </file>
 
@@ -5881,6 +7288,13 @@
       </p:transition>
     </mc:Fallback>
   </mc:AlternateContent>
+  <p:timing>
+    <p:tnLst>
+      <p:par>
+        <p:cTn id="1" dur="indefinite" restart="never" nodeType="tmRoot"/>
+      </p:par>
+    </p:tnLst>
+  </p:timing>
 </p:sld>
 </file>
 
@@ -5975,6 +7389,13 @@
       </p:transition>
     </mc:Fallback>
   </mc:AlternateContent>
+  <p:timing>
+    <p:tnLst>
+      <p:par>
+        <p:cTn id="1" dur="indefinite" restart="never" nodeType="tmRoot"/>
+      </p:par>
+    </p:tnLst>
+  </p:timing>
 </p:sld>
 </file>
 
@@ -6030,7 +7451,7 @@
           <p:nvPr/>
         </p:nvPicPr>
         <p:blipFill>
-          <a:blip r:embed="rId2"/>
+          <a:blip r:embed="rId3"/>
           <a:stretch>
             <a:fillRect/>
           </a:stretch>
@@ -6067,6 +7488,13 @@
       </p:transition>
     </mc:Fallback>
   </mc:AlternateContent>
+  <p:timing>
+    <p:tnLst>
+      <p:par>
+        <p:cTn id="1" dur="indefinite" restart="never" nodeType="tmRoot"/>
+      </p:par>
+    </p:tnLst>
+  </p:timing>
 </p:sld>
 </file>
 
@@ -6127,7 +7555,7 @@
           <p:nvPr/>
         </p:nvPicPr>
         <p:blipFill>
-          <a:blip r:embed="rId2"/>
+          <a:blip r:embed="rId3"/>
           <a:stretch>
             <a:fillRect/>
           </a:stretch>
@@ -6164,6 +7592,13 @@
       </p:transition>
     </mc:Fallback>
   </mc:AlternateContent>
+  <p:timing>
+    <p:tnLst>
+      <p:par>
+        <p:cTn id="1" dur="indefinite" restart="never" nodeType="tmRoot"/>
+      </p:par>
+    </p:tnLst>
+  </p:timing>
 </p:sld>
 </file>
 
@@ -6219,7 +7654,7 @@
           <p:nvPr/>
         </p:nvPicPr>
         <p:blipFill>
-          <a:blip r:embed="rId2"/>
+          <a:blip r:embed="rId3"/>
           <a:stretch>
             <a:fillRect/>
           </a:stretch>
@@ -6373,7 +7808,7 @@
         <a:srgbClr val="E7E6E6"/>
       </a:lt2>
       <a:accent1>
-        <a:srgbClr val="4472C4"/>
+        <a:srgbClr val="5B9BD5"/>
       </a:accent1>
       <a:accent2>
         <a:srgbClr val="ED7D31"/>
@@ -6385,7 +7820,7 @@
         <a:srgbClr val="FFC000"/>
       </a:accent4>
       <a:accent5>
-        <a:srgbClr val="5B9BD5"/>
+        <a:srgbClr val="4472C4"/>
       </a:accent5>
       <a:accent6>
         <a:srgbClr val="70AD47"/>
@@ -6402,9 +7837,9 @@
         <a:latin typeface="Calibri Light" panose="020F0302020204030204"/>
         <a:ea typeface=""/>
         <a:cs typeface=""/>
-        <a:font script="Jpan" typeface="游ゴシック Light"/>
+        <a:font script="Jpan" typeface="ＭＳ Ｐゴシック"/>
         <a:font script="Hang" typeface="맑은 고딕"/>
-        <a:font script="Hans" typeface="等线 Light"/>
+        <a:font script="Hans" typeface="宋体"/>
         <a:font script="Hant" typeface="新細明體"/>
         <a:font script="Arab" typeface="Times New Roman"/>
         <a:font script="Hebr" typeface="Times New Roman"/>
@@ -6437,9 +7872,9 @@
         <a:latin typeface="Calibri" panose="020F0502020204030204"/>
         <a:ea typeface=""/>
         <a:cs typeface=""/>
-        <a:font script="Jpan" typeface="游ゴシック"/>
+        <a:font script="Jpan" typeface="ＭＳ Ｐゴシック"/>
         <a:font script="Hang" typeface="맑은 고딕"/>
-        <a:font script="Hans" typeface="等线"/>
+        <a:font script="Hans" typeface="宋体"/>
         <a:font script="Hant" typeface="新細明體"/>
         <a:font script="Arab" typeface="Arial"/>
         <a:font script="Hebr" typeface="Arial"/>

--- a/web.pptx
+++ b/web.pptx
@@ -5,7 +5,7 @@
     <p:sldMasterId id="2147483840" r:id="rId1"/>
   </p:sldMasterIdLst>
   <p:notesMasterIdLst>
-    <p:notesMasterId r:id="rId16"/>
+    <p:notesMasterId r:id="rId17"/>
   </p:notesMasterIdLst>
   <p:sldIdLst>
     <p:sldId id="256" r:id="rId2"/>
@@ -22,6 +22,7 @@
     <p:sldId id="267" r:id="rId13"/>
     <p:sldId id="268" r:id="rId14"/>
     <p:sldId id="269" r:id="rId15"/>
+    <p:sldId id="270" r:id="rId16"/>
   </p:sldIdLst>
   <p:sldSz cx="12192000" cy="6858000"/>
   <p:notesSz cx="6858000" cy="9144000"/>
@@ -210,7 +211,7 @@
           <a:p>
             <a:fld id="{0A1A1DAE-EBF7-412C-A29B-AC6DBC49921F}" type="datetimeFigureOut">
               <a:rPr lang="ar-SY" smtClean="0"/>
-              <a:t>02/02/1442</a:t>
+              <a:t>03/02/1442</a:t>
             </a:fld>
             <a:endParaRPr lang="ar-SY"/>
           </a:p>
@@ -706,26 +707,26 @@
               <a:t> </a:t>
             </a:r>
             <a:r>
-              <a:rPr lang="ar-SY" dirty="0" smtClean="0"/>
+              <a:rPr lang="ar-SY" dirty="0"/>
               <a:t>يوجد</a:t>
             </a:r>
             <a:r>
-              <a:rPr lang="ar-SY" baseline="0" dirty="0" smtClean="0"/>
+              <a:rPr lang="ar-SY" baseline="0" dirty="0"/>
               <a:t> العديد من أنواع </a:t>
             </a:r>
             <a:r>
-              <a:rPr lang="ar-SY" baseline="0" dirty="0" err="1" smtClean="0"/>
+              <a:rPr lang="ar-SY" baseline="0" dirty="0" err="1"/>
               <a:t>المخدمات</a:t>
             </a:r>
             <a:r>
-              <a:rPr lang="ar-SY" baseline="0" dirty="0" smtClean="0"/>
+              <a:rPr lang="ar-SY" baseline="0" dirty="0"/>
               <a:t> و أشهرها </a:t>
             </a:r>
-            <a:endParaRPr lang="en-US" dirty="0" smtClean="0"/>
-          </a:p>
-          <a:p>
-            <a:r>
-              <a:rPr lang="ar-SA" b="1" dirty="0" smtClean="0"/>
+            <a:endParaRPr lang="en-US" dirty="0"/>
+          </a:p>
+          <a:p>
+            <a:r>
+              <a:rPr lang="ar-SA" b="1" dirty="0"/>
               <a:t>المخدم </a:t>
             </a:r>
             <a:r>
@@ -799,39 +800,35 @@
             </a:r>
             <a:r>
               <a:rPr lang="en-US" dirty="0"/>
-              <a:t>Apache</a:t>
-            </a:r>
-            <a:r>
-              <a:rPr lang="en-US" dirty="0" smtClean="0"/>
-              <a:t>.</a:t>
-            </a:r>
-            <a:endParaRPr lang="ar-SY" dirty="0" smtClean="0"/>
-          </a:p>
-          <a:p>
-            <a:endParaRPr lang="ar-SY" dirty="0" smtClean="0"/>
-          </a:p>
-          <a:p>
-            <a:endParaRPr lang="ar-SY" dirty="0" smtClean="0"/>
-          </a:p>
-          <a:p>
-            <a:r>
-              <a:rPr lang="ar-SY" b="1" dirty="0" smtClean="0"/>
+              <a:t>Apache.</a:t>
+            </a:r>
+            <a:endParaRPr lang="ar-SY" dirty="0"/>
+          </a:p>
+          <a:p>
+            <a:endParaRPr lang="ar-SY" dirty="0"/>
+          </a:p>
+          <a:p>
+            <a:endParaRPr lang="ar-SY" dirty="0"/>
+          </a:p>
+          <a:p>
+            <a:r>
+              <a:rPr lang="ar-SY" b="1" dirty="0"/>
               <a:t>مخدم = خادم =</a:t>
             </a:r>
             <a:r>
-              <a:rPr lang="ar-SY" b="1" baseline="0" dirty="0" smtClean="0"/>
+              <a:rPr lang="ar-SY" b="1" baseline="0" dirty="0"/>
               <a:t> سيرفر </a:t>
             </a:r>
             <a:r>
-              <a:rPr lang="en-US" b="1" baseline="0" dirty="0" smtClean="0"/>
+              <a:rPr lang="en-US" b="1" baseline="0" dirty="0"/>
               <a:t>=</a:t>
             </a:r>
             <a:r>
-              <a:rPr lang="ar-SY" b="1" baseline="0" dirty="0" smtClean="0"/>
+              <a:rPr lang="ar-SY" b="1" baseline="0" dirty="0"/>
               <a:t> </a:t>
             </a:r>
             <a:r>
-              <a:rPr lang="en-US" b="1" baseline="0" dirty="0" smtClean="0"/>
+              <a:rPr lang="en-US" b="1" baseline="0" dirty="0"/>
               <a:t>server</a:t>
             </a:r>
             <a:endParaRPr lang="en-US" b="1" dirty="0"/>
@@ -919,34 +916,34 @@
           <a:lstStyle/>
           <a:p>
             <a:r>
-              <a:rPr lang="ar-SY" dirty="0" smtClean="0"/>
+              <a:rPr lang="ar-SY" dirty="0"/>
               <a:t>اذا بناء</a:t>
             </a:r>
             <a:r>
-              <a:rPr lang="ar-SY" baseline="0" dirty="0" smtClean="0"/>
+              <a:rPr lang="ar-SY" baseline="0" dirty="0"/>
               <a:t> موقع ويب يحتاج وجود طرفين و هما </a:t>
             </a:r>
             <a:r>
-              <a:rPr lang="en-US" baseline="0" dirty="0" smtClean="0"/>
+              <a:rPr lang="en-US" baseline="0" dirty="0"/>
               <a:t>client – server </a:t>
             </a:r>
-            <a:endParaRPr lang="ar-SY" baseline="0" dirty="0" smtClean="0"/>
-          </a:p>
-          <a:p>
-            <a:r>
-              <a:rPr lang="ar-SY" baseline="0" dirty="0" smtClean="0"/>
+            <a:endParaRPr lang="ar-SY" baseline="0" dirty="0"/>
+          </a:p>
+          <a:p>
+            <a:r>
+              <a:rPr lang="ar-SY" baseline="0" dirty="0"/>
               <a:t>ولكل منهم ادواته الخاصة  </a:t>
             </a:r>
           </a:p>
           <a:p>
             <a:r>
-              <a:rPr lang="ar-SY" baseline="0" dirty="0" smtClean="0"/>
+              <a:rPr lang="ar-SY" baseline="0" dirty="0"/>
               <a:t>حيث يتم تحزين كل الملفات الخاصة بالموقع في السيرفر ليتم ارسالها للزون عند طلبها </a:t>
             </a:r>
           </a:p>
           <a:p>
             <a:r>
-              <a:rPr lang="ar-SY" baseline="0" dirty="0" smtClean="0"/>
+              <a:rPr lang="ar-SY" baseline="0" dirty="0"/>
               <a:t>و عند استلامها من قبل الزون يقوم المتصفح الخاص به بعملية عرض للمعلومات </a:t>
             </a:r>
             <a:endParaRPr lang="ar-SY" dirty="0"/>
@@ -1034,25 +1031,25 @@
           <a:lstStyle/>
           <a:p>
             <a:r>
-              <a:rPr lang="ar-SY" dirty="0" smtClean="0"/>
+              <a:rPr lang="ar-SY" dirty="0"/>
               <a:t>في</a:t>
             </a:r>
             <a:r>
-              <a:rPr lang="ar-SY" baseline="0" dirty="0" smtClean="0"/>
+              <a:rPr lang="ar-SY" baseline="0" dirty="0"/>
               <a:t> السيرفر تستخدم لغات برمجة للمعالجة المنطقية للداتا من أجل الحصول على معلومات مفيدة لعرضها للمستخدم </a:t>
             </a:r>
           </a:p>
           <a:p>
             <a:r>
-              <a:rPr lang="ar-SY" baseline="0" dirty="0" smtClean="0"/>
+              <a:rPr lang="ar-SY" baseline="0" dirty="0"/>
               <a:t>أما بالنسبة للزبون فيكون بحاجة إلى وجود المتصفح الذي يقوم بعملية </a:t>
             </a:r>
             <a:r>
-              <a:rPr lang="ar-SY" baseline="0" dirty="0" err="1" smtClean="0"/>
+              <a:rPr lang="ar-SY" baseline="0" dirty="0" err="1"/>
               <a:t>الرندر</a:t>
             </a:r>
             <a:r>
-              <a:rPr lang="ar-SY" baseline="0" dirty="0" smtClean="0"/>
+              <a:rPr lang="ar-SY" baseline="0" dirty="0"/>
               <a:t> «عرض» للمكونات الموجود في صفحة الويب المرسلة من قبل المخدم</a:t>
             </a:r>
             <a:endParaRPr lang="ar-SY" dirty="0"/>
@@ -1139,6 +1136,348 @@
           <a:bodyPr/>
           <a:lstStyle/>
           <a:p>
+            <a:r>
+              <a:rPr lang="ar-SA" dirty="0"/>
+              <a:t>الأدوات الأساسية من اجل بناء صفحة ويب :</a:t>
+            </a:r>
+          </a:p>
+          <a:p>
+            <a:r>
+              <a:rPr lang="en-US" dirty="0"/>
+              <a:t>(</a:t>
+            </a:r>
+            <a:r>
+              <a:rPr lang="en-US" b="1" dirty="0"/>
+              <a:t>HTML</a:t>
+            </a:r>
+            <a:r>
+              <a:rPr lang="en-US" dirty="0"/>
+              <a:t>) </a:t>
+            </a:r>
+            <a:r>
+              <a:rPr lang="ar-SA" dirty="0"/>
+              <a:t>: </a:t>
+            </a:r>
+            <a:r>
+              <a:rPr lang="en-US" b="1" i="0" dirty="0" err="1">
+                <a:solidFill>
+                  <a:srgbClr val="333333"/>
+                </a:solidFill>
+                <a:effectLst/>
+                <a:latin typeface="Arial" panose="020B0604020202020204" pitchFamily="34" charset="0"/>
+              </a:rPr>
+              <a:t>HyperText</a:t>
+            </a:r>
+            <a:r>
+              <a:rPr lang="en-US" b="1" i="0" dirty="0">
+                <a:solidFill>
+                  <a:srgbClr val="333333"/>
+                </a:solidFill>
+                <a:effectLst/>
+                <a:latin typeface="Arial" panose="020B0604020202020204" pitchFamily="34" charset="0"/>
+              </a:rPr>
+              <a:t> Markup Language</a:t>
+            </a:r>
+            <a:r>
+              <a:rPr lang="ar-SA" b="1" i="0" dirty="0">
+                <a:solidFill>
+                  <a:srgbClr val="333333"/>
+                </a:solidFill>
+                <a:effectLst/>
+                <a:latin typeface="Arial" panose="020B0604020202020204" pitchFamily="34" charset="0"/>
+              </a:rPr>
+              <a:t> </a:t>
+            </a:r>
+            <a:r>
+              <a:rPr lang="ar-SA" b="0" i="0" dirty="0">
+                <a:solidFill>
+                  <a:srgbClr val="333333"/>
+                </a:solidFill>
+                <a:effectLst/>
+                <a:latin typeface="Arial" panose="020B0604020202020204" pitchFamily="34" charset="0"/>
+              </a:rPr>
+              <a:t>:تستخدم من أجل بناء عناصر صفحة الويب بشكل مجرد </a:t>
+            </a:r>
+          </a:p>
+          <a:p>
+            <a:pPr algn="l"/>
+            <a:r>
+              <a:rPr lang="en-US" b="0" i="0" dirty="0">
+                <a:solidFill>
+                  <a:srgbClr val="333333"/>
+                </a:solidFill>
+                <a:effectLst/>
+                <a:latin typeface="Arial" panose="020B0604020202020204" pitchFamily="34" charset="0"/>
+              </a:rPr>
+              <a:t>"</a:t>
+            </a:r>
+            <a:r>
+              <a:rPr lang="en-US" b="1" i="0" dirty="0">
+                <a:solidFill>
+                  <a:srgbClr val="333333"/>
+                </a:solidFill>
+                <a:effectLst/>
+                <a:latin typeface="Arial" panose="020B0604020202020204" pitchFamily="34" charset="0"/>
+              </a:rPr>
+              <a:t>Hypertext</a:t>
+            </a:r>
+            <a:r>
+              <a:rPr lang="en-US" b="0" i="0" dirty="0">
+                <a:solidFill>
+                  <a:srgbClr val="333333"/>
+                </a:solidFill>
+                <a:effectLst/>
+                <a:latin typeface="Arial" panose="020B0604020202020204" pitchFamily="34" charset="0"/>
+              </a:rPr>
+              <a:t>" refers to links that connect web pages to one another, either within a single website or between websites</a:t>
+            </a:r>
+            <a:endParaRPr lang="ar-SA" b="0" i="0" dirty="0">
+              <a:solidFill>
+                <a:srgbClr val="333333"/>
+              </a:solidFill>
+              <a:effectLst/>
+              <a:latin typeface="Arial" panose="020B0604020202020204" pitchFamily="34" charset="0"/>
+            </a:endParaRPr>
+          </a:p>
+          <a:p>
+            <a:pPr algn="l"/>
+            <a:r>
+              <a:rPr lang="en-US" b="0" i="0" dirty="0">
+                <a:solidFill>
+                  <a:srgbClr val="333333"/>
+                </a:solidFill>
+                <a:effectLst/>
+                <a:latin typeface="Arial" panose="020B0604020202020204" pitchFamily="34" charset="0"/>
+              </a:rPr>
+              <a:t>HTML uses "</a:t>
+            </a:r>
+            <a:r>
+              <a:rPr lang="en-US" b="1" i="0" dirty="0">
+                <a:solidFill>
+                  <a:srgbClr val="333333"/>
+                </a:solidFill>
+                <a:effectLst/>
+                <a:latin typeface="Arial" panose="020B0604020202020204" pitchFamily="34" charset="0"/>
+              </a:rPr>
+              <a:t>markup</a:t>
+            </a:r>
+            <a:r>
+              <a:rPr lang="en-US" b="0" i="0" dirty="0">
+                <a:solidFill>
+                  <a:srgbClr val="333333"/>
+                </a:solidFill>
+                <a:effectLst/>
+                <a:latin typeface="Arial" panose="020B0604020202020204" pitchFamily="34" charset="0"/>
+              </a:rPr>
+              <a:t>" to annotate text, images, and other content for display in a Web browser.</a:t>
+            </a:r>
+            <a:endParaRPr lang="ar-SA" b="0" i="0" dirty="0">
+              <a:solidFill>
+                <a:srgbClr val="333333"/>
+              </a:solidFill>
+              <a:effectLst/>
+              <a:latin typeface="Arial" panose="020B0604020202020204" pitchFamily="34" charset="0"/>
+            </a:endParaRPr>
+          </a:p>
+          <a:p>
+            <a:pPr algn="l"/>
+            <a:r>
+              <a:rPr lang="en-US" b="0" i="0" dirty="0">
+                <a:solidFill>
+                  <a:srgbClr val="333333"/>
+                </a:solidFill>
+                <a:effectLst/>
+                <a:latin typeface="Arial" panose="020B0604020202020204" pitchFamily="34" charset="0"/>
+              </a:rPr>
+              <a:t>HTML markup includes special "elements" such as </a:t>
+            </a:r>
+            <a:r>
+              <a:rPr lang="en-US" b="0" i="0" u="none" strike="noStrike" dirty="0">
+                <a:solidFill>
+                  <a:srgbClr val="3D7E9A"/>
+                </a:solidFill>
+                <a:effectLst/>
+                <a:latin typeface="Arial" panose="020B0604020202020204" pitchFamily="34" charset="0"/>
+                <a:hlinkClick r:id="rId3" tooltip="The HTML &lt;head&gt; element contains machine-readable information (metadata) about the document, like its title, scripts, and style sheets."/>
+              </a:rPr>
+              <a:t>&lt;head&gt;</a:t>
+            </a:r>
+            <a:r>
+              <a:rPr lang="en-US" b="0" i="0" dirty="0">
+                <a:solidFill>
+                  <a:srgbClr val="333333"/>
+                </a:solidFill>
+                <a:effectLst/>
+                <a:latin typeface="Arial" panose="020B0604020202020204" pitchFamily="34" charset="0"/>
+              </a:rPr>
+              <a:t>, </a:t>
+            </a:r>
+            <a:r>
+              <a:rPr lang="en-US" b="0" i="0" u="none" strike="noStrike" dirty="0">
+                <a:solidFill>
+                  <a:srgbClr val="3D7E9A"/>
+                </a:solidFill>
+                <a:effectLst/>
+                <a:latin typeface="Arial" panose="020B0604020202020204" pitchFamily="34" charset="0"/>
+                <a:hlinkClick r:id="rId4" tooltip="The HTML Title element (&lt;title&gt;) defines the document's title that is shown in a browser's title bar or a page's tab."/>
+              </a:rPr>
+              <a:t>&lt;title&gt;</a:t>
+            </a:r>
+            <a:r>
+              <a:rPr lang="en-US" b="0" i="0" dirty="0">
+                <a:solidFill>
+                  <a:srgbClr val="333333"/>
+                </a:solidFill>
+                <a:effectLst/>
+                <a:latin typeface="Arial" panose="020B0604020202020204" pitchFamily="34" charset="0"/>
+              </a:rPr>
+              <a:t>, </a:t>
+            </a:r>
+            <a:r>
+              <a:rPr lang="en-US" b="0" i="0" u="none" strike="noStrike" dirty="0">
+                <a:solidFill>
+                  <a:srgbClr val="3D7E9A"/>
+                </a:solidFill>
+                <a:effectLst/>
+                <a:latin typeface="Arial" panose="020B0604020202020204" pitchFamily="34" charset="0"/>
+                <a:hlinkClick r:id="rId5" tooltip="The HTML &lt;body&gt; Element represents the content of an HTML document. There can be only one &lt;body&gt; element in a document."/>
+              </a:rPr>
+              <a:t>&lt;body&gt;</a:t>
+            </a:r>
+            <a:r>
+              <a:rPr lang="en-US" b="0" i="0" dirty="0">
+                <a:solidFill>
+                  <a:srgbClr val="333333"/>
+                </a:solidFill>
+                <a:effectLst/>
+                <a:latin typeface="Arial" panose="020B0604020202020204" pitchFamily="34" charset="0"/>
+              </a:rPr>
+              <a:t>, </a:t>
+            </a:r>
+            <a:r>
+              <a:rPr lang="en-US" b="0" i="0" u="none" strike="noStrike" dirty="0">
+                <a:solidFill>
+                  <a:srgbClr val="3D7E9A"/>
+                </a:solidFill>
+                <a:effectLst/>
+                <a:latin typeface="Arial" panose="020B0604020202020204" pitchFamily="34" charset="0"/>
+                <a:hlinkClick r:id="rId6" tooltip="The HTML &lt;header&gt; element represents introductory content, typically a group of introductory or navigational aids. It may contain some heading elements but also a logo, a search form, an author name, and other elements."/>
+              </a:rPr>
+              <a:t>&lt;header&gt;</a:t>
+            </a:r>
+            <a:r>
+              <a:rPr lang="en-US" b="0" i="0" dirty="0">
+                <a:solidFill>
+                  <a:srgbClr val="333333"/>
+                </a:solidFill>
+                <a:effectLst/>
+                <a:latin typeface="Arial" panose="020B0604020202020204" pitchFamily="34" charset="0"/>
+              </a:rPr>
+              <a:t>,……</a:t>
+            </a:r>
+          </a:p>
+          <a:p>
+            <a:r>
+              <a:rPr lang="en-US" b="1" i="0" dirty="0">
+                <a:solidFill>
+                  <a:srgbClr val="000000"/>
+                </a:solidFill>
+                <a:effectLst/>
+                <a:latin typeface="Verdana" panose="020B0604030504040204" pitchFamily="34" charset="0"/>
+              </a:rPr>
+              <a:t>Cascading Style Sheets (CSS</a:t>
+            </a:r>
+            <a:r>
+              <a:rPr lang="en-US" b="1" i="0" dirty="0">
+                <a:solidFill>
+                  <a:srgbClr val="333333"/>
+                </a:solidFill>
+                <a:effectLst/>
+                <a:latin typeface="Arial" panose="020B0604020202020204" pitchFamily="34" charset="0"/>
+              </a:rPr>
+              <a:t>)</a:t>
+            </a:r>
+            <a:r>
+              <a:rPr lang="ar-SA" b="1" i="0" dirty="0">
+                <a:solidFill>
+                  <a:srgbClr val="333333"/>
+                </a:solidFill>
+                <a:effectLst/>
+                <a:latin typeface="Arial" panose="020B0604020202020204" pitchFamily="34" charset="0"/>
+              </a:rPr>
+              <a:t> </a:t>
+            </a:r>
+            <a:r>
+              <a:rPr lang="ar-SA" b="0" i="0" dirty="0">
+                <a:solidFill>
+                  <a:srgbClr val="333333"/>
+                </a:solidFill>
+                <a:effectLst/>
+                <a:latin typeface="Arial" panose="020B0604020202020204" pitchFamily="34" charset="0"/>
+              </a:rPr>
+              <a:t>: تستخدم للتحكم و تعديل خصائص العناصر المتعلقة بالمظهر مثل اللون و الخط و الحجم ....</a:t>
+            </a:r>
+            <a:endParaRPr lang="en-US" b="0" i="0" dirty="0">
+              <a:solidFill>
+                <a:srgbClr val="333333"/>
+              </a:solidFill>
+              <a:effectLst/>
+              <a:latin typeface="Arial" panose="020B0604020202020204" pitchFamily="34" charset="0"/>
+            </a:endParaRPr>
+          </a:p>
+          <a:p>
+            <a:r>
+              <a:rPr lang="ar-SA" b="0" i="0" dirty="0">
+                <a:solidFill>
+                  <a:srgbClr val="333333"/>
+                </a:solidFill>
+                <a:effectLst/>
+                <a:latin typeface="Arial" panose="020B0604020202020204" pitchFamily="34" charset="0"/>
+              </a:rPr>
+              <a:t>سمي بأسلوب الصفحات المتتالية </a:t>
+            </a:r>
+            <a:r>
+              <a:rPr lang="ar-SA" b="0" i="0" dirty="0" err="1">
+                <a:solidFill>
+                  <a:srgbClr val="333333"/>
+                </a:solidFill>
+                <a:effectLst/>
+                <a:latin typeface="Arial" panose="020B0604020202020204" pitchFamily="34" charset="0"/>
+              </a:rPr>
+              <a:t>لانه</a:t>
+            </a:r>
+            <a:r>
+              <a:rPr lang="ar-SA" b="0" i="0" dirty="0">
+                <a:solidFill>
+                  <a:srgbClr val="333333"/>
+                </a:solidFill>
+                <a:effectLst/>
+                <a:latin typeface="Arial" panose="020B0604020202020204" pitchFamily="34" charset="0"/>
+              </a:rPr>
+              <a:t> يعرف  على 3 مستويات متدرجة يهيمن المستوى الأدنى على المستوى الأعلى  </a:t>
+            </a:r>
+          </a:p>
+          <a:p>
+            <a:r>
+              <a:rPr lang="en-US" b="1" i="0" dirty="0">
+                <a:solidFill>
+                  <a:srgbClr val="333333"/>
+                </a:solidFill>
+                <a:effectLst/>
+                <a:latin typeface="Arial" panose="020B0604020202020204" pitchFamily="34" charset="0"/>
+              </a:rPr>
+              <a:t>(JS) JavaScript  </a:t>
+            </a:r>
+            <a:r>
+              <a:rPr lang="ar-SA" b="0" i="0" dirty="0">
+                <a:solidFill>
+                  <a:srgbClr val="333333"/>
+                </a:solidFill>
+                <a:effectLst/>
+                <a:latin typeface="Arial" panose="020B0604020202020204" pitchFamily="34" charset="0"/>
+              </a:rPr>
+              <a:t>: لغة برمجة تستخدم للتحكم بالعناصر و خصائصها </a:t>
+            </a:r>
             <a:endParaRPr lang="ar-SY" dirty="0"/>
           </a:p>
         </p:txBody>
@@ -1816,29 +2155,7 @@
                 <a:ea typeface="+mn-ea"/>
                 <a:cs typeface="+mn-cs"/>
               </a:rPr>
-              <a:t> و يتم عادة </a:t>
-            </a:r>
-            <a:r>
-              <a:rPr lang="ar-SY" sz="1200" b="0" i="0" u="none" strike="noStrike" kern="1200" baseline="0" dirty="0" smtClean="0">
-                <a:solidFill>
-                  <a:schemeClr val="tx1"/>
-                </a:solidFill>
-                <a:latin typeface="+mn-lt"/>
-                <a:ea typeface="+mn-ea"/>
-                <a:cs typeface="+mn-cs"/>
-              </a:rPr>
-              <a:t>إعطاء مجال </a:t>
-            </a:r>
-            <a:r>
-              <a:rPr lang="ar-SY" sz="1200" b="0" i="0" u="none" strike="noStrike" kern="1200" baseline="0" dirty="0">
-                <a:solidFill>
-                  <a:schemeClr val="tx1"/>
-                </a:solidFill>
-                <a:latin typeface="+mn-lt"/>
-                <a:ea typeface="+mn-ea"/>
-                <a:cs typeface="+mn-cs"/>
-              </a:rPr>
-              <a:t>متسلسل من هذه الأرقام لكل منظمة  و التي تقوم بتوزيع الأرقام ضمن المجال على حواسبها .</a:t>
+              <a:t> و يتم عادة إعطاء مجال متسلسل من هذه الأرقام لكل منظمة  و التي تقوم بتوزيع الأرقام ضمن المجال على حواسبها .</a:t>
             </a:r>
           </a:p>
           <a:p>
@@ -2338,7 +2655,7 @@
           <a:lstStyle/>
           <a:p>
             <a:r>
-              <a:rPr lang="ar-SY" sz="1200" b="1" i="0" kern="1200" dirty="0" smtClean="0">
+              <a:rPr lang="ar-SY" sz="1200" b="1" i="0" kern="1200" dirty="0">
                 <a:solidFill>
                   <a:schemeClr val="tx1"/>
                 </a:solidFill>
@@ -2350,7 +2667,7 @@
               <a:t>اسم النطاق</a:t>
             </a:r>
             <a:r>
-              <a:rPr lang="ar-SY" sz="1200" b="0" i="0" kern="1200" dirty="0" smtClean="0">
+              <a:rPr lang="ar-SY" sz="1200" b="0" i="0" kern="1200" dirty="0">
                 <a:solidFill>
                   <a:schemeClr val="tx1"/>
                 </a:solidFill>
@@ -2362,7 +2679,7 @@
               <a:t> هو باختصار اسم يدل على عنوان </a:t>
             </a:r>
             <a:r>
-              <a:rPr lang="ar-SY" sz="1200" b="0" i="0" u="none" strike="noStrike" kern="1200" dirty="0" smtClean="0">
+              <a:rPr lang="ar-SY" sz="1200" b="0" i="0" u="none" strike="noStrike" kern="1200" dirty="0">
                 <a:solidFill>
                   <a:schemeClr val="tx1"/>
                 </a:solidFill>
@@ -2374,7 +2691,7 @@
               <a:t>بروتوكول</a:t>
             </a:r>
             <a:r>
-              <a:rPr lang="ar-SY" sz="1200" b="0" i="0" u="none" strike="noStrike" kern="1200" baseline="0" dirty="0" smtClean="0">
+              <a:rPr lang="ar-SY" sz="1200" b="0" i="0" u="none" strike="noStrike" kern="1200" baseline="0" dirty="0">
                 <a:solidFill>
                   <a:schemeClr val="tx1"/>
                 </a:solidFill>
@@ -2386,7 +2703,7 @@
               <a:t> </a:t>
             </a:r>
             <a:r>
-              <a:rPr lang="ar-SY" sz="1200" b="0" i="0" u="none" strike="noStrike" kern="1200" dirty="0" smtClean="0">
+              <a:rPr lang="ar-SY" sz="1200" b="0" i="0" u="none" strike="noStrike" kern="1200" dirty="0">
                 <a:solidFill>
                   <a:schemeClr val="tx1"/>
                 </a:solidFill>
@@ -2398,7 +2715,7 @@
               <a:t>الانترنت</a:t>
             </a:r>
             <a:r>
-              <a:rPr lang="ar-SY" sz="1200" b="0" i="0" kern="1200" dirty="0" smtClean="0">
+              <a:rPr lang="ar-SY" sz="1200" b="0" i="0" kern="1200" dirty="0">
                 <a:solidFill>
                   <a:schemeClr val="tx1"/>
                 </a:solidFill>
@@ -2410,7 +2727,7 @@
               <a:t> </a:t>
             </a:r>
             <a:r>
-              <a:rPr lang="ar-SY" sz="1200" b="0" i="0" kern="1200" baseline="0" dirty="0" smtClean="0">
+              <a:rPr lang="ar-SY" sz="1200" b="0" i="0" kern="1200" baseline="0" dirty="0">
                 <a:solidFill>
                   <a:schemeClr val="tx1"/>
                 </a:solidFill>
@@ -2422,7 +2739,7 @@
               <a:t> </a:t>
             </a:r>
             <a:r>
-              <a:rPr lang="en-US" sz="1200" b="0" i="0" kern="1200" baseline="0" dirty="0" smtClean="0">
+              <a:rPr lang="en-US" sz="1200" b="0" i="0" kern="1200" baseline="0" dirty="0">
                 <a:solidFill>
                   <a:schemeClr val="tx1"/>
                 </a:solidFill>
@@ -2434,7 +2751,7 @@
               <a:t>IP</a:t>
             </a:r>
             <a:r>
-              <a:rPr lang="en-US" sz="1200" b="0" i="0" kern="1200" dirty="0" smtClean="0">
+              <a:rPr lang="en-US" sz="1200" b="0" i="0" kern="1200" dirty="0">
                 <a:solidFill>
                   <a:schemeClr val="tx1"/>
                 </a:solidFill>
@@ -2446,7 +2763,7 @@
               <a:t> </a:t>
             </a:r>
             <a:r>
-              <a:rPr lang="ar-SY" sz="1200" b="0" i="0" kern="1200" dirty="0" smtClean="0">
+              <a:rPr lang="ar-SY" sz="1200" b="0" i="0" kern="1200" dirty="0">
                 <a:solidFill>
                   <a:schemeClr val="tx1"/>
                 </a:solidFill>
@@ -2458,7 +2775,7 @@
               <a:t> الخاص </a:t>
             </a:r>
             <a:r>
-              <a:rPr lang="ar-SY" sz="1200" b="0" i="0" u="none" strike="noStrike" kern="1200" dirty="0" smtClean="0">
+              <a:rPr lang="ar-SY" sz="1200" b="0" i="0" u="none" strike="noStrike" kern="1200" dirty="0">
                 <a:solidFill>
                   <a:schemeClr val="tx1"/>
                 </a:solidFill>
@@ -2470,7 +2787,7 @@
               <a:t>بالخادم</a:t>
             </a:r>
             <a:r>
-              <a:rPr lang="ar-SY" sz="1200" b="0" i="0" kern="1200" dirty="0" smtClean="0">
+              <a:rPr lang="ar-SY" sz="1200" b="0" i="0" kern="1200" dirty="0">
                 <a:solidFill>
                   <a:schemeClr val="tx1"/>
                 </a:solidFill>
@@ -2484,28 +2801,28 @@
           </a:p>
           <a:p>
             <a:r>
-              <a:rPr lang="ar-SY" dirty="0" smtClean="0"/>
+              <a:rPr lang="ar-SY" dirty="0"/>
               <a:t>و يكون اسم النطاق جزء من </a:t>
             </a:r>
             <a:r>
-              <a:rPr lang="en-US" dirty="0" smtClean="0"/>
+              <a:rPr lang="en-US" dirty="0"/>
               <a:t>URL</a:t>
             </a:r>
             <a:r>
-              <a:rPr lang="en-US" baseline="0" dirty="0" smtClean="0"/>
+              <a:rPr lang="en-US" baseline="0" dirty="0"/>
               <a:t> </a:t>
             </a:r>
             <a:r>
-              <a:rPr lang="ar-SY" baseline="0" dirty="0" smtClean="0"/>
+              <a:rPr lang="ar-SY" baseline="0" dirty="0"/>
               <a:t> الخاص بالموقع</a:t>
             </a:r>
           </a:p>
           <a:p>
-            <a:endParaRPr lang="ar-SY" baseline="0" dirty="0" smtClean="0"/>
-          </a:p>
-          <a:p>
-            <a:r>
-              <a:rPr lang="ar-SY" baseline="0" dirty="0" smtClean="0"/>
+            <a:endParaRPr lang="ar-SY" baseline="0" dirty="0"/>
+          </a:p>
+          <a:p>
+            <a:r>
+              <a:rPr lang="ar-SY" baseline="0" dirty="0"/>
               <a:t>يتم استخدام أسماء النطاقات لسهولة تذكرها مقارنةً بالأرقام</a:t>
             </a:r>
             <a:endParaRPr lang="ar-SY" dirty="0"/>
@@ -2593,47 +2910,47 @@
           <a:lstStyle/>
           <a:p>
             <a:r>
-              <a:rPr lang="ar-SY" dirty="0" smtClean="0"/>
+              <a:rPr lang="ar-SY" dirty="0"/>
               <a:t>يتم</a:t>
             </a:r>
             <a:r>
-              <a:rPr lang="ar-SY" baseline="0" dirty="0" smtClean="0"/>
+              <a:rPr lang="ar-SY" baseline="0" dirty="0"/>
               <a:t> ربط </a:t>
             </a:r>
             <a:r>
-              <a:rPr lang="en-US" baseline="0" dirty="0" err="1" smtClean="0"/>
+              <a:rPr lang="en-US" baseline="0" dirty="0" err="1"/>
               <a:t>domin</a:t>
             </a:r>
             <a:r>
-              <a:rPr lang="en-US" baseline="0" dirty="0" smtClean="0"/>
+              <a:rPr lang="en-US" baseline="0" dirty="0"/>
               <a:t> name </a:t>
             </a:r>
             <a:r>
-              <a:rPr lang="ar-SY" baseline="0" dirty="0" smtClean="0"/>
+              <a:rPr lang="ar-SY" baseline="0" dirty="0"/>
               <a:t> بال </a:t>
             </a:r>
             <a:r>
-              <a:rPr lang="en-US" baseline="0" dirty="0" err="1" smtClean="0"/>
+              <a:rPr lang="en-US" baseline="0" dirty="0" err="1"/>
               <a:t>ip</a:t>
             </a:r>
             <a:r>
-              <a:rPr lang="en-US" baseline="0" dirty="0" smtClean="0"/>
+              <a:rPr lang="en-US" baseline="0" dirty="0"/>
               <a:t> </a:t>
             </a:r>
             <a:r>
-              <a:rPr lang="ar-SY" baseline="0" dirty="0" smtClean="0"/>
+              <a:rPr lang="ar-SY" baseline="0" dirty="0"/>
               <a:t> المقايل له عن طريق </a:t>
             </a:r>
             <a:r>
-              <a:rPr lang="en-US" baseline="0" dirty="0" smtClean="0"/>
+              <a:rPr lang="en-US" baseline="0" dirty="0"/>
               <a:t>DNS </a:t>
             </a:r>
             <a:r>
-              <a:rPr lang="ar-SY" baseline="0" dirty="0" smtClean="0"/>
+              <a:rPr lang="ar-SY" baseline="0" dirty="0"/>
               <a:t> </a:t>
             </a:r>
             <a:r>
-              <a:rPr lang="en-US" sz="1200" b="1" i="0" kern="1200" dirty="0" smtClean="0">
+              <a:rPr lang="en-US" sz="1200" b="1" i="0" kern="1200" dirty="0">
                 <a:solidFill>
                   <a:schemeClr val="tx1"/>
                 </a:solidFill>
@@ -2644,7 +2961,7 @@
               </a:rPr>
               <a:t>Domain Name System</a:t>
             </a:r>
-            <a:endParaRPr lang="ar-SY" sz="1200" b="1" i="0" kern="1200" dirty="0" smtClean="0">
+            <a:endParaRPr lang="ar-SY" sz="1200" b="1" i="0" kern="1200" dirty="0">
               <a:solidFill>
                 <a:schemeClr val="tx1"/>
               </a:solidFill>
@@ -2656,7 +2973,7 @@
           </a:p>
           <a:p>
             <a:r>
-              <a:rPr lang="ar-SY" sz="1200" b="1" i="0" kern="1200" dirty="0" smtClean="0">
+              <a:rPr lang="ar-SY" sz="1200" b="1" i="0" kern="1200" dirty="0">
                 <a:solidFill>
                   <a:schemeClr val="tx1"/>
                 </a:solidFill>
@@ -2668,7 +2985,7 @@
               <a:t>حيث أن المستخدم يقوم بطلب الموقع المطلوب عن طريق  اسم الدمين الخاص به ليتم</a:t>
             </a:r>
             <a:r>
-              <a:rPr lang="ar-SY" sz="1200" b="1" i="0" kern="1200" baseline="0" dirty="0" smtClean="0">
+              <a:rPr lang="ar-SY" sz="1200" b="1" i="0" kern="1200" baseline="0" dirty="0">
                 <a:solidFill>
                   <a:schemeClr val="tx1"/>
                 </a:solidFill>
@@ -2680,7 +2997,7 @@
               <a:t> استخراج ال </a:t>
             </a:r>
             <a:r>
-              <a:rPr lang="en-US" sz="1200" b="1" i="0" kern="1200" baseline="0" dirty="0" err="1" smtClean="0">
+              <a:rPr lang="en-US" sz="1200" b="1" i="0" kern="1200" baseline="0" dirty="0" err="1">
                 <a:solidFill>
                   <a:schemeClr val="tx1"/>
                 </a:solidFill>
@@ -2692,7 +3009,7 @@
               <a:t>iP</a:t>
             </a:r>
             <a:r>
-              <a:rPr lang="en-US" sz="1200" b="1" i="0" kern="1200" baseline="0" dirty="0" smtClean="0">
+              <a:rPr lang="en-US" sz="1200" b="1" i="0" kern="1200" baseline="0" dirty="0">
                 <a:solidFill>
                   <a:schemeClr val="tx1"/>
                 </a:solidFill>
@@ -2704,7 +3021,7 @@
               <a:t>  </a:t>
             </a:r>
             <a:r>
-              <a:rPr lang="ar-SY" sz="1200" b="1" i="0" kern="1200" baseline="0" dirty="0" smtClean="0">
+              <a:rPr lang="ar-SY" sz="1200" b="1" i="0" kern="1200" baseline="0" dirty="0">
                 <a:solidFill>
                   <a:schemeClr val="tx1"/>
                 </a:solidFill>
@@ -2716,7 +3033,7 @@
               <a:t> الخاص بالموقع من </a:t>
             </a:r>
             <a:r>
-              <a:rPr lang="en-US" sz="1200" b="1" i="0" kern="1200" baseline="0" dirty="0" smtClean="0">
+              <a:rPr lang="en-US" sz="1200" b="1" i="0" kern="1200" baseline="0" dirty="0">
                 <a:solidFill>
                   <a:schemeClr val="tx1"/>
                 </a:solidFill>
@@ -2897,24 +3214,20 @@
           <a:p>
             <a:r>
               <a:rPr lang="ar-SA" dirty="0"/>
-              <a:t>يقوم المتصفح (الزبون) بطلب وثائق من المخدم و يقوم المخدم بتحديد الوثائق المطلوبة و ارسالها للمتصفح (( يمكن أن تكون الوثائق ساكنة أو نتيجة طلب تنفيذ برنامج ما على مخدم كما يمكن للمخدم طلب بيانات معينة من مستخدم المتصفح كبيانات التسجيل في الموقع مثلا </a:t>
-            </a:r>
-            <a:r>
-              <a:rPr lang="ar-SA" dirty="0" smtClean="0"/>
-              <a:t>...))</a:t>
-            </a:r>
-            <a:endParaRPr lang="ar-SY" dirty="0" smtClean="0"/>
-          </a:p>
-          <a:p>
-            <a:endParaRPr lang="ar-SY" dirty="0" smtClean="0"/>
-          </a:p>
-          <a:p>
-            <a:r>
-              <a:rPr lang="ar-SY" dirty="0" smtClean="0"/>
+              <a:t>يقوم المتصفح (الزبون) بطلب وثائق من المخدم و يقوم المخدم بتحديد الوثائق المطلوبة و ارسالها للمتصفح (( يمكن أن تكون الوثائق ساكنة أو نتيجة طلب تنفيذ برنامج ما على مخدم كما يمكن للمخدم طلب بيانات معينة من مستخدم المتصفح كبيانات التسجيل في الموقع مثلا ...))</a:t>
+            </a:r>
+            <a:endParaRPr lang="ar-SY" dirty="0"/>
+          </a:p>
+          <a:p>
+            <a:endParaRPr lang="ar-SY" dirty="0"/>
+          </a:p>
+          <a:p>
+            <a:r>
+              <a:rPr lang="ar-SY" dirty="0"/>
               <a:t>المخدم هو حاسب ذو</a:t>
             </a:r>
             <a:r>
-              <a:rPr lang="ar-SY" baseline="0" dirty="0" smtClean="0"/>
+              <a:rPr lang="ar-SY" baseline="0" dirty="0"/>
               <a:t> قدرات كبيرة يمتاز بسرعة الاستجابة </a:t>
             </a:r>
             <a:endParaRPr lang="en-US" dirty="0"/>
@@ -2999,7 +3312,7 @@
           </a:lstStyle>
           <a:p>
             <a:r>
-              <a:rPr lang="ar-SA" smtClean="0"/>
+              <a:rPr lang="ar-SA"/>
               <a:t>انقر لتحرير نمط العنوان الرئيسي</a:t>
             </a:r>
             <a:endParaRPr lang="en-US" dirty="0"/>
@@ -3064,7 +3377,7 @@
           </a:lstStyle>
           <a:p>
             <a:r>
-              <a:rPr lang="ar-SA" smtClean="0"/>
+              <a:rPr lang="ar-SA"/>
               <a:t>انقر لتحرير نمط العنوان الثانوي الرئيسي</a:t>
             </a:r>
             <a:endParaRPr lang="en-US" dirty="0"/>
@@ -3088,7 +3401,7 @@
           <a:p>
             <a:fld id="{3B88ACB1-6B07-4748-A2AF-A58E584E06E3}" type="datetimeFigureOut">
               <a:rPr lang="ar-SY" smtClean="0"/>
-              <a:t>02/02/1442</a:t>
+              <a:t>03/02/1442</a:t>
             </a:fld>
             <a:endParaRPr lang="ar-SY"/>
           </a:p>
@@ -3158,13 +3471,6 @@
       </p:transition>
     </mc:Fallback>
   </mc:AlternateContent>
-  <p:timing>
-    <p:tnLst>
-      <p:par>
-        <p:cTn id="1" dur="indefinite" restart="never" nodeType="tmRoot"/>
-      </p:par>
-    </p:tnLst>
-  </p:timing>
 </p:sldLayout>
 </file>
 
@@ -3201,7 +3507,7 @@
           <a:lstStyle/>
           <a:p>
             <a:r>
-              <a:rPr lang="ar-SA" smtClean="0"/>
+              <a:rPr lang="ar-SA"/>
               <a:t>انقر لتحرير نمط العنوان الرئيسي</a:t>
             </a:r>
             <a:endParaRPr lang="en-US" dirty="0"/>
@@ -3225,35 +3531,35 @@
           <a:p>
             <a:pPr lvl="0"/>
             <a:r>
-              <a:rPr lang="ar-SA" smtClean="0"/>
+              <a:rPr lang="ar-SA"/>
               <a:t>انقر لتحرير أنماط النص الرئيسي</a:t>
             </a:r>
           </a:p>
           <a:p>
             <a:pPr lvl="1"/>
             <a:r>
-              <a:rPr lang="ar-SA" smtClean="0"/>
+              <a:rPr lang="ar-SA"/>
               <a:t>المستوى الثاني</a:t>
             </a:r>
           </a:p>
           <a:p>
             <a:pPr lvl="2"/>
             <a:r>
-              <a:rPr lang="ar-SA" smtClean="0"/>
+              <a:rPr lang="ar-SA"/>
               <a:t>المستوى الثالث</a:t>
             </a:r>
           </a:p>
           <a:p>
             <a:pPr lvl="3"/>
             <a:r>
-              <a:rPr lang="ar-SA" smtClean="0"/>
+              <a:rPr lang="ar-SA"/>
               <a:t>المستوى الرابع</a:t>
             </a:r>
           </a:p>
           <a:p>
             <a:pPr lvl="4"/>
             <a:r>
-              <a:rPr lang="ar-SA" smtClean="0"/>
+              <a:rPr lang="ar-SA"/>
               <a:t>المستوى الخامس</a:t>
             </a:r>
             <a:endParaRPr lang="en-US" dirty="0"/>
@@ -3277,7 +3583,7 @@
           <a:p>
             <a:fld id="{3B88ACB1-6B07-4748-A2AF-A58E584E06E3}" type="datetimeFigureOut">
               <a:rPr lang="ar-SY" smtClean="0"/>
-              <a:t>02/02/1442</a:t>
+              <a:t>03/02/1442</a:t>
             </a:fld>
             <a:endParaRPr lang="ar-SY"/>
           </a:p>
@@ -3347,13 +3653,6 @@
       </p:transition>
     </mc:Fallback>
   </mc:AlternateContent>
-  <p:timing>
-    <p:tnLst>
-      <p:par>
-        <p:cTn id="1" dur="indefinite" restart="never" nodeType="tmRoot"/>
-      </p:par>
-    </p:tnLst>
-  </p:timing>
 </p:sldLayout>
 </file>
 
@@ -3395,7 +3694,7 @@
           <a:lstStyle/>
           <a:p>
             <a:r>
-              <a:rPr lang="ar-SA" smtClean="0"/>
+              <a:rPr lang="ar-SA"/>
               <a:t>انقر لتحرير نمط العنوان الرئيسي</a:t>
             </a:r>
             <a:endParaRPr lang="en-US" dirty="0"/>
@@ -3424,35 +3723,35 @@
           <a:p>
             <a:pPr lvl="0"/>
             <a:r>
-              <a:rPr lang="ar-SA" smtClean="0"/>
+              <a:rPr lang="ar-SA"/>
               <a:t>انقر لتحرير أنماط النص الرئيسي</a:t>
             </a:r>
           </a:p>
           <a:p>
             <a:pPr lvl="1"/>
             <a:r>
-              <a:rPr lang="ar-SA" smtClean="0"/>
+              <a:rPr lang="ar-SA"/>
               <a:t>المستوى الثاني</a:t>
             </a:r>
           </a:p>
           <a:p>
             <a:pPr lvl="2"/>
             <a:r>
-              <a:rPr lang="ar-SA" smtClean="0"/>
+              <a:rPr lang="ar-SA"/>
               <a:t>المستوى الثالث</a:t>
             </a:r>
           </a:p>
           <a:p>
             <a:pPr lvl="3"/>
             <a:r>
-              <a:rPr lang="ar-SA" smtClean="0"/>
+              <a:rPr lang="ar-SA"/>
               <a:t>المستوى الرابع</a:t>
             </a:r>
           </a:p>
           <a:p>
             <a:pPr lvl="4"/>
             <a:r>
-              <a:rPr lang="ar-SA" smtClean="0"/>
+              <a:rPr lang="ar-SA"/>
               <a:t>المستوى الخامس</a:t>
             </a:r>
             <a:endParaRPr lang="en-US" dirty="0"/>
@@ -3476,7 +3775,7 @@
           <a:p>
             <a:fld id="{3B88ACB1-6B07-4748-A2AF-A58E584E06E3}" type="datetimeFigureOut">
               <a:rPr lang="ar-SY" smtClean="0"/>
-              <a:t>02/02/1442</a:t>
+              <a:t>03/02/1442</a:t>
             </a:fld>
             <a:endParaRPr lang="ar-SY"/>
           </a:p>
@@ -3546,13 +3845,6 @@
       </p:transition>
     </mc:Fallback>
   </mc:AlternateContent>
-  <p:timing>
-    <p:tnLst>
-      <p:par>
-        <p:cTn id="1" dur="indefinite" restart="never" nodeType="tmRoot"/>
-      </p:par>
-    </p:tnLst>
-  </p:timing>
 </p:sldLayout>
 </file>
 
@@ -3589,7 +3881,7 @@
           <a:lstStyle/>
           <a:p>
             <a:r>
-              <a:rPr lang="ar-SA" smtClean="0"/>
+              <a:rPr lang="ar-SA"/>
               <a:t>انقر لتحرير نمط العنوان الرئيسي</a:t>
             </a:r>
             <a:endParaRPr lang="en-US" dirty="0"/>
@@ -3613,35 +3905,35 @@
           <a:p>
             <a:pPr lvl="0"/>
             <a:r>
-              <a:rPr lang="ar-SA" smtClean="0"/>
+              <a:rPr lang="ar-SA"/>
               <a:t>انقر لتحرير أنماط النص الرئيسي</a:t>
             </a:r>
           </a:p>
           <a:p>
             <a:pPr lvl="1"/>
             <a:r>
-              <a:rPr lang="ar-SA" smtClean="0"/>
+              <a:rPr lang="ar-SA"/>
               <a:t>المستوى الثاني</a:t>
             </a:r>
           </a:p>
           <a:p>
             <a:pPr lvl="2"/>
             <a:r>
-              <a:rPr lang="ar-SA" smtClean="0"/>
+              <a:rPr lang="ar-SA"/>
               <a:t>المستوى الثالث</a:t>
             </a:r>
           </a:p>
           <a:p>
             <a:pPr lvl="3"/>
             <a:r>
-              <a:rPr lang="ar-SA" smtClean="0"/>
+              <a:rPr lang="ar-SA"/>
               <a:t>المستوى الرابع</a:t>
             </a:r>
           </a:p>
           <a:p>
             <a:pPr lvl="4"/>
             <a:r>
-              <a:rPr lang="ar-SA" smtClean="0"/>
+              <a:rPr lang="ar-SA"/>
               <a:t>المستوى الخامس</a:t>
             </a:r>
             <a:endParaRPr lang="en-US" dirty="0"/>
@@ -3665,7 +3957,7 @@
           <a:p>
             <a:fld id="{3B88ACB1-6B07-4748-A2AF-A58E584E06E3}" type="datetimeFigureOut">
               <a:rPr lang="ar-SY" smtClean="0"/>
-              <a:t>02/02/1442</a:t>
+              <a:t>03/02/1442</a:t>
             </a:fld>
             <a:endParaRPr lang="ar-SY"/>
           </a:p>
@@ -3735,13 +4027,6 @@
       </p:transition>
     </mc:Fallback>
   </mc:AlternateContent>
-  <p:timing>
-    <p:tnLst>
-      <p:par>
-        <p:cTn id="1" dur="indefinite" restart="never" nodeType="tmRoot"/>
-      </p:par>
-    </p:tnLst>
-  </p:timing>
 </p:sldLayout>
 </file>
 
@@ -3787,7 +4072,7 @@
           </a:lstStyle>
           <a:p>
             <a:r>
-              <a:rPr lang="ar-SA" smtClean="0"/>
+              <a:rPr lang="ar-SA"/>
               <a:t>انقر لتحرير نمط العنوان الرئيسي</a:t>
             </a:r>
             <a:endParaRPr lang="en-US" dirty="0"/>
@@ -3907,7 +4192,7 @@
           <a:p>
             <a:pPr lvl="0"/>
             <a:r>
-              <a:rPr lang="ar-SA" smtClean="0"/>
+              <a:rPr lang="ar-SA"/>
               <a:t>انقر لتحرير أنماط النص الرئيسي</a:t>
             </a:r>
           </a:p>
@@ -3930,7 +4215,7 @@
           <a:p>
             <a:fld id="{3B88ACB1-6B07-4748-A2AF-A58E584E06E3}" type="datetimeFigureOut">
               <a:rPr lang="ar-SY" smtClean="0"/>
-              <a:t>02/02/1442</a:t>
+              <a:t>03/02/1442</a:t>
             </a:fld>
             <a:endParaRPr lang="ar-SY"/>
           </a:p>
@@ -4000,13 +4285,6 @@
       </p:transition>
     </mc:Fallback>
   </mc:AlternateContent>
-  <p:timing>
-    <p:tnLst>
-      <p:par>
-        <p:cTn id="1" dur="indefinite" restart="never" nodeType="tmRoot"/>
-      </p:par>
-    </p:tnLst>
-  </p:timing>
 </p:sldLayout>
 </file>
 
@@ -4043,7 +4321,7 @@
           <a:lstStyle/>
           <a:p>
             <a:r>
-              <a:rPr lang="ar-SA" smtClean="0"/>
+              <a:rPr lang="ar-SA"/>
               <a:t>انقر لتحرير نمط العنوان الرئيسي</a:t>
             </a:r>
             <a:endParaRPr lang="en-US" dirty="0"/>
@@ -4072,35 +4350,35 @@
           <a:p>
             <a:pPr lvl="0"/>
             <a:r>
-              <a:rPr lang="ar-SA" smtClean="0"/>
+              <a:rPr lang="ar-SA"/>
               <a:t>انقر لتحرير أنماط النص الرئيسي</a:t>
             </a:r>
           </a:p>
           <a:p>
             <a:pPr lvl="1"/>
             <a:r>
-              <a:rPr lang="ar-SA" smtClean="0"/>
+              <a:rPr lang="ar-SA"/>
               <a:t>المستوى الثاني</a:t>
             </a:r>
           </a:p>
           <a:p>
             <a:pPr lvl="2"/>
             <a:r>
-              <a:rPr lang="ar-SA" smtClean="0"/>
+              <a:rPr lang="ar-SA"/>
               <a:t>المستوى الثالث</a:t>
             </a:r>
           </a:p>
           <a:p>
             <a:pPr lvl="3"/>
             <a:r>
-              <a:rPr lang="ar-SA" smtClean="0"/>
+              <a:rPr lang="ar-SA"/>
               <a:t>المستوى الرابع</a:t>
             </a:r>
           </a:p>
           <a:p>
             <a:pPr lvl="4"/>
             <a:r>
-              <a:rPr lang="ar-SA" smtClean="0"/>
+              <a:rPr lang="ar-SA"/>
               <a:t>المستوى الخامس</a:t>
             </a:r>
             <a:endParaRPr lang="en-US" dirty="0"/>
@@ -4129,35 +4407,35 @@
           <a:p>
             <a:pPr lvl="0"/>
             <a:r>
-              <a:rPr lang="ar-SA" smtClean="0"/>
+              <a:rPr lang="ar-SA"/>
               <a:t>انقر لتحرير أنماط النص الرئيسي</a:t>
             </a:r>
           </a:p>
           <a:p>
             <a:pPr lvl="1"/>
             <a:r>
-              <a:rPr lang="ar-SA" smtClean="0"/>
+              <a:rPr lang="ar-SA"/>
               <a:t>المستوى الثاني</a:t>
             </a:r>
           </a:p>
           <a:p>
             <a:pPr lvl="2"/>
             <a:r>
-              <a:rPr lang="ar-SA" smtClean="0"/>
+              <a:rPr lang="ar-SA"/>
               <a:t>المستوى الثالث</a:t>
             </a:r>
           </a:p>
           <a:p>
             <a:pPr lvl="3"/>
             <a:r>
-              <a:rPr lang="ar-SA" smtClean="0"/>
+              <a:rPr lang="ar-SA"/>
               <a:t>المستوى الرابع</a:t>
             </a:r>
           </a:p>
           <a:p>
             <a:pPr lvl="4"/>
             <a:r>
-              <a:rPr lang="ar-SA" smtClean="0"/>
+              <a:rPr lang="ar-SA"/>
               <a:t>المستوى الخامس</a:t>
             </a:r>
             <a:endParaRPr lang="en-US" dirty="0"/>
@@ -4181,7 +4459,7 @@
           <a:p>
             <a:fld id="{3B88ACB1-6B07-4748-A2AF-A58E584E06E3}" type="datetimeFigureOut">
               <a:rPr lang="ar-SY" smtClean="0"/>
-              <a:t>02/02/1442</a:t>
+              <a:t>03/02/1442</a:t>
             </a:fld>
             <a:endParaRPr lang="ar-SY"/>
           </a:p>
@@ -4239,13 +4517,6 @@
   <p:clrMapOvr>
     <a:masterClrMapping/>
   </p:clrMapOvr>
-  <p:timing>
-    <p:tnLst>
-      <p:par>
-        <p:cTn id="1" dur="indefinite" restart="never" nodeType="tmRoot"/>
-      </p:par>
-    </p:tnLst>
-  </p:timing>
 </p:sldLayout>
 </file>
 
@@ -4287,7 +4558,7 @@
           <a:lstStyle/>
           <a:p>
             <a:r>
-              <a:rPr lang="ar-SA" smtClean="0"/>
+              <a:rPr lang="ar-SA"/>
               <a:t>انقر لتحرير نمط العنوان الرئيسي</a:t>
             </a:r>
             <a:endParaRPr lang="en-US" dirty="0"/>
@@ -4353,7 +4624,7 @@
           <a:p>
             <a:pPr lvl="0"/>
             <a:r>
-              <a:rPr lang="ar-SA" smtClean="0"/>
+              <a:rPr lang="ar-SA"/>
               <a:t>انقر لتحرير أنماط النص الرئيسي</a:t>
             </a:r>
           </a:p>
@@ -4381,35 +4652,35 @@
           <a:p>
             <a:pPr lvl="0"/>
             <a:r>
-              <a:rPr lang="ar-SA" smtClean="0"/>
+              <a:rPr lang="ar-SA"/>
               <a:t>انقر لتحرير أنماط النص الرئيسي</a:t>
             </a:r>
           </a:p>
           <a:p>
             <a:pPr lvl="1"/>
             <a:r>
-              <a:rPr lang="ar-SA" smtClean="0"/>
+              <a:rPr lang="ar-SA"/>
               <a:t>المستوى الثاني</a:t>
             </a:r>
           </a:p>
           <a:p>
             <a:pPr lvl="2"/>
             <a:r>
-              <a:rPr lang="ar-SA" smtClean="0"/>
+              <a:rPr lang="ar-SA"/>
               <a:t>المستوى الثالث</a:t>
             </a:r>
           </a:p>
           <a:p>
             <a:pPr lvl="3"/>
             <a:r>
-              <a:rPr lang="ar-SA" smtClean="0"/>
+              <a:rPr lang="ar-SA"/>
               <a:t>المستوى الرابع</a:t>
             </a:r>
           </a:p>
           <a:p>
             <a:pPr lvl="4"/>
             <a:r>
-              <a:rPr lang="ar-SA" smtClean="0"/>
+              <a:rPr lang="ar-SA"/>
               <a:t>المستوى الخامس</a:t>
             </a:r>
             <a:endParaRPr lang="en-US" dirty="0"/>
@@ -4475,7 +4746,7 @@
           <a:p>
             <a:pPr lvl="0"/>
             <a:r>
-              <a:rPr lang="ar-SA" smtClean="0"/>
+              <a:rPr lang="ar-SA"/>
               <a:t>انقر لتحرير أنماط النص الرئيسي</a:t>
             </a:r>
           </a:p>
@@ -4503,35 +4774,35 @@
           <a:p>
             <a:pPr lvl="0"/>
             <a:r>
-              <a:rPr lang="ar-SA" smtClean="0"/>
+              <a:rPr lang="ar-SA"/>
               <a:t>انقر لتحرير أنماط النص الرئيسي</a:t>
             </a:r>
           </a:p>
           <a:p>
             <a:pPr lvl="1"/>
             <a:r>
-              <a:rPr lang="ar-SA" smtClean="0"/>
+              <a:rPr lang="ar-SA"/>
               <a:t>المستوى الثاني</a:t>
             </a:r>
           </a:p>
           <a:p>
             <a:pPr lvl="2"/>
             <a:r>
-              <a:rPr lang="ar-SA" smtClean="0"/>
+              <a:rPr lang="ar-SA"/>
               <a:t>المستوى الثالث</a:t>
             </a:r>
           </a:p>
           <a:p>
             <a:pPr lvl="3"/>
             <a:r>
-              <a:rPr lang="ar-SA" smtClean="0"/>
+              <a:rPr lang="ar-SA"/>
               <a:t>المستوى الرابع</a:t>
             </a:r>
           </a:p>
           <a:p>
             <a:pPr lvl="4"/>
             <a:r>
-              <a:rPr lang="ar-SA" smtClean="0"/>
+              <a:rPr lang="ar-SA"/>
               <a:t>المستوى الخامس</a:t>
             </a:r>
             <a:endParaRPr lang="en-US" dirty="0"/>
@@ -4555,7 +4826,7 @@
           <a:p>
             <a:fld id="{3B88ACB1-6B07-4748-A2AF-A58E584E06E3}" type="datetimeFigureOut">
               <a:rPr lang="ar-SY" smtClean="0"/>
-              <a:t>02/02/1442</a:t>
+              <a:t>03/02/1442</a:t>
             </a:fld>
             <a:endParaRPr lang="ar-SY"/>
           </a:p>
@@ -4625,13 +4896,6 @@
       </p:transition>
     </mc:Fallback>
   </mc:AlternateContent>
-  <p:timing>
-    <p:tnLst>
-      <p:par>
-        <p:cTn id="1" dur="indefinite" restart="never" nodeType="tmRoot"/>
-      </p:par>
-    </p:tnLst>
-  </p:timing>
 </p:sldLayout>
 </file>
 
@@ -4668,7 +4932,7 @@
           <a:lstStyle/>
           <a:p>
             <a:r>
-              <a:rPr lang="ar-SA" smtClean="0"/>
+              <a:rPr lang="ar-SA"/>
               <a:t>انقر لتحرير نمط العنوان الرئيسي</a:t>
             </a:r>
             <a:endParaRPr lang="en-US" dirty="0"/>
@@ -4692,7 +4956,7 @@
           <a:p>
             <a:fld id="{3B88ACB1-6B07-4748-A2AF-A58E584E06E3}" type="datetimeFigureOut">
               <a:rPr lang="ar-SY" smtClean="0"/>
-              <a:t>02/02/1442</a:t>
+              <a:t>03/02/1442</a:t>
             </a:fld>
             <a:endParaRPr lang="ar-SY"/>
           </a:p>
@@ -4762,13 +5026,6 @@
       </p:transition>
     </mc:Fallback>
   </mc:AlternateContent>
-  <p:timing>
-    <p:tnLst>
-      <p:par>
-        <p:cTn id="1" dur="indefinite" restart="never" nodeType="tmRoot"/>
-      </p:par>
-    </p:tnLst>
-  </p:timing>
 </p:sldLayout>
 </file>
 
@@ -4806,7 +5063,7 @@
           <a:p>
             <a:fld id="{3B88ACB1-6B07-4748-A2AF-A58E584E06E3}" type="datetimeFigureOut">
               <a:rPr lang="ar-SY" smtClean="0"/>
-              <a:t>02/02/1442</a:t>
+              <a:t>03/02/1442</a:t>
             </a:fld>
             <a:endParaRPr lang="ar-SY"/>
           </a:p>
@@ -4876,13 +5133,6 @@
       </p:transition>
     </mc:Fallback>
   </mc:AlternateContent>
-  <p:timing>
-    <p:tnLst>
-      <p:par>
-        <p:cTn id="1" dur="indefinite" restart="never" nodeType="tmRoot"/>
-      </p:par>
-    </p:tnLst>
-  </p:timing>
 </p:sldLayout>
 </file>
 
@@ -4928,7 +5178,7 @@
           </a:lstStyle>
           <a:p>
             <a:r>
-              <a:rPr lang="ar-SA" smtClean="0"/>
+              <a:rPr lang="ar-SA"/>
               <a:t>انقر لتحرير نمط العنوان الرئيسي</a:t>
             </a:r>
             <a:endParaRPr lang="en-US" dirty="0"/>
@@ -4985,35 +5235,35 @@
           <a:p>
             <a:pPr lvl="0"/>
             <a:r>
-              <a:rPr lang="ar-SA" smtClean="0"/>
+              <a:rPr lang="ar-SA"/>
               <a:t>انقر لتحرير أنماط النص الرئيسي</a:t>
             </a:r>
           </a:p>
           <a:p>
             <a:pPr lvl="1"/>
             <a:r>
-              <a:rPr lang="ar-SA" smtClean="0"/>
+              <a:rPr lang="ar-SA"/>
               <a:t>المستوى الثاني</a:t>
             </a:r>
           </a:p>
           <a:p>
             <a:pPr lvl="2"/>
             <a:r>
-              <a:rPr lang="ar-SA" smtClean="0"/>
+              <a:rPr lang="ar-SA"/>
               <a:t>المستوى الثالث</a:t>
             </a:r>
           </a:p>
           <a:p>
             <a:pPr lvl="3"/>
             <a:r>
-              <a:rPr lang="ar-SA" smtClean="0"/>
+              <a:rPr lang="ar-SA"/>
               <a:t>المستوى الرابع</a:t>
             </a:r>
           </a:p>
           <a:p>
             <a:pPr lvl="4"/>
             <a:r>
-              <a:rPr lang="ar-SA" smtClean="0"/>
+              <a:rPr lang="ar-SA"/>
               <a:t>المستوى الخامس</a:t>
             </a:r>
             <a:endParaRPr lang="en-US" dirty="0"/>
@@ -5079,7 +5329,7 @@
           <a:p>
             <a:pPr lvl="0"/>
             <a:r>
-              <a:rPr lang="ar-SA" smtClean="0"/>
+              <a:rPr lang="ar-SA"/>
               <a:t>انقر لتحرير أنماط النص الرئيسي</a:t>
             </a:r>
           </a:p>
@@ -5102,7 +5352,7 @@
           <a:p>
             <a:fld id="{3B88ACB1-6B07-4748-A2AF-A58E584E06E3}" type="datetimeFigureOut">
               <a:rPr lang="ar-SY" smtClean="0"/>
-              <a:t>02/02/1442</a:t>
+              <a:t>03/02/1442</a:t>
             </a:fld>
             <a:endParaRPr lang="ar-SY"/>
           </a:p>
@@ -5160,13 +5410,6 @@
   <p:clrMapOvr>
     <a:masterClrMapping/>
   </p:clrMapOvr>
-  <p:timing>
-    <p:tnLst>
-      <p:par>
-        <p:cTn id="1" dur="indefinite" restart="never" nodeType="tmRoot"/>
-      </p:par>
-    </p:tnLst>
-  </p:timing>
 </p:sldLayout>
 </file>
 
@@ -5212,7 +5455,7 @@
           </a:lstStyle>
           <a:p>
             <a:r>
-              <a:rPr lang="ar-SA" smtClean="0"/>
+              <a:rPr lang="ar-SA"/>
               <a:t>انقر لتحرير نمط العنوان الرئيسي</a:t>
             </a:r>
             <a:endParaRPr lang="en-US" dirty="0"/>
@@ -5277,7 +5520,7 @@
           </a:lstStyle>
           <a:p>
             <a:r>
-              <a:rPr lang="ar-SA" smtClean="0"/>
+              <a:rPr lang="ar-SA"/>
               <a:t>انقر فوق الأيقونة لإضافة صورة</a:t>
             </a:r>
             <a:endParaRPr lang="en-US" dirty="0"/>
@@ -5343,7 +5586,7 @@
           <a:p>
             <a:pPr lvl="0"/>
             <a:r>
-              <a:rPr lang="ar-SA" smtClean="0"/>
+              <a:rPr lang="ar-SA"/>
               <a:t>انقر لتحرير أنماط النص الرئيسي</a:t>
             </a:r>
           </a:p>
@@ -5366,7 +5609,7 @@
           <a:p>
             <a:fld id="{3B88ACB1-6B07-4748-A2AF-A58E584E06E3}" type="datetimeFigureOut">
               <a:rPr lang="ar-SY" smtClean="0"/>
-              <a:t>02/02/1442</a:t>
+              <a:t>03/02/1442</a:t>
             </a:fld>
             <a:endParaRPr lang="ar-SY"/>
           </a:p>
@@ -5436,13 +5679,6 @@
       </p:transition>
     </mc:Fallback>
   </mc:AlternateContent>
-  <p:timing>
-    <p:tnLst>
-      <p:par>
-        <p:cTn id="1" dur="indefinite" restart="never" nodeType="tmRoot"/>
-      </p:par>
-    </p:tnLst>
-  </p:timing>
 </p:sldLayout>
 </file>
 
@@ -5494,7 +5730,7 @@
           <a:lstStyle/>
           <a:p>
             <a:r>
-              <a:rPr lang="ar-SA" smtClean="0"/>
+              <a:rPr lang="ar-SA"/>
               <a:t>انقر لتحرير نمط العنوان الرئيسي</a:t>
             </a:r>
             <a:endParaRPr lang="en-US" dirty="0"/>
@@ -5528,35 +5764,35 @@
           <a:p>
             <a:pPr lvl="0"/>
             <a:r>
-              <a:rPr lang="ar-SA" smtClean="0"/>
+              <a:rPr lang="ar-SA"/>
               <a:t>انقر لتحرير أنماط النص الرئيسي</a:t>
             </a:r>
           </a:p>
           <a:p>
             <a:pPr lvl="1"/>
             <a:r>
-              <a:rPr lang="ar-SA" smtClean="0"/>
+              <a:rPr lang="ar-SA"/>
               <a:t>المستوى الثاني</a:t>
             </a:r>
           </a:p>
           <a:p>
             <a:pPr lvl="2"/>
             <a:r>
-              <a:rPr lang="ar-SA" smtClean="0"/>
+              <a:rPr lang="ar-SA"/>
               <a:t>المستوى الثالث</a:t>
             </a:r>
           </a:p>
           <a:p>
             <a:pPr lvl="3"/>
             <a:r>
-              <a:rPr lang="ar-SA" smtClean="0"/>
+              <a:rPr lang="ar-SA"/>
               <a:t>المستوى الرابع</a:t>
             </a:r>
           </a:p>
           <a:p>
             <a:pPr lvl="4"/>
             <a:r>
-              <a:rPr lang="ar-SA" smtClean="0"/>
+              <a:rPr lang="ar-SA"/>
               <a:t>المستوى الخامس</a:t>
             </a:r>
             <a:endParaRPr lang="en-US" dirty="0"/>
@@ -5598,7 +5834,7 @@
           <a:p>
             <a:fld id="{3B88ACB1-6B07-4748-A2AF-A58E584E06E3}" type="datetimeFigureOut">
               <a:rPr lang="ar-SY" smtClean="0"/>
-              <a:t>02/02/1442</a:t>
+              <a:t>03/02/1442</a:t>
             </a:fld>
             <a:endParaRPr lang="ar-SY"/>
           </a:p>
@@ -5715,13 +5951,6 @@
       </p:transition>
     </mc:Fallback>
   </mc:AlternateContent>
-  <p:timing>
-    <p:tnLst>
-      <p:par>
-        <p:cTn id="1" dur="indefinite" restart="never" nodeType="tmRoot"/>
-      </p:par>
-    </p:tnLst>
-  </p:timing>
   <p:txStyles>
     <p:titleStyle>
       <a:lvl1pPr algn="l" defTabSz="914400" rtl="1" eaLnBrk="1" latinLnBrk="0" hangingPunct="1">
@@ -6101,13 +6330,6 @@
       </p:transition>
     </mc:Fallback>
   </mc:AlternateContent>
-  <p:timing>
-    <p:tnLst>
-      <p:par>
-        <p:cTn id="1" dur="indefinite" restart="never" nodeType="tmRoot"/>
-      </p:par>
-    </p:tnLst>
-  </p:timing>
 </p:sld>
 </file>
 
@@ -6230,7 +6452,7 @@
           <p:cNvPr id="2" name="عنوان 1">
             <a:extLst>
               <a:ext uri="{FF2B5EF4-FFF2-40B4-BE49-F238E27FC236}">
-                <a16:creationId xmlns:a16="http://schemas.microsoft.com/office/drawing/2014/main" xmlns="" id="{FABE6D8F-611E-4C3A-BF03-368EA85E2E4C}"/>
+                <a16:creationId xmlns:a16="http://schemas.microsoft.com/office/drawing/2014/main" id="{FABE6D8F-611E-4C3A-BF03-368EA85E2E4C}"/>
               </a:ext>
             </a:extLst>
           </p:cNvPr>
@@ -6261,7 +6483,7 @@
           <p:cNvPr id="10" name="صورة 9">
             <a:extLst>
               <a:ext uri="{FF2B5EF4-FFF2-40B4-BE49-F238E27FC236}">
-                <a16:creationId xmlns:a16="http://schemas.microsoft.com/office/drawing/2014/main" xmlns="" id="{CDC21F2B-6FF8-4358-A469-D6EA8318A295}"/>
+                <a16:creationId xmlns:a16="http://schemas.microsoft.com/office/drawing/2014/main" id="{CDC21F2B-6FF8-4358-A469-D6EA8318A295}"/>
               </a:ext>
             </a:extLst>
           </p:cNvPr>
@@ -6308,13 +6530,6 @@
       </p:transition>
     </mc:Fallback>
   </mc:AlternateContent>
-  <p:timing>
-    <p:tnLst>
-      <p:par>
-        <p:cTn id="1" dur="indefinite" restart="never" nodeType="tmRoot"/>
-      </p:par>
-    </p:tnLst>
-  </p:timing>
 </p:sld>
 </file>
 
@@ -6340,7 +6555,7 @@
           <p:cNvPr id="2" name="عنوان 1">
             <a:extLst>
               <a:ext uri="{FF2B5EF4-FFF2-40B4-BE49-F238E27FC236}">
-                <a16:creationId xmlns:a16="http://schemas.microsoft.com/office/drawing/2014/main" xmlns="" id="{9453BCD2-7A68-48FC-AE50-605253AD70DE}"/>
+                <a16:creationId xmlns:a16="http://schemas.microsoft.com/office/drawing/2014/main" id="{9453BCD2-7A68-48FC-AE50-605253AD70DE}"/>
               </a:ext>
             </a:extLst>
           </p:cNvPr>
@@ -6425,13 +6640,6 @@
       </p:transition>
     </mc:Fallback>
   </mc:AlternateContent>
-  <p:timing>
-    <p:tnLst>
-      <p:par>
-        <p:cTn id="1" dur="indefinite" restart="never" nodeType="tmRoot"/>
-      </p:par>
-    </p:tnLst>
-  </p:timing>
 </p:sld>
 </file>
 
@@ -6457,7 +6665,7 @@
           <p:cNvPr id="2" name="عنوان 1">
             <a:extLst>
               <a:ext uri="{FF2B5EF4-FFF2-40B4-BE49-F238E27FC236}">
-                <a16:creationId xmlns:a16="http://schemas.microsoft.com/office/drawing/2014/main" xmlns="" id="{9453BCD2-7A68-48FC-AE50-605253AD70DE}"/>
+                <a16:creationId xmlns:a16="http://schemas.microsoft.com/office/drawing/2014/main" id="{9453BCD2-7A68-48FC-AE50-605253AD70DE}"/>
               </a:ext>
             </a:extLst>
           </p:cNvPr>
@@ -6530,25 +6738,18 @@
   <p:clrMapOvr>
     <a:masterClrMapping/>
   </p:clrMapOvr>
-  <mc:AlternateContent xmlns:mc="http://schemas.openxmlformats.org/markup-compatibility/2006">
-    <mc:Choice xmlns:p14="http://schemas.microsoft.com/office/powerpoint/2010/main" Requires="p14">
+  <mc:AlternateContent xmlns:mc="http://schemas.openxmlformats.org/markup-compatibility/2006" xmlns:p14="http://schemas.microsoft.com/office/powerpoint/2010/main">
+    <mc:Choice Requires="p14">
       <p:transition spd="slow" p14:dur="1300">
         <p14:pan dir="u"/>
       </p:transition>
     </mc:Choice>
-    <mc:Fallback>
+    <mc:Fallback xmlns="">
       <p:transition spd="slow">
         <p:fade/>
       </p:transition>
     </mc:Fallback>
   </mc:AlternateContent>
-  <p:timing>
-    <p:tnLst>
-      <p:par>
-        <p:cTn id="1" dur="indefinite" restart="never" nodeType="tmRoot"/>
-      </p:par>
-    </p:tnLst>
-  </p:timing>
 </p:sld>
 </file>
 
@@ -6588,7 +6789,7 @@
           <a:p>
             <a:pPr algn="ctr"/>
             <a:r>
-              <a:rPr lang="en-US" sz="4800" b="1" dirty="0" smtClean="0"/>
+              <a:rPr lang="en-US" sz="4800" b="1" dirty="0"/>
               <a:t>Front End</a:t>
             </a:r>
             <a:endParaRPr lang="ar-SY" sz="4800" b="1" dirty="0"/>
@@ -6629,25 +6830,150 @@
   <p:clrMapOvr>
     <a:masterClrMapping/>
   </p:clrMapOvr>
-  <mc:AlternateContent xmlns:mc="http://schemas.openxmlformats.org/markup-compatibility/2006">
-    <mc:Choice xmlns:p14="http://schemas.microsoft.com/office/powerpoint/2010/main" Requires="p14">
+  <mc:AlternateContent xmlns:mc="http://schemas.openxmlformats.org/markup-compatibility/2006" xmlns:p14="http://schemas.microsoft.com/office/powerpoint/2010/main">
+    <mc:Choice Requires="p14">
       <p:transition spd="slow" p14:dur="1300">
         <p14:pan dir="u"/>
       </p:transition>
     </mc:Choice>
-    <mc:Fallback>
+    <mc:Fallback xmlns="">
       <p:transition spd="slow">
         <p:fade/>
       </p:transition>
     </mc:Fallback>
   </mc:AlternateContent>
-  <p:timing>
-    <p:tnLst>
-      <p:par>
-        <p:cTn id="1" dur="indefinite" restart="never" nodeType="tmRoot"/>
-      </p:par>
-    </p:tnLst>
-  </p:timing>
+</p:sld>
+</file>
+
+<file path=ppt/slides/slide15.xml><?xml version="1.0" encoding="utf-8"?>
+<p:sld xmlns:a="http://schemas.openxmlformats.org/drawingml/2006/main" xmlns:r="http://schemas.openxmlformats.org/officeDocument/2006/relationships" xmlns:p="http://schemas.openxmlformats.org/presentationml/2006/main">
+  <p:cSld>
+    <p:spTree>
+      <p:nvGrpSpPr>
+        <p:cNvPr id="1" name=""/>
+        <p:cNvGrpSpPr/>
+        <p:nvPr/>
+      </p:nvGrpSpPr>
+      <p:grpSpPr>
+        <a:xfrm>
+          <a:off x="0" y="0"/>
+          <a:ext cx="0" cy="0"/>
+          <a:chOff x="0" y="0"/>
+          <a:chExt cx="0" cy="0"/>
+        </a:xfrm>
+      </p:grpSpPr>
+      <p:sp>
+        <p:nvSpPr>
+          <p:cNvPr id="2" name="عنوان 1">
+            <a:extLst>
+              <a:ext uri="{FF2B5EF4-FFF2-40B4-BE49-F238E27FC236}">
+                <a16:creationId xmlns:a16="http://schemas.microsoft.com/office/drawing/2014/main" id="{89087E62-C074-44DD-88B6-10B6A5C59792}"/>
+              </a:ext>
+            </a:extLst>
+          </p:cNvPr>
+          <p:cNvSpPr>
+            <a:spLocks noGrp="1"/>
+          </p:cNvSpPr>
+          <p:nvPr>
+            <p:ph type="title"/>
+          </p:nvPr>
+        </p:nvSpPr>
+        <p:spPr/>
+        <p:txBody>
+          <a:bodyPr/>
+          <a:lstStyle/>
+          <a:p>
+            <a:pPr algn="ctr"/>
+            <a:r>
+              <a:rPr lang="en-US" sz="4800" b="1" dirty="0"/>
+              <a:t>HTML</a:t>
+            </a:r>
+            <a:endParaRPr lang="en-US" b="1" dirty="0"/>
+          </a:p>
+        </p:txBody>
+      </p:sp>
+      <p:pic>
+        <p:nvPicPr>
+          <p:cNvPr id="4" name="صورة 3">
+            <a:extLst>
+              <a:ext uri="{FF2B5EF4-FFF2-40B4-BE49-F238E27FC236}">
+                <a16:creationId xmlns:a16="http://schemas.microsoft.com/office/drawing/2014/main" id="{ABBF89EF-80EE-4382-94CE-0E51FAEAFAA2}"/>
+              </a:ext>
+            </a:extLst>
+          </p:cNvPr>
+          <p:cNvPicPr>
+            <a:picLocks noChangeAspect="1"/>
+          </p:cNvPicPr>
+          <p:nvPr/>
+        </p:nvPicPr>
+        <p:blipFill>
+          <a:blip r:embed="rId2"/>
+          <a:stretch>
+            <a:fillRect/>
+          </a:stretch>
+        </p:blipFill>
+        <p:spPr>
+          <a:xfrm>
+            <a:off x="2618509" y="1690688"/>
+            <a:ext cx="7536007" cy="4501144"/>
+          </a:xfrm>
+          <a:prstGeom prst="rect">
+            <a:avLst/>
+          </a:prstGeom>
+        </p:spPr>
+      </p:pic>
+      <p:pic>
+        <p:nvPicPr>
+          <p:cNvPr id="5" name="صورة 4">
+            <a:extLst>
+              <a:ext uri="{FF2B5EF4-FFF2-40B4-BE49-F238E27FC236}">
+                <a16:creationId xmlns:a16="http://schemas.microsoft.com/office/drawing/2014/main" id="{E1C0DBFA-4892-4CDC-84F0-6253AB3B58C9}"/>
+              </a:ext>
+            </a:extLst>
+          </p:cNvPr>
+          <p:cNvPicPr>
+            <a:picLocks noChangeAspect="1"/>
+          </p:cNvPicPr>
+          <p:nvPr/>
+        </p:nvPicPr>
+        <p:blipFill>
+          <a:blip r:embed="rId3"/>
+          <a:stretch>
+            <a:fillRect/>
+          </a:stretch>
+        </p:blipFill>
+        <p:spPr>
+          <a:xfrm>
+            <a:off x="2409825" y="1537855"/>
+            <a:ext cx="7744691" cy="5185040"/>
+          </a:xfrm>
+          <a:prstGeom prst="rect">
+            <a:avLst/>
+          </a:prstGeom>
+        </p:spPr>
+      </p:pic>
+    </p:spTree>
+    <p:extLst>
+      <p:ext uri="{BB962C8B-B14F-4D97-AF65-F5344CB8AC3E}">
+        <p14:creationId xmlns:p14="http://schemas.microsoft.com/office/powerpoint/2010/main" val="276479677"/>
+      </p:ext>
+    </p:extLst>
+  </p:cSld>
+  <p:clrMapOvr>
+    <a:masterClrMapping/>
+  </p:clrMapOvr>
+  <mc:AlternateContent xmlns:mc="http://schemas.openxmlformats.org/markup-compatibility/2006" xmlns:p14="http://schemas.microsoft.com/office/powerpoint/2010/main">
+    <mc:Choice Requires="p14">
+      <p:transition spd="slow" p14:dur="1300">
+        <p14:pan dir="u"/>
+      </p:transition>
+    </mc:Choice>
+    <mc:Fallback xmlns="">
+      <p:transition spd="slow">
+        <p:fade/>
+      </p:transition>
+    </mc:Fallback>
+  </mc:AlternateContent>
 </p:sld>
 </file>
 
@@ -6784,13 +7110,6 @@
       </p:transition>
     </mc:Fallback>
   </mc:AlternateContent>
-  <p:timing>
-    <p:tnLst>
-      <p:par>
-        <p:cTn id="1" dur="indefinite" restart="never" nodeType="tmRoot"/>
-      </p:par>
-    </p:tnLst>
-  </p:timing>
 </p:sld>
 </file>
 
@@ -6840,7 +7159,7 @@
                 <a:gridCol w="5257800">
                   <a:extLst>
                     <a:ext uri="{9D8B030D-6E8A-4147-A177-3AD203B41FA5}">
-                      <a16:colId xmlns:a16="http://schemas.microsoft.com/office/drawing/2014/main" xmlns="" val="20000"/>
+                      <a16:colId xmlns:a16="http://schemas.microsoft.com/office/drawing/2014/main" val="20000"/>
                     </a:ext>
                   </a:extLst>
                 </a:gridCol>
@@ -6867,7 +7186,7 @@
                 </a:tc>
                 <a:extLst>
                   <a:ext uri="{0D108BD9-81ED-4DB2-BD59-A6C34878D82A}">
-                    <a16:rowId xmlns:a16="http://schemas.microsoft.com/office/drawing/2014/main" xmlns="" val="10000"/>
+                    <a16:rowId xmlns:a16="http://schemas.microsoft.com/office/drawing/2014/main" val="10000"/>
                   </a:ext>
                 </a:extLst>
               </a:tr>
@@ -6888,7 +7207,7 @@
                 </a:tc>
                 <a:extLst>
                   <a:ext uri="{0D108BD9-81ED-4DB2-BD59-A6C34878D82A}">
-                    <a16:rowId xmlns:a16="http://schemas.microsoft.com/office/drawing/2014/main" xmlns="" val="10001"/>
+                    <a16:rowId xmlns:a16="http://schemas.microsoft.com/office/drawing/2014/main" val="10001"/>
                   </a:ext>
                 </a:extLst>
               </a:tr>
@@ -6934,7 +7253,7 @@
                 </a:tc>
                 <a:extLst>
                   <a:ext uri="{0D108BD9-81ED-4DB2-BD59-A6C34878D82A}">
-                    <a16:rowId xmlns:a16="http://schemas.microsoft.com/office/drawing/2014/main" xmlns="" val="10002"/>
+                    <a16:rowId xmlns:a16="http://schemas.microsoft.com/office/drawing/2014/main" val="10002"/>
                   </a:ext>
                 </a:extLst>
               </a:tr>
@@ -7035,7 +7354,7 @@
                 <a:gridCol w="5257800">
                   <a:extLst>
                     <a:ext uri="{9D8B030D-6E8A-4147-A177-3AD203B41FA5}">
-                      <a16:colId xmlns:a16="http://schemas.microsoft.com/office/drawing/2014/main" xmlns="" val="20000"/>
+                      <a16:colId xmlns:a16="http://schemas.microsoft.com/office/drawing/2014/main" val="20000"/>
                     </a:ext>
                   </a:extLst>
                 </a:gridCol>
@@ -7062,7 +7381,7 @@
                 </a:tc>
                 <a:extLst>
                   <a:ext uri="{0D108BD9-81ED-4DB2-BD59-A6C34878D82A}">
-                    <a16:rowId xmlns:a16="http://schemas.microsoft.com/office/drawing/2014/main" xmlns="" val="10000"/>
+                    <a16:rowId xmlns:a16="http://schemas.microsoft.com/office/drawing/2014/main" val="10000"/>
                   </a:ext>
                 </a:extLst>
               </a:tr>
@@ -7088,7 +7407,7 @@
                 </a:tc>
                 <a:extLst>
                   <a:ext uri="{0D108BD9-81ED-4DB2-BD59-A6C34878D82A}">
-                    <a16:rowId xmlns:a16="http://schemas.microsoft.com/office/drawing/2014/main" xmlns="" val="10001"/>
+                    <a16:rowId xmlns:a16="http://schemas.microsoft.com/office/drawing/2014/main" val="10001"/>
                   </a:ext>
                 </a:extLst>
               </a:tr>
@@ -7129,7 +7448,7 @@
                 </a:tc>
                 <a:extLst>
                   <a:ext uri="{0D108BD9-81ED-4DB2-BD59-A6C34878D82A}">
-                    <a16:rowId xmlns:a16="http://schemas.microsoft.com/office/drawing/2014/main" xmlns="" val="10002"/>
+                    <a16:rowId xmlns:a16="http://schemas.microsoft.com/office/drawing/2014/main" val="10002"/>
                   </a:ext>
                 </a:extLst>
               </a:tr>
@@ -7159,13 +7478,6 @@
       </p:transition>
     </mc:Fallback>
   </mc:AlternateContent>
-  <p:timing>
-    <p:tnLst>
-      <p:par>
-        <p:cTn id="1" dur="indefinite" restart="never" nodeType="tmRoot"/>
-      </p:par>
-    </p:tnLst>
-  </p:timing>
 </p:sld>
 </file>
 
@@ -7288,13 +7600,6 @@
       </p:transition>
     </mc:Fallback>
   </mc:AlternateContent>
-  <p:timing>
-    <p:tnLst>
-      <p:par>
-        <p:cTn id="1" dur="indefinite" restart="never" nodeType="tmRoot"/>
-      </p:par>
-    </p:tnLst>
-  </p:timing>
 </p:sld>
 </file>
 
@@ -7389,13 +7694,6 @@
       </p:transition>
     </mc:Fallback>
   </mc:AlternateContent>
-  <p:timing>
-    <p:tnLst>
-      <p:par>
-        <p:cTn id="1" dur="indefinite" restart="never" nodeType="tmRoot"/>
-      </p:par>
-    </p:tnLst>
-  </p:timing>
 </p:sld>
 </file>
 
@@ -7488,13 +7786,6 @@
       </p:transition>
     </mc:Fallback>
   </mc:AlternateContent>
-  <p:timing>
-    <p:tnLst>
-      <p:par>
-        <p:cTn id="1" dur="indefinite" restart="never" nodeType="tmRoot"/>
-      </p:par>
-    </p:tnLst>
-  </p:timing>
 </p:sld>
 </file>
 
@@ -7592,13 +7883,6 @@
       </p:transition>
     </mc:Fallback>
   </mc:AlternateContent>
-  <p:timing>
-    <p:tnLst>
-      <p:par>
-        <p:cTn id="1" dur="indefinite" restart="never" nodeType="tmRoot"/>
-      </p:par>
-    </p:tnLst>
-  </p:timing>
 </p:sld>
 </file>
 

--- a/web.pptx
+++ b/web.pptx
@@ -5,7 +5,7 @@
     <p:sldMasterId id="2147483840" r:id="rId1"/>
   </p:sldMasterIdLst>
   <p:notesMasterIdLst>
-    <p:notesMasterId r:id="rId17"/>
+    <p:notesMasterId r:id="rId19"/>
   </p:notesMasterIdLst>
   <p:sldIdLst>
     <p:sldId id="256" r:id="rId2"/>
@@ -22,7 +22,9 @@
     <p:sldId id="267" r:id="rId13"/>
     <p:sldId id="268" r:id="rId14"/>
     <p:sldId id="269" r:id="rId15"/>
-    <p:sldId id="270" r:id="rId16"/>
+    <p:sldId id="271" r:id="rId16"/>
+    <p:sldId id="272" r:id="rId17"/>
+    <p:sldId id="270" r:id="rId18"/>
   </p:sldIdLst>
   <p:sldSz cx="12192000" cy="6858000"/>
   <p:notesSz cx="6858000" cy="9144000"/>
@@ -1189,49 +1191,66 @@
               <a:t> </a:t>
             </a:r>
             <a:r>
-              <a:rPr lang="ar-SA" b="0" i="0" dirty="0">
+              <a:rPr lang="ar-SA" b="0" i="0" dirty="0" smtClean="0">
                 <a:solidFill>
                   <a:srgbClr val="333333"/>
                 </a:solidFill>
                 <a:effectLst/>
                 <a:latin typeface="Arial" panose="020B0604020202020204" pitchFamily="34" charset="0"/>
               </a:rPr>
-              <a:t>:تستخدم من أجل بناء عناصر صفحة الويب بشكل مجرد </a:t>
-            </a:r>
-          </a:p>
-          <a:p>
-            <a:pPr algn="l"/>
-            <a:r>
-              <a:rPr lang="en-US" b="0" i="0" dirty="0">
+              <a:t>:</a:t>
+            </a:r>
+            <a:r>
+              <a:rPr lang="en-US" b="0" i="0" dirty="0" smtClean="0">
                 <a:solidFill>
                   <a:srgbClr val="333333"/>
                 </a:solidFill>
                 <a:effectLst/>
                 <a:latin typeface="Arial" panose="020B0604020202020204" pitchFamily="34" charset="0"/>
               </a:rPr>
-              <a:t>"</a:t>
-            </a:r>
-            <a:r>
-              <a:rPr lang="en-US" b="1" i="0" dirty="0">
+              <a:t> </a:t>
+            </a:r>
+            <a:r>
+              <a:rPr lang="ar-SY" b="0" i="0" dirty="0" smtClean="0">
                 <a:solidFill>
                   <a:srgbClr val="333333"/>
                 </a:solidFill>
                 <a:effectLst/>
                 <a:latin typeface="Arial" panose="020B0604020202020204" pitchFamily="34" charset="0"/>
               </a:rPr>
-              <a:t>Hypertext</a:t>
-            </a:r>
-            <a:r>
-              <a:rPr lang="en-US" b="0" i="0" dirty="0">
+              <a:t>هي</a:t>
+            </a:r>
+            <a:r>
+              <a:rPr lang="ar-SY" b="0" i="0" baseline="0" dirty="0" smtClean="0">
                 <a:solidFill>
                   <a:srgbClr val="333333"/>
                 </a:solidFill>
                 <a:effectLst/>
                 <a:latin typeface="Arial" panose="020B0604020202020204" pitchFamily="34" charset="0"/>
               </a:rPr>
-              <a:t>" refers to links that connect web pages to one another, either within a single website or between websites</a:t>
-            </a:r>
-            <a:endParaRPr lang="ar-SA" b="0" i="0" dirty="0">
+              <a:t> لغة توصيف </a:t>
+            </a:r>
+            <a:r>
+              <a:rPr lang="ar-SA" b="0" i="0" dirty="0" smtClean="0">
+                <a:solidFill>
+                  <a:srgbClr val="333333"/>
+                </a:solidFill>
+                <a:effectLst/>
+                <a:latin typeface="Arial" panose="020B0604020202020204" pitchFamily="34" charset="0"/>
+              </a:rPr>
+              <a:t>تستخدم </a:t>
+            </a:r>
+            <a:r>
+              <a:rPr lang="ar-SA" b="0" i="0" dirty="0">
+                <a:solidFill>
+                  <a:srgbClr val="333333"/>
+                </a:solidFill>
+                <a:effectLst/>
+                <a:latin typeface="Arial" panose="020B0604020202020204" pitchFamily="34" charset="0"/>
+              </a:rPr>
+              <a:t>من أجل بناء عناصر صفحة الويب بشكل مجرد </a:t>
+            </a:r>
+            <a:endParaRPr lang="ar-SY" b="0" i="0" dirty="0" smtClean="0">
               <a:solidFill>
                 <a:srgbClr val="333333"/>
               </a:solidFill>
@@ -1240,152 +1259,25 @@
             </a:endParaRPr>
           </a:p>
           <a:p>
-            <a:pPr algn="l"/>
-            <a:r>
-              <a:rPr lang="en-US" b="0" i="0" dirty="0">
-                <a:solidFill>
-                  <a:srgbClr val="333333"/>
-                </a:solidFill>
-                <a:effectLst/>
-                <a:latin typeface="Arial" panose="020B0604020202020204" pitchFamily="34" charset="0"/>
-              </a:rPr>
-              <a:t>HTML uses "</a:t>
-            </a:r>
-            <a:r>
-              <a:rPr lang="en-US" b="1" i="0" dirty="0">
-                <a:solidFill>
-                  <a:srgbClr val="333333"/>
-                </a:solidFill>
-                <a:effectLst/>
-                <a:latin typeface="Arial" panose="020B0604020202020204" pitchFamily="34" charset="0"/>
-              </a:rPr>
-              <a:t>markup</a:t>
-            </a:r>
-            <a:r>
-              <a:rPr lang="en-US" b="0" i="0" dirty="0">
-                <a:solidFill>
-                  <a:srgbClr val="333333"/>
-                </a:solidFill>
-                <a:effectLst/>
-                <a:latin typeface="Arial" panose="020B0604020202020204" pitchFamily="34" charset="0"/>
-              </a:rPr>
-              <a:t>" to annotate text, images, and other content for display in a Web browser.</a:t>
-            </a:r>
-            <a:endParaRPr lang="ar-SA" b="0" i="0" dirty="0">
-              <a:solidFill>
-                <a:srgbClr val="333333"/>
-              </a:solidFill>
-              <a:effectLst/>
-              <a:latin typeface="Arial" panose="020B0604020202020204" pitchFamily="34" charset="0"/>
-            </a:endParaRPr>
-          </a:p>
-          <a:p>
-            <a:pPr algn="l"/>
-            <a:r>
-              <a:rPr lang="en-US" b="0" i="0" dirty="0">
-                <a:solidFill>
-                  <a:srgbClr val="333333"/>
-                </a:solidFill>
-                <a:effectLst/>
-                <a:latin typeface="Arial" panose="020B0604020202020204" pitchFamily="34" charset="0"/>
-              </a:rPr>
-              <a:t>HTML markup includes special "elements" such as </a:t>
-            </a:r>
-            <a:r>
-              <a:rPr lang="en-US" b="0" i="0" u="none" strike="noStrike" dirty="0">
-                <a:solidFill>
-                  <a:srgbClr val="3D7E9A"/>
-                </a:solidFill>
-                <a:effectLst/>
-                <a:latin typeface="Arial" panose="020B0604020202020204" pitchFamily="34" charset="0"/>
-                <a:hlinkClick r:id="rId3" tooltip="The HTML &lt;head&gt; element contains machine-readable information (metadata) about the document, like its title, scripts, and style sheets."/>
-              </a:rPr>
-              <a:t>&lt;head&gt;</a:t>
-            </a:r>
-            <a:r>
-              <a:rPr lang="en-US" b="0" i="0" dirty="0">
-                <a:solidFill>
-                  <a:srgbClr val="333333"/>
-                </a:solidFill>
-                <a:effectLst/>
-                <a:latin typeface="Arial" panose="020B0604020202020204" pitchFamily="34" charset="0"/>
-              </a:rPr>
-              <a:t>, </a:t>
-            </a:r>
-            <a:r>
-              <a:rPr lang="en-US" b="0" i="0" u="none" strike="noStrike" dirty="0">
-                <a:solidFill>
-                  <a:srgbClr val="3D7E9A"/>
-                </a:solidFill>
-                <a:effectLst/>
-                <a:latin typeface="Arial" panose="020B0604020202020204" pitchFamily="34" charset="0"/>
-                <a:hlinkClick r:id="rId4" tooltip="The HTML Title element (&lt;title&gt;) defines the document's title that is shown in a browser's title bar or a page's tab."/>
-              </a:rPr>
-              <a:t>&lt;title&gt;</a:t>
-            </a:r>
-            <a:r>
-              <a:rPr lang="en-US" b="0" i="0" dirty="0">
-                <a:solidFill>
-                  <a:srgbClr val="333333"/>
-                </a:solidFill>
-                <a:effectLst/>
-                <a:latin typeface="Arial" panose="020B0604020202020204" pitchFamily="34" charset="0"/>
-              </a:rPr>
-              <a:t>, </a:t>
-            </a:r>
-            <a:r>
-              <a:rPr lang="en-US" b="0" i="0" u="none" strike="noStrike" dirty="0">
-                <a:solidFill>
-                  <a:srgbClr val="3D7E9A"/>
-                </a:solidFill>
-                <a:effectLst/>
-                <a:latin typeface="Arial" panose="020B0604020202020204" pitchFamily="34" charset="0"/>
-                <a:hlinkClick r:id="rId5" tooltip="The HTML &lt;body&gt; Element represents the content of an HTML document. There can be only one &lt;body&gt; element in a document."/>
-              </a:rPr>
-              <a:t>&lt;body&gt;</a:t>
-            </a:r>
-            <a:r>
-              <a:rPr lang="en-US" b="0" i="0" dirty="0">
-                <a:solidFill>
-                  <a:srgbClr val="333333"/>
-                </a:solidFill>
-                <a:effectLst/>
-                <a:latin typeface="Arial" panose="020B0604020202020204" pitchFamily="34" charset="0"/>
-              </a:rPr>
-              <a:t>, </a:t>
-            </a:r>
-            <a:r>
-              <a:rPr lang="en-US" b="0" i="0" u="none" strike="noStrike" dirty="0">
-                <a:solidFill>
-                  <a:srgbClr val="3D7E9A"/>
-                </a:solidFill>
-                <a:effectLst/>
-                <a:latin typeface="Arial" panose="020B0604020202020204" pitchFamily="34" charset="0"/>
-                <a:hlinkClick r:id="rId6" tooltip="The HTML &lt;header&gt; element represents introductory content, typically a group of introductory or navigational aids. It may contain some heading elements but also a logo, a search form, an author name, and other elements."/>
-              </a:rPr>
-              <a:t>&lt;header&gt;</a:t>
-            </a:r>
-            <a:r>
-              <a:rPr lang="en-US" b="0" i="0" dirty="0">
-                <a:solidFill>
-                  <a:srgbClr val="333333"/>
-                </a:solidFill>
-                <a:effectLst/>
-                <a:latin typeface="Arial" panose="020B0604020202020204" pitchFamily="34" charset="0"/>
-              </a:rPr>
-              <a:t>,……</a:t>
-            </a:r>
-          </a:p>
-          <a:p>
-            <a:r>
-              <a:rPr lang="en-US" b="1" i="0" dirty="0">
+            <a:r>
+              <a:rPr lang="en-US" b="1" i="0" dirty="0" smtClean="0">
                 <a:solidFill>
                   <a:srgbClr val="000000"/>
                 </a:solidFill>
                 <a:effectLst/>
                 <a:latin typeface="Verdana" panose="020B0604030504040204" pitchFamily="34" charset="0"/>
               </a:rPr>
-              <a:t>Cascading Style Sheets (CSS</a:t>
+              <a:t>Cascading </a:t>
+            </a:r>
+            <a:r>
+              <a:rPr lang="en-US" b="1" i="0" dirty="0">
+                <a:solidFill>
+                  <a:srgbClr val="000000"/>
+                </a:solidFill>
+                <a:effectLst/>
+                <a:latin typeface="Verdana" panose="020B0604030504040204" pitchFamily="34" charset="0"/>
+              </a:rPr>
+              <a:t>Style Sheets (CSS</a:t>
             </a:r>
             <a:r>
               <a:rPr lang="en-US" b="1" i="0" dirty="0">
@@ -1509,6 +1401,613 @@
     <p:extLst>
       <p:ext uri="{BB962C8B-B14F-4D97-AF65-F5344CB8AC3E}">
         <p14:creationId xmlns:p14="http://schemas.microsoft.com/office/powerpoint/2010/main" val="4114500247"/>
+      </p:ext>
+    </p:extLst>
+  </p:cSld>
+  <p:clrMapOvr>
+    <a:masterClrMapping/>
+  </p:clrMapOvr>
+</p:notes>
+</file>
+
+<file path=ppt/notesSlides/notesSlide15.xml><?xml version="1.0" encoding="utf-8"?>
+<p:notes xmlns:a="http://schemas.openxmlformats.org/drawingml/2006/main" xmlns:r="http://schemas.openxmlformats.org/officeDocument/2006/relationships" xmlns:p="http://schemas.openxmlformats.org/presentationml/2006/main">
+  <p:cSld>
+    <p:spTree>
+      <p:nvGrpSpPr>
+        <p:cNvPr id="1" name=""/>
+        <p:cNvGrpSpPr/>
+        <p:nvPr/>
+      </p:nvGrpSpPr>
+      <p:grpSpPr>
+        <a:xfrm>
+          <a:off x="0" y="0"/>
+          <a:ext cx="0" cy="0"/>
+          <a:chOff x="0" y="0"/>
+          <a:chExt cx="0" cy="0"/>
+        </a:xfrm>
+      </p:grpSpPr>
+      <p:sp>
+        <p:nvSpPr>
+          <p:cNvPr id="2" name="عنصر نائب لصورة الشريحة 1"/>
+          <p:cNvSpPr>
+            <a:spLocks noGrp="1" noRot="1" noChangeAspect="1"/>
+          </p:cNvSpPr>
+          <p:nvPr>
+            <p:ph type="sldImg"/>
+          </p:nvPr>
+        </p:nvSpPr>
+        <p:spPr/>
+      </p:sp>
+      <p:sp>
+        <p:nvSpPr>
+          <p:cNvPr id="3" name="عنصر نائب للملاحظات 2"/>
+          <p:cNvSpPr>
+            <a:spLocks noGrp="1"/>
+          </p:cNvSpPr>
+          <p:nvPr>
+            <p:ph type="body" idx="1"/>
+          </p:nvPr>
+        </p:nvSpPr>
+        <p:spPr/>
+        <p:txBody>
+          <a:bodyPr/>
+          <a:lstStyle/>
+          <a:p>
+            <a:endParaRPr lang="ar-SA" b="0" i="0" dirty="0" smtClean="0">
+              <a:solidFill>
+                <a:srgbClr val="333333"/>
+              </a:solidFill>
+              <a:effectLst/>
+              <a:latin typeface="Arial" panose="020B0604020202020204" pitchFamily="34" charset="0"/>
+            </a:endParaRPr>
+          </a:p>
+          <a:p>
+            <a:pPr algn="l"/>
+            <a:r>
+              <a:rPr lang="en-US" b="0" i="0" dirty="0" smtClean="0">
+                <a:solidFill>
+                  <a:srgbClr val="333333"/>
+                </a:solidFill>
+                <a:effectLst/>
+                <a:latin typeface="Arial" panose="020B0604020202020204" pitchFamily="34" charset="0"/>
+              </a:rPr>
+              <a:t>"</a:t>
+            </a:r>
+            <a:r>
+              <a:rPr lang="en-US" b="1" i="0" dirty="0" smtClean="0">
+                <a:solidFill>
+                  <a:srgbClr val="333333"/>
+                </a:solidFill>
+                <a:effectLst/>
+                <a:latin typeface="Arial" panose="020B0604020202020204" pitchFamily="34" charset="0"/>
+              </a:rPr>
+              <a:t>Hypertext</a:t>
+            </a:r>
+            <a:r>
+              <a:rPr lang="en-US" b="0" i="0" dirty="0" smtClean="0">
+                <a:solidFill>
+                  <a:srgbClr val="333333"/>
+                </a:solidFill>
+                <a:effectLst/>
+                <a:latin typeface="Arial" panose="020B0604020202020204" pitchFamily="34" charset="0"/>
+              </a:rPr>
+              <a:t>" refers to links that connect web pages to one another, either within a single website or between websites</a:t>
+            </a:r>
+            <a:endParaRPr lang="ar-SA" b="0" i="0" dirty="0" smtClean="0">
+              <a:solidFill>
+                <a:srgbClr val="333333"/>
+              </a:solidFill>
+              <a:effectLst/>
+              <a:latin typeface="Arial" panose="020B0604020202020204" pitchFamily="34" charset="0"/>
+            </a:endParaRPr>
+          </a:p>
+          <a:p>
+            <a:pPr algn="l"/>
+            <a:r>
+              <a:rPr lang="en-US" b="0" i="0" dirty="0" smtClean="0">
+                <a:solidFill>
+                  <a:srgbClr val="333333"/>
+                </a:solidFill>
+                <a:effectLst/>
+                <a:latin typeface="Arial" panose="020B0604020202020204" pitchFamily="34" charset="0"/>
+              </a:rPr>
+              <a:t>HTML uses "</a:t>
+            </a:r>
+            <a:r>
+              <a:rPr lang="en-US" b="1" i="0" dirty="0" smtClean="0">
+                <a:solidFill>
+                  <a:srgbClr val="333333"/>
+                </a:solidFill>
+                <a:effectLst/>
+                <a:latin typeface="Arial" panose="020B0604020202020204" pitchFamily="34" charset="0"/>
+              </a:rPr>
+              <a:t>markup</a:t>
+            </a:r>
+            <a:r>
+              <a:rPr lang="en-US" b="0" i="0" dirty="0" smtClean="0">
+                <a:solidFill>
+                  <a:srgbClr val="333333"/>
+                </a:solidFill>
+                <a:effectLst/>
+                <a:latin typeface="Arial" panose="020B0604020202020204" pitchFamily="34" charset="0"/>
+              </a:rPr>
+              <a:t>" to annotate text, images, and other content for display in a Web browser.</a:t>
+            </a:r>
+            <a:endParaRPr lang="ar-SA" b="0" i="0" dirty="0" smtClean="0">
+              <a:solidFill>
+                <a:srgbClr val="333333"/>
+              </a:solidFill>
+              <a:effectLst/>
+              <a:latin typeface="Arial" panose="020B0604020202020204" pitchFamily="34" charset="0"/>
+            </a:endParaRPr>
+          </a:p>
+          <a:p>
+            <a:pPr algn="l"/>
+            <a:r>
+              <a:rPr lang="en-US" b="0" i="0" dirty="0" smtClean="0">
+                <a:solidFill>
+                  <a:srgbClr val="333333"/>
+                </a:solidFill>
+                <a:effectLst/>
+                <a:latin typeface="Arial" panose="020B0604020202020204" pitchFamily="34" charset="0"/>
+              </a:rPr>
+              <a:t>HTML markup includes special "elements" such as </a:t>
+            </a:r>
+            <a:r>
+              <a:rPr lang="en-US" b="0" i="0" u="none" strike="noStrike" dirty="0" smtClean="0">
+                <a:solidFill>
+                  <a:srgbClr val="3D7E9A"/>
+                </a:solidFill>
+                <a:effectLst/>
+                <a:latin typeface="Arial" panose="020B0604020202020204" pitchFamily="34" charset="0"/>
+                <a:hlinkClick r:id="rId3" tooltip="The HTML &lt;head&gt; element contains machine-readable information (metadata) about the document, like its title, scripts, and style sheets."/>
+              </a:rPr>
+              <a:t>&lt;head&gt;</a:t>
+            </a:r>
+            <a:r>
+              <a:rPr lang="en-US" b="0" i="0" dirty="0" smtClean="0">
+                <a:solidFill>
+                  <a:srgbClr val="333333"/>
+                </a:solidFill>
+                <a:effectLst/>
+                <a:latin typeface="Arial" panose="020B0604020202020204" pitchFamily="34" charset="0"/>
+              </a:rPr>
+              <a:t>, </a:t>
+            </a:r>
+            <a:r>
+              <a:rPr lang="en-US" b="0" i="0" u="none" strike="noStrike" dirty="0" smtClean="0">
+                <a:solidFill>
+                  <a:srgbClr val="3D7E9A"/>
+                </a:solidFill>
+                <a:effectLst/>
+                <a:latin typeface="Arial" panose="020B0604020202020204" pitchFamily="34" charset="0"/>
+                <a:hlinkClick r:id="rId4" tooltip="The HTML Title element (&lt;title&gt;) defines the document's title that is shown in a browser's title bar or a page's tab."/>
+              </a:rPr>
+              <a:t>&lt;title&gt;</a:t>
+            </a:r>
+            <a:r>
+              <a:rPr lang="en-US" b="0" i="0" dirty="0" smtClean="0">
+                <a:solidFill>
+                  <a:srgbClr val="333333"/>
+                </a:solidFill>
+                <a:effectLst/>
+                <a:latin typeface="Arial" panose="020B0604020202020204" pitchFamily="34" charset="0"/>
+              </a:rPr>
+              <a:t>, </a:t>
+            </a:r>
+            <a:r>
+              <a:rPr lang="en-US" b="0" i="0" u="none" strike="noStrike" dirty="0" smtClean="0">
+                <a:solidFill>
+                  <a:srgbClr val="3D7E9A"/>
+                </a:solidFill>
+                <a:effectLst/>
+                <a:latin typeface="Arial" panose="020B0604020202020204" pitchFamily="34" charset="0"/>
+                <a:hlinkClick r:id="rId5" tooltip="The HTML &lt;body&gt; Element represents the content of an HTML document. There can be only one &lt;body&gt; element in a document."/>
+              </a:rPr>
+              <a:t>&lt;body&gt;</a:t>
+            </a:r>
+            <a:r>
+              <a:rPr lang="en-US" b="0" i="0" dirty="0" smtClean="0">
+                <a:solidFill>
+                  <a:srgbClr val="333333"/>
+                </a:solidFill>
+                <a:effectLst/>
+                <a:latin typeface="Arial" panose="020B0604020202020204" pitchFamily="34" charset="0"/>
+              </a:rPr>
+              <a:t>, </a:t>
+            </a:r>
+            <a:r>
+              <a:rPr lang="en-US" b="0" i="0" u="none" strike="noStrike" dirty="0" smtClean="0">
+                <a:solidFill>
+                  <a:srgbClr val="3D7E9A"/>
+                </a:solidFill>
+                <a:effectLst/>
+                <a:latin typeface="Arial" panose="020B0604020202020204" pitchFamily="34" charset="0"/>
+                <a:hlinkClick r:id="rId6" tooltip="The HTML &lt;header&gt; element represents introductory content, typically a group of introductory or navigational aids. It may contain some heading elements but also a logo, a search form, an author name, and other elements."/>
+              </a:rPr>
+              <a:t>&lt;header&gt;</a:t>
+            </a:r>
+            <a:r>
+              <a:rPr lang="en-US" b="0" i="0" dirty="0" smtClean="0">
+                <a:solidFill>
+                  <a:srgbClr val="333333"/>
+                </a:solidFill>
+                <a:effectLst/>
+                <a:latin typeface="Arial" panose="020B0604020202020204" pitchFamily="34" charset="0"/>
+              </a:rPr>
+              <a:t>,……</a:t>
+            </a:r>
+          </a:p>
+          <a:p>
+            <a:pPr marL="171450" indent="-171450" algn="r" rtl="1">
+              <a:buFont typeface="Arial" panose="020B0604020202020204" pitchFamily="34" charset="0"/>
+              <a:buChar char="•"/>
+            </a:pPr>
+            <a:endParaRPr lang="ar-SY" sz="1200" dirty="0" smtClean="0"/>
+          </a:p>
+          <a:p>
+            <a:pPr marL="171450" indent="-171450" algn="r" rtl="1">
+              <a:buFont typeface="Arial" panose="020B0604020202020204" pitchFamily="34" charset="0"/>
+              <a:buChar char="•"/>
+            </a:pPr>
+            <a:endParaRPr lang="ar-SY" sz="1200" dirty="0" smtClean="0"/>
+          </a:p>
+          <a:p>
+            <a:pPr marL="171450" indent="-171450" algn="r" rtl="1">
+              <a:buFont typeface="Arial" panose="020B0604020202020204" pitchFamily="34" charset="0"/>
+              <a:buChar char="•"/>
+            </a:pPr>
+            <a:r>
+              <a:rPr lang="ar-SY" sz="1200" dirty="0" smtClean="0"/>
+              <a:t>هي لغة توصيف و ليست لغة برمجة </a:t>
+            </a:r>
+          </a:p>
+          <a:p>
+            <a:pPr marL="171450" indent="-171450" algn="r" rtl="1">
+              <a:buFont typeface="Arial" panose="020B0604020202020204" pitchFamily="34" charset="0"/>
+              <a:buChar char="•"/>
+            </a:pPr>
+            <a:r>
+              <a:rPr lang="ar-SY" sz="1200" dirty="0" smtClean="0"/>
+              <a:t>غير حساسة لحالة الأحرف </a:t>
+            </a:r>
+          </a:p>
+          <a:p>
+            <a:pPr marL="171450" indent="-171450" algn="r" rtl="1">
+              <a:buFont typeface="Arial" panose="020B0604020202020204" pitchFamily="34" charset="0"/>
+              <a:buChar char="•"/>
+            </a:pPr>
+            <a:r>
+              <a:rPr lang="ar-SY" sz="1200" dirty="0" smtClean="0"/>
+              <a:t>يوصى باستخدام الأحرف الصغيرة </a:t>
+            </a:r>
+          </a:p>
+          <a:p>
+            <a:pPr marL="171450" indent="-171450" algn="r" rtl="1">
+              <a:buFont typeface="Arial" panose="020B0604020202020204" pitchFamily="34" charset="0"/>
+              <a:buChar char="•"/>
+            </a:pPr>
+            <a:r>
+              <a:rPr lang="ar-SY" sz="1200" dirty="0" smtClean="0"/>
+              <a:t>لها عدة </a:t>
+            </a:r>
+            <a:r>
+              <a:rPr lang="ar-SY" sz="1200" dirty="0" err="1" smtClean="0"/>
+              <a:t>اصدارت</a:t>
+            </a:r>
+            <a:r>
+              <a:rPr lang="ar-SY" sz="1200" dirty="0" smtClean="0"/>
+              <a:t> و اخرها</a:t>
+            </a:r>
+            <a:r>
+              <a:rPr lang="ar-SY" sz="1200" baseline="0" dirty="0" smtClean="0"/>
+              <a:t> </a:t>
+            </a:r>
+            <a:r>
+              <a:rPr lang="en-US" sz="1200" b="1" baseline="0" dirty="0" smtClean="0"/>
+              <a:t>HTML5</a:t>
+            </a:r>
+            <a:endParaRPr lang="ar-SY" sz="1200" b="1" dirty="0" smtClean="0"/>
+          </a:p>
+          <a:p>
+            <a:pPr marL="171450" indent="-171450" algn="r" rtl="1">
+              <a:buFont typeface="Arial" panose="020B0604020202020204" pitchFamily="34" charset="0"/>
+              <a:buChar char="•"/>
+            </a:pPr>
+            <a:r>
+              <a:rPr lang="ar-SY" sz="1200" dirty="0" smtClean="0"/>
+              <a:t>تستخدم</a:t>
+            </a:r>
+            <a:r>
+              <a:rPr lang="ar-SY" sz="1200" baseline="0" dirty="0" smtClean="0"/>
+              <a:t> </a:t>
+            </a:r>
+            <a:r>
+              <a:rPr lang="en-US" sz="1200" baseline="0" dirty="0" smtClean="0"/>
+              <a:t>tags</a:t>
+            </a:r>
+            <a:r>
+              <a:rPr lang="ar-SY" sz="1200" baseline="0" dirty="0" smtClean="0"/>
+              <a:t> لتعريف عناصر صفحة الويب </a:t>
+            </a:r>
+            <a:endParaRPr lang="ar-SY" sz="1200" dirty="0" smtClean="0"/>
+          </a:p>
+          <a:p>
+            <a:endParaRPr lang="ar-SY" dirty="0"/>
+          </a:p>
+        </p:txBody>
+      </p:sp>
+      <p:sp>
+        <p:nvSpPr>
+          <p:cNvPr id="4" name="عنصر نائب لرقم الشريحة 3"/>
+          <p:cNvSpPr>
+            <a:spLocks noGrp="1"/>
+          </p:cNvSpPr>
+          <p:nvPr>
+            <p:ph type="sldNum" sz="quarter" idx="10"/>
+          </p:nvPr>
+        </p:nvSpPr>
+        <p:spPr/>
+        <p:txBody>
+          <a:bodyPr/>
+          <a:lstStyle/>
+          <a:p>
+            <a:fld id="{CC320E0A-D0AF-4D7D-9A21-388A396A7CCB}" type="slidenum">
+              <a:rPr lang="ar-SY" smtClean="0"/>
+              <a:t>15</a:t>
+            </a:fld>
+            <a:endParaRPr lang="ar-SY"/>
+          </a:p>
+        </p:txBody>
+      </p:sp>
+    </p:spTree>
+    <p:extLst>
+      <p:ext uri="{BB962C8B-B14F-4D97-AF65-F5344CB8AC3E}">
+        <p14:creationId xmlns:p14="http://schemas.microsoft.com/office/powerpoint/2010/main" val="3129393123"/>
+      </p:ext>
+    </p:extLst>
+  </p:cSld>
+  <p:clrMapOvr>
+    <a:masterClrMapping/>
+  </p:clrMapOvr>
+</p:notes>
+</file>
+
+<file path=ppt/notesSlides/notesSlide16.xml><?xml version="1.0" encoding="utf-8"?>
+<p:notes xmlns:a="http://schemas.openxmlformats.org/drawingml/2006/main" xmlns:r="http://schemas.openxmlformats.org/officeDocument/2006/relationships" xmlns:p="http://schemas.openxmlformats.org/presentationml/2006/main">
+  <p:cSld>
+    <p:spTree>
+      <p:nvGrpSpPr>
+        <p:cNvPr id="1" name=""/>
+        <p:cNvGrpSpPr/>
+        <p:nvPr/>
+      </p:nvGrpSpPr>
+      <p:grpSpPr>
+        <a:xfrm>
+          <a:off x="0" y="0"/>
+          <a:ext cx="0" cy="0"/>
+          <a:chOff x="0" y="0"/>
+          <a:chExt cx="0" cy="0"/>
+        </a:xfrm>
+      </p:grpSpPr>
+      <p:sp>
+        <p:nvSpPr>
+          <p:cNvPr id="2" name="عنصر نائب لصورة الشريحة 1"/>
+          <p:cNvSpPr>
+            <a:spLocks noGrp="1" noRot="1" noChangeAspect="1"/>
+          </p:cNvSpPr>
+          <p:nvPr>
+            <p:ph type="sldImg"/>
+          </p:nvPr>
+        </p:nvSpPr>
+        <p:spPr/>
+      </p:sp>
+      <p:sp>
+        <p:nvSpPr>
+          <p:cNvPr id="3" name="عنصر نائب للملاحظات 2"/>
+          <p:cNvSpPr>
+            <a:spLocks noGrp="1"/>
+          </p:cNvSpPr>
+          <p:nvPr>
+            <p:ph type="body" idx="1"/>
+          </p:nvPr>
+        </p:nvSpPr>
+        <p:spPr/>
+        <p:txBody>
+          <a:bodyPr/>
+          <a:lstStyle/>
+          <a:p>
+            <a:r>
+              <a:rPr lang="ar-SY" dirty="0" smtClean="0"/>
+              <a:t>لكل</a:t>
+            </a:r>
+            <a:r>
+              <a:rPr lang="ar-SY" baseline="0" dirty="0" smtClean="0"/>
+              <a:t> عنصر </a:t>
+            </a:r>
+            <a:r>
+              <a:rPr lang="en-US" baseline="0" dirty="0" smtClean="0"/>
+              <a:t>open tag &amp; close tag </a:t>
+            </a:r>
+          </a:p>
+          <a:p>
+            <a:r>
+              <a:rPr lang="ar-SY" baseline="0" dirty="0" smtClean="0"/>
+              <a:t>بعض العناصر تكون </a:t>
+            </a:r>
+            <a:r>
+              <a:rPr lang="en-US" baseline="0" dirty="0" smtClean="0"/>
+              <a:t>self closing </a:t>
+            </a:r>
+            <a:r>
+              <a:rPr lang="ar-SY" baseline="0" dirty="0" smtClean="0"/>
+              <a:t> أي بدون</a:t>
+            </a:r>
+            <a:r>
+              <a:rPr lang="en-US" baseline="0" dirty="0" smtClean="0"/>
+              <a:t>close tag </a:t>
+            </a:r>
+            <a:endParaRPr lang="ar-SY" dirty="0"/>
+          </a:p>
+        </p:txBody>
+      </p:sp>
+      <p:sp>
+        <p:nvSpPr>
+          <p:cNvPr id="4" name="عنصر نائب لرقم الشريحة 3"/>
+          <p:cNvSpPr>
+            <a:spLocks noGrp="1"/>
+          </p:cNvSpPr>
+          <p:nvPr>
+            <p:ph type="sldNum" sz="quarter" idx="10"/>
+          </p:nvPr>
+        </p:nvSpPr>
+        <p:spPr/>
+        <p:txBody>
+          <a:bodyPr/>
+          <a:lstStyle/>
+          <a:p>
+            <a:fld id="{CC320E0A-D0AF-4D7D-9A21-388A396A7CCB}" type="slidenum">
+              <a:rPr lang="ar-SY" smtClean="0"/>
+              <a:t>16</a:t>
+            </a:fld>
+            <a:endParaRPr lang="ar-SY"/>
+          </a:p>
+        </p:txBody>
+      </p:sp>
+    </p:spTree>
+    <p:extLst>
+      <p:ext uri="{BB962C8B-B14F-4D97-AF65-F5344CB8AC3E}">
+        <p14:creationId xmlns:p14="http://schemas.microsoft.com/office/powerpoint/2010/main" val="1136125287"/>
+      </p:ext>
+    </p:extLst>
+  </p:cSld>
+  <p:clrMapOvr>
+    <a:masterClrMapping/>
+  </p:clrMapOvr>
+</p:notes>
+</file>
+
+<file path=ppt/notesSlides/notesSlide17.xml><?xml version="1.0" encoding="utf-8"?>
+<p:notes xmlns:a="http://schemas.openxmlformats.org/drawingml/2006/main" xmlns:r="http://schemas.openxmlformats.org/officeDocument/2006/relationships" xmlns:p="http://schemas.openxmlformats.org/presentationml/2006/main">
+  <p:cSld>
+    <p:spTree>
+      <p:nvGrpSpPr>
+        <p:cNvPr id="1" name=""/>
+        <p:cNvGrpSpPr/>
+        <p:nvPr/>
+      </p:nvGrpSpPr>
+      <p:grpSpPr>
+        <a:xfrm>
+          <a:off x="0" y="0"/>
+          <a:ext cx="0" cy="0"/>
+          <a:chOff x="0" y="0"/>
+          <a:chExt cx="0" cy="0"/>
+        </a:xfrm>
+      </p:grpSpPr>
+      <p:sp>
+        <p:nvSpPr>
+          <p:cNvPr id="2" name="عنصر نائب لصورة الشريحة 1"/>
+          <p:cNvSpPr>
+            <a:spLocks noGrp="1" noRot="1" noChangeAspect="1"/>
+          </p:cNvSpPr>
+          <p:nvPr>
+            <p:ph type="sldImg"/>
+          </p:nvPr>
+        </p:nvSpPr>
+        <p:spPr/>
+      </p:sp>
+      <p:sp>
+        <p:nvSpPr>
+          <p:cNvPr id="3" name="عنصر نائب للملاحظات 2"/>
+          <p:cNvSpPr>
+            <a:spLocks noGrp="1"/>
+          </p:cNvSpPr>
+          <p:nvPr>
+            <p:ph type="body" idx="1"/>
+          </p:nvPr>
+        </p:nvSpPr>
+        <p:spPr/>
+        <p:txBody>
+          <a:bodyPr/>
+          <a:lstStyle/>
+          <a:p>
+            <a:r>
+              <a:rPr lang="ar-SY" dirty="0" smtClean="0"/>
+              <a:t>بنية صفحة الويب </a:t>
+            </a:r>
+          </a:p>
+          <a:p>
+            <a:r>
+              <a:rPr lang="ar-SY" dirty="0" smtClean="0"/>
+              <a:t>كل ما يكتب في </a:t>
+            </a:r>
+            <a:r>
+              <a:rPr lang="en-US" dirty="0" smtClean="0"/>
+              <a:t>head</a:t>
+            </a:r>
+            <a:r>
+              <a:rPr lang="en-US" baseline="0" dirty="0" smtClean="0"/>
+              <a:t> </a:t>
+            </a:r>
+            <a:r>
+              <a:rPr lang="ar-SY" baseline="0" dirty="0" smtClean="0"/>
+              <a:t> لا يظهر في الصفحة و يكون عبارة عن روابط لملفات مرتبطة بالصفحة مثل </a:t>
+            </a:r>
+            <a:r>
+              <a:rPr lang="en-US" baseline="0" dirty="0" err="1" smtClean="0"/>
+              <a:t>css</a:t>
+            </a:r>
+            <a:r>
+              <a:rPr lang="en-US" baseline="0" dirty="0" smtClean="0"/>
+              <a:t> &amp; </a:t>
+            </a:r>
+            <a:r>
+              <a:rPr lang="en-US" baseline="0" dirty="0" err="1" smtClean="0"/>
+              <a:t>js</a:t>
+            </a:r>
+            <a:endParaRPr lang="en-US" baseline="0" dirty="0" smtClean="0"/>
+          </a:p>
+          <a:p>
+            <a:r>
+              <a:rPr lang="ar-SY" baseline="0" dirty="0" smtClean="0"/>
+              <a:t>كل ما يظهر للمستخدم يكون ضمن </a:t>
+            </a:r>
+            <a:r>
+              <a:rPr lang="en-US" baseline="0" dirty="0" smtClean="0"/>
+              <a:t>body</a:t>
+            </a:r>
+            <a:endParaRPr lang="ar-SY" dirty="0"/>
+          </a:p>
+        </p:txBody>
+      </p:sp>
+      <p:sp>
+        <p:nvSpPr>
+          <p:cNvPr id="4" name="عنصر نائب لرقم الشريحة 3"/>
+          <p:cNvSpPr>
+            <a:spLocks noGrp="1"/>
+          </p:cNvSpPr>
+          <p:nvPr>
+            <p:ph type="sldNum" sz="quarter" idx="10"/>
+          </p:nvPr>
+        </p:nvSpPr>
+        <p:spPr/>
+        <p:txBody>
+          <a:bodyPr/>
+          <a:lstStyle/>
+          <a:p>
+            <a:fld id="{CC320E0A-D0AF-4D7D-9A21-388A396A7CCB}" type="slidenum">
+              <a:rPr lang="ar-SY" smtClean="0"/>
+              <a:t>17</a:t>
+            </a:fld>
+            <a:endParaRPr lang="ar-SY"/>
+          </a:p>
+        </p:txBody>
+      </p:sp>
+    </p:spTree>
+    <p:extLst>
+      <p:ext uri="{BB962C8B-B14F-4D97-AF65-F5344CB8AC3E}">
+        <p14:creationId xmlns:p14="http://schemas.microsoft.com/office/powerpoint/2010/main" val="2049624483"/>
       </p:ext>
     </p:extLst>
   </p:cSld>
@@ -6452,7 +6951,7 @@
           <p:cNvPr id="2" name="عنوان 1">
             <a:extLst>
               <a:ext uri="{FF2B5EF4-FFF2-40B4-BE49-F238E27FC236}">
-                <a16:creationId xmlns:a16="http://schemas.microsoft.com/office/drawing/2014/main" id="{FABE6D8F-611E-4C3A-BF03-368EA85E2E4C}"/>
+                <a16:creationId xmlns:a16="http://schemas.microsoft.com/office/drawing/2014/main" xmlns="" id="{FABE6D8F-611E-4C3A-BF03-368EA85E2E4C}"/>
               </a:ext>
             </a:extLst>
           </p:cNvPr>
@@ -6483,7 +6982,7 @@
           <p:cNvPr id="10" name="صورة 9">
             <a:extLst>
               <a:ext uri="{FF2B5EF4-FFF2-40B4-BE49-F238E27FC236}">
-                <a16:creationId xmlns:a16="http://schemas.microsoft.com/office/drawing/2014/main" id="{CDC21F2B-6FF8-4358-A469-D6EA8318A295}"/>
+                <a16:creationId xmlns:a16="http://schemas.microsoft.com/office/drawing/2014/main" xmlns="" id="{CDC21F2B-6FF8-4358-A469-D6EA8318A295}"/>
               </a:ext>
             </a:extLst>
           </p:cNvPr>
@@ -6555,7 +7054,7 @@
           <p:cNvPr id="2" name="عنوان 1">
             <a:extLst>
               <a:ext uri="{FF2B5EF4-FFF2-40B4-BE49-F238E27FC236}">
-                <a16:creationId xmlns:a16="http://schemas.microsoft.com/office/drawing/2014/main" id="{9453BCD2-7A68-48FC-AE50-605253AD70DE}"/>
+                <a16:creationId xmlns:a16="http://schemas.microsoft.com/office/drawing/2014/main" xmlns="" id="{9453BCD2-7A68-48FC-AE50-605253AD70DE}"/>
               </a:ext>
             </a:extLst>
           </p:cNvPr>
@@ -6665,7 +7164,7 @@
           <p:cNvPr id="2" name="عنوان 1">
             <a:extLst>
               <a:ext uri="{FF2B5EF4-FFF2-40B4-BE49-F238E27FC236}">
-                <a16:creationId xmlns:a16="http://schemas.microsoft.com/office/drawing/2014/main" id="{9453BCD2-7A68-48FC-AE50-605253AD70DE}"/>
+                <a16:creationId xmlns:a16="http://schemas.microsoft.com/office/drawing/2014/main" xmlns="" id="{9453BCD2-7A68-48FC-AE50-605253AD70DE}"/>
               </a:ext>
             </a:extLst>
           </p:cNvPr>
@@ -6864,10 +7363,318 @@
       </p:grpSpPr>
       <p:sp>
         <p:nvSpPr>
+          <p:cNvPr id="2" name="عنوان 1"/>
+          <p:cNvSpPr>
+            <a:spLocks noGrp="1"/>
+          </p:cNvSpPr>
+          <p:nvPr>
+            <p:ph type="title"/>
+          </p:nvPr>
+        </p:nvSpPr>
+        <p:spPr>
+          <a:xfrm>
+            <a:off x="838200" y="524151"/>
+            <a:ext cx="10515600" cy="1325563"/>
+          </a:xfrm>
+        </p:spPr>
+        <p:txBody>
+          <a:bodyPr>
+            <a:normAutofit fontScale="90000"/>
+          </a:bodyPr>
+          <a:lstStyle/>
+          <a:p>
+            <a:pPr algn="ctr"/>
+            <a:r>
+              <a:rPr lang="en-US" sz="4800" b="1" dirty="0" smtClean="0"/>
+              <a:t>HTML</a:t>
+            </a:r>
+            <a:r>
+              <a:rPr lang="ar-SY" sz="4800" b="1" dirty="0" smtClean="0"/>
+              <a:t/>
+            </a:r>
+            <a:br>
+              <a:rPr lang="ar-SY" sz="4800" b="1" dirty="0" smtClean="0"/>
+            </a:br>
+            <a:r>
+              <a:rPr lang="en-US" b="1" dirty="0" err="1">
+                <a:latin typeface="Arial" panose="020B0604020202020204" pitchFamily="34" charset="0"/>
+              </a:rPr>
+              <a:t>HyperText</a:t>
+            </a:r>
+            <a:r>
+              <a:rPr lang="en-US" b="1" dirty="0">
+                <a:latin typeface="Arial" panose="020B0604020202020204" pitchFamily="34" charset="0"/>
+              </a:rPr>
+              <a:t> Markup Language</a:t>
+            </a:r>
+            <a:r>
+              <a:rPr lang="ar-SA" b="1" dirty="0">
+                <a:latin typeface="Arial" panose="020B0604020202020204" pitchFamily="34" charset="0"/>
+              </a:rPr>
+              <a:t> </a:t>
+            </a:r>
+            <a:r>
+              <a:rPr lang="ar-SY" b="1" dirty="0"/>
+              <a:t/>
+            </a:r>
+            <a:br>
+              <a:rPr lang="ar-SY" b="1" dirty="0"/>
+            </a:br>
+            <a:endParaRPr lang="ar-SY" b="1" dirty="0"/>
+          </a:p>
+        </p:txBody>
+      </p:sp>
+      <p:pic>
+        <p:nvPicPr>
+          <p:cNvPr id="6" name="صورة 5"/>
+          <p:cNvPicPr>
+            <a:picLocks noChangeAspect="1"/>
+          </p:cNvPicPr>
+          <p:nvPr/>
+        </p:nvPicPr>
+        <p:blipFill>
+          <a:blip r:embed="rId3">
+            <a:extLst>
+              <a:ext uri="{28A0092B-C50C-407E-A947-70E740481C1C}">
+                <a14:useLocalDpi xmlns:a14="http://schemas.microsoft.com/office/drawing/2010/main" val="0"/>
+              </a:ext>
+            </a:extLst>
+          </a:blip>
+          <a:stretch>
+            <a:fillRect/>
+          </a:stretch>
+        </p:blipFill>
+        <p:spPr>
+          <a:xfrm>
+            <a:off x="2100745" y="1849714"/>
+            <a:ext cx="7990510" cy="4494662"/>
+          </a:xfrm>
+          <a:prstGeom prst="rect">
+            <a:avLst/>
+          </a:prstGeom>
+        </p:spPr>
+      </p:pic>
+    </p:spTree>
+    <p:extLst>
+      <p:ext uri="{BB962C8B-B14F-4D97-AF65-F5344CB8AC3E}">
+        <p14:creationId xmlns:p14="http://schemas.microsoft.com/office/powerpoint/2010/main" val="2147993384"/>
+      </p:ext>
+    </p:extLst>
+  </p:cSld>
+  <p:clrMapOvr>
+    <a:masterClrMapping/>
+  </p:clrMapOvr>
+  <mc:AlternateContent xmlns:mc="http://schemas.openxmlformats.org/markup-compatibility/2006">
+    <mc:Choice xmlns:p14="http://schemas.microsoft.com/office/powerpoint/2010/main" Requires="p14">
+      <p:transition spd="slow" p14:dur="1300">
+        <p14:pan dir="u"/>
+      </p:transition>
+    </mc:Choice>
+    <mc:Fallback>
+      <p:transition spd="slow">
+        <p:fade/>
+      </p:transition>
+    </mc:Fallback>
+  </mc:AlternateContent>
+  <p:timing>
+    <p:tnLst>
+      <p:par>
+        <p:cTn id="1" dur="indefinite" restart="never" nodeType="tmRoot"/>
+      </p:par>
+    </p:tnLst>
+  </p:timing>
+</p:sld>
+</file>
+
+<file path=ppt/slides/slide16.xml><?xml version="1.0" encoding="utf-8"?>
+<p:sld xmlns:a="http://schemas.openxmlformats.org/drawingml/2006/main" xmlns:r="http://schemas.openxmlformats.org/officeDocument/2006/relationships" xmlns:p="http://schemas.openxmlformats.org/presentationml/2006/main">
+  <p:cSld>
+    <p:spTree>
+      <p:nvGrpSpPr>
+        <p:cNvPr id="1" name=""/>
+        <p:cNvGrpSpPr/>
+        <p:nvPr/>
+      </p:nvGrpSpPr>
+      <p:grpSpPr>
+        <a:xfrm>
+          <a:off x="0" y="0"/>
+          <a:ext cx="0" cy="0"/>
+          <a:chOff x="0" y="0"/>
+          <a:chExt cx="0" cy="0"/>
+        </a:xfrm>
+      </p:grpSpPr>
+      <p:sp>
+        <p:nvSpPr>
+          <p:cNvPr id="2" name="عنوان 1"/>
+          <p:cNvSpPr>
+            <a:spLocks noGrp="1"/>
+          </p:cNvSpPr>
+          <p:nvPr>
+            <p:ph type="title"/>
+          </p:nvPr>
+        </p:nvSpPr>
+        <p:spPr/>
+        <p:txBody>
+          <a:bodyPr/>
+          <a:lstStyle/>
+          <a:p>
+            <a:pPr algn="ctr"/>
+            <a:r>
+              <a:rPr lang="en-US" sz="4800" b="1" dirty="0"/>
+              <a:t>HTML </a:t>
+            </a:r>
+            <a:r>
+              <a:rPr lang="en-US" sz="4800" b="1" dirty="0" smtClean="0"/>
+              <a:t> Tags </a:t>
+            </a:r>
+            <a:endParaRPr lang="ar-SY" b="1" dirty="0"/>
+          </a:p>
+        </p:txBody>
+      </p:sp>
+      <p:pic>
+        <p:nvPicPr>
+          <p:cNvPr id="4" name="عنصر نائب للمحتوى 3"/>
+          <p:cNvPicPr>
+            <a:picLocks noGrp="1" noChangeAspect="1"/>
+          </p:cNvPicPr>
+          <p:nvPr>
+            <p:ph idx="1"/>
+          </p:nvPr>
+        </p:nvPicPr>
+        <p:blipFill>
+          <a:blip r:embed="rId3">
+            <a:extLst>
+              <a:ext uri="{28A0092B-C50C-407E-A947-70E740481C1C}">
+                <a14:useLocalDpi xmlns:a14="http://schemas.microsoft.com/office/drawing/2010/main" val="0"/>
+              </a:ext>
+            </a:extLst>
+          </a:blip>
+          <a:stretch>
+            <a:fillRect/>
+          </a:stretch>
+        </p:blipFill>
+        <p:spPr>
+          <a:xfrm>
+            <a:off x="200110" y="3968448"/>
+            <a:ext cx="5743490" cy="1986097"/>
+          </a:xfrm>
+        </p:spPr>
+      </p:pic>
+      <p:pic>
+        <p:nvPicPr>
+          <p:cNvPr id="5" name="صورة 4"/>
+          <p:cNvPicPr>
+            <a:picLocks noChangeAspect="1"/>
+          </p:cNvPicPr>
+          <p:nvPr/>
+        </p:nvPicPr>
+        <p:blipFill>
+          <a:blip r:embed="rId4">
+            <a:extLst>
+              <a:ext uri="{28A0092B-C50C-407E-A947-70E740481C1C}">
+                <a14:useLocalDpi xmlns:a14="http://schemas.microsoft.com/office/drawing/2010/main" val="0"/>
+              </a:ext>
+            </a:extLst>
+          </a:blip>
+          <a:stretch>
+            <a:fillRect/>
+          </a:stretch>
+        </p:blipFill>
+        <p:spPr>
+          <a:xfrm>
+            <a:off x="2731275" y="1690688"/>
+            <a:ext cx="7002264" cy="1847641"/>
+          </a:xfrm>
+          <a:prstGeom prst="rect">
+            <a:avLst/>
+          </a:prstGeom>
+        </p:spPr>
+      </p:pic>
+      <p:pic>
+        <p:nvPicPr>
+          <p:cNvPr id="6" name="صورة 5"/>
+          <p:cNvPicPr>
+            <a:picLocks noChangeAspect="1"/>
+          </p:cNvPicPr>
+          <p:nvPr/>
+        </p:nvPicPr>
+        <p:blipFill>
+          <a:blip r:embed="rId5" cstate="print">
+            <a:extLst>
+              <a:ext uri="{28A0092B-C50C-407E-A947-70E740481C1C}">
+                <a14:useLocalDpi xmlns:a14="http://schemas.microsoft.com/office/drawing/2010/main" val="0"/>
+              </a:ext>
+            </a:extLst>
+          </a:blip>
+          <a:stretch>
+            <a:fillRect/>
+          </a:stretch>
+        </p:blipFill>
+        <p:spPr>
+          <a:xfrm>
+            <a:off x="6385560" y="3968448"/>
+            <a:ext cx="5402249" cy="1986098"/>
+          </a:xfrm>
+          <a:prstGeom prst="rect">
+            <a:avLst/>
+          </a:prstGeom>
+        </p:spPr>
+      </p:pic>
+    </p:spTree>
+    <p:extLst>
+      <p:ext uri="{BB962C8B-B14F-4D97-AF65-F5344CB8AC3E}">
+        <p14:creationId xmlns:p14="http://schemas.microsoft.com/office/powerpoint/2010/main" val="3479155658"/>
+      </p:ext>
+    </p:extLst>
+  </p:cSld>
+  <p:clrMapOvr>
+    <a:masterClrMapping/>
+  </p:clrMapOvr>
+  <mc:AlternateContent xmlns:mc="http://schemas.openxmlformats.org/markup-compatibility/2006">
+    <mc:Choice xmlns:p14="http://schemas.microsoft.com/office/powerpoint/2010/main" Requires="p14">
+      <p:transition spd="slow" p14:dur="1300">
+        <p14:pan dir="u"/>
+      </p:transition>
+    </mc:Choice>
+    <mc:Fallback>
+      <p:transition spd="slow">
+        <p:fade/>
+      </p:transition>
+    </mc:Fallback>
+  </mc:AlternateContent>
+  <p:timing>
+    <p:tnLst>
+      <p:par>
+        <p:cTn id="1" dur="indefinite" restart="never" nodeType="tmRoot"/>
+      </p:par>
+    </p:tnLst>
+  </p:timing>
+</p:sld>
+</file>
+
+<file path=ppt/slides/slide17.xml><?xml version="1.0" encoding="utf-8"?>
+<p:sld xmlns:a="http://schemas.openxmlformats.org/drawingml/2006/main" xmlns:r="http://schemas.openxmlformats.org/officeDocument/2006/relationships" xmlns:p="http://schemas.openxmlformats.org/presentationml/2006/main">
+  <p:cSld>
+    <p:spTree>
+      <p:nvGrpSpPr>
+        <p:cNvPr id="1" name=""/>
+        <p:cNvGrpSpPr/>
+        <p:nvPr/>
+      </p:nvGrpSpPr>
+      <p:grpSpPr>
+        <a:xfrm>
+          <a:off x="0" y="0"/>
+          <a:ext cx="0" cy="0"/>
+          <a:chOff x="0" y="0"/>
+          <a:chExt cx="0" cy="0"/>
+        </a:xfrm>
+      </p:grpSpPr>
+      <p:sp>
+        <p:nvSpPr>
           <p:cNvPr id="2" name="عنوان 1">
             <a:extLst>
               <a:ext uri="{FF2B5EF4-FFF2-40B4-BE49-F238E27FC236}">
-                <a16:creationId xmlns:a16="http://schemas.microsoft.com/office/drawing/2014/main" id="{89087E62-C074-44DD-88B6-10B6A5C59792}"/>
+                <a16:creationId xmlns:a16="http://schemas.microsoft.com/office/drawing/2014/main" xmlns="" id="{89087E62-C074-44DD-88B6-10B6A5C59792}"/>
               </a:ext>
             </a:extLst>
           </p:cNvPr>
@@ -6897,7 +7704,7 @@
           <p:cNvPr id="4" name="صورة 3">
             <a:extLst>
               <a:ext uri="{FF2B5EF4-FFF2-40B4-BE49-F238E27FC236}">
-                <a16:creationId xmlns:a16="http://schemas.microsoft.com/office/drawing/2014/main" id="{ABBF89EF-80EE-4382-94CE-0E51FAEAFAA2}"/>
+                <a16:creationId xmlns:a16="http://schemas.microsoft.com/office/drawing/2014/main" xmlns="" id="{ABBF89EF-80EE-4382-94CE-0E51FAEAFAA2}"/>
               </a:ext>
             </a:extLst>
           </p:cNvPr>
@@ -6907,7 +7714,7 @@
           <p:nvPr/>
         </p:nvPicPr>
         <p:blipFill>
-          <a:blip r:embed="rId2"/>
+          <a:blip r:embed="rId3"/>
           <a:stretch>
             <a:fillRect/>
           </a:stretch>
@@ -6927,7 +7734,7 @@
           <p:cNvPr id="5" name="صورة 4">
             <a:extLst>
               <a:ext uri="{FF2B5EF4-FFF2-40B4-BE49-F238E27FC236}">
-                <a16:creationId xmlns:a16="http://schemas.microsoft.com/office/drawing/2014/main" id="{E1C0DBFA-4892-4CDC-84F0-6253AB3B58C9}"/>
+                <a16:creationId xmlns:a16="http://schemas.microsoft.com/office/drawing/2014/main" xmlns="" id="{E1C0DBFA-4892-4CDC-84F0-6253AB3B58C9}"/>
               </a:ext>
             </a:extLst>
           </p:cNvPr>
@@ -6937,7 +7744,7 @@
           <p:nvPr/>
         </p:nvPicPr>
         <p:blipFill>
-          <a:blip r:embed="rId3"/>
+          <a:blip r:embed="rId4"/>
           <a:stretch>
             <a:fillRect/>
           </a:stretch>
@@ -6974,6 +7781,13 @@
       </p:transition>
     </mc:Fallback>
   </mc:AlternateContent>
+  <p:timing>
+    <p:tnLst>
+      <p:par>
+        <p:cTn id="1" dur="indefinite" restart="never" nodeType="tmRoot"/>
+      </p:par>
+    </p:tnLst>
+  </p:timing>
 </p:sld>
 </file>
 
@@ -7159,7 +7973,7 @@
                 <a:gridCol w="5257800">
                   <a:extLst>
                     <a:ext uri="{9D8B030D-6E8A-4147-A177-3AD203B41FA5}">
-                      <a16:colId xmlns:a16="http://schemas.microsoft.com/office/drawing/2014/main" val="20000"/>
+                      <a16:colId xmlns:a16="http://schemas.microsoft.com/office/drawing/2014/main" xmlns="" val="20000"/>
                     </a:ext>
                   </a:extLst>
                 </a:gridCol>
@@ -7186,7 +8000,7 @@
                 </a:tc>
                 <a:extLst>
                   <a:ext uri="{0D108BD9-81ED-4DB2-BD59-A6C34878D82A}">
-                    <a16:rowId xmlns:a16="http://schemas.microsoft.com/office/drawing/2014/main" val="10000"/>
+                    <a16:rowId xmlns:a16="http://schemas.microsoft.com/office/drawing/2014/main" xmlns="" val="10000"/>
                   </a:ext>
                 </a:extLst>
               </a:tr>
@@ -7207,7 +8021,7 @@
                 </a:tc>
                 <a:extLst>
                   <a:ext uri="{0D108BD9-81ED-4DB2-BD59-A6C34878D82A}">
-                    <a16:rowId xmlns:a16="http://schemas.microsoft.com/office/drawing/2014/main" val="10001"/>
+                    <a16:rowId xmlns:a16="http://schemas.microsoft.com/office/drawing/2014/main" xmlns="" val="10001"/>
                   </a:ext>
                 </a:extLst>
               </a:tr>
@@ -7253,7 +8067,7 @@
                 </a:tc>
                 <a:extLst>
                   <a:ext uri="{0D108BD9-81ED-4DB2-BD59-A6C34878D82A}">
-                    <a16:rowId xmlns:a16="http://schemas.microsoft.com/office/drawing/2014/main" val="10002"/>
+                    <a16:rowId xmlns:a16="http://schemas.microsoft.com/office/drawing/2014/main" xmlns="" val="10002"/>
                   </a:ext>
                 </a:extLst>
               </a:tr>
@@ -7354,7 +8168,7 @@
                 <a:gridCol w="5257800">
                   <a:extLst>
                     <a:ext uri="{9D8B030D-6E8A-4147-A177-3AD203B41FA5}">
-                      <a16:colId xmlns:a16="http://schemas.microsoft.com/office/drawing/2014/main" val="20000"/>
+                      <a16:colId xmlns:a16="http://schemas.microsoft.com/office/drawing/2014/main" xmlns="" val="20000"/>
                     </a:ext>
                   </a:extLst>
                 </a:gridCol>
@@ -7381,7 +8195,7 @@
                 </a:tc>
                 <a:extLst>
                   <a:ext uri="{0D108BD9-81ED-4DB2-BD59-A6C34878D82A}">
-                    <a16:rowId xmlns:a16="http://schemas.microsoft.com/office/drawing/2014/main" val="10000"/>
+                    <a16:rowId xmlns:a16="http://schemas.microsoft.com/office/drawing/2014/main" xmlns="" val="10000"/>
                   </a:ext>
                 </a:extLst>
               </a:tr>
@@ -7407,7 +8221,7 @@
                 </a:tc>
                 <a:extLst>
                   <a:ext uri="{0D108BD9-81ED-4DB2-BD59-A6C34878D82A}">
-                    <a16:rowId xmlns:a16="http://schemas.microsoft.com/office/drawing/2014/main" val="10001"/>
+                    <a16:rowId xmlns:a16="http://schemas.microsoft.com/office/drawing/2014/main" xmlns="" val="10001"/>
                   </a:ext>
                 </a:extLst>
               </a:tr>
@@ -7448,7 +8262,7 @@
                 </a:tc>
                 <a:extLst>
                   <a:ext uri="{0D108BD9-81ED-4DB2-BD59-A6C34878D82A}">
-                    <a16:rowId xmlns:a16="http://schemas.microsoft.com/office/drawing/2014/main" val="10002"/>
+                    <a16:rowId xmlns:a16="http://schemas.microsoft.com/office/drawing/2014/main" xmlns="" val="10002"/>
                   </a:ext>
                 </a:extLst>
               </a:tr>

--- a/web.pptx
+++ b/web.pptx
@@ -5,7 +5,7 @@
     <p:sldMasterId id="2147483840" r:id="rId1"/>
   </p:sldMasterIdLst>
   <p:notesMasterIdLst>
-    <p:notesMasterId r:id="rId19"/>
+    <p:notesMasterId r:id="rId30"/>
   </p:notesMasterIdLst>
   <p:sldIdLst>
     <p:sldId id="256" r:id="rId2"/>
@@ -24,7 +24,18 @@
     <p:sldId id="269" r:id="rId15"/>
     <p:sldId id="271" r:id="rId16"/>
     <p:sldId id="272" r:id="rId17"/>
-    <p:sldId id="270" r:id="rId18"/>
+    <p:sldId id="279" r:id="rId18"/>
+    <p:sldId id="270" r:id="rId19"/>
+    <p:sldId id="273" r:id="rId20"/>
+    <p:sldId id="274" r:id="rId21"/>
+    <p:sldId id="275" r:id="rId22"/>
+    <p:sldId id="277" r:id="rId23"/>
+    <p:sldId id="276" r:id="rId24"/>
+    <p:sldId id="278" r:id="rId25"/>
+    <p:sldId id="281" r:id="rId26"/>
+    <p:sldId id="282" r:id="rId27"/>
+    <p:sldId id="283" r:id="rId28"/>
+    <p:sldId id="280" r:id="rId29"/>
   </p:sldIdLst>
   <p:sldSz cx="12192000" cy="6858000"/>
   <p:notesSz cx="6858000" cy="9144000"/>
@@ -213,7 +224,7 @@
           <a:p>
             <a:fld id="{0A1A1DAE-EBF7-412C-A29B-AC6DBC49921F}" type="datetimeFigureOut">
               <a:rPr lang="ar-SY" smtClean="0"/>
-              <a:t>03/02/1442</a:t>
+              <a:t>04/02/1442</a:t>
             </a:fld>
             <a:endParaRPr lang="ar-SY"/>
           </a:p>
@@ -1191,56 +1202,6 @@
               <a:t> </a:t>
             </a:r>
             <a:r>
-              <a:rPr lang="ar-SA" b="0" i="0" dirty="0" smtClean="0">
-                <a:solidFill>
-                  <a:srgbClr val="333333"/>
-                </a:solidFill>
-                <a:effectLst/>
-                <a:latin typeface="Arial" panose="020B0604020202020204" pitchFamily="34" charset="0"/>
-              </a:rPr>
-              <a:t>:</a:t>
-            </a:r>
-            <a:r>
-              <a:rPr lang="en-US" b="0" i="0" dirty="0" smtClean="0">
-                <a:solidFill>
-                  <a:srgbClr val="333333"/>
-                </a:solidFill>
-                <a:effectLst/>
-                <a:latin typeface="Arial" panose="020B0604020202020204" pitchFamily="34" charset="0"/>
-              </a:rPr>
-              <a:t> </a:t>
-            </a:r>
-            <a:r>
-              <a:rPr lang="ar-SY" b="0" i="0" dirty="0" smtClean="0">
-                <a:solidFill>
-                  <a:srgbClr val="333333"/>
-                </a:solidFill>
-                <a:effectLst/>
-                <a:latin typeface="Arial" panose="020B0604020202020204" pitchFamily="34" charset="0"/>
-              </a:rPr>
-              <a:t>هي</a:t>
-            </a:r>
-            <a:r>
-              <a:rPr lang="ar-SY" b="0" i="0" baseline="0" dirty="0" smtClean="0">
-                <a:solidFill>
-                  <a:srgbClr val="333333"/>
-                </a:solidFill>
-                <a:effectLst/>
-                <a:latin typeface="Arial" panose="020B0604020202020204" pitchFamily="34" charset="0"/>
-              </a:rPr>
-              <a:t> لغة توصيف </a:t>
-            </a:r>
-            <a:r>
-              <a:rPr lang="ar-SA" b="0" i="0" dirty="0" smtClean="0">
-                <a:solidFill>
-                  <a:srgbClr val="333333"/>
-                </a:solidFill>
-                <a:effectLst/>
-                <a:latin typeface="Arial" panose="020B0604020202020204" pitchFamily="34" charset="0"/>
-              </a:rPr>
-              <a:t>تستخدم </a:t>
-            </a:r>
-            <a:r>
               <a:rPr lang="ar-SA" b="0" i="0" dirty="0">
                 <a:solidFill>
                   <a:srgbClr val="333333"/>
@@ -1248,9 +1209,49 @@
                 <a:effectLst/>
                 <a:latin typeface="Arial" panose="020B0604020202020204" pitchFamily="34" charset="0"/>
               </a:rPr>
-              <a:t>من أجل بناء عناصر صفحة الويب بشكل مجرد </a:t>
-            </a:r>
-            <a:endParaRPr lang="ar-SY" b="0" i="0" dirty="0" smtClean="0">
+              <a:t>:</a:t>
+            </a:r>
+            <a:r>
+              <a:rPr lang="en-US" b="0" i="0" dirty="0">
+                <a:solidFill>
+                  <a:srgbClr val="333333"/>
+                </a:solidFill>
+                <a:effectLst/>
+                <a:latin typeface="Arial" panose="020B0604020202020204" pitchFamily="34" charset="0"/>
+              </a:rPr>
+              <a:t> </a:t>
+            </a:r>
+            <a:r>
+              <a:rPr lang="ar-SY" b="0" i="0" dirty="0">
+                <a:solidFill>
+                  <a:srgbClr val="333333"/>
+                </a:solidFill>
+                <a:effectLst/>
+                <a:latin typeface="Arial" panose="020B0604020202020204" pitchFamily="34" charset="0"/>
+              </a:rPr>
+              <a:t>هي</a:t>
+            </a:r>
+            <a:r>
+              <a:rPr lang="ar-SY" b="0" i="0" baseline="0" dirty="0">
+                <a:solidFill>
+                  <a:srgbClr val="333333"/>
+                </a:solidFill>
+                <a:effectLst/>
+                <a:latin typeface="Arial" panose="020B0604020202020204" pitchFamily="34" charset="0"/>
+              </a:rPr>
+              <a:t> لغة توصيف </a:t>
+            </a:r>
+            <a:r>
+              <a:rPr lang="ar-SA" b="0" i="0" dirty="0">
+                <a:solidFill>
+                  <a:srgbClr val="333333"/>
+                </a:solidFill>
+                <a:effectLst/>
+                <a:latin typeface="Arial" panose="020B0604020202020204" pitchFamily="34" charset="0"/>
+              </a:rPr>
+              <a:t>تستخدم من أجل بناء عناصر صفحة الويب بشكل مجرد </a:t>
+            </a:r>
+            <a:endParaRPr lang="ar-SY" b="0" i="0" dirty="0">
               <a:solidFill>
                 <a:srgbClr val="333333"/>
               </a:solidFill>
@@ -1260,16 +1261,6 @@
           </a:p>
           <a:p>
             <a:r>
-              <a:rPr lang="en-US" b="1" i="0" dirty="0" smtClean="0">
-                <a:solidFill>
-                  <a:srgbClr val="000000"/>
-                </a:solidFill>
-                <a:effectLst/>
-                <a:latin typeface="Verdana" panose="020B0604030504040204" pitchFamily="34" charset="0"/>
-              </a:rPr>
-              <a:t>Cascading </a:t>
-            </a:r>
-            <a:r>
               <a:rPr lang="en-US" b="1" i="0" dirty="0">
                 <a:solidFill>
                   <a:srgbClr val="000000"/>
@@ -1277,7 +1268,7 @@
                 <a:effectLst/>
                 <a:latin typeface="Verdana" panose="020B0604030504040204" pitchFamily="34" charset="0"/>
               </a:rPr>
-              <a:t>Style Sheets (CSS</a:t>
+              <a:t>Cascading Style Sheets (CSS</a:t>
             </a:r>
             <a:r>
               <a:rPr lang="en-US" b="1" i="0" dirty="0">
@@ -1454,7 +1445,7 @@
           <a:bodyPr/>
           <a:lstStyle/>
           <a:p>
-            <a:endParaRPr lang="ar-SA" b="0" i="0" dirty="0" smtClean="0">
+            <a:endParaRPr lang="ar-SA" b="0" i="0" dirty="0">
               <a:solidFill>
                 <a:srgbClr val="333333"/>
               </a:solidFill>
@@ -1465,7 +1456,7 @@
           <a:p>
             <a:pPr algn="l"/>
             <a:r>
-              <a:rPr lang="en-US" b="0" i="0" dirty="0" smtClean="0">
+              <a:rPr lang="en-US" b="0" i="0" dirty="0">
                 <a:solidFill>
                   <a:srgbClr val="333333"/>
                 </a:solidFill>
@@ -1475,7 +1466,7 @@
               <a:t>"</a:t>
             </a:r>
             <a:r>
-              <a:rPr lang="en-US" b="1" i="0" dirty="0" smtClean="0">
+              <a:rPr lang="en-US" b="1" i="0" dirty="0">
                 <a:solidFill>
                   <a:srgbClr val="333333"/>
                 </a:solidFill>
@@ -1485,7 +1476,7 @@
               <a:t>Hypertext</a:t>
             </a:r>
             <a:r>
-              <a:rPr lang="en-US" b="0" i="0" dirty="0" smtClean="0">
+              <a:rPr lang="en-US" b="0" i="0" dirty="0">
                 <a:solidFill>
                   <a:srgbClr val="333333"/>
                 </a:solidFill>
@@ -1494,7 +1485,7 @@
               </a:rPr>
               <a:t>" refers to links that connect web pages to one another, either within a single website or between websites</a:t>
             </a:r>
-            <a:endParaRPr lang="ar-SA" b="0" i="0" dirty="0" smtClean="0">
+            <a:endParaRPr lang="ar-SA" b="0" i="0" dirty="0">
               <a:solidFill>
                 <a:srgbClr val="333333"/>
               </a:solidFill>
@@ -1505,7 +1496,7 @@
           <a:p>
             <a:pPr algn="l"/>
             <a:r>
-              <a:rPr lang="en-US" b="0" i="0" dirty="0" smtClean="0">
+              <a:rPr lang="en-US" b="0" i="0" dirty="0">
                 <a:solidFill>
                   <a:srgbClr val="333333"/>
                 </a:solidFill>
@@ -1515,7 +1506,7 @@
               <a:t>HTML uses "</a:t>
             </a:r>
             <a:r>
-              <a:rPr lang="en-US" b="1" i="0" dirty="0" smtClean="0">
+              <a:rPr lang="en-US" b="1" i="0" dirty="0">
                 <a:solidFill>
                   <a:srgbClr val="333333"/>
                 </a:solidFill>
@@ -1525,7 +1516,7 @@
               <a:t>markup</a:t>
             </a:r>
             <a:r>
-              <a:rPr lang="en-US" b="0" i="0" dirty="0" smtClean="0">
+              <a:rPr lang="en-US" b="0" i="0" dirty="0">
                 <a:solidFill>
                   <a:srgbClr val="333333"/>
                 </a:solidFill>
@@ -1534,7 +1525,7 @@
               </a:rPr>
               <a:t>" to annotate text, images, and other content for display in a Web browser.</a:t>
             </a:r>
-            <a:endParaRPr lang="ar-SA" b="0" i="0" dirty="0" smtClean="0">
+            <a:endParaRPr lang="ar-SA" b="0" i="0" dirty="0">
               <a:solidFill>
                 <a:srgbClr val="333333"/>
               </a:solidFill>
@@ -1545,7 +1536,7 @@
           <a:p>
             <a:pPr algn="l"/>
             <a:r>
-              <a:rPr lang="en-US" b="0" i="0" dirty="0" smtClean="0">
+              <a:rPr lang="en-US" b="0" i="0" dirty="0">
                 <a:solidFill>
                   <a:srgbClr val="333333"/>
                 </a:solidFill>
@@ -1555,7 +1546,7 @@
               <a:t>HTML markup includes special "elements" such as </a:t>
             </a:r>
             <a:r>
-              <a:rPr lang="en-US" b="0" i="0" u="none" strike="noStrike" dirty="0" smtClean="0">
+              <a:rPr lang="en-US" b="0" i="0" u="none" strike="noStrike" dirty="0">
                 <a:solidFill>
                   <a:srgbClr val="3D7E9A"/>
                 </a:solidFill>
@@ -1566,7 +1557,7 @@
               <a:t>&lt;head&gt;</a:t>
             </a:r>
             <a:r>
-              <a:rPr lang="en-US" b="0" i="0" dirty="0" smtClean="0">
+              <a:rPr lang="en-US" b="0" i="0" dirty="0">
                 <a:solidFill>
                   <a:srgbClr val="333333"/>
                 </a:solidFill>
@@ -1576,7 +1567,7 @@
               <a:t>, </a:t>
             </a:r>
             <a:r>
-              <a:rPr lang="en-US" b="0" i="0" u="none" strike="noStrike" dirty="0" smtClean="0">
+              <a:rPr lang="en-US" b="0" i="0" u="none" strike="noStrike" dirty="0">
                 <a:solidFill>
                   <a:srgbClr val="3D7E9A"/>
                 </a:solidFill>
@@ -1587,7 +1578,7 @@
               <a:t>&lt;title&gt;</a:t>
             </a:r>
             <a:r>
-              <a:rPr lang="en-US" b="0" i="0" dirty="0" smtClean="0">
+              <a:rPr lang="en-US" b="0" i="0" dirty="0">
                 <a:solidFill>
                   <a:srgbClr val="333333"/>
                 </a:solidFill>
@@ -1597,7 +1588,7 @@
               <a:t>, </a:t>
             </a:r>
             <a:r>
-              <a:rPr lang="en-US" b="0" i="0" u="none" strike="noStrike" dirty="0" smtClean="0">
+              <a:rPr lang="en-US" b="0" i="0" u="none" strike="noStrike" dirty="0">
                 <a:solidFill>
                   <a:srgbClr val="3D7E9A"/>
                 </a:solidFill>
@@ -1608,7 +1599,7 @@
               <a:t>&lt;body&gt;</a:t>
             </a:r>
             <a:r>
-              <a:rPr lang="en-US" b="0" i="0" dirty="0" smtClean="0">
+              <a:rPr lang="en-US" b="0" i="0" dirty="0">
                 <a:solidFill>
                   <a:srgbClr val="333333"/>
                 </a:solidFill>
@@ -1618,7 +1609,7 @@
               <a:t>, </a:t>
             </a:r>
             <a:r>
-              <a:rPr lang="en-US" b="0" i="0" u="none" strike="noStrike" dirty="0" smtClean="0">
+              <a:rPr lang="en-US" b="0" i="0" u="none" strike="noStrike" dirty="0">
                 <a:solidFill>
                   <a:srgbClr val="3D7E9A"/>
                 </a:solidFill>
@@ -1629,7 +1620,7 @@
               <a:t>&lt;header&gt;</a:t>
             </a:r>
             <a:r>
-              <a:rPr lang="en-US" b="0" i="0" dirty="0" smtClean="0">
+              <a:rPr lang="en-US" b="0" i="0" dirty="0">
                 <a:solidFill>
                   <a:srgbClr val="333333"/>
                 </a:solidFill>
@@ -1644,14 +1635,14 @@
               <a:buFont typeface="Arial" panose="020B0604020202020204" pitchFamily="34" charset="0"/>
               <a:buChar char="•"/>
             </a:pPr>
-            <a:endParaRPr lang="ar-SY" sz="1200" dirty="0" smtClean="0"/>
+            <a:endParaRPr lang="ar-SY" sz="1200" dirty="0"/>
           </a:p>
           <a:p>
             <a:pPr marL="171450" indent="-171450" algn="r" rtl="1">
               <a:buFont typeface="Arial" panose="020B0604020202020204" pitchFamily="34" charset="0"/>
               <a:buChar char="•"/>
             </a:pPr>
-            <a:endParaRPr lang="ar-SY" sz="1200" dirty="0" smtClean="0"/>
+            <a:endParaRPr lang="ar-SY" sz="1200" dirty="0"/>
           </a:p>
           <a:p>
             <a:pPr marL="171450" indent="-171450" algn="r" rtl="1">
@@ -1659,7 +1650,7 @@
               <a:buChar char="•"/>
             </a:pPr>
             <a:r>
-              <a:rPr lang="ar-SY" sz="1200" dirty="0" smtClean="0"/>
+              <a:rPr lang="ar-SY" sz="1200" dirty="0"/>
               <a:t>هي لغة توصيف و ليست لغة برمجة </a:t>
             </a:r>
           </a:p>
@@ -1669,7 +1660,7 @@
               <a:buChar char="•"/>
             </a:pPr>
             <a:r>
-              <a:rPr lang="ar-SY" sz="1200" dirty="0" smtClean="0"/>
+              <a:rPr lang="ar-SY" sz="1200" dirty="0"/>
               <a:t>غير حساسة لحالة الأحرف </a:t>
             </a:r>
           </a:p>
@@ -1679,7 +1670,7 @@
               <a:buChar char="•"/>
             </a:pPr>
             <a:r>
-              <a:rPr lang="ar-SY" sz="1200" dirty="0" smtClean="0"/>
+              <a:rPr lang="ar-SY" sz="1200" dirty="0"/>
               <a:t>يوصى باستخدام الأحرف الصغيرة </a:t>
             </a:r>
           </a:p>
@@ -1689,26 +1680,26 @@
               <a:buChar char="•"/>
             </a:pPr>
             <a:r>
-              <a:rPr lang="ar-SY" sz="1200" dirty="0" smtClean="0"/>
+              <a:rPr lang="ar-SY" sz="1200" dirty="0"/>
               <a:t>لها عدة </a:t>
             </a:r>
             <a:r>
-              <a:rPr lang="ar-SY" sz="1200" dirty="0" err="1" smtClean="0"/>
+              <a:rPr lang="ar-SY" sz="1200" dirty="0" err="1"/>
               <a:t>اصدارت</a:t>
             </a:r>
             <a:r>
-              <a:rPr lang="ar-SY" sz="1200" dirty="0" smtClean="0"/>
+              <a:rPr lang="ar-SY" sz="1200" dirty="0"/>
               <a:t> و اخرها</a:t>
             </a:r>
             <a:r>
-              <a:rPr lang="ar-SY" sz="1200" baseline="0" dirty="0" smtClean="0"/>
+              <a:rPr lang="ar-SY" sz="1200" baseline="0" dirty="0"/>
               <a:t> </a:t>
             </a:r>
             <a:r>
-              <a:rPr lang="en-US" sz="1200" b="1" baseline="0" dirty="0" smtClean="0"/>
+              <a:rPr lang="en-US" sz="1200" b="1" baseline="0" dirty="0"/>
               <a:t>HTML5</a:t>
             </a:r>
-            <a:endParaRPr lang="ar-SY" sz="1200" b="1" dirty="0" smtClean="0"/>
+            <a:endParaRPr lang="ar-SY" sz="1200" b="1" dirty="0"/>
           </a:p>
           <a:p>
             <a:pPr marL="171450" indent="-171450" algn="r" rtl="1">
@@ -1716,22 +1707,22 @@
               <a:buChar char="•"/>
             </a:pPr>
             <a:r>
-              <a:rPr lang="ar-SY" sz="1200" dirty="0" smtClean="0"/>
+              <a:rPr lang="ar-SY" sz="1200" dirty="0"/>
               <a:t>تستخدم</a:t>
             </a:r>
             <a:r>
-              <a:rPr lang="ar-SY" sz="1200" baseline="0" dirty="0" smtClean="0"/>
+              <a:rPr lang="ar-SY" sz="1200" baseline="0" dirty="0"/>
               <a:t> </a:t>
             </a:r>
             <a:r>
-              <a:rPr lang="en-US" sz="1200" baseline="0" dirty="0" smtClean="0"/>
+              <a:rPr lang="en-US" sz="1200" baseline="0" dirty="0"/>
               <a:t>tags</a:t>
             </a:r>
             <a:r>
-              <a:rPr lang="ar-SY" sz="1200" baseline="0" dirty="0" smtClean="0"/>
+              <a:rPr lang="ar-SY" sz="1200" baseline="0" dirty="0"/>
               <a:t> لتعريف عناصر صفحة الويب </a:t>
             </a:r>
-            <a:endParaRPr lang="ar-SY" sz="1200" dirty="0" smtClean="0"/>
+            <a:endParaRPr lang="ar-SY" sz="1200" dirty="0"/>
           </a:p>
           <a:p>
             <a:endParaRPr lang="ar-SY" dirty="0"/>
@@ -1819,33 +1810,33 @@
           <a:lstStyle/>
           <a:p>
             <a:r>
-              <a:rPr lang="ar-SY" dirty="0" smtClean="0"/>
+              <a:rPr lang="ar-SY" dirty="0"/>
               <a:t>لكل</a:t>
             </a:r>
             <a:r>
-              <a:rPr lang="ar-SY" baseline="0" dirty="0" smtClean="0"/>
+              <a:rPr lang="ar-SY" baseline="0" dirty="0"/>
               <a:t> عنصر </a:t>
             </a:r>
             <a:r>
-              <a:rPr lang="en-US" baseline="0" dirty="0" smtClean="0"/>
+              <a:rPr lang="en-US" baseline="0" dirty="0"/>
               <a:t>open tag &amp; close tag </a:t>
             </a:r>
           </a:p>
           <a:p>
             <a:r>
-              <a:rPr lang="ar-SY" baseline="0" dirty="0" smtClean="0"/>
+              <a:rPr lang="ar-SY" baseline="0" dirty="0"/>
               <a:t>بعض العناصر تكون </a:t>
             </a:r>
             <a:r>
-              <a:rPr lang="en-US" baseline="0" dirty="0" smtClean="0"/>
+              <a:rPr lang="en-US" baseline="0" dirty="0"/>
               <a:t>self closing </a:t>
             </a:r>
             <a:r>
-              <a:rPr lang="ar-SY" baseline="0" dirty="0" smtClean="0"/>
+              <a:rPr lang="ar-SY" baseline="0" dirty="0"/>
               <a:t> أي بدون</a:t>
             </a:r>
             <a:r>
-              <a:rPr lang="en-US" baseline="0" dirty="0" smtClean="0"/>
+              <a:rPr lang="en-US" baseline="0" dirty="0"/>
               <a:t>close tag </a:t>
             </a:r>
             <a:endParaRPr lang="ar-SY" dirty="0"/>
@@ -1933,51 +1924,21 @@
           <a:lstStyle/>
           <a:p>
             <a:r>
-              <a:rPr lang="ar-SY" dirty="0" smtClean="0"/>
-              <a:t>بنية صفحة الويب </a:t>
-            </a:r>
-          </a:p>
-          <a:p>
-            <a:r>
-              <a:rPr lang="ar-SY" dirty="0" smtClean="0"/>
-              <a:t>كل ما يكتب في </a:t>
-            </a:r>
-            <a:r>
-              <a:rPr lang="en-US" dirty="0" smtClean="0"/>
-              <a:t>head</a:t>
-            </a:r>
-            <a:r>
-              <a:rPr lang="en-US" baseline="0" dirty="0" smtClean="0"/>
-              <a:t> </a:t>
-            </a:r>
-            <a:r>
-              <a:rPr lang="ar-SY" baseline="0" dirty="0" smtClean="0"/>
-              <a:t> لا يظهر في الصفحة و يكون عبارة عن روابط لملفات مرتبطة بالصفحة مثل </a:t>
-            </a:r>
-            <a:r>
-              <a:rPr lang="en-US" baseline="0" dirty="0" err="1" smtClean="0"/>
-              <a:t>css</a:t>
-            </a:r>
-            <a:r>
-              <a:rPr lang="en-US" baseline="0" dirty="0" smtClean="0"/>
-              <a:t> &amp; </a:t>
-            </a:r>
-            <a:r>
-              <a:rPr lang="en-US" baseline="0" dirty="0" err="1" smtClean="0"/>
-              <a:t>js</a:t>
-            </a:r>
-            <a:endParaRPr lang="en-US" baseline="0" dirty="0" smtClean="0"/>
-          </a:p>
-          <a:p>
-            <a:r>
-              <a:rPr lang="ar-SY" baseline="0" dirty="0" smtClean="0"/>
-              <a:t>كل ما يظهر للمستخدم يكون ضمن </a:t>
-            </a:r>
-            <a:r>
-              <a:rPr lang="en-US" baseline="0" dirty="0" smtClean="0"/>
-              <a:t>body</a:t>
-            </a:r>
-            <a:endParaRPr lang="ar-SY" dirty="0"/>
+              <a:rPr lang="ar-SA" dirty="0"/>
+              <a:t>يمكن إضافة </a:t>
+            </a:r>
+            <a:r>
+              <a:rPr lang="en-US" dirty="0"/>
+              <a:t>attributes </a:t>
+            </a:r>
+            <a:r>
+              <a:rPr lang="ar-SA" dirty="0"/>
+              <a:t> لعناصر </a:t>
+            </a:r>
+            <a:r>
+              <a:rPr lang="en-US" dirty="0"/>
+              <a:t>html </a:t>
+            </a:r>
           </a:p>
         </p:txBody>
       </p:sp>
@@ -2007,7 +1968,234 @@
     </p:spTree>
     <p:extLst>
       <p:ext uri="{BB962C8B-B14F-4D97-AF65-F5344CB8AC3E}">
+        <p14:creationId xmlns:p14="http://schemas.microsoft.com/office/powerpoint/2010/main" val="3875549445"/>
+      </p:ext>
+    </p:extLst>
+  </p:cSld>
+  <p:clrMapOvr>
+    <a:masterClrMapping/>
+  </p:clrMapOvr>
+</p:notes>
+</file>
+
+<file path=ppt/notesSlides/notesSlide18.xml><?xml version="1.0" encoding="utf-8"?>
+<p:notes xmlns:a="http://schemas.openxmlformats.org/drawingml/2006/main" xmlns:r="http://schemas.openxmlformats.org/officeDocument/2006/relationships" xmlns:p="http://schemas.openxmlformats.org/presentationml/2006/main">
+  <p:cSld>
+    <p:spTree>
+      <p:nvGrpSpPr>
+        <p:cNvPr id="1" name=""/>
+        <p:cNvGrpSpPr/>
+        <p:nvPr/>
+      </p:nvGrpSpPr>
+      <p:grpSpPr>
+        <a:xfrm>
+          <a:off x="0" y="0"/>
+          <a:ext cx="0" cy="0"/>
+          <a:chOff x="0" y="0"/>
+          <a:chExt cx="0" cy="0"/>
+        </a:xfrm>
+      </p:grpSpPr>
+      <p:sp>
+        <p:nvSpPr>
+          <p:cNvPr id="2" name="عنصر نائب لصورة الشريحة 1"/>
+          <p:cNvSpPr>
+            <a:spLocks noGrp="1" noRot="1" noChangeAspect="1"/>
+          </p:cNvSpPr>
+          <p:nvPr>
+            <p:ph type="sldImg"/>
+          </p:nvPr>
+        </p:nvSpPr>
+        <p:spPr/>
+      </p:sp>
+      <p:sp>
+        <p:nvSpPr>
+          <p:cNvPr id="3" name="عنصر نائب للملاحظات 2"/>
+          <p:cNvSpPr>
+            <a:spLocks noGrp="1"/>
+          </p:cNvSpPr>
+          <p:nvPr>
+            <p:ph type="body" idx="1"/>
+          </p:nvPr>
+        </p:nvSpPr>
+        <p:spPr/>
+        <p:txBody>
+          <a:bodyPr/>
+          <a:lstStyle/>
+          <a:p>
+            <a:r>
+              <a:rPr lang="ar-SY" dirty="0"/>
+              <a:t>بنية صفحة الويب </a:t>
+            </a:r>
+          </a:p>
+          <a:p>
+            <a:r>
+              <a:rPr lang="ar-SY" dirty="0"/>
+              <a:t>كل ما يكتب في </a:t>
+            </a:r>
+            <a:r>
+              <a:rPr lang="en-US" dirty="0"/>
+              <a:t>head</a:t>
+            </a:r>
+            <a:r>
+              <a:rPr lang="en-US" baseline="0" dirty="0"/>
+              <a:t> </a:t>
+            </a:r>
+            <a:r>
+              <a:rPr lang="ar-SY" baseline="0" dirty="0"/>
+              <a:t> لا يظهر في الصفحة و يكون عبارة عن روابط لملفات مرتبطة بالصفحة مثل </a:t>
+            </a:r>
+            <a:r>
+              <a:rPr lang="en-US" baseline="0" dirty="0" err="1"/>
+              <a:t>css</a:t>
+            </a:r>
+            <a:r>
+              <a:rPr lang="en-US" baseline="0" dirty="0"/>
+              <a:t> &amp; </a:t>
+            </a:r>
+            <a:r>
+              <a:rPr lang="en-US" baseline="0" dirty="0" err="1"/>
+              <a:t>js</a:t>
+            </a:r>
+            <a:endParaRPr lang="en-US" baseline="0" dirty="0"/>
+          </a:p>
+          <a:p>
+            <a:r>
+              <a:rPr lang="ar-SY" baseline="0" dirty="0"/>
+              <a:t>كل ما يظهر للمستخدم يكون ضمن </a:t>
+            </a:r>
+            <a:r>
+              <a:rPr lang="en-US" baseline="0" dirty="0"/>
+              <a:t>body</a:t>
+            </a:r>
+            <a:endParaRPr lang="ar-SY" dirty="0"/>
+          </a:p>
+        </p:txBody>
+      </p:sp>
+      <p:sp>
+        <p:nvSpPr>
+          <p:cNvPr id="4" name="عنصر نائب لرقم الشريحة 3"/>
+          <p:cNvSpPr>
+            <a:spLocks noGrp="1"/>
+          </p:cNvSpPr>
+          <p:nvPr>
+            <p:ph type="sldNum" sz="quarter" idx="10"/>
+          </p:nvPr>
+        </p:nvSpPr>
+        <p:spPr/>
+        <p:txBody>
+          <a:bodyPr/>
+          <a:lstStyle/>
+          <a:p>
+            <a:fld id="{CC320E0A-D0AF-4D7D-9A21-388A396A7CCB}" type="slidenum">
+              <a:rPr lang="ar-SY" smtClean="0"/>
+              <a:t>18</a:t>
+            </a:fld>
+            <a:endParaRPr lang="ar-SY"/>
+          </a:p>
+        </p:txBody>
+      </p:sp>
+    </p:spTree>
+    <p:extLst>
+      <p:ext uri="{BB962C8B-B14F-4D97-AF65-F5344CB8AC3E}">
         <p14:creationId xmlns:p14="http://schemas.microsoft.com/office/powerpoint/2010/main" val="2049624483"/>
+      </p:ext>
+    </p:extLst>
+  </p:cSld>
+  <p:clrMapOvr>
+    <a:masterClrMapping/>
+  </p:clrMapOvr>
+</p:notes>
+</file>
+
+<file path=ppt/notesSlides/notesSlide19.xml><?xml version="1.0" encoding="utf-8"?>
+<p:notes xmlns:a="http://schemas.openxmlformats.org/drawingml/2006/main" xmlns:r="http://schemas.openxmlformats.org/officeDocument/2006/relationships" xmlns:p="http://schemas.openxmlformats.org/presentationml/2006/main">
+  <p:cSld>
+    <p:spTree>
+      <p:nvGrpSpPr>
+        <p:cNvPr id="1" name=""/>
+        <p:cNvGrpSpPr/>
+        <p:nvPr/>
+      </p:nvGrpSpPr>
+      <p:grpSpPr>
+        <a:xfrm>
+          <a:off x="0" y="0"/>
+          <a:ext cx="0" cy="0"/>
+          <a:chOff x="0" y="0"/>
+          <a:chExt cx="0" cy="0"/>
+        </a:xfrm>
+      </p:grpSpPr>
+      <p:sp>
+        <p:nvSpPr>
+          <p:cNvPr id="2" name="عنصر نائب لصورة الشريحة 1"/>
+          <p:cNvSpPr>
+            <a:spLocks noGrp="1" noRot="1" noChangeAspect="1"/>
+          </p:cNvSpPr>
+          <p:nvPr>
+            <p:ph type="sldImg"/>
+          </p:nvPr>
+        </p:nvSpPr>
+        <p:spPr/>
+      </p:sp>
+      <p:sp>
+        <p:nvSpPr>
+          <p:cNvPr id="3" name="عنصر نائب للملاحظات 2"/>
+          <p:cNvSpPr>
+            <a:spLocks noGrp="1"/>
+          </p:cNvSpPr>
+          <p:nvPr>
+            <p:ph type="body" idx="1"/>
+          </p:nvPr>
+        </p:nvSpPr>
+        <p:spPr/>
+        <p:txBody>
+          <a:bodyPr/>
+          <a:lstStyle/>
+          <a:p>
+            <a:r>
+              <a:rPr lang="en-US" dirty="0"/>
+              <a:t>P : paragraph </a:t>
+            </a:r>
+            <a:r>
+              <a:rPr lang="ar-SA" dirty="0"/>
+              <a:t>:</a:t>
+            </a:r>
+          </a:p>
+          <a:p>
+            <a:r>
+              <a:rPr lang="ar-SA" dirty="0"/>
+              <a:t>يستخدم كحاوية لكتابة النصوص </a:t>
+            </a:r>
+            <a:endParaRPr lang="en-US" dirty="0"/>
+          </a:p>
+        </p:txBody>
+      </p:sp>
+      <p:sp>
+        <p:nvSpPr>
+          <p:cNvPr id="4" name="عنصر نائب لرقم الشريحة 3"/>
+          <p:cNvSpPr>
+            <a:spLocks noGrp="1"/>
+          </p:cNvSpPr>
+          <p:nvPr>
+            <p:ph type="sldNum" sz="quarter" idx="5"/>
+          </p:nvPr>
+        </p:nvSpPr>
+        <p:spPr/>
+        <p:txBody>
+          <a:bodyPr/>
+          <a:lstStyle/>
+          <a:p>
+            <a:fld id="{CC320E0A-D0AF-4D7D-9A21-388A396A7CCB}" type="slidenum">
+              <a:rPr lang="ar-SY" smtClean="0"/>
+              <a:t>19</a:t>
+            </a:fld>
+            <a:endParaRPr lang="ar-SY"/>
+          </a:p>
+        </p:txBody>
+      </p:sp>
+    </p:spTree>
+    <p:extLst>
+      <p:ext uri="{BB962C8B-B14F-4D97-AF65-F5344CB8AC3E}">
+        <p14:creationId xmlns:p14="http://schemas.microsoft.com/office/powerpoint/2010/main" val="1053132420"/>
       </p:ext>
     </p:extLst>
   </p:cSld>
@@ -2398,6 +2586,919 @@
     <p:extLst>
       <p:ext uri="{BB962C8B-B14F-4D97-AF65-F5344CB8AC3E}">
         <p14:creationId xmlns:p14="http://schemas.microsoft.com/office/powerpoint/2010/main" val="2066652015"/>
+      </p:ext>
+    </p:extLst>
+  </p:cSld>
+  <p:clrMapOvr>
+    <a:masterClrMapping/>
+  </p:clrMapOvr>
+</p:notes>
+</file>
+
+<file path=ppt/notesSlides/notesSlide20.xml><?xml version="1.0" encoding="utf-8"?>
+<p:notes xmlns:a="http://schemas.openxmlformats.org/drawingml/2006/main" xmlns:r="http://schemas.openxmlformats.org/officeDocument/2006/relationships" xmlns:p="http://schemas.openxmlformats.org/presentationml/2006/main">
+  <p:cSld>
+    <p:spTree>
+      <p:nvGrpSpPr>
+        <p:cNvPr id="1" name=""/>
+        <p:cNvGrpSpPr/>
+        <p:nvPr/>
+      </p:nvGrpSpPr>
+      <p:grpSpPr>
+        <a:xfrm>
+          <a:off x="0" y="0"/>
+          <a:ext cx="0" cy="0"/>
+          <a:chOff x="0" y="0"/>
+          <a:chExt cx="0" cy="0"/>
+        </a:xfrm>
+      </p:grpSpPr>
+      <p:sp>
+        <p:nvSpPr>
+          <p:cNvPr id="2" name="عنصر نائب لصورة الشريحة 1"/>
+          <p:cNvSpPr>
+            <a:spLocks noGrp="1" noRot="1" noChangeAspect="1"/>
+          </p:cNvSpPr>
+          <p:nvPr>
+            <p:ph type="sldImg"/>
+          </p:nvPr>
+        </p:nvSpPr>
+        <p:spPr/>
+      </p:sp>
+      <p:sp>
+        <p:nvSpPr>
+          <p:cNvPr id="3" name="عنصر نائب للملاحظات 2"/>
+          <p:cNvSpPr>
+            <a:spLocks noGrp="1"/>
+          </p:cNvSpPr>
+          <p:nvPr>
+            <p:ph type="body" idx="1"/>
+          </p:nvPr>
+        </p:nvSpPr>
+        <p:spPr/>
+        <p:txBody>
+          <a:bodyPr/>
+          <a:lstStyle/>
+          <a:p>
+            <a:r>
+              <a:rPr lang="ar-SA" dirty="0"/>
+              <a:t>يتم تجاهل الأسطر الفارغة و المسافات</a:t>
+            </a:r>
+            <a:endParaRPr lang="en-US" dirty="0"/>
+          </a:p>
+        </p:txBody>
+      </p:sp>
+      <p:sp>
+        <p:nvSpPr>
+          <p:cNvPr id="4" name="عنصر نائب لرقم الشريحة 3"/>
+          <p:cNvSpPr>
+            <a:spLocks noGrp="1"/>
+          </p:cNvSpPr>
+          <p:nvPr>
+            <p:ph type="sldNum" sz="quarter" idx="5"/>
+          </p:nvPr>
+        </p:nvSpPr>
+        <p:spPr/>
+        <p:txBody>
+          <a:bodyPr/>
+          <a:lstStyle/>
+          <a:p>
+            <a:fld id="{CC320E0A-D0AF-4D7D-9A21-388A396A7CCB}" type="slidenum">
+              <a:rPr lang="ar-SY" smtClean="0"/>
+              <a:t>20</a:t>
+            </a:fld>
+            <a:endParaRPr lang="ar-SY"/>
+          </a:p>
+        </p:txBody>
+      </p:sp>
+    </p:spTree>
+    <p:extLst>
+      <p:ext uri="{BB962C8B-B14F-4D97-AF65-F5344CB8AC3E}">
+        <p14:creationId xmlns:p14="http://schemas.microsoft.com/office/powerpoint/2010/main" val="3814377863"/>
+      </p:ext>
+    </p:extLst>
+  </p:cSld>
+  <p:clrMapOvr>
+    <a:masterClrMapping/>
+  </p:clrMapOvr>
+</p:notes>
+</file>
+
+<file path=ppt/notesSlides/notesSlide21.xml><?xml version="1.0" encoding="utf-8"?>
+<p:notes xmlns:a="http://schemas.openxmlformats.org/drawingml/2006/main" xmlns:r="http://schemas.openxmlformats.org/officeDocument/2006/relationships" xmlns:p="http://schemas.openxmlformats.org/presentationml/2006/main">
+  <p:cSld>
+    <p:spTree>
+      <p:nvGrpSpPr>
+        <p:cNvPr id="1" name=""/>
+        <p:cNvGrpSpPr/>
+        <p:nvPr/>
+      </p:nvGrpSpPr>
+      <p:grpSpPr>
+        <a:xfrm>
+          <a:off x="0" y="0"/>
+          <a:ext cx="0" cy="0"/>
+          <a:chOff x="0" y="0"/>
+          <a:chExt cx="0" cy="0"/>
+        </a:xfrm>
+      </p:grpSpPr>
+      <p:sp>
+        <p:nvSpPr>
+          <p:cNvPr id="2" name="عنصر نائب لصورة الشريحة 1"/>
+          <p:cNvSpPr>
+            <a:spLocks noGrp="1" noRot="1" noChangeAspect="1"/>
+          </p:cNvSpPr>
+          <p:nvPr>
+            <p:ph type="sldImg"/>
+          </p:nvPr>
+        </p:nvSpPr>
+        <p:spPr/>
+      </p:sp>
+      <p:sp>
+        <p:nvSpPr>
+          <p:cNvPr id="3" name="عنصر نائب للملاحظات 2"/>
+          <p:cNvSpPr>
+            <a:spLocks noGrp="1"/>
+          </p:cNvSpPr>
+          <p:nvPr>
+            <p:ph type="body" idx="1"/>
+          </p:nvPr>
+        </p:nvSpPr>
+        <p:spPr/>
+        <p:txBody>
+          <a:bodyPr/>
+          <a:lstStyle/>
+          <a:p>
+            <a:r>
+              <a:rPr lang="ar-SA" dirty="0"/>
+              <a:t>لوضع أسطر جديدة </a:t>
+            </a:r>
+            <a:endParaRPr lang="en-US" dirty="0"/>
+          </a:p>
+        </p:txBody>
+      </p:sp>
+      <p:sp>
+        <p:nvSpPr>
+          <p:cNvPr id="4" name="عنصر نائب لرقم الشريحة 3"/>
+          <p:cNvSpPr>
+            <a:spLocks noGrp="1"/>
+          </p:cNvSpPr>
+          <p:nvPr>
+            <p:ph type="sldNum" sz="quarter" idx="5"/>
+          </p:nvPr>
+        </p:nvSpPr>
+        <p:spPr/>
+        <p:txBody>
+          <a:bodyPr/>
+          <a:lstStyle/>
+          <a:p>
+            <a:fld id="{CC320E0A-D0AF-4D7D-9A21-388A396A7CCB}" type="slidenum">
+              <a:rPr lang="ar-SY" smtClean="0"/>
+              <a:t>21</a:t>
+            </a:fld>
+            <a:endParaRPr lang="ar-SY"/>
+          </a:p>
+        </p:txBody>
+      </p:sp>
+    </p:spTree>
+    <p:extLst>
+      <p:ext uri="{BB962C8B-B14F-4D97-AF65-F5344CB8AC3E}">
+        <p14:creationId xmlns:p14="http://schemas.microsoft.com/office/powerpoint/2010/main" val="3619987907"/>
+      </p:ext>
+    </p:extLst>
+  </p:cSld>
+  <p:clrMapOvr>
+    <a:masterClrMapping/>
+  </p:clrMapOvr>
+</p:notes>
+</file>
+
+<file path=ppt/notesSlides/notesSlide22.xml><?xml version="1.0" encoding="utf-8"?>
+<p:notes xmlns:a="http://schemas.openxmlformats.org/drawingml/2006/main" xmlns:r="http://schemas.openxmlformats.org/officeDocument/2006/relationships" xmlns:p="http://schemas.openxmlformats.org/presentationml/2006/main">
+  <p:cSld>
+    <p:spTree>
+      <p:nvGrpSpPr>
+        <p:cNvPr id="1" name=""/>
+        <p:cNvGrpSpPr/>
+        <p:nvPr/>
+      </p:nvGrpSpPr>
+      <p:grpSpPr>
+        <a:xfrm>
+          <a:off x="0" y="0"/>
+          <a:ext cx="0" cy="0"/>
+          <a:chOff x="0" y="0"/>
+          <a:chExt cx="0" cy="0"/>
+        </a:xfrm>
+      </p:grpSpPr>
+      <p:sp>
+        <p:nvSpPr>
+          <p:cNvPr id="2" name="عنصر نائب لصورة الشريحة 1"/>
+          <p:cNvSpPr>
+            <a:spLocks noGrp="1" noRot="1" noChangeAspect="1"/>
+          </p:cNvSpPr>
+          <p:nvPr>
+            <p:ph type="sldImg"/>
+          </p:nvPr>
+        </p:nvSpPr>
+        <p:spPr/>
+      </p:sp>
+      <p:sp>
+        <p:nvSpPr>
+          <p:cNvPr id="3" name="عنصر نائب للملاحظات 2"/>
+          <p:cNvSpPr>
+            <a:spLocks noGrp="1"/>
+          </p:cNvSpPr>
+          <p:nvPr>
+            <p:ph type="body" idx="1"/>
+          </p:nvPr>
+        </p:nvSpPr>
+        <p:spPr/>
+        <p:txBody>
+          <a:bodyPr/>
+          <a:lstStyle/>
+          <a:p>
+            <a:r>
+              <a:rPr lang="ar-SA" dirty="0"/>
+              <a:t>لفصل العناصر عن بعضها يمكن استخدام الخط الأفقي</a:t>
+            </a:r>
+            <a:endParaRPr lang="en-US" dirty="0"/>
+          </a:p>
+        </p:txBody>
+      </p:sp>
+      <p:sp>
+        <p:nvSpPr>
+          <p:cNvPr id="4" name="عنصر نائب لرقم الشريحة 3"/>
+          <p:cNvSpPr>
+            <a:spLocks noGrp="1"/>
+          </p:cNvSpPr>
+          <p:nvPr>
+            <p:ph type="sldNum" sz="quarter" idx="5"/>
+          </p:nvPr>
+        </p:nvSpPr>
+        <p:spPr/>
+        <p:txBody>
+          <a:bodyPr/>
+          <a:lstStyle/>
+          <a:p>
+            <a:fld id="{CC320E0A-D0AF-4D7D-9A21-388A396A7CCB}" type="slidenum">
+              <a:rPr lang="ar-SY" smtClean="0"/>
+              <a:t>22</a:t>
+            </a:fld>
+            <a:endParaRPr lang="ar-SY"/>
+          </a:p>
+        </p:txBody>
+      </p:sp>
+    </p:spTree>
+    <p:extLst>
+      <p:ext uri="{BB962C8B-B14F-4D97-AF65-F5344CB8AC3E}">
+        <p14:creationId xmlns:p14="http://schemas.microsoft.com/office/powerpoint/2010/main" val="926460330"/>
+      </p:ext>
+    </p:extLst>
+  </p:cSld>
+  <p:clrMapOvr>
+    <a:masterClrMapping/>
+  </p:clrMapOvr>
+</p:notes>
+</file>
+
+<file path=ppt/notesSlides/notesSlide23.xml><?xml version="1.0" encoding="utf-8"?>
+<p:notes xmlns:a="http://schemas.openxmlformats.org/drawingml/2006/main" xmlns:r="http://schemas.openxmlformats.org/officeDocument/2006/relationships" xmlns:p="http://schemas.openxmlformats.org/presentationml/2006/main">
+  <p:cSld>
+    <p:spTree>
+      <p:nvGrpSpPr>
+        <p:cNvPr id="1" name=""/>
+        <p:cNvGrpSpPr/>
+        <p:nvPr/>
+      </p:nvGrpSpPr>
+      <p:grpSpPr>
+        <a:xfrm>
+          <a:off x="0" y="0"/>
+          <a:ext cx="0" cy="0"/>
+          <a:chOff x="0" y="0"/>
+          <a:chExt cx="0" cy="0"/>
+        </a:xfrm>
+      </p:grpSpPr>
+      <p:sp>
+        <p:nvSpPr>
+          <p:cNvPr id="2" name="عنصر نائب لصورة الشريحة 1"/>
+          <p:cNvSpPr>
+            <a:spLocks noGrp="1" noRot="1" noChangeAspect="1"/>
+          </p:cNvSpPr>
+          <p:nvPr>
+            <p:ph type="sldImg"/>
+          </p:nvPr>
+        </p:nvSpPr>
+        <p:spPr/>
+      </p:sp>
+      <p:sp>
+        <p:nvSpPr>
+          <p:cNvPr id="3" name="عنصر نائب للملاحظات 2"/>
+          <p:cNvSpPr>
+            <a:spLocks noGrp="1"/>
+          </p:cNvSpPr>
+          <p:nvPr>
+            <p:ph type="body" idx="1"/>
+          </p:nvPr>
+        </p:nvSpPr>
+        <p:spPr/>
+        <p:txBody>
+          <a:bodyPr/>
+          <a:lstStyle/>
+          <a:p>
+            <a:r>
+              <a:rPr lang="ar-SA" dirty="0"/>
+              <a:t>يوجد أكثر من درجة للعناوين من 1 حتى 6 </a:t>
+            </a:r>
+          </a:p>
+          <a:p>
+            <a:r>
+              <a:rPr lang="ar-SA" dirty="0"/>
+              <a:t>يكون اكبرها </a:t>
+            </a:r>
+            <a:r>
+              <a:rPr lang="en-US" dirty="0"/>
+              <a:t>h1</a:t>
+            </a:r>
+            <a:endParaRPr lang="ar-SA" dirty="0"/>
+          </a:p>
+          <a:p>
+            <a:r>
+              <a:rPr lang="ar-SA" dirty="0"/>
+              <a:t>و أصغرها </a:t>
+            </a:r>
+            <a:r>
+              <a:rPr lang="en-US" dirty="0"/>
+              <a:t>h6</a:t>
+            </a:r>
+          </a:p>
+        </p:txBody>
+      </p:sp>
+      <p:sp>
+        <p:nvSpPr>
+          <p:cNvPr id="4" name="عنصر نائب لرقم الشريحة 3"/>
+          <p:cNvSpPr>
+            <a:spLocks noGrp="1"/>
+          </p:cNvSpPr>
+          <p:nvPr>
+            <p:ph type="sldNum" sz="quarter" idx="5"/>
+          </p:nvPr>
+        </p:nvSpPr>
+        <p:spPr/>
+        <p:txBody>
+          <a:bodyPr/>
+          <a:lstStyle/>
+          <a:p>
+            <a:fld id="{CC320E0A-D0AF-4D7D-9A21-388A396A7CCB}" type="slidenum">
+              <a:rPr lang="ar-SY" smtClean="0"/>
+              <a:t>23</a:t>
+            </a:fld>
+            <a:endParaRPr lang="ar-SY"/>
+          </a:p>
+        </p:txBody>
+      </p:sp>
+    </p:spTree>
+    <p:extLst>
+      <p:ext uri="{BB962C8B-B14F-4D97-AF65-F5344CB8AC3E}">
+        <p14:creationId xmlns:p14="http://schemas.microsoft.com/office/powerpoint/2010/main" val="36419190"/>
+      </p:ext>
+    </p:extLst>
+  </p:cSld>
+  <p:clrMapOvr>
+    <a:masterClrMapping/>
+  </p:clrMapOvr>
+</p:notes>
+</file>
+
+<file path=ppt/notesSlides/notesSlide24.xml><?xml version="1.0" encoding="utf-8"?>
+<p:notes xmlns:a="http://schemas.openxmlformats.org/drawingml/2006/main" xmlns:r="http://schemas.openxmlformats.org/officeDocument/2006/relationships" xmlns:p="http://schemas.openxmlformats.org/presentationml/2006/main">
+  <p:cSld>
+    <p:spTree>
+      <p:nvGrpSpPr>
+        <p:cNvPr id="1" name=""/>
+        <p:cNvGrpSpPr/>
+        <p:nvPr/>
+      </p:nvGrpSpPr>
+      <p:grpSpPr>
+        <a:xfrm>
+          <a:off x="0" y="0"/>
+          <a:ext cx="0" cy="0"/>
+          <a:chOff x="0" y="0"/>
+          <a:chExt cx="0" cy="0"/>
+        </a:xfrm>
+      </p:grpSpPr>
+      <p:sp>
+        <p:nvSpPr>
+          <p:cNvPr id="2" name="عنصر نائب لصورة الشريحة 1"/>
+          <p:cNvSpPr>
+            <a:spLocks noGrp="1" noRot="1" noChangeAspect="1"/>
+          </p:cNvSpPr>
+          <p:nvPr>
+            <p:ph type="sldImg"/>
+          </p:nvPr>
+        </p:nvSpPr>
+        <p:spPr/>
+      </p:sp>
+      <p:sp>
+        <p:nvSpPr>
+          <p:cNvPr id="3" name="عنصر نائب للملاحظات 2"/>
+          <p:cNvSpPr>
+            <a:spLocks noGrp="1"/>
+          </p:cNvSpPr>
+          <p:nvPr>
+            <p:ph type="body" idx="1"/>
+          </p:nvPr>
+        </p:nvSpPr>
+        <p:spPr/>
+        <p:txBody>
+          <a:bodyPr/>
+          <a:lstStyle/>
+          <a:p>
+            <a:r>
+              <a:rPr lang="ar-SA" dirty="0"/>
+              <a:t>يتم استخدام </a:t>
+            </a:r>
+            <a:r>
+              <a:rPr lang="en-US" dirty="0"/>
+              <a:t>a </a:t>
+            </a:r>
+            <a:r>
+              <a:rPr lang="ar-SA" dirty="0"/>
+              <a:t>(</a:t>
+            </a:r>
+            <a:r>
+              <a:rPr lang="en-US" dirty="0"/>
+              <a:t>link</a:t>
+            </a:r>
+            <a:r>
+              <a:rPr lang="ar-SA" dirty="0"/>
+              <a:t>) لربط صفحات الموقع مع بعضها أو الارتباط مع صفحات و مواقع أخرى </a:t>
+            </a:r>
+          </a:p>
+          <a:p>
+            <a:r>
+              <a:rPr lang="ar-SA" dirty="0"/>
+              <a:t>بحيث يتم تحديد الرابط الخاص بالصفحة الهدف عن طريق </a:t>
+            </a:r>
+            <a:r>
+              <a:rPr lang="en-US" dirty="0" err="1"/>
+              <a:t>href</a:t>
+            </a:r>
+            <a:endParaRPr lang="ar-SA" dirty="0"/>
+          </a:p>
+          <a:p>
+            <a:endParaRPr lang="ar-SA" dirty="0"/>
+          </a:p>
+        </p:txBody>
+      </p:sp>
+      <p:sp>
+        <p:nvSpPr>
+          <p:cNvPr id="4" name="عنصر نائب لرقم الشريحة 3"/>
+          <p:cNvSpPr>
+            <a:spLocks noGrp="1"/>
+          </p:cNvSpPr>
+          <p:nvPr>
+            <p:ph type="sldNum" sz="quarter" idx="5"/>
+          </p:nvPr>
+        </p:nvSpPr>
+        <p:spPr/>
+        <p:txBody>
+          <a:bodyPr/>
+          <a:lstStyle/>
+          <a:p>
+            <a:fld id="{CC320E0A-D0AF-4D7D-9A21-388A396A7CCB}" type="slidenum">
+              <a:rPr lang="ar-SY" smtClean="0"/>
+              <a:t>24</a:t>
+            </a:fld>
+            <a:endParaRPr lang="ar-SY"/>
+          </a:p>
+        </p:txBody>
+      </p:sp>
+    </p:spTree>
+    <p:extLst>
+      <p:ext uri="{BB962C8B-B14F-4D97-AF65-F5344CB8AC3E}">
+        <p14:creationId xmlns:p14="http://schemas.microsoft.com/office/powerpoint/2010/main" val="142374516"/>
+      </p:ext>
+    </p:extLst>
+  </p:cSld>
+  <p:clrMapOvr>
+    <a:masterClrMapping/>
+  </p:clrMapOvr>
+</p:notes>
+</file>
+
+<file path=ppt/notesSlides/notesSlide25.xml><?xml version="1.0" encoding="utf-8"?>
+<p:notes xmlns:a="http://schemas.openxmlformats.org/drawingml/2006/main" xmlns:r="http://schemas.openxmlformats.org/officeDocument/2006/relationships" xmlns:p="http://schemas.openxmlformats.org/presentationml/2006/main">
+  <p:cSld>
+    <p:spTree>
+      <p:nvGrpSpPr>
+        <p:cNvPr id="1" name=""/>
+        <p:cNvGrpSpPr/>
+        <p:nvPr/>
+      </p:nvGrpSpPr>
+      <p:grpSpPr>
+        <a:xfrm>
+          <a:off x="0" y="0"/>
+          <a:ext cx="0" cy="0"/>
+          <a:chOff x="0" y="0"/>
+          <a:chExt cx="0" cy="0"/>
+        </a:xfrm>
+      </p:grpSpPr>
+      <p:sp>
+        <p:nvSpPr>
+          <p:cNvPr id="2" name="عنصر نائب لصورة الشريحة 1"/>
+          <p:cNvSpPr>
+            <a:spLocks noGrp="1" noRot="1" noChangeAspect="1"/>
+          </p:cNvSpPr>
+          <p:nvPr>
+            <p:ph type="sldImg"/>
+          </p:nvPr>
+        </p:nvSpPr>
+        <p:spPr/>
+      </p:sp>
+      <p:sp>
+        <p:nvSpPr>
+          <p:cNvPr id="3" name="عنصر نائب للملاحظات 2"/>
+          <p:cNvSpPr>
+            <a:spLocks noGrp="1"/>
+          </p:cNvSpPr>
+          <p:nvPr>
+            <p:ph type="body" idx="1"/>
+          </p:nvPr>
+        </p:nvSpPr>
+        <p:spPr/>
+        <p:txBody>
+          <a:bodyPr/>
+          <a:lstStyle/>
+          <a:p>
+            <a:r>
+              <a:rPr lang="ar-SA" dirty="0"/>
+              <a:t>يمكن استخدام صورة بدلاً من استخدام نص كرابط لصفحة أخرى </a:t>
+            </a:r>
+          </a:p>
+          <a:p>
+            <a:endParaRPr lang="ar-SA" dirty="0"/>
+          </a:p>
+        </p:txBody>
+      </p:sp>
+      <p:sp>
+        <p:nvSpPr>
+          <p:cNvPr id="4" name="عنصر نائب لرقم الشريحة 3"/>
+          <p:cNvSpPr>
+            <a:spLocks noGrp="1"/>
+          </p:cNvSpPr>
+          <p:nvPr>
+            <p:ph type="sldNum" sz="quarter" idx="5"/>
+          </p:nvPr>
+        </p:nvSpPr>
+        <p:spPr/>
+        <p:txBody>
+          <a:bodyPr/>
+          <a:lstStyle/>
+          <a:p>
+            <a:fld id="{CC320E0A-D0AF-4D7D-9A21-388A396A7CCB}" type="slidenum">
+              <a:rPr lang="ar-SY" smtClean="0"/>
+              <a:t>25</a:t>
+            </a:fld>
+            <a:endParaRPr lang="ar-SY"/>
+          </a:p>
+        </p:txBody>
+      </p:sp>
+    </p:spTree>
+    <p:extLst>
+      <p:ext uri="{BB962C8B-B14F-4D97-AF65-F5344CB8AC3E}">
+        <p14:creationId xmlns:p14="http://schemas.microsoft.com/office/powerpoint/2010/main" val="1464452692"/>
+      </p:ext>
+    </p:extLst>
+  </p:cSld>
+  <p:clrMapOvr>
+    <a:masterClrMapping/>
+  </p:clrMapOvr>
+</p:notes>
+</file>
+
+<file path=ppt/notesSlides/notesSlide26.xml><?xml version="1.0" encoding="utf-8"?>
+<p:notes xmlns:a="http://schemas.openxmlformats.org/drawingml/2006/main" xmlns:r="http://schemas.openxmlformats.org/officeDocument/2006/relationships" xmlns:p="http://schemas.openxmlformats.org/presentationml/2006/main">
+  <p:cSld>
+    <p:spTree>
+      <p:nvGrpSpPr>
+        <p:cNvPr id="1" name=""/>
+        <p:cNvGrpSpPr/>
+        <p:nvPr/>
+      </p:nvGrpSpPr>
+      <p:grpSpPr>
+        <a:xfrm>
+          <a:off x="0" y="0"/>
+          <a:ext cx="0" cy="0"/>
+          <a:chOff x="0" y="0"/>
+          <a:chExt cx="0" cy="0"/>
+        </a:xfrm>
+      </p:grpSpPr>
+      <p:sp>
+        <p:nvSpPr>
+          <p:cNvPr id="2" name="عنصر نائب لصورة الشريحة 1"/>
+          <p:cNvSpPr>
+            <a:spLocks noGrp="1" noRot="1" noChangeAspect="1"/>
+          </p:cNvSpPr>
+          <p:nvPr>
+            <p:ph type="sldImg"/>
+          </p:nvPr>
+        </p:nvSpPr>
+        <p:spPr/>
+      </p:sp>
+      <p:sp>
+        <p:nvSpPr>
+          <p:cNvPr id="3" name="عنصر نائب للملاحظات 2"/>
+          <p:cNvSpPr>
+            <a:spLocks noGrp="1"/>
+          </p:cNvSpPr>
+          <p:nvPr>
+            <p:ph type="body" idx="1"/>
+          </p:nvPr>
+        </p:nvSpPr>
+        <p:spPr/>
+        <p:txBody>
+          <a:bodyPr/>
+          <a:lstStyle/>
+          <a:p>
+            <a:r>
+              <a:rPr lang="ar-SA" dirty="0"/>
+              <a:t>يمكن استخدام الروابط المطلقة أو النسبية:</a:t>
+            </a:r>
+          </a:p>
+          <a:p>
+            <a:r>
+              <a:rPr lang="ar-SA" dirty="0"/>
+              <a:t>الرابط المطلق : بحيث يكتب الرابط "كعنوان صفحة ويب كامل" و غالبا ما يستخدم في حالة طلب موقع خارجي </a:t>
+            </a:r>
+          </a:p>
+          <a:p>
+            <a:r>
+              <a:rPr lang="ar-SA" dirty="0"/>
+              <a:t>الرابط النسبي: يكتب الرابط بشكل نسبي انطلقاً من الصفحة الحالية </a:t>
+            </a:r>
+          </a:p>
+          <a:p>
+            <a:endParaRPr lang="ar-SA" dirty="0"/>
+          </a:p>
+        </p:txBody>
+      </p:sp>
+      <p:sp>
+        <p:nvSpPr>
+          <p:cNvPr id="4" name="عنصر نائب لرقم الشريحة 3"/>
+          <p:cNvSpPr>
+            <a:spLocks noGrp="1"/>
+          </p:cNvSpPr>
+          <p:nvPr>
+            <p:ph type="sldNum" sz="quarter" idx="5"/>
+          </p:nvPr>
+        </p:nvSpPr>
+        <p:spPr/>
+        <p:txBody>
+          <a:bodyPr/>
+          <a:lstStyle/>
+          <a:p>
+            <a:fld id="{CC320E0A-D0AF-4D7D-9A21-388A396A7CCB}" type="slidenum">
+              <a:rPr lang="ar-SY" smtClean="0"/>
+              <a:t>26</a:t>
+            </a:fld>
+            <a:endParaRPr lang="ar-SY"/>
+          </a:p>
+        </p:txBody>
+      </p:sp>
+    </p:spTree>
+    <p:extLst>
+      <p:ext uri="{BB962C8B-B14F-4D97-AF65-F5344CB8AC3E}">
+        <p14:creationId xmlns:p14="http://schemas.microsoft.com/office/powerpoint/2010/main" val="1631188975"/>
+      </p:ext>
+    </p:extLst>
+  </p:cSld>
+  <p:clrMapOvr>
+    <a:masterClrMapping/>
+  </p:clrMapOvr>
+</p:notes>
+</file>
+
+<file path=ppt/notesSlides/notesSlide27.xml><?xml version="1.0" encoding="utf-8"?>
+<p:notes xmlns:a="http://schemas.openxmlformats.org/drawingml/2006/main" xmlns:r="http://schemas.openxmlformats.org/officeDocument/2006/relationships" xmlns:p="http://schemas.openxmlformats.org/presentationml/2006/main">
+  <p:cSld>
+    <p:spTree>
+      <p:nvGrpSpPr>
+        <p:cNvPr id="1" name=""/>
+        <p:cNvGrpSpPr/>
+        <p:nvPr/>
+      </p:nvGrpSpPr>
+      <p:grpSpPr>
+        <a:xfrm>
+          <a:off x="0" y="0"/>
+          <a:ext cx="0" cy="0"/>
+          <a:chOff x="0" y="0"/>
+          <a:chExt cx="0" cy="0"/>
+        </a:xfrm>
+      </p:grpSpPr>
+      <p:sp>
+        <p:nvSpPr>
+          <p:cNvPr id="2" name="عنصر نائب لصورة الشريحة 1"/>
+          <p:cNvSpPr>
+            <a:spLocks noGrp="1" noRot="1" noChangeAspect="1"/>
+          </p:cNvSpPr>
+          <p:nvPr>
+            <p:ph type="sldImg"/>
+          </p:nvPr>
+        </p:nvSpPr>
+        <p:spPr/>
+      </p:sp>
+      <p:sp>
+        <p:nvSpPr>
+          <p:cNvPr id="3" name="عنصر نائب للملاحظات 2"/>
+          <p:cNvSpPr>
+            <a:spLocks noGrp="1"/>
+          </p:cNvSpPr>
+          <p:nvPr>
+            <p:ph type="body" idx="1"/>
+          </p:nvPr>
+        </p:nvSpPr>
+        <p:spPr/>
+        <p:txBody>
+          <a:bodyPr/>
+          <a:lstStyle/>
+          <a:p>
+            <a:r>
+              <a:rPr lang="ar-SA" dirty="0"/>
+              <a:t>في الروابط النسبية </a:t>
+            </a:r>
+            <a:br>
+              <a:rPr lang="ar-SA" dirty="0"/>
+            </a:br>
+            <a:r>
+              <a:rPr lang="ar-SA" dirty="0" err="1"/>
+              <a:t>نستخدام</a:t>
+            </a:r>
+            <a:r>
+              <a:rPr lang="ar-SA" dirty="0"/>
+              <a:t> </a:t>
+            </a:r>
+            <a:r>
+              <a:rPr lang="en-US" dirty="0"/>
+              <a:t>“/”</a:t>
+            </a:r>
+            <a:r>
+              <a:rPr lang="ar-SA" dirty="0"/>
+              <a:t>  لفتح ملف "خطوة للأمام"</a:t>
+            </a:r>
+          </a:p>
+          <a:p>
+            <a:r>
+              <a:rPr lang="ar-SA" dirty="0"/>
+              <a:t>و “</a:t>
+            </a:r>
+            <a:r>
+              <a:rPr lang="en-US" dirty="0"/>
+              <a:t>../</a:t>
+            </a:r>
+            <a:r>
+              <a:rPr lang="ar-SA" dirty="0"/>
+              <a:t>“</a:t>
+            </a:r>
+            <a:r>
+              <a:rPr lang="en-US" dirty="0"/>
+              <a:t> </a:t>
+            </a:r>
+            <a:r>
+              <a:rPr lang="ar-SA" dirty="0"/>
+              <a:t> للرجوع للخلف  "خطوة للخلف"</a:t>
+            </a:r>
+          </a:p>
+          <a:p>
+            <a:endParaRPr lang="ar-SA" dirty="0"/>
+          </a:p>
+          <a:p>
+            <a:endParaRPr lang="ar-SA" dirty="0"/>
+          </a:p>
+        </p:txBody>
+      </p:sp>
+      <p:sp>
+        <p:nvSpPr>
+          <p:cNvPr id="4" name="عنصر نائب لرقم الشريحة 3"/>
+          <p:cNvSpPr>
+            <a:spLocks noGrp="1"/>
+          </p:cNvSpPr>
+          <p:nvPr>
+            <p:ph type="sldNum" sz="quarter" idx="5"/>
+          </p:nvPr>
+        </p:nvSpPr>
+        <p:spPr/>
+        <p:txBody>
+          <a:bodyPr/>
+          <a:lstStyle/>
+          <a:p>
+            <a:fld id="{CC320E0A-D0AF-4D7D-9A21-388A396A7CCB}" type="slidenum">
+              <a:rPr lang="ar-SY" smtClean="0"/>
+              <a:t>27</a:t>
+            </a:fld>
+            <a:endParaRPr lang="ar-SY"/>
+          </a:p>
+        </p:txBody>
+      </p:sp>
+    </p:spTree>
+    <p:extLst>
+      <p:ext uri="{BB962C8B-B14F-4D97-AF65-F5344CB8AC3E}">
+        <p14:creationId xmlns:p14="http://schemas.microsoft.com/office/powerpoint/2010/main" val="1402236627"/>
+      </p:ext>
+    </p:extLst>
+  </p:cSld>
+  <p:clrMapOvr>
+    <a:masterClrMapping/>
+  </p:clrMapOvr>
+</p:notes>
+</file>
+
+<file path=ppt/notesSlides/notesSlide28.xml><?xml version="1.0" encoding="utf-8"?>
+<p:notes xmlns:a="http://schemas.openxmlformats.org/drawingml/2006/main" xmlns:r="http://schemas.openxmlformats.org/officeDocument/2006/relationships" xmlns:p="http://schemas.openxmlformats.org/presentationml/2006/main">
+  <p:cSld>
+    <p:spTree>
+      <p:nvGrpSpPr>
+        <p:cNvPr id="1" name=""/>
+        <p:cNvGrpSpPr/>
+        <p:nvPr/>
+      </p:nvGrpSpPr>
+      <p:grpSpPr>
+        <a:xfrm>
+          <a:off x="0" y="0"/>
+          <a:ext cx="0" cy="0"/>
+          <a:chOff x="0" y="0"/>
+          <a:chExt cx="0" cy="0"/>
+        </a:xfrm>
+      </p:grpSpPr>
+      <p:sp>
+        <p:nvSpPr>
+          <p:cNvPr id="2" name="عنصر نائب لصورة الشريحة 1"/>
+          <p:cNvSpPr>
+            <a:spLocks noGrp="1" noRot="1" noChangeAspect="1"/>
+          </p:cNvSpPr>
+          <p:nvPr>
+            <p:ph type="sldImg"/>
+          </p:nvPr>
+        </p:nvSpPr>
+        <p:spPr/>
+      </p:sp>
+      <p:sp>
+        <p:nvSpPr>
+          <p:cNvPr id="3" name="عنصر نائب للملاحظات 2"/>
+          <p:cNvSpPr>
+            <a:spLocks noGrp="1"/>
+          </p:cNvSpPr>
+          <p:nvPr>
+            <p:ph type="body" idx="1"/>
+          </p:nvPr>
+        </p:nvSpPr>
+        <p:spPr/>
+        <p:txBody>
+          <a:bodyPr/>
+          <a:lstStyle/>
+          <a:p>
+            <a:r>
+              <a:rPr lang="ar-SA" dirty="0"/>
+              <a:t>بشكل اعتيادي سيتم فتح الصفحة الجديدة في نفس نافذة المتصفح</a:t>
+            </a:r>
+          </a:p>
+          <a:p>
+            <a:r>
+              <a:rPr lang="ar-SA" dirty="0"/>
+              <a:t>و لكن يمكن فتح الصفحة الجديدة في تبويب جديد باستخدام </a:t>
+            </a:r>
+            <a:r>
+              <a:rPr lang="en-US" dirty="0"/>
+              <a:t>target="_blank"</a:t>
+            </a:r>
+            <a:endParaRPr lang="ar-SA" dirty="0"/>
+          </a:p>
+        </p:txBody>
+      </p:sp>
+      <p:sp>
+        <p:nvSpPr>
+          <p:cNvPr id="4" name="عنصر نائب لرقم الشريحة 3"/>
+          <p:cNvSpPr>
+            <a:spLocks noGrp="1"/>
+          </p:cNvSpPr>
+          <p:nvPr>
+            <p:ph type="sldNum" sz="quarter" idx="5"/>
+          </p:nvPr>
+        </p:nvSpPr>
+        <p:spPr/>
+        <p:txBody>
+          <a:bodyPr/>
+          <a:lstStyle/>
+          <a:p>
+            <a:fld id="{CC320E0A-D0AF-4D7D-9A21-388A396A7CCB}" type="slidenum">
+              <a:rPr lang="ar-SY" smtClean="0"/>
+              <a:t>28</a:t>
+            </a:fld>
+            <a:endParaRPr lang="ar-SY"/>
+          </a:p>
+        </p:txBody>
+      </p:sp>
+    </p:spTree>
+    <p:extLst>
+      <p:ext uri="{BB962C8B-B14F-4D97-AF65-F5344CB8AC3E}">
+        <p14:creationId xmlns:p14="http://schemas.microsoft.com/office/powerpoint/2010/main" val="2903009379"/>
       </p:ext>
     </p:extLst>
   </p:cSld>
@@ -3900,7 +5001,7 @@
           <a:p>
             <a:fld id="{3B88ACB1-6B07-4748-A2AF-A58E584E06E3}" type="datetimeFigureOut">
               <a:rPr lang="ar-SY" smtClean="0"/>
-              <a:t>03/02/1442</a:t>
+              <a:t>04/02/1442</a:t>
             </a:fld>
             <a:endParaRPr lang="ar-SY"/>
           </a:p>
@@ -4082,7 +5183,7 @@
           <a:p>
             <a:fld id="{3B88ACB1-6B07-4748-A2AF-A58E584E06E3}" type="datetimeFigureOut">
               <a:rPr lang="ar-SY" smtClean="0"/>
-              <a:t>03/02/1442</a:t>
+              <a:t>04/02/1442</a:t>
             </a:fld>
             <a:endParaRPr lang="ar-SY"/>
           </a:p>
@@ -4274,7 +5375,7 @@
           <a:p>
             <a:fld id="{3B88ACB1-6B07-4748-A2AF-A58E584E06E3}" type="datetimeFigureOut">
               <a:rPr lang="ar-SY" smtClean="0"/>
-              <a:t>03/02/1442</a:t>
+              <a:t>04/02/1442</a:t>
             </a:fld>
             <a:endParaRPr lang="ar-SY"/>
           </a:p>
@@ -4456,7 +5557,7 @@
           <a:p>
             <a:fld id="{3B88ACB1-6B07-4748-A2AF-A58E584E06E3}" type="datetimeFigureOut">
               <a:rPr lang="ar-SY" smtClean="0"/>
-              <a:t>03/02/1442</a:t>
+              <a:t>04/02/1442</a:t>
             </a:fld>
             <a:endParaRPr lang="ar-SY"/>
           </a:p>
@@ -4714,7 +5815,7 @@
           <a:p>
             <a:fld id="{3B88ACB1-6B07-4748-A2AF-A58E584E06E3}" type="datetimeFigureOut">
               <a:rPr lang="ar-SY" smtClean="0"/>
-              <a:t>03/02/1442</a:t>
+              <a:t>04/02/1442</a:t>
             </a:fld>
             <a:endParaRPr lang="ar-SY"/>
           </a:p>
@@ -4958,7 +6059,7 @@
           <a:p>
             <a:fld id="{3B88ACB1-6B07-4748-A2AF-A58E584E06E3}" type="datetimeFigureOut">
               <a:rPr lang="ar-SY" smtClean="0"/>
-              <a:t>03/02/1442</a:t>
+              <a:t>04/02/1442</a:t>
             </a:fld>
             <a:endParaRPr lang="ar-SY"/>
           </a:p>
@@ -5325,7 +6426,7 @@
           <a:p>
             <a:fld id="{3B88ACB1-6B07-4748-A2AF-A58E584E06E3}" type="datetimeFigureOut">
               <a:rPr lang="ar-SY" smtClean="0"/>
-              <a:t>03/02/1442</a:t>
+              <a:t>04/02/1442</a:t>
             </a:fld>
             <a:endParaRPr lang="ar-SY"/>
           </a:p>
@@ -5455,7 +6556,7 @@
           <a:p>
             <a:fld id="{3B88ACB1-6B07-4748-A2AF-A58E584E06E3}" type="datetimeFigureOut">
               <a:rPr lang="ar-SY" smtClean="0"/>
-              <a:t>03/02/1442</a:t>
+              <a:t>04/02/1442</a:t>
             </a:fld>
             <a:endParaRPr lang="ar-SY"/>
           </a:p>
@@ -5562,7 +6663,7 @@
           <a:p>
             <a:fld id="{3B88ACB1-6B07-4748-A2AF-A58E584E06E3}" type="datetimeFigureOut">
               <a:rPr lang="ar-SY" smtClean="0"/>
-              <a:t>03/02/1442</a:t>
+              <a:t>04/02/1442</a:t>
             </a:fld>
             <a:endParaRPr lang="ar-SY"/>
           </a:p>
@@ -5851,7 +6952,7 @@
           <a:p>
             <a:fld id="{3B88ACB1-6B07-4748-A2AF-A58E584E06E3}" type="datetimeFigureOut">
               <a:rPr lang="ar-SY" smtClean="0"/>
-              <a:t>03/02/1442</a:t>
+              <a:t>04/02/1442</a:t>
             </a:fld>
             <a:endParaRPr lang="ar-SY"/>
           </a:p>
@@ -6108,7 +7209,7 @@
           <a:p>
             <a:fld id="{3B88ACB1-6B07-4748-A2AF-A58E584E06E3}" type="datetimeFigureOut">
               <a:rPr lang="ar-SY" smtClean="0"/>
-              <a:t>03/02/1442</a:t>
+              <a:t>04/02/1442</a:t>
             </a:fld>
             <a:endParaRPr lang="ar-SY"/>
           </a:p>
@@ -6333,7 +7434,7 @@
           <a:p>
             <a:fld id="{3B88ACB1-6B07-4748-A2AF-A58E584E06E3}" type="datetimeFigureOut">
               <a:rPr lang="ar-SY" smtClean="0"/>
-              <a:t>03/02/1442</a:t>
+              <a:t>04/02/1442</a:t>
             </a:fld>
             <a:endParaRPr lang="ar-SY"/>
           </a:p>
@@ -6873,10 +7974,16 @@
           <a:p>
             <a:pPr algn="ctr"/>
             <a:r>
-              <a:rPr lang="en-US" sz="4800" b="1" dirty="0"/>
+              <a:rPr lang="en-US" sz="4800" b="1" dirty="0">
+                <a:latin typeface="Times New Roman" panose="02020603050405020304" pitchFamily="18" charset="0"/>
+                <a:cs typeface="Times New Roman" panose="02020603050405020304" pitchFamily="18" charset="0"/>
+              </a:rPr>
               <a:t>Web Browsers</a:t>
             </a:r>
-            <a:endParaRPr lang="ar-SY" sz="4800" b="1" dirty="0"/>
+            <a:endParaRPr lang="ar-SY" sz="4800" b="1" dirty="0">
+              <a:latin typeface="Times New Roman" panose="02020603050405020304" pitchFamily="18" charset="0"/>
+              <a:cs typeface="Times New Roman" panose="02020603050405020304" pitchFamily="18" charset="0"/>
+            </a:endParaRPr>
           </a:p>
         </p:txBody>
       </p:sp>
@@ -6951,7 +8058,7 @@
           <p:cNvPr id="2" name="عنوان 1">
             <a:extLst>
               <a:ext uri="{FF2B5EF4-FFF2-40B4-BE49-F238E27FC236}">
-                <a16:creationId xmlns:a16="http://schemas.microsoft.com/office/drawing/2014/main" xmlns="" id="{FABE6D8F-611E-4C3A-BF03-368EA85E2E4C}"/>
+                <a16:creationId xmlns:a16="http://schemas.microsoft.com/office/drawing/2014/main" id="{FABE6D8F-611E-4C3A-BF03-368EA85E2E4C}"/>
               </a:ext>
             </a:extLst>
           </p:cNvPr>
@@ -6971,7 +8078,10 @@
           <a:p>
             <a:pPr algn="ctr"/>
             <a:r>
-              <a:rPr lang="en-US" sz="4800" b="1" dirty="0"/>
+              <a:rPr lang="en-US" sz="4800" b="1" dirty="0">
+                <a:latin typeface="Times New Roman" panose="02020603050405020304" pitchFamily="18" charset="0"/>
+                <a:cs typeface="Times New Roman" panose="02020603050405020304" pitchFamily="18" charset="0"/>
+              </a:rPr>
               <a:t>Web Server</a:t>
             </a:r>
           </a:p>
@@ -6982,7 +8092,7 @@
           <p:cNvPr id="10" name="صورة 9">
             <a:extLst>
               <a:ext uri="{FF2B5EF4-FFF2-40B4-BE49-F238E27FC236}">
-                <a16:creationId xmlns:a16="http://schemas.microsoft.com/office/drawing/2014/main" xmlns="" id="{CDC21F2B-6FF8-4358-A469-D6EA8318A295}"/>
+                <a16:creationId xmlns:a16="http://schemas.microsoft.com/office/drawing/2014/main" id="{CDC21F2B-6FF8-4358-A469-D6EA8318A295}"/>
               </a:ext>
             </a:extLst>
           </p:cNvPr>
@@ -7054,7 +8164,7 @@
           <p:cNvPr id="2" name="عنوان 1">
             <a:extLst>
               <a:ext uri="{FF2B5EF4-FFF2-40B4-BE49-F238E27FC236}">
-                <a16:creationId xmlns:a16="http://schemas.microsoft.com/office/drawing/2014/main" xmlns="" id="{9453BCD2-7A68-48FC-AE50-605253AD70DE}"/>
+                <a16:creationId xmlns:a16="http://schemas.microsoft.com/office/drawing/2014/main" id="{9453BCD2-7A68-48FC-AE50-605253AD70DE}"/>
               </a:ext>
             </a:extLst>
           </p:cNvPr>
@@ -7164,7 +8274,7 @@
           <p:cNvPr id="2" name="عنوان 1">
             <a:extLst>
               <a:ext uri="{FF2B5EF4-FFF2-40B4-BE49-F238E27FC236}">
-                <a16:creationId xmlns:a16="http://schemas.microsoft.com/office/drawing/2014/main" xmlns="" id="{9453BCD2-7A68-48FC-AE50-605253AD70DE}"/>
+                <a16:creationId xmlns:a16="http://schemas.microsoft.com/office/drawing/2014/main" id="{9453BCD2-7A68-48FC-AE50-605253AD70DE}"/>
               </a:ext>
             </a:extLst>
           </p:cNvPr>
@@ -7288,10 +8398,16 @@
           <a:p>
             <a:pPr algn="ctr"/>
             <a:r>
-              <a:rPr lang="en-US" sz="4800" b="1" dirty="0"/>
+              <a:rPr lang="en-US" sz="4800" b="1" dirty="0">
+                <a:latin typeface="Times New Roman" panose="02020603050405020304" pitchFamily="18" charset="0"/>
+                <a:cs typeface="Times New Roman" panose="02020603050405020304" pitchFamily="18" charset="0"/>
+              </a:rPr>
               <a:t>Front End</a:t>
             </a:r>
-            <a:endParaRPr lang="ar-SY" sz="4800" b="1" dirty="0"/>
+            <a:endParaRPr lang="ar-SY" sz="4800" b="1" dirty="0">
+              <a:latin typeface="Times New Roman" panose="02020603050405020304" pitchFamily="18" charset="0"/>
+              <a:cs typeface="Times New Roman" panose="02020603050405020304" pitchFamily="18" charset="0"/>
+            </a:endParaRPr>
           </a:p>
         </p:txBody>
       </p:sp>
@@ -7385,42 +8501,49 @@
           <a:p>
             <a:pPr algn="ctr"/>
             <a:r>
-              <a:rPr lang="en-US" sz="4800" b="1" dirty="0" smtClean="0"/>
+              <a:rPr lang="en-US" sz="4800" b="1" dirty="0">
+                <a:latin typeface="Times New Roman" panose="02020603050405020304" pitchFamily="18" charset="0"/>
+                <a:cs typeface="Times New Roman" panose="02020603050405020304" pitchFamily="18" charset="0"/>
+              </a:rPr>
               <a:t>HTML</a:t>
             </a:r>
-            <a:r>
-              <a:rPr lang="ar-SY" sz="4800" b="1" dirty="0" smtClean="0"/>
-              <a:t/>
-            </a:r>
             <a:br>
-              <a:rPr lang="ar-SY" sz="4800" b="1" dirty="0" smtClean="0"/>
+              <a:rPr lang="ar-SY" sz="4800" b="1" dirty="0">
+                <a:latin typeface="Times New Roman" panose="02020603050405020304" pitchFamily="18" charset="0"/>
+                <a:cs typeface="Times New Roman" panose="02020603050405020304" pitchFamily="18" charset="0"/>
+              </a:rPr>
             </a:br>
             <a:r>
               <a:rPr lang="en-US" b="1" dirty="0" err="1">
-                <a:latin typeface="Arial" panose="020B0604020202020204" pitchFamily="34" charset="0"/>
+                <a:latin typeface="Times New Roman" panose="02020603050405020304" pitchFamily="18" charset="0"/>
+                <a:cs typeface="Times New Roman" panose="02020603050405020304" pitchFamily="18" charset="0"/>
               </a:rPr>
               <a:t>HyperText</a:t>
             </a:r>
             <a:r>
               <a:rPr lang="en-US" b="1" dirty="0">
-                <a:latin typeface="Arial" panose="020B0604020202020204" pitchFamily="34" charset="0"/>
+                <a:latin typeface="Times New Roman" panose="02020603050405020304" pitchFamily="18" charset="0"/>
+                <a:cs typeface="Times New Roman" panose="02020603050405020304" pitchFamily="18" charset="0"/>
               </a:rPr>
               <a:t> Markup Language</a:t>
             </a:r>
             <a:r>
               <a:rPr lang="ar-SA" b="1" dirty="0">
-                <a:latin typeface="Arial" panose="020B0604020202020204" pitchFamily="34" charset="0"/>
+                <a:latin typeface="Times New Roman" panose="02020603050405020304" pitchFamily="18" charset="0"/>
+                <a:cs typeface="Times New Roman" panose="02020603050405020304" pitchFamily="18" charset="0"/>
               </a:rPr>
               <a:t> </a:t>
             </a:r>
-            <a:r>
-              <a:rPr lang="ar-SY" b="1" dirty="0"/>
-              <a:t/>
-            </a:r>
             <a:br>
-              <a:rPr lang="ar-SY" b="1" dirty="0"/>
+              <a:rPr lang="ar-SY" b="1" dirty="0">
+                <a:latin typeface="Times New Roman" panose="02020603050405020304" pitchFamily="18" charset="0"/>
+                <a:cs typeface="Times New Roman" panose="02020603050405020304" pitchFamily="18" charset="0"/>
+              </a:rPr>
             </a:br>
-            <a:endParaRPr lang="ar-SY" b="1" dirty="0"/>
+            <a:endParaRPr lang="ar-SY" b="1" dirty="0">
+              <a:latin typeface="Times New Roman" panose="02020603050405020304" pitchFamily="18" charset="0"/>
+              <a:cs typeface="Times New Roman" panose="02020603050405020304" pitchFamily="18" charset="0"/>
+            </a:endParaRPr>
           </a:p>
         </p:txBody>
       </p:sp>
@@ -7464,25 +8587,18 @@
   <p:clrMapOvr>
     <a:masterClrMapping/>
   </p:clrMapOvr>
-  <mc:AlternateContent xmlns:mc="http://schemas.openxmlformats.org/markup-compatibility/2006">
-    <mc:Choice xmlns:p14="http://schemas.microsoft.com/office/powerpoint/2010/main" Requires="p14">
+  <mc:AlternateContent xmlns:mc="http://schemas.openxmlformats.org/markup-compatibility/2006" xmlns:p14="http://schemas.microsoft.com/office/powerpoint/2010/main">
+    <mc:Choice Requires="p14">
       <p:transition spd="slow" p14:dur="1300">
         <p14:pan dir="u"/>
       </p:transition>
     </mc:Choice>
-    <mc:Fallback>
+    <mc:Fallback xmlns="">
       <p:transition spd="slow">
         <p:fade/>
       </p:transition>
     </mc:Fallback>
   </mc:AlternateContent>
-  <p:timing>
-    <p:tnLst>
-      <p:par>
-        <p:cTn id="1" dur="indefinite" restart="never" nodeType="tmRoot"/>
-      </p:par>
-    </p:tnLst>
-  </p:timing>
 </p:sld>
 </file>
 
@@ -7513,21 +8629,28 @@
             <p:ph type="title"/>
           </p:nvPr>
         </p:nvSpPr>
-        <p:spPr/>
+        <p:spPr>
+          <a:xfrm>
+            <a:off x="748146" y="240672"/>
+            <a:ext cx="10515600" cy="1325563"/>
+          </a:xfrm>
+        </p:spPr>
         <p:txBody>
           <a:bodyPr/>
           <a:lstStyle/>
           <a:p>
             <a:pPr algn="ctr"/>
             <a:r>
-              <a:rPr lang="en-US" sz="4800" b="1" dirty="0"/>
-              <a:t>HTML </a:t>
-            </a:r>
-            <a:r>
-              <a:rPr lang="en-US" sz="4800" b="1" dirty="0" smtClean="0"/>
-              <a:t> Tags </a:t>
-            </a:r>
-            <a:endParaRPr lang="ar-SY" b="1" dirty="0"/>
+              <a:rPr lang="en-US" sz="4800" b="1" dirty="0">
+                <a:latin typeface="Times New Roman" panose="02020603050405020304" pitchFamily="18" charset="0"/>
+                <a:cs typeface="Times New Roman" panose="02020603050405020304" pitchFamily="18" charset="0"/>
+              </a:rPr>
+              <a:t>HTML  Tags </a:t>
+            </a:r>
+            <a:endParaRPr lang="ar-SY" b="1" dirty="0">
+              <a:latin typeface="Times New Roman" panose="02020603050405020304" pitchFamily="18" charset="0"/>
+              <a:cs typeface="Times New Roman" panose="02020603050405020304" pitchFamily="18" charset="0"/>
+            </a:endParaRPr>
           </a:p>
         </p:txBody>
       </p:sp>
@@ -7555,7 +8678,7 @@
         </p:blipFill>
         <p:spPr>
           <a:xfrm>
-            <a:off x="200110" y="3968448"/>
+            <a:off x="262456" y="3968448"/>
             <a:ext cx="5743490" cy="1986097"/>
           </a:xfrm>
         </p:spPr>
@@ -7630,25 +8753,18 @@
   <p:clrMapOvr>
     <a:masterClrMapping/>
   </p:clrMapOvr>
-  <mc:AlternateContent xmlns:mc="http://schemas.openxmlformats.org/markup-compatibility/2006">
-    <mc:Choice xmlns:p14="http://schemas.microsoft.com/office/powerpoint/2010/main" Requires="p14">
+  <mc:AlternateContent xmlns:mc="http://schemas.openxmlformats.org/markup-compatibility/2006" xmlns:p14="http://schemas.microsoft.com/office/powerpoint/2010/main">
+    <mc:Choice Requires="p14">
       <p:transition spd="slow" p14:dur="1300">
         <p14:pan dir="u"/>
       </p:transition>
     </mc:Choice>
-    <mc:Fallback>
+    <mc:Fallback xmlns="">
       <p:transition spd="slow">
         <p:fade/>
       </p:transition>
     </mc:Fallback>
   </mc:AlternateContent>
-  <p:timing>
-    <p:tnLst>
-      <p:par>
-        <p:cTn id="1" dur="indefinite" restart="never" nodeType="tmRoot"/>
-      </p:par>
-    </p:tnLst>
-  </p:timing>
 </p:sld>
 </file>
 
@@ -7671,10 +8787,121 @@
       </p:grpSpPr>
       <p:sp>
         <p:nvSpPr>
+          <p:cNvPr id="2" name="عنوان 1"/>
+          <p:cNvSpPr>
+            <a:spLocks noGrp="1"/>
+          </p:cNvSpPr>
+          <p:nvPr>
+            <p:ph type="title"/>
+          </p:nvPr>
+        </p:nvSpPr>
+        <p:spPr>
+          <a:xfrm>
+            <a:off x="748146" y="240672"/>
+            <a:ext cx="10515600" cy="1325563"/>
+          </a:xfrm>
+        </p:spPr>
+        <p:txBody>
+          <a:bodyPr/>
+          <a:lstStyle/>
+          <a:p>
+            <a:pPr algn="ctr"/>
+            <a:r>
+              <a:rPr lang="en-US" sz="4800" b="1" dirty="0">
+                <a:latin typeface="Times New Roman" panose="02020603050405020304" pitchFamily="18" charset="0"/>
+                <a:cs typeface="Times New Roman" panose="02020603050405020304" pitchFamily="18" charset="0"/>
+              </a:rPr>
+              <a:t>HTML  Attributes </a:t>
+            </a:r>
+            <a:endParaRPr lang="ar-SY" b="1" dirty="0">
+              <a:latin typeface="Times New Roman" panose="02020603050405020304" pitchFamily="18" charset="0"/>
+              <a:cs typeface="Times New Roman" panose="02020603050405020304" pitchFamily="18" charset="0"/>
+            </a:endParaRPr>
+          </a:p>
+        </p:txBody>
+      </p:sp>
+      <p:pic>
+        <p:nvPicPr>
+          <p:cNvPr id="9" name="عنصر نائب للمحتوى 8">
+            <a:extLst>
+              <a:ext uri="{FF2B5EF4-FFF2-40B4-BE49-F238E27FC236}">
+                <a16:creationId xmlns:a16="http://schemas.microsoft.com/office/drawing/2014/main" id="{B58E1CAF-B84C-4BCB-8BC6-3CD58F6A7A7D}"/>
+              </a:ext>
+            </a:extLst>
+          </p:cNvPr>
+          <p:cNvPicPr>
+            <a:picLocks noGrp="1" noChangeAspect="1"/>
+          </p:cNvPicPr>
+          <p:nvPr>
+            <p:ph idx="1"/>
+          </p:nvPr>
+        </p:nvPicPr>
+        <p:blipFill rotWithShape="1">
+          <a:blip r:embed="rId3">
+            <a:extLst>
+              <a:ext uri="{28A0092B-C50C-407E-A947-70E740481C1C}">
+                <a14:useLocalDpi xmlns:a14="http://schemas.microsoft.com/office/drawing/2010/main" val="0"/>
+              </a:ext>
+            </a:extLst>
+          </a:blip>
+          <a:srcRect t="610" b="31759"/>
+          <a:stretch/>
+        </p:blipFill>
+        <p:spPr>
+          <a:xfrm>
+            <a:off x="2050473" y="2432417"/>
+            <a:ext cx="7758545" cy="2343066"/>
+          </a:xfrm>
+        </p:spPr>
+      </p:pic>
+    </p:spTree>
+    <p:extLst>
+      <p:ext uri="{BB962C8B-B14F-4D97-AF65-F5344CB8AC3E}">
+        <p14:creationId xmlns:p14="http://schemas.microsoft.com/office/powerpoint/2010/main" val="1691926880"/>
+      </p:ext>
+    </p:extLst>
+  </p:cSld>
+  <p:clrMapOvr>
+    <a:masterClrMapping/>
+  </p:clrMapOvr>
+  <mc:AlternateContent xmlns:mc="http://schemas.openxmlformats.org/markup-compatibility/2006">
+    <mc:Choice xmlns:p14="http://schemas.microsoft.com/office/powerpoint/2010/main" Requires="p14">
+      <p:transition spd="slow" p14:dur="1300">
+        <p14:pan dir="u"/>
+      </p:transition>
+    </mc:Choice>
+    <mc:Fallback>
+      <p:transition spd="slow">
+        <p:fade/>
+      </p:transition>
+    </mc:Fallback>
+  </mc:AlternateContent>
+</p:sld>
+</file>
+
+<file path=ppt/slides/slide18.xml><?xml version="1.0" encoding="utf-8"?>
+<p:sld xmlns:a="http://schemas.openxmlformats.org/drawingml/2006/main" xmlns:r="http://schemas.openxmlformats.org/officeDocument/2006/relationships" xmlns:p="http://schemas.openxmlformats.org/presentationml/2006/main">
+  <p:cSld>
+    <p:spTree>
+      <p:nvGrpSpPr>
+        <p:cNvPr id="1" name=""/>
+        <p:cNvGrpSpPr/>
+        <p:nvPr/>
+      </p:nvGrpSpPr>
+      <p:grpSpPr>
+        <a:xfrm>
+          <a:off x="0" y="0"/>
+          <a:ext cx="0" cy="0"/>
+          <a:chOff x="0" y="0"/>
+          <a:chExt cx="0" cy="0"/>
+        </a:xfrm>
+      </p:grpSpPr>
+      <p:sp>
+        <p:nvSpPr>
           <p:cNvPr id="2" name="عنوان 1">
             <a:extLst>
               <a:ext uri="{FF2B5EF4-FFF2-40B4-BE49-F238E27FC236}">
-                <a16:creationId xmlns:a16="http://schemas.microsoft.com/office/drawing/2014/main" xmlns="" id="{89087E62-C074-44DD-88B6-10B6A5C59792}"/>
+                <a16:creationId xmlns:a16="http://schemas.microsoft.com/office/drawing/2014/main" id="{89087E62-C074-44DD-88B6-10B6A5C59792}"/>
               </a:ext>
             </a:extLst>
           </p:cNvPr>
@@ -7685,17 +8912,28 @@
             <p:ph type="title"/>
           </p:nvPr>
         </p:nvSpPr>
-        <p:spPr/>
+        <p:spPr>
+          <a:xfrm>
+            <a:off x="838200" y="212292"/>
+            <a:ext cx="10515600" cy="1325563"/>
+          </a:xfrm>
+        </p:spPr>
         <p:txBody>
           <a:bodyPr/>
           <a:lstStyle/>
           <a:p>
             <a:pPr algn="ctr"/>
             <a:r>
-              <a:rPr lang="en-US" sz="4800" b="1" dirty="0"/>
+              <a:rPr lang="en-US" sz="4800" b="1" dirty="0">
+                <a:latin typeface="Times New Roman" panose="02020603050405020304" pitchFamily="18" charset="0"/>
+                <a:cs typeface="Times New Roman" panose="02020603050405020304" pitchFamily="18" charset="0"/>
+              </a:rPr>
               <a:t>HTML</a:t>
             </a:r>
-            <a:endParaRPr lang="en-US" b="1" dirty="0"/>
+            <a:endParaRPr lang="en-US" b="1" dirty="0">
+              <a:latin typeface="Times New Roman" panose="02020603050405020304" pitchFamily="18" charset="0"/>
+              <a:cs typeface="Times New Roman" panose="02020603050405020304" pitchFamily="18" charset="0"/>
+            </a:endParaRPr>
           </a:p>
         </p:txBody>
       </p:sp>
@@ -7704,7 +8942,7 @@
           <p:cNvPr id="4" name="صورة 3">
             <a:extLst>
               <a:ext uri="{FF2B5EF4-FFF2-40B4-BE49-F238E27FC236}">
-                <a16:creationId xmlns:a16="http://schemas.microsoft.com/office/drawing/2014/main" xmlns="" id="{ABBF89EF-80EE-4382-94CE-0E51FAEAFAA2}"/>
+                <a16:creationId xmlns:a16="http://schemas.microsoft.com/office/drawing/2014/main" id="{ABBF89EF-80EE-4382-94CE-0E51FAEAFAA2}"/>
               </a:ext>
             </a:extLst>
           </p:cNvPr>
@@ -7734,7 +8972,7 @@
           <p:cNvPr id="5" name="صورة 4">
             <a:extLst>
               <a:ext uri="{FF2B5EF4-FFF2-40B4-BE49-F238E27FC236}">
-                <a16:creationId xmlns:a16="http://schemas.microsoft.com/office/drawing/2014/main" xmlns="" id="{E1C0DBFA-4892-4CDC-84F0-6253AB3B58C9}"/>
+                <a16:creationId xmlns:a16="http://schemas.microsoft.com/office/drawing/2014/main" id="{E1C0DBFA-4892-4CDC-84F0-6253AB3B58C9}"/>
               </a:ext>
             </a:extLst>
           </p:cNvPr>
@@ -7781,13 +9019,283 @@
       </p:transition>
     </mc:Fallback>
   </mc:AlternateContent>
-  <p:timing>
-    <p:tnLst>
-      <p:par>
-        <p:cTn id="1" dur="indefinite" restart="never" nodeType="tmRoot"/>
-      </p:par>
-    </p:tnLst>
-  </p:timing>
+</p:sld>
+</file>
+
+<file path=ppt/slides/slide19.xml><?xml version="1.0" encoding="utf-8"?>
+<p:sld xmlns:a="http://schemas.openxmlformats.org/drawingml/2006/main" xmlns:r="http://schemas.openxmlformats.org/officeDocument/2006/relationships" xmlns:p="http://schemas.openxmlformats.org/presentationml/2006/main">
+  <p:cSld>
+    <p:spTree>
+      <p:nvGrpSpPr>
+        <p:cNvPr id="1" name=""/>
+        <p:cNvGrpSpPr/>
+        <p:nvPr/>
+      </p:nvGrpSpPr>
+      <p:grpSpPr>
+        <a:xfrm>
+          <a:off x="0" y="0"/>
+          <a:ext cx="0" cy="0"/>
+          <a:chOff x="0" y="0"/>
+          <a:chExt cx="0" cy="0"/>
+        </a:xfrm>
+      </p:grpSpPr>
+      <p:sp>
+        <p:nvSpPr>
+          <p:cNvPr id="2" name="عنوان 1">
+            <a:extLst>
+              <a:ext uri="{FF2B5EF4-FFF2-40B4-BE49-F238E27FC236}">
+                <a16:creationId xmlns:a16="http://schemas.microsoft.com/office/drawing/2014/main" id="{4BE56A2F-8525-427B-B8BD-D2B1D8D7208B}"/>
+              </a:ext>
+            </a:extLst>
+          </p:cNvPr>
+          <p:cNvSpPr>
+            <a:spLocks noGrp="1"/>
+          </p:cNvSpPr>
+          <p:nvPr>
+            <p:ph type="title"/>
+          </p:nvPr>
+        </p:nvSpPr>
+        <p:spPr>
+          <a:xfrm>
+            <a:off x="838200" y="-151203"/>
+            <a:ext cx="10515600" cy="1325563"/>
+          </a:xfrm>
+        </p:spPr>
+        <p:txBody>
+          <a:bodyPr>
+            <a:normAutofit/>
+          </a:bodyPr>
+          <a:lstStyle/>
+          <a:p>
+            <a:pPr algn="ctr"/>
+            <a:r>
+              <a:rPr lang="en-US" sz="4800" b="1" dirty="0">
+                <a:latin typeface="Times New Roman" panose="02020603050405020304" pitchFamily="18" charset="0"/>
+              </a:rPr>
+              <a:t>P</a:t>
+            </a:r>
+            <a:r>
+              <a:rPr lang="en-US" sz="4800" b="1" i="0" dirty="0">
+                <a:effectLst/>
+                <a:latin typeface="Times New Roman" panose="02020603050405020304" pitchFamily="18" charset="0"/>
+              </a:rPr>
+              <a:t>aragraph</a:t>
+            </a:r>
+            <a:r>
+              <a:rPr lang="en-US" sz="2000" b="0" i="0" dirty="0">
+                <a:solidFill>
+                  <a:srgbClr val="000000"/>
+                </a:solidFill>
+                <a:effectLst/>
+                <a:latin typeface="Times New Roman" panose="02020603050405020304" pitchFamily="18" charset="0"/>
+              </a:rPr>
+              <a:t> </a:t>
+            </a:r>
+            <a:endParaRPr lang="en-US" sz="4800" b="1" dirty="0">
+              <a:latin typeface="Times New Roman" panose="02020603050405020304" pitchFamily="18" charset="0"/>
+              <a:cs typeface="Times New Roman" panose="02020603050405020304" pitchFamily="18" charset="0"/>
+            </a:endParaRPr>
+          </a:p>
+        </p:txBody>
+      </p:sp>
+      <p:pic>
+        <p:nvPicPr>
+          <p:cNvPr id="3" name="صورة 2">
+            <a:extLst>
+              <a:ext uri="{FF2B5EF4-FFF2-40B4-BE49-F238E27FC236}">
+                <a16:creationId xmlns:a16="http://schemas.microsoft.com/office/drawing/2014/main" id="{C8566AE9-2920-4B9B-920D-4EBE8BE6AE30}"/>
+              </a:ext>
+            </a:extLst>
+          </p:cNvPr>
+          <p:cNvPicPr>
+            <a:picLocks noChangeAspect="1"/>
+          </p:cNvPicPr>
+          <p:nvPr/>
+        </p:nvPicPr>
+        <p:blipFill>
+          <a:blip r:embed="rId3"/>
+          <a:stretch>
+            <a:fillRect/>
+          </a:stretch>
+        </p:blipFill>
+        <p:spPr>
+          <a:xfrm>
+            <a:off x="838200" y="4007573"/>
+            <a:ext cx="4326514" cy="2675406"/>
+          </a:xfrm>
+          <a:prstGeom prst="rect">
+            <a:avLst/>
+          </a:prstGeom>
+        </p:spPr>
+      </p:pic>
+      <p:pic>
+        <p:nvPicPr>
+          <p:cNvPr id="4" name="صورة 3">
+            <a:extLst>
+              <a:ext uri="{FF2B5EF4-FFF2-40B4-BE49-F238E27FC236}">
+                <a16:creationId xmlns:a16="http://schemas.microsoft.com/office/drawing/2014/main" id="{E023CB37-3667-4DA1-8E91-87CB5C9BC261}"/>
+              </a:ext>
+            </a:extLst>
+          </p:cNvPr>
+          <p:cNvPicPr>
+            <a:picLocks noChangeAspect="1"/>
+          </p:cNvPicPr>
+          <p:nvPr/>
+        </p:nvPicPr>
+        <p:blipFill>
+          <a:blip r:embed="rId4"/>
+          <a:stretch>
+            <a:fillRect/>
+          </a:stretch>
+        </p:blipFill>
+        <p:spPr>
+          <a:xfrm>
+            <a:off x="6740236" y="4980062"/>
+            <a:ext cx="4326514" cy="1468274"/>
+          </a:xfrm>
+          <a:prstGeom prst="rect">
+            <a:avLst/>
+          </a:prstGeom>
+        </p:spPr>
+      </p:pic>
+      <p:sp>
+        <p:nvSpPr>
+          <p:cNvPr id="7" name="مربع نص 6">
+            <a:extLst>
+              <a:ext uri="{FF2B5EF4-FFF2-40B4-BE49-F238E27FC236}">
+                <a16:creationId xmlns:a16="http://schemas.microsoft.com/office/drawing/2014/main" id="{D6A5629F-8857-4256-A1CC-B57E988AED5E}"/>
+              </a:ext>
+            </a:extLst>
+          </p:cNvPr>
+          <p:cNvSpPr txBox="1"/>
+          <p:nvPr/>
+        </p:nvSpPr>
+        <p:spPr>
+          <a:xfrm>
+            <a:off x="5853762" y="4360864"/>
+            <a:ext cx="6099462" cy="461665"/>
+          </a:xfrm>
+          <a:prstGeom prst="rect">
+            <a:avLst/>
+          </a:prstGeom>
+          <a:noFill/>
+        </p:spPr>
+        <p:txBody>
+          <a:bodyPr wrap="square">
+            <a:spAutoFit/>
+          </a:bodyPr>
+          <a:lstStyle/>
+          <a:p>
+            <a:pPr algn="ctr"/>
+            <a:r>
+              <a:rPr lang="en-US" sz="2400" b="1" dirty="0">
+                <a:latin typeface="Times New Roman" panose="02020603050405020304" pitchFamily="18" charset="0"/>
+                <a:cs typeface="Times New Roman" panose="02020603050405020304" pitchFamily="18" charset="0"/>
+              </a:rPr>
+              <a:t>Output</a:t>
+            </a:r>
+            <a:endParaRPr lang="en-US" b="1" dirty="0">
+              <a:latin typeface="Times New Roman" panose="02020603050405020304" pitchFamily="18" charset="0"/>
+              <a:cs typeface="Times New Roman" panose="02020603050405020304" pitchFamily="18" charset="0"/>
+            </a:endParaRPr>
+          </a:p>
+        </p:txBody>
+      </p:sp>
+      <p:sp>
+        <p:nvSpPr>
+          <p:cNvPr id="9" name="مربع نص 8">
+            <a:extLst>
+              <a:ext uri="{FF2B5EF4-FFF2-40B4-BE49-F238E27FC236}">
+                <a16:creationId xmlns:a16="http://schemas.microsoft.com/office/drawing/2014/main" id="{6512DDED-3254-40D5-981D-DDFAC764CCA0}"/>
+              </a:ext>
+            </a:extLst>
+          </p:cNvPr>
+          <p:cNvSpPr txBox="1"/>
+          <p:nvPr/>
+        </p:nvSpPr>
+        <p:spPr>
+          <a:xfrm>
+            <a:off x="-245700" y="3510843"/>
+            <a:ext cx="6099462" cy="461665"/>
+          </a:xfrm>
+          <a:prstGeom prst="rect">
+            <a:avLst/>
+          </a:prstGeom>
+          <a:noFill/>
+        </p:spPr>
+        <p:txBody>
+          <a:bodyPr wrap="square">
+            <a:spAutoFit/>
+          </a:bodyPr>
+          <a:lstStyle/>
+          <a:p>
+            <a:pPr algn="ctr"/>
+            <a:r>
+              <a:rPr lang="en-US" sz="2400" b="1" dirty="0">
+                <a:latin typeface="Times New Roman" panose="02020603050405020304" pitchFamily="18" charset="0"/>
+                <a:cs typeface="Times New Roman" panose="02020603050405020304" pitchFamily="18" charset="0"/>
+              </a:rPr>
+              <a:t>Html code</a:t>
+            </a:r>
+            <a:endParaRPr lang="en-US" b="1" dirty="0">
+              <a:latin typeface="Times New Roman" panose="02020603050405020304" pitchFamily="18" charset="0"/>
+              <a:cs typeface="Times New Roman" panose="02020603050405020304" pitchFamily="18" charset="0"/>
+            </a:endParaRPr>
+          </a:p>
+        </p:txBody>
+      </p:sp>
+      <p:pic>
+        <p:nvPicPr>
+          <p:cNvPr id="10" name="صورة 9">
+            <a:extLst>
+              <a:ext uri="{FF2B5EF4-FFF2-40B4-BE49-F238E27FC236}">
+                <a16:creationId xmlns:a16="http://schemas.microsoft.com/office/drawing/2014/main" id="{9EB63CE9-BE65-4B5C-91B4-D9FC7EA17897}"/>
+              </a:ext>
+            </a:extLst>
+          </p:cNvPr>
+          <p:cNvPicPr>
+            <a:picLocks noChangeAspect="1"/>
+          </p:cNvPicPr>
+          <p:nvPr/>
+        </p:nvPicPr>
+        <p:blipFill>
+          <a:blip r:embed="rId5"/>
+          <a:stretch>
+            <a:fillRect/>
+          </a:stretch>
+        </p:blipFill>
+        <p:spPr>
+          <a:xfrm>
+            <a:off x="1421822" y="1123950"/>
+            <a:ext cx="9348355" cy="2305050"/>
+          </a:xfrm>
+          <a:prstGeom prst="rect">
+            <a:avLst/>
+          </a:prstGeom>
+        </p:spPr>
+      </p:pic>
+    </p:spTree>
+    <p:extLst>
+      <p:ext uri="{BB962C8B-B14F-4D97-AF65-F5344CB8AC3E}">
+        <p14:creationId xmlns:p14="http://schemas.microsoft.com/office/powerpoint/2010/main" val="595310867"/>
+      </p:ext>
+    </p:extLst>
+  </p:cSld>
+  <p:clrMapOvr>
+    <a:masterClrMapping/>
+  </p:clrMapOvr>
+  <mc:AlternateContent xmlns:mc="http://schemas.openxmlformats.org/markup-compatibility/2006" xmlns:p14="http://schemas.microsoft.com/office/powerpoint/2010/main">
+    <mc:Choice Requires="p14">
+      <p:transition spd="slow" p14:dur="1300">
+        <p14:pan dir="u"/>
+      </p:transition>
+    </mc:Choice>
+    <mc:Fallback xmlns="">
+      <p:transition spd="slow">
+        <p:fade/>
+      </p:transition>
+    </mc:Fallback>
+  </mc:AlternateContent>
 </p:sld>
 </file>
 
@@ -7880,23 +9388,38 @@
           <a:p>
             <a:pPr algn="ctr"/>
             <a:r>
-              <a:rPr lang="ar-SY" sz="4800" b="1" dirty="0"/>
+              <a:rPr lang="ar-SY" sz="4800" b="1" dirty="0">
+                <a:latin typeface="Simplified Arabic" panose="02020603050405020304" pitchFamily="18" charset="-78"/>
+                <a:cs typeface="Simplified Arabic" panose="02020603050405020304" pitchFamily="18" charset="-78"/>
+              </a:rPr>
               <a:t>الويب        </a:t>
             </a:r>
             <a:r>
-              <a:rPr lang="en-US" sz="4800" b="1" dirty="0"/>
+              <a:rPr lang="en-US" sz="4800" b="1" dirty="0">
+                <a:latin typeface="Simplified Arabic" panose="02020603050405020304" pitchFamily="18" charset="-78"/>
+                <a:cs typeface="Simplified Arabic" panose="02020603050405020304" pitchFamily="18" charset="-78"/>
+              </a:rPr>
               <a:t> </a:t>
             </a:r>
             <a:r>
-              <a:rPr lang="en-US" sz="6000" b="1" dirty="0"/>
+              <a:rPr lang="en-US" sz="6000" b="1" dirty="0">
+                <a:latin typeface="Simplified Arabic" panose="02020603050405020304" pitchFamily="18" charset="-78"/>
+                <a:cs typeface="Simplified Arabic" panose="02020603050405020304" pitchFamily="18" charset="-78"/>
+              </a:rPr>
               <a:t>X</a:t>
             </a:r>
             <a:r>
-              <a:rPr lang="ar-SY" sz="6000" b="1" dirty="0"/>
+              <a:rPr lang="ar-SY" sz="6000" b="1" dirty="0">
+                <a:latin typeface="Simplified Arabic" panose="02020603050405020304" pitchFamily="18" charset="-78"/>
+                <a:cs typeface="Simplified Arabic" panose="02020603050405020304" pitchFamily="18" charset="-78"/>
+              </a:rPr>
               <a:t>     </a:t>
             </a:r>
             <a:r>
-              <a:rPr lang="ar-SY" sz="4800" b="1" dirty="0"/>
+              <a:rPr lang="ar-SY" sz="4800" b="1" dirty="0">
+                <a:latin typeface="Simplified Arabic" panose="02020603050405020304" pitchFamily="18" charset="-78"/>
+                <a:cs typeface="Simplified Arabic" panose="02020603050405020304" pitchFamily="18" charset="-78"/>
+              </a:rPr>
               <a:t>الانترنت</a:t>
             </a:r>
           </a:p>
@@ -7919,6 +9442,1964 @@
       </p:transition>
     </mc:Choice>
     <mc:Fallback xmlns="">
+      <p:transition spd="slow">
+        <p:fade/>
+      </p:transition>
+    </mc:Fallback>
+  </mc:AlternateContent>
+</p:sld>
+</file>
+
+<file path=ppt/slides/slide20.xml><?xml version="1.0" encoding="utf-8"?>
+<p:sld xmlns:a="http://schemas.openxmlformats.org/drawingml/2006/main" xmlns:r="http://schemas.openxmlformats.org/officeDocument/2006/relationships" xmlns:p="http://schemas.openxmlformats.org/presentationml/2006/main">
+  <p:cSld>
+    <p:spTree>
+      <p:nvGrpSpPr>
+        <p:cNvPr id="1" name=""/>
+        <p:cNvGrpSpPr/>
+        <p:nvPr/>
+      </p:nvGrpSpPr>
+      <p:grpSpPr>
+        <a:xfrm>
+          <a:off x="0" y="0"/>
+          <a:ext cx="0" cy="0"/>
+          <a:chOff x="0" y="0"/>
+          <a:chExt cx="0" cy="0"/>
+        </a:xfrm>
+      </p:grpSpPr>
+      <p:pic>
+        <p:nvPicPr>
+          <p:cNvPr id="4" name="صورة 3">
+            <a:extLst>
+              <a:ext uri="{FF2B5EF4-FFF2-40B4-BE49-F238E27FC236}">
+                <a16:creationId xmlns:a16="http://schemas.microsoft.com/office/drawing/2014/main" id="{06526A9F-DEC4-4A6C-A5DE-34AA28442E9F}"/>
+              </a:ext>
+            </a:extLst>
+          </p:cNvPr>
+          <p:cNvPicPr>
+            <a:picLocks noChangeAspect="1"/>
+          </p:cNvPicPr>
+          <p:nvPr/>
+        </p:nvPicPr>
+        <p:blipFill>
+          <a:blip r:embed="rId3"/>
+          <a:stretch>
+            <a:fillRect/>
+          </a:stretch>
+        </p:blipFill>
+        <p:spPr>
+          <a:xfrm>
+            <a:off x="20782" y="1968211"/>
+            <a:ext cx="6115050" cy="4000500"/>
+          </a:xfrm>
+          <a:prstGeom prst="rect">
+            <a:avLst/>
+          </a:prstGeom>
+        </p:spPr>
+      </p:pic>
+      <p:pic>
+        <p:nvPicPr>
+          <p:cNvPr id="5" name="صورة 4">
+            <a:extLst>
+              <a:ext uri="{FF2B5EF4-FFF2-40B4-BE49-F238E27FC236}">
+                <a16:creationId xmlns:a16="http://schemas.microsoft.com/office/drawing/2014/main" id="{EDD666B2-6E72-4A74-929D-19797B04A739}"/>
+              </a:ext>
+            </a:extLst>
+          </p:cNvPr>
+          <p:cNvPicPr>
+            <a:picLocks noChangeAspect="1"/>
+          </p:cNvPicPr>
+          <p:nvPr/>
+        </p:nvPicPr>
+        <p:blipFill>
+          <a:blip r:embed="rId4"/>
+          <a:stretch>
+            <a:fillRect/>
+          </a:stretch>
+        </p:blipFill>
+        <p:spPr>
+          <a:xfrm>
+            <a:off x="6162675" y="3387436"/>
+            <a:ext cx="6029325" cy="1162050"/>
+          </a:xfrm>
+          <a:prstGeom prst="rect">
+            <a:avLst/>
+          </a:prstGeom>
+        </p:spPr>
+      </p:pic>
+      <p:sp>
+        <p:nvSpPr>
+          <p:cNvPr id="6" name="عنوان 1">
+            <a:extLst>
+              <a:ext uri="{FF2B5EF4-FFF2-40B4-BE49-F238E27FC236}">
+                <a16:creationId xmlns:a16="http://schemas.microsoft.com/office/drawing/2014/main" id="{C45EC975-48AC-44AB-8E07-23FA12C6B678}"/>
+              </a:ext>
+            </a:extLst>
+          </p:cNvPr>
+          <p:cNvSpPr>
+            <a:spLocks noGrp="1"/>
+          </p:cNvSpPr>
+          <p:nvPr>
+            <p:ph type="title"/>
+          </p:nvPr>
+        </p:nvSpPr>
+        <p:spPr>
+          <a:xfrm>
+            <a:off x="838200" y="104248"/>
+            <a:ext cx="10515600" cy="1325563"/>
+          </a:xfrm>
+        </p:spPr>
+        <p:txBody>
+          <a:bodyPr>
+            <a:normAutofit/>
+          </a:bodyPr>
+          <a:lstStyle/>
+          <a:p>
+            <a:pPr algn="ctr"/>
+            <a:r>
+              <a:rPr lang="en-US" sz="4800" b="1" dirty="0">
+                <a:latin typeface="Times New Roman" panose="02020603050405020304" pitchFamily="18" charset="0"/>
+              </a:rPr>
+              <a:t>P</a:t>
+            </a:r>
+            <a:r>
+              <a:rPr lang="en-US" sz="4800" b="1" i="0" dirty="0">
+                <a:effectLst/>
+                <a:latin typeface="Times New Roman" panose="02020603050405020304" pitchFamily="18" charset="0"/>
+              </a:rPr>
+              <a:t>aragraph</a:t>
+            </a:r>
+            <a:r>
+              <a:rPr lang="en-US" sz="2000" b="0" i="0" dirty="0">
+                <a:solidFill>
+                  <a:srgbClr val="000000"/>
+                </a:solidFill>
+                <a:effectLst/>
+                <a:latin typeface="Times New Roman" panose="02020603050405020304" pitchFamily="18" charset="0"/>
+              </a:rPr>
+              <a:t> </a:t>
+            </a:r>
+            <a:endParaRPr lang="en-US" sz="4800" b="1" dirty="0">
+              <a:latin typeface="Times New Roman" panose="02020603050405020304" pitchFamily="18" charset="0"/>
+              <a:cs typeface="Times New Roman" panose="02020603050405020304" pitchFamily="18" charset="0"/>
+            </a:endParaRPr>
+          </a:p>
+        </p:txBody>
+      </p:sp>
+      <p:sp>
+        <p:nvSpPr>
+          <p:cNvPr id="8" name="مربع نص 7">
+            <a:extLst>
+              <a:ext uri="{FF2B5EF4-FFF2-40B4-BE49-F238E27FC236}">
+                <a16:creationId xmlns:a16="http://schemas.microsoft.com/office/drawing/2014/main" id="{F79C5A59-0082-403E-9338-561C3DFA00FC}"/>
+              </a:ext>
+            </a:extLst>
+          </p:cNvPr>
+          <p:cNvSpPr txBox="1"/>
+          <p:nvPr/>
+        </p:nvSpPr>
+        <p:spPr>
+          <a:xfrm>
+            <a:off x="6029326" y="2925771"/>
+            <a:ext cx="6099462" cy="461665"/>
+          </a:xfrm>
+          <a:prstGeom prst="rect">
+            <a:avLst/>
+          </a:prstGeom>
+          <a:noFill/>
+        </p:spPr>
+        <p:txBody>
+          <a:bodyPr wrap="square">
+            <a:spAutoFit/>
+          </a:bodyPr>
+          <a:lstStyle/>
+          <a:p>
+            <a:pPr algn="ctr"/>
+            <a:r>
+              <a:rPr lang="en-US" sz="2400" b="1" dirty="0">
+                <a:latin typeface="Times New Roman" panose="02020603050405020304" pitchFamily="18" charset="0"/>
+                <a:cs typeface="Times New Roman" panose="02020603050405020304" pitchFamily="18" charset="0"/>
+              </a:rPr>
+              <a:t>Output</a:t>
+            </a:r>
+            <a:endParaRPr lang="en-US" b="1" dirty="0">
+              <a:latin typeface="Times New Roman" panose="02020603050405020304" pitchFamily="18" charset="0"/>
+              <a:cs typeface="Times New Roman" panose="02020603050405020304" pitchFamily="18" charset="0"/>
+            </a:endParaRPr>
+          </a:p>
+        </p:txBody>
+      </p:sp>
+      <p:sp>
+        <p:nvSpPr>
+          <p:cNvPr id="10" name="مربع نص 9">
+            <a:extLst>
+              <a:ext uri="{FF2B5EF4-FFF2-40B4-BE49-F238E27FC236}">
+                <a16:creationId xmlns:a16="http://schemas.microsoft.com/office/drawing/2014/main" id="{8CFEF47C-0831-4393-B358-F4F423116293}"/>
+              </a:ext>
+            </a:extLst>
+          </p:cNvPr>
+          <p:cNvSpPr txBox="1"/>
+          <p:nvPr/>
+        </p:nvSpPr>
+        <p:spPr>
+          <a:xfrm>
+            <a:off x="-613929" y="1468178"/>
+            <a:ext cx="6099462" cy="461665"/>
+          </a:xfrm>
+          <a:prstGeom prst="rect">
+            <a:avLst/>
+          </a:prstGeom>
+          <a:noFill/>
+        </p:spPr>
+        <p:txBody>
+          <a:bodyPr wrap="square">
+            <a:spAutoFit/>
+          </a:bodyPr>
+          <a:lstStyle/>
+          <a:p>
+            <a:pPr algn="ctr"/>
+            <a:r>
+              <a:rPr lang="en-US" sz="2400" b="1" dirty="0">
+                <a:latin typeface="Times New Roman" panose="02020603050405020304" pitchFamily="18" charset="0"/>
+                <a:cs typeface="Times New Roman" panose="02020603050405020304" pitchFamily="18" charset="0"/>
+              </a:rPr>
+              <a:t>Html code</a:t>
+            </a:r>
+            <a:endParaRPr lang="en-US" b="1" dirty="0">
+              <a:latin typeface="Times New Roman" panose="02020603050405020304" pitchFamily="18" charset="0"/>
+              <a:cs typeface="Times New Roman" panose="02020603050405020304" pitchFamily="18" charset="0"/>
+            </a:endParaRPr>
+          </a:p>
+        </p:txBody>
+      </p:sp>
+    </p:spTree>
+    <p:extLst>
+      <p:ext uri="{BB962C8B-B14F-4D97-AF65-F5344CB8AC3E}">
+        <p14:creationId xmlns:p14="http://schemas.microsoft.com/office/powerpoint/2010/main" val="2472176300"/>
+      </p:ext>
+    </p:extLst>
+  </p:cSld>
+  <p:clrMapOvr>
+    <a:masterClrMapping/>
+  </p:clrMapOvr>
+  <mc:AlternateContent xmlns:mc="http://schemas.openxmlformats.org/markup-compatibility/2006" xmlns:p14="http://schemas.microsoft.com/office/powerpoint/2010/main">
+    <mc:Choice Requires="p14">
+      <p:transition spd="slow" p14:dur="1300">
+        <p14:pan dir="u"/>
+      </p:transition>
+    </mc:Choice>
+    <mc:Fallback xmlns="">
+      <p:transition spd="slow">
+        <p:fade/>
+      </p:transition>
+    </mc:Fallback>
+  </mc:AlternateContent>
+</p:sld>
+</file>
+
+<file path=ppt/slides/slide21.xml><?xml version="1.0" encoding="utf-8"?>
+<p:sld xmlns:a="http://schemas.openxmlformats.org/drawingml/2006/main" xmlns:r="http://schemas.openxmlformats.org/officeDocument/2006/relationships" xmlns:p="http://schemas.openxmlformats.org/presentationml/2006/main">
+  <p:cSld>
+    <p:spTree>
+      <p:nvGrpSpPr>
+        <p:cNvPr id="1" name=""/>
+        <p:cNvGrpSpPr/>
+        <p:nvPr/>
+      </p:nvGrpSpPr>
+      <p:grpSpPr>
+        <a:xfrm>
+          <a:off x="0" y="0"/>
+          <a:ext cx="0" cy="0"/>
+          <a:chOff x="0" y="0"/>
+          <a:chExt cx="0" cy="0"/>
+        </a:xfrm>
+      </p:grpSpPr>
+      <p:sp>
+        <p:nvSpPr>
+          <p:cNvPr id="6" name="عنوان 1">
+            <a:extLst>
+              <a:ext uri="{FF2B5EF4-FFF2-40B4-BE49-F238E27FC236}">
+                <a16:creationId xmlns:a16="http://schemas.microsoft.com/office/drawing/2014/main" id="{C45EC975-48AC-44AB-8E07-23FA12C6B678}"/>
+              </a:ext>
+            </a:extLst>
+          </p:cNvPr>
+          <p:cNvSpPr>
+            <a:spLocks noGrp="1"/>
+          </p:cNvSpPr>
+          <p:nvPr>
+            <p:ph type="title"/>
+          </p:nvPr>
+        </p:nvSpPr>
+        <p:spPr>
+          <a:xfrm>
+            <a:off x="838200" y="104248"/>
+            <a:ext cx="10515600" cy="1325563"/>
+          </a:xfrm>
+        </p:spPr>
+        <p:txBody>
+          <a:bodyPr>
+            <a:noAutofit/>
+          </a:bodyPr>
+          <a:lstStyle/>
+          <a:p>
+            <a:pPr algn="ctr"/>
+            <a:r>
+              <a:rPr lang="en-US" sz="4800" b="1" i="0" dirty="0">
+                <a:effectLst/>
+                <a:latin typeface="Times New Roman" panose="02020603050405020304" pitchFamily="18" charset="0"/>
+                <a:cs typeface="Times New Roman" panose="02020603050405020304" pitchFamily="18" charset="0"/>
+              </a:rPr>
+              <a:t>Line Breaks</a:t>
+            </a:r>
+            <a:endParaRPr lang="en-US" sz="4800" b="1" dirty="0">
+              <a:latin typeface="Times New Roman" panose="02020603050405020304" pitchFamily="18" charset="0"/>
+              <a:cs typeface="Times New Roman" panose="02020603050405020304" pitchFamily="18" charset="0"/>
+            </a:endParaRPr>
+          </a:p>
+        </p:txBody>
+      </p:sp>
+      <p:sp>
+        <p:nvSpPr>
+          <p:cNvPr id="8" name="مربع نص 7">
+            <a:extLst>
+              <a:ext uri="{FF2B5EF4-FFF2-40B4-BE49-F238E27FC236}">
+                <a16:creationId xmlns:a16="http://schemas.microsoft.com/office/drawing/2014/main" id="{F79C5A59-0082-403E-9338-561C3DFA00FC}"/>
+              </a:ext>
+            </a:extLst>
+          </p:cNvPr>
+          <p:cNvSpPr txBox="1"/>
+          <p:nvPr/>
+        </p:nvSpPr>
+        <p:spPr>
+          <a:xfrm>
+            <a:off x="6092538" y="2794383"/>
+            <a:ext cx="6099462" cy="461665"/>
+          </a:xfrm>
+          <a:prstGeom prst="rect">
+            <a:avLst/>
+          </a:prstGeom>
+          <a:noFill/>
+        </p:spPr>
+        <p:txBody>
+          <a:bodyPr wrap="square">
+            <a:spAutoFit/>
+          </a:bodyPr>
+          <a:lstStyle/>
+          <a:p>
+            <a:pPr algn="ctr"/>
+            <a:r>
+              <a:rPr lang="en-US" sz="2400" b="1" dirty="0">
+                <a:latin typeface="Times New Roman" panose="02020603050405020304" pitchFamily="18" charset="0"/>
+                <a:cs typeface="Times New Roman" panose="02020603050405020304" pitchFamily="18" charset="0"/>
+              </a:rPr>
+              <a:t>Output</a:t>
+            </a:r>
+            <a:endParaRPr lang="en-US" b="1" dirty="0">
+              <a:latin typeface="Times New Roman" panose="02020603050405020304" pitchFamily="18" charset="0"/>
+              <a:cs typeface="Times New Roman" panose="02020603050405020304" pitchFamily="18" charset="0"/>
+            </a:endParaRPr>
+          </a:p>
+        </p:txBody>
+      </p:sp>
+      <p:sp>
+        <p:nvSpPr>
+          <p:cNvPr id="10" name="مربع نص 9">
+            <a:extLst>
+              <a:ext uri="{FF2B5EF4-FFF2-40B4-BE49-F238E27FC236}">
+                <a16:creationId xmlns:a16="http://schemas.microsoft.com/office/drawing/2014/main" id="{8CFEF47C-0831-4393-B358-F4F423116293}"/>
+              </a:ext>
+            </a:extLst>
+          </p:cNvPr>
+          <p:cNvSpPr txBox="1"/>
+          <p:nvPr/>
+        </p:nvSpPr>
+        <p:spPr>
+          <a:xfrm>
+            <a:off x="-3462" y="2736503"/>
+            <a:ext cx="6099462" cy="461665"/>
+          </a:xfrm>
+          <a:prstGeom prst="rect">
+            <a:avLst/>
+          </a:prstGeom>
+          <a:noFill/>
+        </p:spPr>
+        <p:txBody>
+          <a:bodyPr wrap="square">
+            <a:spAutoFit/>
+          </a:bodyPr>
+          <a:lstStyle/>
+          <a:p>
+            <a:pPr algn="ctr"/>
+            <a:r>
+              <a:rPr lang="en-US" sz="2400" b="1" dirty="0">
+                <a:latin typeface="Times New Roman" panose="02020603050405020304" pitchFamily="18" charset="0"/>
+                <a:cs typeface="Times New Roman" panose="02020603050405020304" pitchFamily="18" charset="0"/>
+              </a:rPr>
+              <a:t>Html code</a:t>
+            </a:r>
+            <a:endParaRPr lang="en-US" b="1" dirty="0">
+              <a:latin typeface="Times New Roman" panose="02020603050405020304" pitchFamily="18" charset="0"/>
+              <a:cs typeface="Times New Roman" panose="02020603050405020304" pitchFamily="18" charset="0"/>
+            </a:endParaRPr>
+          </a:p>
+        </p:txBody>
+      </p:sp>
+      <p:pic>
+        <p:nvPicPr>
+          <p:cNvPr id="9" name="صورة 8">
+            <a:extLst>
+              <a:ext uri="{FF2B5EF4-FFF2-40B4-BE49-F238E27FC236}">
+                <a16:creationId xmlns:a16="http://schemas.microsoft.com/office/drawing/2014/main" id="{5938B89E-2807-4BB0-816C-36F9588E6983}"/>
+              </a:ext>
+            </a:extLst>
+          </p:cNvPr>
+          <p:cNvPicPr>
+            <a:picLocks noChangeAspect="1"/>
+          </p:cNvPicPr>
+          <p:nvPr/>
+        </p:nvPicPr>
+        <p:blipFill>
+          <a:blip r:embed="rId3"/>
+          <a:stretch>
+            <a:fillRect/>
+          </a:stretch>
+        </p:blipFill>
+        <p:spPr>
+          <a:xfrm>
+            <a:off x="398269" y="3905866"/>
+            <a:ext cx="6923426" cy="1622097"/>
+          </a:xfrm>
+          <a:prstGeom prst="rect">
+            <a:avLst/>
+          </a:prstGeom>
+        </p:spPr>
+      </p:pic>
+      <p:pic>
+        <p:nvPicPr>
+          <p:cNvPr id="12" name="صورة 11">
+            <a:extLst>
+              <a:ext uri="{FF2B5EF4-FFF2-40B4-BE49-F238E27FC236}">
+                <a16:creationId xmlns:a16="http://schemas.microsoft.com/office/drawing/2014/main" id="{9DA7C438-B6A3-4683-94D8-B3B7654D337B}"/>
+              </a:ext>
+            </a:extLst>
+          </p:cNvPr>
+          <p:cNvPicPr>
+            <a:picLocks noChangeAspect="1"/>
+          </p:cNvPicPr>
+          <p:nvPr/>
+        </p:nvPicPr>
+        <p:blipFill>
+          <a:blip r:embed="rId4"/>
+          <a:stretch>
+            <a:fillRect/>
+          </a:stretch>
+        </p:blipFill>
+        <p:spPr>
+          <a:xfrm>
+            <a:off x="8172016" y="3311008"/>
+            <a:ext cx="2800783" cy="2514089"/>
+          </a:xfrm>
+          <a:prstGeom prst="rect">
+            <a:avLst/>
+          </a:prstGeom>
+        </p:spPr>
+      </p:pic>
+    </p:spTree>
+    <p:extLst>
+      <p:ext uri="{BB962C8B-B14F-4D97-AF65-F5344CB8AC3E}">
+        <p14:creationId xmlns:p14="http://schemas.microsoft.com/office/powerpoint/2010/main" val="1423776012"/>
+      </p:ext>
+    </p:extLst>
+  </p:cSld>
+  <p:clrMapOvr>
+    <a:masterClrMapping/>
+  </p:clrMapOvr>
+  <mc:AlternateContent xmlns:mc="http://schemas.openxmlformats.org/markup-compatibility/2006">
+    <mc:Choice xmlns:p14="http://schemas.microsoft.com/office/powerpoint/2010/main" Requires="p14">
+      <p:transition spd="slow" p14:dur="1300">
+        <p14:pan dir="u"/>
+      </p:transition>
+    </mc:Choice>
+    <mc:Fallback>
+      <p:transition spd="slow">
+        <p:fade/>
+      </p:transition>
+    </mc:Fallback>
+  </mc:AlternateContent>
+</p:sld>
+</file>
+
+<file path=ppt/slides/slide22.xml><?xml version="1.0" encoding="utf-8"?>
+<p:sld xmlns:a="http://schemas.openxmlformats.org/drawingml/2006/main" xmlns:r="http://schemas.openxmlformats.org/officeDocument/2006/relationships" xmlns:p="http://schemas.openxmlformats.org/presentationml/2006/main">
+  <p:cSld>
+    <p:spTree>
+      <p:nvGrpSpPr>
+        <p:cNvPr id="1" name=""/>
+        <p:cNvGrpSpPr/>
+        <p:nvPr/>
+      </p:nvGrpSpPr>
+      <p:grpSpPr>
+        <a:xfrm>
+          <a:off x="0" y="0"/>
+          <a:ext cx="0" cy="0"/>
+          <a:chOff x="0" y="0"/>
+          <a:chExt cx="0" cy="0"/>
+        </a:xfrm>
+      </p:grpSpPr>
+      <p:sp>
+        <p:nvSpPr>
+          <p:cNvPr id="6" name="عنوان 1">
+            <a:extLst>
+              <a:ext uri="{FF2B5EF4-FFF2-40B4-BE49-F238E27FC236}">
+                <a16:creationId xmlns:a16="http://schemas.microsoft.com/office/drawing/2014/main" id="{C45EC975-48AC-44AB-8E07-23FA12C6B678}"/>
+              </a:ext>
+            </a:extLst>
+          </p:cNvPr>
+          <p:cNvSpPr>
+            <a:spLocks noGrp="1"/>
+          </p:cNvSpPr>
+          <p:nvPr>
+            <p:ph type="title"/>
+          </p:nvPr>
+        </p:nvSpPr>
+        <p:spPr>
+          <a:xfrm>
+            <a:off x="838200" y="104248"/>
+            <a:ext cx="10515600" cy="1325563"/>
+          </a:xfrm>
+        </p:spPr>
+        <p:txBody>
+          <a:bodyPr>
+            <a:noAutofit/>
+          </a:bodyPr>
+          <a:lstStyle/>
+          <a:p>
+            <a:pPr algn="ctr"/>
+            <a:r>
+              <a:rPr lang="en-US" sz="4800" b="1" dirty="0">
+                <a:latin typeface="Times New Roman" panose="02020603050405020304" pitchFamily="18" charset="0"/>
+                <a:cs typeface="Times New Roman" panose="02020603050405020304" pitchFamily="18" charset="0"/>
+              </a:rPr>
+              <a:t>Horizontal Rules</a:t>
+            </a:r>
+          </a:p>
+        </p:txBody>
+      </p:sp>
+      <p:sp>
+        <p:nvSpPr>
+          <p:cNvPr id="8" name="مربع نص 7">
+            <a:extLst>
+              <a:ext uri="{FF2B5EF4-FFF2-40B4-BE49-F238E27FC236}">
+                <a16:creationId xmlns:a16="http://schemas.microsoft.com/office/drawing/2014/main" id="{F79C5A59-0082-403E-9338-561C3DFA00FC}"/>
+              </a:ext>
+            </a:extLst>
+          </p:cNvPr>
+          <p:cNvSpPr txBox="1"/>
+          <p:nvPr/>
+        </p:nvSpPr>
+        <p:spPr>
+          <a:xfrm>
+            <a:off x="6021098" y="1419599"/>
+            <a:ext cx="6099462" cy="461665"/>
+          </a:xfrm>
+          <a:prstGeom prst="rect">
+            <a:avLst/>
+          </a:prstGeom>
+          <a:noFill/>
+        </p:spPr>
+        <p:txBody>
+          <a:bodyPr wrap="square">
+            <a:spAutoFit/>
+          </a:bodyPr>
+          <a:lstStyle/>
+          <a:p>
+            <a:pPr algn="ctr"/>
+            <a:r>
+              <a:rPr lang="en-US" sz="2400" b="1" dirty="0">
+                <a:latin typeface="Times New Roman" panose="02020603050405020304" pitchFamily="18" charset="0"/>
+                <a:cs typeface="Times New Roman" panose="02020603050405020304" pitchFamily="18" charset="0"/>
+              </a:rPr>
+              <a:t>Output</a:t>
+            </a:r>
+            <a:endParaRPr lang="en-US" b="1" dirty="0">
+              <a:latin typeface="Times New Roman" panose="02020603050405020304" pitchFamily="18" charset="0"/>
+              <a:cs typeface="Times New Roman" panose="02020603050405020304" pitchFamily="18" charset="0"/>
+            </a:endParaRPr>
+          </a:p>
+        </p:txBody>
+      </p:sp>
+      <p:sp>
+        <p:nvSpPr>
+          <p:cNvPr id="10" name="مربع نص 9">
+            <a:extLst>
+              <a:ext uri="{FF2B5EF4-FFF2-40B4-BE49-F238E27FC236}">
+                <a16:creationId xmlns:a16="http://schemas.microsoft.com/office/drawing/2014/main" id="{8CFEF47C-0831-4393-B358-F4F423116293}"/>
+              </a:ext>
+            </a:extLst>
+          </p:cNvPr>
+          <p:cNvSpPr txBox="1"/>
+          <p:nvPr/>
+        </p:nvSpPr>
+        <p:spPr>
+          <a:xfrm>
+            <a:off x="474520" y="1419599"/>
+            <a:ext cx="6099462" cy="461665"/>
+          </a:xfrm>
+          <a:prstGeom prst="rect">
+            <a:avLst/>
+          </a:prstGeom>
+          <a:noFill/>
+        </p:spPr>
+        <p:txBody>
+          <a:bodyPr wrap="square">
+            <a:spAutoFit/>
+          </a:bodyPr>
+          <a:lstStyle/>
+          <a:p>
+            <a:pPr algn="ctr"/>
+            <a:r>
+              <a:rPr lang="en-US" sz="2400" b="1" dirty="0">
+                <a:latin typeface="Times New Roman" panose="02020603050405020304" pitchFamily="18" charset="0"/>
+                <a:cs typeface="Times New Roman" panose="02020603050405020304" pitchFamily="18" charset="0"/>
+              </a:rPr>
+              <a:t>Html code</a:t>
+            </a:r>
+            <a:endParaRPr lang="en-US" b="1" dirty="0">
+              <a:latin typeface="Times New Roman" panose="02020603050405020304" pitchFamily="18" charset="0"/>
+              <a:cs typeface="Times New Roman" panose="02020603050405020304" pitchFamily="18" charset="0"/>
+            </a:endParaRPr>
+          </a:p>
+        </p:txBody>
+      </p:sp>
+      <p:pic>
+        <p:nvPicPr>
+          <p:cNvPr id="2" name="صورة 1">
+            <a:extLst>
+              <a:ext uri="{FF2B5EF4-FFF2-40B4-BE49-F238E27FC236}">
+                <a16:creationId xmlns:a16="http://schemas.microsoft.com/office/drawing/2014/main" id="{808F7610-E4F2-49DF-AE74-8DE11F37DB58}"/>
+              </a:ext>
+            </a:extLst>
+          </p:cNvPr>
+          <p:cNvPicPr>
+            <a:picLocks noChangeAspect="1"/>
+          </p:cNvPicPr>
+          <p:nvPr/>
+        </p:nvPicPr>
+        <p:blipFill>
+          <a:blip r:embed="rId3"/>
+          <a:stretch>
+            <a:fillRect/>
+          </a:stretch>
+        </p:blipFill>
+        <p:spPr>
+          <a:xfrm>
+            <a:off x="785597" y="2396835"/>
+            <a:ext cx="5477307" cy="3942145"/>
+          </a:xfrm>
+          <a:prstGeom prst="rect">
+            <a:avLst/>
+          </a:prstGeom>
+        </p:spPr>
+      </p:pic>
+      <p:pic>
+        <p:nvPicPr>
+          <p:cNvPr id="3" name="صورة 2">
+            <a:extLst>
+              <a:ext uri="{FF2B5EF4-FFF2-40B4-BE49-F238E27FC236}">
+                <a16:creationId xmlns:a16="http://schemas.microsoft.com/office/drawing/2014/main" id="{B86D681F-5A90-46D4-BEF3-29CEC9D96430}"/>
+              </a:ext>
+            </a:extLst>
+          </p:cNvPr>
+          <p:cNvPicPr>
+            <a:picLocks noChangeAspect="1"/>
+          </p:cNvPicPr>
+          <p:nvPr/>
+        </p:nvPicPr>
+        <p:blipFill>
+          <a:blip r:embed="rId4"/>
+          <a:stretch>
+            <a:fillRect/>
+          </a:stretch>
+        </p:blipFill>
+        <p:spPr>
+          <a:xfrm>
+            <a:off x="6332175" y="3196615"/>
+            <a:ext cx="5477307" cy="1973441"/>
+          </a:xfrm>
+          <a:prstGeom prst="rect">
+            <a:avLst/>
+          </a:prstGeom>
+        </p:spPr>
+      </p:pic>
+    </p:spTree>
+    <p:extLst>
+      <p:ext uri="{BB962C8B-B14F-4D97-AF65-F5344CB8AC3E}">
+        <p14:creationId xmlns:p14="http://schemas.microsoft.com/office/powerpoint/2010/main" val="575816353"/>
+      </p:ext>
+    </p:extLst>
+  </p:cSld>
+  <p:clrMapOvr>
+    <a:masterClrMapping/>
+  </p:clrMapOvr>
+  <mc:AlternateContent xmlns:mc="http://schemas.openxmlformats.org/markup-compatibility/2006">
+    <mc:Choice xmlns:p14="http://schemas.microsoft.com/office/powerpoint/2010/main" Requires="p14">
+      <p:transition spd="slow" p14:dur="1300">
+        <p14:pan dir="u"/>
+      </p:transition>
+    </mc:Choice>
+    <mc:Fallback>
+      <p:transition spd="slow">
+        <p:fade/>
+      </p:transition>
+    </mc:Fallback>
+  </mc:AlternateContent>
+</p:sld>
+</file>
+
+<file path=ppt/slides/slide23.xml><?xml version="1.0" encoding="utf-8"?>
+<p:sld xmlns:a="http://schemas.openxmlformats.org/drawingml/2006/main" xmlns:r="http://schemas.openxmlformats.org/officeDocument/2006/relationships" xmlns:p="http://schemas.openxmlformats.org/presentationml/2006/main">
+  <p:cSld>
+    <p:spTree>
+      <p:nvGrpSpPr>
+        <p:cNvPr id="1" name=""/>
+        <p:cNvGrpSpPr/>
+        <p:nvPr/>
+      </p:nvGrpSpPr>
+      <p:grpSpPr>
+        <a:xfrm>
+          <a:off x="0" y="0"/>
+          <a:ext cx="0" cy="0"/>
+          <a:chOff x="0" y="0"/>
+          <a:chExt cx="0" cy="0"/>
+        </a:xfrm>
+      </p:grpSpPr>
+      <p:sp>
+        <p:nvSpPr>
+          <p:cNvPr id="6" name="عنوان 1">
+            <a:extLst>
+              <a:ext uri="{FF2B5EF4-FFF2-40B4-BE49-F238E27FC236}">
+                <a16:creationId xmlns:a16="http://schemas.microsoft.com/office/drawing/2014/main" id="{C45EC975-48AC-44AB-8E07-23FA12C6B678}"/>
+              </a:ext>
+            </a:extLst>
+          </p:cNvPr>
+          <p:cNvSpPr>
+            <a:spLocks noGrp="1"/>
+          </p:cNvSpPr>
+          <p:nvPr>
+            <p:ph type="title"/>
+          </p:nvPr>
+        </p:nvSpPr>
+        <p:spPr>
+          <a:xfrm>
+            <a:off x="838200" y="104248"/>
+            <a:ext cx="10515600" cy="1325563"/>
+          </a:xfrm>
+        </p:spPr>
+        <p:txBody>
+          <a:bodyPr>
+            <a:noAutofit/>
+          </a:bodyPr>
+          <a:lstStyle/>
+          <a:p>
+            <a:pPr algn="ctr"/>
+            <a:r>
+              <a:rPr lang="en-US" sz="4800" b="1" dirty="0">
+                <a:latin typeface="Times New Roman" panose="02020603050405020304" pitchFamily="18" charset="0"/>
+                <a:cs typeface="Times New Roman" panose="02020603050405020304" pitchFamily="18" charset="0"/>
+              </a:rPr>
+              <a:t>Heading</a:t>
+            </a:r>
+          </a:p>
+        </p:txBody>
+      </p:sp>
+      <p:sp>
+        <p:nvSpPr>
+          <p:cNvPr id="8" name="مربع نص 7">
+            <a:extLst>
+              <a:ext uri="{FF2B5EF4-FFF2-40B4-BE49-F238E27FC236}">
+                <a16:creationId xmlns:a16="http://schemas.microsoft.com/office/drawing/2014/main" id="{F79C5A59-0082-403E-9338-561C3DFA00FC}"/>
+              </a:ext>
+            </a:extLst>
+          </p:cNvPr>
+          <p:cNvSpPr txBox="1"/>
+          <p:nvPr/>
+        </p:nvSpPr>
+        <p:spPr>
+          <a:xfrm>
+            <a:off x="5453496" y="1380859"/>
+            <a:ext cx="6099462" cy="461665"/>
+          </a:xfrm>
+          <a:prstGeom prst="rect">
+            <a:avLst/>
+          </a:prstGeom>
+          <a:noFill/>
+        </p:spPr>
+        <p:txBody>
+          <a:bodyPr wrap="square">
+            <a:spAutoFit/>
+          </a:bodyPr>
+          <a:lstStyle/>
+          <a:p>
+            <a:pPr algn="ctr"/>
+            <a:r>
+              <a:rPr lang="en-US" sz="2400" b="1" dirty="0">
+                <a:latin typeface="Times New Roman" panose="02020603050405020304" pitchFamily="18" charset="0"/>
+                <a:cs typeface="Times New Roman" panose="02020603050405020304" pitchFamily="18" charset="0"/>
+              </a:rPr>
+              <a:t>Output</a:t>
+            </a:r>
+            <a:endParaRPr lang="en-US" b="1" dirty="0">
+              <a:latin typeface="Times New Roman" panose="02020603050405020304" pitchFamily="18" charset="0"/>
+              <a:cs typeface="Times New Roman" panose="02020603050405020304" pitchFamily="18" charset="0"/>
+            </a:endParaRPr>
+          </a:p>
+        </p:txBody>
+      </p:sp>
+      <p:sp>
+        <p:nvSpPr>
+          <p:cNvPr id="10" name="مربع نص 9">
+            <a:extLst>
+              <a:ext uri="{FF2B5EF4-FFF2-40B4-BE49-F238E27FC236}">
+                <a16:creationId xmlns:a16="http://schemas.microsoft.com/office/drawing/2014/main" id="{8CFEF47C-0831-4393-B358-F4F423116293}"/>
+              </a:ext>
+            </a:extLst>
+          </p:cNvPr>
+          <p:cNvSpPr txBox="1"/>
+          <p:nvPr/>
+        </p:nvSpPr>
+        <p:spPr>
+          <a:xfrm>
+            <a:off x="-224812" y="1380858"/>
+            <a:ext cx="6099462" cy="461665"/>
+          </a:xfrm>
+          <a:prstGeom prst="rect">
+            <a:avLst/>
+          </a:prstGeom>
+          <a:noFill/>
+        </p:spPr>
+        <p:txBody>
+          <a:bodyPr wrap="square">
+            <a:spAutoFit/>
+          </a:bodyPr>
+          <a:lstStyle/>
+          <a:p>
+            <a:pPr algn="ctr"/>
+            <a:r>
+              <a:rPr lang="en-US" sz="2400" b="1" dirty="0">
+                <a:latin typeface="Times New Roman" panose="02020603050405020304" pitchFamily="18" charset="0"/>
+                <a:cs typeface="Times New Roman" panose="02020603050405020304" pitchFamily="18" charset="0"/>
+              </a:rPr>
+              <a:t>Html code</a:t>
+            </a:r>
+            <a:endParaRPr lang="en-US" b="1" dirty="0">
+              <a:latin typeface="Times New Roman" panose="02020603050405020304" pitchFamily="18" charset="0"/>
+              <a:cs typeface="Times New Roman" panose="02020603050405020304" pitchFamily="18" charset="0"/>
+            </a:endParaRPr>
+          </a:p>
+        </p:txBody>
+      </p:sp>
+      <p:pic>
+        <p:nvPicPr>
+          <p:cNvPr id="4" name="صورة 3">
+            <a:extLst>
+              <a:ext uri="{FF2B5EF4-FFF2-40B4-BE49-F238E27FC236}">
+                <a16:creationId xmlns:a16="http://schemas.microsoft.com/office/drawing/2014/main" id="{7251AC24-A662-4A79-84D2-8D803770FB5F}"/>
+              </a:ext>
+            </a:extLst>
+          </p:cNvPr>
+          <p:cNvPicPr>
+            <a:picLocks noChangeAspect="1"/>
+          </p:cNvPicPr>
+          <p:nvPr/>
+        </p:nvPicPr>
+        <p:blipFill>
+          <a:blip r:embed="rId3"/>
+          <a:stretch>
+            <a:fillRect/>
+          </a:stretch>
+        </p:blipFill>
+        <p:spPr>
+          <a:xfrm>
+            <a:off x="838200" y="2263504"/>
+            <a:ext cx="3973439" cy="4103111"/>
+          </a:xfrm>
+          <a:prstGeom prst="rect">
+            <a:avLst/>
+          </a:prstGeom>
+        </p:spPr>
+      </p:pic>
+      <p:pic>
+        <p:nvPicPr>
+          <p:cNvPr id="5" name="صورة 4">
+            <a:extLst>
+              <a:ext uri="{FF2B5EF4-FFF2-40B4-BE49-F238E27FC236}">
+                <a16:creationId xmlns:a16="http://schemas.microsoft.com/office/drawing/2014/main" id="{299013A0-FBC6-42D4-A2AA-43602BF9525D}"/>
+              </a:ext>
+            </a:extLst>
+          </p:cNvPr>
+          <p:cNvPicPr>
+            <a:picLocks noChangeAspect="1"/>
+          </p:cNvPicPr>
+          <p:nvPr/>
+        </p:nvPicPr>
+        <p:blipFill>
+          <a:blip r:embed="rId4"/>
+          <a:stretch>
+            <a:fillRect/>
+          </a:stretch>
+        </p:blipFill>
+        <p:spPr>
+          <a:xfrm>
+            <a:off x="6719455" y="2263504"/>
+            <a:ext cx="3567545" cy="4103111"/>
+          </a:xfrm>
+          <a:prstGeom prst="rect">
+            <a:avLst/>
+          </a:prstGeom>
+        </p:spPr>
+      </p:pic>
+    </p:spTree>
+    <p:extLst>
+      <p:ext uri="{BB962C8B-B14F-4D97-AF65-F5344CB8AC3E}">
+        <p14:creationId xmlns:p14="http://schemas.microsoft.com/office/powerpoint/2010/main" val="1387601624"/>
+      </p:ext>
+    </p:extLst>
+  </p:cSld>
+  <p:clrMapOvr>
+    <a:masterClrMapping/>
+  </p:clrMapOvr>
+  <mc:AlternateContent xmlns:mc="http://schemas.openxmlformats.org/markup-compatibility/2006">
+    <mc:Choice xmlns:p14="http://schemas.microsoft.com/office/powerpoint/2010/main" Requires="p14">
+      <p:transition spd="slow" p14:dur="1300">
+        <p14:pan dir="u"/>
+      </p:transition>
+    </mc:Choice>
+    <mc:Fallback>
+      <p:transition spd="slow">
+        <p:fade/>
+      </p:transition>
+    </mc:Fallback>
+  </mc:AlternateContent>
+</p:sld>
+</file>
+
+<file path=ppt/slides/slide24.xml><?xml version="1.0" encoding="utf-8"?>
+<p:sld xmlns:a="http://schemas.openxmlformats.org/drawingml/2006/main" xmlns:r="http://schemas.openxmlformats.org/officeDocument/2006/relationships" xmlns:p="http://schemas.openxmlformats.org/presentationml/2006/main">
+  <p:cSld>
+    <p:spTree>
+      <p:nvGrpSpPr>
+        <p:cNvPr id="1" name=""/>
+        <p:cNvGrpSpPr/>
+        <p:nvPr/>
+      </p:nvGrpSpPr>
+      <p:grpSpPr>
+        <a:xfrm>
+          <a:off x="0" y="0"/>
+          <a:ext cx="0" cy="0"/>
+          <a:chOff x="0" y="0"/>
+          <a:chExt cx="0" cy="0"/>
+        </a:xfrm>
+      </p:grpSpPr>
+      <p:sp>
+        <p:nvSpPr>
+          <p:cNvPr id="6" name="عنوان 1">
+            <a:extLst>
+              <a:ext uri="{FF2B5EF4-FFF2-40B4-BE49-F238E27FC236}">
+                <a16:creationId xmlns:a16="http://schemas.microsoft.com/office/drawing/2014/main" id="{C45EC975-48AC-44AB-8E07-23FA12C6B678}"/>
+              </a:ext>
+            </a:extLst>
+          </p:cNvPr>
+          <p:cNvSpPr>
+            <a:spLocks noGrp="1"/>
+          </p:cNvSpPr>
+          <p:nvPr>
+            <p:ph type="title"/>
+          </p:nvPr>
+        </p:nvSpPr>
+        <p:spPr>
+          <a:xfrm>
+            <a:off x="838200" y="104248"/>
+            <a:ext cx="10515600" cy="1325563"/>
+          </a:xfrm>
+        </p:spPr>
+        <p:txBody>
+          <a:bodyPr>
+            <a:noAutofit/>
+          </a:bodyPr>
+          <a:lstStyle/>
+          <a:p>
+            <a:pPr algn="ctr"/>
+            <a:r>
+              <a:rPr lang="en-US" sz="4800" b="1" dirty="0">
+                <a:latin typeface="Times New Roman" panose="02020603050405020304" pitchFamily="18" charset="0"/>
+                <a:cs typeface="Times New Roman" panose="02020603050405020304" pitchFamily="18" charset="0"/>
+              </a:rPr>
+              <a:t>HTML Links</a:t>
+            </a:r>
+          </a:p>
+        </p:txBody>
+      </p:sp>
+      <p:sp>
+        <p:nvSpPr>
+          <p:cNvPr id="8" name="مربع نص 7">
+            <a:extLst>
+              <a:ext uri="{FF2B5EF4-FFF2-40B4-BE49-F238E27FC236}">
+                <a16:creationId xmlns:a16="http://schemas.microsoft.com/office/drawing/2014/main" id="{F79C5A59-0082-403E-9338-561C3DFA00FC}"/>
+              </a:ext>
+            </a:extLst>
+          </p:cNvPr>
+          <p:cNvSpPr txBox="1"/>
+          <p:nvPr/>
+        </p:nvSpPr>
+        <p:spPr>
+          <a:xfrm>
+            <a:off x="5453496" y="1380859"/>
+            <a:ext cx="6099462" cy="461665"/>
+          </a:xfrm>
+          <a:prstGeom prst="rect">
+            <a:avLst/>
+          </a:prstGeom>
+          <a:noFill/>
+        </p:spPr>
+        <p:txBody>
+          <a:bodyPr wrap="square">
+            <a:spAutoFit/>
+          </a:bodyPr>
+          <a:lstStyle/>
+          <a:p>
+            <a:pPr algn="ctr"/>
+            <a:r>
+              <a:rPr lang="en-US" sz="2400" b="1" dirty="0">
+                <a:latin typeface="Times New Roman" panose="02020603050405020304" pitchFamily="18" charset="0"/>
+                <a:cs typeface="Times New Roman" panose="02020603050405020304" pitchFamily="18" charset="0"/>
+              </a:rPr>
+              <a:t>Output</a:t>
+            </a:r>
+            <a:endParaRPr lang="en-US" b="1" dirty="0">
+              <a:latin typeface="Times New Roman" panose="02020603050405020304" pitchFamily="18" charset="0"/>
+              <a:cs typeface="Times New Roman" panose="02020603050405020304" pitchFamily="18" charset="0"/>
+            </a:endParaRPr>
+          </a:p>
+        </p:txBody>
+      </p:sp>
+      <p:sp>
+        <p:nvSpPr>
+          <p:cNvPr id="10" name="مربع نص 9">
+            <a:extLst>
+              <a:ext uri="{FF2B5EF4-FFF2-40B4-BE49-F238E27FC236}">
+                <a16:creationId xmlns:a16="http://schemas.microsoft.com/office/drawing/2014/main" id="{8CFEF47C-0831-4393-B358-F4F423116293}"/>
+              </a:ext>
+            </a:extLst>
+          </p:cNvPr>
+          <p:cNvSpPr txBox="1"/>
+          <p:nvPr/>
+        </p:nvSpPr>
+        <p:spPr>
+          <a:xfrm>
+            <a:off x="-224812" y="1380858"/>
+            <a:ext cx="6099462" cy="461665"/>
+          </a:xfrm>
+          <a:prstGeom prst="rect">
+            <a:avLst/>
+          </a:prstGeom>
+          <a:noFill/>
+        </p:spPr>
+        <p:txBody>
+          <a:bodyPr wrap="square">
+            <a:spAutoFit/>
+          </a:bodyPr>
+          <a:lstStyle/>
+          <a:p>
+            <a:pPr algn="ctr"/>
+            <a:r>
+              <a:rPr lang="en-US" sz="2400" b="1" dirty="0">
+                <a:latin typeface="Times New Roman" panose="02020603050405020304" pitchFamily="18" charset="0"/>
+                <a:cs typeface="Times New Roman" panose="02020603050405020304" pitchFamily="18" charset="0"/>
+              </a:rPr>
+              <a:t>Html code</a:t>
+            </a:r>
+            <a:endParaRPr lang="en-US" b="1" dirty="0">
+              <a:latin typeface="Times New Roman" panose="02020603050405020304" pitchFamily="18" charset="0"/>
+              <a:cs typeface="Times New Roman" panose="02020603050405020304" pitchFamily="18" charset="0"/>
+            </a:endParaRPr>
+          </a:p>
+        </p:txBody>
+      </p:sp>
+      <p:pic>
+        <p:nvPicPr>
+          <p:cNvPr id="3" name="صورة 2">
+            <a:extLst>
+              <a:ext uri="{FF2B5EF4-FFF2-40B4-BE49-F238E27FC236}">
+                <a16:creationId xmlns:a16="http://schemas.microsoft.com/office/drawing/2014/main" id="{EB19E433-01CD-4B5A-9CE4-18D2A9A212F7}"/>
+              </a:ext>
+            </a:extLst>
+          </p:cNvPr>
+          <p:cNvPicPr>
+            <a:picLocks noChangeAspect="1"/>
+          </p:cNvPicPr>
+          <p:nvPr/>
+        </p:nvPicPr>
+        <p:blipFill>
+          <a:blip r:embed="rId3"/>
+          <a:stretch>
+            <a:fillRect/>
+          </a:stretch>
+        </p:blipFill>
+        <p:spPr>
+          <a:xfrm>
+            <a:off x="6516510" y="2568314"/>
+            <a:ext cx="4726998" cy="2447163"/>
+          </a:xfrm>
+          <a:prstGeom prst="rect">
+            <a:avLst/>
+          </a:prstGeom>
+        </p:spPr>
+      </p:pic>
+      <p:pic>
+        <p:nvPicPr>
+          <p:cNvPr id="9" name="صورة 8">
+            <a:extLst>
+              <a:ext uri="{FF2B5EF4-FFF2-40B4-BE49-F238E27FC236}">
+                <a16:creationId xmlns:a16="http://schemas.microsoft.com/office/drawing/2014/main" id="{91FAF112-4BBF-4A54-90EB-896042B757D5}"/>
+              </a:ext>
+            </a:extLst>
+          </p:cNvPr>
+          <p:cNvPicPr>
+            <a:picLocks noChangeAspect="1"/>
+          </p:cNvPicPr>
+          <p:nvPr/>
+        </p:nvPicPr>
+        <p:blipFill>
+          <a:blip r:embed="rId4"/>
+          <a:stretch>
+            <a:fillRect/>
+          </a:stretch>
+        </p:blipFill>
+        <p:spPr>
+          <a:xfrm>
+            <a:off x="639041" y="2568314"/>
+            <a:ext cx="5036450" cy="2444852"/>
+          </a:xfrm>
+          <a:prstGeom prst="rect">
+            <a:avLst/>
+          </a:prstGeom>
+        </p:spPr>
+      </p:pic>
+    </p:spTree>
+    <p:extLst>
+      <p:ext uri="{BB962C8B-B14F-4D97-AF65-F5344CB8AC3E}">
+        <p14:creationId xmlns:p14="http://schemas.microsoft.com/office/powerpoint/2010/main" val="1690054147"/>
+      </p:ext>
+    </p:extLst>
+  </p:cSld>
+  <p:clrMapOvr>
+    <a:masterClrMapping/>
+  </p:clrMapOvr>
+  <mc:AlternateContent xmlns:mc="http://schemas.openxmlformats.org/markup-compatibility/2006">
+    <mc:Choice xmlns:p14="http://schemas.microsoft.com/office/powerpoint/2010/main" Requires="p14">
+      <p:transition spd="slow" p14:dur="1300">
+        <p14:pan dir="u"/>
+      </p:transition>
+    </mc:Choice>
+    <mc:Fallback>
+      <p:transition spd="slow">
+        <p:fade/>
+      </p:transition>
+    </mc:Fallback>
+  </mc:AlternateContent>
+</p:sld>
+</file>
+
+<file path=ppt/slides/slide25.xml><?xml version="1.0" encoding="utf-8"?>
+<p:sld xmlns:a="http://schemas.openxmlformats.org/drawingml/2006/main" xmlns:r="http://schemas.openxmlformats.org/officeDocument/2006/relationships" xmlns:p="http://schemas.openxmlformats.org/presentationml/2006/main">
+  <p:cSld>
+    <p:spTree>
+      <p:nvGrpSpPr>
+        <p:cNvPr id="1" name=""/>
+        <p:cNvGrpSpPr/>
+        <p:nvPr/>
+      </p:nvGrpSpPr>
+      <p:grpSpPr>
+        <a:xfrm>
+          <a:off x="0" y="0"/>
+          <a:ext cx="0" cy="0"/>
+          <a:chOff x="0" y="0"/>
+          <a:chExt cx="0" cy="0"/>
+        </a:xfrm>
+      </p:grpSpPr>
+      <p:sp>
+        <p:nvSpPr>
+          <p:cNvPr id="6" name="عنوان 1">
+            <a:extLst>
+              <a:ext uri="{FF2B5EF4-FFF2-40B4-BE49-F238E27FC236}">
+                <a16:creationId xmlns:a16="http://schemas.microsoft.com/office/drawing/2014/main" id="{C45EC975-48AC-44AB-8E07-23FA12C6B678}"/>
+              </a:ext>
+            </a:extLst>
+          </p:cNvPr>
+          <p:cNvSpPr>
+            <a:spLocks noGrp="1"/>
+          </p:cNvSpPr>
+          <p:nvPr>
+            <p:ph type="title"/>
+          </p:nvPr>
+        </p:nvSpPr>
+        <p:spPr>
+          <a:xfrm>
+            <a:off x="838200" y="104248"/>
+            <a:ext cx="10515600" cy="1325563"/>
+          </a:xfrm>
+        </p:spPr>
+        <p:txBody>
+          <a:bodyPr>
+            <a:noAutofit/>
+          </a:bodyPr>
+          <a:lstStyle/>
+          <a:p>
+            <a:pPr algn="ctr"/>
+            <a:r>
+              <a:rPr lang="en-US" sz="4800" b="1" dirty="0">
+                <a:latin typeface="Times New Roman" panose="02020603050405020304" pitchFamily="18" charset="0"/>
+                <a:cs typeface="Times New Roman" panose="02020603050405020304" pitchFamily="18" charset="0"/>
+              </a:rPr>
+              <a:t>HTML Links</a:t>
+            </a:r>
+          </a:p>
+        </p:txBody>
+      </p:sp>
+      <p:sp>
+        <p:nvSpPr>
+          <p:cNvPr id="8" name="مربع نص 7">
+            <a:extLst>
+              <a:ext uri="{FF2B5EF4-FFF2-40B4-BE49-F238E27FC236}">
+                <a16:creationId xmlns:a16="http://schemas.microsoft.com/office/drawing/2014/main" id="{F79C5A59-0082-403E-9338-561C3DFA00FC}"/>
+              </a:ext>
+            </a:extLst>
+          </p:cNvPr>
+          <p:cNvSpPr txBox="1"/>
+          <p:nvPr/>
+        </p:nvSpPr>
+        <p:spPr>
+          <a:xfrm>
+            <a:off x="5453496" y="1380859"/>
+            <a:ext cx="6099462" cy="461665"/>
+          </a:xfrm>
+          <a:prstGeom prst="rect">
+            <a:avLst/>
+          </a:prstGeom>
+          <a:noFill/>
+        </p:spPr>
+        <p:txBody>
+          <a:bodyPr wrap="square">
+            <a:spAutoFit/>
+          </a:bodyPr>
+          <a:lstStyle/>
+          <a:p>
+            <a:pPr algn="ctr"/>
+            <a:r>
+              <a:rPr lang="en-US" sz="2400" b="1" dirty="0">
+                <a:latin typeface="Times New Roman" panose="02020603050405020304" pitchFamily="18" charset="0"/>
+                <a:cs typeface="Times New Roman" panose="02020603050405020304" pitchFamily="18" charset="0"/>
+              </a:rPr>
+              <a:t>Output</a:t>
+            </a:r>
+            <a:endParaRPr lang="en-US" b="1" dirty="0">
+              <a:latin typeface="Times New Roman" panose="02020603050405020304" pitchFamily="18" charset="0"/>
+              <a:cs typeface="Times New Roman" panose="02020603050405020304" pitchFamily="18" charset="0"/>
+            </a:endParaRPr>
+          </a:p>
+        </p:txBody>
+      </p:sp>
+      <p:sp>
+        <p:nvSpPr>
+          <p:cNvPr id="10" name="مربع نص 9">
+            <a:extLst>
+              <a:ext uri="{FF2B5EF4-FFF2-40B4-BE49-F238E27FC236}">
+                <a16:creationId xmlns:a16="http://schemas.microsoft.com/office/drawing/2014/main" id="{8CFEF47C-0831-4393-B358-F4F423116293}"/>
+              </a:ext>
+            </a:extLst>
+          </p:cNvPr>
+          <p:cNvSpPr txBox="1"/>
+          <p:nvPr/>
+        </p:nvSpPr>
+        <p:spPr>
+          <a:xfrm>
+            <a:off x="-224812" y="1380858"/>
+            <a:ext cx="6099462" cy="461665"/>
+          </a:xfrm>
+          <a:prstGeom prst="rect">
+            <a:avLst/>
+          </a:prstGeom>
+          <a:noFill/>
+        </p:spPr>
+        <p:txBody>
+          <a:bodyPr wrap="square">
+            <a:spAutoFit/>
+          </a:bodyPr>
+          <a:lstStyle/>
+          <a:p>
+            <a:pPr algn="ctr"/>
+            <a:r>
+              <a:rPr lang="en-US" sz="2400" b="1" dirty="0">
+                <a:latin typeface="Times New Roman" panose="02020603050405020304" pitchFamily="18" charset="0"/>
+                <a:cs typeface="Times New Roman" panose="02020603050405020304" pitchFamily="18" charset="0"/>
+              </a:rPr>
+              <a:t>Html code</a:t>
+            </a:r>
+            <a:endParaRPr lang="en-US" b="1" dirty="0">
+              <a:latin typeface="Times New Roman" panose="02020603050405020304" pitchFamily="18" charset="0"/>
+              <a:cs typeface="Times New Roman" panose="02020603050405020304" pitchFamily="18" charset="0"/>
+            </a:endParaRPr>
+          </a:p>
+        </p:txBody>
+      </p:sp>
+      <p:pic>
+        <p:nvPicPr>
+          <p:cNvPr id="2" name="صورة 1">
+            <a:extLst>
+              <a:ext uri="{FF2B5EF4-FFF2-40B4-BE49-F238E27FC236}">
+                <a16:creationId xmlns:a16="http://schemas.microsoft.com/office/drawing/2014/main" id="{8B3A8174-FE1E-44E6-A04E-619EAE98F849}"/>
+              </a:ext>
+            </a:extLst>
+          </p:cNvPr>
+          <p:cNvPicPr>
+            <a:picLocks noChangeAspect="1"/>
+          </p:cNvPicPr>
+          <p:nvPr/>
+        </p:nvPicPr>
+        <p:blipFill>
+          <a:blip r:embed="rId3"/>
+          <a:stretch>
+            <a:fillRect/>
+          </a:stretch>
+        </p:blipFill>
+        <p:spPr>
+          <a:xfrm>
+            <a:off x="475579" y="2554590"/>
+            <a:ext cx="5620421" cy="3128664"/>
+          </a:xfrm>
+          <a:prstGeom prst="rect">
+            <a:avLst/>
+          </a:prstGeom>
+        </p:spPr>
+      </p:pic>
+      <p:pic>
+        <p:nvPicPr>
+          <p:cNvPr id="4" name="صورة 3">
+            <a:extLst>
+              <a:ext uri="{FF2B5EF4-FFF2-40B4-BE49-F238E27FC236}">
+                <a16:creationId xmlns:a16="http://schemas.microsoft.com/office/drawing/2014/main" id="{AA5EA542-80FD-49F4-B3ED-2DE6351E89AD}"/>
+              </a:ext>
+            </a:extLst>
+          </p:cNvPr>
+          <p:cNvPicPr>
+            <a:picLocks noChangeAspect="1"/>
+          </p:cNvPicPr>
+          <p:nvPr/>
+        </p:nvPicPr>
+        <p:blipFill>
+          <a:blip r:embed="rId4"/>
+          <a:stretch>
+            <a:fillRect/>
+          </a:stretch>
+        </p:blipFill>
+        <p:spPr>
+          <a:xfrm>
+            <a:off x="6609024" y="3016255"/>
+            <a:ext cx="4744776" cy="2266792"/>
+          </a:xfrm>
+          <a:prstGeom prst="rect">
+            <a:avLst/>
+          </a:prstGeom>
+        </p:spPr>
+      </p:pic>
+    </p:spTree>
+    <p:extLst>
+      <p:ext uri="{BB962C8B-B14F-4D97-AF65-F5344CB8AC3E}">
+        <p14:creationId xmlns:p14="http://schemas.microsoft.com/office/powerpoint/2010/main" val="2897202820"/>
+      </p:ext>
+    </p:extLst>
+  </p:cSld>
+  <p:clrMapOvr>
+    <a:masterClrMapping/>
+  </p:clrMapOvr>
+  <mc:AlternateContent xmlns:mc="http://schemas.openxmlformats.org/markup-compatibility/2006">
+    <mc:Choice xmlns:p14="http://schemas.microsoft.com/office/powerpoint/2010/main" Requires="p14">
+      <p:transition spd="slow" p14:dur="1300">
+        <p14:pan dir="u"/>
+      </p:transition>
+    </mc:Choice>
+    <mc:Fallback>
+      <p:transition spd="slow">
+        <p:fade/>
+      </p:transition>
+    </mc:Fallback>
+  </mc:AlternateContent>
+</p:sld>
+</file>
+
+<file path=ppt/slides/slide26.xml><?xml version="1.0" encoding="utf-8"?>
+<p:sld xmlns:a="http://schemas.openxmlformats.org/drawingml/2006/main" xmlns:r="http://schemas.openxmlformats.org/officeDocument/2006/relationships" xmlns:p="http://schemas.openxmlformats.org/presentationml/2006/main">
+  <p:cSld>
+    <p:spTree>
+      <p:nvGrpSpPr>
+        <p:cNvPr id="1" name=""/>
+        <p:cNvGrpSpPr/>
+        <p:nvPr/>
+      </p:nvGrpSpPr>
+      <p:grpSpPr>
+        <a:xfrm>
+          <a:off x="0" y="0"/>
+          <a:ext cx="0" cy="0"/>
+          <a:chOff x="0" y="0"/>
+          <a:chExt cx="0" cy="0"/>
+        </a:xfrm>
+      </p:grpSpPr>
+      <p:sp>
+        <p:nvSpPr>
+          <p:cNvPr id="6" name="عنوان 1">
+            <a:extLst>
+              <a:ext uri="{FF2B5EF4-FFF2-40B4-BE49-F238E27FC236}">
+                <a16:creationId xmlns:a16="http://schemas.microsoft.com/office/drawing/2014/main" id="{C45EC975-48AC-44AB-8E07-23FA12C6B678}"/>
+              </a:ext>
+            </a:extLst>
+          </p:cNvPr>
+          <p:cNvSpPr>
+            <a:spLocks noGrp="1"/>
+          </p:cNvSpPr>
+          <p:nvPr>
+            <p:ph type="title"/>
+          </p:nvPr>
+        </p:nvSpPr>
+        <p:spPr>
+          <a:xfrm>
+            <a:off x="838200" y="104248"/>
+            <a:ext cx="10515600" cy="1325563"/>
+          </a:xfrm>
+        </p:spPr>
+        <p:txBody>
+          <a:bodyPr>
+            <a:noAutofit/>
+          </a:bodyPr>
+          <a:lstStyle/>
+          <a:p>
+            <a:pPr algn="ctr"/>
+            <a:r>
+              <a:rPr lang="en-US" sz="4800" b="1" dirty="0">
+                <a:latin typeface="Times New Roman" panose="02020603050405020304" pitchFamily="18" charset="0"/>
+                <a:cs typeface="Times New Roman" panose="02020603050405020304" pitchFamily="18" charset="0"/>
+              </a:rPr>
+              <a:t>HTML Links</a:t>
+            </a:r>
+          </a:p>
+        </p:txBody>
+      </p:sp>
+      <p:sp>
+        <p:nvSpPr>
+          <p:cNvPr id="8" name="مربع نص 7">
+            <a:extLst>
+              <a:ext uri="{FF2B5EF4-FFF2-40B4-BE49-F238E27FC236}">
+                <a16:creationId xmlns:a16="http://schemas.microsoft.com/office/drawing/2014/main" id="{F79C5A59-0082-403E-9338-561C3DFA00FC}"/>
+              </a:ext>
+            </a:extLst>
+          </p:cNvPr>
+          <p:cNvSpPr txBox="1"/>
+          <p:nvPr/>
+        </p:nvSpPr>
+        <p:spPr>
+          <a:xfrm>
+            <a:off x="6142510" y="1373029"/>
+            <a:ext cx="6099462" cy="461665"/>
+          </a:xfrm>
+          <a:prstGeom prst="rect">
+            <a:avLst/>
+          </a:prstGeom>
+          <a:noFill/>
+        </p:spPr>
+        <p:txBody>
+          <a:bodyPr wrap="square">
+            <a:spAutoFit/>
+          </a:bodyPr>
+          <a:lstStyle/>
+          <a:p>
+            <a:pPr algn="ctr"/>
+            <a:r>
+              <a:rPr lang="en-US" sz="2400" b="1" dirty="0">
+                <a:latin typeface="Times New Roman" panose="02020603050405020304" pitchFamily="18" charset="0"/>
+                <a:cs typeface="Times New Roman" panose="02020603050405020304" pitchFamily="18" charset="0"/>
+              </a:rPr>
+              <a:t>Output</a:t>
+            </a:r>
+            <a:endParaRPr lang="en-US" b="1" dirty="0">
+              <a:latin typeface="Times New Roman" panose="02020603050405020304" pitchFamily="18" charset="0"/>
+              <a:cs typeface="Times New Roman" panose="02020603050405020304" pitchFamily="18" charset="0"/>
+            </a:endParaRPr>
+          </a:p>
+        </p:txBody>
+      </p:sp>
+      <p:sp>
+        <p:nvSpPr>
+          <p:cNvPr id="10" name="مربع نص 9">
+            <a:extLst>
+              <a:ext uri="{FF2B5EF4-FFF2-40B4-BE49-F238E27FC236}">
+                <a16:creationId xmlns:a16="http://schemas.microsoft.com/office/drawing/2014/main" id="{8CFEF47C-0831-4393-B358-F4F423116293}"/>
+              </a:ext>
+            </a:extLst>
+          </p:cNvPr>
+          <p:cNvSpPr txBox="1"/>
+          <p:nvPr/>
+        </p:nvSpPr>
+        <p:spPr>
+          <a:xfrm>
+            <a:off x="-224812" y="1380858"/>
+            <a:ext cx="6099462" cy="461665"/>
+          </a:xfrm>
+          <a:prstGeom prst="rect">
+            <a:avLst/>
+          </a:prstGeom>
+          <a:noFill/>
+        </p:spPr>
+        <p:txBody>
+          <a:bodyPr wrap="square">
+            <a:spAutoFit/>
+          </a:bodyPr>
+          <a:lstStyle/>
+          <a:p>
+            <a:pPr algn="ctr"/>
+            <a:r>
+              <a:rPr lang="en-US" sz="2400" b="1" dirty="0">
+                <a:latin typeface="Times New Roman" panose="02020603050405020304" pitchFamily="18" charset="0"/>
+                <a:cs typeface="Times New Roman" panose="02020603050405020304" pitchFamily="18" charset="0"/>
+              </a:rPr>
+              <a:t>Html code</a:t>
+            </a:r>
+            <a:endParaRPr lang="en-US" b="1" dirty="0">
+              <a:latin typeface="Times New Roman" panose="02020603050405020304" pitchFamily="18" charset="0"/>
+              <a:cs typeface="Times New Roman" panose="02020603050405020304" pitchFamily="18" charset="0"/>
+            </a:endParaRPr>
+          </a:p>
+        </p:txBody>
+      </p:sp>
+      <p:pic>
+        <p:nvPicPr>
+          <p:cNvPr id="3" name="صورة 2">
+            <a:extLst>
+              <a:ext uri="{FF2B5EF4-FFF2-40B4-BE49-F238E27FC236}">
+                <a16:creationId xmlns:a16="http://schemas.microsoft.com/office/drawing/2014/main" id="{E346C269-78A8-4AB6-AC90-F1ED8338F653}"/>
+              </a:ext>
+            </a:extLst>
+          </p:cNvPr>
+          <p:cNvPicPr>
+            <a:picLocks noChangeAspect="1"/>
+          </p:cNvPicPr>
+          <p:nvPr/>
+        </p:nvPicPr>
+        <p:blipFill>
+          <a:blip r:embed="rId3"/>
+          <a:stretch>
+            <a:fillRect/>
+          </a:stretch>
+        </p:blipFill>
+        <p:spPr>
+          <a:xfrm>
+            <a:off x="425163" y="2918171"/>
+            <a:ext cx="6099462" cy="2558970"/>
+          </a:xfrm>
+          <a:prstGeom prst="rect">
+            <a:avLst/>
+          </a:prstGeom>
+        </p:spPr>
+      </p:pic>
+      <p:pic>
+        <p:nvPicPr>
+          <p:cNvPr id="5" name="صورة 4">
+            <a:extLst>
+              <a:ext uri="{FF2B5EF4-FFF2-40B4-BE49-F238E27FC236}">
+                <a16:creationId xmlns:a16="http://schemas.microsoft.com/office/drawing/2014/main" id="{2C186740-A461-4766-8B0B-2D678317F3CE}"/>
+              </a:ext>
+            </a:extLst>
+          </p:cNvPr>
+          <p:cNvPicPr>
+            <a:picLocks noChangeAspect="1"/>
+          </p:cNvPicPr>
+          <p:nvPr/>
+        </p:nvPicPr>
+        <p:blipFill>
+          <a:blip r:embed="rId4"/>
+          <a:stretch>
+            <a:fillRect/>
+          </a:stretch>
+        </p:blipFill>
+        <p:spPr>
+          <a:xfrm>
+            <a:off x="7392310" y="2025956"/>
+            <a:ext cx="3305455" cy="4343400"/>
+          </a:xfrm>
+          <a:prstGeom prst="rect">
+            <a:avLst/>
+          </a:prstGeom>
+        </p:spPr>
+      </p:pic>
+    </p:spTree>
+    <p:extLst>
+      <p:ext uri="{BB962C8B-B14F-4D97-AF65-F5344CB8AC3E}">
+        <p14:creationId xmlns:p14="http://schemas.microsoft.com/office/powerpoint/2010/main" val="2394975321"/>
+      </p:ext>
+    </p:extLst>
+  </p:cSld>
+  <p:clrMapOvr>
+    <a:masterClrMapping/>
+  </p:clrMapOvr>
+  <mc:AlternateContent xmlns:mc="http://schemas.openxmlformats.org/markup-compatibility/2006">
+    <mc:Choice xmlns:p14="http://schemas.microsoft.com/office/powerpoint/2010/main" Requires="p14">
+      <p:transition spd="slow" p14:dur="1300">
+        <p14:pan dir="u"/>
+      </p:transition>
+    </mc:Choice>
+    <mc:Fallback>
+      <p:transition spd="slow">
+        <p:fade/>
+      </p:transition>
+    </mc:Fallback>
+  </mc:AlternateContent>
+</p:sld>
+</file>
+
+<file path=ppt/slides/slide27.xml><?xml version="1.0" encoding="utf-8"?>
+<p:sld xmlns:a="http://schemas.openxmlformats.org/drawingml/2006/main" xmlns:r="http://schemas.openxmlformats.org/officeDocument/2006/relationships" xmlns:p="http://schemas.openxmlformats.org/presentationml/2006/main">
+  <p:cSld>
+    <p:spTree>
+      <p:nvGrpSpPr>
+        <p:cNvPr id="1" name=""/>
+        <p:cNvGrpSpPr/>
+        <p:nvPr/>
+      </p:nvGrpSpPr>
+      <p:grpSpPr>
+        <a:xfrm>
+          <a:off x="0" y="0"/>
+          <a:ext cx="0" cy="0"/>
+          <a:chOff x="0" y="0"/>
+          <a:chExt cx="0" cy="0"/>
+        </a:xfrm>
+      </p:grpSpPr>
+      <p:sp>
+        <p:nvSpPr>
+          <p:cNvPr id="6" name="عنوان 1">
+            <a:extLst>
+              <a:ext uri="{FF2B5EF4-FFF2-40B4-BE49-F238E27FC236}">
+                <a16:creationId xmlns:a16="http://schemas.microsoft.com/office/drawing/2014/main" id="{C45EC975-48AC-44AB-8E07-23FA12C6B678}"/>
+              </a:ext>
+            </a:extLst>
+          </p:cNvPr>
+          <p:cNvSpPr>
+            <a:spLocks noGrp="1"/>
+          </p:cNvSpPr>
+          <p:nvPr>
+            <p:ph type="title"/>
+          </p:nvPr>
+        </p:nvSpPr>
+        <p:spPr>
+          <a:xfrm>
+            <a:off x="838200" y="104248"/>
+            <a:ext cx="10515600" cy="1325563"/>
+          </a:xfrm>
+        </p:spPr>
+        <p:txBody>
+          <a:bodyPr>
+            <a:noAutofit/>
+          </a:bodyPr>
+          <a:lstStyle/>
+          <a:p>
+            <a:pPr algn="ctr"/>
+            <a:r>
+              <a:rPr lang="en-US" sz="4800" b="1" dirty="0">
+                <a:latin typeface="Times New Roman" panose="02020603050405020304" pitchFamily="18" charset="0"/>
+                <a:cs typeface="Times New Roman" panose="02020603050405020304" pitchFamily="18" charset="0"/>
+              </a:rPr>
+              <a:t>Relative  Link</a:t>
+            </a:r>
+          </a:p>
+        </p:txBody>
+      </p:sp>
+      <p:pic>
+        <p:nvPicPr>
+          <p:cNvPr id="4" name="صورة 3">
+            <a:extLst>
+              <a:ext uri="{FF2B5EF4-FFF2-40B4-BE49-F238E27FC236}">
+                <a16:creationId xmlns:a16="http://schemas.microsoft.com/office/drawing/2014/main" id="{0BC072D0-6E7D-4936-BCE5-FDA1E6454DF4}"/>
+              </a:ext>
+            </a:extLst>
+          </p:cNvPr>
+          <p:cNvPicPr>
+            <a:picLocks noChangeAspect="1"/>
+          </p:cNvPicPr>
+          <p:nvPr/>
+        </p:nvPicPr>
+        <p:blipFill>
+          <a:blip r:embed="rId3">
+            <a:extLst>
+              <a:ext uri="{28A0092B-C50C-407E-A947-70E740481C1C}">
+                <a14:useLocalDpi xmlns:a14="http://schemas.microsoft.com/office/drawing/2010/main" val="0"/>
+              </a:ext>
+            </a:extLst>
+          </a:blip>
+          <a:stretch>
+            <a:fillRect/>
+          </a:stretch>
+        </p:blipFill>
+        <p:spPr>
+          <a:xfrm>
+            <a:off x="2854036" y="1325902"/>
+            <a:ext cx="6483927" cy="4862945"/>
+          </a:xfrm>
+          <a:prstGeom prst="rect">
+            <a:avLst/>
+          </a:prstGeom>
+        </p:spPr>
+      </p:pic>
+    </p:spTree>
+    <p:extLst>
+      <p:ext uri="{BB962C8B-B14F-4D97-AF65-F5344CB8AC3E}">
+        <p14:creationId xmlns:p14="http://schemas.microsoft.com/office/powerpoint/2010/main" val="826802903"/>
+      </p:ext>
+    </p:extLst>
+  </p:cSld>
+  <p:clrMapOvr>
+    <a:masterClrMapping/>
+  </p:clrMapOvr>
+  <mc:AlternateContent xmlns:mc="http://schemas.openxmlformats.org/markup-compatibility/2006">
+    <mc:Choice xmlns:p14="http://schemas.microsoft.com/office/powerpoint/2010/main" Requires="p14">
+      <p:transition spd="slow" p14:dur="1300">
+        <p14:pan dir="u"/>
+      </p:transition>
+    </mc:Choice>
+    <mc:Fallback>
+      <p:transition spd="slow">
+        <p:fade/>
+      </p:transition>
+    </mc:Fallback>
+  </mc:AlternateContent>
+</p:sld>
+</file>
+
+<file path=ppt/slides/slide28.xml><?xml version="1.0" encoding="utf-8"?>
+<p:sld xmlns:a="http://schemas.openxmlformats.org/drawingml/2006/main" xmlns:r="http://schemas.openxmlformats.org/officeDocument/2006/relationships" xmlns:p="http://schemas.openxmlformats.org/presentationml/2006/main">
+  <p:cSld>
+    <p:spTree>
+      <p:nvGrpSpPr>
+        <p:cNvPr id="1" name=""/>
+        <p:cNvGrpSpPr/>
+        <p:nvPr/>
+      </p:nvGrpSpPr>
+      <p:grpSpPr>
+        <a:xfrm>
+          <a:off x="0" y="0"/>
+          <a:ext cx="0" cy="0"/>
+          <a:chOff x="0" y="0"/>
+          <a:chExt cx="0" cy="0"/>
+        </a:xfrm>
+      </p:grpSpPr>
+      <p:sp>
+        <p:nvSpPr>
+          <p:cNvPr id="6" name="عنوان 1">
+            <a:extLst>
+              <a:ext uri="{FF2B5EF4-FFF2-40B4-BE49-F238E27FC236}">
+                <a16:creationId xmlns:a16="http://schemas.microsoft.com/office/drawing/2014/main" id="{C45EC975-48AC-44AB-8E07-23FA12C6B678}"/>
+              </a:ext>
+            </a:extLst>
+          </p:cNvPr>
+          <p:cNvSpPr>
+            <a:spLocks noGrp="1"/>
+          </p:cNvSpPr>
+          <p:nvPr>
+            <p:ph type="title"/>
+          </p:nvPr>
+        </p:nvSpPr>
+        <p:spPr>
+          <a:xfrm>
+            <a:off x="838200" y="104248"/>
+            <a:ext cx="10515600" cy="1325563"/>
+          </a:xfrm>
+        </p:spPr>
+        <p:txBody>
+          <a:bodyPr>
+            <a:noAutofit/>
+          </a:bodyPr>
+          <a:lstStyle/>
+          <a:p>
+            <a:pPr algn="ctr"/>
+            <a:r>
+              <a:rPr lang="en-US" sz="4800" b="1" dirty="0">
+                <a:latin typeface="Times New Roman" panose="02020603050405020304" pitchFamily="18" charset="0"/>
+                <a:cs typeface="Times New Roman" panose="02020603050405020304" pitchFamily="18" charset="0"/>
+              </a:rPr>
+              <a:t>HTML Links</a:t>
+            </a:r>
+          </a:p>
+        </p:txBody>
+      </p:sp>
+      <p:sp>
+        <p:nvSpPr>
+          <p:cNvPr id="8" name="مربع نص 7">
+            <a:extLst>
+              <a:ext uri="{FF2B5EF4-FFF2-40B4-BE49-F238E27FC236}">
+                <a16:creationId xmlns:a16="http://schemas.microsoft.com/office/drawing/2014/main" id="{F79C5A59-0082-403E-9338-561C3DFA00FC}"/>
+              </a:ext>
+            </a:extLst>
+          </p:cNvPr>
+          <p:cNvSpPr txBox="1"/>
+          <p:nvPr/>
+        </p:nvSpPr>
+        <p:spPr>
+          <a:xfrm>
+            <a:off x="5453496" y="1380859"/>
+            <a:ext cx="6099462" cy="461665"/>
+          </a:xfrm>
+          <a:prstGeom prst="rect">
+            <a:avLst/>
+          </a:prstGeom>
+          <a:noFill/>
+        </p:spPr>
+        <p:txBody>
+          <a:bodyPr wrap="square">
+            <a:spAutoFit/>
+          </a:bodyPr>
+          <a:lstStyle/>
+          <a:p>
+            <a:pPr algn="ctr"/>
+            <a:r>
+              <a:rPr lang="en-US" sz="2400" b="1" dirty="0">
+                <a:latin typeface="Times New Roman" panose="02020603050405020304" pitchFamily="18" charset="0"/>
+                <a:cs typeface="Times New Roman" panose="02020603050405020304" pitchFamily="18" charset="0"/>
+              </a:rPr>
+              <a:t>Output</a:t>
+            </a:r>
+            <a:endParaRPr lang="en-US" b="1" dirty="0">
+              <a:latin typeface="Times New Roman" panose="02020603050405020304" pitchFamily="18" charset="0"/>
+              <a:cs typeface="Times New Roman" panose="02020603050405020304" pitchFamily="18" charset="0"/>
+            </a:endParaRPr>
+          </a:p>
+        </p:txBody>
+      </p:sp>
+      <p:sp>
+        <p:nvSpPr>
+          <p:cNvPr id="10" name="مربع نص 9">
+            <a:extLst>
+              <a:ext uri="{FF2B5EF4-FFF2-40B4-BE49-F238E27FC236}">
+                <a16:creationId xmlns:a16="http://schemas.microsoft.com/office/drawing/2014/main" id="{8CFEF47C-0831-4393-B358-F4F423116293}"/>
+              </a:ext>
+            </a:extLst>
+          </p:cNvPr>
+          <p:cNvSpPr txBox="1"/>
+          <p:nvPr/>
+        </p:nvSpPr>
+        <p:spPr>
+          <a:xfrm>
+            <a:off x="-224812" y="1380858"/>
+            <a:ext cx="6099462" cy="461665"/>
+          </a:xfrm>
+          <a:prstGeom prst="rect">
+            <a:avLst/>
+          </a:prstGeom>
+          <a:noFill/>
+        </p:spPr>
+        <p:txBody>
+          <a:bodyPr wrap="square">
+            <a:spAutoFit/>
+          </a:bodyPr>
+          <a:lstStyle/>
+          <a:p>
+            <a:pPr algn="ctr"/>
+            <a:r>
+              <a:rPr lang="en-US" sz="2400" b="1" dirty="0">
+                <a:latin typeface="Times New Roman" panose="02020603050405020304" pitchFamily="18" charset="0"/>
+                <a:cs typeface="Times New Roman" panose="02020603050405020304" pitchFamily="18" charset="0"/>
+              </a:rPr>
+              <a:t>Html code</a:t>
+            </a:r>
+            <a:endParaRPr lang="en-US" b="1" dirty="0">
+              <a:latin typeface="Times New Roman" panose="02020603050405020304" pitchFamily="18" charset="0"/>
+              <a:cs typeface="Times New Roman" panose="02020603050405020304" pitchFamily="18" charset="0"/>
+            </a:endParaRPr>
+          </a:p>
+        </p:txBody>
+      </p:sp>
+      <p:pic>
+        <p:nvPicPr>
+          <p:cNvPr id="2" name="صورة 1">
+            <a:extLst>
+              <a:ext uri="{FF2B5EF4-FFF2-40B4-BE49-F238E27FC236}">
+                <a16:creationId xmlns:a16="http://schemas.microsoft.com/office/drawing/2014/main" id="{FE50414B-BAEF-4970-8C53-1A8B3E7AD083}"/>
+              </a:ext>
+            </a:extLst>
+          </p:cNvPr>
+          <p:cNvPicPr>
+            <a:picLocks noChangeAspect="1"/>
+          </p:cNvPicPr>
+          <p:nvPr/>
+        </p:nvPicPr>
+        <p:blipFill>
+          <a:blip r:embed="rId3"/>
+          <a:stretch>
+            <a:fillRect/>
+          </a:stretch>
+        </p:blipFill>
+        <p:spPr>
+          <a:xfrm>
+            <a:off x="282287" y="2502267"/>
+            <a:ext cx="6057900" cy="2513210"/>
+          </a:xfrm>
+          <a:prstGeom prst="rect">
+            <a:avLst/>
+          </a:prstGeom>
+        </p:spPr>
+      </p:pic>
+      <p:pic>
+        <p:nvPicPr>
+          <p:cNvPr id="4" name="صورة 3">
+            <a:extLst>
+              <a:ext uri="{FF2B5EF4-FFF2-40B4-BE49-F238E27FC236}">
+                <a16:creationId xmlns:a16="http://schemas.microsoft.com/office/drawing/2014/main" id="{C6875D00-2335-4EAE-9BAE-B858784D3180}"/>
+              </a:ext>
+            </a:extLst>
+          </p:cNvPr>
+          <p:cNvPicPr>
+            <a:picLocks noChangeAspect="1"/>
+          </p:cNvPicPr>
+          <p:nvPr/>
+        </p:nvPicPr>
+        <p:blipFill>
+          <a:blip r:embed="rId4"/>
+          <a:stretch>
+            <a:fillRect/>
+          </a:stretch>
+        </p:blipFill>
+        <p:spPr>
+          <a:xfrm>
+            <a:off x="6670097" y="2502267"/>
+            <a:ext cx="4882861" cy="2513209"/>
+          </a:xfrm>
+          <a:prstGeom prst="rect">
+            <a:avLst/>
+          </a:prstGeom>
+        </p:spPr>
+      </p:pic>
+    </p:spTree>
+    <p:extLst>
+      <p:ext uri="{BB962C8B-B14F-4D97-AF65-F5344CB8AC3E}">
+        <p14:creationId xmlns:p14="http://schemas.microsoft.com/office/powerpoint/2010/main" val="187364660"/>
+      </p:ext>
+    </p:extLst>
+  </p:cSld>
+  <p:clrMapOvr>
+    <a:masterClrMapping/>
+  </p:clrMapOvr>
+  <mc:AlternateContent xmlns:mc="http://schemas.openxmlformats.org/markup-compatibility/2006">
+    <mc:Choice xmlns:p14="http://schemas.microsoft.com/office/powerpoint/2010/main" Requires="p14">
+      <p:transition spd="slow" p14:dur="1300">
+        <p14:pan dir="u"/>
+      </p:transition>
+    </mc:Choice>
+    <mc:Fallback>
       <p:transition spd="slow">
         <p:fade/>
       </p:transition>
@@ -7973,7 +11454,7 @@
                 <a:gridCol w="5257800">
                   <a:extLst>
                     <a:ext uri="{9D8B030D-6E8A-4147-A177-3AD203B41FA5}">
-                      <a16:colId xmlns:a16="http://schemas.microsoft.com/office/drawing/2014/main" xmlns="" val="20000"/>
+                      <a16:colId xmlns:a16="http://schemas.microsoft.com/office/drawing/2014/main" val="20000"/>
                     </a:ext>
                   </a:extLst>
                 </a:gridCol>
@@ -8000,7 +11481,7 @@
                 </a:tc>
                 <a:extLst>
                   <a:ext uri="{0D108BD9-81ED-4DB2-BD59-A6C34878D82A}">
-                    <a16:rowId xmlns:a16="http://schemas.microsoft.com/office/drawing/2014/main" xmlns="" val="10000"/>
+                    <a16:rowId xmlns:a16="http://schemas.microsoft.com/office/drawing/2014/main" val="10000"/>
                   </a:ext>
                 </a:extLst>
               </a:tr>
@@ -8021,7 +11502,7 @@
                 </a:tc>
                 <a:extLst>
                   <a:ext uri="{0D108BD9-81ED-4DB2-BD59-A6C34878D82A}">
-                    <a16:rowId xmlns:a16="http://schemas.microsoft.com/office/drawing/2014/main" xmlns="" val="10001"/>
+                    <a16:rowId xmlns:a16="http://schemas.microsoft.com/office/drawing/2014/main" val="10001"/>
                   </a:ext>
                 </a:extLst>
               </a:tr>
@@ -8067,7 +11548,7 @@
                 </a:tc>
                 <a:extLst>
                   <a:ext uri="{0D108BD9-81ED-4DB2-BD59-A6C34878D82A}">
-                    <a16:rowId xmlns:a16="http://schemas.microsoft.com/office/drawing/2014/main" xmlns="" val="10002"/>
+                    <a16:rowId xmlns:a16="http://schemas.microsoft.com/office/drawing/2014/main" val="10002"/>
                   </a:ext>
                 </a:extLst>
               </a:tr>
@@ -8118,23 +11599,38 @@
           <a:p>
             <a:pPr algn="ctr"/>
             <a:r>
-              <a:rPr lang="ar-SY" sz="4800" b="1" dirty="0"/>
+              <a:rPr lang="ar-SY" sz="4800" b="1" dirty="0">
+                <a:latin typeface="Simplified Arabic" panose="02020603050405020304" pitchFamily="18" charset="-78"/>
+                <a:cs typeface="Simplified Arabic" panose="02020603050405020304" pitchFamily="18" charset="-78"/>
+              </a:rPr>
               <a:t>الويب        </a:t>
             </a:r>
             <a:r>
-              <a:rPr lang="en-US" sz="4800" b="1" dirty="0"/>
+              <a:rPr lang="en-US" sz="4800" b="1" dirty="0">
+                <a:latin typeface="Simplified Arabic" panose="02020603050405020304" pitchFamily="18" charset="-78"/>
+                <a:cs typeface="Simplified Arabic" panose="02020603050405020304" pitchFamily="18" charset="-78"/>
+              </a:rPr>
               <a:t> </a:t>
             </a:r>
             <a:r>
-              <a:rPr lang="en-US" sz="6000" b="1" dirty="0"/>
+              <a:rPr lang="en-US" sz="6000" b="1" dirty="0">
+                <a:latin typeface="Simplified Arabic" panose="02020603050405020304" pitchFamily="18" charset="-78"/>
+                <a:cs typeface="Simplified Arabic" panose="02020603050405020304" pitchFamily="18" charset="-78"/>
+              </a:rPr>
               <a:t>X</a:t>
             </a:r>
             <a:r>
-              <a:rPr lang="ar-SY" sz="6000" b="1" dirty="0"/>
+              <a:rPr lang="ar-SY" sz="6000" b="1" dirty="0">
+                <a:latin typeface="Simplified Arabic" panose="02020603050405020304" pitchFamily="18" charset="-78"/>
+                <a:cs typeface="Simplified Arabic" panose="02020603050405020304" pitchFamily="18" charset="-78"/>
+              </a:rPr>
               <a:t>     </a:t>
             </a:r>
             <a:r>
-              <a:rPr lang="ar-SY" sz="4800" b="1" dirty="0"/>
+              <a:rPr lang="ar-SY" sz="4800" b="1" dirty="0">
+                <a:latin typeface="Simplified Arabic" panose="02020603050405020304" pitchFamily="18" charset="-78"/>
+                <a:cs typeface="Simplified Arabic" panose="02020603050405020304" pitchFamily="18" charset="-78"/>
+              </a:rPr>
               <a:t>الانترنت</a:t>
             </a:r>
           </a:p>
@@ -8168,7 +11664,7 @@
                 <a:gridCol w="5257800">
                   <a:extLst>
                     <a:ext uri="{9D8B030D-6E8A-4147-A177-3AD203B41FA5}">
-                      <a16:colId xmlns:a16="http://schemas.microsoft.com/office/drawing/2014/main" xmlns="" val="20000"/>
+                      <a16:colId xmlns:a16="http://schemas.microsoft.com/office/drawing/2014/main" val="20000"/>
                     </a:ext>
                   </a:extLst>
                 </a:gridCol>
@@ -8195,7 +11691,7 @@
                 </a:tc>
                 <a:extLst>
                   <a:ext uri="{0D108BD9-81ED-4DB2-BD59-A6C34878D82A}">
-                    <a16:rowId xmlns:a16="http://schemas.microsoft.com/office/drawing/2014/main" xmlns="" val="10000"/>
+                    <a16:rowId xmlns:a16="http://schemas.microsoft.com/office/drawing/2014/main" val="10000"/>
                   </a:ext>
                 </a:extLst>
               </a:tr>
@@ -8221,7 +11717,7 @@
                 </a:tc>
                 <a:extLst>
                   <a:ext uri="{0D108BD9-81ED-4DB2-BD59-A6C34878D82A}">
-                    <a16:rowId xmlns:a16="http://schemas.microsoft.com/office/drawing/2014/main" xmlns="" val="10001"/>
+                    <a16:rowId xmlns:a16="http://schemas.microsoft.com/office/drawing/2014/main" val="10001"/>
                   </a:ext>
                 </a:extLst>
               </a:tr>
@@ -8262,7 +11758,7 @@
                 </a:tc>
                 <a:extLst>
                   <a:ext uri="{0D108BD9-81ED-4DB2-BD59-A6C34878D82A}">
-                    <a16:rowId xmlns:a16="http://schemas.microsoft.com/office/drawing/2014/main" xmlns="" val="10002"/>
+                    <a16:rowId xmlns:a16="http://schemas.microsoft.com/office/drawing/2014/main" val="10002"/>
                   </a:ext>
                 </a:extLst>
               </a:tr>
@@ -8381,14 +11877,23 @@
           <a:p>
             <a:pPr algn="ctr"/>
             <a:r>
-              <a:rPr lang="en-US" sz="4800" b="1" dirty="0" err="1"/>
+              <a:rPr lang="en-US" sz="4800" b="1" dirty="0" err="1">
+                <a:latin typeface="Times New Roman" panose="02020603050405020304" pitchFamily="18" charset="0"/>
+                <a:cs typeface="Times New Roman" panose="02020603050405020304" pitchFamily="18" charset="0"/>
+              </a:rPr>
               <a:t>Ip</a:t>
             </a:r>
             <a:r>
-              <a:rPr lang="en-US" sz="4800" b="1" dirty="0"/>
+              <a:rPr lang="en-US" sz="4800" b="1" dirty="0">
+                <a:latin typeface="Times New Roman" panose="02020603050405020304" pitchFamily="18" charset="0"/>
+                <a:cs typeface="Times New Roman" panose="02020603050405020304" pitchFamily="18" charset="0"/>
+              </a:rPr>
               <a:t> address</a:t>
             </a:r>
-            <a:endParaRPr lang="ar-SY" b="1" dirty="0"/>
+            <a:endParaRPr lang="ar-SY" b="1" dirty="0">
+              <a:latin typeface="Times New Roman" panose="02020603050405020304" pitchFamily="18" charset="0"/>
+              <a:cs typeface="Times New Roman" panose="02020603050405020304" pitchFamily="18" charset="0"/>
+            </a:endParaRPr>
           </a:p>
         </p:txBody>
       </p:sp>
@@ -8451,14 +11956,23 @@
           <a:p>
             <a:pPr algn="ctr"/>
             <a:r>
-              <a:rPr lang="en-US" sz="4800" b="1" dirty="0" err="1"/>
+              <a:rPr lang="en-US" sz="4800" b="1" dirty="0" err="1">
+                <a:latin typeface="Times New Roman" panose="02020603050405020304" pitchFamily="18" charset="0"/>
+                <a:cs typeface="Times New Roman" panose="02020603050405020304" pitchFamily="18" charset="0"/>
+              </a:rPr>
               <a:t>Ip</a:t>
             </a:r>
             <a:r>
-              <a:rPr lang="en-US" sz="4800" b="1" dirty="0"/>
+              <a:rPr lang="en-US" sz="4800" b="1" dirty="0">
+                <a:latin typeface="Times New Roman" panose="02020603050405020304" pitchFamily="18" charset="0"/>
+                <a:cs typeface="Times New Roman" panose="02020603050405020304" pitchFamily="18" charset="0"/>
+              </a:rPr>
               <a:t> address</a:t>
             </a:r>
-            <a:endParaRPr lang="ar-SY" sz="4800" b="1" dirty="0"/>
+            <a:endParaRPr lang="ar-SY" sz="4800" b="1" dirty="0">
+              <a:latin typeface="Times New Roman" panose="02020603050405020304" pitchFamily="18" charset="0"/>
+              <a:cs typeface="Times New Roman" panose="02020603050405020304" pitchFamily="18" charset="0"/>
+            </a:endParaRPr>
           </a:p>
         </p:txBody>
       </p:sp>
@@ -8547,10 +12061,16 @@
           <a:p>
             <a:pPr algn="ctr"/>
             <a:r>
-              <a:rPr lang="en-US" sz="4800" b="1" dirty="0"/>
+              <a:rPr lang="en-US" sz="4800" b="1" dirty="0">
+                <a:latin typeface="Times New Roman" panose="02020603050405020304" pitchFamily="18" charset="0"/>
+                <a:cs typeface="Times New Roman" panose="02020603050405020304" pitchFamily="18" charset="0"/>
+              </a:rPr>
               <a:t>Domain name</a:t>
             </a:r>
-            <a:endParaRPr lang="ar-SY" sz="4800" b="1" dirty="0"/>
+            <a:endParaRPr lang="ar-SY" sz="4800" b="1" dirty="0">
+              <a:latin typeface="Times New Roman" panose="02020603050405020304" pitchFamily="18" charset="0"/>
+              <a:cs typeface="Times New Roman" panose="02020603050405020304" pitchFamily="18" charset="0"/>
+            </a:endParaRPr>
           </a:p>
         </p:txBody>
       </p:sp>
@@ -8644,10 +12164,16 @@
           <a:p>
             <a:pPr algn="ctr"/>
             <a:r>
-              <a:rPr lang="en-US" sz="4800" b="1" dirty="0"/>
+              <a:rPr lang="en-US" sz="4800" b="1" dirty="0">
+                <a:latin typeface="Times New Roman" panose="02020603050405020304" pitchFamily="18" charset="0"/>
+                <a:cs typeface="Times New Roman" panose="02020603050405020304" pitchFamily="18" charset="0"/>
+              </a:rPr>
               <a:t>DNS </a:t>
             </a:r>
-            <a:endParaRPr lang="ar-SY" sz="4800" b="1" dirty="0"/>
+            <a:endParaRPr lang="ar-SY" sz="4800" b="1" dirty="0">
+              <a:latin typeface="Times New Roman" panose="02020603050405020304" pitchFamily="18" charset="0"/>
+              <a:cs typeface="Times New Roman" panose="02020603050405020304" pitchFamily="18" charset="0"/>
+            </a:endParaRPr>
           </a:p>
         </p:txBody>
       </p:sp>
@@ -8736,10 +12262,16 @@
           <a:p>
             <a:pPr algn="ctr"/>
             <a:r>
-              <a:rPr lang="en-US" sz="4800" b="1" dirty="0"/>
+              <a:rPr lang="en-US" sz="4800" b="1" dirty="0">
+                <a:latin typeface="Times New Roman" panose="02020603050405020304" pitchFamily="18" charset="0"/>
+                <a:cs typeface="Times New Roman" panose="02020603050405020304" pitchFamily="18" charset="0"/>
+              </a:rPr>
               <a:t>Domain name</a:t>
             </a:r>
-            <a:endParaRPr lang="ar-SY" sz="4800" b="1" dirty="0"/>
+            <a:endParaRPr lang="ar-SY" sz="4800" b="1" dirty="0">
+              <a:latin typeface="Times New Roman" panose="02020603050405020304" pitchFamily="18" charset="0"/>
+              <a:cs typeface="Times New Roman" panose="02020603050405020304" pitchFamily="18" charset="0"/>
+            </a:endParaRPr>
           </a:p>
         </p:txBody>
       </p:sp>
@@ -8833,10 +12365,16 @@
           <a:p>
             <a:pPr algn="ctr"/>
             <a:r>
-              <a:rPr lang="en-US" sz="4800" b="1" dirty="0"/>
+              <a:rPr lang="en-US" sz="4800" b="1" dirty="0">
+                <a:latin typeface="Times New Roman" panose="02020603050405020304" pitchFamily="18" charset="0"/>
+                <a:cs typeface="Times New Roman" panose="02020603050405020304" pitchFamily="18" charset="0"/>
+              </a:rPr>
               <a:t>Client Server</a:t>
             </a:r>
-            <a:endParaRPr lang="ar-SY" sz="4800" b="1" dirty="0"/>
+            <a:endParaRPr lang="ar-SY" sz="4800" b="1" dirty="0">
+              <a:latin typeface="Times New Roman" panose="02020603050405020304" pitchFamily="18" charset="0"/>
+              <a:cs typeface="Times New Roman" panose="02020603050405020304" pitchFamily="18" charset="0"/>
+            </a:endParaRPr>
           </a:p>
         </p:txBody>
       </p:sp>

--- a/web.pptx
+++ b/web.pptx
@@ -5,7 +5,7 @@
     <p:sldMasterId id="2147483840" r:id="rId1"/>
   </p:sldMasterIdLst>
   <p:notesMasterIdLst>
-    <p:notesMasterId r:id="rId30"/>
+    <p:notesMasterId r:id="rId32"/>
   </p:notesMasterIdLst>
   <p:sldIdLst>
     <p:sldId id="256" r:id="rId2"/>
@@ -36,6 +36,8 @@
     <p:sldId id="282" r:id="rId27"/>
     <p:sldId id="283" r:id="rId28"/>
     <p:sldId id="280" r:id="rId29"/>
+    <p:sldId id="284" r:id="rId30"/>
+    <p:sldId id="285" r:id="rId31"/>
   </p:sldIdLst>
   <p:sldSz cx="12192000" cy="6858000"/>
   <p:notesSz cx="6858000" cy="9144000"/>
@@ -3324,15 +3326,19 @@
               <a:rPr lang="ar-SA" dirty="0"/>
               <a:t>في الروابط النسبية </a:t>
             </a:r>
+            <a:r>
+              <a:rPr lang="ar-SA" dirty="0" smtClean="0"/>
+              <a:t/>
+            </a:r>
             <a:br>
-              <a:rPr lang="ar-SA" dirty="0"/>
+              <a:rPr lang="ar-SA" dirty="0" smtClean="0"/>
             </a:br>
             <a:r>
-              <a:rPr lang="ar-SA" dirty="0" err="1"/>
+              <a:rPr lang="ar-SA" dirty="0" err="1" smtClean="0"/>
               <a:t>نستخدام</a:t>
             </a:r>
             <a:r>
-              <a:rPr lang="ar-SA" dirty="0"/>
+              <a:rPr lang="ar-SA" dirty="0" smtClean="0"/>
               <a:t> </a:t>
             </a:r>
             <a:r>
@@ -3508,6 +3514,145 @@
 </p:notes>
 </file>
 
+<file path=ppt/notesSlides/notesSlide29.xml><?xml version="1.0" encoding="utf-8"?>
+<p:notes xmlns:a="http://schemas.openxmlformats.org/drawingml/2006/main" xmlns:r="http://schemas.openxmlformats.org/officeDocument/2006/relationships" xmlns:p="http://schemas.openxmlformats.org/presentationml/2006/main">
+  <p:cSld>
+    <p:spTree>
+      <p:nvGrpSpPr>
+        <p:cNvPr id="1" name=""/>
+        <p:cNvGrpSpPr/>
+        <p:nvPr/>
+      </p:nvGrpSpPr>
+      <p:grpSpPr>
+        <a:xfrm>
+          <a:off x="0" y="0"/>
+          <a:ext cx="0" cy="0"/>
+          <a:chOff x="0" y="0"/>
+          <a:chExt cx="0" cy="0"/>
+        </a:xfrm>
+      </p:grpSpPr>
+      <p:sp>
+        <p:nvSpPr>
+          <p:cNvPr id="2" name="عنصر نائب لصورة الشريحة 1"/>
+          <p:cNvSpPr>
+            <a:spLocks noGrp="1" noRot="1" noChangeAspect="1"/>
+          </p:cNvSpPr>
+          <p:nvPr>
+            <p:ph type="sldImg"/>
+          </p:nvPr>
+        </p:nvSpPr>
+        <p:spPr/>
+      </p:sp>
+      <p:sp>
+        <p:nvSpPr>
+          <p:cNvPr id="3" name="عنصر نائب للملاحظات 2"/>
+          <p:cNvSpPr>
+            <a:spLocks noGrp="1"/>
+          </p:cNvSpPr>
+          <p:nvPr>
+            <p:ph type="body" idx="1"/>
+          </p:nvPr>
+        </p:nvSpPr>
+        <p:spPr/>
+        <p:txBody>
+          <a:bodyPr/>
+          <a:lstStyle/>
+          <a:p>
+            <a:r>
+              <a:rPr lang="ar-SY" dirty="0" smtClean="0"/>
+              <a:t>لعرض</a:t>
+            </a:r>
+            <a:r>
+              <a:rPr lang="ar-SY" baseline="0" dirty="0" smtClean="0"/>
+              <a:t> صورة نستخدم </a:t>
+            </a:r>
+            <a:r>
+              <a:rPr lang="ar-SY" baseline="0" dirty="0" err="1" smtClean="0"/>
+              <a:t>تاغ</a:t>
+            </a:r>
+            <a:r>
+              <a:rPr lang="ar-SY" baseline="0" dirty="0" smtClean="0"/>
+              <a:t> </a:t>
+            </a:r>
+            <a:r>
+              <a:rPr lang="en-US" baseline="0" dirty="0" err="1" smtClean="0"/>
+              <a:t>img</a:t>
+            </a:r>
+            <a:r>
+              <a:rPr lang="en-US" baseline="0" dirty="0" smtClean="0"/>
+              <a:t>  </a:t>
+            </a:r>
+            <a:r>
+              <a:rPr lang="ar-SY" baseline="0" dirty="0" smtClean="0"/>
+              <a:t>  :</a:t>
+            </a:r>
+          </a:p>
+          <a:p>
+            <a:r>
+              <a:rPr lang="ar-SY" baseline="0" dirty="0" smtClean="0"/>
+              <a:t>يتم تحديد موقع الصورة المطلوبة : باستخدام  الواصفة </a:t>
+            </a:r>
+            <a:r>
+              <a:rPr lang="en-US" baseline="0" dirty="0" err="1" smtClean="0"/>
+              <a:t>src</a:t>
+            </a:r>
+            <a:endParaRPr lang="en-US" baseline="0" dirty="0" smtClean="0"/>
+          </a:p>
+          <a:p>
+            <a:r>
+              <a:rPr lang="ar-SY" baseline="0" dirty="0" smtClean="0"/>
+              <a:t>في حال وجود مشكلة في تحميل الصورة يتم عرض النص البديل المكتوب في الواصفة </a:t>
+            </a:r>
+            <a:r>
+              <a:rPr lang="en-US" baseline="0" dirty="0" smtClean="0"/>
+              <a:t>alt</a:t>
+            </a:r>
+            <a:endParaRPr lang="ar-SY" baseline="0" dirty="0" smtClean="0"/>
+          </a:p>
+          <a:p>
+            <a:r>
+              <a:rPr lang="ar-SY" baseline="0" dirty="0" smtClean="0"/>
+              <a:t>يمكن تحديد طول و عرض الصورة </a:t>
+            </a:r>
+          </a:p>
+        </p:txBody>
+      </p:sp>
+      <p:sp>
+        <p:nvSpPr>
+          <p:cNvPr id="4" name="عنصر نائب لرقم الشريحة 3"/>
+          <p:cNvSpPr>
+            <a:spLocks noGrp="1"/>
+          </p:cNvSpPr>
+          <p:nvPr>
+            <p:ph type="sldNum" sz="quarter" idx="5"/>
+          </p:nvPr>
+        </p:nvSpPr>
+        <p:spPr/>
+        <p:txBody>
+          <a:bodyPr/>
+          <a:lstStyle/>
+          <a:p>
+            <a:fld id="{CC320E0A-D0AF-4D7D-9A21-388A396A7CCB}" type="slidenum">
+              <a:rPr lang="ar-SY" smtClean="0"/>
+              <a:t>29</a:t>
+            </a:fld>
+            <a:endParaRPr lang="ar-SY"/>
+          </a:p>
+        </p:txBody>
+      </p:sp>
+    </p:spTree>
+    <p:extLst>
+      <p:ext uri="{BB962C8B-B14F-4D97-AF65-F5344CB8AC3E}">
+        <p14:creationId xmlns:p14="http://schemas.microsoft.com/office/powerpoint/2010/main" val="258870236"/>
+      </p:ext>
+    </p:extLst>
+  </p:cSld>
+  <p:clrMapOvr>
+    <a:masterClrMapping/>
+  </p:clrMapOvr>
+</p:notes>
+</file>
+
 <file path=ppt/notesSlides/notesSlide3.xml><?xml version="1.0" encoding="utf-8"?>
 <p:notes xmlns:a="http://schemas.openxmlformats.org/drawingml/2006/main" xmlns:r="http://schemas.openxmlformats.org/officeDocument/2006/relationships" xmlns:p="http://schemas.openxmlformats.org/presentationml/2006/main">
   <p:cSld>
@@ -3583,6 +3728,151 @@
     <p:extLst>
       <p:ext uri="{BB962C8B-B14F-4D97-AF65-F5344CB8AC3E}">
         <p14:creationId xmlns:p14="http://schemas.microsoft.com/office/powerpoint/2010/main" val="1109766447"/>
+      </p:ext>
+    </p:extLst>
+  </p:cSld>
+  <p:clrMapOvr>
+    <a:masterClrMapping/>
+  </p:clrMapOvr>
+</p:notes>
+</file>
+
+<file path=ppt/notesSlides/notesSlide30.xml><?xml version="1.0" encoding="utf-8"?>
+<p:notes xmlns:a="http://schemas.openxmlformats.org/drawingml/2006/main" xmlns:r="http://schemas.openxmlformats.org/officeDocument/2006/relationships" xmlns:p="http://schemas.openxmlformats.org/presentationml/2006/main">
+  <p:cSld>
+    <p:spTree>
+      <p:nvGrpSpPr>
+        <p:cNvPr id="1" name=""/>
+        <p:cNvGrpSpPr/>
+        <p:nvPr/>
+      </p:nvGrpSpPr>
+      <p:grpSpPr>
+        <a:xfrm>
+          <a:off x="0" y="0"/>
+          <a:ext cx="0" cy="0"/>
+          <a:chOff x="0" y="0"/>
+          <a:chExt cx="0" cy="0"/>
+        </a:xfrm>
+      </p:grpSpPr>
+      <p:sp>
+        <p:nvSpPr>
+          <p:cNvPr id="2" name="عنصر نائب لصورة الشريحة 1"/>
+          <p:cNvSpPr>
+            <a:spLocks noGrp="1" noRot="1" noChangeAspect="1"/>
+          </p:cNvSpPr>
+          <p:nvPr>
+            <p:ph type="sldImg"/>
+          </p:nvPr>
+        </p:nvSpPr>
+        <p:spPr/>
+      </p:sp>
+      <p:sp>
+        <p:nvSpPr>
+          <p:cNvPr id="3" name="عنصر نائب للملاحظات 2"/>
+          <p:cNvSpPr>
+            <a:spLocks noGrp="1"/>
+          </p:cNvSpPr>
+          <p:nvPr>
+            <p:ph type="body" idx="1"/>
+          </p:nvPr>
+        </p:nvSpPr>
+        <p:spPr/>
+        <p:txBody>
+          <a:bodyPr/>
+          <a:lstStyle/>
+          <a:p>
+            <a:r>
+              <a:rPr lang="ar-SY" dirty="0" smtClean="0"/>
+              <a:t>لعرض</a:t>
+            </a:r>
+            <a:r>
+              <a:rPr lang="ar-SY" baseline="0" dirty="0" smtClean="0"/>
+              <a:t> صورة نستخدم </a:t>
+            </a:r>
+            <a:r>
+              <a:rPr lang="ar-SY" baseline="0" dirty="0" err="1" smtClean="0"/>
+              <a:t>تاغ</a:t>
+            </a:r>
+            <a:r>
+              <a:rPr lang="ar-SY" baseline="0" dirty="0" smtClean="0"/>
+              <a:t> </a:t>
+            </a:r>
+            <a:r>
+              <a:rPr lang="en-US" baseline="0" dirty="0" err="1" smtClean="0"/>
+              <a:t>img</a:t>
+            </a:r>
+            <a:r>
+              <a:rPr lang="en-US" baseline="0" dirty="0" smtClean="0"/>
+              <a:t>  </a:t>
+            </a:r>
+            <a:r>
+              <a:rPr lang="ar-SY" baseline="0" dirty="0" smtClean="0"/>
+              <a:t>  :</a:t>
+            </a:r>
+          </a:p>
+          <a:p>
+            <a:r>
+              <a:rPr lang="ar-SY" baseline="0" dirty="0" smtClean="0"/>
+              <a:t>يتم تحديد موقع الصورة المطلوبة : باستخدام  الواصفة </a:t>
+            </a:r>
+            <a:r>
+              <a:rPr lang="en-US" baseline="0" dirty="0" err="1" smtClean="0"/>
+              <a:t>src</a:t>
+            </a:r>
+            <a:endParaRPr lang="en-US" baseline="0" dirty="0" smtClean="0"/>
+          </a:p>
+          <a:p>
+            <a:r>
+              <a:rPr lang="ar-SY" baseline="0" dirty="0" smtClean="0"/>
+              <a:t>في حال وجود مشكلة في تحميل الصورة يتم عرض النص البديل المكتوب في الواصفة </a:t>
+            </a:r>
+            <a:r>
+              <a:rPr lang="en-US" baseline="0" dirty="0" smtClean="0"/>
+              <a:t>alt</a:t>
+            </a:r>
+            <a:endParaRPr lang="ar-SY" baseline="0" dirty="0" smtClean="0"/>
+          </a:p>
+          <a:p>
+            <a:r>
+              <a:rPr lang="ar-SY" baseline="0" dirty="0" smtClean="0"/>
+              <a:t>يمكن تحديد طول و عرض الصورة </a:t>
+            </a:r>
+          </a:p>
+          <a:p>
+            <a:r>
+              <a:rPr lang="ar-SY" baseline="0" dirty="0" smtClean="0"/>
+              <a:t>في حال تم طلب صورة غير موجودة سيظهر النص البديل</a:t>
+            </a:r>
+          </a:p>
+        </p:txBody>
+      </p:sp>
+      <p:sp>
+        <p:nvSpPr>
+          <p:cNvPr id="4" name="عنصر نائب لرقم الشريحة 3"/>
+          <p:cNvSpPr>
+            <a:spLocks noGrp="1"/>
+          </p:cNvSpPr>
+          <p:nvPr>
+            <p:ph type="sldNum" sz="quarter" idx="5"/>
+          </p:nvPr>
+        </p:nvSpPr>
+        <p:spPr/>
+        <p:txBody>
+          <a:bodyPr/>
+          <a:lstStyle/>
+          <a:p>
+            <a:fld id="{CC320E0A-D0AF-4D7D-9A21-388A396A7CCB}" type="slidenum">
+              <a:rPr lang="ar-SY" smtClean="0"/>
+              <a:t>30</a:t>
+            </a:fld>
+            <a:endParaRPr lang="ar-SY"/>
+          </a:p>
+        </p:txBody>
+      </p:sp>
+    </p:spTree>
+    <p:extLst>
+      <p:ext uri="{BB962C8B-B14F-4D97-AF65-F5344CB8AC3E}">
+        <p14:creationId xmlns:p14="http://schemas.microsoft.com/office/powerpoint/2010/main" val="4023587661"/>
       </p:ext>
     </p:extLst>
   </p:cSld>
@@ -8058,7 +8348,7 @@
           <p:cNvPr id="2" name="عنوان 1">
             <a:extLst>
               <a:ext uri="{FF2B5EF4-FFF2-40B4-BE49-F238E27FC236}">
-                <a16:creationId xmlns:a16="http://schemas.microsoft.com/office/drawing/2014/main" id="{FABE6D8F-611E-4C3A-BF03-368EA85E2E4C}"/>
+                <a16:creationId xmlns:a16="http://schemas.microsoft.com/office/drawing/2014/main" xmlns="" id="{FABE6D8F-611E-4C3A-BF03-368EA85E2E4C}"/>
               </a:ext>
             </a:extLst>
           </p:cNvPr>
@@ -8092,7 +8382,7 @@
           <p:cNvPr id="10" name="صورة 9">
             <a:extLst>
               <a:ext uri="{FF2B5EF4-FFF2-40B4-BE49-F238E27FC236}">
-                <a16:creationId xmlns:a16="http://schemas.microsoft.com/office/drawing/2014/main" id="{CDC21F2B-6FF8-4358-A469-D6EA8318A295}"/>
+                <a16:creationId xmlns:a16="http://schemas.microsoft.com/office/drawing/2014/main" xmlns="" id="{CDC21F2B-6FF8-4358-A469-D6EA8318A295}"/>
               </a:ext>
             </a:extLst>
           </p:cNvPr>
@@ -8164,7 +8454,7 @@
           <p:cNvPr id="2" name="عنوان 1">
             <a:extLst>
               <a:ext uri="{FF2B5EF4-FFF2-40B4-BE49-F238E27FC236}">
-                <a16:creationId xmlns:a16="http://schemas.microsoft.com/office/drawing/2014/main" id="{9453BCD2-7A68-48FC-AE50-605253AD70DE}"/>
+                <a16:creationId xmlns:a16="http://schemas.microsoft.com/office/drawing/2014/main" xmlns="" id="{9453BCD2-7A68-48FC-AE50-605253AD70DE}"/>
               </a:ext>
             </a:extLst>
           </p:cNvPr>
@@ -8274,7 +8564,7 @@
           <p:cNvPr id="2" name="عنوان 1">
             <a:extLst>
               <a:ext uri="{FF2B5EF4-FFF2-40B4-BE49-F238E27FC236}">
-                <a16:creationId xmlns:a16="http://schemas.microsoft.com/office/drawing/2014/main" id="{9453BCD2-7A68-48FC-AE50-605253AD70DE}"/>
+                <a16:creationId xmlns:a16="http://schemas.microsoft.com/office/drawing/2014/main" xmlns="" id="{9453BCD2-7A68-48FC-AE50-605253AD70DE}"/>
               </a:ext>
             </a:extLst>
           </p:cNvPr>
@@ -8457,6 +8747,13 @@
       </p:transition>
     </mc:Fallback>
   </mc:AlternateContent>
+  <p:timing>
+    <p:tnLst>
+      <p:par>
+        <p:cTn id="1" dur="indefinite" restart="never" nodeType="tmRoot"/>
+      </p:par>
+    </p:tnLst>
+  </p:timing>
 </p:sld>
 </file>
 
@@ -8507,6 +8804,13 @@
               </a:rPr>
               <a:t>HTML</a:t>
             </a:r>
+            <a:r>
+              <a:rPr lang="ar-SY" sz="4800" b="1" dirty="0">
+                <a:latin typeface="Times New Roman" panose="02020603050405020304" pitchFamily="18" charset="0"/>
+                <a:cs typeface="Times New Roman" panose="02020603050405020304" pitchFamily="18" charset="0"/>
+              </a:rPr>
+              <a:t/>
+            </a:r>
             <a:br>
               <a:rPr lang="ar-SY" sz="4800" b="1" dirty="0">
                 <a:latin typeface="Times New Roman" panose="02020603050405020304" pitchFamily="18" charset="0"/>
@@ -8533,6 +8837,13 @@
                 <a:cs typeface="Times New Roman" panose="02020603050405020304" pitchFamily="18" charset="0"/>
               </a:rPr>
               <a:t> </a:t>
+            </a:r>
+            <a:r>
+              <a:rPr lang="ar-SY" b="1" dirty="0">
+                <a:latin typeface="Times New Roman" panose="02020603050405020304" pitchFamily="18" charset="0"/>
+                <a:cs typeface="Times New Roman" panose="02020603050405020304" pitchFamily="18" charset="0"/>
+              </a:rPr>
+              <a:t/>
             </a:r>
             <a:br>
               <a:rPr lang="ar-SY" b="1" dirty="0">
@@ -8599,6 +8910,13 @@
       </p:transition>
     </mc:Fallback>
   </mc:AlternateContent>
+  <p:timing>
+    <p:tnLst>
+      <p:par>
+        <p:cTn id="1" dur="indefinite" restart="never" nodeType="tmRoot"/>
+      </p:par>
+    </p:tnLst>
+  </p:timing>
 </p:sld>
 </file>
 
@@ -8765,6 +9083,13 @@
       </p:transition>
     </mc:Fallback>
   </mc:AlternateContent>
+  <p:timing>
+    <p:tnLst>
+      <p:par>
+        <p:cTn id="1" dur="indefinite" restart="never" nodeType="tmRoot"/>
+      </p:par>
+    </p:tnLst>
+  </p:timing>
 </p:sld>
 </file>
 
@@ -8825,7 +9150,7 @@
           <p:cNvPr id="9" name="عنصر نائب للمحتوى 8">
             <a:extLst>
               <a:ext uri="{FF2B5EF4-FFF2-40B4-BE49-F238E27FC236}">
-                <a16:creationId xmlns:a16="http://schemas.microsoft.com/office/drawing/2014/main" id="{B58E1CAF-B84C-4BCB-8BC6-3CD58F6A7A7D}"/>
+                <a16:creationId xmlns:a16="http://schemas.microsoft.com/office/drawing/2014/main" xmlns="" id="{B58E1CAF-B84C-4BCB-8BC6-3CD58F6A7A7D}"/>
               </a:ext>
             </a:extLst>
           </p:cNvPr>
@@ -8864,18 +9189,25 @@
   <p:clrMapOvr>
     <a:masterClrMapping/>
   </p:clrMapOvr>
-  <mc:AlternateContent xmlns:mc="http://schemas.openxmlformats.org/markup-compatibility/2006">
-    <mc:Choice xmlns:p14="http://schemas.microsoft.com/office/powerpoint/2010/main" Requires="p14">
+  <mc:AlternateContent xmlns:mc="http://schemas.openxmlformats.org/markup-compatibility/2006" xmlns:p14="http://schemas.microsoft.com/office/powerpoint/2010/main">
+    <mc:Choice Requires="p14">
       <p:transition spd="slow" p14:dur="1300">
         <p14:pan dir="u"/>
       </p:transition>
     </mc:Choice>
-    <mc:Fallback>
+    <mc:Fallback xmlns="">
       <p:transition spd="slow">
         <p:fade/>
       </p:transition>
     </mc:Fallback>
   </mc:AlternateContent>
+  <p:timing>
+    <p:tnLst>
+      <p:par>
+        <p:cTn id="1" dur="indefinite" restart="never" nodeType="tmRoot"/>
+      </p:par>
+    </p:tnLst>
+  </p:timing>
 </p:sld>
 </file>
 
@@ -8901,7 +9233,7 @@
           <p:cNvPr id="2" name="عنوان 1">
             <a:extLst>
               <a:ext uri="{FF2B5EF4-FFF2-40B4-BE49-F238E27FC236}">
-                <a16:creationId xmlns:a16="http://schemas.microsoft.com/office/drawing/2014/main" id="{89087E62-C074-44DD-88B6-10B6A5C59792}"/>
+                <a16:creationId xmlns:a16="http://schemas.microsoft.com/office/drawing/2014/main" xmlns="" id="{89087E62-C074-44DD-88B6-10B6A5C59792}"/>
               </a:ext>
             </a:extLst>
           </p:cNvPr>
@@ -8942,7 +9274,7 @@
           <p:cNvPr id="4" name="صورة 3">
             <a:extLst>
               <a:ext uri="{FF2B5EF4-FFF2-40B4-BE49-F238E27FC236}">
-                <a16:creationId xmlns:a16="http://schemas.microsoft.com/office/drawing/2014/main" id="{ABBF89EF-80EE-4382-94CE-0E51FAEAFAA2}"/>
+                <a16:creationId xmlns:a16="http://schemas.microsoft.com/office/drawing/2014/main" xmlns="" id="{ABBF89EF-80EE-4382-94CE-0E51FAEAFAA2}"/>
               </a:ext>
             </a:extLst>
           </p:cNvPr>
@@ -8972,7 +9304,7 @@
           <p:cNvPr id="5" name="صورة 4">
             <a:extLst>
               <a:ext uri="{FF2B5EF4-FFF2-40B4-BE49-F238E27FC236}">
-                <a16:creationId xmlns:a16="http://schemas.microsoft.com/office/drawing/2014/main" id="{E1C0DBFA-4892-4CDC-84F0-6253AB3B58C9}"/>
+                <a16:creationId xmlns:a16="http://schemas.microsoft.com/office/drawing/2014/main" xmlns="" id="{E1C0DBFA-4892-4CDC-84F0-6253AB3B58C9}"/>
               </a:ext>
             </a:extLst>
           </p:cNvPr>
@@ -9019,6 +9351,13 @@
       </p:transition>
     </mc:Fallback>
   </mc:AlternateContent>
+  <p:timing>
+    <p:tnLst>
+      <p:par>
+        <p:cTn id="1" dur="indefinite" restart="never" nodeType="tmRoot"/>
+      </p:par>
+    </p:tnLst>
+  </p:timing>
 </p:sld>
 </file>
 
@@ -9044,7 +9383,7 @@
           <p:cNvPr id="2" name="عنوان 1">
             <a:extLst>
               <a:ext uri="{FF2B5EF4-FFF2-40B4-BE49-F238E27FC236}">
-                <a16:creationId xmlns:a16="http://schemas.microsoft.com/office/drawing/2014/main" id="{4BE56A2F-8525-427B-B8BD-D2B1D8D7208B}"/>
+                <a16:creationId xmlns:a16="http://schemas.microsoft.com/office/drawing/2014/main" xmlns="" id="{4BE56A2F-8525-427B-B8BD-D2B1D8D7208B}"/>
               </a:ext>
             </a:extLst>
           </p:cNvPr>
@@ -9103,7 +9442,7 @@
           <p:cNvPr id="3" name="صورة 2">
             <a:extLst>
               <a:ext uri="{FF2B5EF4-FFF2-40B4-BE49-F238E27FC236}">
-                <a16:creationId xmlns:a16="http://schemas.microsoft.com/office/drawing/2014/main" id="{C8566AE9-2920-4B9B-920D-4EBE8BE6AE30}"/>
+                <a16:creationId xmlns:a16="http://schemas.microsoft.com/office/drawing/2014/main" xmlns="" id="{C8566AE9-2920-4B9B-920D-4EBE8BE6AE30}"/>
               </a:ext>
             </a:extLst>
           </p:cNvPr>
@@ -9133,7 +9472,7 @@
           <p:cNvPr id="4" name="صورة 3">
             <a:extLst>
               <a:ext uri="{FF2B5EF4-FFF2-40B4-BE49-F238E27FC236}">
-                <a16:creationId xmlns:a16="http://schemas.microsoft.com/office/drawing/2014/main" id="{E023CB37-3667-4DA1-8E91-87CB5C9BC261}"/>
+                <a16:creationId xmlns:a16="http://schemas.microsoft.com/office/drawing/2014/main" xmlns="" id="{E023CB37-3667-4DA1-8E91-87CB5C9BC261}"/>
               </a:ext>
             </a:extLst>
           </p:cNvPr>
@@ -9163,7 +9502,7 @@
           <p:cNvPr id="7" name="مربع نص 6">
             <a:extLst>
               <a:ext uri="{FF2B5EF4-FFF2-40B4-BE49-F238E27FC236}">
-                <a16:creationId xmlns:a16="http://schemas.microsoft.com/office/drawing/2014/main" id="{D6A5629F-8857-4256-A1CC-B57E988AED5E}"/>
+                <a16:creationId xmlns:a16="http://schemas.microsoft.com/office/drawing/2014/main" xmlns="" id="{D6A5629F-8857-4256-A1CC-B57E988AED5E}"/>
               </a:ext>
             </a:extLst>
           </p:cNvPr>
@@ -9206,7 +9545,7 @@
           <p:cNvPr id="9" name="مربع نص 8">
             <a:extLst>
               <a:ext uri="{FF2B5EF4-FFF2-40B4-BE49-F238E27FC236}">
-                <a16:creationId xmlns:a16="http://schemas.microsoft.com/office/drawing/2014/main" id="{6512DDED-3254-40D5-981D-DDFAC764CCA0}"/>
+                <a16:creationId xmlns:a16="http://schemas.microsoft.com/office/drawing/2014/main" xmlns="" id="{6512DDED-3254-40D5-981D-DDFAC764CCA0}"/>
               </a:ext>
             </a:extLst>
           </p:cNvPr>
@@ -9249,7 +9588,7 @@
           <p:cNvPr id="10" name="صورة 9">
             <a:extLst>
               <a:ext uri="{FF2B5EF4-FFF2-40B4-BE49-F238E27FC236}">
-                <a16:creationId xmlns:a16="http://schemas.microsoft.com/office/drawing/2014/main" id="{9EB63CE9-BE65-4B5C-91B4-D9FC7EA17897}"/>
+                <a16:creationId xmlns:a16="http://schemas.microsoft.com/office/drawing/2014/main" xmlns="" id="{9EB63CE9-BE65-4B5C-91B4-D9FC7EA17897}"/>
               </a:ext>
             </a:extLst>
           </p:cNvPr>
@@ -9296,6 +9635,13 @@
       </p:transition>
     </mc:Fallback>
   </mc:AlternateContent>
+  <p:timing>
+    <p:tnLst>
+      <p:par>
+        <p:cTn id="1" dur="indefinite" restart="never" nodeType="tmRoot"/>
+      </p:par>
+    </p:tnLst>
+  </p:timing>
 </p:sld>
 </file>
 
@@ -9472,7 +9818,7 @@
           <p:cNvPr id="4" name="صورة 3">
             <a:extLst>
               <a:ext uri="{FF2B5EF4-FFF2-40B4-BE49-F238E27FC236}">
-                <a16:creationId xmlns:a16="http://schemas.microsoft.com/office/drawing/2014/main" id="{06526A9F-DEC4-4A6C-A5DE-34AA28442E9F}"/>
+                <a16:creationId xmlns:a16="http://schemas.microsoft.com/office/drawing/2014/main" xmlns="" id="{06526A9F-DEC4-4A6C-A5DE-34AA28442E9F}"/>
               </a:ext>
             </a:extLst>
           </p:cNvPr>
@@ -9502,7 +9848,7 @@
           <p:cNvPr id="5" name="صورة 4">
             <a:extLst>
               <a:ext uri="{FF2B5EF4-FFF2-40B4-BE49-F238E27FC236}">
-                <a16:creationId xmlns:a16="http://schemas.microsoft.com/office/drawing/2014/main" id="{EDD666B2-6E72-4A74-929D-19797B04A739}"/>
+                <a16:creationId xmlns:a16="http://schemas.microsoft.com/office/drawing/2014/main" xmlns="" id="{EDD666B2-6E72-4A74-929D-19797B04A739}"/>
               </a:ext>
             </a:extLst>
           </p:cNvPr>
@@ -9532,7 +9878,7 @@
           <p:cNvPr id="6" name="عنوان 1">
             <a:extLst>
               <a:ext uri="{FF2B5EF4-FFF2-40B4-BE49-F238E27FC236}">
-                <a16:creationId xmlns:a16="http://schemas.microsoft.com/office/drawing/2014/main" id="{C45EC975-48AC-44AB-8E07-23FA12C6B678}"/>
+                <a16:creationId xmlns:a16="http://schemas.microsoft.com/office/drawing/2014/main" xmlns="" id="{C45EC975-48AC-44AB-8E07-23FA12C6B678}"/>
               </a:ext>
             </a:extLst>
           </p:cNvPr>
@@ -9591,7 +9937,7 @@
           <p:cNvPr id="8" name="مربع نص 7">
             <a:extLst>
               <a:ext uri="{FF2B5EF4-FFF2-40B4-BE49-F238E27FC236}">
-                <a16:creationId xmlns:a16="http://schemas.microsoft.com/office/drawing/2014/main" id="{F79C5A59-0082-403E-9338-561C3DFA00FC}"/>
+                <a16:creationId xmlns:a16="http://schemas.microsoft.com/office/drawing/2014/main" xmlns="" id="{F79C5A59-0082-403E-9338-561C3DFA00FC}"/>
               </a:ext>
             </a:extLst>
           </p:cNvPr>
@@ -9634,7 +9980,7 @@
           <p:cNvPr id="10" name="مربع نص 9">
             <a:extLst>
               <a:ext uri="{FF2B5EF4-FFF2-40B4-BE49-F238E27FC236}">
-                <a16:creationId xmlns:a16="http://schemas.microsoft.com/office/drawing/2014/main" id="{8CFEF47C-0831-4393-B358-F4F423116293}"/>
+                <a16:creationId xmlns:a16="http://schemas.microsoft.com/office/drawing/2014/main" xmlns="" id="{8CFEF47C-0831-4393-B358-F4F423116293}"/>
               </a:ext>
             </a:extLst>
           </p:cNvPr>
@@ -9694,6 +10040,13 @@
       </p:transition>
     </mc:Fallback>
   </mc:AlternateContent>
+  <p:timing>
+    <p:tnLst>
+      <p:par>
+        <p:cTn id="1" dur="indefinite" restart="never" nodeType="tmRoot"/>
+      </p:par>
+    </p:tnLst>
+  </p:timing>
 </p:sld>
 </file>
 
@@ -9719,7 +10072,7 @@
           <p:cNvPr id="6" name="عنوان 1">
             <a:extLst>
               <a:ext uri="{FF2B5EF4-FFF2-40B4-BE49-F238E27FC236}">
-                <a16:creationId xmlns:a16="http://schemas.microsoft.com/office/drawing/2014/main" id="{C45EC975-48AC-44AB-8E07-23FA12C6B678}"/>
+                <a16:creationId xmlns:a16="http://schemas.microsoft.com/office/drawing/2014/main" xmlns="" id="{C45EC975-48AC-44AB-8E07-23FA12C6B678}"/>
               </a:ext>
             </a:extLst>
           </p:cNvPr>
@@ -9763,7 +10116,7 @@
           <p:cNvPr id="8" name="مربع نص 7">
             <a:extLst>
               <a:ext uri="{FF2B5EF4-FFF2-40B4-BE49-F238E27FC236}">
-                <a16:creationId xmlns:a16="http://schemas.microsoft.com/office/drawing/2014/main" id="{F79C5A59-0082-403E-9338-561C3DFA00FC}"/>
+                <a16:creationId xmlns:a16="http://schemas.microsoft.com/office/drawing/2014/main" xmlns="" id="{F79C5A59-0082-403E-9338-561C3DFA00FC}"/>
               </a:ext>
             </a:extLst>
           </p:cNvPr>
@@ -9806,7 +10159,7 @@
           <p:cNvPr id="10" name="مربع نص 9">
             <a:extLst>
               <a:ext uri="{FF2B5EF4-FFF2-40B4-BE49-F238E27FC236}">
-                <a16:creationId xmlns:a16="http://schemas.microsoft.com/office/drawing/2014/main" id="{8CFEF47C-0831-4393-B358-F4F423116293}"/>
+                <a16:creationId xmlns:a16="http://schemas.microsoft.com/office/drawing/2014/main" xmlns="" id="{8CFEF47C-0831-4393-B358-F4F423116293}"/>
               </a:ext>
             </a:extLst>
           </p:cNvPr>
@@ -9849,7 +10202,7 @@
           <p:cNvPr id="9" name="صورة 8">
             <a:extLst>
               <a:ext uri="{FF2B5EF4-FFF2-40B4-BE49-F238E27FC236}">
-                <a16:creationId xmlns:a16="http://schemas.microsoft.com/office/drawing/2014/main" id="{5938B89E-2807-4BB0-816C-36F9588E6983}"/>
+                <a16:creationId xmlns:a16="http://schemas.microsoft.com/office/drawing/2014/main" xmlns="" id="{5938B89E-2807-4BB0-816C-36F9588E6983}"/>
               </a:ext>
             </a:extLst>
           </p:cNvPr>
@@ -9879,7 +10232,7 @@
           <p:cNvPr id="12" name="صورة 11">
             <a:extLst>
               <a:ext uri="{FF2B5EF4-FFF2-40B4-BE49-F238E27FC236}">
-                <a16:creationId xmlns:a16="http://schemas.microsoft.com/office/drawing/2014/main" id="{9DA7C438-B6A3-4683-94D8-B3B7654D337B}"/>
+                <a16:creationId xmlns:a16="http://schemas.microsoft.com/office/drawing/2014/main" xmlns="" id="{9DA7C438-B6A3-4683-94D8-B3B7654D337B}"/>
               </a:ext>
             </a:extLst>
           </p:cNvPr>
@@ -9914,18 +10267,25 @@
   <p:clrMapOvr>
     <a:masterClrMapping/>
   </p:clrMapOvr>
-  <mc:AlternateContent xmlns:mc="http://schemas.openxmlformats.org/markup-compatibility/2006">
-    <mc:Choice xmlns:p14="http://schemas.microsoft.com/office/powerpoint/2010/main" Requires="p14">
+  <mc:AlternateContent xmlns:mc="http://schemas.openxmlformats.org/markup-compatibility/2006" xmlns:p14="http://schemas.microsoft.com/office/powerpoint/2010/main">
+    <mc:Choice Requires="p14">
       <p:transition spd="slow" p14:dur="1300">
         <p14:pan dir="u"/>
       </p:transition>
     </mc:Choice>
-    <mc:Fallback>
+    <mc:Fallback xmlns="">
       <p:transition spd="slow">
         <p:fade/>
       </p:transition>
     </mc:Fallback>
   </mc:AlternateContent>
+  <p:timing>
+    <p:tnLst>
+      <p:par>
+        <p:cTn id="1" dur="indefinite" restart="never" nodeType="tmRoot"/>
+      </p:par>
+    </p:tnLst>
+  </p:timing>
 </p:sld>
 </file>
 
@@ -9951,7 +10311,7 @@
           <p:cNvPr id="6" name="عنوان 1">
             <a:extLst>
               <a:ext uri="{FF2B5EF4-FFF2-40B4-BE49-F238E27FC236}">
-                <a16:creationId xmlns:a16="http://schemas.microsoft.com/office/drawing/2014/main" id="{C45EC975-48AC-44AB-8E07-23FA12C6B678}"/>
+                <a16:creationId xmlns:a16="http://schemas.microsoft.com/office/drawing/2014/main" xmlns="" id="{C45EC975-48AC-44AB-8E07-23FA12C6B678}"/>
               </a:ext>
             </a:extLst>
           </p:cNvPr>
@@ -9990,7 +10350,7 @@
           <p:cNvPr id="8" name="مربع نص 7">
             <a:extLst>
               <a:ext uri="{FF2B5EF4-FFF2-40B4-BE49-F238E27FC236}">
-                <a16:creationId xmlns:a16="http://schemas.microsoft.com/office/drawing/2014/main" id="{F79C5A59-0082-403E-9338-561C3DFA00FC}"/>
+                <a16:creationId xmlns:a16="http://schemas.microsoft.com/office/drawing/2014/main" xmlns="" id="{F79C5A59-0082-403E-9338-561C3DFA00FC}"/>
               </a:ext>
             </a:extLst>
           </p:cNvPr>
@@ -10033,7 +10393,7 @@
           <p:cNvPr id="10" name="مربع نص 9">
             <a:extLst>
               <a:ext uri="{FF2B5EF4-FFF2-40B4-BE49-F238E27FC236}">
-                <a16:creationId xmlns:a16="http://schemas.microsoft.com/office/drawing/2014/main" id="{8CFEF47C-0831-4393-B358-F4F423116293}"/>
+                <a16:creationId xmlns:a16="http://schemas.microsoft.com/office/drawing/2014/main" xmlns="" id="{8CFEF47C-0831-4393-B358-F4F423116293}"/>
               </a:ext>
             </a:extLst>
           </p:cNvPr>
@@ -10076,7 +10436,7 @@
           <p:cNvPr id="2" name="صورة 1">
             <a:extLst>
               <a:ext uri="{FF2B5EF4-FFF2-40B4-BE49-F238E27FC236}">
-                <a16:creationId xmlns:a16="http://schemas.microsoft.com/office/drawing/2014/main" id="{808F7610-E4F2-49DF-AE74-8DE11F37DB58}"/>
+                <a16:creationId xmlns:a16="http://schemas.microsoft.com/office/drawing/2014/main" xmlns="" id="{808F7610-E4F2-49DF-AE74-8DE11F37DB58}"/>
               </a:ext>
             </a:extLst>
           </p:cNvPr>
@@ -10106,7 +10466,7 @@
           <p:cNvPr id="3" name="صورة 2">
             <a:extLst>
               <a:ext uri="{FF2B5EF4-FFF2-40B4-BE49-F238E27FC236}">
-                <a16:creationId xmlns:a16="http://schemas.microsoft.com/office/drawing/2014/main" id="{B86D681F-5A90-46D4-BEF3-29CEC9D96430}"/>
+                <a16:creationId xmlns:a16="http://schemas.microsoft.com/office/drawing/2014/main" xmlns="" id="{B86D681F-5A90-46D4-BEF3-29CEC9D96430}"/>
               </a:ext>
             </a:extLst>
           </p:cNvPr>
@@ -10141,18 +10501,25 @@
   <p:clrMapOvr>
     <a:masterClrMapping/>
   </p:clrMapOvr>
-  <mc:AlternateContent xmlns:mc="http://schemas.openxmlformats.org/markup-compatibility/2006">
-    <mc:Choice xmlns:p14="http://schemas.microsoft.com/office/powerpoint/2010/main" Requires="p14">
+  <mc:AlternateContent xmlns:mc="http://schemas.openxmlformats.org/markup-compatibility/2006" xmlns:p14="http://schemas.microsoft.com/office/powerpoint/2010/main">
+    <mc:Choice Requires="p14">
       <p:transition spd="slow" p14:dur="1300">
         <p14:pan dir="u"/>
       </p:transition>
     </mc:Choice>
-    <mc:Fallback>
+    <mc:Fallback xmlns="">
       <p:transition spd="slow">
         <p:fade/>
       </p:transition>
     </mc:Fallback>
   </mc:AlternateContent>
+  <p:timing>
+    <p:tnLst>
+      <p:par>
+        <p:cTn id="1" dur="indefinite" restart="never" nodeType="tmRoot"/>
+      </p:par>
+    </p:tnLst>
+  </p:timing>
 </p:sld>
 </file>
 
@@ -10178,7 +10545,7 @@
           <p:cNvPr id="6" name="عنوان 1">
             <a:extLst>
               <a:ext uri="{FF2B5EF4-FFF2-40B4-BE49-F238E27FC236}">
-                <a16:creationId xmlns:a16="http://schemas.microsoft.com/office/drawing/2014/main" id="{C45EC975-48AC-44AB-8E07-23FA12C6B678}"/>
+                <a16:creationId xmlns:a16="http://schemas.microsoft.com/office/drawing/2014/main" xmlns="" id="{C45EC975-48AC-44AB-8E07-23FA12C6B678}"/>
               </a:ext>
             </a:extLst>
           </p:cNvPr>
@@ -10217,7 +10584,7 @@
           <p:cNvPr id="8" name="مربع نص 7">
             <a:extLst>
               <a:ext uri="{FF2B5EF4-FFF2-40B4-BE49-F238E27FC236}">
-                <a16:creationId xmlns:a16="http://schemas.microsoft.com/office/drawing/2014/main" id="{F79C5A59-0082-403E-9338-561C3DFA00FC}"/>
+                <a16:creationId xmlns:a16="http://schemas.microsoft.com/office/drawing/2014/main" xmlns="" id="{F79C5A59-0082-403E-9338-561C3DFA00FC}"/>
               </a:ext>
             </a:extLst>
           </p:cNvPr>
@@ -10260,7 +10627,7 @@
           <p:cNvPr id="10" name="مربع نص 9">
             <a:extLst>
               <a:ext uri="{FF2B5EF4-FFF2-40B4-BE49-F238E27FC236}">
-                <a16:creationId xmlns:a16="http://schemas.microsoft.com/office/drawing/2014/main" id="{8CFEF47C-0831-4393-B358-F4F423116293}"/>
+                <a16:creationId xmlns:a16="http://schemas.microsoft.com/office/drawing/2014/main" xmlns="" id="{8CFEF47C-0831-4393-B358-F4F423116293}"/>
               </a:ext>
             </a:extLst>
           </p:cNvPr>
@@ -10303,7 +10670,7 @@
           <p:cNvPr id="4" name="صورة 3">
             <a:extLst>
               <a:ext uri="{FF2B5EF4-FFF2-40B4-BE49-F238E27FC236}">
-                <a16:creationId xmlns:a16="http://schemas.microsoft.com/office/drawing/2014/main" id="{7251AC24-A662-4A79-84D2-8D803770FB5F}"/>
+                <a16:creationId xmlns:a16="http://schemas.microsoft.com/office/drawing/2014/main" xmlns="" id="{7251AC24-A662-4A79-84D2-8D803770FB5F}"/>
               </a:ext>
             </a:extLst>
           </p:cNvPr>
@@ -10333,7 +10700,7 @@
           <p:cNvPr id="5" name="صورة 4">
             <a:extLst>
               <a:ext uri="{FF2B5EF4-FFF2-40B4-BE49-F238E27FC236}">
-                <a16:creationId xmlns:a16="http://schemas.microsoft.com/office/drawing/2014/main" id="{299013A0-FBC6-42D4-A2AA-43602BF9525D}"/>
+                <a16:creationId xmlns:a16="http://schemas.microsoft.com/office/drawing/2014/main" xmlns="" id="{299013A0-FBC6-42D4-A2AA-43602BF9525D}"/>
               </a:ext>
             </a:extLst>
           </p:cNvPr>
@@ -10368,18 +10735,25 @@
   <p:clrMapOvr>
     <a:masterClrMapping/>
   </p:clrMapOvr>
-  <mc:AlternateContent xmlns:mc="http://schemas.openxmlformats.org/markup-compatibility/2006">
-    <mc:Choice xmlns:p14="http://schemas.microsoft.com/office/powerpoint/2010/main" Requires="p14">
+  <mc:AlternateContent xmlns:mc="http://schemas.openxmlformats.org/markup-compatibility/2006" xmlns:p14="http://schemas.microsoft.com/office/powerpoint/2010/main">
+    <mc:Choice Requires="p14">
       <p:transition spd="slow" p14:dur="1300">
         <p14:pan dir="u"/>
       </p:transition>
     </mc:Choice>
-    <mc:Fallback>
+    <mc:Fallback xmlns="">
       <p:transition spd="slow">
         <p:fade/>
       </p:transition>
     </mc:Fallback>
   </mc:AlternateContent>
+  <p:timing>
+    <p:tnLst>
+      <p:par>
+        <p:cTn id="1" dur="indefinite" restart="never" nodeType="tmRoot"/>
+      </p:par>
+    </p:tnLst>
+  </p:timing>
 </p:sld>
 </file>
 
@@ -10405,7 +10779,7 @@
           <p:cNvPr id="6" name="عنوان 1">
             <a:extLst>
               <a:ext uri="{FF2B5EF4-FFF2-40B4-BE49-F238E27FC236}">
-                <a16:creationId xmlns:a16="http://schemas.microsoft.com/office/drawing/2014/main" id="{C45EC975-48AC-44AB-8E07-23FA12C6B678}"/>
+                <a16:creationId xmlns:a16="http://schemas.microsoft.com/office/drawing/2014/main" xmlns="" id="{C45EC975-48AC-44AB-8E07-23FA12C6B678}"/>
               </a:ext>
             </a:extLst>
           </p:cNvPr>
@@ -10444,7 +10818,7 @@
           <p:cNvPr id="8" name="مربع نص 7">
             <a:extLst>
               <a:ext uri="{FF2B5EF4-FFF2-40B4-BE49-F238E27FC236}">
-                <a16:creationId xmlns:a16="http://schemas.microsoft.com/office/drawing/2014/main" id="{F79C5A59-0082-403E-9338-561C3DFA00FC}"/>
+                <a16:creationId xmlns:a16="http://schemas.microsoft.com/office/drawing/2014/main" xmlns="" id="{F79C5A59-0082-403E-9338-561C3DFA00FC}"/>
               </a:ext>
             </a:extLst>
           </p:cNvPr>
@@ -10487,7 +10861,7 @@
           <p:cNvPr id="10" name="مربع نص 9">
             <a:extLst>
               <a:ext uri="{FF2B5EF4-FFF2-40B4-BE49-F238E27FC236}">
-                <a16:creationId xmlns:a16="http://schemas.microsoft.com/office/drawing/2014/main" id="{8CFEF47C-0831-4393-B358-F4F423116293}"/>
+                <a16:creationId xmlns:a16="http://schemas.microsoft.com/office/drawing/2014/main" xmlns="" id="{8CFEF47C-0831-4393-B358-F4F423116293}"/>
               </a:ext>
             </a:extLst>
           </p:cNvPr>
@@ -10530,7 +10904,7 @@
           <p:cNvPr id="3" name="صورة 2">
             <a:extLst>
               <a:ext uri="{FF2B5EF4-FFF2-40B4-BE49-F238E27FC236}">
-                <a16:creationId xmlns:a16="http://schemas.microsoft.com/office/drawing/2014/main" id="{EB19E433-01CD-4B5A-9CE4-18D2A9A212F7}"/>
+                <a16:creationId xmlns:a16="http://schemas.microsoft.com/office/drawing/2014/main" xmlns="" id="{EB19E433-01CD-4B5A-9CE4-18D2A9A212F7}"/>
               </a:ext>
             </a:extLst>
           </p:cNvPr>
@@ -10560,7 +10934,7 @@
           <p:cNvPr id="9" name="صورة 8">
             <a:extLst>
               <a:ext uri="{FF2B5EF4-FFF2-40B4-BE49-F238E27FC236}">
-                <a16:creationId xmlns:a16="http://schemas.microsoft.com/office/drawing/2014/main" id="{91FAF112-4BBF-4A54-90EB-896042B757D5}"/>
+                <a16:creationId xmlns:a16="http://schemas.microsoft.com/office/drawing/2014/main" xmlns="" id="{91FAF112-4BBF-4A54-90EB-896042B757D5}"/>
               </a:ext>
             </a:extLst>
           </p:cNvPr>
@@ -10595,13 +10969,13 @@
   <p:clrMapOvr>
     <a:masterClrMapping/>
   </p:clrMapOvr>
-  <mc:AlternateContent xmlns:mc="http://schemas.openxmlformats.org/markup-compatibility/2006">
-    <mc:Choice xmlns:p14="http://schemas.microsoft.com/office/powerpoint/2010/main" Requires="p14">
+  <mc:AlternateContent xmlns:mc="http://schemas.openxmlformats.org/markup-compatibility/2006" xmlns:p14="http://schemas.microsoft.com/office/powerpoint/2010/main">
+    <mc:Choice Requires="p14">
       <p:transition spd="slow" p14:dur="1300">
         <p14:pan dir="u"/>
       </p:transition>
     </mc:Choice>
-    <mc:Fallback>
+    <mc:Fallback xmlns="">
       <p:transition spd="slow">
         <p:fade/>
       </p:transition>
@@ -10632,7 +11006,7 @@
           <p:cNvPr id="6" name="عنوان 1">
             <a:extLst>
               <a:ext uri="{FF2B5EF4-FFF2-40B4-BE49-F238E27FC236}">
-                <a16:creationId xmlns:a16="http://schemas.microsoft.com/office/drawing/2014/main" id="{C45EC975-48AC-44AB-8E07-23FA12C6B678}"/>
+                <a16:creationId xmlns:a16="http://schemas.microsoft.com/office/drawing/2014/main" xmlns="" id="{C45EC975-48AC-44AB-8E07-23FA12C6B678}"/>
               </a:ext>
             </a:extLst>
           </p:cNvPr>
@@ -10671,7 +11045,7 @@
           <p:cNvPr id="8" name="مربع نص 7">
             <a:extLst>
               <a:ext uri="{FF2B5EF4-FFF2-40B4-BE49-F238E27FC236}">
-                <a16:creationId xmlns:a16="http://schemas.microsoft.com/office/drawing/2014/main" id="{F79C5A59-0082-403E-9338-561C3DFA00FC}"/>
+                <a16:creationId xmlns:a16="http://schemas.microsoft.com/office/drawing/2014/main" xmlns="" id="{F79C5A59-0082-403E-9338-561C3DFA00FC}"/>
               </a:ext>
             </a:extLst>
           </p:cNvPr>
@@ -10714,7 +11088,7 @@
           <p:cNvPr id="10" name="مربع نص 9">
             <a:extLst>
               <a:ext uri="{FF2B5EF4-FFF2-40B4-BE49-F238E27FC236}">
-                <a16:creationId xmlns:a16="http://schemas.microsoft.com/office/drawing/2014/main" id="{8CFEF47C-0831-4393-B358-F4F423116293}"/>
+                <a16:creationId xmlns:a16="http://schemas.microsoft.com/office/drawing/2014/main" xmlns="" id="{8CFEF47C-0831-4393-B358-F4F423116293}"/>
               </a:ext>
             </a:extLst>
           </p:cNvPr>
@@ -10757,7 +11131,7 @@
           <p:cNvPr id="2" name="صورة 1">
             <a:extLst>
               <a:ext uri="{FF2B5EF4-FFF2-40B4-BE49-F238E27FC236}">
-                <a16:creationId xmlns:a16="http://schemas.microsoft.com/office/drawing/2014/main" id="{8B3A8174-FE1E-44E6-A04E-619EAE98F849}"/>
+                <a16:creationId xmlns:a16="http://schemas.microsoft.com/office/drawing/2014/main" xmlns="" id="{8B3A8174-FE1E-44E6-A04E-619EAE98F849}"/>
               </a:ext>
             </a:extLst>
           </p:cNvPr>
@@ -10787,7 +11161,7 @@
           <p:cNvPr id="4" name="صورة 3">
             <a:extLst>
               <a:ext uri="{FF2B5EF4-FFF2-40B4-BE49-F238E27FC236}">
-                <a16:creationId xmlns:a16="http://schemas.microsoft.com/office/drawing/2014/main" id="{AA5EA542-80FD-49F4-B3ED-2DE6351E89AD}"/>
+                <a16:creationId xmlns:a16="http://schemas.microsoft.com/office/drawing/2014/main" xmlns="" id="{AA5EA542-80FD-49F4-B3ED-2DE6351E89AD}"/>
               </a:ext>
             </a:extLst>
           </p:cNvPr>
@@ -10822,13 +11196,13 @@
   <p:clrMapOvr>
     <a:masterClrMapping/>
   </p:clrMapOvr>
-  <mc:AlternateContent xmlns:mc="http://schemas.openxmlformats.org/markup-compatibility/2006">
-    <mc:Choice xmlns:p14="http://schemas.microsoft.com/office/powerpoint/2010/main" Requires="p14">
+  <mc:AlternateContent xmlns:mc="http://schemas.openxmlformats.org/markup-compatibility/2006" xmlns:p14="http://schemas.microsoft.com/office/powerpoint/2010/main">
+    <mc:Choice Requires="p14">
       <p:transition spd="slow" p14:dur="1300">
         <p14:pan dir="u"/>
       </p:transition>
     </mc:Choice>
-    <mc:Fallback>
+    <mc:Fallback xmlns="">
       <p:transition spd="slow">
         <p:fade/>
       </p:transition>
@@ -10859,7 +11233,7 @@
           <p:cNvPr id="6" name="عنوان 1">
             <a:extLst>
               <a:ext uri="{FF2B5EF4-FFF2-40B4-BE49-F238E27FC236}">
-                <a16:creationId xmlns:a16="http://schemas.microsoft.com/office/drawing/2014/main" id="{C45EC975-48AC-44AB-8E07-23FA12C6B678}"/>
+                <a16:creationId xmlns:a16="http://schemas.microsoft.com/office/drawing/2014/main" xmlns="" id="{C45EC975-48AC-44AB-8E07-23FA12C6B678}"/>
               </a:ext>
             </a:extLst>
           </p:cNvPr>
@@ -10898,7 +11272,7 @@
           <p:cNvPr id="8" name="مربع نص 7">
             <a:extLst>
               <a:ext uri="{FF2B5EF4-FFF2-40B4-BE49-F238E27FC236}">
-                <a16:creationId xmlns:a16="http://schemas.microsoft.com/office/drawing/2014/main" id="{F79C5A59-0082-403E-9338-561C3DFA00FC}"/>
+                <a16:creationId xmlns:a16="http://schemas.microsoft.com/office/drawing/2014/main" xmlns="" id="{F79C5A59-0082-403E-9338-561C3DFA00FC}"/>
               </a:ext>
             </a:extLst>
           </p:cNvPr>
@@ -10941,7 +11315,7 @@
           <p:cNvPr id="10" name="مربع نص 9">
             <a:extLst>
               <a:ext uri="{FF2B5EF4-FFF2-40B4-BE49-F238E27FC236}">
-                <a16:creationId xmlns:a16="http://schemas.microsoft.com/office/drawing/2014/main" id="{8CFEF47C-0831-4393-B358-F4F423116293}"/>
+                <a16:creationId xmlns:a16="http://schemas.microsoft.com/office/drawing/2014/main" xmlns="" id="{8CFEF47C-0831-4393-B358-F4F423116293}"/>
               </a:ext>
             </a:extLst>
           </p:cNvPr>
@@ -10984,7 +11358,7 @@
           <p:cNvPr id="3" name="صورة 2">
             <a:extLst>
               <a:ext uri="{FF2B5EF4-FFF2-40B4-BE49-F238E27FC236}">
-                <a16:creationId xmlns:a16="http://schemas.microsoft.com/office/drawing/2014/main" id="{E346C269-78A8-4AB6-AC90-F1ED8338F653}"/>
+                <a16:creationId xmlns:a16="http://schemas.microsoft.com/office/drawing/2014/main" xmlns="" id="{E346C269-78A8-4AB6-AC90-F1ED8338F653}"/>
               </a:ext>
             </a:extLst>
           </p:cNvPr>
@@ -11014,7 +11388,7 @@
           <p:cNvPr id="5" name="صورة 4">
             <a:extLst>
               <a:ext uri="{FF2B5EF4-FFF2-40B4-BE49-F238E27FC236}">
-                <a16:creationId xmlns:a16="http://schemas.microsoft.com/office/drawing/2014/main" id="{2C186740-A461-4766-8B0B-2D678317F3CE}"/>
+                <a16:creationId xmlns:a16="http://schemas.microsoft.com/office/drawing/2014/main" xmlns="" id="{2C186740-A461-4766-8B0B-2D678317F3CE}"/>
               </a:ext>
             </a:extLst>
           </p:cNvPr>
@@ -11049,13 +11423,13 @@
   <p:clrMapOvr>
     <a:masterClrMapping/>
   </p:clrMapOvr>
-  <mc:AlternateContent xmlns:mc="http://schemas.openxmlformats.org/markup-compatibility/2006">
-    <mc:Choice xmlns:p14="http://schemas.microsoft.com/office/powerpoint/2010/main" Requires="p14">
+  <mc:AlternateContent xmlns:mc="http://schemas.openxmlformats.org/markup-compatibility/2006" xmlns:p14="http://schemas.microsoft.com/office/powerpoint/2010/main">
+    <mc:Choice Requires="p14">
       <p:transition spd="slow" p14:dur="1300">
         <p14:pan dir="u"/>
       </p:transition>
     </mc:Choice>
-    <mc:Fallback>
+    <mc:Fallback xmlns="">
       <p:transition spd="slow">
         <p:fade/>
       </p:transition>
@@ -11086,7 +11460,7 @@
           <p:cNvPr id="6" name="عنوان 1">
             <a:extLst>
               <a:ext uri="{FF2B5EF4-FFF2-40B4-BE49-F238E27FC236}">
-                <a16:creationId xmlns:a16="http://schemas.microsoft.com/office/drawing/2014/main" id="{C45EC975-48AC-44AB-8E07-23FA12C6B678}"/>
+                <a16:creationId xmlns:a16="http://schemas.microsoft.com/office/drawing/2014/main" xmlns="" id="{C45EC975-48AC-44AB-8E07-23FA12C6B678}"/>
               </a:ext>
             </a:extLst>
           </p:cNvPr>
@@ -11125,7 +11499,7 @@
           <p:cNvPr id="4" name="صورة 3">
             <a:extLst>
               <a:ext uri="{FF2B5EF4-FFF2-40B4-BE49-F238E27FC236}">
-                <a16:creationId xmlns:a16="http://schemas.microsoft.com/office/drawing/2014/main" id="{0BC072D0-6E7D-4936-BCE5-FDA1E6454DF4}"/>
+                <a16:creationId xmlns:a16="http://schemas.microsoft.com/office/drawing/2014/main" xmlns="" id="{0BC072D0-6E7D-4936-BCE5-FDA1E6454DF4}"/>
               </a:ext>
             </a:extLst>
           </p:cNvPr>
@@ -11166,13 +11540,13 @@
   <p:clrMapOvr>
     <a:masterClrMapping/>
   </p:clrMapOvr>
-  <mc:AlternateContent xmlns:mc="http://schemas.openxmlformats.org/markup-compatibility/2006">
-    <mc:Choice xmlns:p14="http://schemas.microsoft.com/office/powerpoint/2010/main" Requires="p14">
+  <mc:AlternateContent xmlns:mc="http://schemas.openxmlformats.org/markup-compatibility/2006" xmlns:p14="http://schemas.microsoft.com/office/powerpoint/2010/main">
+    <mc:Choice Requires="p14">
       <p:transition spd="slow" p14:dur="1300">
         <p14:pan dir="u"/>
       </p:transition>
     </mc:Choice>
-    <mc:Fallback>
+    <mc:Fallback xmlns="">
       <p:transition spd="slow">
         <p:fade/>
       </p:transition>
@@ -11203,7 +11577,7 @@
           <p:cNvPr id="6" name="عنوان 1">
             <a:extLst>
               <a:ext uri="{FF2B5EF4-FFF2-40B4-BE49-F238E27FC236}">
-                <a16:creationId xmlns:a16="http://schemas.microsoft.com/office/drawing/2014/main" id="{C45EC975-48AC-44AB-8E07-23FA12C6B678}"/>
+                <a16:creationId xmlns:a16="http://schemas.microsoft.com/office/drawing/2014/main" xmlns="" id="{C45EC975-48AC-44AB-8E07-23FA12C6B678}"/>
               </a:ext>
             </a:extLst>
           </p:cNvPr>
@@ -11242,7 +11616,7 @@
           <p:cNvPr id="8" name="مربع نص 7">
             <a:extLst>
               <a:ext uri="{FF2B5EF4-FFF2-40B4-BE49-F238E27FC236}">
-                <a16:creationId xmlns:a16="http://schemas.microsoft.com/office/drawing/2014/main" id="{F79C5A59-0082-403E-9338-561C3DFA00FC}"/>
+                <a16:creationId xmlns:a16="http://schemas.microsoft.com/office/drawing/2014/main" xmlns="" id="{F79C5A59-0082-403E-9338-561C3DFA00FC}"/>
               </a:ext>
             </a:extLst>
           </p:cNvPr>
@@ -11285,7 +11659,7 @@
           <p:cNvPr id="10" name="مربع نص 9">
             <a:extLst>
               <a:ext uri="{FF2B5EF4-FFF2-40B4-BE49-F238E27FC236}">
-                <a16:creationId xmlns:a16="http://schemas.microsoft.com/office/drawing/2014/main" id="{8CFEF47C-0831-4393-B358-F4F423116293}"/>
+                <a16:creationId xmlns:a16="http://schemas.microsoft.com/office/drawing/2014/main" xmlns="" id="{8CFEF47C-0831-4393-B358-F4F423116293}"/>
               </a:ext>
             </a:extLst>
           </p:cNvPr>
@@ -11328,7 +11702,7 @@
           <p:cNvPr id="2" name="صورة 1">
             <a:extLst>
               <a:ext uri="{FF2B5EF4-FFF2-40B4-BE49-F238E27FC236}">
-                <a16:creationId xmlns:a16="http://schemas.microsoft.com/office/drawing/2014/main" id="{FE50414B-BAEF-4970-8C53-1A8B3E7AD083}"/>
+                <a16:creationId xmlns:a16="http://schemas.microsoft.com/office/drawing/2014/main" xmlns="" id="{FE50414B-BAEF-4970-8C53-1A8B3E7AD083}"/>
               </a:ext>
             </a:extLst>
           </p:cNvPr>
@@ -11358,7 +11732,7 @@
           <p:cNvPr id="4" name="صورة 3">
             <a:extLst>
               <a:ext uri="{FF2B5EF4-FFF2-40B4-BE49-F238E27FC236}">
-                <a16:creationId xmlns:a16="http://schemas.microsoft.com/office/drawing/2014/main" id="{C6875D00-2335-4EAE-9BAE-B858784D3180}"/>
+                <a16:creationId xmlns:a16="http://schemas.microsoft.com/office/drawing/2014/main" xmlns="" id="{C6875D00-2335-4EAE-9BAE-B858784D3180}"/>
               </a:ext>
             </a:extLst>
           </p:cNvPr>
@@ -11393,6 +11767,232 @@
   <p:clrMapOvr>
     <a:masterClrMapping/>
   </p:clrMapOvr>
+  <mc:AlternateContent xmlns:mc="http://schemas.openxmlformats.org/markup-compatibility/2006" xmlns:p14="http://schemas.microsoft.com/office/powerpoint/2010/main">
+    <mc:Choice Requires="p14">
+      <p:transition spd="slow" p14:dur="1300">
+        <p14:pan dir="u"/>
+      </p:transition>
+    </mc:Choice>
+    <mc:Fallback xmlns="">
+      <p:transition spd="slow">
+        <p:fade/>
+      </p:transition>
+    </mc:Fallback>
+  </mc:AlternateContent>
+</p:sld>
+</file>
+
+<file path=ppt/slides/slide29.xml><?xml version="1.0" encoding="utf-8"?>
+<p:sld xmlns:a="http://schemas.openxmlformats.org/drawingml/2006/main" xmlns:r="http://schemas.openxmlformats.org/officeDocument/2006/relationships" xmlns:p="http://schemas.openxmlformats.org/presentationml/2006/main">
+  <p:cSld>
+    <p:spTree>
+      <p:nvGrpSpPr>
+        <p:cNvPr id="1" name=""/>
+        <p:cNvGrpSpPr/>
+        <p:nvPr/>
+      </p:nvGrpSpPr>
+      <p:grpSpPr>
+        <a:xfrm>
+          <a:off x="0" y="0"/>
+          <a:ext cx="0" cy="0"/>
+          <a:chOff x="0" y="0"/>
+          <a:chExt cx="0" cy="0"/>
+        </a:xfrm>
+      </p:grpSpPr>
+      <p:sp>
+        <p:nvSpPr>
+          <p:cNvPr id="6" name="عنوان 1">
+            <a:extLst>
+              <a:ext uri="{FF2B5EF4-FFF2-40B4-BE49-F238E27FC236}">
+                <a16:creationId xmlns:a16="http://schemas.microsoft.com/office/drawing/2014/main" xmlns="" id="{C45EC975-48AC-44AB-8E07-23FA12C6B678}"/>
+              </a:ext>
+            </a:extLst>
+          </p:cNvPr>
+          <p:cNvSpPr>
+            <a:spLocks noGrp="1"/>
+          </p:cNvSpPr>
+          <p:nvPr>
+            <p:ph type="title"/>
+          </p:nvPr>
+        </p:nvSpPr>
+        <p:spPr>
+          <a:xfrm>
+            <a:off x="838200" y="104248"/>
+            <a:ext cx="10515600" cy="1325563"/>
+          </a:xfrm>
+        </p:spPr>
+        <p:txBody>
+          <a:bodyPr>
+            <a:noAutofit/>
+          </a:bodyPr>
+          <a:lstStyle/>
+          <a:p>
+            <a:pPr algn="ctr"/>
+            <a:r>
+              <a:rPr lang="en-US" sz="4800" b="1" dirty="0">
+                <a:latin typeface="Times New Roman" panose="02020603050405020304" pitchFamily="18" charset="0"/>
+                <a:cs typeface="Times New Roman" panose="02020603050405020304" pitchFamily="18" charset="0"/>
+              </a:rPr>
+              <a:t>HTML </a:t>
+            </a:r>
+            <a:r>
+              <a:rPr lang="en-US" sz="4800" b="1" dirty="0" smtClean="0">
+                <a:latin typeface="Times New Roman" panose="02020603050405020304" pitchFamily="18" charset="0"/>
+                <a:cs typeface="Times New Roman" panose="02020603050405020304" pitchFamily="18" charset="0"/>
+              </a:rPr>
+              <a:t>Images</a:t>
+            </a:r>
+            <a:endParaRPr lang="en-US" sz="4800" b="1" dirty="0">
+              <a:latin typeface="Times New Roman" panose="02020603050405020304" pitchFamily="18" charset="0"/>
+              <a:cs typeface="Times New Roman" panose="02020603050405020304" pitchFamily="18" charset="0"/>
+            </a:endParaRPr>
+          </a:p>
+        </p:txBody>
+      </p:sp>
+      <p:sp>
+        <p:nvSpPr>
+          <p:cNvPr id="8" name="مربع نص 7">
+            <a:extLst>
+              <a:ext uri="{FF2B5EF4-FFF2-40B4-BE49-F238E27FC236}">
+                <a16:creationId xmlns:a16="http://schemas.microsoft.com/office/drawing/2014/main" xmlns="" id="{F79C5A59-0082-403E-9338-561C3DFA00FC}"/>
+              </a:ext>
+            </a:extLst>
+          </p:cNvPr>
+          <p:cNvSpPr txBox="1"/>
+          <p:nvPr/>
+        </p:nvSpPr>
+        <p:spPr>
+          <a:xfrm>
+            <a:off x="5874650" y="1380858"/>
+            <a:ext cx="6099462" cy="461665"/>
+          </a:xfrm>
+          <a:prstGeom prst="rect">
+            <a:avLst/>
+          </a:prstGeom>
+          <a:noFill/>
+        </p:spPr>
+        <p:txBody>
+          <a:bodyPr wrap="square">
+            <a:spAutoFit/>
+          </a:bodyPr>
+          <a:lstStyle/>
+          <a:p>
+            <a:pPr algn="ctr"/>
+            <a:r>
+              <a:rPr lang="en-US" sz="2400" b="1" dirty="0">
+                <a:latin typeface="Times New Roman" panose="02020603050405020304" pitchFamily="18" charset="0"/>
+                <a:cs typeface="Times New Roman" panose="02020603050405020304" pitchFamily="18" charset="0"/>
+              </a:rPr>
+              <a:t>Output</a:t>
+            </a:r>
+            <a:endParaRPr lang="en-US" b="1" dirty="0">
+              <a:latin typeface="Times New Roman" panose="02020603050405020304" pitchFamily="18" charset="0"/>
+              <a:cs typeface="Times New Roman" panose="02020603050405020304" pitchFamily="18" charset="0"/>
+            </a:endParaRPr>
+          </a:p>
+        </p:txBody>
+      </p:sp>
+      <p:sp>
+        <p:nvSpPr>
+          <p:cNvPr id="10" name="مربع نص 9">
+            <a:extLst>
+              <a:ext uri="{FF2B5EF4-FFF2-40B4-BE49-F238E27FC236}">
+                <a16:creationId xmlns:a16="http://schemas.microsoft.com/office/drawing/2014/main" xmlns="" id="{8CFEF47C-0831-4393-B358-F4F423116293}"/>
+              </a:ext>
+            </a:extLst>
+          </p:cNvPr>
+          <p:cNvSpPr txBox="1"/>
+          <p:nvPr/>
+        </p:nvSpPr>
+        <p:spPr>
+          <a:xfrm>
+            <a:off x="-224812" y="1380858"/>
+            <a:ext cx="6099462" cy="461665"/>
+          </a:xfrm>
+          <a:prstGeom prst="rect">
+            <a:avLst/>
+          </a:prstGeom>
+          <a:noFill/>
+        </p:spPr>
+        <p:txBody>
+          <a:bodyPr wrap="square">
+            <a:spAutoFit/>
+          </a:bodyPr>
+          <a:lstStyle/>
+          <a:p>
+            <a:pPr algn="ctr"/>
+            <a:r>
+              <a:rPr lang="en-US" sz="2400" b="1" dirty="0">
+                <a:latin typeface="Times New Roman" panose="02020603050405020304" pitchFamily="18" charset="0"/>
+                <a:cs typeface="Times New Roman" panose="02020603050405020304" pitchFamily="18" charset="0"/>
+              </a:rPr>
+              <a:t>Html code</a:t>
+            </a:r>
+            <a:endParaRPr lang="en-US" b="1" dirty="0">
+              <a:latin typeface="Times New Roman" panose="02020603050405020304" pitchFamily="18" charset="0"/>
+              <a:cs typeface="Times New Roman" panose="02020603050405020304" pitchFamily="18" charset="0"/>
+            </a:endParaRPr>
+          </a:p>
+        </p:txBody>
+      </p:sp>
+      <p:pic>
+        <p:nvPicPr>
+          <p:cNvPr id="3" name="صورة 2"/>
+          <p:cNvPicPr>
+            <a:picLocks noChangeAspect="1"/>
+          </p:cNvPicPr>
+          <p:nvPr/>
+        </p:nvPicPr>
+        <p:blipFill>
+          <a:blip r:embed="rId3"/>
+          <a:stretch>
+            <a:fillRect/>
+          </a:stretch>
+        </p:blipFill>
+        <p:spPr>
+          <a:xfrm>
+            <a:off x="159649" y="2706421"/>
+            <a:ext cx="6082125" cy="1913795"/>
+          </a:xfrm>
+          <a:prstGeom prst="rect">
+            <a:avLst/>
+          </a:prstGeom>
+        </p:spPr>
+      </p:pic>
+      <p:pic>
+        <p:nvPicPr>
+          <p:cNvPr id="5" name="صورة 4"/>
+          <p:cNvPicPr>
+            <a:picLocks noChangeAspect="1"/>
+          </p:cNvPicPr>
+          <p:nvPr/>
+        </p:nvPicPr>
+        <p:blipFill>
+          <a:blip r:embed="rId4"/>
+          <a:stretch>
+            <a:fillRect/>
+          </a:stretch>
+        </p:blipFill>
+        <p:spPr>
+          <a:xfrm>
+            <a:off x="6487679" y="2100941"/>
+            <a:ext cx="5514975" cy="4181475"/>
+          </a:xfrm>
+          <a:prstGeom prst="rect">
+            <a:avLst/>
+          </a:prstGeom>
+        </p:spPr>
+      </p:pic>
+    </p:spTree>
+    <p:extLst>
+      <p:ext uri="{BB962C8B-B14F-4D97-AF65-F5344CB8AC3E}">
+        <p14:creationId xmlns:p14="http://schemas.microsoft.com/office/powerpoint/2010/main" val="2825146744"/>
+      </p:ext>
+    </p:extLst>
+  </p:cSld>
+  <p:clrMapOvr>
+    <a:masterClrMapping/>
+  </p:clrMapOvr>
   <mc:AlternateContent xmlns:mc="http://schemas.openxmlformats.org/markup-compatibility/2006">
     <mc:Choice xmlns:p14="http://schemas.microsoft.com/office/powerpoint/2010/main" Requires="p14">
       <p:transition spd="slow" p14:dur="1300">
@@ -11405,6 +12005,13 @@
       </p:transition>
     </mc:Fallback>
   </mc:AlternateContent>
+  <p:timing>
+    <p:tnLst>
+      <p:par>
+        <p:cTn id="1" dur="indefinite" restart="never" nodeType="tmRoot"/>
+      </p:par>
+    </p:tnLst>
+  </p:timing>
 </p:sld>
 </file>
 
@@ -11454,7 +12061,7 @@
                 <a:gridCol w="5257800">
                   <a:extLst>
                     <a:ext uri="{9D8B030D-6E8A-4147-A177-3AD203B41FA5}">
-                      <a16:colId xmlns:a16="http://schemas.microsoft.com/office/drawing/2014/main" val="20000"/>
+                      <a16:colId xmlns:a16="http://schemas.microsoft.com/office/drawing/2014/main" xmlns="" val="20000"/>
                     </a:ext>
                   </a:extLst>
                 </a:gridCol>
@@ -11481,7 +12088,7 @@
                 </a:tc>
                 <a:extLst>
                   <a:ext uri="{0D108BD9-81ED-4DB2-BD59-A6C34878D82A}">
-                    <a16:rowId xmlns:a16="http://schemas.microsoft.com/office/drawing/2014/main" val="10000"/>
+                    <a16:rowId xmlns:a16="http://schemas.microsoft.com/office/drawing/2014/main" xmlns="" val="10000"/>
                   </a:ext>
                 </a:extLst>
               </a:tr>
@@ -11502,7 +12109,7 @@
                 </a:tc>
                 <a:extLst>
                   <a:ext uri="{0D108BD9-81ED-4DB2-BD59-A6C34878D82A}">
-                    <a16:rowId xmlns:a16="http://schemas.microsoft.com/office/drawing/2014/main" val="10001"/>
+                    <a16:rowId xmlns:a16="http://schemas.microsoft.com/office/drawing/2014/main" xmlns="" val="10001"/>
                   </a:ext>
                 </a:extLst>
               </a:tr>
@@ -11548,7 +12155,7 @@
                 </a:tc>
                 <a:extLst>
                   <a:ext uri="{0D108BD9-81ED-4DB2-BD59-A6C34878D82A}">
-                    <a16:rowId xmlns:a16="http://schemas.microsoft.com/office/drawing/2014/main" val="10002"/>
+                    <a16:rowId xmlns:a16="http://schemas.microsoft.com/office/drawing/2014/main" xmlns="" val="10002"/>
                   </a:ext>
                 </a:extLst>
               </a:tr>
@@ -11664,7 +12271,7 @@
                 <a:gridCol w="5257800">
                   <a:extLst>
                     <a:ext uri="{9D8B030D-6E8A-4147-A177-3AD203B41FA5}">
-                      <a16:colId xmlns:a16="http://schemas.microsoft.com/office/drawing/2014/main" val="20000"/>
+                      <a16:colId xmlns:a16="http://schemas.microsoft.com/office/drawing/2014/main" xmlns="" val="20000"/>
                     </a:ext>
                   </a:extLst>
                 </a:gridCol>
@@ -11691,7 +12298,7 @@
                 </a:tc>
                 <a:extLst>
                   <a:ext uri="{0D108BD9-81ED-4DB2-BD59-A6C34878D82A}">
-                    <a16:rowId xmlns:a16="http://schemas.microsoft.com/office/drawing/2014/main" val="10000"/>
+                    <a16:rowId xmlns:a16="http://schemas.microsoft.com/office/drawing/2014/main" xmlns="" val="10000"/>
                   </a:ext>
                 </a:extLst>
               </a:tr>
@@ -11717,7 +12324,7 @@
                 </a:tc>
                 <a:extLst>
                   <a:ext uri="{0D108BD9-81ED-4DB2-BD59-A6C34878D82A}">
-                    <a16:rowId xmlns:a16="http://schemas.microsoft.com/office/drawing/2014/main" val="10001"/>
+                    <a16:rowId xmlns:a16="http://schemas.microsoft.com/office/drawing/2014/main" xmlns="" val="10001"/>
                   </a:ext>
                 </a:extLst>
               </a:tr>
@@ -11758,7 +12365,7 @@
                 </a:tc>
                 <a:extLst>
                   <a:ext uri="{0D108BD9-81ED-4DB2-BD59-A6C34878D82A}">
-                    <a16:rowId xmlns:a16="http://schemas.microsoft.com/office/drawing/2014/main" val="10002"/>
+                    <a16:rowId xmlns:a16="http://schemas.microsoft.com/office/drawing/2014/main" xmlns="" val="10002"/>
                   </a:ext>
                 </a:extLst>
               </a:tr>
@@ -11788,6 +12395,285 @@
       </p:transition>
     </mc:Fallback>
   </mc:AlternateContent>
+</p:sld>
+</file>
+
+<file path=ppt/slides/slide30.xml><?xml version="1.0" encoding="utf-8"?>
+<p:sld xmlns:a="http://schemas.openxmlformats.org/drawingml/2006/main" xmlns:r="http://schemas.openxmlformats.org/officeDocument/2006/relationships" xmlns:p="http://schemas.openxmlformats.org/presentationml/2006/main">
+  <p:cSld>
+    <p:spTree>
+      <p:nvGrpSpPr>
+        <p:cNvPr id="1" name=""/>
+        <p:cNvGrpSpPr/>
+        <p:nvPr/>
+      </p:nvGrpSpPr>
+      <p:grpSpPr>
+        <a:xfrm>
+          <a:off x="0" y="0"/>
+          <a:ext cx="0" cy="0"/>
+          <a:chOff x="0" y="0"/>
+          <a:chExt cx="0" cy="0"/>
+        </a:xfrm>
+      </p:grpSpPr>
+      <p:sp>
+        <p:nvSpPr>
+          <p:cNvPr id="6" name="عنوان 1">
+            <a:extLst>
+              <a:ext uri="{FF2B5EF4-FFF2-40B4-BE49-F238E27FC236}">
+                <a16:creationId xmlns:a16="http://schemas.microsoft.com/office/drawing/2014/main" xmlns="" id="{C45EC975-48AC-44AB-8E07-23FA12C6B678}"/>
+              </a:ext>
+            </a:extLst>
+          </p:cNvPr>
+          <p:cNvSpPr>
+            <a:spLocks noGrp="1"/>
+          </p:cNvSpPr>
+          <p:nvPr>
+            <p:ph type="title"/>
+          </p:nvPr>
+        </p:nvSpPr>
+        <p:spPr>
+          <a:xfrm>
+            <a:off x="838200" y="104248"/>
+            <a:ext cx="10515600" cy="1325563"/>
+          </a:xfrm>
+        </p:spPr>
+        <p:txBody>
+          <a:bodyPr>
+            <a:noAutofit/>
+          </a:bodyPr>
+          <a:lstStyle/>
+          <a:p>
+            <a:pPr algn="ctr"/>
+            <a:r>
+              <a:rPr lang="en-US" sz="4800" b="1" dirty="0">
+                <a:latin typeface="Times New Roman" panose="02020603050405020304" pitchFamily="18" charset="0"/>
+                <a:cs typeface="Times New Roman" panose="02020603050405020304" pitchFamily="18" charset="0"/>
+              </a:rPr>
+              <a:t>HTML </a:t>
+            </a:r>
+            <a:r>
+              <a:rPr lang="en-US" sz="4800" b="1" dirty="0" smtClean="0">
+                <a:latin typeface="Times New Roman" panose="02020603050405020304" pitchFamily="18" charset="0"/>
+                <a:cs typeface="Times New Roman" panose="02020603050405020304" pitchFamily="18" charset="0"/>
+              </a:rPr>
+              <a:t>Images</a:t>
+            </a:r>
+            <a:endParaRPr lang="en-US" sz="4800" b="1" dirty="0">
+              <a:latin typeface="Times New Roman" panose="02020603050405020304" pitchFamily="18" charset="0"/>
+              <a:cs typeface="Times New Roman" panose="02020603050405020304" pitchFamily="18" charset="0"/>
+            </a:endParaRPr>
+          </a:p>
+        </p:txBody>
+      </p:sp>
+      <p:sp>
+        <p:nvSpPr>
+          <p:cNvPr id="8" name="مربع نص 7">
+            <a:extLst>
+              <a:ext uri="{FF2B5EF4-FFF2-40B4-BE49-F238E27FC236}">
+                <a16:creationId xmlns:a16="http://schemas.microsoft.com/office/drawing/2014/main" xmlns="" id="{F79C5A59-0082-403E-9338-561C3DFA00FC}"/>
+              </a:ext>
+            </a:extLst>
+          </p:cNvPr>
+          <p:cNvSpPr txBox="1"/>
+          <p:nvPr/>
+        </p:nvSpPr>
+        <p:spPr>
+          <a:xfrm>
+            <a:off x="5874650" y="1380858"/>
+            <a:ext cx="6099462" cy="461665"/>
+          </a:xfrm>
+          <a:prstGeom prst="rect">
+            <a:avLst/>
+          </a:prstGeom>
+          <a:noFill/>
+        </p:spPr>
+        <p:txBody>
+          <a:bodyPr wrap="square">
+            <a:spAutoFit/>
+          </a:bodyPr>
+          <a:lstStyle/>
+          <a:p>
+            <a:pPr algn="ctr"/>
+            <a:r>
+              <a:rPr lang="en-US" sz="2400" b="1" dirty="0">
+                <a:latin typeface="Times New Roman" panose="02020603050405020304" pitchFamily="18" charset="0"/>
+                <a:cs typeface="Times New Roman" panose="02020603050405020304" pitchFamily="18" charset="0"/>
+              </a:rPr>
+              <a:t>Output</a:t>
+            </a:r>
+            <a:endParaRPr lang="en-US" b="1" dirty="0">
+              <a:latin typeface="Times New Roman" panose="02020603050405020304" pitchFamily="18" charset="0"/>
+              <a:cs typeface="Times New Roman" panose="02020603050405020304" pitchFamily="18" charset="0"/>
+            </a:endParaRPr>
+          </a:p>
+        </p:txBody>
+      </p:sp>
+      <p:sp>
+        <p:nvSpPr>
+          <p:cNvPr id="10" name="مربع نص 9">
+            <a:extLst>
+              <a:ext uri="{FF2B5EF4-FFF2-40B4-BE49-F238E27FC236}">
+                <a16:creationId xmlns:a16="http://schemas.microsoft.com/office/drawing/2014/main" xmlns="" id="{8CFEF47C-0831-4393-B358-F4F423116293}"/>
+              </a:ext>
+            </a:extLst>
+          </p:cNvPr>
+          <p:cNvSpPr txBox="1"/>
+          <p:nvPr/>
+        </p:nvSpPr>
+        <p:spPr>
+          <a:xfrm>
+            <a:off x="0" y="1419191"/>
+            <a:ext cx="6099462" cy="461665"/>
+          </a:xfrm>
+          <a:prstGeom prst="rect">
+            <a:avLst/>
+          </a:prstGeom>
+          <a:noFill/>
+        </p:spPr>
+        <p:txBody>
+          <a:bodyPr wrap="square">
+            <a:spAutoFit/>
+          </a:bodyPr>
+          <a:lstStyle/>
+          <a:p>
+            <a:pPr algn="ctr"/>
+            <a:r>
+              <a:rPr lang="en-US" sz="2400" b="1" dirty="0">
+                <a:latin typeface="Times New Roman" panose="02020603050405020304" pitchFamily="18" charset="0"/>
+                <a:cs typeface="Times New Roman" panose="02020603050405020304" pitchFamily="18" charset="0"/>
+              </a:rPr>
+              <a:t>Html code</a:t>
+            </a:r>
+            <a:endParaRPr lang="en-US" b="1" dirty="0">
+              <a:latin typeface="Times New Roman" panose="02020603050405020304" pitchFamily="18" charset="0"/>
+              <a:cs typeface="Times New Roman" panose="02020603050405020304" pitchFamily="18" charset="0"/>
+            </a:endParaRPr>
+          </a:p>
+        </p:txBody>
+      </p:sp>
+      <p:pic>
+        <p:nvPicPr>
+          <p:cNvPr id="4" name="صورة 3"/>
+          <p:cNvPicPr>
+            <a:picLocks noChangeAspect="1"/>
+          </p:cNvPicPr>
+          <p:nvPr/>
+        </p:nvPicPr>
+        <p:blipFill>
+          <a:blip r:embed="rId3"/>
+          <a:stretch>
+            <a:fillRect/>
+          </a:stretch>
+        </p:blipFill>
+        <p:spPr>
+          <a:xfrm>
+            <a:off x="8002033" y="2807685"/>
+            <a:ext cx="3134191" cy="1804071"/>
+          </a:xfrm>
+          <a:prstGeom prst="rect">
+            <a:avLst/>
+          </a:prstGeom>
+        </p:spPr>
+      </p:pic>
+      <p:pic>
+        <p:nvPicPr>
+          <p:cNvPr id="12" name="صورة 11"/>
+          <p:cNvPicPr>
+            <a:picLocks noChangeAspect="1"/>
+          </p:cNvPicPr>
+          <p:nvPr/>
+        </p:nvPicPr>
+        <p:blipFill>
+          <a:blip r:embed="rId4"/>
+          <a:stretch>
+            <a:fillRect/>
+          </a:stretch>
+        </p:blipFill>
+        <p:spPr>
+          <a:xfrm>
+            <a:off x="242973" y="2807685"/>
+            <a:ext cx="7193155" cy="1804071"/>
+          </a:xfrm>
+          <a:prstGeom prst="rect">
+            <a:avLst/>
+          </a:prstGeom>
+        </p:spPr>
+      </p:pic>
+      <p:sp>
+        <p:nvSpPr>
+          <p:cNvPr id="11" name="مستطيل 10"/>
+          <p:cNvSpPr/>
+          <p:nvPr/>
+        </p:nvSpPr>
+        <p:spPr>
+          <a:xfrm>
+            <a:off x="838199" y="3617843"/>
+            <a:ext cx="2441713" cy="449685"/>
+          </a:xfrm>
+          <a:prstGeom prst="rect">
+            <a:avLst/>
+          </a:prstGeom>
+          <a:noFill/>
+          <a:ln w="76200">
+            <a:solidFill>
+              <a:srgbClr val="FF0000"/>
+            </a:solidFill>
+          </a:ln>
+        </p:spPr>
+        <p:style>
+          <a:lnRef idx="2">
+            <a:schemeClr val="accent1">
+              <a:shade val="50000"/>
+            </a:schemeClr>
+          </a:lnRef>
+          <a:fillRef idx="1">
+            <a:schemeClr val="accent1"/>
+          </a:fillRef>
+          <a:effectRef idx="0">
+            <a:schemeClr val="accent1"/>
+          </a:effectRef>
+          <a:fontRef idx="minor">
+            <a:schemeClr val="lt1"/>
+          </a:fontRef>
+        </p:style>
+        <p:txBody>
+          <a:bodyPr rtlCol="1" anchor="ctr"/>
+          <a:lstStyle/>
+          <a:p>
+            <a:pPr algn="ctr"/>
+            <a:endParaRPr lang="ar-SY"/>
+          </a:p>
+        </p:txBody>
+      </p:sp>
+    </p:spTree>
+    <p:extLst>
+      <p:ext uri="{BB962C8B-B14F-4D97-AF65-F5344CB8AC3E}">
+        <p14:creationId xmlns:p14="http://schemas.microsoft.com/office/powerpoint/2010/main" val="3633214203"/>
+      </p:ext>
+    </p:extLst>
+  </p:cSld>
+  <p:clrMapOvr>
+    <a:masterClrMapping/>
+  </p:clrMapOvr>
+  <mc:AlternateContent xmlns:mc="http://schemas.openxmlformats.org/markup-compatibility/2006">
+    <mc:Choice xmlns:p14="http://schemas.microsoft.com/office/powerpoint/2010/main" Requires="p14">
+      <p:transition spd="slow" p14:dur="1300">
+        <p14:pan dir="u"/>
+      </p:transition>
+    </mc:Choice>
+    <mc:Fallback>
+      <p:transition spd="slow">
+        <p:fade/>
+      </p:transition>
+    </mc:Fallback>
+  </mc:AlternateContent>
+  <p:timing>
+    <p:tnLst>
+      <p:par>
+        <p:cTn id="1" dur="indefinite" restart="never" nodeType="tmRoot"/>
+      </p:par>
+    </p:tnLst>
+  </p:timing>
 </p:sld>
 </file>
 

--- a/web.pptx
+++ b/web.pptx
@@ -5,7 +5,7 @@
     <p:sldMasterId id="2147483840" r:id="rId1"/>
   </p:sldMasterIdLst>
   <p:notesMasterIdLst>
-    <p:notesMasterId r:id="rId32"/>
+    <p:notesMasterId r:id="rId42"/>
   </p:notesMasterIdLst>
   <p:sldIdLst>
     <p:sldId id="256" r:id="rId2"/>
@@ -30,14 +30,24 @@
     <p:sldId id="274" r:id="rId21"/>
     <p:sldId id="275" r:id="rId22"/>
     <p:sldId id="277" r:id="rId23"/>
-    <p:sldId id="276" r:id="rId24"/>
-    <p:sldId id="278" r:id="rId25"/>
-    <p:sldId id="281" r:id="rId26"/>
-    <p:sldId id="282" r:id="rId27"/>
-    <p:sldId id="283" r:id="rId28"/>
-    <p:sldId id="280" r:id="rId29"/>
-    <p:sldId id="284" r:id="rId30"/>
-    <p:sldId id="285" r:id="rId31"/>
+    <p:sldId id="291" r:id="rId24"/>
+    <p:sldId id="276" r:id="rId25"/>
+    <p:sldId id="278" r:id="rId26"/>
+    <p:sldId id="281" r:id="rId27"/>
+    <p:sldId id="282" r:id="rId28"/>
+    <p:sldId id="283" r:id="rId29"/>
+    <p:sldId id="280" r:id="rId30"/>
+    <p:sldId id="284" r:id="rId31"/>
+    <p:sldId id="285" r:id="rId32"/>
+    <p:sldId id="286" r:id="rId33"/>
+    <p:sldId id="287" r:id="rId34"/>
+    <p:sldId id="288" r:id="rId35"/>
+    <p:sldId id="289" r:id="rId36"/>
+    <p:sldId id="290" r:id="rId37"/>
+    <p:sldId id="292" r:id="rId38"/>
+    <p:sldId id="293" r:id="rId39"/>
+    <p:sldId id="294" r:id="rId40"/>
+    <p:sldId id="295" r:id="rId41"/>
   </p:sldIdLst>
   <p:sldSz cx="12192000" cy="6858000"/>
   <p:notesSz cx="6858000" cy="9144000"/>
@@ -226,7 +236,7 @@
           <a:p>
             <a:fld id="{0A1A1DAE-EBF7-412C-A29B-AC6DBC49921F}" type="datetimeFigureOut">
               <a:rPr lang="ar-SY" smtClean="0"/>
-              <a:t>04/02/1442</a:t>
+              <a:t>05/02/1442</a:t>
             </a:fld>
             <a:endParaRPr lang="ar-SY"/>
           </a:p>
@@ -1174,16 +1184,6 @@
               <a:t>: </a:t>
             </a:r>
             <a:r>
-              <a:rPr lang="en-US" b="1" i="0" dirty="0" err="1">
-                <a:solidFill>
-                  <a:srgbClr val="333333"/>
-                </a:solidFill>
-                <a:effectLst/>
-                <a:latin typeface="Arial" panose="020B0604020202020204" pitchFamily="34" charset="0"/>
-              </a:rPr>
-              <a:t>HyperText</a:t>
-            </a:r>
-            <a:r>
               <a:rPr lang="en-US" b="1" i="0" dirty="0">
                 <a:solidFill>
                   <a:srgbClr val="333333"/>
@@ -1191,7 +1191,7 @@
                 <a:effectLst/>
                 <a:latin typeface="Arial" panose="020B0604020202020204" pitchFamily="34" charset="0"/>
               </a:rPr>
-              <a:t> Markup Language</a:t>
+              <a:t>HyperText Markup Language</a:t>
             </a:r>
             <a:r>
               <a:rPr lang="ar-SA" b="1" i="0" dirty="0">
@@ -2069,6 +2069,16 @@
               <a:rPr lang="en-US" baseline="0" dirty="0"/>
               <a:t>body</a:t>
             </a:r>
+            <a:endParaRPr lang="ar-SA" baseline="0" dirty="0"/>
+          </a:p>
+          <a:p>
+            <a:r>
+              <a:rPr lang="ar-SA" baseline="0" dirty="0"/>
+              <a:t>التعليقات في الصفحة لا تظهر </a:t>
+            </a:r>
+            <a:endParaRPr lang="en-US" baseline="0" dirty="0"/>
+          </a:p>
+          <a:p>
             <a:endParaRPr lang="ar-SY" dirty="0"/>
           </a:p>
         </p:txBody>
@@ -2907,29 +2917,9 @@
           <a:p>
             <a:r>
               <a:rPr lang="ar-SA" dirty="0"/>
-              <a:t>يوجد أكثر من درجة للعناوين من 1 حتى 6 </a:t>
-            </a:r>
-          </a:p>
-          <a:p>
-            <a:r>
-              <a:rPr lang="ar-SA" dirty="0"/>
-              <a:t>يكون اكبرها </a:t>
-            </a:r>
-            <a:r>
-              <a:rPr lang="en-US" dirty="0"/>
-              <a:t>h1</a:t>
-            </a:r>
-            <a:endParaRPr lang="ar-SA" dirty="0"/>
-          </a:p>
-          <a:p>
-            <a:r>
-              <a:rPr lang="ar-SA" dirty="0"/>
-              <a:t>و أصغرها </a:t>
-            </a:r>
-            <a:r>
-              <a:rPr lang="en-US" dirty="0"/>
-              <a:t>h6</a:t>
-            </a:r>
+              <a:t>يمكن وضع نصوص بصيغ خاصة</a:t>
+            </a:r>
+            <a:endParaRPr lang="en-US" dirty="0"/>
           </a:p>
         </p:txBody>
       </p:sp>
@@ -2959,7 +2949,7 @@
     </p:spTree>
     <p:extLst>
       <p:ext uri="{BB962C8B-B14F-4D97-AF65-F5344CB8AC3E}">
-        <p14:creationId xmlns:p14="http://schemas.microsoft.com/office/powerpoint/2010/main" val="36419190"/>
+        <p14:creationId xmlns:p14="http://schemas.microsoft.com/office/powerpoint/2010/main" val="1474853279"/>
       </p:ext>
     </p:extLst>
   </p:cSld>
@@ -3015,38 +3005,29 @@
           <a:p>
             <a:r>
               <a:rPr lang="ar-SA" dirty="0"/>
-              <a:t>يتم استخدام </a:t>
+              <a:t>يوجد أكثر من درجة للعناوين من 1 حتى 6 </a:t>
+            </a:r>
+          </a:p>
+          <a:p>
+            <a:r>
+              <a:rPr lang="ar-SA" dirty="0"/>
+              <a:t>يكون اكبرها </a:t>
             </a:r>
             <a:r>
               <a:rPr lang="en-US" dirty="0"/>
-              <a:t>a </a:t>
-            </a:r>
+              <a:t>h1</a:t>
+            </a:r>
+            <a:endParaRPr lang="ar-SA" dirty="0"/>
+          </a:p>
+          <a:p>
             <a:r>
               <a:rPr lang="ar-SA" dirty="0"/>
-              <a:t>(</a:t>
+              <a:t>و أصغرها </a:t>
             </a:r>
             <a:r>
               <a:rPr lang="en-US" dirty="0"/>
-              <a:t>link</a:t>
-            </a:r>
-            <a:r>
-              <a:rPr lang="ar-SA" dirty="0"/>
-              <a:t>) لربط صفحات الموقع مع بعضها أو الارتباط مع صفحات و مواقع أخرى </a:t>
-            </a:r>
-          </a:p>
-          <a:p>
-            <a:r>
-              <a:rPr lang="ar-SA" dirty="0"/>
-              <a:t>بحيث يتم تحديد الرابط الخاص بالصفحة الهدف عن طريق </a:t>
-            </a:r>
-            <a:r>
-              <a:rPr lang="en-US" dirty="0" err="1"/>
-              <a:t>href</a:t>
-            </a:r>
-            <a:endParaRPr lang="ar-SA" dirty="0"/>
-          </a:p>
-          <a:p>
-            <a:endParaRPr lang="ar-SA" dirty="0"/>
+              <a:t>h6</a:t>
+            </a:r>
           </a:p>
         </p:txBody>
       </p:sp>
@@ -3076,7 +3057,7 @@
     </p:spTree>
     <p:extLst>
       <p:ext uri="{BB962C8B-B14F-4D97-AF65-F5344CB8AC3E}">
-        <p14:creationId xmlns:p14="http://schemas.microsoft.com/office/powerpoint/2010/main" val="142374516"/>
+        <p14:creationId xmlns:p14="http://schemas.microsoft.com/office/powerpoint/2010/main" val="36419190"/>
       </p:ext>
     </p:extLst>
   </p:cSld>
@@ -3132,8 +3113,35 @@
           <a:p>
             <a:r>
               <a:rPr lang="ar-SA" dirty="0"/>
-              <a:t>يمكن استخدام صورة بدلاً من استخدام نص كرابط لصفحة أخرى </a:t>
-            </a:r>
+              <a:t>يتم استخدام </a:t>
+            </a:r>
+            <a:r>
+              <a:rPr lang="en-US" dirty="0"/>
+              <a:t>a </a:t>
+            </a:r>
+            <a:r>
+              <a:rPr lang="ar-SA" dirty="0"/>
+              <a:t>(</a:t>
+            </a:r>
+            <a:r>
+              <a:rPr lang="en-US" dirty="0"/>
+              <a:t>link</a:t>
+            </a:r>
+            <a:r>
+              <a:rPr lang="ar-SA" dirty="0"/>
+              <a:t>) لربط صفحات الموقع مع بعضها أو الارتباط مع صفحات و مواقع أخرى </a:t>
+            </a:r>
+          </a:p>
+          <a:p>
+            <a:r>
+              <a:rPr lang="ar-SA" dirty="0"/>
+              <a:t>بحيث يتم تحديد الرابط الخاص بالصفحة الهدف عن طريق </a:t>
+            </a:r>
+            <a:r>
+              <a:rPr lang="en-US" dirty="0" err="1"/>
+              <a:t>href</a:t>
+            </a:r>
+            <a:endParaRPr lang="ar-SA" dirty="0"/>
           </a:p>
           <a:p>
             <a:endParaRPr lang="ar-SA" dirty="0"/>
@@ -3166,7 +3174,7 @@
     </p:spTree>
     <p:extLst>
       <p:ext uri="{BB962C8B-B14F-4D97-AF65-F5344CB8AC3E}">
-        <p14:creationId xmlns:p14="http://schemas.microsoft.com/office/powerpoint/2010/main" val="1464452692"/>
+        <p14:creationId xmlns:p14="http://schemas.microsoft.com/office/powerpoint/2010/main" val="142374516"/>
       </p:ext>
     </p:extLst>
   </p:cSld>
@@ -3222,19 +3230,7 @@
           <a:p>
             <a:r>
               <a:rPr lang="ar-SA" dirty="0"/>
-              <a:t>يمكن استخدام الروابط المطلقة أو النسبية:</a:t>
-            </a:r>
-          </a:p>
-          <a:p>
-            <a:r>
-              <a:rPr lang="ar-SA" dirty="0"/>
-              <a:t>الرابط المطلق : بحيث يكتب الرابط "كعنوان صفحة ويب كامل" و غالبا ما يستخدم في حالة طلب موقع خارجي </a:t>
-            </a:r>
-          </a:p>
-          <a:p>
-            <a:r>
-              <a:rPr lang="ar-SA" dirty="0"/>
-              <a:t>الرابط النسبي: يكتب الرابط بشكل نسبي انطلقاً من الصفحة الحالية </a:t>
+              <a:t>يمكن استخدام صورة بدلاً من استخدام نص كرابط لصفحة أخرى </a:t>
             </a:r>
           </a:p>
           <a:p>
@@ -3268,7 +3264,7 @@
     </p:spTree>
     <p:extLst>
       <p:ext uri="{BB962C8B-B14F-4D97-AF65-F5344CB8AC3E}">
-        <p14:creationId xmlns:p14="http://schemas.microsoft.com/office/powerpoint/2010/main" val="1631188975"/>
+        <p14:creationId xmlns:p14="http://schemas.microsoft.com/office/powerpoint/2010/main" val="1464452692"/>
       </p:ext>
     </p:extLst>
   </p:cSld>
@@ -3324,56 +3320,20 @@
           <a:p>
             <a:r>
               <a:rPr lang="ar-SA" dirty="0"/>
-              <a:t>في الروابط النسبية </a:t>
-            </a:r>
-            <a:r>
-              <a:rPr lang="ar-SA" dirty="0" smtClean="0"/>
-              <a:t/>
-            </a:r>
-            <a:br>
-              <a:rPr lang="ar-SA" dirty="0" smtClean="0"/>
-            </a:br>
-            <a:r>
-              <a:rPr lang="ar-SA" dirty="0" err="1" smtClean="0"/>
-              <a:t>نستخدام</a:t>
-            </a:r>
-            <a:r>
-              <a:rPr lang="ar-SA" dirty="0" smtClean="0"/>
-              <a:t> </a:t>
-            </a:r>
-            <a:r>
-              <a:rPr lang="en-US" dirty="0"/>
-              <a:t>“/”</a:t>
-            </a:r>
+              <a:t>يمكن استخدام الروابط المطلقة أو النسبية:</a:t>
+            </a:r>
+          </a:p>
+          <a:p>
             <a:r>
               <a:rPr lang="ar-SA" dirty="0"/>
-              <a:t>  لفتح ملف "خطوة للأمام"</a:t>
+              <a:t>الرابط المطلق : بحيث يكتب الرابط "كعنوان صفحة ويب كامل" و غالبا ما يستخدم في حالة طلب موقع خارجي </a:t>
             </a:r>
           </a:p>
           <a:p>
             <a:r>
               <a:rPr lang="ar-SA" dirty="0"/>
-              <a:t>و “</a:t>
-            </a:r>
-            <a:r>
-              <a:rPr lang="en-US" dirty="0"/>
-              <a:t>../</a:t>
-            </a:r>
-            <a:r>
-              <a:rPr lang="ar-SA" dirty="0"/>
-              <a:t>“</a:t>
-            </a:r>
-            <a:r>
-              <a:rPr lang="en-US" dirty="0"/>
-              <a:t> </a:t>
-            </a:r>
-            <a:r>
-              <a:rPr lang="ar-SA" dirty="0"/>
-              <a:t> للرجوع للخلف  "خطوة للخلف"</a:t>
-            </a:r>
-          </a:p>
-          <a:p>
-            <a:endParaRPr lang="ar-SA" dirty="0"/>
+              <a:t>الرابط النسبي: يكتب الرابط بشكل نسبي انطلقاً من الصفحة الحالية </a:t>
+            </a:r>
           </a:p>
           <a:p>
             <a:endParaRPr lang="ar-SA" dirty="0"/>
@@ -3406,7 +3366,7 @@
     </p:spTree>
     <p:extLst>
       <p:ext uri="{BB962C8B-B14F-4D97-AF65-F5344CB8AC3E}">
-        <p14:creationId xmlns:p14="http://schemas.microsoft.com/office/powerpoint/2010/main" val="1402236627"/>
+        <p14:creationId xmlns:p14="http://schemas.microsoft.com/office/powerpoint/2010/main" val="1631188975"/>
       </p:ext>
     </p:extLst>
   </p:cSld>
@@ -3462,18 +3422,54 @@
           <a:p>
             <a:r>
               <a:rPr lang="ar-SA" dirty="0"/>
-              <a:t>بشكل اعتيادي سيتم فتح الصفحة الجديدة في نفس نافذة المتصفح</a:t>
-            </a:r>
-          </a:p>
-          <a:p>
-            <a:r>
+              <a:t>في الروابط النسبية </a:t>
+            </a:r>
+            <a:br>
               <a:rPr lang="ar-SA" dirty="0"/>
-              <a:t>و لكن يمكن فتح الصفحة الجديدة في تبويب جديد باستخدام </a:t>
+            </a:br>
+            <a:r>
+              <a:rPr lang="ar-SA" dirty="0" err="1"/>
+              <a:t>نستخدام</a:t>
+            </a:r>
+            <a:r>
+              <a:rPr lang="ar-SA" dirty="0"/>
+              <a:t> </a:t>
             </a:r>
             <a:r>
               <a:rPr lang="en-US" dirty="0"/>
-              <a:t>target="_blank"</a:t>
-            </a:r>
+              <a:t>“/”</a:t>
+            </a:r>
+            <a:r>
+              <a:rPr lang="ar-SA" dirty="0"/>
+              <a:t>  لفتح ملف "خطوة للأمام"</a:t>
+            </a:r>
+          </a:p>
+          <a:p>
+            <a:r>
+              <a:rPr lang="ar-SA" dirty="0"/>
+              <a:t>و “</a:t>
+            </a:r>
+            <a:r>
+              <a:rPr lang="en-US" dirty="0"/>
+              <a:t>../</a:t>
+            </a:r>
+            <a:r>
+              <a:rPr lang="ar-SA" dirty="0"/>
+              <a:t>“</a:t>
+            </a:r>
+            <a:r>
+              <a:rPr lang="en-US" dirty="0"/>
+              <a:t> </a:t>
+            </a:r>
+            <a:r>
+              <a:rPr lang="ar-SA" dirty="0"/>
+              <a:t> للرجوع للخلف  "خطوة للخلف"</a:t>
+            </a:r>
+          </a:p>
+          <a:p>
+            <a:endParaRPr lang="ar-SA" dirty="0"/>
+          </a:p>
+          <a:p>
             <a:endParaRPr lang="ar-SA" dirty="0"/>
           </a:p>
         </p:txBody>
@@ -3504,7 +3500,7 @@
     </p:spTree>
     <p:extLst>
       <p:ext uri="{BB962C8B-B14F-4D97-AF65-F5344CB8AC3E}">
-        <p14:creationId xmlns:p14="http://schemas.microsoft.com/office/powerpoint/2010/main" val="2903009379"/>
+        <p14:creationId xmlns:p14="http://schemas.microsoft.com/office/powerpoint/2010/main" val="1402236627"/>
       </p:ext>
     </p:extLst>
   </p:cSld>
@@ -3559,61 +3555,20 @@
           <a:lstStyle/>
           <a:p>
             <a:r>
-              <a:rPr lang="ar-SY" dirty="0" smtClean="0"/>
-              <a:t>لعرض</a:t>
-            </a:r>
-            <a:r>
-              <a:rPr lang="ar-SY" baseline="0" dirty="0" smtClean="0"/>
-              <a:t> صورة نستخدم </a:t>
-            </a:r>
-            <a:r>
-              <a:rPr lang="ar-SY" baseline="0" dirty="0" err="1" smtClean="0"/>
-              <a:t>تاغ</a:t>
-            </a:r>
-            <a:r>
-              <a:rPr lang="ar-SY" baseline="0" dirty="0" smtClean="0"/>
-              <a:t> </a:t>
-            </a:r>
-            <a:r>
-              <a:rPr lang="en-US" baseline="0" dirty="0" err="1" smtClean="0"/>
-              <a:t>img</a:t>
-            </a:r>
-            <a:r>
-              <a:rPr lang="en-US" baseline="0" dirty="0" smtClean="0"/>
-              <a:t>  </a:t>
-            </a:r>
-            <a:r>
-              <a:rPr lang="ar-SY" baseline="0" dirty="0" smtClean="0"/>
-              <a:t>  :</a:t>
-            </a:r>
-          </a:p>
-          <a:p>
-            <a:r>
-              <a:rPr lang="ar-SY" baseline="0" dirty="0" smtClean="0"/>
-              <a:t>يتم تحديد موقع الصورة المطلوبة : باستخدام  الواصفة </a:t>
-            </a:r>
-            <a:r>
-              <a:rPr lang="en-US" baseline="0" dirty="0" err="1" smtClean="0"/>
-              <a:t>src</a:t>
-            </a:r>
-            <a:endParaRPr lang="en-US" baseline="0" dirty="0" smtClean="0"/>
-          </a:p>
-          <a:p>
-            <a:r>
-              <a:rPr lang="ar-SY" baseline="0" dirty="0" smtClean="0"/>
-              <a:t>في حال وجود مشكلة في تحميل الصورة يتم عرض النص البديل المكتوب في الواصفة </a:t>
-            </a:r>
-            <a:r>
-              <a:rPr lang="en-US" baseline="0" dirty="0" smtClean="0"/>
-              <a:t>alt</a:t>
-            </a:r>
-            <a:endParaRPr lang="ar-SY" baseline="0" dirty="0" smtClean="0"/>
-          </a:p>
-          <a:p>
-            <a:r>
-              <a:rPr lang="ar-SY" baseline="0" dirty="0" smtClean="0"/>
-              <a:t>يمكن تحديد طول و عرض الصورة </a:t>
-            </a:r>
+              <a:rPr lang="ar-SA" dirty="0"/>
+              <a:t>بشكل اعتيادي سيتم فتح الصفحة الجديدة في نفس نافذة المتصفح</a:t>
+            </a:r>
+          </a:p>
+          <a:p>
+            <a:r>
+              <a:rPr lang="ar-SA" dirty="0"/>
+              <a:t>و لكن يمكن فتح الصفحة الجديدة في تبويب جديد باستخدام </a:t>
+            </a:r>
+            <a:r>
+              <a:rPr lang="en-US" dirty="0"/>
+              <a:t>target="_blank"</a:t>
+            </a:r>
+            <a:endParaRPr lang="ar-SA" dirty="0"/>
           </a:p>
         </p:txBody>
       </p:sp>
@@ -3643,7 +3598,7 @@
     </p:spTree>
     <p:extLst>
       <p:ext uri="{BB962C8B-B14F-4D97-AF65-F5344CB8AC3E}">
-        <p14:creationId xmlns:p14="http://schemas.microsoft.com/office/powerpoint/2010/main" val="258870236"/>
+        <p14:creationId xmlns:p14="http://schemas.microsoft.com/office/powerpoint/2010/main" val="2903009379"/>
       </p:ext>
     </p:extLst>
   </p:cSld>
@@ -3782,66 +3737,60 @@
           <a:lstStyle/>
           <a:p>
             <a:r>
-              <a:rPr lang="ar-SY" dirty="0" smtClean="0"/>
+              <a:rPr lang="ar-SY" dirty="0"/>
               <a:t>لعرض</a:t>
             </a:r>
             <a:r>
-              <a:rPr lang="ar-SY" baseline="0" dirty="0" smtClean="0"/>
+              <a:rPr lang="ar-SY" baseline="0" dirty="0"/>
               <a:t> صورة نستخدم </a:t>
             </a:r>
             <a:r>
-              <a:rPr lang="ar-SY" baseline="0" dirty="0" err="1" smtClean="0"/>
+              <a:rPr lang="ar-SY" baseline="0" dirty="0" err="1"/>
               <a:t>تاغ</a:t>
             </a:r>
             <a:r>
-              <a:rPr lang="ar-SY" baseline="0" dirty="0" smtClean="0"/>
+              <a:rPr lang="ar-SY" baseline="0" dirty="0"/>
               <a:t> </a:t>
             </a:r>
             <a:r>
-              <a:rPr lang="en-US" baseline="0" dirty="0" err="1" smtClean="0"/>
+              <a:rPr lang="en-US" baseline="0" dirty="0" err="1"/>
               <a:t>img</a:t>
             </a:r>
             <a:r>
-              <a:rPr lang="en-US" baseline="0" dirty="0" smtClean="0"/>
+              <a:rPr lang="en-US" baseline="0" dirty="0"/>
               <a:t>  </a:t>
             </a:r>
             <a:r>
-              <a:rPr lang="ar-SY" baseline="0" dirty="0" smtClean="0"/>
+              <a:rPr lang="ar-SY" baseline="0" dirty="0"/>
               <a:t>  :</a:t>
             </a:r>
           </a:p>
           <a:p>
             <a:r>
-              <a:rPr lang="ar-SY" baseline="0" dirty="0" smtClean="0"/>
+              <a:rPr lang="ar-SY" baseline="0" dirty="0"/>
               <a:t>يتم تحديد موقع الصورة المطلوبة : باستخدام  الواصفة </a:t>
             </a:r>
             <a:r>
-              <a:rPr lang="en-US" baseline="0" dirty="0" err="1" smtClean="0"/>
+              <a:rPr lang="en-US" baseline="0" dirty="0" err="1"/>
               <a:t>src</a:t>
             </a:r>
-            <a:endParaRPr lang="en-US" baseline="0" dirty="0" smtClean="0"/>
-          </a:p>
-          <a:p>
-            <a:r>
-              <a:rPr lang="ar-SY" baseline="0" dirty="0" smtClean="0"/>
+            <a:endParaRPr lang="en-US" baseline="0" dirty="0"/>
+          </a:p>
+          <a:p>
+            <a:r>
+              <a:rPr lang="ar-SY" baseline="0" dirty="0"/>
               <a:t>في حال وجود مشكلة في تحميل الصورة يتم عرض النص البديل المكتوب في الواصفة </a:t>
             </a:r>
             <a:r>
-              <a:rPr lang="en-US" baseline="0" dirty="0" smtClean="0"/>
+              <a:rPr lang="en-US" baseline="0" dirty="0"/>
               <a:t>alt</a:t>
             </a:r>
-            <a:endParaRPr lang="ar-SY" baseline="0" dirty="0" smtClean="0"/>
-          </a:p>
-          <a:p>
-            <a:r>
-              <a:rPr lang="ar-SY" baseline="0" dirty="0" smtClean="0"/>
+            <a:endParaRPr lang="ar-SY" baseline="0" dirty="0"/>
+          </a:p>
+          <a:p>
+            <a:r>
+              <a:rPr lang="ar-SY" baseline="0" dirty="0"/>
               <a:t>يمكن تحديد طول و عرض الصورة </a:t>
-            </a:r>
-          </a:p>
-          <a:p>
-            <a:r>
-              <a:rPr lang="ar-SY" baseline="0" dirty="0" smtClean="0"/>
-              <a:t>في حال تم طلب صورة غير موجودة سيظهر النص البديل</a:t>
             </a:r>
           </a:p>
         </p:txBody>
@@ -3872,7 +3821,1028 @@
     </p:spTree>
     <p:extLst>
       <p:ext uri="{BB962C8B-B14F-4D97-AF65-F5344CB8AC3E}">
+        <p14:creationId xmlns:p14="http://schemas.microsoft.com/office/powerpoint/2010/main" val="258870236"/>
+      </p:ext>
+    </p:extLst>
+  </p:cSld>
+  <p:clrMapOvr>
+    <a:masterClrMapping/>
+  </p:clrMapOvr>
+</p:notes>
+</file>
+
+<file path=ppt/notesSlides/notesSlide31.xml><?xml version="1.0" encoding="utf-8"?>
+<p:notes xmlns:a="http://schemas.openxmlformats.org/drawingml/2006/main" xmlns:r="http://schemas.openxmlformats.org/officeDocument/2006/relationships" xmlns:p="http://schemas.openxmlformats.org/presentationml/2006/main">
+  <p:cSld>
+    <p:spTree>
+      <p:nvGrpSpPr>
+        <p:cNvPr id="1" name=""/>
+        <p:cNvGrpSpPr/>
+        <p:nvPr/>
+      </p:nvGrpSpPr>
+      <p:grpSpPr>
+        <a:xfrm>
+          <a:off x="0" y="0"/>
+          <a:ext cx="0" cy="0"/>
+          <a:chOff x="0" y="0"/>
+          <a:chExt cx="0" cy="0"/>
+        </a:xfrm>
+      </p:grpSpPr>
+      <p:sp>
+        <p:nvSpPr>
+          <p:cNvPr id="2" name="عنصر نائب لصورة الشريحة 1"/>
+          <p:cNvSpPr>
+            <a:spLocks noGrp="1" noRot="1" noChangeAspect="1"/>
+          </p:cNvSpPr>
+          <p:nvPr>
+            <p:ph type="sldImg"/>
+          </p:nvPr>
+        </p:nvSpPr>
+        <p:spPr/>
+      </p:sp>
+      <p:sp>
+        <p:nvSpPr>
+          <p:cNvPr id="3" name="عنصر نائب للملاحظات 2"/>
+          <p:cNvSpPr>
+            <a:spLocks noGrp="1"/>
+          </p:cNvSpPr>
+          <p:nvPr>
+            <p:ph type="body" idx="1"/>
+          </p:nvPr>
+        </p:nvSpPr>
+        <p:spPr/>
+        <p:txBody>
+          <a:bodyPr/>
+          <a:lstStyle/>
+          <a:p>
+            <a:r>
+              <a:rPr lang="ar-SY" dirty="0"/>
+              <a:t>لعرض</a:t>
+            </a:r>
+            <a:r>
+              <a:rPr lang="ar-SY" baseline="0" dirty="0"/>
+              <a:t> صورة نستخدم </a:t>
+            </a:r>
+            <a:r>
+              <a:rPr lang="ar-SY" baseline="0" dirty="0" err="1"/>
+              <a:t>تاغ</a:t>
+            </a:r>
+            <a:r>
+              <a:rPr lang="ar-SY" baseline="0" dirty="0"/>
+              <a:t> </a:t>
+            </a:r>
+            <a:r>
+              <a:rPr lang="en-US" baseline="0" dirty="0" err="1"/>
+              <a:t>img</a:t>
+            </a:r>
+            <a:r>
+              <a:rPr lang="en-US" baseline="0" dirty="0"/>
+              <a:t>  </a:t>
+            </a:r>
+            <a:r>
+              <a:rPr lang="ar-SY" baseline="0" dirty="0"/>
+              <a:t>  :</a:t>
+            </a:r>
+          </a:p>
+          <a:p>
+            <a:r>
+              <a:rPr lang="ar-SY" baseline="0" dirty="0"/>
+              <a:t>يتم تحديد موقع الصورة المطلوبة : باستخدام  الواصفة </a:t>
+            </a:r>
+            <a:r>
+              <a:rPr lang="en-US" baseline="0" dirty="0" err="1"/>
+              <a:t>src</a:t>
+            </a:r>
+            <a:endParaRPr lang="en-US" baseline="0" dirty="0"/>
+          </a:p>
+          <a:p>
+            <a:r>
+              <a:rPr lang="ar-SY" baseline="0" dirty="0"/>
+              <a:t>في حال وجود مشكلة في تحميل الصورة يتم عرض النص البديل المكتوب في الواصفة </a:t>
+            </a:r>
+            <a:r>
+              <a:rPr lang="en-US" baseline="0" dirty="0"/>
+              <a:t>alt</a:t>
+            </a:r>
+            <a:endParaRPr lang="ar-SY" baseline="0" dirty="0"/>
+          </a:p>
+          <a:p>
+            <a:r>
+              <a:rPr lang="ar-SY" baseline="0" dirty="0"/>
+              <a:t>يمكن تحديد طول و عرض الصورة </a:t>
+            </a:r>
+          </a:p>
+          <a:p>
+            <a:r>
+              <a:rPr lang="ar-SY" baseline="0" dirty="0"/>
+              <a:t>في حال تم طلب صورة غير موجودة سيظهر النص البديل</a:t>
+            </a:r>
+          </a:p>
+        </p:txBody>
+      </p:sp>
+      <p:sp>
+        <p:nvSpPr>
+          <p:cNvPr id="4" name="عنصر نائب لرقم الشريحة 3"/>
+          <p:cNvSpPr>
+            <a:spLocks noGrp="1"/>
+          </p:cNvSpPr>
+          <p:nvPr>
+            <p:ph type="sldNum" sz="quarter" idx="5"/>
+          </p:nvPr>
+        </p:nvSpPr>
+        <p:spPr/>
+        <p:txBody>
+          <a:bodyPr/>
+          <a:lstStyle/>
+          <a:p>
+            <a:fld id="{CC320E0A-D0AF-4D7D-9A21-388A396A7CCB}" type="slidenum">
+              <a:rPr lang="ar-SY" smtClean="0"/>
+              <a:t>31</a:t>
+            </a:fld>
+            <a:endParaRPr lang="ar-SY"/>
+          </a:p>
+        </p:txBody>
+      </p:sp>
+    </p:spTree>
+    <p:extLst>
+      <p:ext uri="{BB962C8B-B14F-4D97-AF65-F5344CB8AC3E}">
         <p14:creationId xmlns:p14="http://schemas.microsoft.com/office/powerpoint/2010/main" val="4023587661"/>
+      </p:ext>
+    </p:extLst>
+  </p:cSld>
+  <p:clrMapOvr>
+    <a:masterClrMapping/>
+  </p:clrMapOvr>
+</p:notes>
+</file>
+
+<file path=ppt/notesSlides/notesSlide32.xml><?xml version="1.0" encoding="utf-8"?>
+<p:notes xmlns:a="http://schemas.openxmlformats.org/drawingml/2006/main" xmlns:r="http://schemas.openxmlformats.org/officeDocument/2006/relationships" xmlns:p="http://schemas.openxmlformats.org/presentationml/2006/main">
+  <p:cSld>
+    <p:spTree>
+      <p:nvGrpSpPr>
+        <p:cNvPr id="1" name=""/>
+        <p:cNvGrpSpPr/>
+        <p:nvPr/>
+      </p:nvGrpSpPr>
+      <p:grpSpPr>
+        <a:xfrm>
+          <a:off x="0" y="0"/>
+          <a:ext cx="0" cy="0"/>
+          <a:chOff x="0" y="0"/>
+          <a:chExt cx="0" cy="0"/>
+        </a:xfrm>
+      </p:grpSpPr>
+      <p:sp>
+        <p:nvSpPr>
+          <p:cNvPr id="2" name="عنصر نائب لصورة الشريحة 1"/>
+          <p:cNvSpPr>
+            <a:spLocks noGrp="1" noRot="1" noChangeAspect="1"/>
+          </p:cNvSpPr>
+          <p:nvPr>
+            <p:ph type="sldImg"/>
+          </p:nvPr>
+        </p:nvSpPr>
+        <p:spPr/>
+      </p:sp>
+      <p:sp>
+        <p:nvSpPr>
+          <p:cNvPr id="3" name="عنصر نائب للملاحظات 2"/>
+          <p:cNvSpPr>
+            <a:spLocks noGrp="1"/>
+          </p:cNvSpPr>
+          <p:nvPr>
+            <p:ph type="body" idx="1"/>
+          </p:nvPr>
+        </p:nvSpPr>
+        <p:spPr/>
+        <p:txBody>
+          <a:bodyPr/>
+          <a:lstStyle/>
+          <a:p>
+            <a:r>
+              <a:rPr lang="ar-SY" dirty="0"/>
+              <a:t>لعرض</a:t>
+            </a:r>
+            <a:r>
+              <a:rPr lang="ar-SY" baseline="0" dirty="0"/>
+              <a:t> صورة نستخدم </a:t>
+            </a:r>
+            <a:r>
+              <a:rPr lang="ar-SY" baseline="0" dirty="0" err="1"/>
+              <a:t>تاغ</a:t>
+            </a:r>
+            <a:r>
+              <a:rPr lang="ar-SY" baseline="0" dirty="0"/>
+              <a:t> </a:t>
+            </a:r>
+            <a:r>
+              <a:rPr lang="en-US" baseline="0" dirty="0" err="1"/>
+              <a:t>img</a:t>
+            </a:r>
+            <a:r>
+              <a:rPr lang="en-US" baseline="0" dirty="0"/>
+              <a:t>  </a:t>
+            </a:r>
+            <a:r>
+              <a:rPr lang="ar-SY" baseline="0" dirty="0"/>
+              <a:t>  :</a:t>
+            </a:r>
+          </a:p>
+          <a:p>
+            <a:r>
+              <a:rPr lang="ar-SY" baseline="0" dirty="0"/>
+              <a:t>يتم تحديد موقع الصورة المطلوبة : باستخدام  الواصفة </a:t>
+            </a:r>
+            <a:r>
+              <a:rPr lang="en-US" baseline="0" dirty="0" err="1"/>
+              <a:t>src</a:t>
+            </a:r>
+            <a:endParaRPr lang="en-US" baseline="0" dirty="0"/>
+          </a:p>
+          <a:p>
+            <a:r>
+              <a:rPr lang="ar-SY" baseline="0" dirty="0"/>
+              <a:t>في حال وجود مشكلة في تحميل الصورة يتم عرض النص البديل المكتوب في الواصفة </a:t>
+            </a:r>
+            <a:r>
+              <a:rPr lang="en-US" baseline="0" dirty="0"/>
+              <a:t>alt</a:t>
+            </a:r>
+            <a:endParaRPr lang="ar-SY" baseline="0" dirty="0"/>
+          </a:p>
+          <a:p>
+            <a:r>
+              <a:rPr lang="ar-SY" baseline="0" dirty="0"/>
+              <a:t>يمكن تحديد طول و عرض الصورة </a:t>
+            </a:r>
+          </a:p>
+          <a:p>
+            <a:r>
+              <a:rPr lang="ar-SY" baseline="0" dirty="0"/>
+              <a:t>في حال تم طلب صورة غير موجودة سيظهر النص البديل</a:t>
+            </a:r>
+          </a:p>
+        </p:txBody>
+      </p:sp>
+      <p:sp>
+        <p:nvSpPr>
+          <p:cNvPr id="4" name="عنصر نائب لرقم الشريحة 3"/>
+          <p:cNvSpPr>
+            <a:spLocks noGrp="1"/>
+          </p:cNvSpPr>
+          <p:nvPr>
+            <p:ph type="sldNum" sz="quarter" idx="5"/>
+          </p:nvPr>
+        </p:nvSpPr>
+        <p:spPr/>
+        <p:txBody>
+          <a:bodyPr/>
+          <a:lstStyle/>
+          <a:p>
+            <a:fld id="{CC320E0A-D0AF-4D7D-9A21-388A396A7CCB}" type="slidenum">
+              <a:rPr lang="ar-SY" smtClean="0"/>
+              <a:t>32</a:t>
+            </a:fld>
+            <a:endParaRPr lang="ar-SY"/>
+          </a:p>
+        </p:txBody>
+      </p:sp>
+    </p:spTree>
+    <p:extLst>
+      <p:ext uri="{BB962C8B-B14F-4D97-AF65-F5344CB8AC3E}">
+        <p14:creationId xmlns:p14="http://schemas.microsoft.com/office/powerpoint/2010/main" val="280403866"/>
+      </p:ext>
+    </p:extLst>
+  </p:cSld>
+  <p:clrMapOvr>
+    <a:masterClrMapping/>
+  </p:clrMapOvr>
+</p:notes>
+</file>
+
+<file path=ppt/notesSlides/notesSlide33.xml><?xml version="1.0" encoding="utf-8"?>
+<p:notes xmlns:a="http://schemas.openxmlformats.org/drawingml/2006/main" xmlns:r="http://schemas.openxmlformats.org/officeDocument/2006/relationships" xmlns:p="http://schemas.openxmlformats.org/presentationml/2006/main">
+  <p:cSld>
+    <p:spTree>
+      <p:nvGrpSpPr>
+        <p:cNvPr id="1" name=""/>
+        <p:cNvGrpSpPr/>
+        <p:nvPr/>
+      </p:nvGrpSpPr>
+      <p:grpSpPr>
+        <a:xfrm>
+          <a:off x="0" y="0"/>
+          <a:ext cx="0" cy="0"/>
+          <a:chOff x="0" y="0"/>
+          <a:chExt cx="0" cy="0"/>
+        </a:xfrm>
+      </p:grpSpPr>
+      <p:sp>
+        <p:nvSpPr>
+          <p:cNvPr id="2" name="عنصر نائب لصورة الشريحة 1"/>
+          <p:cNvSpPr>
+            <a:spLocks noGrp="1" noRot="1" noChangeAspect="1"/>
+          </p:cNvSpPr>
+          <p:nvPr>
+            <p:ph type="sldImg"/>
+          </p:nvPr>
+        </p:nvSpPr>
+        <p:spPr/>
+      </p:sp>
+      <p:sp>
+        <p:nvSpPr>
+          <p:cNvPr id="3" name="عنصر نائب للملاحظات 2"/>
+          <p:cNvSpPr>
+            <a:spLocks noGrp="1"/>
+          </p:cNvSpPr>
+          <p:nvPr>
+            <p:ph type="body" idx="1"/>
+          </p:nvPr>
+        </p:nvSpPr>
+        <p:spPr/>
+        <p:txBody>
+          <a:bodyPr/>
+          <a:lstStyle/>
+          <a:p>
+            <a:r>
+              <a:rPr lang="ar-SA" baseline="0" dirty="0"/>
+              <a:t>القوائم</a:t>
+            </a:r>
+            <a:r>
+              <a:rPr lang="en-US" baseline="0" dirty="0"/>
+              <a:t>:</a:t>
+            </a:r>
+          </a:p>
+          <a:p>
+            <a:r>
+              <a:rPr lang="ar-SA" baseline="0" dirty="0"/>
+              <a:t>يوجد 3 أنواع للقوائم :</a:t>
+            </a:r>
+          </a:p>
+          <a:p>
+            <a:pPr marL="228600" indent="-228600">
+              <a:buFont typeface="+mj-lt"/>
+              <a:buAutoNum type="arabicPeriod"/>
+            </a:pPr>
+            <a:r>
+              <a:rPr lang="ar-SA" baseline="0" dirty="0"/>
+              <a:t>مرتبة</a:t>
+            </a:r>
+          </a:p>
+          <a:p>
+            <a:pPr marL="228600" indent="-228600">
+              <a:buFont typeface="+mj-lt"/>
+              <a:buAutoNum type="arabicPeriod"/>
+            </a:pPr>
+            <a:r>
+              <a:rPr lang="ar-SA" baseline="0" dirty="0"/>
+              <a:t>غير مرتبة </a:t>
+            </a:r>
+          </a:p>
+          <a:p>
+            <a:pPr marL="228600" indent="-228600">
+              <a:buFont typeface="+mj-lt"/>
+              <a:buAutoNum type="arabicPeriod"/>
+            </a:pPr>
+            <a:r>
+              <a:rPr lang="ar-SA" baseline="0" dirty="0"/>
+              <a:t>قوائم وصفية</a:t>
+            </a:r>
+          </a:p>
+        </p:txBody>
+      </p:sp>
+      <p:sp>
+        <p:nvSpPr>
+          <p:cNvPr id="4" name="عنصر نائب لرقم الشريحة 3"/>
+          <p:cNvSpPr>
+            <a:spLocks noGrp="1"/>
+          </p:cNvSpPr>
+          <p:nvPr>
+            <p:ph type="sldNum" sz="quarter" idx="5"/>
+          </p:nvPr>
+        </p:nvSpPr>
+        <p:spPr/>
+        <p:txBody>
+          <a:bodyPr/>
+          <a:lstStyle/>
+          <a:p>
+            <a:fld id="{CC320E0A-D0AF-4D7D-9A21-388A396A7CCB}" type="slidenum">
+              <a:rPr lang="ar-SY" smtClean="0"/>
+              <a:t>33</a:t>
+            </a:fld>
+            <a:endParaRPr lang="ar-SY"/>
+          </a:p>
+        </p:txBody>
+      </p:sp>
+    </p:spTree>
+    <p:extLst>
+      <p:ext uri="{BB962C8B-B14F-4D97-AF65-F5344CB8AC3E}">
+        <p14:creationId xmlns:p14="http://schemas.microsoft.com/office/powerpoint/2010/main" val="3635117146"/>
+      </p:ext>
+    </p:extLst>
+  </p:cSld>
+  <p:clrMapOvr>
+    <a:masterClrMapping/>
+  </p:clrMapOvr>
+</p:notes>
+</file>
+
+<file path=ppt/notesSlides/notesSlide34.xml><?xml version="1.0" encoding="utf-8"?>
+<p:notes xmlns:a="http://schemas.openxmlformats.org/drawingml/2006/main" xmlns:r="http://schemas.openxmlformats.org/officeDocument/2006/relationships" xmlns:p="http://schemas.openxmlformats.org/presentationml/2006/main">
+  <p:cSld>
+    <p:spTree>
+      <p:nvGrpSpPr>
+        <p:cNvPr id="1" name=""/>
+        <p:cNvGrpSpPr/>
+        <p:nvPr/>
+      </p:nvGrpSpPr>
+      <p:grpSpPr>
+        <a:xfrm>
+          <a:off x="0" y="0"/>
+          <a:ext cx="0" cy="0"/>
+          <a:chOff x="0" y="0"/>
+          <a:chExt cx="0" cy="0"/>
+        </a:xfrm>
+      </p:grpSpPr>
+      <p:sp>
+        <p:nvSpPr>
+          <p:cNvPr id="2" name="عنصر نائب لصورة الشريحة 1"/>
+          <p:cNvSpPr>
+            <a:spLocks noGrp="1" noRot="1" noChangeAspect="1"/>
+          </p:cNvSpPr>
+          <p:nvPr>
+            <p:ph type="sldImg"/>
+          </p:nvPr>
+        </p:nvSpPr>
+        <p:spPr/>
+      </p:sp>
+      <p:sp>
+        <p:nvSpPr>
+          <p:cNvPr id="3" name="عنصر نائب للملاحظات 2"/>
+          <p:cNvSpPr>
+            <a:spLocks noGrp="1"/>
+          </p:cNvSpPr>
+          <p:nvPr>
+            <p:ph type="body" idx="1"/>
+          </p:nvPr>
+        </p:nvSpPr>
+        <p:spPr/>
+        <p:txBody>
+          <a:bodyPr/>
+          <a:lstStyle/>
+          <a:p>
+            <a:r>
+              <a:rPr lang="ar-SA" baseline="0" dirty="0"/>
+              <a:t>القوائم الغير مرتبة </a:t>
+            </a:r>
+          </a:p>
+        </p:txBody>
+      </p:sp>
+      <p:sp>
+        <p:nvSpPr>
+          <p:cNvPr id="4" name="عنصر نائب لرقم الشريحة 3"/>
+          <p:cNvSpPr>
+            <a:spLocks noGrp="1"/>
+          </p:cNvSpPr>
+          <p:nvPr>
+            <p:ph type="sldNum" sz="quarter" idx="5"/>
+          </p:nvPr>
+        </p:nvSpPr>
+        <p:spPr/>
+        <p:txBody>
+          <a:bodyPr/>
+          <a:lstStyle/>
+          <a:p>
+            <a:fld id="{CC320E0A-D0AF-4D7D-9A21-388A396A7CCB}" type="slidenum">
+              <a:rPr lang="ar-SY" smtClean="0"/>
+              <a:t>34</a:t>
+            </a:fld>
+            <a:endParaRPr lang="ar-SY"/>
+          </a:p>
+        </p:txBody>
+      </p:sp>
+    </p:spTree>
+    <p:extLst>
+      <p:ext uri="{BB962C8B-B14F-4D97-AF65-F5344CB8AC3E}">
+        <p14:creationId xmlns:p14="http://schemas.microsoft.com/office/powerpoint/2010/main" val="2975871838"/>
+      </p:ext>
+    </p:extLst>
+  </p:cSld>
+  <p:clrMapOvr>
+    <a:masterClrMapping/>
+  </p:clrMapOvr>
+</p:notes>
+</file>
+
+<file path=ppt/notesSlides/notesSlide35.xml><?xml version="1.0" encoding="utf-8"?>
+<p:notes xmlns:a="http://schemas.openxmlformats.org/drawingml/2006/main" xmlns:r="http://schemas.openxmlformats.org/officeDocument/2006/relationships" xmlns:p="http://schemas.openxmlformats.org/presentationml/2006/main">
+  <p:cSld>
+    <p:spTree>
+      <p:nvGrpSpPr>
+        <p:cNvPr id="1" name=""/>
+        <p:cNvGrpSpPr/>
+        <p:nvPr/>
+      </p:nvGrpSpPr>
+      <p:grpSpPr>
+        <a:xfrm>
+          <a:off x="0" y="0"/>
+          <a:ext cx="0" cy="0"/>
+          <a:chOff x="0" y="0"/>
+          <a:chExt cx="0" cy="0"/>
+        </a:xfrm>
+      </p:grpSpPr>
+      <p:sp>
+        <p:nvSpPr>
+          <p:cNvPr id="2" name="عنصر نائب لصورة الشريحة 1"/>
+          <p:cNvSpPr>
+            <a:spLocks noGrp="1" noRot="1" noChangeAspect="1"/>
+          </p:cNvSpPr>
+          <p:nvPr>
+            <p:ph type="sldImg"/>
+          </p:nvPr>
+        </p:nvSpPr>
+        <p:spPr/>
+      </p:sp>
+      <p:sp>
+        <p:nvSpPr>
+          <p:cNvPr id="3" name="عنصر نائب للملاحظات 2"/>
+          <p:cNvSpPr>
+            <a:spLocks noGrp="1"/>
+          </p:cNvSpPr>
+          <p:nvPr>
+            <p:ph type="body" idx="1"/>
+          </p:nvPr>
+        </p:nvSpPr>
+        <p:spPr/>
+        <p:txBody>
+          <a:bodyPr/>
+          <a:lstStyle/>
+          <a:p>
+            <a:r>
+              <a:rPr lang="ar-SA" baseline="0" dirty="0"/>
+              <a:t>القوائم مرتبة </a:t>
+            </a:r>
+          </a:p>
+        </p:txBody>
+      </p:sp>
+      <p:sp>
+        <p:nvSpPr>
+          <p:cNvPr id="4" name="عنصر نائب لرقم الشريحة 3"/>
+          <p:cNvSpPr>
+            <a:spLocks noGrp="1"/>
+          </p:cNvSpPr>
+          <p:nvPr>
+            <p:ph type="sldNum" sz="quarter" idx="5"/>
+          </p:nvPr>
+        </p:nvSpPr>
+        <p:spPr/>
+        <p:txBody>
+          <a:bodyPr/>
+          <a:lstStyle/>
+          <a:p>
+            <a:fld id="{CC320E0A-D0AF-4D7D-9A21-388A396A7CCB}" type="slidenum">
+              <a:rPr lang="ar-SY" smtClean="0"/>
+              <a:t>35</a:t>
+            </a:fld>
+            <a:endParaRPr lang="ar-SY"/>
+          </a:p>
+        </p:txBody>
+      </p:sp>
+    </p:spTree>
+    <p:extLst>
+      <p:ext uri="{BB962C8B-B14F-4D97-AF65-F5344CB8AC3E}">
+        <p14:creationId xmlns:p14="http://schemas.microsoft.com/office/powerpoint/2010/main" val="2059139337"/>
+      </p:ext>
+    </p:extLst>
+  </p:cSld>
+  <p:clrMapOvr>
+    <a:masterClrMapping/>
+  </p:clrMapOvr>
+</p:notes>
+</file>
+
+<file path=ppt/notesSlides/notesSlide36.xml><?xml version="1.0" encoding="utf-8"?>
+<p:notes xmlns:a="http://schemas.openxmlformats.org/drawingml/2006/main" xmlns:r="http://schemas.openxmlformats.org/officeDocument/2006/relationships" xmlns:p="http://schemas.openxmlformats.org/presentationml/2006/main">
+  <p:cSld>
+    <p:spTree>
+      <p:nvGrpSpPr>
+        <p:cNvPr id="1" name=""/>
+        <p:cNvGrpSpPr/>
+        <p:nvPr/>
+      </p:nvGrpSpPr>
+      <p:grpSpPr>
+        <a:xfrm>
+          <a:off x="0" y="0"/>
+          <a:ext cx="0" cy="0"/>
+          <a:chOff x="0" y="0"/>
+          <a:chExt cx="0" cy="0"/>
+        </a:xfrm>
+      </p:grpSpPr>
+      <p:sp>
+        <p:nvSpPr>
+          <p:cNvPr id="2" name="عنصر نائب لصورة الشريحة 1"/>
+          <p:cNvSpPr>
+            <a:spLocks noGrp="1" noRot="1" noChangeAspect="1"/>
+          </p:cNvSpPr>
+          <p:nvPr>
+            <p:ph type="sldImg"/>
+          </p:nvPr>
+        </p:nvSpPr>
+        <p:spPr/>
+      </p:sp>
+      <p:sp>
+        <p:nvSpPr>
+          <p:cNvPr id="3" name="عنصر نائب للملاحظات 2"/>
+          <p:cNvSpPr>
+            <a:spLocks noGrp="1"/>
+          </p:cNvSpPr>
+          <p:nvPr>
+            <p:ph type="body" idx="1"/>
+          </p:nvPr>
+        </p:nvSpPr>
+        <p:spPr/>
+        <p:txBody>
+          <a:bodyPr/>
+          <a:lstStyle/>
+          <a:p>
+            <a:r>
+              <a:rPr lang="ar-SA" baseline="0" dirty="0"/>
+              <a:t>القوائم الوصفية </a:t>
+            </a:r>
+          </a:p>
+        </p:txBody>
+      </p:sp>
+      <p:sp>
+        <p:nvSpPr>
+          <p:cNvPr id="4" name="عنصر نائب لرقم الشريحة 3"/>
+          <p:cNvSpPr>
+            <a:spLocks noGrp="1"/>
+          </p:cNvSpPr>
+          <p:nvPr>
+            <p:ph type="sldNum" sz="quarter" idx="5"/>
+          </p:nvPr>
+        </p:nvSpPr>
+        <p:spPr/>
+        <p:txBody>
+          <a:bodyPr/>
+          <a:lstStyle/>
+          <a:p>
+            <a:fld id="{CC320E0A-D0AF-4D7D-9A21-388A396A7CCB}" type="slidenum">
+              <a:rPr lang="ar-SY" smtClean="0"/>
+              <a:t>36</a:t>
+            </a:fld>
+            <a:endParaRPr lang="ar-SY"/>
+          </a:p>
+        </p:txBody>
+      </p:sp>
+    </p:spTree>
+    <p:extLst>
+      <p:ext uri="{BB962C8B-B14F-4D97-AF65-F5344CB8AC3E}">
+        <p14:creationId xmlns:p14="http://schemas.microsoft.com/office/powerpoint/2010/main" val="2362487279"/>
+      </p:ext>
+    </p:extLst>
+  </p:cSld>
+  <p:clrMapOvr>
+    <a:masterClrMapping/>
+  </p:clrMapOvr>
+</p:notes>
+</file>
+
+<file path=ppt/notesSlides/notesSlide37.xml><?xml version="1.0" encoding="utf-8"?>
+<p:notes xmlns:a="http://schemas.openxmlformats.org/drawingml/2006/main" xmlns:r="http://schemas.openxmlformats.org/officeDocument/2006/relationships" xmlns:p="http://schemas.openxmlformats.org/presentationml/2006/main">
+  <p:cSld>
+    <p:spTree>
+      <p:nvGrpSpPr>
+        <p:cNvPr id="1" name=""/>
+        <p:cNvGrpSpPr/>
+        <p:nvPr/>
+      </p:nvGrpSpPr>
+      <p:grpSpPr>
+        <a:xfrm>
+          <a:off x="0" y="0"/>
+          <a:ext cx="0" cy="0"/>
+          <a:chOff x="0" y="0"/>
+          <a:chExt cx="0" cy="0"/>
+        </a:xfrm>
+      </p:grpSpPr>
+      <p:sp>
+        <p:nvSpPr>
+          <p:cNvPr id="2" name="عنصر نائب لصورة الشريحة 1"/>
+          <p:cNvSpPr>
+            <a:spLocks noGrp="1" noRot="1" noChangeAspect="1"/>
+          </p:cNvSpPr>
+          <p:nvPr>
+            <p:ph type="sldImg"/>
+          </p:nvPr>
+        </p:nvSpPr>
+        <p:spPr/>
+      </p:sp>
+      <p:sp>
+        <p:nvSpPr>
+          <p:cNvPr id="3" name="عنصر نائب للملاحظات 2"/>
+          <p:cNvSpPr>
+            <a:spLocks noGrp="1"/>
+          </p:cNvSpPr>
+          <p:nvPr>
+            <p:ph type="body" idx="1"/>
+          </p:nvPr>
+        </p:nvSpPr>
+        <p:spPr/>
+        <p:txBody>
+          <a:bodyPr/>
+          <a:lstStyle/>
+          <a:p>
+            <a:r>
+              <a:rPr lang="ar-SA" baseline="0" dirty="0"/>
+              <a:t>يمكن إنشاء جدول باستخدام تاغ </a:t>
+            </a:r>
+            <a:r>
+              <a:rPr lang="en-US" baseline="0" dirty="0"/>
+              <a:t>Table</a:t>
+            </a:r>
+          </a:p>
+          <a:p>
+            <a:r>
+              <a:rPr lang="ar-SA" baseline="0" dirty="0"/>
+              <a:t>لإنشاء سطر نستخدم </a:t>
+            </a:r>
+            <a:r>
+              <a:rPr lang="en-US" baseline="0" dirty="0"/>
+              <a:t>tr</a:t>
+            </a:r>
+          </a:p>
+          <a:p>
+            <a:pPr marL="0" marR="0" lvl="0" indent="0" algn="r" defTabSz="914400" rtl="1" eaLnBrk="1" fontAlgn="auto" latinLnBrk="0" hangingPunct="1">
+              <a:lnSpc>
+                <a:spcPct val="100000"/>
+              </a:lnSpc>
+              <a:spcBef>
+                <a:spcPts val="0"/>
+              </a:spcBef>
+              <a:spcAft>
+                <a:spcPts val="0"/>
+              </a:spcAft>
+              <a:buClrTx/>
+              <a:buSzTx/>
+              <a:buFontTx/>
+              <a:buNone/>
+              <a:tabLst/>
+              <a:defRPr/>
+            </a:pPr>
+            <a:r>
+              <a:rPr lang="ar-SA" baseline="0" dirty="0"/>
+              <a:t>لإنشاء ترويسة الأعمدة </a:t>
+            </a:r>
+            <a:r>
+              <a:rPr lang="en-US" baseline="0" dirty="0" err="1"/>
+              <a:t>th</a:t>
+            </a:r>
+            <a:endParaRPr lang="en-US" baseline="0" dirty="0"/>
+          </a:p>
+          <a:p>
+            <a:r>
+              <a:rPr lang="ar-SA" baseline="0" dirty="0"/>
+              <a:t>لإنشاء عمود نستخدم </a:t>
+            </a:r>
+            <a:r>
+              <a:rPr lang="en-US" baseline="0" dirty="0"/>
+              <a:t>td</a:t>
+            </a:r>
+            <a:endParaRPr lang="ar-SA" baseline="0" dirty="0"/>
+          </a:p>
+        </p:txBody>
+      </p:sp>
+      <p:sp>
+        <p:nvSpPr>
+          <p:cNvPr id="4" name="عنصر نائب لرقم الشريحة 3"/>
+          <p:cNvSpPr>
+            <a:spLocks noGrp="1"/>
+          </p:cNvSpPr>
+          <p:nvPr>
+            <p:ph type="sldNum" sz="quarter" idx="5"/>
+          </p:nvPr>
+        </p:nvSpPr>
+        <p:spPr/>
+        <p:txBody>
+          <a:bodyPr/>
+          <a:lstStyle/>
+          <a:p>
+            <a:fld id="{CC320E0A-D0AF-4D7D-9A21-388A396A7CCB}" type="slidenum">
+              <a:rPr lang="ar-SY" smtClean="0"/>
+              <a:t>37</a:t>
+            </a:fld>
+            <a:endParaRPr lang="ar-SY"/>
+          </a:p>
+        </p:txBody>
+      </p:sp>
+    </p:spTree>
+    <p:extLst>
+      <p:ext uri="{BB962C8B-B14F-4D97-AF65-F5344CB8AC3E}">
+        <p14:creationId xmlns:p14="http://schemas.microsoft.com/office/powerpoint/2010/main" val="2512501153"/>
+      </p:ext>
+    </p:extLst>
+  </p:cSld>
+  <p:clrMapOvr>
+    <a:masterClrMapping/>
+  </p:clrMapOvr>
+</p:notes>
+</file>
+
+<file path=ppt/notesSlides/notesSlide38.xml><?xml version="1.0" encoding="utf-8"?>
+<p:notes xmlns:a="http://schemas.openxmlformats.org/drawingml/2006/main" xmlns:r="http://schemas.openxmlformats.org/officeDocument/2006/relationships" xmlns:p="http://schemas.openxmlformats.org/presentationml/2006/main">
+  <p:cSld>
+    <p:spTree>
+      <p:nvGrpSpPr>
+        <p:cNvPr id="1" name=""/>
+        <p:cNvGrpSpPr/>
+        <p:nvPr/>
+      </p:nvGrpSpPr>
+      <p:grpSpPr>
+        <a:xfrm>
+          <a:off x="0" y="0"/>
+          <a:ext cx="0" cy="0"/>
+          <a:chOff x="0" y="0"/>
+          <a:chExt cx="0" cy="0"/>
+        </a:xfrm>
+      </p:grpSpPr>
+      <p:sp>
+        <p:nvSpPr>
+          <p:cNvPr id="2" name="عنصر نائب لصورة الشريحة 1"/>
+          <p:cNvSpPr>
+            <a:spLocks noGrp="1" noRot="1" noChangeAspect="1"/>
+          </p:cNvSpPr>
+          <p:nvPr>
+            <p:ph type="sldImg"/>
+          </p:nvPr>
+        </p:nvSpPr>
+        <p:spPr/>
+      </p:sp>
+      <p:sp>
+        <p:nvSpPr>
+          <p:cNvPr id="3" name="عنصر نائب للملاحظات 2"/>
+          <p:cNvSpPr>
+            <a:spLocks noGrp="1"/>
+          </p:cNvSpPr>
+          <p:nvPr>
+            <p:ph type="body" idx="1"/>
+          </p:nvPr>
+        </p:nvSpPr>
+        <p:spPr/>
+        <p:txBody>
+          <a:bodyPr/>
+          <a:lstStyle/>
+          <a:p>
+            <a:r>
+              <a:rPr lang="ar-SA" baseline="0" dirty="0"/>
+              <a:t>يمكن وضع حدود للجدول باستخدام الواصفة </a:t>
+            </a:r>
+            <a:r>
+              <a:rPr lang="en-US" baseline="0" dirty="0"/>
+              <a:t>border </a:t>
+            </a:r>
+          </a:p>
+          <a:p>
+            <a:r>
+              <a:rPr lang="ar-SA" baseline="0" dirty="0"/>
+              <a:t>يتم تحديد حجم و نوع الحدود</a:t>
+            </a:r>
+            <a:endParaRPr lang="en-US" baseline="0" dirty="0"/>
+          </a:p>
+          <a:p>
+            <a:r>
+              <a:rPr lang="ar-SA" baseline="0" dirty="0"/>
+              <a:t>يمكن تعديل خصائص الجدول باستخدام </a:t>
+            </a:r>
+            <a:r>
+              <a:rPr lang="en-US" baseline="0" dirty="0"/>
+              <a:t>CSS </a:t>
+            </a:r>
+            <a:r>
+              <a:rPr lang="ar-SA" baseline="0" dirty="0"/>
+              <a:t> لاحقاً</a:t>
+            </a:r>
+          </a:p>
+        </p:txBody>
+      </p:sp>
+      <p:sp>
+        <p:nvSpPr>
+          <p:cNvPr id="4" name="عنصر نائب لرقم الشريحة 3"/>
+          <p:cNvSpPr>
+            <a:spLocks noGrp="1"/>
+          </p:cNvSpPr>
+          <p:nvPr>
+            <p:ph type="sldNum" sz="quarter" idx="5"/>
+          </p:nvPr>
+        </p:nvSpPr>
+        <p:spPr/>
+        <p:txBody>
+          <a:bodyPr/>
+          <a:lstStyle/>
+          <a:p>
+            <a:fld id="{CC320E0A-D0AF-4D7D-9A21-388A396A7CCB}" type="slidenum">
+              <a:rPr lang="ar-SY" smtClean="0"/>
+              <a:t>38</a:t>
+            </a:fld>
+            <a:endParaRPr lang="ar-SY"/>
+          </a:p>
+        </p:txBody>
+      </p:sp>
+    </p:spTree>
+    <p:extLst>
+      <p:ext uri="{BB962C8B-B14F-4D97-AF65-F5344CB8AC3E}">
+        <p14:creationId xmlns:p14="http://schemas.microsoft.com/office/powerpoint/2010/main" val="684913543"/>
+      </p:ext>
+    </p:extLst>
+  </p:cSld>
+  <p:clrMapOvr>
+    <a:masterClrMapping/>
+  </p:clrMapOvr>
+</p:notes>
+</file>
+
+<file path=ppt/notesSlides/notesSlide39.xml><?xml version="1.0" encoding="utf-8"?>
+<p:notes xmlns:a="http://schemas.openxmlformats.org/drawingml/2006/main" xmlns:r="http://schemas.openxmlformats.org/officeDocument/2006/relationships" xmlns:p="http://schemas.openxmlformats.org/presentationml/2006/main">
+  <p:cSld>
+    <p:spTree>
+      <p:nvGrpSpPr>
+        <p:cNvPr id="1" name=""/>
+        <p:cNvGrpSpPr/>
+        <p:nvPr/>
+      </p:nvGrpSpPr>
+      <p:grpSpPr>
+        <a:xfrm>
+          <a:off x="0" y="0"/>
+          <a:ext cx="0" cy="0"/>
+          <a:chOff x="0" y="0"/>
+          <a:chExt cx="0" cy="0"/>
+        </a:xfrm>
+      </p:grpSpPr>
+      <p:sp>
+        <p:nvSpPr>
+          <p:cNvPr id="2" name="عنصر نائب لصورة الشريحة 1"/>
+          <p:cNvSpPr>
+            <a:spLocks noGrp="1" noRot="1" noChangeAspect="1"/>
+          </p:cNvSpPr>
+          <p:nvPr>
+            <p:ph type="sldImg"/>
+          </p:nvPr>
+        </p:nvSpPr>
+        <p:spPr/>
+      </p:sp>
+      <p:sp>
+        <p:nvSpPr>
+          <p:cNvPr id="3" name="عنصر نائب للملاحظات 2"/>
+          <p:cNvSpPr>
+            <a:spLocks noGrp="1"/>
+          </p:cNvSpPr>
+          <p:nvPr>
+            <p:ph type="body" idx="1"/>
+          </p:nvPr>
+        </p:nvSpPr>
+        <p:spPr/>
+        <p:txBody>
+          <a:bodyPr/>
+          <a:lstStyle/>
+          <a:p>
+            <a:r>
+              <a:rPr lang="en-US" baseline="0" dirty="0" err="1"/>
+              <a:t>Colspan</a:t>
+            </a:r>
+            <a:r>
+              <a:rPr lang="ar-SA" baseline="0" dirty="0"/>
+              <a:t> لجعل الخلية تمتد على أكثر من عمود </a:t>
+            </a:r>
+          </a:p>
+        </p:txBody>
+      </p:sp>
+      <p:sp>
+        <p:nvSpPr>
+          <p:cNvPr id="4" name="عنصر نائب لرقم الشريحة 3"/>
+          <p:cNvSpPr>
+            <a:spLocks noGrp="1"/>
+          </p:cNvSpPr>
+          <p:nvPr>
+            <p:ph type="sldNum" sz="quarter" idx="5"/>
+          </p:nvPr>
+        </p:nvSpPr>
+        <p:spPr/>
+        <p:txBody>
+          <a:bodyPr/>
+          <a:lstStyle/>
+          <a:p>
+            <a:fld id="{CC320E0A-D0AF-4D7D-9A21-388A396A7CCB}" type="slidenum">
+              <a:rPr lang="ar-SY" smtClean="0"/>
+              <a:t>39</a:t>
+            </a:fld>
+            <a:endParaRPr lang="ar-SY"/>
+          </a:p>
+        </p:txBody>
+      </p:sp>
+    </p:spTree>
+    <p:extLst>
+      <p:ext uri="{BB962C8B-B14F-4D97-AF65-F5344CB8AC3E}">
+        <p14:creationId xmlns:p14="http://schemas.microsoft.com/office/powerpoint/2010/main" val="2247077776"/>
       </p:ext>
     </p:extLst>
   </p:cSld>
@@ -4182,6 +5152,123 @@
     <p:extLst>
       <p:ext uri="{BB962C8B-B14F-4D97-AF65-F5344CB8AC3E}">
         <p14:creationId xmlns:p14="http://schemas.microsoft.com/office/powerpoint/2010/main" val="3242911823"/>
+      </p:ext>
+    </p:extLst>
+  </p:cSld>
+  <p:clrMapOvr>
+    <a:masterClrMapping/>
+  </p:clrMapOvr>
+</p:notes>
+</file>
+
+<file path=ppt/notesSlides/notesSlide40.xml><?xml version="1.0" encoding="utf-8"?>
+<p:notes xmlns:a="http://schemas.openxmlformats.org/drawingml/2006/main" xmlns:r="http://schemas.openxmlformats.org/officeDocument/2006/relationships" xmlns:p="http://schemas.openxmlformats.org/presentationml/2006/main">
+  <p:cSld>
+    <p:spTree>
+      <p:nvGrpSpPr>
+        <p:cNvPr id="1" name=""/>
+        <p:cNvGrpSpPr/>
+        <p:nvPr/>
+      </p:nvGrpSpPr>
+      <p:grpSpPr>
+        <a:xfrm>
+          <a:off x="0" y="0"/>
+          <a:ext cx="0" cy="0"/>
+          <a:chOff x="0" y="0"/>
+          <a:chExt cx="0" cy="0"/>
+        </a:xfrm>
+      </p:grpSpPr>
+      <p:sp>
+        <p:nvSpPr>
+          <p:cNvPr id="2" name="عنصر نائب لصورة الشريحة 1"/>
+          <p:cNvSpPr>
+            <a:spLocks noGrp="1" noRot="1" noChangeAspect="1"/>
+          </p:cNvSpPr>
+          <p:nvPr>
+            <p:ph type="sldImg"/>
+          </p:nvPr>
+        </p:nvSpPr>
+        <p:spPr/>
+      </p:sp>
+      <p:sp>
+        <p:nvSpPr>
+          <p:cNvPr id="3" name="عنصر نائب للملاحظات 2"/>
+          <p:cNvSpPr>
+            <a:spLocks noGrp="1"/>
+          </p:cNvSpPr>
+          <p:nvPr>
+            <p:ph type="body" idx="1"/>
+          </p:nvPr>
+        </p:nvSpPr>
+        <p:spPr/>
+        <p:txBody>
+          <a:bodyPr/>
+          <a:lstStyle/>
+          <a:p>
+            <a:pPr marL="0" marR="0" lvl="0" indent="0" algn="r" defTabSz="914400" rtl="1" eaLnBrk="1" fontAlgn="auto" latinLnBrk="0" hangingPunct="1">
+              <a:lnSpc>
+                <a:spcPct val="100000"/>
+              </a:lnSpc>
+              <a:spcBef>
+                <a:spcPts val="0"/>
+              </a:spcBef>
+              <a:spcAft>
+                <a:spcPts val="0"/>
+              </a:spcAft>
+              <a:buClrTx/>
+              <a:buSzTx/>
+              <a:buFontTx/>
+              <a:buNone/>
+              <a:tabLst/>
+              <a:defRPr/>
+            </a:pPr>
+            <a:r>
+              <a:rPr lang="en-US" b="0" i="0" dirty="0" err="1">
+                <a:solidFill>
+                  <a:srgbClr val="FF0000"/>
+                </a:solidFill>
+                <a:effectLst/>
+                <a:latin typeface="Consolas" panose="020B0609020204030204" pitchFamily="49" charset="0"/>
+              </a:rPr>
+              <a:t>rowspan</a:t>
+            </a:r>
+            <a:r>
+              <a:rPr lang="ar-SA" baseline="0" dirty="0"/>
+              <a:t> لجعل الخلية تمتد على أكثر من سطر </a:t>
+            </a:r>
+          </a:p>
+          <a:p>
+            <a:endParaRPr lang="ar-SA" baseline="0" dirty="0"/>
+          </a:p>
+        </p:txBody>
+      </p:sp>
+      <p:sp>
+        <p:nvSpPr>
+          <p:cNvPr id="4" name="عنصر نائب لرقم الشريحة 3"/>
+          <p:cNvSpPr>
+            <a:spLocks noGrp="1"/>
+          </p:cNvSpPr>
+          <p:nvPr>
+            <p:ph type="sldNum" sz="quarter" idx="5"/>
+          </p:nvPr>
+        </p:nvSpPr>
+        <p:spPr/>
+        <p:txBody>
+          <a:bodyPr/>
+          <a:lstStyle/>
+          <a:p>
+            <a:fld id="{CC320E0A-D0AF-4D7D-9A21-388A396A7CCB}" type="slidenum">
+              <a:rPr lang="ar-SY" smtClean="0"/>
+              <a:t>40</a:t>
+            </a:fld>
+            <a:endParaRPr lang="ar-SY"/>
+          </a:p>
+        </p:txBody>
+      </p:sp>
+    </p:spTree>
+    <p:extLst>
+      <p:ext uri="{BB962C8B-B14F-4D97-AF65-F5344CB8AC3E}">
+        <p14:creationId xmlns:p14="http://schemas.microsoft.com/office/powerpoint/2010/main" val="4075004062"/>
       </p:ext>
     </p:extLst>
   </p:cSld>
@@ -5291,7 +6378,7 @@
           <a:p>
             <a:fld id="{3B88ACB1-6B07-4748-A2AF-A58E584E06E3}" type="datetimeFigureOut">
               <a:rPr lang="ar-SY" smtClean="0"/>
-              <a:t>04/02/1442</a:t>
+              <a:t>05/02/1442</a:t>
             </a:fld>
             <a:endParaRPr lang="ar-SY"/>
           </a:p>
@@ -5473,7 +6560,7 @@
           <a:p>
             <a:fld id="{3B88ACB1-6B07-4748-A2AF-A58E584E06E3}" type="datetimeFigureOut">
               <a:rPr lang="ar-SY" smtClean="0"/>
-              <a:t>04/02/1442</a:t>
+              <a:t>05/02/1442</a:t>
             </a:fld>
             <a:endParaRPr lang="ar-SY"/>
           </a:p>
@@ -5665,7 +6752,7 @@
           <a:p>
             <a:fld id="{3B88ACB1-6B07-4748-A2AF-A58E584E06E3}" type="datetimeFigureOut">
               <a:rPr lang="ar-SY" smtClean="0"/>
-              <a:t>04/02/1442</a:t>
+              <a:t>05/02/1442</a:t>
             </a:fld>
             <a:endParaRPr lang="ar-SY"/>
           </a:p>
@@ -5847,7 +6934,7 @@
           <a:p>
             <a:fld id="{3B88ACB1-6B07-4748-A2AF-A58E584E06E3}" type="datetimeFigureOut">
               <a:rPr lang="ar-SY" smtClean="0"/>
-              <a:t>04/02/1442</a:t>
+              <a:t>05/02/1442</a:t>
             </a:fld>
             <a:endParaRPr lang="ar-SY"/>
           </a:p>
@@ -6105,7 +7192,7 @@
           <a:p>
             <a:fld id="{3B88ACB1-6B07-4748-A2AF-A58E584E06E3}" type="datetimeFigureOut">
               <a:rPr lang="ar-SY" smtClean="0"/>
-              <a:t>04/02/1442</a:t>
+              <a:t>05/02/1442</a:t>
             </a:fld>
             <a:endParaRPr lang="ar-SY"/>
           </a:p>
@@ -6349,7 +7436,7 @@
           <a:p>
             <a:fld id="{3B88ACB1-6B07-4748-A2AF-A58E584E06E3}" type="datetimeFigureOut">
               <a:rPr lang="ar-SY" smtClean="0"/>
-              <a:t>04/02/1442</a:t>
+              <a:t>05/02/1442</a:t>
             </a:fld>
             <a:endParaRPr lang="ar-SY"/>
           </a:p>
@@ -6716,7 +7803,7 @@
           <a:p>
             <a:fld id="{3B88ACB1-6B07-4748-A2AF-A58E584E06E3}" type="datetimeFigureOut">
               <a:rPr lang="ar-SY" smtClean="0"/>
-              <a:t>04/02/1442</a:t>
+              <a:t>05/02/1442</a:t>
             </a:fld>
             <a:endParaRPr lang="ar-SY"/>
           </a:p>
@@ -6846,7 +7933,7 @@
           <a:p>
             <a:fld id="{3B88ACB1-6B07-4748-A2AF-A58E584E06E3}" type="datetimeFigureOut">
               <a:rPr lang="ar-SY" smtClean="0"/>
-              <a:t>04/02/1442</a:t>
+              <a:t>05/02/1442</a:t>
             </a:fld>
             <a:endParaRPr lang="ar-SY"/>
           </a:p>
@@ -6953,7 +8040,7 @@
           <a:p>
             <a:fld id="{3B88ACB1-6B07-4748-A2AF-A58E584E06E3}" type="datetimeFigureOut">
               <a:rPr lang="ar-SY" smtClean="0"/>
-              <a:t>04/02/1442</a:t>
+              <a:t>05/02/1442</a:t>
             </a:fld>
             <a:endParaRPr lang="ar-SY"/>
           </a:p>
@@ -7242,7 +8329,7 @@
           <a:p>
             <a:fld id="{3B88ACB1-6B07-4748-A2AF-A58E584E06E3}" type="datetimeFigureOut">
               <a:rPr lang="ar-SY" smtClean="0"/>
-              <a:t>04/02/1442</a:t>
+              <a:t>05/02/1442</a:t>
             </a:fld>
             <a:endParaRPr lang="ar-SY"/>
           </a:p>
@@ -7499,7 +8586,7 @@
           <a:p>
             <a:fld id="{3B88ACB1-6B07-4748-A2AF-A58E584E06E3}" type="datetimeFigureOut">
               <a:rPr lang="ar-SY" smtClean="0"/>
-              <a:t>04/02/1442</a:t>
+              <a:t>05/02/1442</a:t>
             </a:fld>
             <a:endParaRPr lang="ar-SY"/>
           </a:p>
@@ -7724,7 +8811,7 @@
           <a:p>
             <a:fld id="{3B88ACB1-6B07-4748-A2AF-A58E584E06E3}" type="datetimeFigureOut">
               <a:rPr lang="ar-SY" smtClean="0"/>
-              <a:t>04/02/1442</a:t>
+              <a:t>05/02/1442</a:t>
             </a:fld>
             <a:endParaRPr lang="ar-SY"/>
           </a:p>
@@ -8348,7 +9435,7 @@
           <p:cNvPr id="2" name="عنوان 1">
             <a:extLst>
               <a:ext uri="{FF2B5EF4-FFF2-40B4-BE49-F238E27FC236}">
-                <a16:creationId xmlns:a16="http://schemas.microsoft.com/office/drawing/2014/main" xmlns="" id="{FABE6D8F-611E-4C3A-BF03-368EA85E2E4C}"/>
+                <a16:creationId xmlns:a16="http://schemas.microsoft.com/office/drawing/2014/main" id="{FABE6D8F-611E-4C3A-BF03-368EA85E2E4C}"/>
               </a:ext>
             </a:extLst>
           </p:cNvPr>
@@ -8382,7 +9469,7 @@
           <p:cNvPr id="10" name="صورة 9">
             <a:extLst>
               <a:ext uri="{FF2B5EF4-FFF2-40B4-BE49-F238E27FC236}">
-                <a16:creationId xmlns:a16="http://schemas.microsoft.com/office/drawing/2014/main" xmlns="" id="{CDC21F2B-6FF8-4358-A469-D6EA8318A295}"/>
+                <a16:creationId xmlns:a16="http://schemas.microsoft.com/office/drawing/2014/main" id="{CDC21F2B-6FF8-4358-A469-D6EA8318A295}"/>
               </a:ext>
             </a:extLst>
           </p:cNvPr>
@@ -8454,7 +9541,7 @@
           <p:cNvPr id="2" name="عنوان 1">
             <a:extLst>
               <a:ext uri="{FF2B5EF4-FFF2-40B4-BE49-F238E27FC236}">
-                <a16:creationId xmlns:a16="http://schemas.microsoft.com/office/drawing/2014/main" xmlns="" id="{9453BCD2-7A68-48FC-AE50-605253AD70DE}"/>
+                <a16:creationId xmlns:a16="http://schemas.microsoft.com/office/drawing/2014/main" id="{9453BCD2-7A68-48FC-AE50-605253AD70DE}"/>
               </a:ext>
             </a:extLst>
           </p:cNvPr>
@@ -8564,7 +9651,7 @@
           <p:cNvPr id="2" name="عنوان 1">
             <a:extLst>
               <a:ext uri="{FF2B5EF4-FFF2-40B4-BE49-F238E27FC236}">
-                <a16:creationId xmlns:a16="http://schemas.microsoft.com/office/drawing/2014/main" xmlns="" id="{9453BCD2-7A68-48FC-AE50-605253AD70DE}"/>
+                <a16:creationId xmlns:a16="http://schemas.microsoft.com/office/drawing/2014/main" id="{9453BCD2-7A68-48FC-AE50-605253AD70DE}"/>
               </a:ext>
             </a:extLst>
           </p:cNvPr>
@@ -8747,13 +9834,6 @@
       </p:transition>
     </mc:Fallback>
   </mc:AlternateContent>
-  <p:timing>
-    <p:tnLst>
-      <p:par>
-        <p:cTn id="1" dur="indefinite" restart="never" nodeType="tmRoot"/>
-      </p:par>
-    </p:tnLst>
-  </p:timing>
 </p:sld>
 </file>
 
@@ -8804,13 +9884,6 @@
               </a:rPr>
               <a:t>HTML</a:t>
             </a:r>
-            <a:r>
-              <a:rPr lang="ar-SY" sz="4800" b="1" dirty="0">
-                <a:latin typeface="Times New Roman" panose="02020603050405020304" pitchFamily="18" charset="0"/>
-                <a:cs typeface="Times New Roman" panose="02020603050405020304" pitchFamily="18" charset="0"/>
-              </a:rPr>
-              <a:t/>
-            </a:r>
             <a:br>
               <a:rPr lang="ar-SY" sz="4800" b="1" dirty="0">
                 <a:latin typeface="Times New Roman" panose="02020603050405020304" pitchFamily="18" charset="0"/>
@@ -8818,18 +9891,11 @@
               </a:rPr>
             </a:br>
             <a:r>
-              <a:rPr lang="en-US" b="1" dirty="0" err="1">
-                <a:latin typeface="Times New Roman" panose="02020603050405020304" pitchFamily="18" charset="0"/>
-                <a:cs typeface="Times New Roman" panose="02020603050405020304" pitchFamily="18" charset="0"/>
-              </a:rPr>
-              <a:t>HyperText</a:t>
-            </a:r>
-            <a:r>
               <a:rPr lang="en-US" b="1" dirty="0">
                 <a:latin typeface="Times New Roman" panose="02020603050405020304" pitchFamily="18" charset="0"/>
                 <a:cs typeface="Times New Roman" panose="02020603050405020304" pitchFamily="18" charset="0"/>
               </a:rPr>
-              <a:t> Markup Language</a:t>
+              <a:t>HyperText Markup Language</a:t>
             </a:r>
             <a:r>
               <a:rPr lang="ar-SA" b="1" dirty="0">
@@ -8837,13 +9903,6 @@
                 <a:cs typeface="Times New Roman" panose="02020603050405020304" pitchFamily="18" charset="0"/>
               </a:rPr>
               <a:t> </a:t>
-            </a:r>
-            <a:r>
-              <a:rPr lang="ar-SY" b="1" dirty="0">
-                <a:latin typeface="Times New Roman" panose="02020603050405020304" pitchFamily="18" charset="0"/>
-                <a:cs typeface="Times New Roman" panose="02020603050405020304" pitchFamily="18" charset="0"/>
-              </a:rPr>
-              <a:t/>
             </a:r>
             <a:br>
               <a:rPr lang="ar-SY" b="1" dirty="0">
@@ -8910,13 +9969,6 @@
       </p:transition>
     </mc:Fallback>
   </mc:AlternateContent>
-  <p:timing>
-    <p:tnLst>
-      <p:par>
-        <p:cTn id="1" dur="indefinite" restart="never" nodeType="tmRoot"/>
-      </p:par>
-    </p:tnLst>
-  </p:timing>
 </p:sld>
 </file>
 
@@ -9083,13 +10135,6 @@
       </p:transition>
     </mc:Fallback>
   </mc:AlternateContent>
-  <p:timing>
-    <p:tnLst>
-      <p:par>
-        <p:cTn id="1" dur="indefinite" restart="never" nodeType="tmRoot"/>
-      </p:par>
-    </p:tnLst>
-  </p:timing>
 </p:sld>
 </file>
 
@@ -9150,7 +10195,7 @@
           <p:cNvPr id="9" name="عنصر نائب للمحتوى 8">
             <a:extLst>
               <a:ext uri="{FF2B5EF4-FFF2-40B4-BE49-F238E27FC236}">
-                <a16:creationId xmlns:a16="http://schemas.microsoft.com/office/drawing/2014/main" xmlns="" id="{B58E1CAF-B84C-4BCB-8BC6-3CD58F6A7A7D}"/>
+                <a16:creationId xmlns:a16="http://schemas.microsoft.com/office/drawing/2014/main" id="{B58E1CAF-B84C-4BCB-8BC6-3CD58F6A7A7D}"/>
               </a:ext>
             </a:extLst>
           </p:cNvPr>
@@ -9201,13 +10246,6 @@
       </p:transition>
     </mc:Fallback>
   </mc:AlternateContent>
-  <p:timing>
-    <p:tnLst>
-      <p:par>
-        <p:cTn id="1" dur="indefinite" restart="never" nodeType="tmRoot"/>
-      </p:par>
-    </p:tnLst>
-  </p:timing>
 </p:sld>
 </file>
 
@@ -9233,7 +10271,7 @@
           <p:cNvPr id="2" name="عنوان 1">
             <a:extLst>
               <a:ext uri="{FF2B5EF4-FFF2-40B4-BE49-F238E27FC236}">
-                <a16:creationId xmlns:a16="http://schemas.microsoft.com/office/drawing/2014/main" xmlns="" id="{89087E62-C074-44DD-88B6-10B6A5C59792}"/>
+                <a16:creationId xmlns:a16="http://schemas.microsoft.com/office/drawing/2014/main" id="{89087E62-C074-44DD-88B6-10B6A5C59792}"/>
               </a:ext>
             </a:extLst>
           </p:cNvPr>
@@ -9271,10 +10309,10 @@
       </p:sp>
       <p:pic>
         <p:nvPicPr>
-          <p:cNvPr id="4" name="صورة 3">
+          <p:cNvPr id="3" name="صورة 2">
             <a:extLst>
               <a:ext uri="{FF2B5EF4-FFF2-40B4-BE49-F238E27FC236}">
-                <a16:creationId xmlns:a16="http://schemas.microsoft.com/office/drawing/2014/main" xmlns="" id="{ABBF89EF-80EE-4382-94CE-0E51FAEAFAA2}"/>
+                <a16:creationId xmlns:a16="http://schemas.microsoft.com/office/drawing/2014/main" id="{8BF49B94-E6D7-476D-9524-1B28AFE87A12}"/>
               </a:ext>
             </a:extLst>
           </p:cNvPr>
@@ -9291,8 +10329,8 @@
         </p:blipFill>
         <p:spPr>
           <a:xfrm>
-            <a:off x="2618509" y="1690688"/>
-            <a:ext cx="7536007" cy="4501144"/>
+            <a:off x="303541" y="1870363"/>
+            <a:ext cx="5792459" cy="3865419"/>
           </a:xfrm>
           <a:prstGeom prst="rect">
             <a:avLst/>
@@ -9301,10 +10339,10 @@
       </p:pic>
       <p:pic>
         <p:nvPicPr>
-          <p:cNvPr id="5" name="صورة 4">
+          <p:cNvPr id="6" name="صورة 5">
             <a:extLst>
               <a:ext uri="{FF2B5EF4-FFF2-40B4-BE49-F238E27FC236}">
-                <a16:creationId xmlns:a16="http://schemas.microsoft.com/office/drawing/2014/main" xmlns="" id="{E1C0DBFA-4892-4CDC-84F0-6253AB3B58C9}"/>
+                <a16:creationId xmlns:a16="http://schemas.microsoft.com/office/drawing/2014/main" id="{FC045066-93E8-4079-8F86-6BA8D0C849B9}"/>
               </a:ext>
             </a:extLst>
           </p:cNvPr>
@@ -9321,8 +10359,8 @@
         </p:blipFill>
         <p:spPr>
           <a:xfrm>
-            <a:off x="2409825" y="1537855"/>
-            <a:ext cx="7744691" cy="5185040"/>
+            <a:off x="6767945" y="2244435"/>
+            <a:ext cx="4225636" cy="3117273"/>
           </a:xfrm>
           <a:prstGeom prst="rect">
             <a:avLst/>
@@ -9351,13 +10389,6 @@
       </p:transition>
     </mc:Fallback>
   </mc:AlternateContent>
-  <p:timing>
-    <p:tnLst>
-      <p:par>
-        <p:cTn id="1" dur="indefinite" restart="never" nodeType="tmRoot"/>
-      </p:par>
-    </p:tnLst>
-  </p:timing>
 </p:sld>
 </file>
 
@@ -9383,7 +10414,7 @@
           <p:cNvPr id="2" name="عنوان 1">
             <a:extLst>
               <a:ext uri="{FF2B5EF4-FFF2-40B4-BE49-F238E27FC236}">
-                <a16:creationId xmlns:a16="http://schemas.microsoft.com/office/drawing/2014/main" xmlns="" id="{4BE56A2F-8525-427B-B8BD-D2B1D8D7208B}"/>
+                <a16:creationId xmlns:a16="http://schemas.microsoft.com/office/drawing/2014/main" id="{4BE56A2F-8525-427B-B8BD-D2B1D8D7208B}"/>
               </a:ext>
             </a:extLst>
           </p:cNvPr>
@@ -9439,10 +10470,10 @@
       </p:sp>
       <p:pic>
         <p:nvPicPr>
-          <p:cNvPr id="3" name="صورة 2">
+          <p:cNvPr id="4" name="صورة 3">
             <a:extLst>
               <a:ext uri="{FF2B5EF4-FFF2-40B4-BE49-F238E27FC236}">
-                <a16:creationId xmlns:a16="http://schemas.microsoft.com/office/drawing/2014/main" xmlns="" id="{C8566AE9-2920-4B9B-920D-4EBE8BE6AE30}"/>
+                <a16:creationId xmlns:a16="http://schemas.microsoft.com/office/drawing/2014/main" id="{E023CB37-3667-4DA1-8E91-87CB5C9BC261}"/>
               </a:ext>
             </a:extLst>
           </p:cNvPr>
@@ -9459,20 +10490,106 @@
         </p:blipFill>
         <p:spPr>
           <a:xfrm>
-            <a:off x="838200" y="4007573"/>
-            <a:ext cx="4326514" cy="2675406"/>
+            <a:off x="6740236" y="4980062"/>
+            <a:ext cx="4326514" cy="1468274"/>
           </a:xfrm>
           <a:prstGeom prst="rect">
             <a:avLst/>
           </a:prstGeom>
         </p:spPr>
       </p:pic>
+      <p:sp>
+        <p:nvSpPr>
+          <p:cNvPr id="7" name="مربع نص 6">
+            <a:extLst>
+              <a:ext uri="{FF2B5EF4-FFF2-40B4-BE49-F238E27FC236}">
+                <a16:creationId xmlns:a16="http://schemas.microsoft.com/office/drawing/2014/main" id="{D6A5629F-8857-4256-A1CC-B57E988AED5E}"/>
+              </a:ext>
+            </a:extLst>
+          </p:cNvPr>
+          <p:cNvSpPr txBox="1"/>
+          <p:nvPr/>
+        </p:nvSpPr>
+        <p:spPr>
+          <a:xfrm>
+            <a:off x="5853762" y="4340082"/>
+            <a:ext cx="6099462" cy="461665"/>
+          </a:xfrm>
+          <a:prstGeom prst="rect">
+            <a:avLst/>
+          </a:prstGeom>
+          <a:noFill/>
+        </p:spPr>
+        <p:txBody>
+          <a:bodyPr wrap="square">
+            <a:spAutoFit/>
+          </a:bodyPr>
+          <a:lstStyle/>
+          <a:p>
+            <a:pPr algn="ctr"/>
+            <a:r>
+              <a:rPr lang="en-US" sz="2400" b="1" dirty="0">
+                <a:latin typeface="Times New Roman" panose="02020603050405020304" pitchFamily="18" charset="0"/>
+                <a:cs typeface="Times New Roman" panose="02020603050405020304" pitchFamily="18" charset="0"/>
+              </a:rPr>
+              <a:t>Output</a:t>
+            </a:r>
+            <a:endParaRPr lang="en-US" b="1" dirty="0">
+              <a:latin typeface="Times New Roman" panose="02020603050405020304" pitchFamily="18" charset="0"/>
+              <a:cs typeface="Times New Roman" panose="02020603050405020304" pitchFamily="18" charset="0"/>
+            </a:endParaRPr>
+          </a:p>
+        </p:txBody>
+      </p:sp>
+      <p:sp>
+        <p:nvSpPr>
+          <p:cNvPr id="9" name="مربع نص 8">
+            <a:extLst>
+              <a:ext uri="{FF2B5EF4-FFF2-40B4-BE49-F238E27FC236}">
+                <a16:creationId xmlns:a16="http://schemas.microsoft.com/office/drawing/2014/main" id="{6512DDED-3254-40D5-981D-DDFAC764CCA0}"/>
+              </a:ext>
+            </a:extLst>
+          </p:cNvPr>
+          <p:cNvSpPr txBox="1"/>
+          <p:nvPr/>
+        </p:nvSpPr>
+        <p:spPr>
+          <a:xfrm>
+            <a:off x="-245700" y="3510843"/>
+            <a:ext cx="6099462" cy="461665"/>
+          </a:xfrm>
+          <a:prstGeom prst="rect">
+            <a:avLst/>
+          </a:prstGeom>
+          <a:noFill/>
+        </p:spPr>
+        <p:txBody>
+          <a:bodyPr wrap="square">
+            <a:spAutoFit/>
+          </a:bodyPr>
+          <a:lstStyle/>
+          <a:p>
+            <a:pPr algn="ctr"/>
+            <a:r>
+              <a:rPr lang="en-US" sz="2400" b="1" dirty="0">
+                <a:latin typeface="Times New Roman" panose="02020603050405020304" pitchFamily="18" charset="0"/>
+                <a:cs typeface="Times New Roman" panose="02020603050405020304" pitchFamily="18" charset="0"/>
+              </a:rPr>
+              <a:t>Html code</a:t>
+            </a:r>
+            <a:endParaRPr lang="en-US" b="1" dirty="0">
+              <a:latin typeface="Times New Roman" panose="02020603050405020304" pitchFamily="18" charset="0"/>
+              <a:cs typeface="Times New Roman" panose="02020603050405020304" pitchFamily="18" charset="0"/>
+            </a:endParaRPr>
+          </a:p>
+        </p:txBody>
+      </p:sp>
       <p:pic>
         <p:nvPicPr>
-          <p:cNvPr id="4" name="صورة 3">
+          <p:cNvPr id="10" name="صورة 9">
             <a:extLst>
               <a:ext uri="{FF2B5EF4-FFF2-40B4-BE49-F238E27FC236}">
-                <a16:creationId xmlns:a16="http://schemas.microsoft.com/office/drawing/2014/main" xmlns="" id="{E023CB37-3667-4DA1-8E91-87CB5C9BC261}"/>
+                <a16:creationId xmlns:a16="http://schemas.microsoft.com/office/drawing/2014/main" id="{9EB63CE9-BE65-4B5C-91B4-D9FC7EA17897}"/>
               </a:ext>
             </a:extLst>
           </p:cNvPr>
@@ -9489,106 +10606,20 @@
         </p:blipFill>
         <p:spPr>
           <a:xfrm>
-            <a:off x="6740236" y="4980062"/>
-            <a:ext cx="4326514" cy="1468274"/>
+            <a:off x="1421822" y="1123950"/>
+            <a:ext cx="9348355" cy="2305050"/>
           </a:xfrm>
           <a:prstGeom prst="rect">
             <a:avLst/>
           </a:prstGeom>
         </p:spPr>
       </p:pic>
-      <p:sp>
-        <p:nvSpPr>
-          <p:cNvPr id="7" name="مربع نص 6">
+      <p:pic>
+        <p:nvPicPr>
+          <p:cNvPr id="5" name="صورة 4">
             <a:extLst>
               <a:ext uri="{FF2B5EF4-FFF2-40B4-BE49-F238E27FC236}">
-                <a16:creationId xmlns:a16="http://schemas.microsoft.com/office/drawing/2014/main" xmlns="" id="{D6A5629F-8857-4256-A1CC-B57E988AED5E}"/>
-              </a:ext>
-            </a:extLst>
-          </p:cNvPr>
-          <p:cNvSpPr txBox="1"/>
-          <p:nvPr/>
-        </p:nvSpPr>
-        <p:spPr>
-          <a:xfrm>
-            <a:off x="5853762" y="4360864"/>
-            <a:ext cx="6099462" cy="461665"/>
-          </a:xfrm>
-          <a:prstGeom prst="rect">
-            <a:avLst/>
-          </a:prstGeom>
-          <a:noFill/>
-        </p:spPr>
-        <p:txBody>
-          <a:bodyPr wrap="square">
-            <a:spAutoFit/>
-          </a:bodyPr>
-          <a:lstStyle/>
-          <a:p>
-            <a:pPr algn="ctr"/>
-            <a:r>
-              <a:rPr lang="en-US" sz="2400" b="1" dirty="0">
-                <a:latin typeface="Times New Roman" panose="02020603050405020304" pitchFamily="18" charset="0"/>
-                <a:cs typeface="Times New Roman" panose="02020603050405020304" pitchFamily="18" charset="0"/>
-              </a:rPr>
-              <a:t>Output</a:t>
-            </a:r>
-            <a:endParaRPr lang="en-US" b="1" dirty="0">
-              <a:latin typeface="Times New Roman" panose="02020603050405020304" pitchFamily="18" charset="0"/>
-              <a:cs typeface="Times New Roman" panose="02020603050405020304" pitchFamily="18" charset="0"/>
-            </a:endParaRPr>
-          </a:p>
-        </p:txBody>
-      </p:sp>
-      <p:sp>
-        <p:nvSpPr>
-          <p:cNvPr id="9" name="مربع نص 8">
-            <a:extLst>
-              <a:ext uri="{FF2B5EF4-FFF2-40B4-BE49-F238E27FC236}">
-                <a16:creationId xmlns:a16="http://schemas.microsoft.com/office/drawing/2014/main" xmlns="" id="{6512DDED-3254-40D5-981D-DDFAC764CCA0}"/>
-              </a:ext>
-            </a:extLst>
-          </p:cNvPr>
-          <p:cNvSpPr txBox="1"/>
-          <p:nvPr/>
-        </p:nvSpPr>
-        <p:spPr>
-          <a:xfrm>
-            <a:off x="-245700" y="3510843"/>
-            <a:ext cx="6099462" cy="461665"/>
-          </a:xfrm>
-          <a:prstGeom prst="rect">
-            <a:avLst/>
-          </a:prstGeom>
-          <a:noFill/>
-        </p:spPr>
-        <p:txBody>
-          <a:bodyPr wrap="square">
-            <a:spAutoFit/>
-          </a:bodyPr>
-          <a:lstStyle/>
-          <a:p>
-            <a:pPr algn="ctr"/>
-            <a:r>
-              <a:rPr lang="en-US" sz="2400" b="1" dirty="0">
-                <a:latin typeface="Times New Roman" panose="02020603050405020304" pitchFamily="18" charset="0"/>
-                <a:cs typeface="Times New Roman" panose="02020603050405020304" pitchFamily="18" charset="0"/>
-              </a:rPr>
-              <a:t>Html code</a:t>
-            </a:r>
-            <a:endParaRPr lang="en-US" b="1" dirty="0">
-              <a:latin typeface="Times New Roman" panose="02020603050405020304" pitchFamily="18" charset="0"/>
-              <a:cs typeface="Times New Roman" panose="02020603050405020304" pitchFamily="18" charset="0"/>
-            </a:endParaRPr>
-          </a:p>
-        </p:txBody>
-      </p:sp>
-      <p:pic>
-        <p:nvPicPr>
-          <p:cNvPr id="10" name="صورة 9">
-            <a:extLst>
-              <a:ext uri="{FF2B5EF4-FFF2-40B4-BE49-F238E27FC236}">
-                <a16:creationId xmlns:a16="http://schemas.microsoft.com/office/drawing/2014/main" xmlns="" id="{9EB63CE9-BE65-4B5C-91B4-D9FC7EA17897}"/>
+                <a16:creationId xmlns:a16="http://schemas.microsoft.com/office/drawing/2014/main" id="{EAEE52F5-2A5F-44BC-925A-4E29AD733A83}"/>
               </a:ext>
             </a:extLst>
           </p:cNvPr>
@@ -9605,8 +10636,8 @@
         </p:blipFill>
         <p:spPr>
           <a:xfrm>
-            <a:off x="1421822" y="1123950"/>
-            <a:ext cx="9348355" cy="2305050"/>
+            <a:off x="1180885" y="4054351"/>
+            <a:ext cx="3699795" cy="2393985"/>
           </a:xfrm>
           <a:prstGeom prst="rect">
             <a:avLst/>
@@ -9635,13 +10666,6 @@
       </p:transition>
     </mc:Fallback>
   </mc:AlternateContent>
-  <p:timing>
-    <p:tnLst>
-      <p:par>
-        <p:cTn id="1" dur="indefinite" restart="never" nodeType="tmRoot"/>
-      </p:par>
-    </p:tnLst>
-  </p:timing>
 </p:sld>
 </file>
 
@@ -9815,10 +10839,10 @@
       </p:grpSpPr>
       <p:pic>
         <p:nvPicPr>
-          <p:cNvPr id="4" name="صورة 3">
+          <p:cNvPr id="5" name="صورة 4">
             <a:extLst>
               <a:ext uri="{FF2B5EF4-FFF2-40B4-BE49-F238E27FC236}">
-                <a16:creationId xmlns:a16="http://schemas.microsoft.com/office/drawing/2014/main" xmlns="" id="{06526A9F-DEC4-4A6C-A5DE-34AA28442E9F}"/>
+                <a16:creationId xmlns:a16="http://schemas.microsoft.com/office/drawing/2014/main" id="{EDD666B2-6E72-4A74-929D-19797B04A739}"/>
               </a:ext>
             </a:extLst>
           </p:cNvPr>
@@ -9835,20 +10859,165 @@
         </p:blipFill>
         <p:spPr>
           <a:xfrm>
-            <a:off x="20782" y="1968211"/>
-            <a:ext cx="6115050" cy="4000500"/>
+            <a:off x="6162675" y="3387436"/>
+            <a:ext cx="6029325" cy="1162050"/>
           </a:xfrm>
           <a:prstGeom prst="rect">
             <a:avLst/>
           </a:prstGeom>
         </p:spPr>
       </p:pic>
+      <p:sp>
+        <p:nvSpPr>
+          <p:cNvPr id="6" name="عنوان 1">
+            <a:extLst>
+              <a:ext uri="{FF2B5EF4-FFF2-40B4-BE49-F238E27FC236}">
+                <a16:creationId xmlns:a16="http://schemas.microsoft.com/office/drawing/2014/main" id="{C45EC975-48AC-44AB-8E07-23FA12C6B678}"/>
+              </a:ext>
+            </a:extLst>
+          </p:cNvPr>
+          <p:cNvSpPr>
+            <a:spLocks noGrp="1"/>
+          </p:cNvSpPr>
+          <p:nvPr>
+            <p:ph type="title"/>
+          </p:nvPr>
+        </p:nvSpPr>
+        <p:spPr>
+          <a:xfrm>
+            <a:off x="838200" y="104248"/>
+            <a:ext cx="10515600" cy="1325563"/>
+          </a:xfrm>
+        </p:spPr>
+        <p:txBody>
+          <a:bodyPr>
+            <a:normAutofit/>
+          </a:bodyPr>
+          <a:lstStyle/>
+          <a:p>
+            <a:pPr algn="ctr"/>
+            <a:r>
+              <a:rPr lang="en-US" sz="4800" b="1" dirty="0">
+                <a:latin typeface="Times New Roman" panose="02020603050405020304" pitchFamily="18" charset="0"/>
+              </a:rPr>
+              <a:t>P</a:t>
+            </a:r>
+            <a:r>
+              <a:rPr lang="en-US" sz="4800" b="1" i="0" dirty="0">
+                <a:effectLst/>
+                <a:latin typeface="Times New Roman" panose="02020603050405020304" pitchFamily="18" charset="0"/>
+              </a:rPr>
+              <a:t>aragraph</a:t>
+            </a:r>
+            <a:r>
+              <a:rPr lang="en-US" sz="2000" b="0" i="0" dirty="0">
+                <a:solidFill>
+                  <a:srgbClr val="000000"/>
+                </a:solidFill>
+                <a:effectLst/>
+                <a:latin typeface="Times New Roman" panose="02020603050405020304" pitchFamily="18" charset="0"/>
+              </a:rPr>
+              <a:t> </a:t>
+            </a:r>
+            <a:endParaRPr lang="en-US" sz="4800" b="1" dirty="0">
+              <a:latin typeface="Times New Roman" panose="02020603050405020304" pitchFamily="18" charset="0"/>
+              <a:cs typeface="Times New Roman" panose="02020603050405020304" pitchFamily="18" charset="0"/>
+            </a:endParaRPr>
+          </a:p>
+        </p:txBody>
+      </p:sp>
+      <p:sp>
+        <p:nvSpPr>
+          <p:cNvPr id="8" name="مربع نص 7">
+            <a:extLst>
+              <a:ext uri="{FF2B5EF4-FFF2-40B4-BE49-F238E27FC236}">
+                <a16:creationId xmlns:a16="http://schemas.microsoft.com/office/drawing/2014/main" id="{F79C5A59-0082-403E-9338-561C3DFA00FC}"/>
+              </a:ext>
+            </a:extLst>
+          </p:cNvPr>
+          <p:cNvSpPr txBox="1"/>
+          <p:nvPr/>
+        </p:nvSpPr>
+        <p:spPr>
+          <a:xfrm>
+            <a:off x="6029326" y="2925771"/>
+            <a:ext cx="6099462" cy="461665"/>
+          </a:xfrm>
+          <a:prstGeom prst="rect">
+            <a:avLst/>
+          </a:prstGeom>
+          <a:noFill/>
+        </p:spPr>
+        <p:txBody>
+          <a:bodyPr wrap="square">
+            <a:spAutoFit/>
+          </a:bodyPr>
+          <a:lstStyle/>
+          <a:p>
+            <a:pPr algn="ctr"/>
+            <a:r>
+              <a:rPr lang="en-US" sz="2400" b="1" dirty="0">
+                <a:latin typeface="Times New Roman" panose="02020603050405020304" pitchFamily="18" charset="0"/>
+                <a:cs typeface="Times New Roman" panose="02020603050405020304" pitchFamily="18" charset="0"/>
+              </a:rPr>
+              <a:t>Output</a:t>
+            </a:r>
+            <a:endParaRPr lang="en-US" b="1" dirty="0">
+              <a:latin typeface="Times New Roman" panose="02020603050405020304" pitchFamily="18" charset="0"/>
+              <a:cs typeface="Times New Roman" panose="02020603050405020304" pitchFamily="18" charset="0"/>
+            </a:endParaRPr>
+          </a:p>
+        </p:txBody>
+      </p:sp>
+      <p:sp>
+        <p:nvSpPr>
+          <p:cNvPr id="10" name="مربع نص 9">
+            <a:extLst>
+              <a:ext uri="{FF2B5EF4-FFF2-40B4-BE49-F238E27FC236}">
+                <a16:creationId xmlns:a16="http://schemas.microsoft.com/office/drawing/2014/main" id="{8CFEF47C-0831-4393-B358-F4F423116293}"/>
+              </a:ext>
+            </a:extLst>
+          </p:cNvPr>
+          <p:cNvSpPr txBox="1"/>
+          <p:nvPr/>
+        </p:nvSpPr>
+        <p:spPr>
+          <a:xfrm>
+            <a:off x="-613929" y="1468178"/>
+            <a:ext cx="6099462" cy="461665"/>
+          </a:xfrm>
+          <a:prstGeom prst="rect">
+            <a:avLst/>
+          </a:prstGeom>
+          <a:noFill/>
+        </p:spPr>
+        <p:txBody>
+          <a:bodyPr wrap="square">
+            <a:spAutoFit/>
+          </a:bodyPr>
+          <a:lstStyle/>
+          <a:p>
+            <a:pPr algn="ctr"/>
+            <a:r>
+              <a:rPr lang="en-US" sz="2400" b="1" dirty="0">
+                <a:latin typeface="Times New Roman" panose="02020603050405020304" pitchFamily="18" charset="0"/>
+                <a:cs typeface="Times New Roman" panose="02020603050405020304" pitchFamily="18" charset="0"/>
+              </a:rPr>
+              <a:t>Html code</a:t>
+            </a:r>
+            <a:endParaRPr lang="en-US" b="1" dirty="0">
+              <a:latin typeface="Times New Roman" panose="02020603050405020304" pitchFamily="18" charset="0"/>
+              <a:cs typeface="Times New Roman" panose="02020603050405020304" pitchFamily="18" charset="0"/>
+            </a:endParaRPr>
+          </a:p>
+        </p:txBody>
+      </p:sp>
       <p:pic>
         <p:nvPicPr>
-          <p:cNvPr id="5" name="صورة 4">
+          <p:cNvPr id="3" name="صورة 2">
             <a:extLst>
               <a:ext uri="{FF2B5EF4-FFF2-40B4-BE49-F238E27FC236}">
-                <a16:creationId xmlns:a16="http://schemas.microsoft.com/office/drawing/2014/main" xmlns="" id="{EDD666B2-6E72-4A74-929D-19797B04A739}"/>
+                <a16:creationId xmlns:a16="http://schemas.microsoft.com/office/drawing/2014/main" id="{C93B5650-C804-4B55-9111-EBA3D7950E2E}"/>
               </a:ext>
             </a:extLst>
           </p:cNvPr>
@@ -9865,159 +11034,14 @@
         </p:blipFill>
         <p:spPr>
           <a:xfrm>
-            <a:off x="6162675" y="3387436"/>
-            <a:ext cx="6029325" cy="1162050"/>
+            <a:off x="28575" y="2134465"/>
+            <a:ext cx="6067425" cy="4057650"/>
           </a:xfrm>
           <a:prstGeom prst="rect">
             <a:avLst/>
           </a:prstGeom>
         </p:spPr>
       </p:pic>
-      <p:sp>
-        <p:nvSpPr>
-          <p:cNvPr id="6" name="عنوان 1">
-            <a:extLst>
-              <a:ext uri="{FF2B5EF4-FFF2-40B4-BE49-F238E27FC236}">
-                <a16:creationId xmlns:a16="http://schemas.microsoft.com/office/drawing/2014/main" xmlns="" id="{C45EC975-48AC-44AB-8E07-23FA12C6B678}"/>
-              </a:ext>
-            </a:extLst>
-          </p:cNvPr>
-          <p:cNvSpPr>
-            <a:spLocks noGrp="1"/>
-          </p:cNvSpPr>
-          <p:nvPr>
-            <p:ph type="title"/>
-          </p:nvPr>
-        </p:nvSpPr>
-        <p:spPr>
-          <a:xfrm>
-            <a:off x="838200" y="104248"/>
-            <a:ext cx="10515600" cy="1325563"/>
-          </a:xfrm>
-        </p:spPr>
-        <p:txBody>
-          <a:bodyPr>
-            <a:normAutofit/>
-          </a:bodyPr>
-          <a:lstStyle/>
-          <a:p>
-            <a:pPr algn="ctr"/>
-            <a:r>
-              <a:rPr lang="en-US" sz="4800" b="1" dirty="0">
-                <a:latin typeface="Times New Roman" panose="02020603050405020304" pitchFamily="18" charset="0"/>
-              </a:rPr>
-              <a:t>P</a:t>
-            </a:r>
-            <a:r>
-              <a:rPr lang="en-US" sz="4800" b="1" i="0" dirty="0">
-                <a:effectLst/>
-                <a:latin typeface="Times New Roman" panose="02020603050405020304" pitchFamily="18" charset="0"/>
-              </a:rPr>
-              <a:t>aragraph</a:t>
-            </a:r>
-            <a:r>
-              <a:rPr lang="en-US" sz="2000" b="0" i="0" dirty="0">
-                <a:solidFill>
-                  <a:srgbClr val="000000"/>
-                </a:solidFill>
-                <a:effectLst/>
-                <a:latin typeface="Times New Roman" panose="02020603050405020304" pitchFamily="18" charset="0"/>
-              </a:rPr>
-              <a:t> </a:t>
-            </a:r>
-            <a:endParaRPr lang="en-US" sz="4800" b="1" dirty="0">
-              <a:latin typeface="Times New Roman" panose="02020603050405020304" pitchFamily="18" charset="0"/>
-              <a:cs typeface="Times New Roman" panose="02020603050405020304" pitchFamily="18" charset="0"/>
-            </a:endParaRPr>
-          </a:p>
-        </p:txBody>
-      </p:sp>
-      <p:sp>
-        <p:nvSpPr>
-          <p:cNvPr id="8" name="مربع نص 7">
-            <a:extLst>
-              <a:ext uri="{FF2B5EF4-FFF2-40B4-BE49-F238E27FC236}">
-                <a16:creationId xmlns:a16="http://schemas.microsoft.com/office/drawing/2014/main" xmlns="" id="{F79C5A59-0082-403E-9338-561C3DFA00FC}"/>
-              </a:ext>
-            </a:extLst>
-          </p:cNvPr>
-          <p:cNvSpPr txBox="1"/>
-          <p:nvPr/>
-        </p:nvSpPr>
-        <p:spPr>
-          <a:xfrm>
-            <a:off x="6029326" y="2925771"/>
-            <a:ext cx="6099462" cy="461665"/>
-          </a:xfrm>
-          <a:prstGeom prst="rect">
-            <a:avLst/>
-          </a:prstGeom>
-          <a:noFill/>
-        </p:spPr>
-        <p:txBody>
-          <a:bodyPr wrap="square">
-            <a:spAutoFit/>
-          </a:bodyPr>
-          <a:lstStyle/>
-          <a:p>
-            <a:pPr algn="ctr"/>
-            <a:r>
-              <a:rPr lang="en-US" sz="2400" b="1" dirty="0">
-                <a:latin typeface="Times New Roman" panose="02020603050405020304" pitchFamily="18" charset="0"/>
-                <a:cs typeface="Times New Roman" panose="02020603050405020304" pitchFamily="18" charset="0"/>
-              </a:rPr>
-              <a:t>Output</a:t>
-            </a:r>
-            <a:endParaRPr lang="en-US" b="1" dirty="0">
-              <a:latin typeface="Times New Roman" panose="02020603050405020304" pitchFamily="18" charset="0"/>
-              <a:cs typeface="Times New Roman" panose="02020603050405020304" pitchFamily="18" charset="0"/>
-            </a:endParaRPr>
-          </a:p>
-        </p:txBody>
-      </p:sp>
-      <p:sp>
-        <p:nvSpPr>
-          <p:cNvPr id="10" name="مربع نص 9">
-            <a:extLst>
-              <a:ext uri="{FF2B5EF4-FFF2-40B4-BE49-F238E27FC236}">
-                <a16:creationId xmlns:a16="http://schemas.microsoft.com/office/drawing/2014/main" xmlns="" id="{8CFEF47C-0831-4393-B358-F4F423116293}"/>
-              </a:ext>
-            </a:extLst>
-          </p:cNvPr>
-          <p:cNvSpPr txBox="1"/>
-          <p:nvPr/>
-        </p:nvSpPr>
-        <p:spPr>
-          <a:xfrm>
-            <a:off x="-613929" y="1468178"/>
-            <a:ext cx="6099462" cy="461665"/>
-          </a:xfrm>
-          <a:prstGeom prst="rect">
-            <a:avLst/>
-          </a:prstGeom>
-          <a:noFill/>
-        </p:spPr>
-        <p:txBody>
-          <a:bodyPr wrap="square">
-            <a:spAutoFit/>
-          </a:bodyPr>
-          <a:lstStyle/>
-          <a:p>
-            <a:pPr algn="ctr"/>
-            <a:r>
-              <a:rPr lang="en-US" sz="2400" b="1" dirty="0">
-                <a:latin typeface="Times New Roman" panose="02020603050405020304" pitchFamily="18" charset="0"/>
-                <a:cs typeface="Times New Roman" panose="02020603050405020304" pitchFamily="18" charset="0"/>
-              </a:rPr>
-              <a:t>Html code</a:t>
-            </a:r>
-            <a:endParaRPr lang="en-US" b="1" dirty="0">
-              <a:latin typeface="Times New Roman" panose="02020603050405020304" pitchFamily="18" charset="0"/>
-              <a:cs typeface="Times New Roman" panose="02020603050405020304" pitchFamily="18" charset="0"/>
-            </a:endParaRPr>
-          </a:p>
-        </p:txBody>
-      </p:sp>
     </p:spTree>
     <p:extLst>
       <p:ext uri="{BB962C8B-B14F-4D97-AF65-F5344CB8AC3E}">
@@ -10040,13 +11064,6 @@
       </p:transition>
     </mc:Fallback>
   </mc:AlternateContent>
-  <p:timing>
-    <p:tnLst>
-      <p:par>
-        <p:cTn id="1" dur="indefinite" restart="never" nodeType="tmRoot"/>
-      </p:par>
-    </p:tnLst>
-  </p:timing>
 </p:sld>
 </file>
 
@@ -10072,7 +11089,7 @@
           <p:cNvPr id="6" name="عنوان 1">
             <a:extLst>
               <a:ext uri="{FF2B5EF4-FFF2-40B4-BE49-F238E27FC236}">
-                <a16:creationId xmlns:a16="http://schemas.microsoft.com/office/drawing/2014/main" xmlns="" id="{C45EC975-48AC-44AB-8E07-23FA12C6B678}"/>
+                <a16:creationId xmlns:a16="http://schemas.microsoft.com/office/drawing/2014/main" id="{C45EC975-48AC-44AB-8E07-23FA12C6B678}"/>
               </a:ext>
             </a:extLst>
           </p:cNvPr>
@@ -10116,7 +11133,7 @@
           <p:cNvPr id="8" name="مربع نص 7">
             <a:extLst>
               <a:ext uri="{FF2B5EF4-FFF2-40B4-BE49-F238E27FC236}">
-                <a16:creationId xmlns:a16="http://schemas.microsoft.com/office/drawing/2014/main" xmlns="" id="{F79C5A59-0082-403E-9338-561C3DFA00FC}"/>
+                <a16:creationId xmlns:a16="http://schemas.microsoft.com/office/drawing/2014/main" id="{F79C5A59-0082-403E-9338-561C3DFA00FC}"/>
               </a:ext>
             </a:extLst>
           </p:cNvPr>
@@ -10159,7 +11176,7 @@
           <p:cNvPr id="10" name="مربع نص 9">
             <a:extLst>
               <a:ext uri="{FF2B5EF4-FFF2-40B4-BE49-F238E27FC236}">
-                <a16:creationId xmlns:a16="http://schemas.microsoft.com/office/drawing/2014/main" xmlns="" id="{8CFEF47C-0831-4393-B358-F4F423116293}"/>
+                <a16:creationId xmlns:a16="http://schemas.microsoft.com/office/drawing/2014/main" id="{8CFEF47C-0831-4393-B358-F4F423116293}"/>
               </a:ext>
             </a:extLst>
           </p:cNvPr>
@@ -10202,7 +11219,7 @@
           <p:cNvPr id="9" name="صورة 8">
             <a:extLst>
               <a:ext uri="{FF2B5EF4-FFF2-40B4-BE49-F238E27FC236}">
-                <a16:creationId xmlns:a16="http://schemas.microsoft.com/office/drawing/2014/main" xmlns="" id="{5938B89E-2807-4BB0-816C-36F9588E6983}"/>
+                <a16:creationId xmlns:a16="http://schemas.microsoft.com/office/drawing/2014/main" id="{5938B89E-2807-4BB0-816C-36F9588E6983}"/>
               </a:ext>
             </a:extLst>
           </p:cNvPr>
@@ -10232,7 +11249,7 @@
           <p:cNvPr id="12" name="صورة 11">
             <a:extLst>
               <a:ext uri="{FF2B5EF4-FFF2-40B4-BE49-F238E27FC236}">
-                <a16:creationId xmlns:a16="http://schemas.microsoft.com/office/drawing/2014/main" xmlns="" id="{9DA7C438-B6A3-4683-94D8-B3B7654D337B}"/>
+                <a16:creationId xmlns:a16="http://schemas.microsoft.com/office/drawing/2014/main" id="{9DA7C438-B6A3-4683-94D8-B3B7654D337B}"/>
               </a:ext>
             </a:extLst>
           </p:cNvPr>
@@ -10279,13 +11296,6 @@
       </p:transition>
     </mc:Fallback>
   </mc:AlternateContent>
-  <p:timing>
-    <p:tnLst>
-      <p:par>
-        <p:cTn id="1" dur="indefinite" restart="never" nodeType="tmRoot"/>
-      </p:par>
-    </p:tnLst>
-  </p:timing>
 </p:sld>
 </file>
 
@@ -10311,7 +11321,7 @@
           <p:cNvPr id="6" name="عنوان 1">
             <a:extLst>
               <a:ext uri="{FF2B5EF4-FFF2-40B4-BE49-F238E27FC236}">
-                <a16:creationId xmlns:a16="http://schemas.microsoft.com/office/drawing/2014/main" xmlns="" id="{C45EC975-48AC-44AB-8E07-23FA12C6B678}"/>
+                <a16:creationId xmlns:a16="http://schemas.microsoft.com/office/drawing/2014/main" id="{C45EC975-48AC-44AB-8E07-23FA12C6B678}"/>
               </a:ext>
             </a:extLst>
           </p:cNvPr>
@@ -10350,7 +11360,7 @@
           <p:cNvPr id="8" name="مربع نص 7">
             <a:extLst>
               <a:ext uri="{FF2B5EF4-FFF2-40B4-BE49-F238E27FC236}">
-                <a16:creationId xmlns:a16="http://schemas.microsoft.com/office/drawing/2014/main" xmlns="" id="{F79C5A59-0082-403E-9338-561C3DFA00FC}"/>
+                <a16:creationId xmlns:a16="http://schemas.microsoft.com/office/drawing/2014/main" id="{F79C5A59-0082-403E-9338-561C3DFA00FC}"/>
               </a:ext>
             </a:extLst>
           </p:cNvPr>
@@ -10393,7 +11403,7 @@
           <p:cNvPr id="10" name="مربع نص 9">
             <a:extLst>
               <a:ext uri="{FF2B5EF4-FFF2-40B4-BE49-F238E27FC236}">
-                <a16:creationId xmlns:a16="http://schemas.microsoft.com/office/drawing/2014/main" xmlns="" id="{8CFEF47C-0831-4393-B358-F4F423116293}"/>
+                <a16:creationId xmlns:a16="http://schemas.microsoft.com/office/drawing/2014/main" id="{8CFEF47C-0831-4393-B358-F4F423116293}"/>
               </a:ext>
             </a:extLst>
           </p:cNvPr>
@@ -10436,7 +11446,7 @@
           <p:cNvPr id="2" name="صورة 1">
             <a:extLst>
               <a:ext uri="{FF2B5EF4-FFF2-40B4-BE49-F238E27FC236}">
-                <a16:creationId xmlns:a16="http://schemas.microsoft.com/office/drawing/2014/main" xmlns="" id="{808F7610-E4F2-49DF-AE74-8DE11F37DB58}"/>
+                <a16:creationId xmlns:a16="http://schemas.microsoft.com/office/drawing/2014/main" id="{808F7610-E4F2-49DF-AE74-8DE11F37DB58}"/>
               </a:ext>
             </a:extLst>
           </p:cNvPr>
@@ -10466,7 +11476,7 @@
           <p:cNvPr id="3" name="صورة 2">
             <a:extLst>
               <a:ext uri="{FF2B5EF4-FFF2-40B4-BE49-F238E27FC236}">
-                <a16:creationId xmlns:a16="http://schemas.microsoft.com/office/drawing/2014/main" xmlns="" id="{B86D681F-5A90-46D4-BEF3-29CEC9D96430}"/>
+                <a16:creationId xmlns:a16="http://schemas.microsoft.com/office/drawing/2014/main" id="{B86D681F-5A90-46D4-BEF3-29CEC9D96430}"/>
               </a:ext>
             </a:extLst>
           </p:cNvPr>
@@ -10513,13 +11523,6 @@
       </p:transition>
     </mc:Fallback>
   </mc:AlternateContent>
-  <p:timing>
-    <p:tnLst>
-      <p:par>
-        <p:cTn id="1" dur="indefinite" restart="never" nodeType="tmRoot"/>
-      </p:par>
-    </p:tnLst>
-  </p:timing>
 </p:sld>
 </file>
 
@@ -10545,7 +11548,7 @@
           <p:cNvPr id="6" name="عنوان 1">
             <a:extLst>
               <a:ext uri="{FF2B5EF4-FFF2-40B4-BE49-F238E27FC236}">
-                <a16:creationId xmlns:a16="http://schemas.microsoft.com/office/drawing/2014/main" xmlns="" id="{C45EC975-48AC-44AB-8E07-23FA12C6B678}"/>
+                <a16:creationId xmlns:a16="http://schemas.microsoft.com/office/drawing/2014/main" id="{C45EC975-48AC-44AB-8E07-23FA12C6B678}"/>
               </a:ext>
             </a:extLst>
           </p:cNvPr>
@@ -10574,7 +11577,7 @@
                 <a:latin typeface="Times New Roman" panose="02020603050405020304" pitchFamily="18" charset="0"/>
                 <a:cs typeface="Times New Roman" panose="02020603050405020304" pitchFamily="18" charset="0"/>
               </a:rPr>
-              <a:t>Heading</a:t>
+              <a:t>Text Formatting</a:t>
             </a:r>
           </a:p>
         </p:txBody>
@@ -10584,7 +11587,234 @@
           <p:cNvPr id="8" name="مربع نص 7">
             <a:extLst>
               <a:ext uri="{FF2B5EF4-FFF2-40B4-BE49-F238E27FC236}">
-                <a16:creationId xmlns:a16="http://schemas.microsoft.com/office/drawing/2014/main" xmlns="" id="{F79C5A59-0082-403E-9338-561C3DFA00FC}"/>
+                <a16:creationId xmlns:a16="http://schemas.microsoft.com/office/drawing/2014/main" id="{F79C5A59-0082-403E-9338-561C3DFA00FC}"/>
+              </a:ext>
+            </a:extLst>
+          </p:cNvPr>
+          <p:cNvSpPr txBox="1"/>
+          <p:nvPr/>
+        </p:nvSpPr>
+        <p:spPr>
+          <a:xfrm>
+            <a:off x="5439207" y="1419598"/>
+            <a:ext cx="6099462" cy="461665"/>
+          </a:xfrm>
+          <a:prstGeom prst="rect">
+            <a:avLst/>
+          </a:prstGeom>
+          <a:noFill/>
+        </p:spPr>
+        <p:txBody>
+          <a:bodyPr wrap="square">
+            <a:spAutoFit/>
+          </a:bodyPr>
+          <a:lstStyle/>
+          <a:p>
+            <a:pPr algn="ctr"/>
+            <a:r>
+              <a:rPr lang="en-US" sz="2400" b="1" dirty="0">
+                <a:latin typeface="Times New Roman" panose="02020603050405020304" pitchFamily="18" charset="0"/>
+                <a:cs typeface="Times New Roman" panose="02020603050405020304" pitchFamily="18" charset="0"/>
+              </a:rPr>
+              <a:t>Output</a:t>
+            </a:r>
+            <a:endParaRPr lang="en-US" b="1" dirty="0">
+              <a:latin typeface="Times New Roman" panose="02020603050405020304" pitchFamily="18" charset="0"/>
+              <a:cs typeface="Times New Roman" panose="02020603050405020304" pitchFamily="18" charset="0"/>
+            </a:endParaRPr>
+          </a:p>
+        </p:txBody>
+      </p:sp>
+      <p:sp>
+        <p:nvSpPr>
+          <p:cNvPr id="10" name="مربع نص 9">
+            <a:extLst>
+              <a:ext uri="{FF2B5EF4-FFF2-40B4-BE49-F238E27FC236}">
+                <a16:creationId xmlns:a16="http://schemas.microsoft.com/office/drawing/2014/main" id="{8CFEF47C-0831-4393-B358-F4F423116293}"/>
+              </a:ext>
+            </a:extLst>
+          </p:cNvPr>
+          <p:cNvSpPr txBox="1"/>
+          <p:nvPr/>
+        </p:nvSpPr>
+        <p:spPr>
+          <a:xfrm>
+            <a:off x="474520" y="1419599"/>
+            <a:ext cx="6099462" cy="461665"/>
+          </a:xfrm>
+          <a:prstGeom prst="rect">
+            <a:avLst/>
+          </a:prstGeom>
+          <a:noFill/>
+        </p:spPr>
+        <p:txBody>
+          <a:bodyPr wrap="square">
+            <a:spAutoFit/>
+          </a:bodyPr>
+          <a:lstStyle/>
+          <a:p>
+            <a:pPr algn="ctr"/>
+            <a:r>
+              <a:rPr lang="en-US" sz="2400" b="1" dirty="0">
+                <a:latin typeface="Times New Roman" panose="02020603050405020304" pitchFamily="18" charset="0"/>
+                <a:cs typeface="Times New Roman" panose="02020603050405020304" pitchFamily="18" charset="0"/>
+              </a:rPr>
+              <a:t>Html code</a:t>
+            </a:r>
+            <a:endParaRPr lang="en-US" b="1" dirty="0">
+              <a:latin typeface="Times New Roman" panose="02020603050405020304" pitchFamily="18" charset="0"/>
+              <a:cs typeface="Times New Roman" panose="02020603050405020304" pitchFamily="18" charset="0"/>
+            </a:endParaRPr>
+          </a:p>
+        </p:txBody>
+      </p:sp>
+      <p:pic>
+        <p:nvPicPr>
+          <p:cNvPr id="4" name="صورة 3">
+            <a:extLst>
+              <a:ext uri="{FF2B5EF4-FFF2-40B4-BE49-F238E27FC236}">
+                <a16:creationId xmlns:a16="http://schemas.microsoft.com/office/drawing/2014/main" id="{2131CCDF-61E3-45EA-83A8-D97E141345E8}"/>
+              </a:ext>
+            </a:extLst>
+          </p:cNvPr>
+          <p:cNvPicPr>
+            <a:picLocks noChangeAspect="1"/>
+          </p:cNvPicPr>
+          <p:nvPr/>
+        </p:nvPicPr>
+        <p:blipFill>
+          <a:blip r:embed="rId3"/>
+          <a:stretch>
+            <a:fillRect/>
+          </a:stretch>
+        </p:blipFill>
+        <p:spPr>
+          <a:xfrm>
+            <a:off x="474520" y="2452309"/>
+            <a:ext cx="5491439" cy="2524428"/>
+          </a:xfrm>
+          <a:prstGeom prst="rect">
+            <a:avLst/>
+          </a:prstGeom>
+        </p:spPr>
+      </p:pic>
+      <p:pic>
+        <p:nvPicPr>
+          <p:cNvPr id="5" name="صورة 4">
+            <a:extLst>
+              <a:ext uri="{FF2B5EF4-FFF2-40B4-BE49-F238E27FC236}">
+                <a16:creationId xmlns:a16="http://schemas.microsoft.com/office/drawing/2014/main" id="{0D387C9C-F3C3-4AB4-A938-62D90F7D908B}"/>
+              </a:ext>
+            </a:extLst>
+          </p:cNvPr>
+          <p:cNvPicPr>
+            <a:picLocks noChangeAspect="1"/>
+          </p:cNvPicPr>
+          <p:nvPr/>
+        </p:nvPicPr>
+        <p:blipFill>
+          <a:blip r:embed="rId4"/>
+          <a:stretch>
+            <a:fillRect/>
+          </a:stretch>
+        </p:blipFill>
+        <p:spPr>
+          <a:xfrm>
+            <a:off x="6573982" y="2438024"/>
+            <a:ext cx="4403148" cy="2524428"/>
+          </a:xfrm>
+          <a:prstGeom prst="rect">
+            <a:avLst/>
+          </a:prstGeom>
+        </p:spPr>
+      </p:pic>
+    </p:spTree>
+    <p:extLst>
+      <p:ext uri="{BB962C8B-B14F-4D97-AF65-F5344CB8AC3E}">
+        <p14:creationId xmlns:p14="http://schemas.microsoft.com/office/powerpoint/2010/main" val="3652918350"/>
+      </p:ext>
+    </p:extLst>
+  </p:cSld>
+  <p:clrMapOvr>
+    <a:masterClrMapping/>
+  </p:clrMapOvr>
+  <mc:AlternateContent xmlns:mc="http://schemas.openxmlformats.org/markup-compatibility/2006">
+    <mc:Choice xmlns:p14="http://schemas.microsoft.com/office/powerpoint/2010/main" Requires="p14">
+      <p:transition spd="slow" p14:dur="1300">
+        <p14:pan dir="u"/>
+      </p:transition>
+    </mc:Choice>
+    <mc:Fallback>
+      <p:transition spd="slow">
+        <p:fade/>
+      </p:transition>
+    </mc:Fallback>
+  </mc:AlternateContent>
+</p:sld>
+</file>
+
+<file path=ppt/slides/slide24.xml><?xml version="1.0" encoding="utf-8"?>
+<p:sld xmlns:a="http://schemas.openxmlformats.org/drawingml/2006/main" xmlns:r="http://schemas.openxmlformats.org/officeDocument/2006/relationships" xmlns:p="http://schemas.openxmlformats.org/presentationml/2006/main">
+  <p:cSld>
+    <p:spTree>
+      <p:nvGrpSpPr>
+        <p:cNvPr id="1" name=""/>
+        <p:cNvGrpSpPr/>
+        <p:nvPr/>
+      </p:nvGrpSpPr>
+      <p:grpSpPr>
+        <a:xfrm>
+          <a:off x="0" y="0"/>
+          <a:ext cx="0" cy="0"/>
+          <a:chOff x="0" y="0"/>
+          <a:chExt cx="0" cy="0"/>
+        </a:xfrm>
+      </p:grpSpPr>
+      <p:sp>
+        <p:nvSpPr>
+          <p:cNvPr id="6" name="عنوان 1">
+            <a:extLst>
+              <a:ext uri="{FF2B5EF4-FFF2-40B4-BE49-F238E27FC236}">
+                <a16:creationId xmlns:a16="http://schemas.microsoft.com/office/drawing/2014/main" id="{C45EC975-48AC-44AB-8E07-23FA12C6B678}"/>
+              </a:ext>
+            </a:extLst>
+          </p:cNvPr>
+          <p:cNvSpPr>
+            <a:spLocks noGrp="1"/>
+          </p:cNvSpPr>
+          <p:nvPr>
+            <p:ph type="title"/>
+          </p:nvPr>
+        </p:nvSpPr>
+        <p:spPr>
+          <a:xfrm>
+            <a:off x="838200" y="104248"/>
+            <a:ext cx="10515600" cy="1325563"/>
+          </a:xfrm>
+        </p:spPr>
+        <p:txBody>
+          <a:bodyPr>
+            <a:noAutofit/>
+          </a:bodyPr>
+          <a:lstStyle/>
+          <a:p>
+            <a:pPr algn="ctr"/>
+            <a:r>
+              <a:rPr lang="en-US" sz="4800" b="1" dirty="0">
+                <a:latin typeface="Times New Roman" panose="02020603050405020304" pitchFamily="18" charset="0"/>
+                <a:cs typeface="Times New Roman" panose="02020603050405020304" pitchFamily="18" charset="0"/>
+              </a:rPr>
+              <a:t>Heading</a:t>
+            </a:r>
+          </a:p>
+        </p:txBody>
+      </p:sp>
+      <p:sp>
+        <p:nvSpPr>
+          <p:cNvPr id="8" name="مربع نص 7">
+            <a:extLst>
+              <a:ext uri="{FF2B5EF4-FFF2-40B4-BE49-F238E27FC236}">
+                <a16:creationId xmlns:a16="http://schemas.microsoft.com/office/drawing/2014/main" id="{F79C5A59-0082-403E-9338-561C3DFA00FC}"/>
               </a:ext>
             </a:extLst>
           </p:cNvPr>
@@ -10627,7 +11857,7 @@
           <p:cNvPr id="10" name="مربع نص 9">
             <a:extLst>
               <a:ext uri="{FF2B5EF4-FFF2-40B4-BE49-F238E27FC236}">
-                <a16:creationId xmlns:a16="http://schemas.microsoft.com/office/drawing/2014/main" xmlns="" id="{8CFEF47C-0831-4393-B358-F4F423116293}"/>
+                <a16:creationId xmlns:a16="http://schemas.microsoft.com/office/drawing/2014/main" id="{8CFEF47C-0831-4393-B358-F4F423116293}"/>
               </a:ext>
             </a:extLst>
           </p:cNvPr>
@@ -10670,7 +11900,7 @@
           <p:cNvPr id="4" name="صورة 3">
             <a:extLst>
               <a:ext uri="{FF2B5EF4-FFF2-40B4-BE49-F238E27FC236}">
-                <a16:creationId xmlns:a16="http://schemas.microsoft.com/office/drawing/2014/main" xmlns="" id="{7251AC24-A662-4A79-84D2-8D803770FB5F}"/>
+                <a16:creationId xmlns:a16="http://schemas.microsoft.com/office/drawing/2014/main" id="{7251AC24-A662-4A79-84D2-8D803770FB5F}"/>
               </a:ext>
             </a:extLst>
           </p:cNvPr>
@@ -10700,7 +11930,7 @@
           <p:cNvPr id="5" name="صورة 4">
             <a:extLst>
               <a:ext uri="{FF2B5EF4-FFF2-40B4-BE49-F238E27FC236}">
-                <a16:creationId xmlns:a16="http://schemas.microsoft.com/office/drawing/2014/main" xmlns="" id="{299013A0-FBC6-42D4-A2AA-43602BF9525D}"/>
+                <a16:creationId xmlns:a16="http://schemas.microsoft.com/office/drawing/2014/main" id="{299013A0-FBC6-42D4-A2AA-43602BF9525D}"/>
               </a:ext>
             </a:extLst>
           </p:cNvPr>
@@ -10747,17 +11977,10 @@
       </p:transition>
     </mc:Fallback>
   </mc:AlternateContent>
-  <p:timing>
-    <p:tnLst>
-      <p:par>
-        <p:cTn id="1" dur="indefinite" restart="never" nodeType="tmRoot"/>
-      </p:par>
-    </p:tnLst>
-  </p:timing>
 </p:sld>
 </file>
 
-<file path=ppt/slides/slide24.xml><?xml version="1.0" encoding="utf-8"?>
+<file path=ppt/slides/slide25.xml><?xml version="1.0" encoding="utf-8"?>
 <p:sld xmlns:a="http://schemas.openxmlformats.org/drawingml/2006/main" xmlns:r="http://schemas.openxmlformats.org/officeDocument/2006/relationships" xmlns:p="http://schemas.openxmlformats.org/presentationml/2006/main">
   <p:cSld>
     <p:spTree>
@@ -10779,7 +12002,7 @@
           <p:cNvPr id="6" name="عنوان 1">
             <a:extLst>
               <a:ext uri="{FF2B5EF4-FFF2-40B4-BE49-F238E27FC236}">
-                <a16:creationId xmlns:a16="http://schemas.microsoft.com/office/drawing/2014/main" xmlns="" id="{C45EC975-48AC-44AB-8E07-23FA12C6B678}"/>
+                <a16:creationId xmlns:a16="http://schemas.microsoft.com/office/drawing/2014/main" id="{C45EC975-48AC-44AB-8E07-23FA12C6B678}"/>
               </a:ext>
             </a:extLst>
           </p:cNvPr>
@@ -10818,7 +12041,7 @@
           <p:cNvPr id="8" name="مربع نص 7">
             <a:extLst>
               <a:ext uri="{FF2B5EF4-FFF2-40B4-BE49-F238E27FC236}">
-                <a16:creationId xmlns:a16="http://schemas.microsoft.com/office/drawing/2014/main" xmlns="" id="{F79C5A59-0082-403E-9338-561C3DFA00FC}"/>
+                <a16:creationId xmlns:a16="http://schemas.microsoft.com/office/drawing/2014/main" id="{F79C5A59-0082-403E-9338-561C3DFA00FC}"/>
               </a:ext>
             </a:extLst>
           </p:cNvPr>
@@ -10861,7 +12084,7 @@
           <p:cNvPr id="10" name="مربع نص 9">
             <a:extLst>
               <a:ext uri="{FF2B5EF4-FFF2-40B4-BE49-F238E27FC236}">
-                <a16:creationId xmlns:a16="http://schemas.microsoft.com/office/drawing/2014/main" xmlns="" id="{8CFEF47C-0831-4393-B358-F4F423116293}"/>
+                <a16:creationId xmlns:a16="http://schemas.microsoft.com/office/drawing/2014/main" id="{8CFEF47C-0831-4393-B358-F4F423116293}"/>
               </a:ext>
             </a:extLst>
           </p:cNvPr>
@@ -10904,7 +12127,7 @@
           <p:cNvPr id="3" name="صورة 2">
             <a:extLst>
               <a:ext uri="{FF2B5EF4-FFF2-40B4-BE49-F238E27FC236}">
-                <a16:creationId xmlns:a16="http://schemas.microsoft.com/office/drawing/2014/main" xmlns="" id="{EB19E433-01CD-4B5A-9CE4-18D2A9A212F7}"/>
+                <a16:creationId xmlns:a16="http://schemas.microsoft.com/office/drawing/2014/main" id="{EB19E433-01CD-4B5A-9CE4-18D2A9A212F7}"/>
               </a:ext>
             </a:extLst>
           </p:cNvPr>
@@ -10934,7 +12157,7 @@
           <p:cNvPr id="9" name="صورة 8">
             <a:extLst>
               <a:ext uri="{FF2B5EF4-FFF2-40B4-BE49-F238E27FC236}">
-                <a16:creationId xmlns:a16="http://schemas.microsoft.com/office/drawing/2014/main" xmlns="" id="{91FAF112-4BBF-4A54-90EB-896042B757D5}"/>
+                <a16:creationId xmlns:a16="http://schemas.microsoft.com/office/drawing/2014/main" id="{91FAF112-4BBF-4A54-90EB-896042B757D5}"/>
               </a:ext>
             </a:extLst>
           </p:cNvPr>
@@ -10984,7 +12207,7 @@
 </p:sld>
 </file>
 
-<file path=ppt/slides/slide25.xml><?xml version="1.0" encoding="utf-8"?>
+<file path=ppt/slides/slide26.xml><?xml version="1.0" encoding="utf-8"?>
 <p:sld xmlns:a="http://schemas.openxmlformats.org/drawingml/2006/main" xmlns:r="http://schemas.openxmlformats.org/officeDocument/2006/relationships" xmlns:p="http://schemas.openxmlformats.org/presentationml/2006/main">
   <p:cSld>
     <p:spTree>
@@ -11006,7 +12229,7 @@
           <p:cNvPr id="6" name="عنوان 1">
             <a:extLst>
               <a:ext uri="{FF2B5EF4-FFF2-40B4-BE49-F238E27FC236}">
-                <a16:creationId xmlns:a16="http://schemas.microsoft.com/office/drawing/2014/main" xmlns="" id="{C45EC975-48AC-44AB-8E07-23FA12C6B678}"/>
+                <a16:creationId xmlns:a16="http://schemas.microsoft.com/office/drawing/2014/main" id="{C45EC975-48AC-44AB-8E07-23FA12C6B678}"/>
               </a:ext>
             </a:extLst>
           </p:cNvPr>
@@ -11045,7 +12268,7 @@
           <p:cNvPr id="8" name="مربع نص 7">
             <a:extLst>
               <a:ext uri="{FF2B5EF4-FFF2-40B4-BE49-F238E27FC236}">
-                <a16:creationId xmlns:a16="http://schemas.microsoft.com/office/drawing/2014/main" xmlns="" id="{F79C5A59-0082-403E-9338-561C3DFA00FC}"/>
+                <a16:creationId xmlns:a16="http://schemas.microsoft.com/office/drawing/2014/main" id="{F79C5A59-0082-403E-9338-561C3DFA00FC}"/>
               </a:ext>
             </a:extLst>
           </p:cNvPr>
@@ -11088,7 +12311,7 @@
           <p:cNvPr id="10" name="مربع نص 9">
             <a:extLst>
               <a:ext uri="{FF2B5EF4-FFF2-40B4-BE49-F238E27FC236}">
-                <a16:creationId xmlns:a16="http://schemas.microsoft.com/office/drawing/2014/main" xmlns="" id="{8CFEF47C-0831-4393-B358-F4F423116293}"/>
+                <a16:creationId xmlns:a16="http://schemas.microsoft.com/office/drawing/2014/main" id="{8CFEF47C-0831-4393-B358-F4F423116293}"/>
               </a:ext>
             </a:extLst>
           </p:cNvPr>
@@ -11131,7 +12354,7 @@
           <p:cNvPr id="2" name="صورة 1">
             <a:extLst>
               <a:ext uri="{FF2B5EF4-FFF2-40B4-BE49-F238E27FC236}">
-                <a16:creationId xmlns:a16="http://schemas.microsoft.com/office/drawing/2014/main" xmlns="" id="{8B3A8174-FE1E-44E6-A04E-619EAE98F849}"/>
+                <a16:creationId xmlns:a16="http://schemas.microsoft.com/office/drawing/2014/main" id="{8B3A8174-FE1E-44E6-A04E-619EAE98F849}"/>
               </a:ext>
             </a:extLst>
           </p:cNvPr>
@@ -11161,7 +12384,7 @@
           <p:cNvPr id="4" name="صورة 3">
             <a:extLst>
               <a:ext uri="{FF2B5EF4-FFF2-40B4-BE49-F238E27FC236}">
-                <a16:creationId xmlns:a16="http://schemas.microsoft.com/office/drawing/2014/main" xmlns="" id="{AA5EA542-80FD-49F4-B3ED-2DE6351E89AD}"/>
+                <a16:creationId xmlns:a16="http://schemas.microsoft.com/office/drawing/2014/main" id="{AA5EA542-80FD-49F4-B3ED-2DE6351E89AD}"/>
               </a:ext>
             </a:extLst>
           </p:cNvPr>
@@ -11211,7 +12434,7 @@
 </p:sld>
 </file>
 
-<file path=ppt/slides/slide26.xml><?xml version="1.0" encoding="utf-8"?>
+<file path=ppt/slides/slide27.xml><?xml version="1.0" encoding="utf-8"?>
 <p:sld xmlns:a="http://schemas.openxmlformats.org/drawingml/2006/main" xmlns:r="http://schemas.openxmlformats.org/officeDocument/2006/relationships" xmlns:p="http://schemas.openxmlformats.org/presentationml/2006/main">
   <p:cSld>
     <p:spTree>
@@ -11233,7 +12456,7 @@
           <p:cNvPr id="6" name="عنوان 1">
             <a:extLst>
               <a:ext uri="{FF2B5EF4-FFF2-40B4-BE49-F238E27FC236}">
-                <a16:creationId xmlns:a16="http://schemas.microsoft.com/office/drawing/2014/main" xmlns="" id="{C45EC975-48AC-44AB-8E07-23FA12C6B678}"/>
+                <a16:creationId xmlns:a16="http://schemas.microsoft.com/office/drawing/2014/main" id="{C45EC975-48AC-44AB-8E07-23FA12C6B678}"/>
               </a:ext>
             </a:extLst>
           </p:cNvPr>
@@ -11272,7 +12495,7 @@
           <p:cNvPr id="8" name="مربع نص 7">
             <a:extLst>
               <a:ext uri="{FF2B5EF4-FFF2-40B4-BE49-F238E27FC236}">
-                <a16:creationId xmlns:a16="http://schemas.microsoft.com/office/drawing/2014/main" xmlns="" id="{F79C5A59-0082-403E-9338-561C3DFA00FC}"/>
+                <a16:creationId xmlns:a16="http://schemas.microsoft.com/office/drawing/2014/main" id="{F79C5A59-0082-403E-9338-561C3DFA00FC}"/>
               </a:ext>
             </a:extLst>
           </p:cNvPr>
@@ -11315,7 +12538,7 @@
           <p:cNvPr id="10" name="مربع نص 9">
             <a:extLst>
               <a:ext uri="{FF2B5EF4-FFF2-40B4-BE49-F238E27FC236}">
-                <a16:creationId xmlns:a16="http://schemas.microsoft.com/office/drawing/2014/main" xmlns="" id="{8CFEF47C-0831-4393-B358-F4F423116293}"/>
+                <a16:creationId xmlns:a16="http://schemas.microsoft.com/office/drawing/2014/main" id="{8CFEF47C-0831-4393-B358-F4F423116293}"/>
               </a:ext>
             </a:extLst>
           </p:cNvPr>
@@ -11358,7 +12581,7 @@
           <p:cNvPr id="3" name="صورة 2">
             <a:extLst>
               <a:ext uri="{FF2B5EF4-FFF2-40B4-BE49-F238E27FC236}">
-                <a16:creationId xmlns:a16="http://schemas.microsoft.com/office/drawing/2014/main" xmlns="" id="{E346C269-78A8-4AB6-AC90-F1ED8338F653}"/>
+                <a16:creationId xmlns:a16="http://schemas.microsoft.com/office/drawing/2014/main" id="{E346C269-78A8-4AB6-AC90-F1ED8338F653}"/>
               </a:ext>
             </a:extLst>
           </p:cNvPr>
@@ -11388,7 +12611,7 @@
           <p:cNvPr id="5" name="صورة 4">
             <a:extLst>
               <a:ext uri="{FF2B5EF4-FFF2-40B4-BE49-F238E27FC236}">
-                <a16:creationId xmlns:a16="http://schemas.microsoft.com/office/drawing/2014/main" xmlns="" id="{2C186740-A461-4766-8B0B-2D678317F3CE}"/>
+                <a16:creationId xmlns:a16="http://schemas.microsoft.com/office/drawing/2014/main" id="{2C186740-A461-4766-8B0B-2D678317F3CE}"/>
               </a:ext>
             </a:extLst>
           </p:cNvPr>
@@ -11438,7 +12661,7 @@
 </p:sld>
 </file>
 
-<file path=ppt/slides/slide27.xml><?xml version="1.0" encoding="utf-8"?>
+<file path=ppt/slides/slide28.xml><?xml version="1.0" encoding="utf-8"?>
 <p:sld xmlns:a="http://schemas.openxmlformats.org/drawingml/2006/main" xmlns:r="http://schemas.openxmlformats.org/officeDocument/2006/relationships" xmlns:p="http://schemas.openxmlformats.org/presentationml/2006/main">
   <p:cSld>
     <p:spTree>
@@ -11460,7 +12683,7 @@
           <p:cNvPr id="6" name="عنوان 1">
             <a:extLst>
               <a:ext uri="{FF2B5EF4-FFF2-40B4-BE49-F238E27FC236}">
-                <a16:creationId xmlns:a16="http://schemas.microsoft.com/office/drawing/2014/main" xmlns="" id="{C45EC975-48AC-44AB-8E07-23FA12C6B678}"/>
+                <a16:creationId xmlns:a16="http://schemas.microsoft.com/office/drawing/2014/main" id="{C45EC975-48AC-44AB-8E07-23FA12C6B678}"/>
               </a:ext>
             </a:extLst>
           </p:cNvPr>
@@ -11499,7 +12722,7 @@
           <p:cNvPr id="4" name="صورة 3">
             <a:extLst>
               <a:ext uri="{FF2B5EF4-FFF2-40B4-BE49-F238E27FC236}">
-                <a16:creationId xmlns:a16="http://schemas.microsoft.com/office/drawing/2014/main" xmlns="" id="{0BC072D0-6E7D-4936-BCE5-FDA1E6454DF4}"/>
+                <a16:creationId xmlns:a16="http://schemas.microsoft.com/office/drawing/2014/main" id="{0BC072D0-6E7D-4936-BCE5-FDA1E6454DF4}"/>
               </a:ext>
             </a:extLst>
           </p:cNvPr>
@@ -11555,7 +12778,7 @@
 </p:sld>
 </file>
 
-<file path=ppt/slides/slide28.xml><?xml version="1.0" encoding="utf-8"?>
+<file path=ppt/slides/slide29.xml><?xml version="1.0" encoding="utf-8"?>
 <p:sld xmlns:a="http://schemas.openxmlformats.org/drawingml/2006/main" xmlns:r="http://schemas.openxmlformats.org/officeDocument/2006/relationships" xmlns:p="http://schemas.openxmlformats.org/presentationml/2006/main">
   <p:cSld>
     <p:spTree>
@@ -11577,7 +12800,7 @@
           <p:cNvPr id="6" name="عنوان 1">
             <a:extLst>
               <a:ext uri="{FF2B5EF4-FFF2-40B4-BE49-F238E27FC236}">
-                <a16:creationId xmlns:a16="http://schemas.microsoft.com/office/drawing/2014/main" xmlns="" id="{C45EC975-48AC-44AB-8E07-23FA12C6B678}"/>
+                <a16:creationId xmlns:a16="http://schemas.microsoft.com/office/drawing/2014/main" id="{C45EC975-48AC-44AB-8E07-23FA12C6B678}"/>
               </a:ext>
             </a:extLst>
           </p:cNvPr>
@@ -11616,7 +12839,7 @@
           <p:cNvPr id="8" name="مربع نص 7">
             <a:extLst>
               <a:ext uri="{FF2B5EF4-FFF2-40B4-BE49-F238E27FC236}">
-                <a16:creationId xmlns:a16="http://schemas.microsoft.com/office/drawing/2014/main" xmlns="" id="{F79C5A59-0082-403E-9338-561C3DFA00FC}"/>
+                <a16:creationId xmlns:a16="http://schemas.microsoft.com/office/drawing/2014/main" id="{F79C5A59-0082-403E-9338-561C3DFA00FC}"/>
               </a:ext>
             </a:extLst>
           </p:cNvPr>
@@ -11659,7 +12882,7 @@
           <p:cNvPr id="10" name="مربع نص 9">
             <a:extLst>
               <a:ext uri="{FF2B5EF4-FFF2-40B4-BE49-F238E27FC236}">
-                <a16:creationId xmlns:a16="http://schemas.microsoft.com/office/drawing/2014/main" xmlns="" id="{8CFEF47C-0831-4393-B358-F4F423116293}"/>
+                <a16:creationId xmlns:a16="http://schemas.microsoft.com/office/drawing/2014/main" id="{8CFEF47C-0831-4393-B358-F4F423116293}"/>
               </a:ext>
             </a:extLst>
           </p:cNvPr>
@@ -11702,7 +12925,7 @@
           <p:cNvPr id="2" name="صورة 1">
             <a:extLst>
               <a:ext uri="{FF2B5EF4-FFF2-40B4-BE49-F238E27FC236}">
-                <a16:creationId xmlns:a16="http://schemas.microsoft.com/office/drawing/2014/main" xmlns="" id="{FE50414B-BAEF-4970-8C53-1A8B3E7AD083}"/>
+                <a16:creationId xmlns:a16="http://schemas.microsoft.com/office/drawing/2014/main" id="{FE50414B-BAEF-4970-8C53-1A8B3E7AD083}"/>
               </a:ext>
             </a:extLst>
           </p:cNvPr>
@@ -11732,7 +12955,7 @@
           <p:cNvPr id="4" name="صورة 3">
             <a:extLst>
               <a:ext uri="{FF2B5EF4-FFF2-40B4-BE49-F238E27FC236}">
-                <a16:creationId xmlns:a16="http://schemas.microsoft.com/office/drawing/2014/main" xmlns="" id="{C6875D00-2335-4EAE-9BAE-B858784D3180}"/>
+                <a16:creationId xmlns:a16="http://schemas.microsoft.com/office/drawing/2014/main" id="{C6875D00-2335-4EAE-9BAE-B858784D3180}"/>
               </a:ext>
             </a:extLst>
           </p:cNvPr>
@@ -11782,7 +13005,7 @@
 </p:sld>
 </file>
 
-<file path=ppt/slides/slide29.xml><?xml version="1.0" encoding="utf-8"?>
+<file path=ppt/slides/slide3.xml><?xml version="1.0" encoding="utf-8"?>
 <p:sld xmlns:a="http://schemas.openxmlformats.org/drawingml/2006/main" xmlns:r="http://schemas.openxmlformats.org/officeDocument/2006/relationships" xmlns:p="http://schemas.openxmlformats.org/presentationml/2006/main">
   <p:cSld>
     <p:spTree>
@@ -11799,12 +13022,395 @@
           <a:chExt cx="0" cy="0"/>
         </a:xfrm>
       </p:grpSpPr>
+      <p:graphicFrame>
+        <p:nvGraphicFramePr>
+          <p:cNvPr id="5" name="عنصر نائب للمحتوى 4"/>
+          <p:cNvGraphicFramePr>
+            <a:graphicFrameLocks noGrp="1"/>
+          </p:cNvGraphicFramePr>
+          <p:nvPr>
+            <p:ph idx="1"/>
+            <p:extLst>
+              <p:ext uri="{D42A27DB-BD31-4B8C-83A1-F6EECF244321}">
+                <p14:modId xmlns:p14="http://schemas.microsoft.com/office/powerpoint/2010/main" val="2807231300"/>
+              </p:ext>
+            </p:extLst>
+          </p:nvPr>
+        </p:nvGraphicFramePr>
+        <p:xfrm>
+          <a:off x="6202907" y="1734290"/>
+          <a:ext cx="5257800" cy="3534361"/>
+        </p:xfrm>
+        <a:graphic>
+          <a:graphicData uri="http://schemas.openxmlformats.org/drawingml/2006/table">
+            <a:tbl>
+              <a:tblPr rtl="1" firstRow="1" bandRow="1">
+                <a:tableStyleId>{5940675A-B579-460E-94D1-54222C63F5DA}</a:tableStyleId>
+              </a:tblPr>
+              <a:tblGrid>
+                <a:gridCol w="5257800">
+                  <a:extLst>
+                    <a:ext uri="{9D8B030D-6E8A-4147-A177-3AD203B41FA5}">
+                      <a16:colId xmlns:a16="http://schemas.microsoft.com/office/drawing/2014/main" val="20000"/>
+                    </a:ext>
+                  </a:extLst>
+                </a:gridCol>
+              </a:tblGrid>
+              <a:tr h="1268015">
+                <a:tc>
+                  <a:txBody>
+                    <a:bodyPr/>
+                    <a:lstStyle/>
+                    <a:p>
+                      <a:pPr algn="ctr" rtl="1"/>
+                      <a:r>
+                        <a:rPr lang="ar-SY" sz="2000" b="1" dirty="0"/>
+                        <a:t>بداية</a:t>
+                      </a:r>
+                      <a:r>
+                        <a:rPr lang="ar-SY" sz="2000" b="1" baseline="0" dirty="0"/>
+                        <a:t> التسعينيات </a:t>
+                      </a:r>
+                      <a:endParaRPr lang="ar-SY" sz="2000" b="1" dirty="0"/>
+                    </a:p>
+                  </a:txBody>
+                  <a:tcPr anchor="ctr"/>
+                </a:tc>
+                <a:extLst>
+                  <a:ext uri="{0D108BD9-81ED-4DB2-BD59-A6C34878D82A}">
+                    <a16:rowId xmlns:a16="http://schemas.microsoft.com/office/drawing/2014/main" val="10000"/>
+                  </a:ext>
+                </a:extLst>
+              </a:tr>
+              <a:tr h="1133173">
+                <a:tc>
+                  <a:txBody>
+                    <a:bodyPr/>
+                    <a:lstStyle/>
+                    <a:p>
+                      <a:pPr algn="ctr" rtl="1"/>
+                      <a:r>
+                        <a:rPr lang="ar-SY" sz="2000" b="1" dirty="0"/>
+                        <a:t>تتألف من ملفات و مجلدات مخزنة على حواسب متنوعة</a:t>
+                      </a:r>
+                    </a:p>
+                  </a:txBody>
+                  <a:tcPr anchor="ctr"/>
+                </a:tc>
+                <a:extLst>
+                  <a:ext uri="{0D108BD9-81ED-4DB2-BD59-A6C34878D82A}">
+                    <a16:rowId xmlns:a16="http://schemas.microsoft.com/office/drawing/2014/main" val="10001"/>
+                  </a:ext>
+                </a:extLst>
+              </a:tr>
+              <a:tr h="1133173">
+                <a:tc>
+                  <a:txBody>
+                    <a:bodyPr/>
+                    <a:lstStyle/>
+                    <a:p>
+                      <a:pPr marL="0" marR="0" indent="0" algn="ctr" defTabSz="914400" rtl="1" eaLnBrk="1" fontAlgn="auto" latinLnBrk="0" hangingPunct="1">
+                        <a:lnSpc>
+                          <a:spcPct val="100000"/>
+                        </a:lnSpc>
+                        <a:spcBef>
+                          <a:spcPts val="0"/>
+                        </a:spcBef>
+                        <a:spcAft>
+                          <a:spcPts val="0"/>
+                        </a:spcAft>
+                        <a:buClrTx/>
+                        <a:buSzTx/>
+                        <a:buFontTx/>
+                        <a:buNone/>
+                        <a:tabLst/>
+                        <a:defRPr/>
+                      </a:pPr>
+                      <a:r>
+                        <a:rPr lang="ar-SY" sz="2000" b="1" dirty="0"/>
+                        <a:t>تعمل</a:t>
+                      </a:r>
+                      <a:r>
+                        <a:rPr lang="ar-SY" sz="2000" b="1" baseline="0" dirty="0"/>
+                        <a:t> بالاعتماد على الانترنت </a:t>
+                      </a:r>
+                      <a:endParaRPr lang="ar-SY" sz="2000" b="1" dirty="0"/>
+                    </a:p>
+                    <a:p>
+                      <a:pPr algn="ctr" rtl="1"/>
+                      <a:endParaRPr lang="ar-SY" sz="2000" b="1" dirty="0"/>
+                    </a:p>
+                  </a:txBody>
+                  <a:tcPr anchor="ctr"/>
+                </a:tc>
+                <a:extLst>
+                  <a:ext uri="{0D108BD9-81ED-4DB2-BD59-A6C34878D82A}">
+                    <a16:rowId xmlns:a16="http://schemas.microsoft.com/office/drawing/2014/main" val="10002"/>
+                  </a:ext>
+                </a:extLst>
+              </a:tr>
+            </a:tbl>
+          </a:graphicData>
+        </a:graphic>
+      </p:graphicFrame>
+      <p:sp>
+        <p:nvSpPr>
+          <p:cNvPr id="6" name="عنوان 1"/>
+          <p:cNvSpPr txBox="1">
+            <a:spLocks/>
+          </p:cNvSpPr>
+          <p:nvPr/>
+        </p:nvSpPr>
+        <p:spPr>
+          <a:xfrm>
+            <a:off x="649406" y="81887"/>
+            <a:ext cx="10515600" cy="1325563"/>
+          </a:xfrm>
+          <a:prstGeom prst="rect">
+            <a:avLst/>
+          </a:prstGeom>
+        </p:spPr>
+        <p:txBody>
+          <a:bodyPr vert="horz" lIns="91440" tIns="45720" rIns="91440" bIns="45720" rtlCol="0" anchor="ctr">
+            <a:normAutofit/>
+          </a:bodyPr>
+          <a:lstStyle>
+            <a:lvl1pPr algn="l" defTabSz="914400" rtl="1" eaLnBrk="1" latinLnBrk="0" hangingPunct="1">
+              <a:lnSpc>
+                <a:spcPct val="90000"/>
+              </a:lnSpc>
+              <a:spcBef>
+                <a:spcPct val="0"/>
+              </a:spcBef>
+              <a:buNone/>
+              <a:defRPr sz="4400" kern="1200">
+                <a:solidFill>
+                  <a:schemeClr val="tx1"/>
+                </a:solidFill>
+                <a:latin typeface="+mj-lt"/>
+                <a:ea typeface="+mj-ea"/>
+                <a:cs typeface="+mj-cs"/>
+              </a:defRPr>
+            </a:lvl1pPr>
+          </a:lstStyle>
+          <a:p>
+            <a:pPr algn="ctr"/>
+            <a:r>
+              <a:rPr lang="ar-SY" sz="4800" b="1" dirty="0">
+                <a:latin typeface="Simplified Arabic" panose="02020603050405020304" pitchFamily="18" charset="-78"/>
+                <a:cs typeface="Simplified Arabic" panose="02020603050405020304" pitchFamily="18" charset="-78"/>
+              </a:rPr>
+              <a:t>الويب        </a:t>
+            </a:r>
+            <a:r>
+              <a:rPr lang="en-US" sz="4800" b="1" dirty="0">
+                <a:latin typeface="Simplified Arabic" panose="02020603050405020304" pitchFamily="18" charset="-78"/>
+                <a:cs typeface="Simplified Arabic" panose="02020603050405020304" pitchFamily="18" charset="-78"/>
+              </a:rPr>
+              <a:t> </a:t>
+            </a:r>
+            <a:r>
+              <a:rPr lang="en-US" sz="6000" b="1" dirty="0">
+                <a:latin typeface="Simplified Arabic" panose="02020603050405020304" pitchFamily="18" charset="-78"/>
+                <a:cs typeface="Simplified Arabic" panose="02020603050405020304" pitchFamily="18" charset="-78"/>
+              </a:rPr>
+              <a:t>X</a:t>
+            </a:r>
+            <a:r>
+              <a:rPr lang="ar-SY" sz="6000" b="1" dirty="0">
+                <a:latin typeface="Simplified Arabic" panose="02020603050405020304" pitchFamily="18" charset="-78"/>
+                <a:cs typeface="Simplified Arabic" panose="02020603050405020304" pitchFamily="18" charset="-78"/>
+              </a:rPr>
+              <a:t>     </a:t>
+            </a:r>
+            <a:r>
+              <a:rPr lang="ar-SY" sz="4800" b="1" dirty="0">
+                <a:latin typeface="Simplified Arabic" panose="02020603050405020304" pitchFamily="18" charset="-78"/>
+                <a:cs typeface="Simplified Arabic" panose="02020603050405020304" pitchFamily="18" charset="-78"/>
+              </a:rPr>
+              <a:t>الانترنت</a:t>
+            </a:r>
+          </a:p>
+        </p:txBody>
+      </p:sp>
+      <p:graphicFrame>
+        <p:nvGraphicFramePr>
+          <p:cNvPr id="8" name="جدول 7"/>
+          <p:cNvGraphicFramePr>
+            <a:graphicFrameLocks noGrp="1"/>
+          </p:cNvGraphicFramePr>
+          <p:nvPr>
+            <p:extLst>
+              <p:ext uri="{D42A27DB-BD31-4B8C-83A1-F6EECF244321}">
+                <p14:modId xmlns:p14="http://schemas.microsoft.com/office/powerpoint/2010/main" val="2744358858"/>
+              </p:ext>
+            </p:extLst>
+          </p:nvPr>
+        </p:nvGraphicFramePr>
+        <p:xfrm>
+          <a:off x="677838" y="1747938"/>
+          <a:ext cx="5257800" cy="3517540"/>
+        </p:xfrm>
+        <a:graphic>
+          <a:graphicData uri="http://schemas.openxmlformats.org/drawingml/2006/table">
+            <a:tbl>
+              <a:tblPr rtl="1" firstRow="1" bandRow="1">
+                <a:tableStyleId>{5940675A-B579-460E-94D1-54222C63F5DA}</a:tableStyleId>
+              </a:tblPr>
+              <a:tblGrid>
+                <a:gridCol w="5257800">
+                  <a:extLst>
+                    <a:ext uri="{9D8B030D-6E8A-4147-A177-3AD203B41FA5}">
+                      <a16:colId xmlns:a16="http://schemas.microsoft.com/office/drawing/2014/main" val="20000"/>
+                    </a:ext>
+                  </a:extLst>
+                </a:gridCol>
+              </a:tblGrid>
+              <a:tr h="1251194">
+                <a:tc>
+                  <a:txBody>
+                    <a:bodyPr/>
+                    <a:lstStyle/>
+                    <a:p>
+                      <a:pPr algn="ctr" rtl="1"/>
+                      <a:r>
+                        <a:rPr lang="ar-SY" sz="2000" b="1" dirty="0"/>
+                        <a:t>بداية</a:t>
+                      </a:r>
+                      <a:r>
+                        <a:rPr lang="ar-SY" sz="2000" b="1" baseline="0" dirty="0"/>
+                        <a:t> السبعينيات </a:t>
+                      </a:r>
+                      <a:endParaRPr lang="ar-SY" sz="2000" b="1" dirty="0"/>
+                    </a:p>
+                  </a:txBody>
+                  <a:tcPr anchor="ctr"/>
+                </a:tc>
+                <a:extLst>
+                  <a:ext uri="{0D108BD9-81ED-4DB2-BD59-A6C34878D82A}">
+                    <a16:rowId xmlns:a16="http://schemas.microsoft.com/office/drawing/2014/main" val="10000"/>
+                  </a:ext>
+                </a:extLst>
+              </a:tr>
+              <a:tr h="1133173">
+                <a:tc>
+                  <a:txBody>
+                    <a:bodyPr/>
+                    <a:lstStyle/>
+                    <a:p>
+                      <a:pPr algn="ctr" rtl="1"/>
+                      <a:r>
+                        <a:rPr lang="ar-SY" sz="2000" b="1" dirty="0"/>
+                        <a:t>تتألف من الشبكات</a:t>
+                      </a:r>
+                      <a:r>
+                        <a:rPr lang="ar-SY" sz="2000" b="1" baseline="0" dirty="0"/>
+                        <a:t> و مكوناتها (حواسب - أكبال ..)</a:t>
+                      </a:r>
+                      <a:endParaRPr lang="ar-SY" sz="2000" b="1" dirty="0"/>
+                    </a:p>
+                  </a:txBody>
+                  <a:tcPr anchor="ctr"/>
+                </a:tc>
+                <a:extLst>
+                  <a:ext uri="{0D108BD9-81ED-4DB2-BD59-A6C34878D82A}">
+                    <a16:rowId xmlns:a16="http://schemas.microsoft.com/office/drawing/2014/main" val="10001"/>
+                  </a:ext>
+                </a:extLst>
+              </a:tr>
+              <a:tr h="1133173">
+                <a:tc>
+                  <a:txBody>
+                    <a:bodyPr/>
+                    <a:lstStyle/>
+                    <a:p>
+                      <a:pPr marL="0" marR="0" indent="0" algn="ctr" defTabSz="914400" rtl="1" eaLnBrk="1" fontAlgn="auto" latinLnBrk="0" hangingPunct="1">
+                        <a:lnSpc>
+                          <a:spcPct val="100000"/>
+                        </a:lnSpc>
+                        <a:spcBef>
+                          <a:spcPts val="0"/>
+                        </a:spcBef>
+                        <a:spcAft>
+                          <a:spcPts val="0"/>
+                        </a:spcAft>
+                        <a:buClrTx/>
+                        <a:buSzTx/>
+                        <a:buFontTx/>
+                        <a:buNone/>
+                        <a:tabLst/>
+                        <a:defRPr/>
+                      </a:pPr>
+                      <a:r>
+                        <a:rPr lang="ar-SY" sz="2000" b="1" dirty="0"/>
+                        <a:t>هي الأساس</a:t>
+                      </a:r>
+                    </a:p>
+                    <a:p>
+                      <a:pPr algn="ctr" rtl="1"/>
+                      <a:endParaRPr lang="ar-SY" sz="2000" b="1" dirty="0"/>
+                    </a:p>
+                  </a:txBody>
+                  <a:tcPr anchor="ctr"/>
+                </a:tc>
+                <a:extLst>
+                  <a:ext uri="{0D108BD9-81ED-4DB2-BD59-A6C34878D82A}">
+                    <a16:rowId xmlns:a16="http://schemas.microsoft.com/office/drawing/2014/main" val="10002"/>
+                  </a:ext>
+                </a:extLst>
+              </a:tr>
+            </a:tbl>
+          </a:graphicData>
+        </a:graphic>
+      </p:graphicFrame>
+    </p:spTree>
+    <p:extLst>
+      <p:ext uri="{BB962C8B-B14F-4D97-AF65-F5344CB8AC3E}">
+        <p14:creationId xmlns:p14="http://schemas.microsoft.com/office/powerpoint/2010/main" val="2236030514"/>
+      </p:ext>
+    </p:extLst>
+  </p:cSld>
+  <p:clrMapOvr>
+    <a:masterClrMapping/>
+  </p:clrMapOvr>
+  <mc:AlternateContent xmlns:mc="http://schemas.openxmlformats.org/markup-compatibility/2006" xmlns:p14="http://schemas.microsoft.com/office/powerpoint/2010/main">
+    <mc:Choice Requires="p14">
+      <p:transition spd="slow" p14:dur="1300">
+        <p14:pan dir="u"/>
+      </p:transition>
+    </mc:Choice>
+    <mc:Fallback xmlns="">
+      <p:transition spd="slow">
+        <p:fade/>
+      </p:transition>
+    </mc:Fallback>
+  </mc:AlternateContent>
+</p:sld>
+</file>
+
+<file path=ppt/slides/slide30.xml><?xml version="1.0" encoding="utf-8"?>
+<p:sld xmlns:a="http://schemas.openxmlformats.org/drawingml/2006/main" xmlns:r="http://schemas.openxmlformats.org/officeDocument/2006/relationships" xmlns:p="http://schemas.openxmlformats.org/presentationml/2006/main">
+  <p:cSld>
+    <p:spTree>
+      <p:nvGrpSpPr>
+        <p:cNvPr id="1" name=""/>
+        <p:cNvGrpSpPr/>
+        <p:nvPr/>
+      </p:nvGrpSpPr>
+      <p:grpSpPr>
+        <a:xfrm>
+          <a:off x="0" y="0"/>
+          <a:ext cx="0" cy="0"/>
+          <a:chOff x="0" y="0"/>
+          <a:chExt cx="0" cy="0"/>
+        </a:xfrm>
+      </p:grpSpPr>
       <p:sp>
         <p:nvSpPr>
           <p:cNvPr id="6" name="عنوان 1">
             <a:extLst>
               <a:ext uri="{FF2B5EF4-FFF2-40B4-BE49-F238E27FC236}">
-                <a16:creationId xmlns:a16="http://schemas.microsoft.com/office/drawing/2014/main" xmlns="" id="{C45EC975-48AC-44AB-8E07-23FA12C6B678}"/>
+                <a16:creationId xmlns:a16="http://schemas.microsoft.com/office/drawing/2014/main" id="{C45EC975-48AC-44AB-8E07-23FA12C6B678}"/>
               </a:ext>
             </a:extLst>
           </p:cNvPr>
@@ -11833,19 +13439,8 @@
                 <a:latin typeface="Times New Roman" panose="02020603050405020304" pitchFamily="18" charset="0"/>
                 <a:cs typeface="Times New Roman" panose="02020603050405020304" pitchFamily="18" charset="0"/>
               </a:rPr>
-              <a:t>HTML </a:t>
-            </a:r>
-            <a:r>
-              <a:rPr lang="en-US" sz="4800" b="1" dirty="0" smtClean="0">
-                <a:latin typeface="Times New Roman" panose="02020603050405020304" pitchFamily="18" charset="0"/>
-                <a:cs typeface="Times New Roman" panose="02020603050405020304" pitchFamily="18" charset="0"/>
-              </a:rPr>
-              <a:t>Images</a:t>
-            </a:r>
-            <a:endParaRPr lang="en-US" sz="4800" b="1" dirty="0">
-              <a:latin typeface="Times New Roman" panose="02020603050405020304" pitchFamily="18" charset="0"/>
-              <a:cs typeface="Times New Roman" panose="02020603050405020304" pitchFamily="18" charset="0"/>
-            </a:endParaRPr>
+              <a:t>HTML Images</a:t>
+            </a:r>
           </a:p>
         </p:txBody>
       </p:sp>
@@ -11854,7 +13449,7 @@
           <p:cNvPr id="8" name="مربع نص 7">
             <a:extLst>
               <a:ext uri="{FF2B5EF4-FFF2-40B4-BE49-F238E27FC236}">
-                <a16:creationId xmlns:a16="http://schemas.microsoft.com/office/drawing/2014/main" xmlns="" id="{F79C5A59-0082-403E-9338-561C3DFA00FC}"/>
+                <a16:creationId xmlns:a16="http://schemas.microsoft.com/office/drawing/2014/main" id="{F79C5A59-0082-403E-9338-561C3DFA00FC}"/>
               </a:ext>
             </a:extLst>
           </p:cNvPr>
@@ -11897,7 +13492,7 @@
           <p:cNvPr id="10" name="مربع نص 9">
             <a:extLst>
               <a:ext uri="{FF2B5EF4-FFF2-40B4-BE49-F238E27FC236}">
-                <a16:creationId xmlns:a16="http://schemas.microsoft.com/office/drawing/2014/main" xmlns="" id="{8CFEF47C-0831-4393-B358-F4F423116293}"/>
+                <a16:creationId xmlns:a16="http://schemas.microsoft.com/office/drawing/2014/main" id="{8CFEF47C-0831-4393-B358-F4F423116293}"/>
               </a:ext>
             </a:extLst>
           </p:cNvPr>
@@ -11993,29 +13588,22 @@
   <p:clrMapOvr>
     <a:masterClrMapping/>
   </p:clrMapOvr>
-  <mc:AlternateContent xmlns:mc="http://schemas.openxmlformats.org/markup-compatibility/2006">
-    <mc:Choice xmlns:p14="http://schemas.microsoft.com/office/powerpoint/2010/main" Requires="p14">
+  <mc:AlternateContent xmlns:mc="http://schemas.openxmlformats.org/markup-compatibility/2006" xmlns:p14="http://schemas.microsoft.com/office/powerpoint/2010/main">
+    <mc:Choice Requires="p14">
       <p:transition spd="slow" p14:dur="1300">
         <p14:pan dir="u"/>
       </p:transition>
     </mc:Choice>
-    <mc:Fallback>
+    <mc:Fallback xmlns="">
       <p:transition spd="slow">
         <p:fade/>
       </p:transition>
     </mc:Fallback>
   </mc:AlternateContent>
-  <p:timing>
-    <p:tnLst>
-      <p:par>
-        <p:cTn id="1" dur="indefinite" restart="never" nodeType="tmRoot"/>
-      </p:par>
-    </p:tnLst>
-  </p:timing>
 </p:sld>
 </file>
 
-<file path=ppt/slides/slide3.xml><?xml version="1.0" encoding="utf-8"?>
+<file path=ppt/slides/slide31.xml><?xml version="1.0" encoding="utf-8"?>
 <p:sld xmlns:a="http://schemas.openxmlformats.org/drawingml/2006/main" xmlns:r="http://schemas.openxmlformats.org/officeDocument/2006/relationships" xmlns:p="http://schemas.openxmlformats.org/presentationml/2006/main">
   <p:cSld>
     <p:spTree>
@@ -12032,395 +13620,12 @@
           <a:chExt cx="0" cy="0"/>
         </a:xfrm>
       </p:grpSpPr>
-      <p:graphicFrame>
-        <p:nvGraphicFramePr>
-          <p:cNvPr id="5" name="عنصر نائب للمحتوى 4"/>
-          <p:cNvGraphicFramePr>
-            <a:graphicFrameLocks noGrp="1"/>
-          </p:cNvGraphicFramePr>
-          <p:nvPr>
-            <p:ph idx="1"/>
-            <p:extLst>
-              <p:ext uri="{D42A27DB-BD31-4B8C-83A1-F6EECF244321}">
-                <p14:modId xmlns:p14="http://schemas.microsoft.com/office/powerpoint/2010/main" val="2807231300"/>
-              </p:ext>
-            </p:extLst>
-          </p:nvPr>
-        </p:nvGraphicFramePr>
-        <p:xfrm>
-          <a:off x="6202907" y="1734290"/>
-          <a:ext cx="5257800" cy="3534361"/>
-        </p:xfrm>
-        <a:graphic>
-          <a:graphicData uri="http://schemas.openxmlformats.org/drawingml/2006/table">
-            <a:tbl>
-              <a:tblPr rtl="1" firstRow="1" bandRow="1">
-                <a:tableStyleId>{5940675A-B579-460E-94D1-54222C63F5DA}</a:tableStyleId>
-              </a:tblPr>
-              <a:tblGrid>
-                <a:gridCol w="5257800">
-                  <a:extLst>
-                    <a:ext uri="{9D8B030D-6E8A-4147-A177-3AD203B41FA5}">
-                      <a16:colId xmlns:a16="http://schemas.microsoft.com/office/drawing/2014/main" xmlns="" val="20000"/>
-                    </a:ext>
-                  </a:extLst>
-                </a:gridCol>
-              </a:tblGrid>
-              <a:tr h="1268015">
-                <a:tc>
-                  <a:txBody>
-                    <a:bodyPr/>
-                    <a:lstStyle/>
-                    <a:p>
-                      <a:pPr algn="ctr" rtl="1"/>
-                      <a:r>
-                        <a:rPr lang="ar-SY" sz="2000" b="1" dirty="0"/>
-                        <a:t>بداية</a:t>
-                      </a:r>
-                      <a:r>
-                        <a:rPr lang="ar-SY" sz="2000" b="1" baseline="0" dirty="0"/>
-                        <a:t> التسعينيات </a:t>
-                      </a:r>
-                      <a:endParaRPr lang="ar-SY" sz="2000" b="1" dirty="0"/>
-                    </a:p>
-                  </a:txBody>
-                  <a:tcPr anchor="ctr"/>
-                </a:tc>
-                <a:extLst>
-                  <a:ext uri="{0D108BD9-81ED-4DB2-BD59-A6C34878D82A}">
-                    <a16:rowId xmlns:a16="http://schemas.microsoft.com/office/drawing/2014/main" xmlns="" val="10000"/>
-                  </a:ext>
-                </a:extLst>
-              </a:tr>
-              <a:tr h="1133173">
-                <a:tc>
-                  <a:txBody>
-                    <a:bodyPr/>
-                    <a:lstStyle/>
-                    <a:p>
-                      <a:pPr algn="ctr" rtl="1"/>
-                      <a:r>
-                        <a:rPr lang="ar-SY" sz="2000" b="1" dirty="0"/>
-                        <a:t>تتألف من ملفات و مجلدات مخزنة على حواسب متنوعة</a:t>
-                      </a:r>
-                    </a:p>
-                  </a:txBody>
-                  <a:tcPr anchor="ctr"/>
-                </a:tc>
-                <a:extLst>
-                  <a:ext uri="{0D108BD9-81ED-4DB2-BD59-A6C34878D82A}">
-                    <a16:rowId xmlns:a16="http://schemas.microsoft.com/office/drawing/2014/main" xmlns="" val="10001"/>
-                  </a:ext>
-                </a:extLst>
-              </a:tr>
-              <a:tr h="1133173">
-                <a:tc>
-                  <a:txBody>
-                    <a:bodyPr/>
-                    <a:lstStyle/>
-                    <a:p>
-                      <a:pPr marL="0" marR="0" indent="0" algn="ctr" defTabSz="914400" rtl="1" eaLnBrk="1" fontAlgn="auto" latinLnBrk="0" hangingPunct="1">
-                        <a:lnSpc>
-                          <a:spcPct val="100000"/>
-                        </a:lnSpc>
-                        <a:spcBef>
-                          <a:spcPts val="0"/>
-                        </a:spcBef>
-                        <a:spcAft>
-                          <a:spcPts val="0"/>
-                        </a:spcAft>
-                        <a:buClrTx/>
-                        <a:buSzTx/>
-                        <a:buFontTx/>
-                        <a:buNone/>
-                        <a:tabLst/>
-                        <a:defRPr/>
-                      </a:pPr>
-                      <a:r>
-                        <a:rPr lang="ar-SY" sz="2000" b="1" dirty="0"/>
-                        <a:t>تعمل</a:t>
-                      </a:r>
-                      <a:r>
-                        <a:rPr lang="ar-SY" sz="2000" b="1" baseline="0" dirty="0"/>
-                        <a:t> بالاعتماد على الانترنت </a:t>
-                      </a:r>
-                      <a:endParaRPr lang="ar-SY" sz="2000" b="1" dirty="0"/>
-                    </a:p>
-                    <a:p>
-                      <a:pPr algn="ctr" rtl="1"/>
-                      <a:endParaRPr lang="ar-SY" sz="2000" b="1" dirty="0"/>
-                    </a:p>
-                  </a:txBody>
-                  <a:tcPr anchor="ctr"/>
-                </a:tc>
-                <a:extLst>
-                  <a:ext uri="{0D108BD9-81ED-4DB2-BD59-A6C34878D82A}">
-                    <a16:rowId xmlns:a16="http://schemas.microsoft.com/office/drawing/2014/main" xmlns="" val="10002"/>
-                  </a:ext>
-                </a:extLst>
-              </a:tr>
-            </a:tbl>
-          </a:graphicData>
-        </a:graphic>
-      </p:graphicFrame>
-      <p:sp>
-        <p:nvSpPr>
-          <p:cNvPr id="6" name="عنوان 1"/>
-          <p:cNvSpPr txBox="1">
-            <a:spLocks/>
-          </p:cNvSpPr>
-          <p:nvPr/>
-        </p:nvSpPr>
-        <p:spPr>
-          <a:xfrm>
-            <a:off x="649406" y="81887"/>
-            <a:ext cx="10515600" cy="1325563"/>
-          </a:xfrm>
-          <a:prstGeom prst="rect">
-            <a:avLst/>
-          </a:prstGeom>
-        </p:spPr>
-        <p:txBody>
-          <a:bodyPr vert="horz" lIns="91440" tIns="45720" rIns="91440" bIns="45720" rtlCol="0" anchor="ctr">
-            <a:normAutofit/>
-          </a:bodyPr>
-          <a:lstStyle>
-            <a:lvl1pPr algn="l" defTabSz="914400" rtl="1" eaLnBrk="1" latinLnBrk="0" hangingPunct="1">
-              <a:lnSpc>
-                <a:spcPct val="90000"/>
-              </a:lnSpc>
-              <a:spcBef>
-                <a:spcPct val="0"/>
-              </a:spcBef>
-              <a:buNone/>
-              <a:defRPr sz="4400" kern="1200">
-                <a:solidFill>
-                  <a:schemeClr val="tx1"/>
-                </a:solidFill>
-                <a:latin typeface="+mj-lt"/>
-                <a:ea typeface="+mj-ea"/>
-                <a:cs typeface="+mj-cs"/>
-              </a:defRPr>
-            </a:lvl1pPr>
-          </a:lstStyle>
-          <a:p>
-            <a:pPr algn="ctr"/>
-            <a:r>
-              <a:rPr lang="ar-SY" sz="4800" b="1" dirty="0">
-                <a:latin typeface="Simplified Arabic" panose="02020603050405020304" pitchFamily="18" charset="-78"/>
-                <a:cs typeface="Simplified Arabic" panose="02020603050405020304" pitchFamily="18" charset="-78"/>
-              </a:rPr>
-              <a:t>الويب        </a:t>
-            </a:r>
-            <a:r>
-              <a:rPr lang="en-US" sz="4800" b="1" dirty="0">
-                <a:latin typeface="Simplified Arabic" panose="02020603050405020304" pitchFamily="18" charset="-78"/>
-                <a:cs typeface="Simplified Arabic" panose="02020603050405020304" pitchFamily="18" charset="-78"/>
-              </a:rPr>
-              <a:t> </a:t>
-            </a:r>
-            <a:r>
-              <a:rPr lang="en-US" sz="6000" b="1" dirty="0">
-                <a:latin typeface="Simplified Arabic" panose="02020603050405020304" pitchFamily="18" charset="-78"/>
-                <a:cs typeface="Simplified Arabic" panose="02020603050405020304" pitchFamily="18" charset="-78"/>
-              </a:rPr>
-              <a:t>X</a:t>
-            </a:r>
-            <a:r>
-              <a:rPr lang="ar-SY" sz="6000" b="1" dirty="0">
-                <a:latin typeface="Simplified Arabic" panose="02020603050405020304" pitchFamily="18" charset="-78"/>
-                <a:cs typeface="Simplified Arabic" panose="02020603050405020304" pitchFamily="18" charset="-78"/>
-              </a:rPr>
-              <a:t>     </a:t>
-            </a:r>
-            <a:r>
-              <a:rPr lang="ar-SY" sz="4800" b="1" dirty="0">
-                <a:latin typeface="Simplified Arabic" panose="02020603050405020304" pitchFamily="18" charset="-78"/>
-                <a:cs typeface="Simplified Arabic" panose="02020603050405020304" pitchFamily="18" charset="-78"/>
-              </a:rPr>
-              <a:t>الانترنت</a:t>
-            </a:r>
-          </a:p>
-        </p:txBody>
-      </p:sp>
-      <p:graphicFrame>
-        <p:nvGraphicFramePr>
-          <p:cNvPr id="8" name="جدول 7"/>
-          <p:cNvGraphicFramePr>
-            <a:graphicFrameLocks noGrp="1"/>
-          </p:cNvGraphicFramePr>
-          <p:nvPr>
-            <p:extLst>
-              <p:ext uri="{D42A27DB-BD31-4B8C-83A1-F6EECF244321}">
-                <p14:modId xmlns:p14="http://schemas.microsoft.com/office/powerpoint/2010/main" val="2744358858"/>
-              </p:ext>
-            </p:extLst>
-          </p:nvPr>
-        </p:nvGraphicFramePr>
-        <p:xfrm>
-          <a:off x="677838" y="1747938"/>
-          <a:ext cx="5257800" cy="3517540"/>
-        </p:xfrm>
-        <a:graphic>
-          <a:graphicData uri="http://schemas.openxmlformats.org/drawingml/2006/table">
-            <a:tbl>
-              <a:tblPr rtl="1" firstRow="1" bandRow="1">
-                <a:tableStyleId>{5940675A-B579-460E-94D1-54222C63F5DA}</a:tableStyleId>
-              </a:tblPr>
-              <a:tblGrid>
-                <a:gridCol w="5257800">
-                  <a:extLst>
-                    <a:ext uri="{9D8B030D-6E8A-4147-A177-3AD203B41FA5}">
-                      <a16:colId xmlns:a16="http://schemas.microsoft.com/office/drawing/2014/main" xmlns="" val="20000"/>
-                    </a:ext>
-                  </a:extLst>
-                </a:gridCol>
-              </a:tblGrid>
-              <a:tr h="1251194">
-                <a:tc>
-                  <a:txBody>
-                    <a:bodyPr/>
-                    <a:lstStyle/>
-                    <a:p>
-                      <a:pPr algn="ctr" rtl="1"/>
-                      <a:r>
-                        <a:rPr lang="ar-SY" sz="2000" b="1" dirty="0"/>
-                        <a:t>بداية</a:t>
-                      </a:r>
-                      <a:r>
-                        <a:rPr lang="ar-SY" sz="2000" b="1" baseline="0" dirty="0"/>
-                        <a:t> السبعينيات </a:t>
-                      </a:r>
-                      <a:endParaRPr lang="ar-SY" sz="2000" b="1" dirty="0"/>
-                    </a:p>
-                  </a:txBody>
-                  <a:tcPr anchor="ctr"/>
-                </a:tc>
-                <a:extLst>
-                  <a:ext uri="{0D108BD9-81ED-4DB2-BD59-A6C34878D82A}">
-                    <a16:rowId xmlns:a16="http://schemas.microsoft.com/office/drawing/2014/main" xmlns="" val="10000"/>
-                  </a:ext>
-                </a:extLst>
-              </a:tr>
-              <a:tr h="1133173">
-                <a:tc>
-                  <a:txBody>
-                    <a:bodyPr/>
-                    <a:lstStyle/>
-                    <a:p>
-                      <a:pPr algn="ctr" rtl="1"/>
-                      <a:r>
-                        <a:rPr lang="ar-SY" sz="2000" b="1" dirty="0"/>
-                        <a:t>تتألف من الشبكات</a:t>
-                      </a:r>
-                      <a:r>
-                        <a:rPr lang="ar-SY" sz="2000" b="1" baseline="0" dirty="0"/>
-                        <a:t> و مكوناتها (حواسب - أكبال ..)</a:t>
-                      </a:r>
-                      <a:endParaRPr lang="ar-SY" sz="2000" b="1" dirty="0"/>
-                    </a:p>
-                  </a:txBody>
-                  <a:tcPr anchor="ctr"/>
-                </a:tc>
-                <a:extLst>
-                  <a:ext uri="{0D108BD9-81ED-4DB2-BD59-A6C34878D82A}">
-                    <a16:rowId xmlns:a16="http://schemas.microsoft.com/office/drawing/2014/main" xmlns="" val="10001"/>
-                  </a:ext>
-                </a:extLst>
-              </a:tr>
-              <a:tr h="1133173">
-                <a:tc>
-                  <a:txBody>
-                    <a:bodyPr/>
-                    <a:lstStyle/>
-                    <a:p>
-                      <a:pPr marL="0" marR="0" indent="0" algn="ctr" defTabSz="914400" rtl="1" eaLnBrk="1" fontAlgn="auto" latinLnBrk="0" hangingPunct="1">
-                        <a:lnSpc>
-                          <a:spcPct val="100000"/>
-                        </a:lnSpc>
-                        <a:spcBef>
-                          <a:spcPts val="0"/>
-                        </a:spcBef>
-                        <a:spcAft>
-                          <a:spcPts val="0"/>
-                        </a:spcAft>
-                        <a:buClrTx/>
-                        <a:buSzTx/>
-                        <a:buFontTx/>
-                        <a:buNone/>
-                        <a:tabLst/>
-                        <a:defRPr/>
-                      </a:pPr>
-                      <a:r>
-                        <a:rPr lang="ar-SY" sz="2000" b="1" dirty="0"/>
-                        <a:t>هي الأساس</a:t>
-                      </a:r>
-                    </a:p>
-                    <a:p>
-                      <a:pPr algn="ctr" rtl="1"/>
-                      <a:endParaRPr lang="ar-SY" sz="2000" b="1" dirty="0"/>
-                    </a:p>
-                  </a:txBody>
-                  <a:tcPr anchor="ctr"/>
-                </a:tc>
-                <a:extLst>
-                  <a:ext uri="{0D108BD9-81ED-4DB2-BD59-A6C34878D82A}">
-                    <a16:rowId xmlns:a16="http://schemas.microsoft.com/office/drawing/2014/main" xmlns="" val="10002"/>
-                  </a:ext>
-                </a:extLst>
-              </a:tr>
-            </a:tbl>
-          </a:graphicData>
-        </a:graphic>
-      </p:graphicFrame>
-    </p:spTree>
-    <p:extLst>
-      <p:ext uri="{BB962C8B-B14F-4D97-AF65-F5344CB8AC3E}">
-        <p14:creationId xmlns:p14="http://schemas.microsoft.com/office/powerpoint/2010/main" val="2236030514"/>
-      </p:ext>
-    </p:extLst>
-  </p:cSld>
-  <p:clrMapOvr>
-    <a:masterClrMapping/>
-  </p:clrMapOvr>
-  <mc:AlternateContent xmlns:mc="http://schemas.openxmlformats.org/markup-compatibility/2006" xmlns:p14="http://schemas.microsoft.com/office/powerpoint/2010/main">
-    <mc:Choice Requires="p14">
-      <p:transition spd="slow" p14:dur="1300">
-        <p14:pan dir="u"/>
-      </p:transition>
-    </mc:Choice>
-    <mc:Fallback xmlns="">
-      <p:transition spd="slow">
-        <p:fade/>
-      </p:transition>
-    </mc:Fallback>
-  </mc:AlternateContent>
-</p:sld>
-</file>
-
-<file path=ppt/slides/slide30.xml><?xml version="1.0" encoding="utf-8"?>
-<p:sld xmlns:a="http://schemas.openxmlformats.org/drawingml/2006/main" xmlns:r="http://schemas.openxmlformats.org/officeDocument/2006/relationships" xmlns:p="http://schemas.openxmlformats.org/presentationml/2006/main">
-  <p:cSld>
-    <p:spTree>
-      <p:nvGrpSpPr>
-        <p:cNvPr id="1" name=""/>
-        <p:cNvGrpSpPr/>
-        <p:nvPr/>
-      </p:nvGrpSpPr>
-      <p:grpSpPr>
-        <a:xfrm>
-          <a:off x="0" y="0"/>
-          <a:ext cx="0" cy="0"/>
-          <a:chOff x="0" y="0"/>
-          <a:chExt cx="0" cy="0"/>
-        </a:xfrm>
-      </p:grpSpPr>
       <p:sp>
         <p:nvSpPr>
           <p:cNvPr id="6" name="عنوان 1">
             <a:extLst>
               <a:ext uri="{FF2B5EF4-FFF2-40B4-BE49-F238E27FC236}">
-                <a16:creationId xmlns:a16="http://schemas.microsoft.com/office/drawing/2014/main" xmlns="" id="{C45EC975-48AC-44AB-8E07-23FA12C6B678}"/>
+                <a16:creationId xmlns:a16="http://schemas.microsoft.com/office/drawing/2014/main" id="{C45EC975-48AC-44AB-8E07-23FA12C6B678}"/>
               </a:ext>
             </a:extLst>
           </p:cNvPr>
@@ -12449,19 +13654,8 @@
                 <a:latin typeface="Times New Roman" panose="02020603050405020304" pitchFamily="18" charset="0"/>
                 <a:cs typeface="Times New Roman" panose="02020603050405020304" pitchFamily="18" charset="0"/>
               </a:rPr>
-              <a:t>HTML </a:t>
-            </a:r>
-            <a:r>
-              <a:rPr lang="en-US" sz="4800" b="1" dirty="0" smtClean="0">
-                <a:latin typeface="Times New Roman" panose="02020603050405020304" pitchFamily="18" charset="0"/>
-                <a:cs typeface="Times New Roman" panose="02020603050405020304" pitchFamily="18" charset="0"/>
-              </a:rPr>
-              <a:t>Images</a:t>
-            </a:r>
-            <a:endParaRPr lang="en-US" sz="4800" b="1" dirty="0">
-              <a:latin typeface="Times New Roman" panose="02020603050405020304" pitchFamily="18" charset="0"/>
-              <a:cs typeface="Times New Roman" panose="02020603050405020304" pitchFamily="18" charset="0"/>
-            </a:endParaRPr>
+              <a:t>HTML Images</a:t>
+            </a:r>
           </a:p>
         </p:txBody>
       </p:sp>
@@ -12470,7 +13664,7 @@
           <p:cNvPr id="8" name="مربع نص 7">
             <a:extLst>
               <a:ext uri="{FF2B5EF4-FFF2-40B4-BE49-F238E27FC236}">
-                <a16:creationId xmlns:a16="http://schemas.microsoft.com/office/drawing/2014/main" xmlns="" id="{F79C5A59-0082-403E-9338-561C3DFA00FC}"/>
+                <a16:creationId xmlns:a16="http://schemas.microsoft.com/office/drawing/2014/main" id="{F79C5A59-0082-403E-9338-561C3DFA00FC}"/>
               </a:ext>
             </a:extLst>
           </p:cNvPr>
@@ -12513,7 +13707,7 @@
           <p:cNvPr id="10" name="مربع نص 9">
             <a:extLst>
               <a:ext uri="{FF2B5EF4-FFF2-40B4-BE49-F238E27FC236}">
-                <a16:creationId xmlns:a16="http://schemas.microsoft.com/office/drawing/2014/main" xmlns="" id="{8CFEF47C-0831-4393-B358-F4F423116293}"/>
+                <a16:creationId xmlns:a16="http://schemas.microsoft.com/office/drawing/2014/main" id="{8CFEF47C-0831-4393-B358-F4F423116293}"/>
               </a:ext>
             </a:extLst>
           </p:cNvPr>
@@ -12655,6 +13849,1603 @@
   <p:clrMapOvr>
     <a:masterClrMapping/>
   </p:clrMapOvr>
+  <mc:AlternateContent xmlns:mc="http://schemas.openxmlformats.org/markup-compatibility/2006" xmlns:p14="http://schemas.microsoft.com/office/powerpoint/2010/main">
+    <mc:Choice Requires="p14">
+      <p:transition spd="slow" p14:dur="1300">
+        <p14:pan dir="u"/>
+      </p:transition>
+    </mc:Choice>
+    <mc:Fallback xmlns="">
+      <p:transition spd="slow">
+        <p:fade/>
+      </p:transition>
+    </mc:Fallback>
+  </mc:AlternateContent>
+</p:sld>
+</file>
+
+<file path=ppt/slides/slide32.xml><?xml version="1.0" encoding="utf-8"?>
+<p:sld xmlns:a="http://schemas.openxmlformats.org/drawingml/2006/main" xmlns:r="http://schemas.openxmlformats.org/officeDocument/2006/relationships" xmlns:p="http://schemas.openxmlformats.org/presentationml/2006/main">
+  <p:cSld>
+    <p:spTree>
+      <p:nvGrpSpPr>
+        <p:cNvPr id="1" name=""/>
+        <p:cNvGrpSpPr/>
+        <p:nvPr/>
+      </p:nvGrpSpPr>
+      <p:grpSpPr>
+        <a:xfrm>
+          <a:off x="0" y="0"/>
+          <a:ext cx="0" cy="0"/>
+          <a:chOff x="0" y="0"/>
+          <a:chExt cx="0" cy="0"/>
+        </a:xfrm>
+      </p:grpSpPr>
+      <p:sp>
+        <p:nvSpPr>
+          <p:cNvPr id="6" name="عنوان 1">
+            <a:extLst>
+              <a:ext uri="{FF2B5EF4-FFF2-40B4-BE49-F238E27FC236}">
+                <a16:creationId xmlns:a16="http://schemas.microsoft.com/office/drawing/2014/main" id="{C45EC975-48AC-44AB-8E07-23FA12C6B678}"/>
+              </a:ext>
+            </a:extLst>
+          </p:cNvPr>
+          <p:cNvSpPr>
+            <a:spLocks noGrp="1"/>
+          </p:cNvSpPr>
+          <p:nvPr>
+            <p:ph type="title"/>
+          </p:nvPr>
+        </p:nvSpPr>
+        <p:spPr>
+          <a:xfrm>
+            <a:off x="838200" y="104248"/>
+            <a:ext cx="10515600" cy="1325563"/>
+          </a:xfrm>
+        </p:spPr>
+        <p:txBody>
+          <a:bodyPr>
+            <a:noAutofit/>
+          </a:bodyPr>
+          <a:lstStyle/>
+          <a:p>
+            <a:pPr algn="ctr"/>
+            <a:r>
+              <a:rPr lang="en-US" sz="4800" b="1" dirty="0">
+                <a:latin typeface="Times New Roman" panose="02020603050405020304" pitchFamily="18" charset="0"/>
+                <a:cs typeface="Times New Roman" panose="02020603050405020304" pitchFamily="18" charset="0"/>
+              </a:rPr>
+              <a:t>HTML Images</a:t>
+            </a:r>
+          </a:p>
+        </p:txBody>
+      </p:sp>
+      <p:sp>
+        <p:nvSpPr>
+          <p:cNvPr id="8" name="مربع نص 7">
+            <a:extLst>
+              <a:ext uri="{FF2B5EF4-FFF2-40B4-BE49-F238E27FC236}">
+                <a16:creationId xmlns:a16="http://schemas.microsoft.com/office/drawing/2014/main" id="{F79C5A59-0082-403E-9338-561C3DFA00FC}"/>
+              </a:ext>
+            </a:extLst>
+          </p:cNvPr>
+          <p:cNvSpPr txBox="1"/>
+          <p:nvPr/>
+        </p:nvSpPr>
+        <p:spPr>
+          <a:xfrm>
+            <a:off x="5874650" y="1380858"/>
+            <a:ext cx="6099462" cy="461665"/>
+          </a:xfrm>
+          <a:prstGeom prst="rect">
+            <a:avLst/>
+          </a:prstGeom>
+          <a:noFill/>
+        </p:spPr>
+        <p:txBody>
+          <a:bodyPr wrap="square">
+            <a:spAutoFit/>
+          </a:bodyPr>
+          <a:lstStyle/>
+          <a:p>
+            <a:pPr algn="ctr"/>
+            <a:r>
+              <a:rPr lang="en-US" sz="2400" b="1" dirty="0">
+                <a:latin typeface="Times New Roman" panose="02020603050405020304" pitchFamily="18" charset="0"/>
+                <a:cs typeface="Times New Roman" panose="02020603050405020304" pitchFamily="18" charset="0"/>
+              </a:rPr>
+              <a:t>Output</a:t>
+            </a:r>
+            <a:endParaRPr lang="en-US" b="1" dirty="0">
+              <a:latin typeface="Times New Roman" panose="02020603050405020304" pitchFamily="18" charset="0"/>
+              <a:cs typeface="Times New Roman" panose="02020603050405020304" pitchFamily="18" charset="0"/>
+            </a:endParaRPr>
+          </a:p>
+        </p:txBody>
+      </p:sp>
+      <p:sp>
+        <p:nvSpPr>
+          <p:cNvPr id="10" name="مربع نص 9">
+            <a:extLst>
+              <a:ext uri="{FF2B5EF4-FFF2-40B4-BE49-F238E27FC236}">
+                <a16:creationId xmlns:a16="http://schemas.microsoft.com/office/drawing/2014/main" id="{8CFEF47C-0831-4393-B358-F4F423116293}"/>
+              </a:ext>
+            </a:extLst>
+          </p:cNvPr>
+          <p:cNvSpPr txBox="1"/>
+          <p:nvPr/>
+        </p:nvSpPr>
+        <p:spPr>
+          <a:xfrm>
+            <a:off x="0" y="1419191"/>
+            <a:ext cx="6099462" cy="461665"/>
+          </a:xfrm>
+          <a:prstGeom prst="rect">
+            <a:avLst/>
+          </a:prstGeom>
+          <a:noFill/>
+        </p:spPr>
+        <p:txBody>
+          <a:bodyPr wrap="square">
+            <a:spAutoFit/>
+          </a:bodyPr>
+          <a:lstStyle/>
+          <a:p>
+            <a:pPr algn="ctr"/>
+            <a:r>
+              <a:rPr lang="en-US" sz="2400" b="1" dirty="0">
+                <a:latin typeface="Times New Roman" panose="02020603050405020304" pitchFamily="18" charset="0"/>
+                <a:cs typeface="Times New Roman" panose="02020603050405020304" pitchFamily="18" charset="0"/>
+              </a:rPr>
+              <a:t>Html code</a:t>
+            </a:r>
+            <a:endParaRPr lang="en-US" b="1" dirty="0">
+              <a:latin typeface="Times New Roman" panose="02020603050405020304" pitchFamily="18" charset="0"/>
+              <a:cs typeface="Times New Roman" panose="02020603050405020304" pitchFamily="18" charset="0"/>
+            </a:endParaRPr>
+          </a:p>
+        </p:txBody>
+      </p:sp>
+      <p:pic>
+        <p:nvPicPr>
+          <p:cNvPr id="4" name="صورة 3"/>
+          <p:cNvPicPr>
+            <a:picLocks noChangeAspect="1"/>
+          </p:cNvPicPr>
+          <p:nvPr/>
+        </p:nvPicPr>
+        <p:blipFill>
+          <a:blip r:embed="rId3"/>
+          <a:stretch>
+            <a:fillRect/>
+          </a:stretch>
+        </p:blipFill>
+        <p:spPr>
+          <a:xfrm>
+            <a:off x="8002033" y="2807685"/>
+            <a:ext cx="3134191" cy="1804071"/>
+          </a:xfrm>
+          <a:prstGeom prst="rect">
+            <a:avLst/>
+          </a:prstGeom>
+        </p:spPr>
+      </p:pic>
+      <p:pic>
+        <p:nvPicPr>
+          <p:cNvPr id="12" name="صورة 11"/>
+          <p:cNvPicPr>
+            <a:picLocks noChangeAspect="1"/>
+          </p:cNvPicPr>
+          <p:nvPr/>
+        </p:nvPicPr>
+        <p:blipFill>
+          <a:blip r:embed="rId4"/>
+          <a:stretch>
+            <a:fillRect/>
+          </a:stretch>
+        </p:blipFill>
+        <p:spPr>
+          <a:xfrm>
+            <a:off x="242973" y="2807685"/>
+            <a:ext cx="7193155" cy="1804071"/>
+          </a:xfrm>
+          <a:prstGeom prst="rect">
+            <a:avLst/>
+          </a:prstGeom>
+        </p:spPr>
+      </p:pic>
+      <p:sp>
+        <p:nvSpPr>
+          <p:cNvPr id="11" name="مستطيل 10"/>
+          <p:cNvSpPr/>
+          <p:nvPr/>
+        </p:nvSpPr>
+        <p:spPr>
+          <a:xfrm>
+            <a:off x="838199" y="3617843"/>
+            <a:ext cx="2441713" cy="449685"/>
+          </a:xfrm>
+          <a:prstGeom prst="rect">
+            <a:avLst/>
+          </a:prstGeom>
+          <a:noFill/>
+          <a:ln w="76200">
+            <a:solidFill>
+              <a:srgbClr val="FF0000"/>
+            </a:solidFill>
+          </a:ln>
+        </p:spPr>
+        <p:style>
+          <a:lnRef idx="2">
+            <a:schemeClr val="accent1">
+              <a:shade val="50000"/>
+            </a:schemeClr>
+          </a:lnRef>
+          <a:fillRef idx="1">
+            <a:schemeClr val="accent1"/>
+          </a:fillRef>
+          <a:effectRef idx="0">
+            <a:schemeClr val="accent1"/>
+          </a:effectRef>
+          <a:fontRef idx="minor">
+            <a:schemeClr val="lt1"/>
+          </a:fontRef>
+        </p:style>
+        <p:txBody>
+          <a:bodyPr rtlCol="1" anchor="ctr"/>
+          <a:lstStyle/>
+          <a:p>
+            <a:pPr algn="ctr"/>
+            <a:endParaRPr lang="ar-SY"/>
+          </a:p>
+        </p:txBody>
+      </p:sp>
+    </p:spTree>
+    <p:extLst>
+      <p:ext uri="{BB962C8B-B14F-4D97-AF65-F5344CB8AC3E}">
+        <p14:creationId xmlns:p14="http://schemas.microsoft.com/office/powerpoint/2010/main" val="2492113113"/>
+      </p:ext>
+    </p:extLst>
+  </p:cSld>
+  <p:clrMapOvr>
+    <a:masterClrMapping/>
+  </p:clrMapOvr>
+  <mc:AlternateContent xmlns:mc="http://schemas.openxmlformats.org/markup-compatibility/2006" xmlns:p14="http://schemas.microsoft.com/office/powerpoint/2010/main">
+    <mc:Choice Requires="p14">
+      <p:transition spd="slow" p14:dur="1300">
+        <p14:pan dir="u"/>
+      </p:transition>
+    </mc:Choice>
+    <mc:Fallback xmlns="">
+      <p:transition spd="slow">
+        <p:fade/>
+      </p:transition>
+    </mc:Fallback>
+  </mc:AlternateContent>
+</p:sld>
+</file>
+
+<file path=ppt/slides/slide33.xml><?xml version="1.0" encoding="utf-8"?>
+<p:sld xmlns:a="http://schemas.openxmlformats.org/drawingml/2006/main" xmlns:r="http://schemas.openxmlformats.org/officeDocument/2006/relationships" xmlns:p="http://schemas.openxmlformats.org/presentationml/2006/main">
+  <p:cSld>
+    <p:spTree>
+      <p:nvGrpSpPr>
+        <p:cNvPr id="1" name=""/>
+        <p:cNvGrpSpPr/>
+        <p:nvPr/>
+      </p:nvGrpSpPr>
+      <p:grpSpPr>
+        <a:xfrm>
+          <a:off x="0" y="0"/>
+          <a:ext cx="0" cy="0"/>
+          <a:chOff x="0" y="0"/>
+          <a:chExt cx="0" cy="0"/>
+        </a:xfrm>
+      </p:grpSpPr>
+      <p:sp>
+        <p:nvSpPr>
+          <p:cNvPr id="6" name="عنوان 1">
+            <a:extLst>
+              <a:ext uri="{FF2B5EF4-FFF2-40B4-BE49-F238E27FC236}">
+                <a16:creationId xmlns:a16="http://schemas.microsoft.com/office/drawing/2014/main" id="{C45EC975-48AC-44AB-8E07-23FA12C6B678}"/>
+              </a:ext>
+            </a:extLst>
+          </p:cNvPr>
+          <p:cNvSpPr>
+            <a:spLocks noGrp="1"/>
+          </p:cNvSpPr>
+          <p:nvPr>
+            <p:ph type="title"/>
+          </p:nvPr>
+        </p:nvSpPr>
+        <p:spPr>
+          <a:xfrm>
+            <a:off x="838200" y="104248"/>
+            <a:ext cx="10515600" cy="1325563"/>
+          </a:xfrm>
+        </p:spPr>
+        <p:txBody>
+          <a:bodyPr>
+            <a:noAutofit/>
+          </a:bodyPr>
+          <a:lstStyle/>
+          <a:p>
+            <a:pPr algn="ctr"/>
+            <a:r>
+              <a:rPr lang="en-US" sz="4800" b="1" dirty="0">
+                <a:latin typeface="Times New Roman" panose="02020603050405020304" pitchFamily="18" charset="0"/>
+                <a:cs typeface="Times New Roman" panose="02020603050405020304" pitchFamily="18" charset="0"/>
+              </a:rPr>
+              <a:t>HTML Lists</a:t>
+            </a:r>
+          </a:p>
+        </p:txBody>
+      </p:sp>
+      <p:pic>
+        <p:nvPicPr>
+          <p:cNvPr id="9" name="صورة 8">
+            <a:extLst>
+              <a:ext uri="{FF2B5EF4-FFF2-40B4-BE49-F238E27FC236}">
+                <a16:creationId xmlns:a16="http://schemas.microsoft.com/office/drawing/2014/main" id="{0A256C14-14B8-4877-9EB2-17C51711E58B}"/>
+              </a:ext>
+            </a:extLst>
+          </p:cNvPr>
+          <p:cNvPicPr>
+            <a:picLocks noChangeAspect="1"/>
+          </p:cNvPicPr>
+          <p:nvPr/>
+        </p:nvPicPr>
+        <p:blipFill>
+          <a:blip r:embed="rId3"/>
+          <a:stretch>
+            <a:fillRect/>
+          </a:stretch>
+        </p:blipFill>
+        <p:spPr>
+          <a:xfrm>
+            <a:off x="6435801" y="2415288"/>
+            <a:ext cx="4181448" cy="3053120"/>
+          </a:xfrm>
+          <a:prstGeom prst="rect">
+            <a:avLst/>
+          </a:prstGeom>
+        </p:spPr>
+      </p:pic>
+      <p:pic>
+        <p:nvPicPr>
+          <p:cNvPr id="13" name="صورة 12">
+            <a:extLst>
+              <a:ext uri="{FF2B5EF4-FFF2-40B4-BE49-F238E27FC236}">
+                <a16:creationId xmlns:a16="http://schemas.microsoft.com/office/drawing/2014/main" id="{B8454006-62AF-4752-8B67-A8287FC91DF5}"/>
+              </a:ext>
+            </a:extLst>
+          </p:cNvPr>
+          <p:cNvPicPr>
+            <a:picLocks noChangeAspect="1"/>
+          </p:cNvPicPr>
+          <p:nvPr/>
+        </p:nvPicPr>
+        <p:blipFill>
+          <a:blip r:embed="rId4"/>
+          <a:stretch>
+            <a:fillRect/>
+          </a:stretch>
+        </p:blipFill>
+        <p:spPr>
+          <a:xfrm>
+            <a:off x="838200" y="1815625"/>
+            <a:ext cx="4200707" cy="1835198"/>
+          </a:xfrm>
+          <a:prstGeom prst="rect">
+            <a:avLst/>
+          </a:prstGeom>
+        </p:spPr>
+      </p:pic>
+      <p:pic>
+        <p:nvPicPr>
+          <p:cNvPr id="14" name="صورة 13">
+            <a:extLst>
+              <a:ext uri="{FF2B5EF4-FFF2-40B4-BE49-F238E27FC236}">
+                <a16:creationId xmlns:a16="http://schemas.microsoft.com/office/drawing/2014/main" id="{478C24CB-5757-492F-B57F-40CDE1F46555}"/>
+              </a:ext>
+            </a:extLst>
+          </p:cNvPr>
+          <p:cNvPicPr>
+            <a:picLocks noChangeAspect="1"/>
+          </p:cNvPicPr>
+          <p:nvPr/>
+        </p:nvPicPr>
+        <p:blipFill>
+          <a:blip r:embed="rId5"/>
+          <a:stretch>
+            <a:fillRect/>
+          </a:stretch>
+        </p:blipFill>
+        <p:spPr>
+          <a:xfrm>
+            <a:off x="838200" y="4212310"/>
+            <a:ext cx="4181449" cy="1835199"/>
+          </a:xfrm>
+          <a:prstGeom prst="rect">
+            <a:avLst/>
+          </a:prstGeom>
+        </p:spPr>
+      </p:pic>
+    </p:spTree>
+    <p:extLst>
+      <p:ext uri="{BB962C8B-B14F-4D97-AF65-F5344CB8AC3E}">
+        <p14:creationId xmlns:p14="http://schemas.microsoft.com/office/powerpoint/2010/main" val="3781193806"/>
+      </p:ext>
+    </p:extLst>
+  </p:cSld>
+  <p:clrMapOvr>
+    <a:masterClrMapping/>
+  </p:clrMapOvr>
+  <mc:AlternateContent xmlns:mc="http://schemas.openxmlformats.org/markup-compatibility/2006" xmlns:p14="http://schemas.microsoft.com/office/powerpoint/2010/main">
+    <mc:Choice Requires="p14">
+      <p:transition spd="slow" p14:dur="1300">
+        <p14:pan dir="u"/>
+      </p:transition>
+    </mc:Choice>
+    <mc:Fallback xmlns="">
+      <p:transition spd="slow">
+        <p:fade/>
+      </p:transition>
+    </mc:Fallback>
+  </mc:AlternateContent>
+</p:sld>
+</file>
+
+<file path=ppt/slides/slide34.xml><?xml version="1.0" encoding="utf-8"?>
+<p:sld xmlns:a="http://schemas.openxmlformats.org/drawingml/2006/main" xmlns:r="http://schemas.openxmlformats.org/officeDocument/2006/relationships" xmlns:p="http://schemas.openxmlformats.org/presentationml/2006/main">
+  <p:cSld>
+    <p:spTree>
+      <p:nvGrpSpPr>
+        <p:cNvPr id="1" name=""/>
+        <p:cNvGrpSpPr/>
+        <p:nvPr/>
+      </p:nvGrpSpPr>
+      <p:grpSpPr>
+        <a:xfrm>
+          <a:off x="0" y="0"/>
+          <a:ext cx="0" cy="0"/>
+          <a:chOff x="0" y="0"/>
+          <a:chExt cx="0" cy="0"/>
+        </a:xfrm>
+      </p:grpSpPr>
+      <p:sp>
+        <p:nvSpPr>
+          <p:cNvPr id="6" name="عنوان 1">
+            <a:extLst>
+              <a:ext uri="{FF2B5EF4-FFF2-40B4-BE49-F238E27FC236}">
+                <a16:creationId xmlns:a16="http://schemas.microsoft.com/office/drawing/2014/main" id="{C45EC975-48AC-44AB-8E07-23FA12C6B678}"/>
+              </a:ext>
+            </a:extLst>
+          </p:cNvPr>
+          <p:cNvSpPr>
+            <a:spLocks noGrp="1"/>
+          </p:cNvSpPr>
+          <p:nvPr>
+            <p:ph type="title"/>
+          </p:nvPr>
+        </p:nvSpPr>
+        <p:spPr>
+          <a:xfrm>
+            <a:off x="838200" y="104248"/>
+            <a:ext cx="10515600" cy="1325563"/>
+          </a:xfrm>
+        </p:spPr>
+        <p:txBody>
+          <a:bodyPr>
+            <a:noAutofit/>
+          </a:bodyPr>
+          <a:lstStyle/>
+          <a:p>
+            <a:pPr algn="ctr"/>
+            <a:r>
+              <a:rPr lang="en-US" sz="4800" b="1" dirty="0">
+                <a:latin typeface="Times New Roman" panose="02020603050405020304" pitchFamily="18" charset="0"/>
+                <a:cs typeface="Times New Roman" panose="02020603050405020304" pitchFamily="18" charset="0"/>
+              </a:rPr>
+              <a:t>HTML Lists</a:t>
+            </a:r>
+          </a:p>
+        </p:txBody>
+      </p:sp>
+      <p:pic>
+        <p:nvPicPr>
+          <p:cNvPr id="2" name="صورة 1">
+            <a:extLst>
+              <a:ext uri="{FF2B5EF4-FFF2-40B4-BE49-F238E27FC236}">
+                <a16:creationId xmlns:a16="http://schemas.microsoft.com/office/drawing/2014/main" id="{2801BA17-D97E-4978-A64B-1FD329A5C7FD}"/>
+              </a:ext>
+            </a:extLst>
+          </p:cNvPr>
+          <p:cNvPicPr>
+            <a:picLocks noChangeAspect="1"/>
+          </p:cNvPicPr>
+          <p:nvPr/>
+        </p:nvPicPr>
+        <p:blipFill>
+          <a:blip r:embed="rId3"/>
+          <a:stretch>
+            <a:fillRect/>
+          </a:stretch>
+        </p:blipFill>
+        <p:spPr>
+          <a:xfrm>
+            <a:off x="401782" y="1841423"/>
+            <a:ext cx="5320954" cy="2254828"/>
+          </a:xfrm>
+          <a:prstGeom prst="rect">
+            <a:avLst/>
+          </a:prstGeom>
+        </p:spPr>
+      </p:pic>
+      <p:pic>
+        <p:nvPicPr>
+          <p:cNvPr id="3" name="صورة 2">
+            <a:extLst>
+              <a:ext uri="{FF2B5EF4-FFF2-40B4-BE49-F238E27FC236}">
+                <a16:creationId xmlns:a16="http://schemas.microsoft.com/office/drawing/2014/main" id="{796DED52-8090-4AD9-8134-67E27FEAE5C5}"/>
+              </a:ext>
+            </a:extLst>
+          </p:cNvPr>
+          <p:cNvPicPr>
+            <a:picLocks noChangeAspect="1"/>
+          </p:cNvPicPr>
+          <p:nvPr/>
+        </p:nvPicPr>
+        <p:blipFill>
+          <a:blip r:embed="rId4"/>
+          <a:stretch>
+            <a:fillRect/>
+          </a:stretch>
+        </p:blipFill>
+        <p:spPr>
+          <a:xfrm>
+            <a:off x="6064235" y="1816176"/>
+            <a:ext cx="5514377" cy="2269379"/>
+          </a:xfrm>
+          <a:prstGeom prst="rect">
+            <a:avLst/>
+          </a:prstGeom>
+        </p:spPr>
+      </p:pic>
+      <p:sp>
+        <p:nvSpPr>
+          <p:cNvPr id="4" name="مربع نص 3">
+            <a:extLst>
+              <a:ext uri="{FF2B5EF4-FFF2-40B4-BE49-F238E27FC236}">
+                <a16:creationId xmlns:a16="http://schemas.microsoft.com/office/drawing/2014/main" id="{0AB3765B-25D4-4268-9F12-80BEFF6E9ED7}"/>
+              </a:ext>
+            </a:extLst>
+          </p:cNvPr>
+          <p:cNvSpPr txBox="1"/>
+          <p:nvPr/>
+        </p:nvSpPr>
+        <p:spPr>
+          <a:xfrm>
+            <a:off x="5479150" y="1148925"/>
+            <a:ext cx="6099462" cy="461665"/>
+          </a:xfrm>
+          <a:prstGeom prst="rect">
+            <a:avLst/>
+          </a:prstGeom>
+          <a:noFill/>
+        </p:spPr>
+        <p:txBody>
+          <a:bodyPr wrap="square">
+            <a:spAutoFit/>
+          </a:bodyPr>
+          <a:lstStyle/>
+          <a:p>
+            <a:pPr algn="ctr"/>
+            <a:r>
+              <a:rPr lang="en-US" sz="2400" b="1" dirty="0">
+                <a:latin typeface="Times New Roman" panose="02020603050405020304" pitchFamily="18" charset="0"/>
+                <a:cs typeface="Times New Roman" panose="02020603050405020304" pitchFamily="18" charset="0"/>
+              </a:rPr>
+              <a:t>Output</a:t>
+            </a:r>
+            <a:endParaRPr lang="en-US" b="1" dirty="0">
+              <a:latin typeface="Times New Roman" panose="02020603050405020304" pitchFamily="18" charset="0"/>
+              <a:cs typeface="Times New Roman" panose="02020603050405020304" pitchFamily="18" charset="0"/>
+            </a:endParaRPr>
+          </a:p>
+        </p:txBody>
+      </p:sp>
+      <p:sp>
+        <p:nvSpPr>
+          <p:cNvPr id="5" name="مربع نص 4">
+            <a:extLst>
+              <a:ext uri="{FF2B5EF4-FFF2-40B4-BE49-F238E27FC236}">
+                <a16:creationId xmlns:a16="http://schemas.microsoft.com/office/drawing/2014/main" id="{842AF601-BC8D-4EED-9EEC-EE850A8D9160}"/>
+              </a:ext>
+            </a:extLst>
+          </p:cNvPr>
+          <p:cNvSpPr txBox="1"/>
+          <p:nvPr/>
+        </p:nvSpPr>
+        <p:spPr>
+          <a:xfrm>
+            <a:off x="-35227" y="1148705"/>
+            <a:ext cx="6099462" cy="461665"/>
+          </a:xfrm>
+          <a:prstGeom prst="rect">
+            <a:avLst/>
+          </a:prstGeom>
+          <a:noFill/>
+        </p:spPr>
+        <p:txBody>
+          <a:bodyPr wrap="square">
+            <a:spAutoFit/>
+          </a:bodyPr>
+          <a:lstStyle/>
+          <a:p>
+            <a:pPr algn="ctr"/>
+            <a:r>
+              <a:rPr lang="en-US" sz="2400" b="1" dirty="0">
+                <a:latin typeface="Times New Roman" panose="02020603050405020304" pitchFamily="18" charset="0"/>
+                <a:cs typeface="Times New Roman" panose="02020603050405020304" pitchFamily="18" charset="0"/>
+              </a:rPr>
+              <a:t>Html code</a:t>
+            </a:r>
+            <a:endParaRPr lang="en-US" b="1" dirty="0">
+              <a:latin typeface="Times New Roman" panose="02020603050405020304" pitchFamily="18" charset="0"/>
+              <a:cs typeface="Times New Roman" panose="02020603050405020304" pitchFamily="18" charset="0"/>
+            </a:endParaRPr>
+          </a:p>
+        </p:txBody>
+      </p:sp>
+      <p:sp>
+        <p:nvSpPr>
+          <p:cNvPr id="7" name="مربع نص 6">
+            <a:extLst>
+              <a:ext uri="{FF2B5EF4-FFF2-40B4-BE49-F238E27FC236}">
+                <a16:creationId xmlns:a16="http://schemas.microsoft.com/office/drawing/2014/main" id="{88A53454-33BF-4BAD-BC31-5BB83476B32E}"/>
+              </a:ext>
+            </a:extLst>
+          </p:cNvPr>
+          <p:cNvSpPr txBox="1"/>
+          <p:nvPr/>
+        </p:nvSpPr>
+        <p:spPr>
+          <a:xfrm>
+            <a:off x="2721961" y="4792450"/>
+            <a:ext cx="6099462" cy="1261884"/>
+          </a:xfrm>
+          <a:prstGeom prst="rect">
+            <a:avLst/>
+          </a:prstGeom>
+          <a:noFill/>
+        </p:spPr>
+        <p:txBody>
+          <a:bodyPr wrap="square">
+            <a:spAutoFit/>
+          </a:bodyPr>
+          <a:lstStyle/>
+          <a:p>
+            <a:pPr marR="0" lvl="0" indent="0" algn="ctr" fontAlgn="auto">
+              <a:lnSpc>
+                <a:spcPct val="100000"/>
+              </a:lnSpc>
+              <a:spcBef>
+                <a:spcPts val="0"/>
+              </a:spcBef>
+              <a:spcAft>
+                <a:spcPts val="0"/>
+              </a:spcAft>
+              <a:buClrTx/>
+              <a:buSzTx/>
+              <a:buFontTx/>
+              <a:buNone/>
+              <a:tabLst/>
+              <a:defRPr/>
+            </a:pPr>
+            <a:r>
+              <a:rPr lang="en-US" sz="3600" b="1" dirty="0">
+                <a:latin typeface="Times New Roman" panose="02020603050405020304" pitchFamily="18" charset="0"/>
+                <a:ea typeface="+mj-ea"/>
+                <a:cs typeface="Times New Roman" panose="02020603050405020304" pitchFamily="18" charset="0"/>
+              </a:rPr>
+              <a:t>ul :Defines an unordered list</a:t>
+            </a:r>
+          </a:p>
+          <a:p>
+            <a:pPr algn="ctr"/>
+            <a:r>
+              <a:rPr lang="en-US" sz="4000" b="1" dirty="0">
+                <a:latin typeface="Times New Roman" panose="02020603050405020304" pitchFamily="18" charset="0"/>
+                <a:ea typeface="+mj-ea"/>
+                <a:cs typeface="Times New Roman" panose="02020603050405020304" pitchFamily="18" charset="0"/>
+              </a:rPr>
+              <a:t>li : Defines a list item</a:t>
+            </a:r>
+          </a:p>
+        </p:txBody>
+      </p:sp>
+    </p:spTree>
+    <p:extLst>
+      <p:ext uri="{BB962C8B-B14F-4D97-AF65-F5344CB8AC3E}">
+        <p14:creationId xmlns:p14="http://schemas.microsoft.com/office/powerpoint/2010/main" val="3945606991"/>
+      </p:ext>
+    </p:extLst>
+  </p:cSld>
+  <p:clrMapOvr>
+    <a:masterClrMapping/>
+  </p:clrMapOvr>
+  <mc:AlternateContent xmlns:mc="http://schemas.openxmlformats.org/markup-compatibility/2006" xmlns:p14="http://schemas.microsoft.com/office/powerpoint/2010/main">
+    <mc:Choice Requires="p14">
+      <p:transition spd="slow" p14:dur="1300">
+        <p14:pan dir="u"/>
+      </p:transition>
+    </mc:Choice>
+    <mc:Fallback xmlns="">
+      <p:transition spd="slow">
+        <p:fade/>
+      </p:transition>
+    </mc:Fallback>
+  </mc:AlternateContent>
+</p:sld>
+</file>
+
+<file path=ppt/slides/slide35.xml><?xml version="1.0" encoding="utf-8"?>
+<p:sld xmlns:a="http://schemas.openxmlformats.org/drawingml/2006/main" xmlns:r="http://schemas.openxmlformats.org/officeDocument/2006/relationships" xmlns:p="http://schemas.openxmlformats.org/presentationml/2006/main">
+  <p:cSld>
+    <p:spTree>
+      <p:nvGrpSpPr>
+        <p:cNvPr id="1" name=""/>
+        <p:cNvGrpSpPr/>
+        <p:nvPr/>
+      </p:nvGrpSpPr>
+      <p:grpSpPr>
+        <a:xfrm>
+          <a:off x="0" y="0"/>
+          <a:ext cx="0" cy="0"/>
+          <a:chOff x="0" y="0"/>
+          <a:chExt cx="0" cy="0"/>
+        </a:xfrm>
+      </p:grpSpPr>
+      <p:sp>
+        <p:nvSpPr>
+          <p:cNvPr id="6" name="عنوان 1">
+            <a:extLst>
+              <a:ext uri="{FF2B5EF4-FFF2-40B4-BE49-F238E27FC236}">
+                <a16:creationId xmlns:a16="http://schemas.microsoft.com/office/drawing/2014/main" id="{C45EC975-48AC-44AB-8E07-23FA12C6B678}"/>
+              </a:ext>
+            </a:extLst>
+          </p:cNvPr>
+          <p:cNvSpPr>
+            <a:spLocks noGrp="1"/>
+          </p:cNvSpPr>
+          <p:nvPr>
+            <p:ph type="title"/>
+          </p:nvPr>
+        </p:nvSpPr>
+        <p:spPr>
+          <a:xfrm>
+            <a:off x="838200" y="104248"/>
+            <a:ext cx="10515600" cy="1325563"/>
+          </a:xfrm>
+        </p:spPr>
+        <p:txBody>
+          <a:bodyPr>
+            <a:noAutofit/>
+          </a:bodyPr>
+          <a:lstStyle/>
+          <a:p>
+            <a:pPr algn="ctr"/>
+            <a:r>
+              <a:rPr lang="en-US" sz="4800" b="1" dirty="0">
+                <a:latin typeface="Times New Roman" panose="02020603050405020304" pitchFamily="18" charset="0"/>
+                <a:cs typeface="Times New Roman" panose="02020603050405020304" pitchFamily="18" charset="0"/>
+              </a:rPr>
+              <a:t>HTML Lists</a:t>
+            </a:r>
+          </a:p>
+        </p:txBody>
+      </p:sp>
+      <p:sp>
+        <p:nvSpPr>
+          <p:cNvPr id="4" name="مربع نص 3">
+            <a:extLst>
+              <a:ext uri="{FF2B5EF4-FFF2-40B4-BE49-F238E27FC236}">
+                <a16:creationId xmlns:a16="http://schemas.microsoft.com/office/drawing/2014/main" id="{0AB3765B-25D4-4268-9F12-80BEFF6E9ED7}"/>
+              </a:ext>
+            </a:extLst>
+          </p:cNvPr>
+          <p:cNvSpPr txBox="1"/>
+          <p:nvPr/>
+        </p:nvSpPr>
+        <p:spPr>
+          <a:xfrm>
+            <a:off x="5566065" y="1068229"/>
+            <a:ext cx="6099462" cy="461665"/>
+          </a:xfrm>
+          <a:prstGeom prst="rect">
+            <a:avLst/>
+          </a:prstGeom>
+          <a:noFill/>
+        </p:spPr>
+        <p:txBody>
+          <a:bodyPr wrap="square">
+            <a:spAutoFit/>
+          </a:bodyPr>
+          <a:lstStyle/>
+          <a:p>
+            <a:pPr algn="ctr"/>
+            <a:r>
+              <a:rPr lang="en-US" sz="2400" b="1" dirty="0">
+                <a:latin typeface="Times New Roman" panose="02020603050405020304" pitchFamily="18" charset="0"/>
+                <a:cs typeface="Times New Roman" panose="02020603050405020304" pitchFamily="18" charset="0"/>
+              </a:rPr>
+              <a:t>Output</a:t>
+            </a:r>
+            <a:endParaRPr lang="en-US" b="1" dirty="0">
+              <a:latin typeface="Times New Roman" panose="02020603050405020304" pitchFamily="18" charset="0"/>
+              <a:cs typeface="Times New Roman" panose="02020603050405020304" pitchFamily="18" charset="0"/>
+            </a:endParaRPr>
+          </a:p>
+        </p:txBody>
+      </p:sp>
+      <p:sp>
+        <p:nvSpPr>
+          <p:cNvPr id="5" name="مربع نص 4">
+            <a:extLst>
+              <a:ext uri="{FF2B5EF4-FFF2-40B4-BE49-F238E27FC236}">
+                <a16:creationId xmlns:a16="http://schemas.microsoft.com/office/drawing/2014/main" id="{842AF601-BC8D-4EED-9EEC-EE850A8D9160}"/>
+              </a:ext>
+            </a:extLst>
+          </p:cNvPr>
+          <p:cNvSpPr txBox="1"/>
+          <p:nvPr/>
+        </p:nvSpPr>
+        <p:spPr>
+          <a:xfrm>
+            <a:off x="155581" y="1068228"/>
+            <a:ext cx="6099462" cy="461665"/>
+          </a:xfrm>
+          <a:prstGeom prst="rect">
+            <a:avLst/>
+          </a:prstGeom>
+          <a:noFill/>
+        </p:spPr>
+        <p:txBody>
+          <a:bodyPr wrap="square">
+            <a:spAutoFit/>
+          </a:bodyPr>
+          <a:lstStyle/>
+          <a:p>
+            <a:pPr algn="ctr"/>
+            <a:r>
+              <a:rPr lang="en-US" sz="2400" b="1" dirty="0">
+                <a:latin typeface="Times New Roman" panose="02020603050405020304" pitchFamily="18" charset="0"/>
+                <a:cs typeface="Times New Roman" panose="02020603050405020304" pitchFamily="18" charset="0"/>
+              </a:rPr>
+              <a:t>Html code</a:t>
+            </a:r>
+            <a:endParaRPr lang="en-US" b="1" dirty="0">
+              <a:latin typeface="Times New Roman" panose="02020603050405020304" pitchFamily="18" charset="0"/>
+              <a:cs typeface="Times New Roman" panose="02020603050405020304" pitchFamily="18" charset="0"/>
+            </a:endParaRPr>
+          </a:p>
+        </p:txBody>
+      </p:sp>
+      <p:pic>
+        <p:nvPicPr>
+          <p:cNvPr id="7" name="صورة 6">
+            <a:extLst>
+              <a:ext uri="{FF2B5EF4-FFF2-40B4-BE49-F238E27FC236}">
+                <a16:creationId xmlns:a16="http://schemas.microsoft.com/office/drawing/2014/main" id="{7422F9A3-1DAB-496F-A57C-4535351E35AF}"/>
+              </a:ext>
+            </a:extLst>
+          </p:cNvPr>
+          <p:cNvPicPr>
+            <a:picLocks noChangeAspect="1"/>
+          </p:cNvPicPr>
+          <p:nvPr/>
+        </p:nvPicPr>
+        <p:blipFill>
+          <a:blip r:embed="rId3"/>
+          <a:stretch>
+            <a:fillRect/>
+          </a:stretch>
+        </p:blipFill>
+        <p:spPr>
+          <a:xfrm>
+            <a:off x="590267" y="1772546"/>
+            <a:ext cx="5230091" cy="2456752"/>
+          </a:xfrm>
+          <a:prstGeom prst="rect">
+            <a:avLst/>
+          </a:prstGeom>
+        </p:spPr>
+      </p:pic>
+      <p:pic>
+        <p:nvPicPr>
+          <p:cNvPr id="8" name="صورة 7">
+            <a:extLst>
+              <a:ext uri="{FF2B5EF4-FFF2-40B4-BE49-F238E27FC236}">
+                <a16:creationId xmlns:a16="http://schemas.microsoft.com/office/drawing/2014/main" id="{5E86CB01-BEC3-432B-AA0A-3A532BDB3E36}"/>
+              </a:ext>
+            </a:extLst>
+          </p:cNvPr>
+          <p:cNvPicPr>
+            <a:picLocks noChangeAspect="1"/>
+          </p:cNvPicPr>
+          <p:nvPr/>
+        </p:nvPicPr>
+        <p:blipFill>
+          <a:blip r:embed="rId4"/>
+          <a:stretch>
+            <a:fillRect/>
+          </a:stretch>
+        </p:blipFill>
+        <p:spPr>
+          <a:xfrm>
+            <a:off x="6132085" y="1772547"/>
+            <a:ext cx="5652912" cy="2456751"/>
+          </a:xfrm>
+          <a:prstGeom prst="rect">
+            <a:avLst/>
+          </a:prstGeom>
+        </p:spPr>
+      </p:pic>
+      <p:sp>
+        <p:nvSpPr>
+          <p:cNvPr id="16" name="مربع نص 15">
+            <a:extLst>
+              <a:ext uri="{FF2B5EF4-FFF2-40B4-BE49-F238E27FC236}">
+                <a16:creationId xmlns:a16="http://schemas.microsoft.com/office/drawing/2014/main" id="{EED95453-38C4-4F61-82EE-6CBE9B2540BE}"/>
+              </a:ext>
+            </a:extLst>
+          </p:cNvPr>
+          <p:cNvSpPr txBox="1"/>
+          <p:nvPr/>
+        </p:nvSpPr>
+        <p:spPr>
+          <a:xfrm>
+            <a:off x="2859079" y="4735705"/>
+            <a:ext cx="6099462" cy="1200329"/>
+          </a:xfrm>
+          <a:prstGeom prst="rect">
+            <a:avLst/>
+          </a:prstGeom>
+          <a:noFill/>
+        </p:spPr>
+        <p:txBody>
+          <a:bodyPr wrap="square">
+            <a:spAutoFit/>
+          </a:bodyPr>
+          <a:lstStyle/>
+          <a:p>
+            <a:pPr algn="ctr">
+              <a:defRPr/>
+            </a:pPr>
+            <a:r>
+              <a:rPr lang="en-US" sz="3600" b="1" dirty="0">
+                <a:latin typeface="Times New Roman" panose="02020603050405020304" pitchFamily="18" charset="0"/>
+                <a:ea typeface="+mj-ea"/>
+                <a:cs typeface="Times New Roman" panose="02020603050405020304" pitchFamily="18" charset="0"/>
+              </a:rPr>
+              <a:t>ol :Defines an ordered list</a:t>
+            </a:r>
+            <a:endParaRPr lang="ar-SA" sz="3600" b="1" dirty="0">
+              <a:latin typeface="Times New Roman" panose="02020603050405020304" pitchFamily="18" charset="0"/>
+              <a:ea typeface="+mj-ea"/>
+              <a:cs typeface="Times New Roman" panose="02020603050405020304" pitchFamily="18" charset="0"/>
+            </a:endParaRPr>
+          </a:p>
+          <a:p>
+            <a:pPr marR="0" lvl="0" indent="0" algn="ctr" fontAlgn="auto">
+              <a:lnSpc>
+                <a:spcPct val="100000"/>
+              </a:lnSpc>
+              <a:spcBef>
+                <a:spcPts val="0"/>
+              </a:spcBef>
+              <a:spcAft>
+                <a:spcPts val="0"/>
+              </a:spcAft>
+              <a:buClrTx/>
+              <a:buSzTx/>
+              <a:buFontTx/>
+              <a:buNone/>
+              <a:tabLst/>
+              <a:defRPr/>
+            </a:pPr>
+            <a:r>
+              <a:rPr lang="en-US" sz="3600" b="1" dirty="0">
+                <a:latin typeface="Times New Roman" panose="02020603050405020304" pitchFamily="18" charset="0"/>
+                <a:ea typeface="+mj-ea"/>
+                <a:cs typeface="Times New Roman" panose="02020603050405020304" pitchFamily="18" charset="0"/>
+              </a:rPr>
+              <a:t>li :Defines a list item</a:t>
+            </a:r>
+          </a:p>
+        </p:txBody>
+      </p:sp>
+    </p:spTree>
+    <p:extLst>
+      <p:ext uri="{BB962C8B-B14F-4D97-AF65-F5344CB8AC3E}">
+        <p14:creationId xmlns:p14="http://schemas.microsoft.com/office/powerpoint/2010/main" val="2178758993"/>
+      </p:ext>
+    </p:extLst>
+  </p:cSld>
+  <p:clrMapOvr>
+    <a:masterClrMapping/>
+  </p:clrMapOvr>
+  <mc:AlternateContent xmlns:mc="http://schemas.openxmlformats.org/markup-compatibility/2006" xmlns:p14="http://schemas.microsoft.com/office/powerpoint/2010/main">
+    <mc:Choice Requires="p14">
+      <p:transition spd="slow" p14:dur="1300">
+        <p14:pan dir="u"/>
+      </p:transition>
+    </mc:Choice>
+    <mc:Fallback xmlns="">
+      <p:transition spd="slow">
+        <p:fade/>
+      </p:transition>
+    </mc:Fallback>
+  </mc:AlternateContent>
+</p:sld>
+</file>
+
+<file path=ppt/slides/slide36.xml><?xml version="1.0" encoding="utf-8"?>
+<p:sld xmlns:a="http://schemas.openxmlformats.org/drawingml/2006/main" xmlns:r="http://schemas.openxmlformats.org/officeDocument/2006/relationships" xmlns:p="http://schemas.openxmlformats.org/presentationml/2006/main">
+  <p:cSld>
+    <p:spTree>
+      <p:nvGrpSpPr>
+        <p:cNvPr id="1" name=""/>
+        <p:cNvGrpSpPr/>
+        <p:nvPr/>
+      </p:nvGrpSpPr>
+      <p:grpSpPr>
+        <a:xfrm>
+          <a:off x="0" y="0"/>
+          <a:ext cx="0" cy="0"/>
+          <a:chOff x="0" y="0"/>
+          <a:chExt cx="0" cy="0"/>
+        </a:xfrm>
+      </p:grpSpPr>
+      <p:sp>
+        <p:nvSpPr>
+          <p:cNvPr id="6" name="عنوان 1">
+            <a:extLst>
+              <a:ext uri="{FF2B5EF4-FFF2-40B4-BE49-F238E27FC236}">
+                <a16:creationId xmlns:a16="http://schemas.microsoft.com/office/drawing/2014/main" id="{C45EC975-48AC-44AB-8E07-23FA12C6B678}"/>
+              </a:ext>
+            </a:extLst>
+          </p:cNvPr>
+          <p:cNvSpPr>
+            <a:spLocks noGrp="1"/>
+          </p:cNvSpPr>
+          <p:nvPr>
+            <p:ph type="title"/>
+          </p:nvPr>
+        </p:nvSpPr>
+        <p:spPr>
+          <a:xfrm>
+            <a:off x="838200" y="104248"/>
+            <a:ext cx="10515600" cy="1325563"/>
+          </a:xfrm>
+        </p:spPr>
+        <p:txBody>
+          <a:bodyPr>
+            <a:noAutofit/>
+          </a:bodyPr>
+          <a:lstStyle/>
+          <a:p>
+            <a:pPr algn="ctr"/>
+            <a:r>
+              <a:rPr lang="en-US" sz="4800" b="1" dirty="0">
+                <a:latin typeface="Times New Roman" panose="02020603050405020304" pitchFamily="18" charset="0"/>
+                <a:cs typeface="Times New Roman" panose="02020603050405020304" pitchFamily="18" charset="0"/>
+              </a:rPr>
+              <a:t>HTML Lists</a:t>
+            </a:r>
+          </a:p>
+        </p:txBody>
+      </p:sp>
+      <p:sp>
+        <p:nvSpPr>
+          <p:cNvPr id="4" name="مربع نص 3">
+            <a:extLst>
+              <a:ext uri="{FF2B5EF4-FFF2-40B4-BE49-F238E27FC236}">
+                <a16:creationId xmlns:a16="http://schemas.microsoft.com/office/drawing/2014/main" id="{0AB3765B-25D4-4268-9F12-80BEFF6E9ED7}"/>
+              </a:ext>
+            </a:extLst>
+          </p:cNvPr>
+          <p:cNvSpPr txBox="1"/>
+          <p:nvPr/>
+        </p:nvSpPr>
+        <p:spPr>
+          <a:xfrm>
+            <a:off x="5860473" y="1198978"/>
+            <a:ext cx="6099462" cy="461665"/>
+          </a:xfrm>
+          <a:prstGeom prst="rect">
+            <a:avLst/>
+          </a:prstGeom>
+          <a:noFill/>
+        </p:spPr>
+        <p:txBody>
+          <a:bodyPr wrap="square">
+            <a:spAutoFit/>
+          </a:bodyPr>
+          <a:lstStyle/>
+          <a:p>
+            <a:pPr algn="ctr"/>
+            <a:r>
+              <a:rPr lang="en-US" sz="2400" b="1" dirty="0">
+                <a:latin typeface="Times New Roman" panose="02020603050405020304" pitchFamily="18" charset="0"/>
+                <a:cs typeface="Times New Roman" panose="02020603050405020304" pitchFamily="18" charset="0"/>
+              </a:rPr>
+              <a:t>Output</a:t>
+            </a:r>
+            <a:endParaRPr lang="en-US" b="1" dirty="0">
+              <a:latin typeface="Times New Roman" panose="02020603050405020304" pitchFamily="18" charset="0"/>
+              <a:cs typeface="Times New Roman" panose="02020603050405020304" pitchFamily="18" charset="0"/>
+            </a:endParaRPr>
+          </a:p>
+        </p:txBody>
+      </p:sp>
+      <p:sp>
+        <p:nvSpPr>
+          <p:cNvPr id="5" name="مربع نص 4">
+            <a:extLst>
+              <a:ext uri="{FF2B5EF4-FFF2-40B4-BE49-F238E27FC236}">
+                <a16:creationId xmlns:a16="http://schemas.microsoft.com/office/drawing/2014/main" id="{842AF601-BC8D-4EED-9EEC-EE850A8D9160}"/>
+              </a:ext>
+            </a:extLst>
+          </p:cNvPr>
+          <p:cNvSpPr txBox="1"/>
+          <p:nvPr/>
+        </p:nvSpPr>
+        <p:spPr>
+          <a:xfrm>
+            <a:off x="-3462" y="1169262"/>
+            <a:ext cx="6099462" cy="461665"/>
+          </a:xfrm>
+          <a:prstGeom prst="rect">
+            <a:avLst/>
+          </a:prstGeom>
+          <a:noFill/>
+        </p:spPr>
+        <p:txBody>
+          <a:bodyPr wrap="square">
+            <a:spAutoFit/>
+          </a:bodyPr>
+          <a:lstStyle/>
+          <a:p>
+            <a:pPr algn="ctr"/>
+            <a:r>
+              <a:rPr lang="en-US" sz="2400" b="1" dirty="0">
+                <a:latin typeface="Times New Roman" panose="02020603050405020304" pitchFamily="18" charset="0"/>
+                <a:cs typeface="Times New Roman" panose="02020603050405020304" pitchFamily="18" charset="0"/>
+              </a:rPr>
+              <a:t>Html code</a:t>
+            </a:r>
+            <a:endParaRPr lang="en-US" b="1" dirty="0">
+              <a:latin typeface="Times New Roman" panose="02020603050405020304" pitchFamily="18" charset="0"/>
+              <a:cs typeface="Times New Roman" panose="02020603050405020304" pitchFamily="18" charset="0"/>
+            </a:endParaRPr>
+          </a:p>
+        </p:txBody>
+      </p:sp>
+      <p:pic>
+        <p:nvPicPr>
+          <p:cNvPr id="2" name="صورة 1">
+            <a:extLst>
+              <a:ext uri="{FF2B5EF4-FFF2-40B4-BE49-F238E27FC236}">
+                <a16:creationId xmlns:a16="http://schemas.microsoft.com/office/drawing/2014/main" id="{1D6259D6-FB13-40E4-8207-99D95515078E}"/>
+              </a:ext>
+            </a:extLst>
+          </p:cNvPr>
+          <p:cNvPicPr>
+            <a:picLocks noChangeAspect="1"/>
+          </p:cNvPicPr>
+          <p:nvPr/>
+        </p:nvPicPr>
+        <p:blipFill>
+          <a:blip r:embed="rId3"/>
+          <a:stretch>
+            <a:fillRect/>
+          </a:stretch>
+        </p:blipFill>
+        <p:spPr>
+          <a:xfrm>
+            <a:off x="407003" y="1861759"/>
+            <a:ext cx="5453470" cy="2791476"/>
+          </a:xfrm>
+          <a:prstGeom prst="rect">
+            <a:avLst/>
+          </a:prstGeom>
+        </p:spPr>
+      </p:pic>
+      <p:pic>
+        <p:nvPicPr>
+          <p:cNvPr id="3" name="صورة 2">
+            <a:extLst>
+              <a:ext uri="{FF2B5EF4-FFF2-40B4-BE49-F238E27FC236}">
+                <a16:creationId xmlns:a16="http://schemas.microsoft.com/office/drawing/2014/main" id="{82E82E9E-8D7C-4464-AB9D-4D7401089550}"/>
+              </a:ext>
+            </a:extLst>
+          </p:cNvPr>
+          <p:cNvPicPr>
+            <a:picLocks noChangeAspect="1"/>
+          </p:cNvPicPr>
+          <p:nvPr/>
+        </p:nvPicPr>
+        <p:blipFill>
+          <a:blip r:embed="rId4"/>
+          <a:stretch>
+            <a:fillRect/>
+          </a:stretch>
+        </p:blipFill>
+        <p:spPr>
+          <a:xfrm>
+            <a:off x="6331529" y="1861758"/>
+            <a:ext cx="4703616" cy="2834577"/>
+          </a:xfrm>
+          <a:prstGeom prst="rect">
+            <a:avLst/>
+          </a:prstGeom>
+        </p:spPr>
+      </p:pic>
+      <p:sp>
+        <p:nvSpPr>
+          <p:cNvPr id="9" name="مربع نص 8">
+            <a:extLst>
+              <a:ext uri="{FF2B5EF4-FFF2-40B4-BE49-F238E27FC236}">
+                <a16:creationId xmlns:a16="http://schemas.microsoft.com/office/drawing/2014/main" id="{6EAE7DD6-0A3B-48AC-9B29-504421B1B95B}"/>
+              </a:ext>
+            </a:extLst>
+          </p:cNvPr>
+          <p:cNvSpPr txBox="1"/>
+          <p:nvPr/>
+        </p:nvSpPr>
+        <p:spPr>
+          <a:xfrm>
+            <a:off x="685800" y="4999426"/>
+            <a:ext cx="10349345" cy="1754326"/>
+          </a:xfrm>
+          <a:prstGeom prst="rect">
+            <a:avLst/>
+          </a:prstGeom>
+          <a:noFill/>
+        </p:spPr>
+        <p:txBody>
+          <a:bodyPr wrap="square" rtlCol="0">
+            <a:spAutoFit/>
+          </a:bodyPr>
+          <a:lstStyle/>
+          <a:p>
+            <a:pPr algn="ctr">
+              <a:defRPr/>
+            </a:pPr>
+            <a:r>
+              <a:rPr lang="en-US" sz="3600" b="1" dirty="0">
+                <a:latin typeface="Times New Roman" panose="02020603050405020304" pitchFamily="18" charset="0"/>
+                <a:ea typeface="+mj-ea"/>
+                <a:cs typeface="Times New Roman" panose="02020603050405020304" pitchFamily="18" charset="0"/>
+              </a:rPr>
+              <a:t>dl : </a:t>
+            </a:r>
+            <a:r>
+              <a:rPr lang="en-US" sz="3600" b="1" i="1" dirty="0">
+                <a:latin typeface="Times New Roman" panose="02020603050405020304" pitchFamily="18" charset="0"/>
+                <a:ea typeface="+mj-ea"/>
+                <a:cs typeface="Times New Roman" panose="02020603050405020304" pitchFamily="18" charset="0"/>
+              </a:rPr>
+              <a:t>Defines</a:t>
+            </a:r>
+            <a:r>
+              <a:rPr lang="en-US" sz="3600" b="1" dirty="0">
+                <a:latin typeface="Times New Roman" panose="02020603050405020304" pitchFamily="18" charset="0"/>
+                <a:ea typeface="+mj-ea"/>
+                <a:cs typeface="Times New Roman" panose="02020603050405020304" pitchFamily="18" charset="0"/>
+              </a:rPr>
+              <a:t> a description list</a:t>
+            </a:r>
+          </a:p>
+          <a:p>
+            <a:pPr algn="ctr">
+              <a:defRPr/>
+            </a:pPr>
+            <a:r>
+              <a:rPr lang="en-US" sz="3600" b="1" dirty="0">
+                <a:latin typeface="Times New Roman" panose="02020603050405020304" pitchFamily="18" charset="0"/>
+                <a:ea typeface="+mj-ea"/>
+                <a:cs typeface="Times New Roman" panose="02020603050405020304" pitchFamily="18" charset="0"/>
+              </a:rPr>
+              <a:t>dt : </a:t>
+            </a:r>
+            <a:r>
+              <a:rPr lang="en-US" sz="3600" b="1" i="1" dirty="0">
+                <a:latin typeface="Times New Roman" panose="02020603050405020304" pitchFamily="18" charset="0"/>
+                <a:ea typeface="+mj-ea"/>
+                <a:cs typeface="Times New Roman" panose="02020603050405020304" pitchFamily="18" charset="0"/>
+              </a:rPr>
+              <a:t>Defines</a:t>
+            </a:r>
+            <a:r>
+              <a:rPr lang="en-US" sz="3600" b="1" dirty="0">
+                <a:latin typeface="Times New Roman" panose="02020603050405020304" pitchFamily="18" charset="0"/>
+                <a:ea typeface="+mj-ea"/>
+                <a:cs typeface="Times New Roman" panose="02020603050405020304" pitchFamily="18" charset="0"/>
+              </a:rPr>
+              <a:t> a term in a description list</a:t>
+            </a:r>
+          </a:p>
+          <a:p>
+            <a:pPr algn="ctr">
+              <a:defRPr/>
+            </a:pPr>
+            <a:r>
+              <a:rPr lang="en-US" sz="3600" b="1" dirty="0">
+                <a:latin typeface="Times New Roman" panose="02020603050405020304" pitchFamily="18" charset="0"/>
+                <a:ea typeface="+mj-ea"/>
+                <a:cs typeface="Times New Roman" panose="02020603050405020304" pitchFamily="18" charset="0"/>
+              </a:rPr>
+              <a:t>dd : </a:t>
+            </a:r>
+            <a:r>
+              <a:rPr lang="en-US" sz="3600" b="1" i="1" dirty="0">
+                <a:latin typeface="Times New Roman" panose="02020603050405020304" pitchFamily="18" charset="0"/>
+                <a:ea typeface="+mj-ea"/>
+                <a:cs typeface="Times New Roman" panose="02020603050405020304" pitchFamily="18" charset="0"/>
+              </a:rPr>
+              <a:t>Describes</a:t>
+            </a:r>
+            <a:r>
+              <a:rPr lang="en-US" sz="3600" b="1" dirty="0">
+                <a:latin typeface="Times New Roman" panose="02020603050405020304" pitchFamily="18" charset="0"/>
+                <a:ea typeface="+mj-ea"/>
+                <a:cs typeface="Times New Roman" panose="02020603050405020304" pitchFamily="18" charset="0"/>
+              </a:rPr>
+              <a:t> the term in a description list</a:t>
+            </a:r>
+          </a:p>
+        </p:txBody>
+      </p:sp>
+    </p:spTree>
+    <p:extLst>
+      <p:ext uri="{BB962C8B-B14F-4D97-AF65-F5344CB8AC3E}">
+        <p14:creationId xmlns:p14="http://schemas.microsoft.com/office/powerpoint/2010/main" val="4085744919"/>
+      </p:ext>
+    </p:extLst>
+  </p:cSld>
+  <p:clrMapOvr>
+    <a:masterClrMapping/>
+  </p:clrMapOvr>
+  <mc:AlternateContent xmlns:mc="http://schemas.openxmlformats.org/markup-compatibility/2006" xmlns:p14="http://schemas.microsoft.com/office/powerpoint/2010/main">
+    <mc:Choice Requires="p14">
+      <p:transition spd="slow" p14:dur="1300">
+        <p14:pan dir="u"/>
+      </p:transition>
+    </mc:Choice>
+    <mc:Fallback xmlns="">
+      <p:transition spd="slow">
+        <p:fade/>
+      </p:transition>
+    </mc:Fallback>
+  </mc:AlternateContent>
+</p:sld>
+</file>
+
+<file path=ppt/slides/slide37.xml><?xml version="1.0" encoding="utf-8"?>
+<p:sld xmlns:a="http://schemas.openxmlformats.org/drawingml/2006/main" xmlns:r="http://schemas.openxmlformats.org/officeDocument/2006/relationships" xmlns:p="http://schemas.openxmlformats.org/presentationml/2006/main">
+  <p:cSld>
+    <p:spTree>
+      <p:nvGrpSpPr>
+        <p:cNvPr id="1" name=""/>
+        <p:cNvGrpSpPr/>
+        <p:nvPr/>
+      </p:nvGrpSpPr>
+      <p:grpSpPr>
+        <a:xfrm>
+          <a:off x="0" y="0"/>
+          <a:ext cx="0" cy="0"/>
+          <a:chOff x="0" y="0"/>
+          <a:chExt cx="0" cy="0"/>
+        </a:xfrm>
+      </p:grpSpPr>
+      <p:sp>
+        <p:nvSpPr>
+          <p:cNvPr id="6" name="عنوان 1">
+            <a:extLst>
+              <a:ext uri="{FF2B5EF4-FFF2-40B4-BE49-F238E27FC236}">
+                <a16:creationId xmlns:a16="http://schemas.microsoft.com/office/drawing/2014/main" id="{C45EC975-48AC-44AB-8E07-23FA12C6B678}"/>
+              </a:ext>
+            </a:extLst>
+          </p:cNvPr>
+          <p:cNvSpPr>
+            <a:spLocks noGrp="1"/>
+          </p:cNvSpPr>
+          <p:nvPr>
+            <p:ph type="title"/>
+          </p:nvPr>
+        </p:nvSpPr>
+        <p:spPr>
+          <a:xfrm>
+            <a:off x="838200" y="104248"/>
+            <a:ext cx="10515600" cy="1325563"/>
+          </a:xfrm>
+        </p:spPr>
+        <p:txBody>
+          <a:bodyPr>
+            <a:noAutofit/>
+          </a:bodyPr>
+          <a:lstStyle/>
+          <a:p>
+            <a:pPr algn="ctr"/>
+            <a:r>
+              <a:rPr lang="en-US" sz="4800" b="1" dirty="0">
+                <a:latin typeface="Times New Roman" panose="02020603050405020304" pitchFamily="18" charset="0"/>
+                <a:cs typeface="Times New Roman" panose="02020603050405020304" pitchFamily="18" charset="0"/>
+              </a:rPr>
+              <a:t>HTML  Table</a:t>
+            </a:r>
+          </a:p>
+        </p:txBody>
+      </p:sp>
+      <p:sp>
+        <p:nvSpPr>
+          <p:cNvPr id="4" name="مربع نص 3">
+            <a:extLst>
+              <a:ext uri="{FF2B5EF4-FFF2-40B4-BE49-F238E27FC236}">
+                <a16:creationId xmlns:a16="http://schemas.microsoft.com/office/drawing/2014/main" id="{0AB3765B-25D4-4268-9F12-80BEFF6E9ED7}"/>
+              </a:ext>
+            </a:extLst>
+          </p:cNvPr>
+          <p:cNvSpPr txBox="1"/>
+          <p:nvPr/>
+        </p:nvSpPr>
+        <p:spPr>
+          <a:xfrm>
+            <a:off x="5860473" y="1198978"/>
+            <a:ext cx="6099462" cy="461665"/>
+          </a:xfrm>
+          <a:prstGeom prst="rect">
+            <a:avLst/>
+          </a:prstGeom>
+          <a:noFill/>
+        </p:spPr>
+        <p:txBody>
+          <a:bodyPr wrap="square">
+            <a:spAutoFit/>
+          </a:bodyPr>
+          <a:lstStyle/>
+          <a:p>
+            <a:pPr algn="ctr"/>
+            <a:r>
+              <a:rPr lang="en-US" sz="2400" b="1" dirty="0">
+                <a:latin typeface="Times New Roman" panose="02020603050405020304" pitchFamily="18" charset="0"/>
+                <a:cs typeface="Times New Roman" panose="02020603050405020304" pitchFamily="18" charset="0"/>
+              </a:rPr>
+              <a:t>Output</a:t>
+            </a:r>
+            <a:endParaRPr lang="en-US" b="1" dirty="0">
+              <a:latin typeface="Times New Roman" panose="02020603050405020304" pitchFamily="18" charset="0"/>
+              <a:cs typeface="Times New Roman" panose="02020603050405020304" pitchFamily="18" charset="0"/>
+            </a:endParaRPr>
+          </a:p>
+        </p:txBody>
+      </p:sp>
+      <p:sp>
+        <p:nvSpPr>
+          <p:cNvPr id="5" name="مربع نص 4">
+            <a:extLst>
+              <a:ext uri="{FF2B5EF4-FFF2-40B4-BE49-F238E27FC236}">
+                <a16:creationId xmlns:a16="http://schemas.microsoft.com/office/drawing/2014/main" id="{842AF601-BC8D-4EED-9EEC-EE850A8D9160}"/>
+              </a:ext>
+            </a:extLst>
+          </p:cNvPr>
+          <p:cNvSpPr txBox="1"/>
+          <p:nvPr/>
+        </p:nvSpPr>
+        <p:spPr>
+          <a:xfrm>
+            <a:off x="-3462" y="1169262"/>
+            <a:ext cx="6099462" cy="461665"/>
+          </a:xfrm>
+          <a:prstGeom prst="rect">
+            <a:avLst/>
+          </a:prstGeom>
+          <a:noFill/>
+        </p:spPr>
+        <p:txBody>
+          <a:bodyPr wrap="square">
+            <a:spAutoFit/>
+          </a:bodyPr>
+          <a:lstStyle/>
+          <a:p>
+            <a:pPr algn="ctr"/>
+            <a:r>
+              <a:rPr lang="en-US" sz="2400" b="1" dirty="0">
+                <a:latin typeface="Times New Roman" panose="02020603050405020304" pitchFamily="18" charset="0"/>
+                <a:cs typeface="Times New Roman" panose="02020603050405020304" pitchFamily="18" charset="0"/>
+              </a:rPr>
+              <a:t>Html code</a:t>
+            </a:r>
+            <a:endParaRPr lang="en-US" b="1" dirty="0">
+              <a:latin typeface="Times New Roman" panose="02020603050405020304" pitchFamily="18" charset="0"/>
+              <a:cs typeface="Times New Roman" panose="02020603050405020304" pitchFamily="18" charset="0"/>
+            </a:endParaRPr>
+          </a:p>
+        </p:txBody>
+      </p:sp>
+      <p:pic>
+        <p:nvPicPr>
+          <p:cNvPr id="7" name="صورة 6">
+            <a:extLst>
+              <a:ext uri="{FF2B5EF4-FFF2-40B4-BE49-F238E27FC236}">
+                <a16:creationId xmlns:a16="http://schemas.microsoft.com/office/drawing/2014/main" id="{F1C7E18E-FEC7-4149-A5D0-BC4D9C89B66A}"/>
+              </a:ext>
+            </a:extLst>
+          </p:cNvPr>
+          <p:cNvPicPr>
+            <a:picLocks noChangeAspect="1"/>
+          </p:cNvPicPr>
+          <p:nvPr/>
+        </p:nvPicPr>
+        <p:blipFill>
+          <a:blip r:embed="rId3"/>
+          <a:stretch>
+            <a:fillRect/>
+          </a:stretch>
+        </p:blipFill>
+        <p:spPr>
+          <a:xfrm>
+            <a:off x="1241714" y="1630927"/>
+            <a:ext cx="3609109" cy="4823926"/>
+          </a:xfrm>
+          <a:prstGeom prst="rect">
+            <a:avLst/>
+          </a:prstGeom>
+        </p:spPr>
+      </p:pic>
+      <p:pic>
+        <p:nvPicPr>
+          <p:cNvPr id="8" name="صورة 7">
+            <a:extLst>
+              <a:ext uri="{FF2B5EF4-FFF2-40B4-BE49-F238E27FC236}">
+                <a16:creationId xmlns:a16="http://schemas.microsoft.com/office/drawing/2014/main" id="{BFA05AAA-119B-434A-AB24-A3A2B31206CE}"/>
+              </a:ext>
+            </a:extLst>
+          </p:cNvPr>
+          <p:cNvPicPr>
+            <a:picLocks noChangeAspect="1"/>
+          </p:cNvPicPr>
+          <p:nvPr/>
+        </p:nvPicPr>
+        <p:blipFill>
+          <a:blip r:embed="rId4"/>
+          <a:stretch>
+            <a:fillRect/>
+          </a:stretch>
+        </p:blipFill>
+        <p:spPr>
+          <a:xfrm>
+            <a:off x="6711661" y="2739601"/>
+            <a:ext cx="3609108" cy="2606578"/>
+          </a:xfrm>
+          <a:prstGeom prst="rect">
+            <a:avLst/>
+          </a:prstGeom>
+        </p:spPr>
+      </p:pic>
+    </p:spTree>
+    <p:extLst>
+      <p:ext uri="{BB962C8B-B14F-4D97-AF65-F5344CB8AC3E}">
+        <p14:creationId xmlns:p14="http://schemas.microsoft.com/office/powerpoint/2010/main" val="1257558819"/>
+      </p:ext>
+    </p:extLst>
+  </p:cSld>
+  <p:clrMapOvr>
+    <a:masterClrMapping/>
+  </p:clrMapOvr>
   <mc:AlternateContent xmlns:mc="http://schemas.openxmlformats.org/markup-compatibility/2006">
     <mc:Choice xmlns:p14="http://schemas.microsoft.com/office/powerpoint/2010/main" Requires="p14">
       <p:transition spd="slow" p14:dur="1300">
@@ -12667,13 +15458,460 @@
       </p:transition>
     </mc:Fallback>
   </mc:AlternateContent>
-  <p:timing>
-    <p:tnLst>
-      <p:par>
-        <p:cTn id="1" dur="indefinite" restart="never" nodeType="tmRoot"/>
-      </p:par>
-    </p:tnLst>
-  </p:timing>
+</p:sld>
+</file>
+
+<file path=ppt/slides/slide38.xml><?xml version="1.0" encoding="utf-8"?>
+<p:sld xmlns:a="http://schemas.openxmlformats.org/drawingml/2006/main" xmlns:r="http://schemas.openxmlformats.org/officeDocument/2006/relationships" xmlns:p="http://schemas.openxmlformats.org/presentationml/2006/main">
+  <p:cSld>
+    <p:spTree>
+      <p:nvGrpSpPr>
+        <p:cNvPr id="1" name=""/>
+        <p:cNvGrpSpPr/>
+        <p:nvPr/>
+      </p:nvGrpSpPr>
+      <p:grpSpPr>
+        <a:xfrm>
+          <a:off x="0" y="0"/>
+          <a:ext cx="0" cy="0"/>
+          <a:chOff x="0" y="0"/>
+          <a:chExt cx="0" cy="0"/>
+        </a:xfrm>
+      </p:grpSpPr>
+      <p:sp>
+        <p:nvSpPr>
+          <p:cNvPr id="6" name="عنوان 1">
+            <a:extLst>
+              <a:ext uri="{FF2B5EF4-FFF2-40B4-BE49-F238E27FC236}">
+                <a16:creationId xmlns:a16="http://schemas.microsoft.com/office/drawing/2014/main" id="{C45EC975-48AC-44AB-8E07-23FA12C6B678}"/>
+              </a:ext>
+            </a:extLst>
+          </p:cNvPr>
+          <p:cNvSpPr>
+            <a:spLocks noGrp="1"/>
+          </p:cNvSpPr>
+          <p:nvPr>
+            <p:ph type="title"/>
+          </p:nvPr>
+        </p:nvSpPr>
+        <p:spPr>
+          <a:xfrm>
+            <a:off x="838200" y="104248"/>
+            <a:ext cx="10515600" cy="1325563"/>
+          </a:xfrm>
+        </p:spPr>
+        <p:txBody>
+          <a:bodyPr>
+            <a:noAutofit/>
+          </a:bodyPr>
+          <a:lstStyle/>
+          <a:p>
+            <a:pPr algn="ctr"/>
+            <a:r>
+              <a:rPr lang="en-US" sz="4800" b="1" dirty="0">
+                <a:latin typeface="Times New Roman" panose="02020603050405020304" pitchFamily="18" charset="0"/>
+                <a:cs typeface="Times New Roman" panose="02020603050405020304" pitchFamily="18" charset="0"/>
+              </a:rPr>
+              <a:t>HTML  Table</a:t>
+            </a:r>
+          </a:p>
+        </p:txBody>
+      </p:sp>
+      <p:sp>
+        <p:nvSpPr>
+          <p:cNvPr id="4" name="مربع نص 3">
+            <a:extLst>
+              <a:ext uri="{FF2B5EF4-FFF2-40B4-BE49-F238E27FC236}">
+                <a16:creationId xmlns:a16="http://schemas.microsoft.com/office/drawing/2014/main" id="{0AB3765B-25D4-4268-9F12-80BEFF6E9ED7}"/>
+              </a:ext>
+            </a:extLst>
+          </p:cNvPr>
+          <p:cNvSpPr txBox="1"/>
+          <p:nvPr/>
+        </p:nvSpPr>
+        <p:spPr>
+          <a:xfrm>
+            <a:off x="5860473" y="1198978"/>
+            <a:ext cx="6099462" cy="461665"/>
+          </a:xfrm>
+          <a:prstGeom prst="rect">
+            <a:avLst/>
+          </a:prstGeom>
+          <a:noFill/>
+        </p:spPr>
+        <p:txBody>
+          <a:bodyPr wrap="square">
+            <a:spAutoFit/>
+          </a:bodyPr>
+          <a:lstStyle/>
+          <a:p>
+            <a:pPr algn="ctr"/>
+            <a:r>
+              <a:rPr lang="en-US" sz="2400" b="1" dirty="0">
+                <a:latin typeface="Times New Roman" panose="02020603050405020304" pitchFamily="18" charset="0"/>
+                <a:cs typeface="Times New Roman" panose="02020603050405020304" pitchFamily="18" charset="0"/>
+              </a:rPr>
+              <a:t>Output</a:t>
+            </a:r>
+            <a:endParaRPr lang="en-US" b="1" dirty="0">
+              <a:latin typeface="Times New Roman" panose="02020603050405020304" pitchFamily="18" charset="0"/>
+              <a:cs typeface="Times New Roman" panose="02020603050405020304" pitchFamily="18" charset="0"/>
+            </a:endParaRPr>
+          </a:p>
+        </p:txBody>
+      </p:sp>
+      <p:sp>
+        <p:nvSpPr>
+          <p:cNvPr id="5" name="مربع نص 4">
+            <a:extLst>
+              <a:ext uri="{FF2B5EF4-FFF2-40B4-BE49-F238E27FC236}">
+                <a16:creationId xmlns:a16="http://schemas.microsoft.com/office/drawing/2014/main" id="{842AF601-BC8D-4EED-9EEC-EE850A8D9160}"/>
+              </a:ext>
+            </a:extLst>
+          </p:cNvPr>
+          <p:cNvSpPr txBox="1"/>
+          <p:nvPr/>
+        </p:nvSpPr>
+        <p:spPr>
+          <a:xfrm>
+            <a:off x="-3462" y="1169262"/>
+            <a:ext cx="6099462" cy="461665"/>
+          </a:xfrm>
+          <a:prstGeom prst="rect">
+            <a:avLst/>
+          </a:prstGeom>
+          <a:noFill/>
+        </p:spPr>
+        <p:txBody>
+          <a:bodyPr wrap="square">
+            <a:spAutoFit/>
+          </a:bodyPr>
+          <a:lstStyle/>
+          <a:p>
+            <a:pPr algn="ctr"/>
+            <a:r>
+              <a:rPr lang="en-US" sz="2400" b="1" dirty="0">
+                <a:latin typeface="Times New Roman" panose="02020603050405020304" pitchFamily="18" charset="0"/>
+                <a:cs typeface="Times New Roman" panose="02020603050405020304" pitchFamily="18" charset="0"/>
+              </a:rPr>
+              <a:t>Html code</a:t>
+            </a:r>
+            <a:endParaRPr lang="en-US" b="1" dirty="0">
+              <a:latin typeface="Times New Roman" panose="02020603050405020304" pitchFamily="18" charset="0"/>
+              <a:cs typeface="Times New Roman" panose="02020603050405020304" pitchFamily="18" charset="0"/>
+            </a:endParaRPr>
+          </a:p>
+        </p:txBody>
+      </p:sp>
+      <p:pic>
+        <p:nvPicPr>
+          <p:cNvPr id="2" name="صورة 1">
+            <a:extLst>
+              <a:ext uri="{FF2B5EF4-FFF2-40B4-BE49-F238E27FC236}">
+                <a16:creationId xmlns:a16="http://schemas.microsoft.com/office/drawing/2014/main" id="{BD1B5D40-25D3-4C6F-ABC8-453772D17536}"/>
+              </a:ext>
+            </a:extLst>
+          </p:cNvPr>
+          <p:cNvPicPr>
+            <a:picLocks noChangeAspect="1"/>
+          </p:cNvPicPr>
+          <p:nvPr/>
+        </p:nvPicPr>
+        <p:blipFill>
+          <a:blip r:embed="rId3"/>
+          <a:stretch>
+            <a:fillRect/>
+          </a:stretch>
+        </p:blipFill>
+        <p:spPr>
+          <a:xfrm>
+            <a:off x="1233055" y="1660643"/>
+            <a:ext cx="4232564" cy="4978178"/>
+          </a:xfrm>
+          <a:prstGeom prst="rect">
+            <a:avLst/>
+          </a:prstGeom>
+        </p:spPr>
+      </p:pic>
+      <p:pic>
+        <p:nvPicPr>
+          <p:cNvPr id="3" name="صورة 2">
+            <a:extLst>
+              <a:ext uri="{FF2B5EF4-FFF2-40B4-BE49-F238E27FC236}">
+                <a16:creationId xmlns:a16="http://schemas.microsoft.com/office/drawing/2014/main" id="{BCF4BB68-CD06-4A67-BA9D-9B3249953F43}"/>
+              </a:ext>
+            </a:extLst>
+          </p:cNvPr>
+          <p:cNvPicPr>
+            <a:picLocks noChangeAspect="1"/>
+          </p:cNvPicPr>
+          <p:nvPr/>
+        </p:nvPicPr>
+        <p:blipFill>
+          <a:blip r:embed="rId4"/>
+          <a:stretch>
+            <a:fillRect/>
+          </a:stretch>
+        </p:blipFill>
+        <p:spPr>
+          <a:xfrm>
+            <a:off x="6726382" y="2192032"/>
+            <a:ext cx="4627417" cy="3796855"/>
+          </a:xfrm>
+          <a:prstGeom prst="rect">
+            <a:avLst/>
+          </a:prstGeom>
+        </p:spPr>
+      </p:pic>
+    </p:spTree>
+    <p:extLst>
+      <p:ext uri="{BB962C8B-B14F-4D97-AF65-F5344CB8AC3E}">
+        <p14:creationId xmlns:p14="http://schemas.microsoft.com/office/powerpoint/2010/main" val="2635667144"/>
+      </p:ext>
+    </p:extLst>
+  </p:cSld>
+  <p:clrMapOvr>
+    <a:masterClrMapping/>
+  </p:clrMapOvr>
+  <mc:AlternateContent xmlns:mc="http://schemas.openxmlformats.org/markup-compatibility/2006">
+    <mc:Choice xmlns:p14="http://schemas.microsoft.com/office/powerpoint/2010/main" Requires="p14">
+      <p:transition spd="slow" p14:dur="1300">
+        <p14:pan dir="u"/>
+      </p:transition>
+    </mc:Choice>
+    <mc:Fallback>
+      <p:transition spd="slow">
+        <p:fade/>
+      </p:transition>
+    </mc:Fallback>
+  </mc:AlternateContent>
+</p:sld>
+</file>
+
+<file path=ppt/slides/slide39.xml><?xml version="1.0" encoding="utf-8"?>
+<p:sld xmlns:a="http://schemas.openxmlformats.org/drawingml/2006/main" xmlns:r="http://schemas.openxmlformats.org/officeDocument/2006/relationships" xmlns:p="http://schemas.openxmlformats.org/presentationml/2006/main">
+  <p:cSld>
+    <p:spTree>
+      <p:nvGrpSpPr>
+        <p:cNvPr id="1" name=""/>
+        <p:cNvGrpSpPr/>
+        <p:nvPr/>
+      </p:nvGrpSpPr>
+      <p:grpSpPr>
+        <a:xfrm>
+          <a:off x="0" y="0"/>
+          <a:ext cx="0" cy="0"/>
+          <a:chOff x="0" y="0"/>
+          <a:chExt cx="0" cy="0"/>
+        </a:xfrm>
+      </p:grpSpPr>
+      <p:sp>
+        <p:nvSpPr>
+          <p:cNvPr id="6" name="عنوان 1">
+            <a:extLst>
+              <a:ext uri="{FF2B5EF4-FFF2-40B4-BE49-F238E27FC236}">
+                <a16:creationId xmlns:a16="http://schemas.microsoft.com/office/drawing/2014/main" id="{C45EC975-48AC-44AB-8E07-23FA12C6B678}"/>
+              </a:ext>
+            </a:extLst>
+          </p:cNvPr>
+          <p:cNvSpPr>
+            <a:spLocks noGrp="1"/>
+          </p:cNvSpPr>
+          <p:nvPr>
+            <p:ph type="title"/>
+          </p:nvPr>
+        </p:nvSpPr>
+        <p:spPr>
+          <a:xfrm>
+            <a:off x="838200" y="104248"/>
+            <a:ext cx="10515600" cy="1325563"/>
+          </a:xfrm>
+        </p:spPr>
+        <p:txBody>
+          <a:bodyPr>
+            <a:noAutofit/>
+          </a:bodyPr>
+          <a:lstStyle/>
+          <a:p>
+            <a:pPr algn="ctr"/>
+            <a:r>
+              <a:rPr lang="en-US" sz="4800" b="1" dirty="0">
+                <a:latin typeface="Times New Roman" panose="02020603050405020304" pitchFamily="18" charset="0"/>
+                <a:cs typeface="Times New Roman" panose="02020603050405020304" pitchFamily="18" charset="0"/>
+              </a:rPr>
+              <a:t>HTML  Table</a:t>
+            </a:r>
+          </a:p>
+        </p:txBody>
+      </p:sp>
+      <p:sp>
+        <p:nvSpPr>
+          <p:cNvPr id="4" name="مربع نص 3">
+            <a:extLst>
+              <a:ext uri="{FF2B5EF4-FFF2-40B4-BE49-F238E27FC236}">
+                <a16:creationId xmlns:a16="http://schemas.microsoft.com/office/drawing/2014/main" id="{0AB3765B-25D4-4268-9F12-80BEFF6E9ED7}"/>
+              </a:ext>
+            </a:extLst>
+          </p:cNvPr>
+          <p:cNvSpPr txBox="1"/>
+          <p:nvPr/>
+        </p:nvSpPr>
+        <p:spPr>
+          <a:xfrm>
+            <a:off x="5860473" y="1198978"/>
+            <a:ext cx="6099462" cy="461665"/>
+          </a:xfrm>
+          <a:prstGeom prst="rect">
+            <a:avLst/>
+          </a:prstGeom>
+          <a:noFill/>
+        </p:spPr>
+        <p:txBody>
+          <a:bodyPr wrap="square">
+            <a:spAutoFit/>
+          </a:bodyPr>
+          <a:lstStyle/>
+          <a:p>
+            <a:pPr algn="ctr"/>
+            <a:r>
+              <a:rPr lang="en-US" sz="2400" b="1" dirty="0">
+                <a:latin typeface="Times New Roman" panose="02020603050405020304" pitchFamily="18" charset="0"/>
+                <a:cs typeface="Times New Roman" panose="02020603050405020304" pitchFamily="18" charset="0"/>
+              </a:rPr>
+              <a:t>Output</a:t>
+            </a:r>
+            <a:endParaRPr lang="en-US" b="1" dirty="0">
+              <a:latin typeface="Times New Roman" panose="02020603050405020304" pitchFamily="18" charset="0"/>
+              <a:cs typeface="Times New Roman" panose="02020603050405020304" pitchFamily="18" charset="0"/>
+            </a:endParaRPr>
+          </a:p>
+        </p:txBody>
+      </p:sp>
+      <p:sp>
+        <p:nvSpPr>
+          <p:cNvPr id="5" name="مربع نص 4">
+            <a:extLst>
+              <a:ext uri="{FF2B5EF4-FFF2-40B4-BE49-F238E27FC236}">
+                <a16:creationId xmlns:a16="http://schemas.microsoft.com/office/drawing/2014/main" id="{842AF601-BC8D-4EED-9EEC-EE850A8D9160}"/>
+              </a:ext>
+            </a:extLst>
+          </p:cNvPr>
+          <p:cNvSpPr txBox="1"/>
+          <p:nvPr/>
+        </p:nvSpPr>
+        <p:spPr>
+          <a:xfrm>
+            <a:off x="-3462" y="1169262"/>
+            <a:ext cx="6099462" cy="461665"/>
+          </a:xfrm>
+          <a:prstGeom prst="rect">
+            <a:avLst/>
+          </a:prstGeom>
+          <a:noFill/>
+        </p:spPr>
+        <p:txBody>
+          <a:bodyPr wrap="square">
+            <a:spAutoFit/>
+          </a:bodyPr>
+          <a:lstStyle/>
+          <a:p>
+            <a:pPr algn="ctr"/>
+            <a:r>
+              <a:rPr lang="en-US" sz="2400" b="1" dirty="0">
+                <a:latin typeface="Times New Roman" panose="02020603050405020304" pitchFamily="18" charset="0"/>
+                <a:cs typeface="Times New Roman" panose="02020603050405020304" pitchFamily="18" charset="0"/>
+              </a:rPr>
+              <a:t>Html code</a:t>
+            </a:r>
+            <a:endParaRPr lang="en-US" b="1" dirty="0">
+              <a:latin typeface="Times New Roman" panose="02020603050405020304" pitchFamily="18" charset="0"/>
+              <a:cs typeface="Times New Roman" panose="02020603050405020304" pitchFamily="18" charset="0"/>
+            </a:endParaRPr>
+          </a:p>
+        </p:txBody>
+      </p:sp>
+      <p:pic>
+        <p:nvPicPr>
+          <p:cNvPr id="8" name="صورة 7">
+            <a:extLst>
+              <a:ext uri="{FF2B5EF4-FFF2-40B4-BE49-F238E27FC236}">
+                <a16:creationId xmlns:a16="http://schemas.microsoft.com/office/drawing/2014/main" id="{B27E420C-F0E2-419A-A248-84B8E2D3442C}"/>
+              </a:ext>
+            </a:extLst>
+          </p:cNvPr>
+          <p:cNvPicPr>
+            <a:picLocks noChangeAspect="1"/>
+          </p:cNvPicPr>
+          <p:nvPr/>
+        </p:nvPicPr>
+        <p:blipFill>
+          <a:blip r:embed="rId3"/>
+          <a:stretch>
+            <a:fillRect/>
+          </a:stretch>
+        </p:blipFill>
+        <p:spPr>
+          <a:xfrm>
+            <a:off x="232064" y="1630927"/>
+            <a:ext cx="5863935" cy="4917762"/>
+          </a:xfrm>
+          <a:prstGeom prst="rect">
+            <a:avLst/>
+          </a:prstGeom>
+        </p:spPr>
+      </p:pic>
+      <p:pic>
+        <p:nvPicPr>
+          <p:cNvPr id="9" name="صورة 8">
+            <a:extLst>
+              <a:ext uri="{FF2B5EF4-FFF2-40B4-BE49-F238E27FC236}">
+                <a16:creationId xmlns:a16="http://schemas.microsoft.com/office/drawing/2014/main" id="{08419883-D2E5-4B43-A4BA-D5A4444D7EF3}"/>
+              </a:ext>
+            </a:extLst>
+          </p:cNvPr>
+          <p:cNvPicPr>
+            <a:picLocks noChangeAspect="1"/>
+          </p:cNvPicPr>
+          <p:nvPr/>
+        </p:nvPicPr>
+        <p:blipFill>
+          <a:blip r:embed="rId4"/>
+          <a:stretch>
+            <a:fillRect/>
+          </a:stretch>
+        </p:blipFill>
+        <p:spPr>
+          <a:xfrm>
+            <a:off x="6210299" y="2755373"/>
+            <a:ext cx="5635335" cy="2232263"/>
+          </a:xfrm>
+          <a:prstGeom prst="rect">
+            <a:avLst/>
+          </a:prstGeom>
+        </p:spPr>
+      </p:pic>
+    </p:spTree>
+    <p:extLst>
+      <p:ext uri="{BB962C8B-B14F-4D97-AF65-F5344CB8AC3E}">
+        <p14:creationId xmlns:p14="http://schemas.microsoft.com/office/powerpoint/2010/main" val="1581709590"/>
+      </p:ext>
+    </p:extLst>
+  </p:cSld>
+  <p:clrMapOvr>
+    <a:masterClrMapping/>
+  </p:clrMapOvr>
+  <mc:AlternateContent xmlns:mc="http://schemas.openxmlformats.org/markup-compatibility/2006">
+    <mc:Choice xmlns:p14="http://schemas.microsoft.com/office/powerpoint/2010/main" Requires="p14">
+      <p:transition spd="slow" p14:dur="1300">
+        <p14:pan dir="u"/>
+      </p:transition>
+    </mc:Choice>
+    <mc:Fallback>
+      <p:transition spd="slow">
+        <p:fade/>
+      </p:transition>
+    </mc:Fallback>
+  </mc:AlternateContent>
 </p:sld>
 </file>
 
@@ -12800,6 +16038,233 @@
       </p:transition>
     </mc:Choice>
     <mc:Fallback xmlns="">
+      <p:transition spd="slow">
+        <p:fade/>
+      </p:transition>
+    </mc:Fallback>
+  </mc:AlternateContent>
+</p:sld>
+</file>
+
+<file path=ppt/slides/slide40.xml><?xml version="1.0" encoding="utf-8"?>
+<p:sld xmlns:a="http://schemas.openxmlformats.org/drawingml/2006/main" xmlns:r="http://schemas.openxmlformats.org/officeDocument/2006/relationships" xmlns:p="http://schemas.openxmlformats.org/presentationml/2006/main">
+  <p:cSld>
+    <p:spTree>
+      <p:nvGrpSpPr>
+        <p:cNvPr id="1" name=""/>
+        <p:cNvGrpSpPr/>
+        <p:nvPr/>
+      </p:nvGrpSpPr>
+      <p:grpSpPr>
+        <a:xfrm>
+          <a:off x="0" y="0"/>
+          <a:ext cx="0" cy="0"/>
+          <a:chOff x="0" y="0"/>
+          <a:chExt cx="0" cy="0"/>
+        </a:xfrm>
+      </p:grpSpPr>
+      <p:sp>
+        <p:nvSpPr>
+          <p:cNvPr id="6" name="عنوان 1">
+            <a:extLst>
+              <a:ext uri="{FF2B5EF4-FFF2-40B4-BE49-F238E27FC236}">
+                <a16:creationId xmlns:a16="http://schemas.microsoft.com/office/drawing/2014/main" id="{C45EC975-48AC-44AB-8E07-23FA12C6B678}"/>
+              </a:ext>
+            </a:extLst>
+          </p:cNvPr>
+          <p:cNvSpPr>
+            <a:spLocks noGrp="1"/>
+          </p:cNvSpPr>
+          <p:nvPr>
+            <p:ph type="title"/>
+          </p:nvPr>
+        </p:nvSpPr>
+        <p:spPr>
+          <a:xfrm>
+            <a:off x="838200" y="104248"/>
+            <a:ext cx="10515600" cy="1325563"/>
+          </a:xfrm>
+        </p:spPr>
+        <p:txBody>
+          <a:bodyPr>
+            <a:noAutofit/>
+          </a:bodyPr>
+          <a:lstStyle/>
+          <a:p>
+            <a:pPr algn="ctr"/>
+            <a:r>
+              <a:rPr lang="en-US" sz="4800" b="1" dirty="0">
+                <a:latin typeface="Times New Roman" panose="02020603050405020304" pitchFamily="18" charset="0"/>
+                <a:cs typeface="Times New Roman" panose="02020603050405020304" pitchFamily="18" charset="0"/>
+              </a:rPr>
+              <a:t>HTML  Table</a:t>
+            </a:r>
+          </a:p>
+        </p:txBody>
+      </p:sp>
+      <p:sp>
+        <p:nvSpPr>
+          <p:cNvPr id="4" name="مربع نص 3">
+            <a:extLst>
+              <a:ext uri="{FF2B5EF4-FFF2-40B4-BE49-F238E27FC236}">
+                <a16:creationId xmlns:a16="http://schemas.microsoft.com/office/drawing/2014/main" id="{0AB3765B-25D4-4268-9F12-80BEFF6E9ED7}"/>
+              </a:ext>
+            </a:extLst>
+          </p:cNvPr>
+          <p:cNvSpPr txBox="1"/>
+          <p:nvPr/>
+        </p:nvSpPr>
+        <p:spPr>
+          <a:xfrm>
+            <a:off x="5860473" y="1198978"/>
+            <a:ext cx="6099462" cy="461665"/>
+          </a:xfrm>
+          <a:prstGeom prst="rect">
+            <a:avLst/>
+          </a:prstGeom>
+          <a:noFill/>
+        </p:spPr>
+        <p:txBody>
+          <a:bodyPr wrap="square">
+            <a:spAutoFit/>
+          </a:bodyPr>
+          <a:lstStyle/>
+          <a:p>
+            <a:pPr algn="ctr"/>
+            <a:r>
+              <a:rPr lang="en-US" sz="2400" b="1" dirty="0">
+                <a:latin typeface="Times New Roman" panose="02020603050405020304" pitchFamily="18" charset="0"/>
+                <a:cs typeface="Times New Roman" panose="02020603050405020304" pitchFamily="18" charset="0"/>
+              </a:rPr>
+              <a:t>Output</a:t>
+            </a:r>
+            <a:endParaRPr lang="en-US" b="1" dirty="0">
+              <a:latin typeface="Times New Roman" panose="02020603050405020304" pitchFamily="18" charset="0"/>
+              <a:cs typeface="Times New Roman" panose="02020603050405020304" pitchFamily="18" charset="0"/>
+            </a:endParaRPr>
+          </a:p>
+        </p:txBody>
+      </p:sp>
+      <p:sp>
+        <p:nvSpPr>
+          <p:cNvPr id="5" name="مربع نص 4">
+            <a:extLst>
+              <a:ext uri="{FF2B5EF4-FFF2-40B4-BE49-F238E27FC236}">
+                <a16:creationId xmlns:a16="http://schemas.microsoft.com/office/drawing/2014/main" id="{842AF601-BC8D-4EED-9EEC-EE850A8D9160}"/>
+              </a:ext>
+            </a:extLst>
+          </p:cNvPr>
+          <p:cNvSpPr txBox="1"/>
+          <p:nvPr/>
+        </p:nvSpPr>
+        <p:spPr>
+          <a:xfrm>
+            <a:off x="-3462" y="1169262"/>
+            <a:ext cx="6099462" cy="461665"/>
+          </a:xfrm>
+          <a:prstGeom prst="rect">
+            <a:avLst/>
+          </a:prstGeom>
+          <a:noFill/>
+        </p:spPr>
+        <p:txBody>
+          <a:bodyPr wrap="square">
+            <a:spAutoFit/>
+          </a:bodyPr>
+          <a:lstStyle/>
+          <a:p>
+            <a:pPr algn="ctr"/>
+            <a:r>
+              <a:rPr lang="en-US" sz="2400" b="1" dirty="0">
+                <a:latin typeface="Times New Roman" panose="02020603050405020304" pitchFamily="18" charset="0"/>
+                <a:cs typeface="Times New Roman" panose="02020603050405020304" pitchFamily="18" charset="0"/>
+              </a:rPr>
+              <a:t>Html code</a:t>
+            </a:r>
+            <a:endParaRPr lang="en-US" b="1" dirty="0">
+              <a:latin typeface="Times New Roman" panose="02020603050405020304" pitchFamily="18" charset="0"/>
+              <a:cs typeface="Times New Roman" panose="02020603050405020304" pitchFamily="18" charset="0"/>
+            </a:endParaRPr>
+          </a:p>
+        </p:txBody>
+      </p:sp>
+      <p:pic>
+        <p:nvPicPr>
+          <p:cNvPr id="2" name="صورة 1">
+            <a:extLst>
+              <a:ext uri="{FF2B5EF4-FFF2-40B4-BE49-F238E27FC236}">
+                <a16:creationId xmlns:a16="http://schemas.microsoft.com/office/drawing/2014/main" id="{AE3B808E-DDE9-4817-A307-F84523F8FA47}"/>
+              </a:ext>
+            </a:extLst>
+          </p:cNvPr>
+          <p:cNvPicPr>
+            <a:picLocks noChangeAspect="1"/>
+          </p:cNvPicPr>
+          <p:nvPr/>
+        </p:nvPicPr>
+        <p:blipFill>
+          <a:blip r:embed="rId3"/>
+          <a:stretch>
+            <a:fillRect/>
+          </a:stretch>
+        </p:blipFill>
+        <p:spPr>
+          <a:xfrm>
+            <a:off x="207820" y="1660643"/>
+            <a:ext cx="5773882" cy="4934685"/>
+          </a:xfrm>
+          <a:prstGeom prst="rect">
+            <a:avLst/>
+          </a:prstGeom>
+        </p:spPr>
+      </p:pic>
+      <p:pic>
+        <p:nvPicPr>
+          <p:cNvPr id="3" name="صورة 2">
+            <a:extLst>
+              <a:ext uri="{FF2B5EF4-FFF2-40B4-BE49-F238E27FC236}">
+                <a16:creationId xmlns:a16="http://schemas.microsoft.com/office/drawing/2014/main" id="{FB4C8D93-E5D9-4B32-BD47-849A0B4D0C51}"/>
+              </a:ext>
+            </a:extLst>
+          </p:cNvPr>
+          <p:cNvPicPr>
+            <a:picLocks noChangeAspect="1"/>
+          </p:cNvPicPr>
+          <p:nvPr/>
+        </p:nvPicPr>
+        <p:blipFill>
+          <a:blip r:embed="rId4"/>
+          <a:stretch>
+            <a:fillRect/>
+          </a:stretch>
+        </p:blipFill>
+        <p:spPr>
+          <a:xfrm>
+            <a:off x="6120245" y="3080122"/>
+            <a:ext cx="5863935" cy="2095725"/>
+          </a:xfrm>
+          <a:prstGeom prst="rect">
+            <a:avLst/>
+          </a:prstGeom>
+        </p:spPr>
+      </p:pic>
+    </p:spTree>
+    <p:extLst>
+      <p:ext uri="{BB962C8B-B14F-4D97-AF65-F5344CB8AC3E}">
+        <p14:creationId xmlns:p14="http://schemas.microsoft.com/office/powerpoint/2010/main" val="4124442281"/>
+      </p:ext>
+    </p:extLst>
+  </p:cSld>
+  <p:clrMapOvr>
+    <a:masterClrMapping/>
+  </p:clrMapOvr>
+  <mc:AlternateContent xmlns:mc="http://schemas.openxmlformats.org/markup-compatibility/2006">
+    <mc:Choice xmlns:p14="http://schemas.microsoft.com/office/powerpoint/2010/main" Requires="p14">
+      <p:transition spd="slow" p14:dur="1300">
+        <p14:pan dir="u"/>
+      </p:transition>
+    </mc:Choice>
+    <mc:Fallback>
       <p:transition spd="slow">
         <p:fade/>
       </p:transition>

--- a/web.pptx
+++ b/web.pptx
@@ -5,7 +5,7 @@
     <p:sldMasterId id="2147483840" r:id="rId1"/>
   </p:sldMasterIdLst>
   <p:notesMasterIdLst>
-    <p:notesMasterId r:id="rId42"/>
+    <p:notesMasterId r:id="rId52"/>
   </p:notesMasterIdLst>
   <p:sldIdLst>
     <p:sldId id="256" r:id="rId2"/>
@@ -48,6 +48,16 @@
     <p:sldId id="293" r:id="rId39"/>
     <p:sldId id="294" r:id="rId40"/>
     <p:sldId id="295" r:id="rId41"/>
+    <p:sldId id="296" r:id="rId42"/>
+    <p:sldId id="297" r:id="rId43"/>
+    <p:sldId id="299" r:id="rId44"/>
+    <p:sldId id="298" r:id="rId45"/>
+    <p:sldId id="300" r:id="rId46"/>
+    <p:sldId id="304" r:id="rId47"/>
+    <p:sldId id="305" r:id="rId48"/>
+    <p:sldId id="301" r:id="rId49"/>
+    <p:sldId id="302" r:id="rId50"/>
+    <p:sldId id="303" r:id="rId51"/>
   </p:sldIdLst>
   <p:sldSz cx="12192000" cy="6858000"/>
   <p:notesSz cx="6858000" cy="9144000"/>
@@ -236,7 +246,7 @@
           <a:p>
             <a:fld id="{0A1A1DAE-EBF7-412C-A29B-AC6DBC49921F}" type="datetimeFigureOut">
               <a:rPr lang="ar-SY" smtClean="0"/>
-              <a:t>05/02/1442</a:t>
+              <a:t>06/02/1442</a:t>
             </a:fld>
             <a:endParaRPr lang="ar-SY"/>
           </a:p>
@@ -5278,6 +5288,1042 @@
 </p:notes>
 </file>
 
+<file path=ppt/notesSlides/notesSlide41.xml><?xml version="1.0" encoding="utf-8"?>
+<p:notes xmlns:a="http://schemas.openxmlformats.org/drawingml/2006/main" xmlns:r="http://schemas.openxmlformats.org/officeDocument/2006/relationships" xmlns:p="http://schemas.openxmlformats.org/presentationml/2006/main">
+  <p:cSld>
+    <p:spTree>
+      <p:nvGrpSpPr>
+        <p:cNvPr id="1" name=""/>
+        <p:cNvGrpSpPr/>
+        <p:nvPr/>
+      </p:nvGrpSpPr>
+      <p:grpSpPr>
+        <a:xfrm>
+          <a:off x="0" y="0"/>
+          <a:ext cx="0" cy="0"/>
+          <a:chOff x="0" y="0"/>
+          <a:chExt cx="0" cy="0"/>
+        </a:xfrm>
+      </p:grpSpPr>
+      <p:sp>
+        <p:nvSpPr>
+          <p:cNvPr id="2" name="عنصر نائب لصورة الشريحة 1"/>
+          <p:cNvSpPr>
+            <a:spLocks noGrp="1" noRot="1" noChangeAspect="1"/>
+          </p:cNvSpPr>
+          <p:nvPr>
+            <p:ph type="sldImg"/>
+          </p:nvPr>
+        </p:nvSpPr>
+        <p:spPr/>
+      </p:sp>
+      <p:sp>
+        <p:nvSpPr>
+          <p:cNvPr id="3" name="عنصر نائب للملاحظات 2"/>
+          <p:cNvSpPr>
+            <a:spLocks noGrp="1"/>
+          </p:cNvSpPr>
+          <p:nvPr>
+            <p:ph type="body" idx="1"/>
+          </p:nvPr>
+        </p:nvSpPr>
+        <p:spPr/>
+        <p:txBody>
+          <a:bodyPr/>
+          <a:lstStyle/>
+          <a:p>
+            <a:r>
+              <a:rPr lang="ar-SA" baseline="0" dirty="0"/>
+              <a:t>من أجل إرسال معلومات من قبل المستخدم للسيرفر .. لإجراء معالجات عليها </a:t>
+            </a:r>
+          </a:p>
+          <a:p>
+            <a:r>
+              <a:rPr lang="ar-SA" baseline="0" dirty="0"/>
+              <a:t>يكون الطلب </a:t>
+            </a:r>
+            <a:r>
+              <a:rPr lang="en-US" baseline="0" dirty="0"/>
+              <a:t>request </a:t>
+            </a:r>
+            <a:r>
+              <a:rPr lang="ar-SA" baseline="0" dirty="0"/>
+              <a:t> بنمط </a:t>
+            </a:r>
+            <a:r>
+              <a:rPr lang="en-US" baseline="0" dirty="0"/>
+              <a:t>http request </a:t>
+            </a:r>
+          </a:p>
+          <a:p>
+            <a:r>
+              <a:rPr lang="ar-SA" baseline="0" dirty="0"/>
+              <a:t>و هو الذي يتيح التواصل بين الزبون و المخدم</a:t>
+            </a:r>
+            <a:endParaRPr lang="en-US" baseline="0" dirty="0"/>
+          </a:p>
+          <a:p>
+            <a:r>
+              <a:rPr lang="en-US" baseline="0" dirty="0"/>
+              <a:t>http request </a:t>
+            </a:r>
+            <a:r>
+              <a:rPr lang="ar-SA" baseline="0" dirty="0"/>
+              <a:t> يمثل بروتوكول الطلب و الاستجابة بين الزبون و المخدم</a:t>
+            </a:r>
+          </a:p>
+        </p:txBody>
+      </p:sp>
+      <p:sp>
+        <p:nvSpPr>
+          <p:cNvPr id="4" name="عنصر نائب لرقم الشريحة 3"/>
+          <p:cNvSpPr>
+            <a:spLocks noGrp="1"/>
+          </p:cNvSpPr>
+          <p:nvPr>
+            <p:ph type="sldNum" sz="quarter" idx="5"/>
+          </p:nvPr>
+        </p:nvSpPr>
+        <p:spPr/>
+        <p:txBody>
+          <a:bodyPr/>
+          <a:lstStyle/>
+          <a:p>
+            <a:fld id="{CC320E0A-D0AF-4D7D-9A21-388A396A7CCB}" type="slidenum">
+              <a:rPr lang="ar-SY" smtClean="0"/>
+              <a:t>41</a:t>
+            </a:fld>
+            <a:endParaRPr lang="ar-SY"/>
+          </a:p>
+        </p:txBody>
+      </p:sp>
+    </p:spTree>
+    <p:extLst>
+      <p:ext uri="{BB962C8B-B14F-4D97-AF65-F5344CB8AC3E}">
+        <p14:creationId xmlns:p14="http://schemas.microsoft.com/office/powerpoint/2010/main" val="2190595567"/>
+      </p:ext>
+    </p:extLst>
+  </p:cSld>
+  <p:clrMapOvr>
+    <a:masterClrMapping/>
+  </p:clrMapOvr>
+</p:notes>
+</file>
+
+<file path=ppt/notesSlides/notesSlide42.xml><?xml version="1.0" encoding="utf-8"?>
+<p:notes xmlns:a="http://schemas.openxmlformats.org/drawingml/2006/main" xmlns:r="http://schemas.openxmlformats.org/officeDocument/2006/relationships" xmlns:p="http://schemas.openxmlformats.org/presentationml/2006/main">
+  <p:cSld>
+    <p:spTree>
+      <p:nvGrpSpPr>
+        <p:cNvPr id="1" name=""/>
+        <p:cNvGrpSpPr/>
+        <p:nvPr/>
+      </p:nvGrpSpPr>
+      <p:grpSpPr>
+        <a:xfrm>
+          <a:off x="0" y="0"/>
+          <a:ext cx="0" cy="0"/>
+          <a:chOff x="0" y="0"/>
+          <a:chExt cx="0" cy="0"/>
+        </a:xfrm>
+      </p:grpSpPr>
+      <p:sp>
+        <p:nvSpPr>
+          <p:cNvPr id="2" name="عنصر نائب لصورة الشريحة 1"/>
+          <p:cNvSpPr>
+            <a:spLocks noGrp="1" noRot="1" noChangeAspect="1"/>
+          </p:cNvSpPr>
+          <p:nvPr>
+            <p:ph type="sldImg"/>
+          </p:nvPr>
+        </p:nvSpPr>
+        <p:spPr/>
+      </p:sp>
+      <p:sp>
+        <p:nvSpPr>
+          <p:cNvPr id="3" name="عنصر نائب للملاحظات 2"/>
+          <p:cNvSpPr>
+            <a:spLocks noGrp="1"/>
+          </p:cNvSpPr>
+          <p:nvPr>
+            <p:ph type="body" idx="1"/>
+          </p:nvPr>
+        </p:nvSpPr>
+        <p:spPr/>
+        <p:txBody>
+          <a:bodyPr/>
+          <a:lstStyle/>
+          <a:p>
+            <a:r>
+              <a:rPr lang="ar-SA" baseline="0" dirty="0"/>
+              <a:t>من أجل إرسال معلومات من قبل المستخدم للسيرفر .. لإجراء معالجات عليها </a:t>
+            </a:r>
+            <a:endParaRPr lang="en-US" baseline="0" dirty="0"/>
+          </a:p>
+          <a:p>
+            <a:r>
+              <a:rPr lang="en-US" baseline="0" dirty="0"/>
+              <a:t>Action </a:t>
+            </a:r>
+            <a:r>
+              <a:rPr lang="ar-SA" baseline="0" dirty="0"/>
+              <a:t>: لتحديد وجهة المعالجة </a:t>
+            </a:r>
+          </a:p>
+          <a:p>
+            <a:r>
+              <a:rPr lang="en-US" baseline="0" dirty="0"/>
+              <a:t>Method</a:t>
+            </a:r>
+            <a:r>
+              <a:rPr lang="ar-SA" baseline="0" dirty="0"/>
+              <a:t>: لتحديد نمط ارسال المعلومات إلى السيرفر</a:t>
+            </a:r>
+            <a:endParaRPr lang="en-US" baseline="0" dirty="0"/>
+          </a:p>
+          <a:p>
+            <a:r>
+              <a:rPr lang="ar-SA" baseline="0" dirty="0"/>
+              <a:t>يوجد طريقتين أساسيتين للإرسال</a:t>
+            </a:r>
+            <a:r>
+              <a:rPr lang="en-US" baseline="0" dirty="0"/>
+              <a:t> </a:t>
+            </a:r>
+            <a:r>
+              <a:rPr lang="ar-SA" baseline="0" dirty="0"/>
+              <a:t>:</a:t>
+            </a:r>
+          </a:p>
+          <a:p>
+            <a:r>
+              <a:rPr lang="en-US" baseline="0" dirty="0"/>
+              <a:t>Post</a:t>
+            </a:r>
+          </a:p>
+          <a:p>
+            <a:r>
+              <a:rPr lang="en-US" baseline="0" dirty="0"/>
+              <a:t>Get</a:t>
+            </a:r>
+            <a:endParaRPr lang="ar-SA" baseline="0" dirty="0"/>
+          </a:p>
+        </p:txBody>
+      </p:sp>
+      <p:sp>
+        <p:nvSpPr>
+          <p:cNvPr id="4" name="عنصر نائب لرقم الشريحة 3"/>
+          <p:cNvSpPr>
+            <a:spLocks noGrp="1"/>
+          </p:cNvSpPr>
+          <p:nvPr>
+            <p:ph type="sldNum" sz="quarter" idx="5"/>
+          </p:nvPr>
+        </p:nvSpPr>
+        <p:spPr/>
+        <p:txBody>
+          <a:bodyPr/>
+          <a:lstStyle/>
+          <a:p>
+            <a:fld id="{CC320E0A-D0AF-4D7D-9A21-388A396A7CCB}" type="slidenum">
+              <a:rPr lang="ar-SY" smtClean="0"/>
+              <a:t>42</a:t>
+            </a:fld>
+            <a:endParaRPr lang="ar-SY"/>
+          </a:p>
+        </p:txBody>
+      </p:sp>
+    </p:spTree>
+    <p:extLst>
+      <p:ext uri="{BB962C8B-B14F-4D97-AF65-F5344CB8AC3E}">
+        <p14:creationId xmlns:p14="http://schemas.microsoft.com/office/powerpoint/2010/main" val="75834950"/>
+      </p:ext>
+    </p:extLst>
+  </p:cSld>
+  <p:clrMapOvr>
+    <a:masterClrMapping/>
+  </p:clrMapOvr>
+</p:notes>
+</file>
+
+<file path=ppt/notesSlides/notesSlide43.xml><?xml version="1.0" encoding="utf-8"?>
+<p:notes xmlns:a="http://schemas.openxmlformats.org/drawingml/2006/main" xmlns:r="http://schemas.openxmlformats.org/officeDocument/2006/relationships" xmlns:p="http://schemas.openxmlformats.org/presentationml/2006/main">
+  <p:cSld>
+    <p:spTree>
+      <p:nvGrpSpPr>
+        <p:cNvPr id="1" name=""/>
+        <p:cNvGrpSpPr/>
+        <p:nvPr/>
+      </p:nvGrpSpPr>
+      <p:grpSpPr>
+        <a:xfrm>
+          <a:off x="0" y="0"/>
+          <a:ext cx="0" cy="0"/>
+          <a:chOff x="0" y="0"/>
+          <a:chExt cx="0" cy="0"/>
+        </a:xfrm>
+      </p:grpSpPr>
+      <p:sp>
+        <p:nvSpPr>
+          <p:cNvPr id="2" name="عنصر نائب لصورة الشريحة 1"/>
+          <p:cNvSpPr>
+            <a:spLocks noGrp="1" noRot="1" noChangeAspect="1"/>
+          </p:cNvSpPr>
+          <p:nvPr>
+            <p:ph type="sldImg"/>
+          </p:nvPr>
+        </p:nvSpPr>
+        <p:spPr/>
+      </p:sp>
+      <p:sp>
+        <p:nvSpPr>
+          <p:cNvPr id="3" name="عنصر نائب للملاحظات 2"/>
+          <p:cNvSpPr>
+            <a:spLocks noGrp="1"/>
+          </p:cNvSpPr>
+          <p:nvPr>
+            <p:ph type="body" idx="1"/>
+          </p:nvPr>
+        </p:nvSpPr>
+        <p:spPr/>
+        <p:txBody>
+          <a:bodyPr/>
+          <a:lstStyle/>
+          <a:p>
+            <a:r>
+              <a:rPr lang="ar-SA" baseline="0" dirty="0"/>
+              <a:t>يتم ارسال المعلومات من خلال </a:t>
+            </a:r>
+            <a:r>
+              <a:rPr lang="en-US" baseline="0" dirty="0"/>
+              <a:t>URL </a:t>
+            </a:r>
+            <a:r>
+              <a:rPr lang="ar-SA" baseline="0" dirty="0"/>
+              <a:t>  بشكل أزواج </a:t>
+            </a:r>
+          </a:p>
+          <a:p>
+            <a:r>
+              <a:rPr lang="en-US" baseline="0" dirty="0"/>
+              <a:t>Name= value</a:t>
+            </a:r>
+            <a:endParaRPr lang="ar-SA" baseline="0" dirty="0"/>
+          </a:p>
+          <a:p>
+            <a:r>
+              <a:rPr lang="ar-SA" baseline="0" dirty="0"/>
+              <a:t>عادة لا يتم استخدام </a:t>
+            </a:r>
+            <a:r>
+              <a:rPr lang="en-US" baseline="0" dirty="0"/>
+              <a:t>get</a:t>
+            </a:r>
+            <a:r>
+              <a:rPr lang="ar-SA" baseline="0" dirty="0"/>
+              <a:t> مع البيانات الحساسة</a:t>
+            </a:r>
+          </a:p>
+          <a:p>
+            <a:r>
+              <a:rPr lang="ar-SA" baseline="0" dirty="0"/>
+              <a:t>و تستخدم عادة لطلب معلومات من المخدم .</a:t>
+            </a:r>
+            <a:endParaRPr lang="en-US" baseline="0" dirty="0"/>
+          </a:p>
+          <a:p>
+            <a:r>
+              <a:rPr lang="ar-SA" baseline="0" dirty="0"/>
+              <a:t>خصائص </a:t>
+            </a:r>
+            <a:r>
+              <a:rPr lang="en-US" baseline="0" dirty="0"/>
+              <a:t>get request </a:t>
+            </a:r>
+            <a:r>
+              <a:rPr lang="ar-SA" baseline="0" dirty="0"/>
+              <a:t>:</a:t>
+            </a:r>
+          </a:p>
+          <a:p>
+            <a:r>
+              <a:rPr lang="ar-SA" baseline="0" dirty="0"/>
+              <a:t>يمكن</a:t>
+            </a:r>
+            <a:r>
+              <a:rPr lang="en-US" baseline="0" dirty="0"/>
+              <a:t> </a:t>
+            </a:r>
+            <a:r>
+              <a:rPr lang="ar-SA" baseline="0" dirty="0"/>
+              <a:t> أن يخزن في الكاش</a:t>
+            </a:r>
+          </a:p>
+          <a:p>
+            <a:r>
+              <a:rPr lang="ar-SA" baseline="0" dirty="0"/>
+              <a:t>يخزن في تاريخ المتصفح </a:t>
+            </a:r>
+          </a:p>
+          <a:p>
+            <a:r>
+              <a:rPr lang="ar-SA" baseline="0" dirty="0"/>
+              <a:t>يوجد حد أعلى لحجم البيانات المرسلة </a:t>
+            </a:r>
+            <a:r>
+              <a:rPr lang="en-US" b="0" i="0" dirty="0">
+                <a:solidFill>
+                  <a:srgbClr val="000000"/>
+                </a:solidFill>
+                <a:effectLst/>
+                <a:latin typeface="Verdana" panose="020B0604030504040204" pitchFamily="34" charset="0"/>
+              </a:rPr>
+              <a:t>2048 characters</a:t>
+            </a:r>
+            <a:endParaRPr lang="en-US" baseline="0" dirty="0"/>
+          </a:p>
+          <a:p>
+            <a:endParaRPr lang="ar-SA" baseline="0" dirty="0"/>
+          </a:p>
+        </p:txBody>
+      </p:sp>
+      <p:sp>
+        <p:nvSpPr>
+          <p:cNvPr id="4" name="عنصر نائب لرقم الشريحة 3"/>
+          <p:cNvSpPr>
+            <a:spLocks noGrp="1"/>
+          </p:cNvSpPr>
+          <p:nvPr>
+            <p:ph type="sldNum" sz="quarter" idx="5"/>
+          </p:nvPr>
+        </p:nvSpPr>
+        <p:spPr/>
+        <p:txBody>
+          <a:bodyPr/>
+          <a:lstStyle/>
+          <a:p>
+            <a:fld id="{CC320E0A-D0AF-4D7D-9A21-388A396A7CCB}" type="slidenum">
+              <a:rPr lang="ar-SY" smtClean="0"/>
+              <a:t>43</a:t>
+            </a:fld>
+            <a:endParaRPr lang="ar-SY"/>
+          </a:p>
+        </p:txBody>
+      </p:sp>
+    </p:spTree>
+    <p:extLst>
+      <p:ext uri="{BB962C8B-B14F-4D97-AF65-F5344CB8AC3E}">
+        <p14:creationId xmlns:p14="http://schemas.microsoft.com/office/powerpoint/2010/main" val="4071096370"/>
+      </p:ext>
+    </p:extLst>
+  </p:cSld>
+  <p:clrMapOvr>
+    <a:masterClrMapping/>
+  </p:clrMapOvr>
+</p:notes>
+</file>
+
+<file path=ppt/notesSlides/notesSlide44.xml><?xml version="1.0" encoding="utf-8"?>
+<p:notes xmlns:a="http://schemas.openxmlformats.org/drawingml/2006/main" xmlns:r="http://schemas.openxmlformats.org/officeDocument/2006/relationships" xmlns:p="http://schemas.openxmlformats.org/presentationml/2006/main">
+  <p:cSld>
+    <p:spTree>
+      <p:nvGrpSpPr>
+        <p:cNvPr id="1" name=""/>
+        <p:cNvGrpSpPr/>
+        <p:nvPr/>
+      </p:nvGrpSpPr>
+      <p:grpSpPr>
+        <a:xfrm>
+          <a:off x="0" y="0"/>
+          <a:ext cx="0" cy="0"/>
+          <a:chOff x="0" y="0"/>
+          <a:chExt cx="0" cy="0"/>
+        </a:xfrm>
+      </p:grpSpPr>
+      <p:sp>
+        <p:nvSpPr>
+          <p:cNvPr id="2" name="عنصر نائب لصورة الشريحة 1"/>
+          <p:cNvSpPr>
+            <a:spLocks noGrp="1" noRot="1" noChangeAspect="1"/>
+          </p:cNvSpPr>
+          <p:nvPr>
+            <p:ph type="sldImg"/>
+          </p:nvPr>
+        </p:nvSpPr>
+        <p:spPr/>
+      </p:sp>
+      <p:sp>
+        <p:nvSpPr>
+          <p:cNvPr id="3" name="عنصر نائب للملاحظات 2"/>
+          <p:cNvSpPr>
+            <a:spLocks noGrp="1"/>
+          </p:cNvSpPr>
+          <p:nvPr>
+            <p:ph type="body" idx="1"/>
+          </p:nvPr>
+        </p:nvSpPr>
+        <p:spPr/>
+        <p:txBody>
+          <a:bodyPr/>
+          <a:lstStyle/>
+          <a:p>
+            <a:r>
+              <a:rPr lang="ar-SA" baseline="0" dirty="0"/>
+              <a:t>يتم ارسال </a:t>
+            </a:r>
+            <a:r>
+              <a:rPr lang="en-US" baseline="0" dirty="0"/>
+              <a:t>data </a:t>
+            </a:r>
+            <a:r>
+              <a:rPr lang="ar-SA" baseline="0" dirty="0"/>
+              <a:t> عبر </a:t>
+            </a:r>
+            <a:r>
+              <a:rPr lang="en-US" baseline="0" dirty="0"/>
+              <a:t> </a:t>
+            </a:r>
+            <a:r>
+              <a:rPr lang="ar-SA" baseline="0" dirty="0"/>
+              <a:t>“</a:t>
+            </a:r>
+            <a:r>
+              <a:rPr lang="en-US" baseline="0" dirty="0"/>
+              <a:t> </a:t>
+            </a:r>
+            <a:r>
+              <a:rPr lang="en-US" b="0" i="0" dirty="0">
+                <a:solidFill>
+                  <a:srgbClr val="000000"/>
+                </a:solidFill>
+                <a:effectLst/>
+                <a:latin typeface="Verdana" panose="020B0604030504040204" pitchFamily="34" charset="0"/>
+              </a:rPr>
+              <a:t>request body</a:t>
+            </a:r>
+            <a:r>
+              <a:rPr lang="ar-SA" baseline="0" dirty="0"/>
+              <a:t>“</a:t>
+            </a:r>
+            <a:endParaRPr lang="en-US" baseline="0" dirty="0"/>
+          </a:p>
+          <a:p>
+            <a:r>
+              <a:rPr lang="ar-SA" baseline="0" dirty="0"/>
+              <a:t>و لا تظهر في ال</a:t>
+            </a:r>
+            <a:r>
+              <a:rPr lang="en-US" baseline="0" dirty="0"/>
+              <a:t> </a:t>
+            </a:r>
+            <a:r>
+              <a:rPr lang="en-US" baseline="0" dirty="0" err="1"/>
+              <a:t>url</a:t>
+            </a:r>
+            <a:r>
+              <a:rPr lang="en-US" baseline="0" dirty="0"/>
+              <a:t> </a:t>
+            </a:r>
+            <a:endParaRPr lang="ar-SA" baseline="0" dirty="0"/>
+          </a:p>
+          <a:p>
+            <a:r>
+              <a:rPr lang="ar-SA" baseline="0" dirty="0"/>
+              <a:t>يستخدم للمعلومات الحساسة مثل "معلومات المستخدم"</a:t>
+            </a:r>
+            <a:endParaRPr lang="en-US" baseline="0" dirty="0"/>
+          </a:p>
+          <a:p>
+            <a:r>
+              <a:rPr lang="ar-SA" baseline="0" dirty="0"/>
+              <a:t>خصائص </a:t>
+            </a:r>
+            <a:r>
+              <a:rPr lang="en-US" baseline="0" dirty="0"/>
+              <a:t>post request</a:t>
+            </a:r>
+            <a:r>
+              <a:rPr lang="ar-SA" baseline="0" dirty="0"/>
+              <a:t> :</a:t>
+            </a:r>
+          </a:p>
+          <a:p>
+            <a:r>
+              <a:rPr lang="ar-SA" baseline="0" dirty="0"/>
+              <a:t>لا تخزن في الكاش </a:t>
+            </a:r>
+          </a:p>
+          <a:p>
+            <a:r>
+              <a:rPr lang="ar-SA" baseline="0" dirty="0"/>
+              <a:t>لا تخزن في تاريخ المتصفح </a:t>
+            </a:r>
+            <a:endParaRPr lang="en-US" baseline="0" dirty="0"/>
+          </a:p>
+          <a:p>
+            <a:r>
+              <a:rPr lang="ar-SA" baseline="0" dirty="0"/>
+              <a:t>لا يوجد حد أعلى لحجم البيانات المرسلة .</a:t>
+            </a:r>
+          </a:p>
+        </p:txBody>
+      </p:sp>
+      <p:sp>
+        <p:nvSpPr>
+          <p:cNvPr id="4" name="عنصر نائب لرقم الشريحة 3"/>
+          <p:cNvSpPr>
+            <a:spLocks noGrp="1"/>
+          </p:cNvSpPr>
+          <p:nvPr>
+            <p:ph type="sldNum" sz="quarter" idx="5"/>
+          </p:nvPr>
+        </p:nvSpPr>
+        <p:spPr/>
+        <p:txBody>
+          <a:bodyPr/>
+          <a:lstStyle/>
+          <a:p>
+            <a:fld id="{CC320E0A-D0AF-4D7D-9A21-388A396A7CCB}" type="slidenum">
+              <a:rPr lang="ar-SY" smtClean="0"/>
+              <a:t>44</a:t>
+            </a:fld>
+            <a:endParaRPr lang="ar-SY"/>
+          </a:p>
+        </p:txBody>
+      </p:sp>
+    </p:spTree>
+    <p:extLst>
+      <p:ext uri="{BB962C8B-B14F-4D97-AF65-F5344CB8AC3E}">
+        <p14:creationId xmlns:p14="http://schemas.microsoft.com/office/powerpoint/2010/main" val="3489641673"/>
+      </p:ext>
+    </p:extLst>
+  </p:cSld>
+  <p:clrMapOvr>
+    <a:masterClrMapping/>
+  </p:clrMapOvr>
+</p:notes>
+</file>
+
+<file path=ppt/notesSlides/notesSlide45.xml><?xml version="1.0" encoding="utf-8"?>
+<p:notes xmlns:a="http://schemas.openxmlformats.org/drawingml/2006/main" xmlns:r="http://schemas.openxmlformats.org/officeDocument/2006/relationships" xmlns:p="http://schemas.openxmlformats.org/presentationml/2006/main">
+  <p:cSld>
+    <p:spTree>
+      <p:nvGrpSpPr>
+        <p:cNvPr id="1" name=""/>
+        <p:cNvGrpSpPr/>
+        <p:nvPr/>
+      </p:nvGrpSpPr>
+      <p:grpSpPr>
+        <a:xfrm>
+          <a:off x="0" y="0"/>
+          <a:ext cx="0" cy="0"/>
+          <a:chOff x="0" y="0"/>
+          <a:chExt cx="0" cy="0"/>
+        </a:xfrm>
+      </p:grpSpPr>
+      <p:sp>
+        <p:nvSpPr>
+          <p:cNvPr id="2" name="عنصر نائب لصورة الشريحة 1"/>
+          <p:cNvSpPr>
+            <a:spLocks noGrp="1" noRot="1" noChangeAspect="1"/>
+          </p:cNvSpPr>
+          <p:nvPr>
+            <p:ph type="sldImg"/>
+          </p:nvPr>
+        </p:nvSpPr>
+        <p:spPr/>
+      </p:sp>
+      <p:sp>
+        <p:nvSpPr>
+          <p:cNvPr id="3" name="عنصر نائب للملاحظات 2"/>
+          <p:cNvSpPr>
+            <a:spLocks noGrp="1"/>
+          </p:cNvSpPr>
+          <p:nvPr>
+            <p:ph type="body" idx="1"/>
+          </p:nvPr>
+        </p:nvSpPr>
+        <p:spPr/>
+        <p:txBody>
+          <a:bodyPr/>
+          <a:lstStyle/>
+          <a:p>
+            <a:endParaRPr lang="ar-SA" baseline="0" dirty="0"/>
+          </a:p>
+        </p:txBody>
+      </p:sp>
+      <p:sp>
+        <p:nvSpPr>
+          <p:cNvPr id="4" name="عنصر نائب لرقم الشريحة 3"/>
+          <p:cNvSpPr>
+            <a:spLocks noGrp="1"/>
+          </p:cNvSpPr>
+          <p:nvPr>
+            <p:ph type="sldNum" sz="quarter" idx="5"/>
+          </p:nvPr>
+        </p:nvSpPr>
+        <p:spPr/>
+        <p:txBody>
+          <a:bodyPr/>
+          <a:lstStyle/>
+          <a:p>
+            <a:fld id="{CC320E0A-D0AF-4D7D-9A21-388A396A7CCB}" type="slidenum">
+              <a:rPr lang="ar-SY" smtClean="0"/>
+              <a:t>45</a:t>
+            </a:fld>
+            <a:endParaRPr lang="ar-SY"/>
+          </a:p>
+        </p:txBody>
+      </p:sp>
+    </p:spTree>
+    <p:extLst>
+      <p:ext uri="{BB962C8B-B14F-4D97-AF65-F5344CB8AC3E}">
+        <p14:creationId xmlns:p14="http://schemas.microsoft.com/office/powerpoint/2010/main" val="3428489845"/>
+      </p:ext>
+    </p:extLst>
+  </p:cSld>
+  <p:clrMapOvr>
+    <a:masterClrMapping/>
+  </p:clrMapOvr>
+</p:notes>
+</file>
+
+<file path=ppt/notesSlides/notesSlide46.xml><?xml version="1.0" encoding="utf-8"?>
+<p:notes xmlns:a="http://schemas.openxmlformats.org/drawingml/2006/main" xmlns:r="http://schemas.openxmlformats.org/officeDocument/2006/relationships" xmlns:p="http://schemas.openxmlformats.org/presentationml/2006/main">
+  <p:cSld>
+    <p:spTree>
+      <p:nvGrpSpPr>
+        <p:cNvPr id="1" name=""/>
+        <p:cNvGrpSpPr/>
+        <p:nvPr/>
+      </p:nvGrpSpPr>
+      <p:grpSpPr>
+        <a:xfrm>
+          <a:off x="0" y="0"/>
+          <a:ext cx="0" cy="0"/>
+          <a:chOff x="0" y="0"/>
+          <a:chExt cx="0" cy="0"/>
+        </a:xfrm>
+      </p:grpSpPr>
+      <p:sp>
+        <p:nvSpPr>
+          <p:cNvPr id="2" name="عنصر نائب لصورة الشريحة 1"/>
+          <p:cNvSpPr>
+            <a:spLocks noGrp="1" noRot="1" noChangeAspect="1"/>
+          </p:cNvSpPr>
+          <p:nvPr>
+            <p:ph type="sldImg"/>
+          </p:nvPr>
+        </p:nvSpPr>
+        <p:spPr/>
+      </p:sp>
+      <p:sp>
+        <p:nvSpPr>
+          <p:cNvPr id="3" name="عنصر نائب للملاحظات 2"/>
+          <p:cNvSpPr>
+            <a:spLocks noGrp="1"/>
+          </p:cNvSpPr>
+          <p:nvPr>
+            <p:ph type="body" idx="1"/>
+          </p:nvPr>
+        </p:nvSpPr>
+        <p:spPr/>
+        <p:txBody>
+          <a:bodyPr/>
+          <a:lstStyle/>
+          <a:p>
+            <a:endParaRPr lang="ar-SA" baseline="0" dirty="0"/>
+          </a:p>
+        </p:txBody>
+      </p:sp>
+      <p:sp>
+        <p:nvSpPr>
+          <p:cNvPr id="4" name="عنصر نائب لرقم الشريحة 3"/>
+          <p:cNvSpPr>
+            <a:spLocks noGrp="1"/>
+          </p:cNvSpPr>
+          <p:nvPr>
+            <p:ph type="sldNum" sz="quarter" idx="5"/>
+          </p:nvPr>
+        </p:nvSpPr>
+        <p:spPr/>
+        <p:txBody>
+          <a:bodyPr/>
+          <a:lstStyle/>
+          <a:p>
+            <a:fld id="{CC320E0A-D0AF-4D7D-9A21-388A396A7CCB}" type="slidenum">
+              <a:rPr lang="ar-SY" smtClean="0"/>
+              <a:t>46</a:t>
+            </a:fld>
+            <a:endParaRPr lang="ar-SY"/>
+          </a:p>
+        </p:txBody>
+      </p:sp>
+    </p:spTree>
+    <p:extLst>
+      <p:ext uri="{BB962C8B-B14F-4D97-AF65-F5344CB8AC3E}">
+        <p14:creationId xmlns:p14="http://schemas.microsoft.com/office/powerpoint/2010/main" val="217439323"/>
+      </p:ext>
+    </p:extLst>
+  </p:cSld>
+  <p:clrMapOvr>
+    <a:masterClrMapping/>
+  </p:clrMapOvr>
+</p:notes>
+</file>
+
+<file path=ppt/notesSlides/notesSlide47.xml><?xml version="1.0" encoding="utf-8"?>
+<p:notes xmlns:a="http://schemas.openxmlformats.org/drawingml/2006/main" xmlns:r="http://schemas.openxmlformats.org/officeDocument/2006/relationships" xmlns:p="http://schemas.openxmlformats.org/presentationml/2006/main">
+  <p:cSld>
+    <p:spTree>
+      <p:nvGrpSpPr>
+        <p:cNvPr id="1" name=""/>
+        <p:cNvGrpSpPr/>
+        <p:nvPr/>
+      </p:nvGrpSpPr>
+      <p:grpSpPr>
+        <a:xfrm>
+          <a:off x="0" y="0"/>
+          <a:ext cx="0" cy="0"/>
+          <a:chOff x="0" y="0"/>
+          <a:chExt cx="0" cy="0"/>
+        </a:xfrm>
+      </p:grpSpPr>
+      <p:sp>
+        <p:nvSpPr>
+          <p:cNvPr id="2" name="عنصر نائب لصورة الشريحة 1"/>
+          <p:cNvSpPr>
+            <a:spLocks noGrp="1" noRot="1" noChangeAspect="1"/>
+          </p:cNvSpPr>
+          <p:nvPr>
+            <p:ph type="sldImg"/>
+          </p:nvPr>
+        </p:nvSpPr>
+        <p:spPr/>
+      </p:sp>
+      <p:sp>
+        <p:nvSpPr>
+          <p:cNvPr id="3" name="عنصر نائب للملاحظات 2"/>
+          <p:cNvSpPr>
+            <a:spLocks noGrp="1"/>
+          </p:cNvSpPr>
+          <p:nvPr>
+            <p:ph type="body" idx="1"/>
+          </p:nvPr>
+        </p:nvSpPr>
+        <p:spPr/>
+        <p:txBody>
+          <a:bodyPr/>
+          <a:lstStyle/>
+          <a:p>
+            <a:endParaRPr lang="ar-SA" baseline="0" dirty="0"/>
+          </a:p>
+        </p:txBody>
+      </p:sp>
+      <p:sp>
+        <p:nvSpPr>
+          <p:cNvPr id="4" name="عنصر نائب لرقم الشريحة 3"/>
+          <p:cNvSpPr>
+            <a:spLocks noGrp="1"/>
+          </p:cNvSpPr>
+          <p:nvPr>
+            <p:ph type="sldNum" sz="quarter" idx="5"/>
+          </p:nvPr>
+        </p:nvSpPr>
+        <p:spPr/>
+        <p:txBody>
+          <a:bodyPr/>
+          <a:lstStyle/>
+          <a:p>
+            <a:fld id="{CC320E0A-D0AF-4D7D-9A21-388A396A7CCB}" type="slidenum">
+              <a:rPr lang="ar-SY" smtClean="0"/>
+              <a:t>47</a:t>
+            </a:fld>
+            <a:endParaRPr lang="ar-SY"/>
+          </a:p>
+        </p:txBody>
+      </p:sp>
+    </p:spTree>
+    <p:extLst>
+      <p:ext uri="{BB962C8B-B14F-4D97-AF65-F5344CB8AC3E}">
+        <p14:creationId xmlns:p14="http://schemas.microsoft.com/office/powerpoint/2010/main" val="3726396628"/>
+      </p:ext>
+    </p:extLst>
+  </p:cSld>
+  <p:clrMapOvr>
+    <a:masterClrMapping/>
+  </p:clrMapOvr>
+</p:notes>
+</file>
+
+<file path=ppt/notesSlides/notesSlide48.xml><?xml version="1.0" encoding="utf-8"?>
+<p:notes xmlns:a="http://schemas.openxmlformats.org/drawingml/2006/main" xmlns:r="http://schemas.openxmlformats.org/officeDocument/2006/relationships" xmlns:p="http://schemas.openxmlformats.org/presentationml/2006/main">
+  <p:cSld>
+    <p:spTree>
+      <p:nvGrpSpPr>
+        <p:cNvPr id="1" name=""/>
+        <p:cNvGrpSpPr/>
+        <p:nvPr/>
+      </p:nvGrpSpPr>
+      <p:grpSpPr>
+        <a:xfrm>
+          <a:off x="0" y="0"/>
+          <a:ext cx="0" cy="0"/>
+          <a:chOff x="0" y="0"/>
+          <a:chExt cx="0" cy="0"/>
+        </a:xfrm>
+      </p:grpSpPr>
+      <p:sp>
+        <p:nvSpPr>
+          <p:cNvPr id="2" name="عنصر نائب لصورة الشريحة 1"/>
+          <p:cNvSpPr>
+            <a:spLocks noGrp="1" noRot="1" noChangeAspect="1"/>
+          </p:cNvSpPr>
+          <p:nvPr>
+            <p:ph type="sldImg"/>
+          </p:nvPr>
+        </p:nvSpPr>
+        <p:spPr/>
+      </p:sp>
+      <p:sp>
+        <p:nvSpPr>
+          <p:cNvPr id="3" name="عنصر نائب للملاحظات 2"/>
+          <p:cNvSpPr>
+            <a:spLocks noGrp="1"/>
+          </p:cNvSpPr>
+          <p:nvPr>
+            <p:ph type="body" idx="1"/>
+          </p:nvPr>
+        </p:nvSpPr>
+        <p:spPr/>
+        <p:txBody>
+          <a:bodyPr/>
+          <a:lstStyle/>
+          <a:p>
+            <a:endParaRPr lang="ar-SA" baseline="0" dirty="0"/>
+          </a:p>
+        </p:txBody>
+      </p:sp>
+      <p:sp>
+        <p:nvSpPr>
+          <p:cNvPr id="4" name="عنصر نائب لرقم الشريحة 3"/>
+          <p:cNvSpPr>
+            <a:spLocks noGrp="1"/>
+          </p:cNvSpPr>
+          <p:nvPr>
+            <p:ph type="sldNum" sz="quarter" idx="5"/>
+          </p:nvPr>
+        </p:nvSpPr>
+        <p:spPr/>
+        <p:txBody>
+          <a:bodyPr/>
+          <a:lstStyle/>
+          <a:p>
+            <a:fld id="{CC320E0A-D0AF-4D7D-9A21-388A396A7CCB}" type="slidenum">
+              <a:rPr lang="ar-SY" smtClean="0"/>
+              <a:t>48</a:t>
+            </a:fld>
+            <a:endParaRPr lang="ar-SY"/>
+          </a:p>
+        </p:txBody>
+      </p:sp>
+    </p:spTree>
+    <p:extLst>
+      <p:ext uri="{BB962C8B-B14F-4D97-AF65-F5344CB8AC3E}">
+        <p14:creationId xmlns:p14="http://schemas.microsoft.com/office/powerpoint/2010/main" val="2745197936"/>
+      </p:ext>
+    </p:extLst>
+  </p:cSld>
+  <p:clrMapOvr>
+    <a:masterClrMapping/>
+  </p:clrMapOvr>
+</p:notes>
+</file>
+
+<file path=ppt/notesSlides/notesSlide49.xml><?xml version="1.0" encoding="utf-8"?>
+<p:notes xmlns:a="http://schemas.openxmlformats.org/drawingml/2006/main" xmlns:r="http://schemas.openxmlformats.org/officeDocument/2006/relationships" xmlns:p="http://schemas.openxmlformats.org/presentationml/2006/main">
+  <p:cSld>
+    <p:spTree>
+      <p:nvGrpSpPr>
+        <p:cNvPr id="1" name=""/>
+        <p:cNvGrpSpPr/>
+        <p:nvPr/>
+      </p:nvGrpSpPr>
+      <p:grpSpPr>
+        <a:xfrm>
+          <a:off x="0" y="0"/>
+          <a:ext cx="0" cy="0"/>
+          <a:chOff x="0" y="0"/>
+          <a:chExt cx="0" cy="0"/>
+        </a:xfrm>
+      </p:grpSpPr>
+      <p:sp>
+        <p:nvSpPr>
+          <p:cNvPr id="2" name="عنصر نائب لصورة الشريحة 1"/>
+          <p:cNvSpPr>
+            <a:spLocks noGrp="1" noRot="1" noChangeAspect="1"/>
+          </p:cNvSpPr>
+          <p:nvPr>
+            <p:ph type="sldImg"/>
+          </p:nvPr>
+        </p:nvSpPr>
+        <p:spPr/>
+      </p:sp>
+      <p:sp>
+        <p:nvSpPr>
+          <p:cNvPr id="3" name="عنصر نائب للملاحظات 2"/>
+          <p:cNvSpPr>
+            <a:spLocks noGrp="1"/>
+          </p:cNvSpPr>
+          <p:nvPr>
+            <p:ph type="body" idx="1"/>
+          </p:nvPr>
+        </p:nvSpPr>
+        <p:spPr/>
+        <p:txBody>
+          <a:bodyPr/>
+          <a:lstStyle/>
+          <a:p>
+            <a:endParaRPr lang="ar-SA" baseline="0" dirty="0"/>
+          </a:p>
+        </p:txBody>
+      </p:sp>
+      <p:sp>
+        <p:nvSpPr>
+          <p:cNvPr id="4" name="عنصر نائب لرقم الشريحة 3"/>
+          <p:cNvSpPr>
+            <a:spLocks noGrp="1"/>
+          </p:cNvSpPr>
+          <p:nvPr>
+            <p:ph type="sldNum" sz="quarter" idx="5"/>
+          </p:nvPr>
+        </p:nvSpPr>
+        <p:spPr/>
+        <p:txBody>
+          <a:bodyPr/>
+          <a:lstStyle/>
+          <a:p>
+            <a:fld id="{CC320E0A-D0AF-4D7D-9A21-388A396A7CCB}" type="slidenum">
+              <a:rPr lang="ar-SY" smtClean="0"/>
+              <a:t>49</a:t>
+            </a:fld>
+            <a:endParaRPr lang="ar-SY"/>
+          </a:p>
+        </p:txBody>
+      </p:sp>
+    </p:spTree>
+    <p:extLst>
+      <p:ext uri="{BB962C8B-B14F-4D97-AF65-F5344CB8AC3E}">
+        <p14:creationId xmlns:p14="http://schemas.microsoft.com/office/powerpoint/2010/main" val="1347351346"/>
+      </p:ext>
+    </p:extLst>
+  </p:cSld>
+  <p:clrMapOvr>
+    <a:masterClrMapping/>
+  </p:clrMapOvr>
+</p:notes>
+</file>
+
 <file path=ppt/notesSlides/notesSlide5.xml><?xml version="1.0" encoding="utf-8"?>
 <p:notes xmlns:a="http://schemas.openxmlformats.org/drawingml/2006/main" xmlns:r="http://schemas.openxmlformats.org/officeDocument/2006/relationships" xmlns:p="http://schemas.openxmlformats.org/presentationml/2006/main">
   <p:cSld>
@@ -5578,6 +6624,90 @@
     <p:extLst>
       <p:ext uri="{BB962C8B-B14F-4D97-AF65-F5344CB8AC3E}">
         <p14:creationId xmlns:p14="http://schemas.microsoft.com/office/powerpoint/2010/main" val="3838695081"/>
+      </p:ext>
+    </p:extLst>
+  </p:cSld>
+  <p:clrMapOvr>
+    <a:masterClrMapping/>
+  </p:clrMapOvr>
+</p:notes>
+</file>
+
+<file path=ppt/notesSlides/notesSlide50.xml><?xml version="1.0" encoding="utf-8"?>
+<p:notes xmlns:a="http://schemas.openxmlformats.org/drawingml/2006/main" xmlns:r="http://schemas.openxmlformats.org/officeDocument/2006/relationships" xmlns:p="http://schemas.openxmlformats.org/presentationml/2006/main">
+  <p:cSld>
+    <p:spTree>
+      <p:nvGrpSpPr>
+        <p:cNvPr id="1" name=""/>
+        <p:cNvGrpSpPr/>
+        <p:nvPr/>
+      </p:nvGrpSpPr>
+      <p:grpSpPr>
+        <a:xfrm>
+          <a:off x="0" y="0"/>
+          <a:ext cx="0" cy="0"/>
+          <a:chOff x="0" y="0"/>
+          <a:chExt cx="0" cy="0"/>
+        </a:xfrm>
+      </p:grpSpPr>
+      <p:sp>
+        <p:nvSpPr>
+          <p:cNvPr id="2" name="عنصر نائب لصورة الشريحة 1"/>
+          <p:cNvSpPr>
+            <a:spLocks noGrp="1" noRot="1" noChangeAspect="1"/>
+          </p:cNvSpPr>
+          <p:nvPr>
+            <p:ph type="sldImg"/>
+          </p:nvPr>
+        </p:nvSpPr>
+        <p:spPr/>
+      </p:sp>
+      <p:sp>
+        <p:nvSpPr>
+          <p:cNvPr id="3" name="عنصر نائب للملاحظات 2"/>
+          <p:cNvSpPr>
+            <a:spLocks noGrp="1"/>
+          </p:cNvSpPr>
+          <p:nvPr>
+            <p:ph type="body" idx="1"/>
+          </p:nvPr>
+        </p:nvSpPr>
+        <p:spPr/>
+        <p:txBody>
+          <a:bodyPr/>
+          <a:lstStyle/>
+          <a:p>
+            <a:endParaRPr lang="ar-SA" baseline="0" dirty="0"/>
+          </a:p>
+        </p:txBody>
+      </p:sp>
+      <p:sp>
+        <p:nvSpPr>
+          <p:cNvPr id="4" name="عنصر نائب لرقم الشريحة 3"/>
+          <p:cNvSpPr>
+            <a:spLocks noGrp="1"/>
+          </p:cNvSpPr>
+          <p:nvPr>
+            <p:ph type="sldNum" sz="quarter" idx="5"/>
+          </p:nvPr>
+        </p:nvSpPr>
+        <p:spPr/>
+        <p:txBody>
+          <a:bodyPr/>
+          <a:lstStyle/>
+          <a:p>
+            <a:fld id="{CC320E0A-D0AF-4D7D-9A21-388A396A7CCB}" type="slidenum">
+              <a:rPr lang="ar-SY" smtClean="0"/>
+              <a:t>50</a:t>
+            </a:fld>
+            <a:endParaRPr lang="ar-SY"/>
+          </a:p>
+        </p:txBody>
+      </p:sp>
+    </p:spTree>
+    <p:extLst>
+      <p:ext uri="{BB962C8B-B14F-4D97-AF65-F5344CB8AC3E}">
+        <p14:creationId xmlns:p14="http://schemas.microsoft.com/office/powerpoint/2010/main" val="2906159746"/>
       </p:ext>
     </p:extLst>
   </p:cSld>
@@ -6378,7 +7508,7 @@
           <a:p>
             <a:fld id="{3B88ACB1-6B07-4748-A2AF-A58E584E06E3}" type="datetimeFigureOut">
               <a:rPr lang="ar-SY" smtClean="0"/>
-              <a:t>05/02/1442</a:t>
+              <a:t>06/02/1442</a:t>
             </a:fld>
             <a:endParaRPr lang="ar-SY"/>
           </a:p>
@@ -6560,7 +7690,7 @@
           <a:p>
             <a:fld id="{3B88ACB1-6B07-4748-A2AF-A58E584E06E3}" type="datetimeFigureOut">
               <a:rPr lang="ar-SY" smtClean="0"/>
-              <a:t>05/02/1442</a:t>
+              <a:t>06/02/1442</a:t>
             </a:fld>
             <a:endParaRPr lang="ar-SY"/>
           </a:p>
@@ -6752,7 +7882,7 @@
           <a:p>
             <a:fld id="{3B88ACB1-6B07-4748-A2AF-A58E584E06E3}" type="datetimeFigureOut">
               <a:rPr lang="ar-SY" smtClean="0"/>
-              <a:t>05/02/1442</a:t>
+              <a:t>06/02/1442</a:t>
             </a:fld>
             <a:endParaRPr lang="ar-SY"/>
           </a:p>
@@ -6934,7 +8064,7 @@
           <a:p>
             <a:fld id="{3B88ACB1-6B07-4748-A2AF-A58E584E06E3}" type="datetimeFigureOut">
               <a:rPr lang="ar-SY" smtClean="0"/>
-              <a:t>05/02/1442</a:t>
+              <a:t>06/02/1442</a:t>
             </a:fld>
             <a:endParaRPr lang="ar-SY"/>
           </a:p>
@@ -7192,7 +8322,7 @@
           <a:p>
             <a:fld id="{3B88ACB1-6B07-4748-A2AF-A58E584E06E3}" type="datetimeFigureOut">
               <a:rPr lang="ar-SY" smtClean="0"/>
-              <a:t>05/02/1442</a:t>
+              <a:t>06/02/1442</a:t>
             </a:fld>
             <a:endParaRPr lang="ar-SY"/>
           </a:p>
@@ -7436,7 +8566,7 @@
           <a:p>
             <a:fld id="{3B88ACB1-6B07-4748-A2AF-A58E584E06E3}" type="datetimeFigureOut">
               <a:rPr lang="ar-SY" smtClean="0"/>
-              <a:t>05/02/1442</a:t>
+              <a:t>06/02/1442</a:t>
             </a:fld>
             <a:endParaRPr lang="ar-SY"/>
           </a:p>
@@ -7803,7 +8933,7 @@
           <a:p>
             <a:fld id="{3B88ACB1-6B07-4748-A2AF-A58E584E06E3}" type="datetimeFigureOut">
               <a:rPr lang="ar-SY" smtClean="0"/>
-              <a:t>05/02/1442</a:t>
+              <a:t>06/02/1442</a:t>
             </a:fld>
             <a:endParaRPr lang="ar-SY"/>
           </a:p>
@@ -7933,7 +9063,7 @@
           <a:p>
             <a:fld id="{3B88ACB1-6B07-4748-A2AF-A58E584E06E3}" type="datetimeFigureOut">
               <a:rPr lang="ar-SY" smtClean="0"/>
-              <a:t>05/02/1442</a:t>
+              <a:t>06/02/1442</a:t>
             </a:fld>
             <a:endParaRPr lang="ar-SY"/>
           </a:p>
@@ -8040,7 +9170,7 @@
           <a:p>
             <a:fld id="{3B88ACB1-6B07-4748-A2AF-A58E584E06E3}" type="datetimeFigureOut">
               <a:rPr lang="ar-SY" smtClean="0"/>
-              <a:t>05/02/1442</a:t>
+              <a:t>06/02/1442</a:t>
             </a:fld>
             <a:endParaRPr lang="ar-SY"/>
           </a:p>
@@ -8329,7 +9459,7 @@
           <a:p>
             <a:fld id="{3B88ACB1-6B07-4748-A2AF-A58E584E06E3}" type="datetimeFigureOut">
               <a:rPr lang="ar-SY" smtClean="0"/>
-              <a:t>05/02/1442</a:t>
+              <a:t>06/02/1442</a:t>
             </a:fld>
             <a:endParaRPr lang="ar-SY"/>
           </a:p>
@@ -8586,7 +9716,7 @@
           <a:p>
             <a:fld id="{3B88ACB1-6B07-4748-A2AF-A58E584E06E3}" type="datetimeFigureOut">
               <a:rPr lang="ar-SY" smtClean="0"/>
-              <a:t>05/02/1442</a:t>
+              <a:t>06/02/1442</a:t>
             </a:fld>
             <a:endParaRPr lang="ar-SY"/>
           </a:p>
@@ -8811,7 +9941,7 @@
           <a:p>
             <a:fld id="{3B88ACB1-6B07-4748-A2AF-A58E584E06E3}" type="datetimeFigureOut">
               <a:rPr lang="ar-SY" smtClean="0"/>
-              <a:t>05/02/1442</a:t>
+              <a:t>06/02/1442</a:t>
             </a:fld>
             <a:endParaRPr lang="ar-SY"/>
           </a:p>
@@ -11738,13 +12868,13 @@
   <p:clrMapOvr>
     <a:masterClrMapping/>
   </p:clrMapOvr>
-  <mc:AlternateContent xmlns:mc="http://schemas.openxmlformats.org/markup-compatibility/2006">
-    <mc:Choice xmlns:p14="http://schemas.microsoft.com/office/powerpoint/2010/main" Requires="p14">
+  <mc:AlternateContent xmlns:mc="http://schemas.openxmlformats.org/markup-compatibility/2006" xmlns:p14="http://schemas.microsoft.com/office/powerpoint/2010/main">
+    <mc:Choice Requires="p14">
       <p:transition spd="slow" p14:dur="1300">
         <p14:pan dir="u"/>
       </p:transition>
     </mc:Choice>
-    <mc:Fallback>
+    <mc:Fallback xmlns="">
       <p:transition spd="slow">
         <p:fade/>
       </p:transition>
@@ -15446,13 +16576,13 @@
   <p:clrMapOvr>
     <a:masterClrMapping/>
   </p:clrMapOvr>
-  <mc:AlternateContent xmlns:mc="http://schemas.openxmlformats.org/markup-compatibility/2006">
-    <mc:Choice xmlns:p14="http://schemas.microsoft.com/office/powerpoint/2010/main" Requires="p14">
+  <mc:AlternateContent xmlns:mc="http://schemas.openxmlformats.org/markup-compatibility/2006" xmlns:p14="http://schemas.microsoft.com/office/powerpoint/2010/main">
+    <mc:Choice Requires="p14">
       <p:transition spd="slow" p14:dur="1300">
         <p14:pan dir="u"/>
       </p:transition>
     </mc:Choice>
-    <mc:Fallback>
+    <mc:Fallback xmlns="">
       <p:transition spd="slow">
         <p:fade/>
       </p:transition>
@@ -15673,13 +16803,13 @@
   <p:clrMapOvr>
     <a:masterClrMapping/>
   </p:clrMapOvr>
-  <mc:AlternateContent xmlns:mc="http://schemas.openxmlformats.org/markup-compatibility/2006">
-    <mc:Choice xmlns:p14="http://schemas.microsoft.com/office/powerpoint/2010/main" Requires="p14">
+  <mc:AlternateContent xmlns:mc="http://schemas.openxmlformats.org/markup-compatibility/2006" xmlns:p14="http://schemas.microsoft.com/office/powerpoint/2010/main">
+    <mc:Choice Requires="p14">
       <p:transition spd="slow" p14:dur="1300">
         <p14:pan dir="u"/>
       </p:transition>
     </mc:Choice>
-    <mc:Fallback>
+    <mc:Fallback xmlns="">
       <p:transition spd="slow">
         <p:fade/>
       </p:transition>
@@ -15900,13 +17030,13 @@
   <p:clrMapOvr>
     <a:masterClrMapping/>
   </p:clrMapOvr>
-  <mc:AlternateContent xmlns:mc="http://schemas.openxmlformats.org/markup-compatibility/2006">
-    <mc:Choice xmlns:p14="http://schemas.microsoft.com/office/powerpoint/2010/main" Requires="p14">
+  <mc:AlternateContent xmlns:mc="http://schemas.openxmlformats.org/markup-compatibility/2006" xmlns:p14="http://schemas.microsoft.com/office/powerpoint/2010/main">
+    <mc:Choice Requires="p14">
       <p:transition spd="slow" p14:dur="1300">
         <p14:pan dir="u"/>
       </p:transition>
     </mc:Choice>
-    <mc:Fallback>
+    <mc:Fallback xmlns="">
       <p:transition spd="slow">
         <p:fade/>
       </p:transition>
@@ -16258,6 +17388,1355 @@
   <p:clrMapOvr>
     <a:masterClrMapping/>
   </p:clrMapOvr>
+  <mc:AlternateContent xmlns:mc="http://schemas.openxmlformats.org/markup-compatibility/2006" xmlns:p14="http://schemas.microsoft.com/office/powerpoint/2010/main">
+    <mc:Choice Requires="p14">
+      <p:transition spd="slow" p14:dur="1300">
+        <p14:pan dir="u"/>
+      </p:transition>
+    </mc:Choice>
+    <mc:Fallback xmlns="">
+      <p:transition spd="slow">
+        <p:fade/>
+      </p:transition>
+    </mc:Fallback>
+  </mc:AlternateContent>
+</p:sld>
+</file>
+
+<file path=ppt/slides/slide41.xml><?xml version="1.0" encoding="utf-8"?>
+<p:sld xmlns:a="http://schemas.openxmlformats.org/drawingml/2006/main" xmlns:r="http://schemas.openxmlformats.org/officeDocument/2006/relationships" xmlns:p="http://schemas.openxmlformats.org/presentationml/2006/main">
+  <p:cSld>
+    <p:spTree>
+      <p:nvGrpSpPr>
+        <p:cNvPr id="1" name=""/>
+        <p:cNvGrpSpPr/>
+        <p:nvPr/>
+      </p:nvGrpSpPr>
+      <p:grpSpPr>
+        <a:xfrm>
+          <a:off x="0" y="0"/>
+          <a:ext cx="0" cy="0"/>
+          <a:chOff x="0" y="0"/>
+          <a:chExt cx="0" cy="0"/>
+        </a:xfrm>
+      </p:grpSpPr>
+      <p:sp>
+        <p:nvSpPr>
+          <p:cNvPr id="6" name="عنوان 1">
+            <a:extLst>
+              <a:ext uri="{FF2B5EF4-FFF2-40B4-BE49-F238E27FC236}">
+                <a16:creationId xmlns:a16="http://schemas.microsoft.com/office/drawing/2014/main" id="{C45EC975-48AC-44AB-8E07-23FA12C6B678}"/>
+              </a:ext>
+            </a:extLst>
+          </p:cNvPr>
+          <p:cNvSpPr>
+            <a:spLocks noGrp="1"/>
+          </p:cNvSpPr>
+          <p:nvPr>
+            <p:ph type="title"/>
+          </p:nvPr>
+        </p:nvSpPr>
+        <p:spPr>
+          <a:xfrm>
+            <a:off x="838200" y="104248"/>
+            <a:ext cx="10515600" cy="1325563"/>
+          </a:xfrm>
+        </p:spPr>
+        <p:txBody>
+          <a:bodyPr>
+            <a:noAutofit/>
+          </a:bodyPr>
+          <a:lstStyle/>
+          <a:p>
+            <a:pPr algn="ctr"/>
+            <a:r>
+              <a:rPr lang="en-US" sz="4800" b="1" dirty="0">
+                <a:latin typeface="Times New Roman" panose="02020603050405020304" pitchFamily="18" charset="0"/>
+                <a:cs typeface="Times New Roman" panose="02020603050405020304" pitchFamily="18" charset="0"/>
+              </a:rPr>
+              <a:t>HTML  Form</a:t>
+            </a:r>
+          </a:p>
+        </p:txBody>
+      </p:sp>
+      <p:pic>
+        <p:nvPicPr>
+          <p:cNvPr id="8" name="صورة 7">
+            <a:extLst>
+              <a:ext uri="{FF2B5EF4-FFF2-40B4-BE49-F238E27FC236}">
+                <a16:creationId xmlns:a16="http://schemas.microsoft.com/office/drawing/2014/main" id="{EF5D4DDE-E161-44EB-80DE-6C6327928805}"/>
+              </a:ext>
+            </a:extLst>
+          </p:cNvPr>
+          <p:cNvPicPr>
+            <a:picLocks noChangeAspect="1"/>
+          </p:cNvPicPr>
+          <p:nvPr/>
+        </p:nvPicPr>
+        <p:blipFill>
+          <a:blip r:embed="rId3">
+            <a:extLst>
+              <a:ext uri="{28A0092B-C50C-407E-A947-70E740481C1C}">
+                <a14:useLocalDpi xmlns:a14="http://schemas.microsoft.com/office/drawing/2010/main" val="0"/>
+              </a:ext>
+            </a:extLst>
+          </a:blip>
+          <a:stretch>
+            <a:fillRect/>
+          </a:stretch>
+        </p:blipFill>
+        <p:spPr>
+          <a:xfrm>
+            <a:off x="2043545" y="1429811"/>
+            <a:ext cx="8388928" cy="5018656"/>
+          </a:xfrm>
+          <a:prstGeom prst="rect">
+            <a:avLst/>
+          </a:prstGeom>
+        </p:spPr>
+      </p:pic>
+    </p:spTree>
+    <p:extLst>
+      <p:ext uri="{BB962C8B-B14F-4D97-AF65-F5344CB8AC3E}">
+        <p14:creationId xmlns:p14="http://schemas.microsoft.com/office/powerpoint/2010/main" val="22051598"/>
+      </p:ext>
+    </p:extLst>
+  </p:cSld>
+  <p:clrMapOvr>
+    <a:masterClrMapping/>
+  </p:clrMapOvr>
+  <mc:AlternateContent xmlns:mc="http://schemas.openxmlformats.org/markup-compatibility/2006">
+    <mc:Choice xmlns:p14="http://schemas.microsoft.com/office/powerpoint/2010/main" Requires="p14">
+      <p:transition spd="slow" p14:dur="1300">
+        <p14:pan dir="u"/>
+      </p:transition>
+    </mc:Choice>
+    <mc:Fallback>
+      <p:transition spd="slow">
+        <p:fade/>
+      </p:transition>
+    </mc:Fallback>
+  </mc:AlternateContent>
+</p:sld>
+</file>
+
+<file path=ppt/slides/slide42.xml><?xml version="1.0" encoding="utf-8"?>
+<p:sld xmlns:a="http://schemas.openxmlformats.org/drawingml/2006/main" xmlns:r="http://schemas.openxmlformats.org/officeDocument/2006/relationships" xmlns:p="http://schemas.openxmlformats.org/presentationml/2006/main">
+  <p:cSld>
+    <p:spTree>
+      <p:nvGrpSpPr>
+        <p:cNvPr id="1" name=""/>
+        <p:cNvGrpSpPr/>
+        <p:nvPr/>
+      </p:nvGrpSpPr>
+      <p:grpSpPr>
+        <a:xfrm>
+          <a:off x="0" y="0"/>
+          <a:ext cx="0" cy="0"/>
+          <a:chOff x="0" y="0"/>
+          <a:chExt cx="0" cy="0"/>
+        </a:xfrm>
+      </p:grpSpPr>
+      <p:sp>
+        <p:nvSpPr>
+          <p:cNvPr id="6" name="عنوان 1">
+            <a:extLst>
+              <a:ext uri="{FF2B5EF4-FFF2-40B4-BE49-F238E27FC236}">
+                <a16:creationId xmlns:a16="http://schemas.microsoft.com/office/drawing/2014/main" id="{C45EC975-48AC-44AB-8E07-23FA12C6B678}"/>
+              </a:ext>
+            </a:extLst>
+          </p:cNvPr>
+          <p:cNvSpPr>
+            <a:spLocks noGrp="1"/>
+          </p:cNvSpPr>
+          <p:nvPr>
+            <p:ph type="title"/>
+          </p:nvPr>
+        </p:nvSpPr>
+        <p:spPr>
+          <a:xfrm>
+            <a:off x="838200" y="104248"/>
+            <a:ext cx="10515600" cy="1325563"/>
+          </a:xfrm>
+        </p:spPr>
+        <p:txBody>
+          <a:bodyPr>
+            <a:noAutofit/>
+          </a:bodyPr>
+          <a:lstStyle/>
+          <a:p>
+            <a:pPr algn="ctr"/>
+            <a:r>
+              <a:rPr lang="en-US" sz="4800" b="1" dirty="0">
+                <a:latin typeface="Times New Roman" panose="02020603050405020304" pitchFamily="18" charset="0"/>
+                <a:cs typeface="Times New Roman" panose="02020603050405020304" pitchFamily="18" charset="0"/>
+              </a:rPr>
+              <a:t>HTML  Form</a:t>
+            </a:r>
+          </a:p>
+        </p:txBody>
+      </p:sp>
+      <p:pic>
+        <p:nvPicPr>
+          <p:cNvPr id="3" name="صورة 2">
+            <a:extLst>
+              <a:ext uri="{FF2B5EF4-FFF2-40B4-BE49-F238E27FC236}">
+                <a16:creationId xmlns:a16="http://schemas.microsoft.com/office/drawing/2014/main" id="{89719E32-4A2B-4CE9-A785-EE37F5E05A34}"/>
+              </a:ext>
+            </a:extLst>
+          </p:cNvPr>
+          <p:cNvPicPr>
+            <a:picLocks noChangeAspect="1"/>
+          </p:cNvPicPr>
+          <p:nvPr/>
+        </p:nvPicPr>
+        <p:blipFill>
+          <a:blip r:embed="rId3"/>
+          <a:stretch>
+            <a:fillRect/>
+          </a:stretch>
+        </p:blipFill>
+        <p:spPr>
+          <a:xfrm>
+            <a:off x="6096000" y="2261082"/>
+            <a:ext cx="5733311" cy="2664207"/>
+          </a:xfrm>
+          <a:prstGeom prst="rect">
+            <a:avLst/>
+          </a:prstGeom>
+        </p:spPr>
+      </p:pic>
+      <p:pic>
+        <p:nvPicPr>
+          <p:cNvPr id="4" name="صورة 3">
+            <a:extLst>
+              <a:ext uri="{FF2B5EF4-FFF2-40B4-BE49-F238E27FC236}">
+                <a16:creationId xmlns:a16="http://schemas.microsoft.com/office/drawing/2014/main" id="{34D3BA68-5E8C-4FB6-B5B5-E511EA5DB27D}"/>
+              </a:ext>
+            </a:extLst>
+          </p:cNvPr>
+          <p:cNvPicPr>
+            <a:picLocks noChangeAspect="1"/>
+          </p:cNvPicPr>
+          <p:nvPr/>
+        </p:nvPicPr>
+        <p:blipFill>
+          <a:blip r:embed="rId4"/>
+          <a:stretch>
+            <a:fillRect/>
+          </a:stretch>
+        </p:blipFill>
+        <p:spPr>
+          <a:xfrm>
+            <a:off x="207818" y="2261082"/>
+            <a:ext cx="5733311" cy="2664207"/>
+          </a:xfrm>
+          <a:prstGeom prst="rect">
+            <a:avLst/>
+          </a:prstGeom>
+        </p:spPr>
+      </p:pic>
+    </p:spTree>
+    <p:extLst>
+      <p:ext uri="{BB962C8B-B14F-4D97-AF65-F5344CB8AC3E}">
+        <p14:creationId xmlns:p14="http://schemas.microsoft.com/office/powerpoint/2010/main" val="1272945902"/>
+      </p:ext>
+    </p:extLst>
+  </p:cSld>
+  <p:clrMapOvr>
+    <a:masterClrMapping/>
+  </p:clrMapOvr>
+  <mc:AlternateContent xmlns:mc="http://schemas.openxmlformats.org/markup-compatibility/2006">
+    <mc:Choice xmlns:p14="http://schemas.microsoft.com/office/powerpoint/2010/main" Requires="p14">
+      <p:transition spd="slow" p14:dur="1300">
+        <p14:pan dir="u"/>
+      </p:transition>
+    </mc:Choice>
+    <mc:Fallback>
+      <p:transition spd="slow">
+        <p:fade/>
+      </p:transition>
+    </mc:Fallback>
+  </mc:AlternateContent>
+</p:sld>
+</file>
+
+<file path=ppt/slides/slide43.xml><?xml version="1.0" encoding="utf-8"?>
+<p:sld xmlns:a="http://schemas.openxmlformats.org/drawingml/2006/main" xmlns:r="http://schemas.openxmlformats.org/officeDocument/2006/relationships" xmlns:p="http://schemas.openxmlformats.org/presentationml/2006/main">
+  <p:cSld>
+    <p:spTree>
+      <p:nvGrpSpPr>
+        <p:cNvPr id="1" name=""/>
+        <p:cNvGrpSpPr/>
+        <p:nvPr/>
+      </p:nvGrpSpPr>
+      <p:grpSpPr>
+        <a:xfrm>
+          <a:off x="0" y="0"/>
+          <a:ext cx="0" cy="0"/>
+          <a:chOff x="0" y="0"/>
+          <a:chExt cx="0" cy="0"/>
+        </a:xfrm>
+      </p:grpSpPr>
+      <p:sp>
+        <p:nvSpPr>
+          <p:cNvPr id="6" name="عنوان 1">
+            <a:extLst>
+              <a:ext uri="{FF2B5EF4-FFF2-40B4-BE49-F238E27FC236}">
+                <a16:creationId xmlns:a16="http://schemas.microsoft.com/office/drawing/2014/main" id="{C45EC975-48AC-44AB-8E07-23FA12C6B678}"/>
+              </a:ext>
+            </a:extLst>
+          </p:cNvPr>
+          <p:cNvSpPr>
+            <a:spLocks noGrp="1"/>
+          </p:cNvSpPr>
+          <p:nvPr>
+            <p:ph type="title"/>
+          </p:nvPr>
+        </p:nvSpPr>
+        <p:spPr>
+          <a:xfrm>
+            <a:off x="838200" y="104248"/>
+            <a:ext cx="10515600" cy="1325563"/>
+          </a:xfrm>
+        </p:spPr>
+        <p:txBody>
+          <a:bodyPr>
+            <a:noAutofit/>
+          </a:bodyPr>
+          <a:lstStyle/>
+          <a:p>
+            <a:pPr algn="ctr"/>
+            <a:r>
+              <a:rPr lang="en-US" sz="4800" b="1" dirty="0">
+                <a:latin typeface="Times New Roman" panose="02020603050405020304" pitchFamily="18" charset="0"/>
+                <a:cs typeface="Times New Roman" panose="02020603050405020304" pitchFamily="18" charset="0"/>
+              </a:rPr>
+              <a:t>HTML  Form</a:t>
+            </a:r>
+          </a:p>
+        </p:txBody>
+      </p:sp>
+      <p:pic>
+        <p:nvPicPr>
+          <p:cNvPr id="5" name="صورة 4">
+            <a:extLst>
+              <a:ext uri="{FF2B5EF4-FFF2-40B4-BE49-F238E27FC236}">
+                <a16:creationId xmlns:a16="http://schemas.microsoft.com/office/drawing/2014/main" id="{F9B58E79-1702-49A3-9253-C8F8E611A86F}"/>
+              </a:ext>
+            </a:extLst>
+          </p:cNvPr>
+          <p:cNvPicPr>
+            <a:picLocks noChangeAspect="1"/>
+          </p:cNvPicPr>
+          <p:nvPr/>
+        </p:nvPicPr>
+        <p:blipFill rotWithShape="1">
+          <a:blip r:embed="rId3">
+            <a:extLst>
+              <a:ext uri="{28A0092B-C50C-407E-A947-70E740481C1C}">
+                <a14:useLocalDpi xmlns:a14="http://schemas.microsoft.com/office/drawing/2010/main" val="0"/>
+              </a:ext>
+            </a:extLst>
+          </a:blip>
+          <a:srcRect b="60175"/>
+          <a:stretch/>
+        </p:blipFill>
+        <p:spPr>
+          <a:xfrm>
+            <a:off x="694099" y="2237485"/>
+            <a:ext cx="10803802" cy="2724486"/>
+          </a:xfrm>
+          <a:prstGeom prst="rect">
+            <a:avLst/>
+          </a:prstGeom>
+        </p:spPr>
+      </p:pic>
+    </p:spTree>
+    <p:extLst>
+      <p:ext uri="{BB962C8B-B14F-4D97-AF65-F5344CB8AC3E}">
+        <p14:creationId xmlns:p14="http://schemas.microsoft.com/office/powerpoint/2010/main" val="1181448533"/>
+      </p:ext>
+    </p:extLst>
+  </p:cSld>
+  <p:clrMapOvr>
+    <a:masterClrMapping/>
+  </p:clrMapOvr>
+  <mc:AlternateContent xmlns:mc="http://schemas.openxmlformats.org/markup-compatibility/2006">
+    <mc:Choice xmlns:p14="http://schemas.microsoft.com/office/powerpoint/2010/main" Requires="p14">
+      <p:transition spd="slow" p14:dur="1300">
+        <p14:pan dir="u"/>
+      </p:transition>
+    </mc:Choice>
+    <mc:Fallback>
+      <p:transition spd="slow">
+        <p:fade/>
+      </p:transition>
+    </mc:Fallback>
+  </mc:AlternateContent>
+</p:sld>
+</file>
+
+<file path=ppt/slides/slide44.xml><?xml version="1.0" encoding="utf-8"?>
+<p:sld xmlns:a="http://schemas.openxmlformats.org/drawingml/2006/main" xmlns:r="http://schemas.openxmlformats.org/officeDocument/2006/relationships" xmlns:p="http://schemas.openxmlformats.org/presentationml/2006/main">
+  <p:cSld>
+    <p:spTree>
+      <p:nvGrpSpPr>
+        <p:cNvPr id="1" name=""/>
+        <p:cNvGrpSpPr/>
+        <p:nvPr/>
+      </p:nvGrpSpPr>
+      <p:grpSpPr>
+        <a:xfrm>
+          <a:off x="0" y="0"/>
+          <a:ext cx="0" cy="0"/>
+          <a:chOff x="0" y="0"/>
+          <a:chExt cx="0" cy="0"/>
+        </a:xfrm>
+      </p:grpSpPr>
+      <p:sp>
+        <p:nvSpPr>
+          <p:cNvPr id="6" name="عنوان 1">
+            <a:extLst>
+              <a:ext uri="{FF2B5EF4-FFF2-40B4-BE49-F238E27FC236}">
+                <a16:creationId xmlns:a16="http://schemas.microsoft.com/office/drawing/2014/main" id="{C45EC975-48AC-44AB-8E07-23FA12C6B678}"/>
+              </a:ext>
+            </a:extLst>
+          </p:cNvPr>
+          <p:cNvSpPr>
+            <a:spLocks noGrp="1"/>
+          </p:cNvSpPr>
+          <p:nvPr>
+            <p:ph type="title"/>
+          </p:nvPr>
+        </p:nvSpPr>
+        <p:spPr>
+          <a:xfrm>
+            <a:off x="838200" y="104248"/>
+            <a:ext cx="10515600" cy="1325563"/>
+          </a:xfrm>
+        </p:spPr>
+        <p:txBody>
+          <a:bodyPr>
+            <a:noAutofit/>
+          </a:bodyPr>
+          <a:lstStyle/>
+          <a:p>
+            <a:pPr algn="ctr"/>
+            <a:r>
+              <a:rPr lang="en-US" sz="4800" b="1" dirty="0">
+                <a:latin typeface="Times New Roman" panose="02020603050405020304" pitchFamily="18" charset="0"/>
+                <a:cs typeface="Times New Roman" panose="02020603050405020304" pitchFamily="18" charset="0"/>
+              </a:rPr>
+              <a:t>HTML  Form</a:t>
+            </a:r>
+          </a:p>
+        </p:txBody>
+      </p:sp>
+      <p:pic>
+        <p:nvPicPr>
+          <p:cNvPr id="5" name="صورة 4">
+            <a:extLst>
+              <a:ext uri="{FF2B5EF4-FFF2-40B4-BE49-F238E27FC236}">
+                <a16:creationId xmlns:a16="http://schemas.microsoft.com/office/drawing/2014/main" id="{F9B58E79-1702-49A3-9253-C8F8E611A86F}"/>
+              </a:ext>
+            </a:extLst>
+          </p:cNvPr>
+          <p:cNvPicPr>
+            <a:picLocks noChangeAspect="1"/>
+          </p:cNvPicPr>
+          <p:nvPr/>
+        </p:nvPicPr>
+        <p:blipFill rotWithShape="1">
+          <a:blip r:embed="rId3">
+            <a:extLst>
+              <a:ext uri="{28A0092B-C50C-407E-A947-70E740481C1C}">
+                <a14:useLocalDpi xmlns:a14="http://schemas.microsoft.com/office/drawing/2010/main" val="0"/>
+              </a:ext>
+            </a:extLst>
+          </a:blip>
+          <a:srcRect t="39826" b="24459"/>
+          <a:stretch/>
+        </p:blipFill>
+        <p:spPr>
+          <a:xfrm>
+            <a:off x="582407" y="1210921"/>
+            <a:ext cx="11027185" cy="1802443"/>
+          </a:xfrm>
+          <a:prstGeom prst="rect">
+            <a:avLst/>
+          </a:prstGeom>
+        </p:spPr>
+      </p:pic>
+      <p:pic>
+        <p:nvPicPr>
+          <p:cNvPr id="10" name="صورة 9">
+            <a:extLst>
+              <a:ext uri="{FF2B5EF4-FFF2-40B4-BE49-F238E27FC236}">
+                <a16:creationId xmlns:a16="http://schemas.microsoft.com/office/drawing/2014/main" id="{1BA9C5A5-5471-4559-A93F-D2C8D380FEFA}"/>
+              </a:ext>
+            </a:extLst>
+          </p:cNvPr>
+          <p:cNvPicPr>
+            <a:picLocks noChangeAspect="1"/>
+          </p:cNvPicPr>
+          <p:nvPr/>
+        </p:nvPicPr>
+        <p:blipFill>
+          <a:blip r:embed="rId4"/>
+          <a:stretch>
+            <a:fillRect/>
+          </a:stretch>
+        </p:blipFill>
+        <p:spPr>
+          <a:xfrm>
+            <a:off x="838200" y="3112622"/>
+            <a:ext cx="10804297" cy="3641130"/>
+          </a:xfrm>
+          <a:prstGeom prst="rect">
+            <a:avLst/>
+          </a:prstGeom>
+        </p:spPr>
+      </p:pic>
+    </p:spTree>
+    <p:extLst>
+      <p:ext uri="{BB962C8B-B14F-4D97-AF65-F5344CB8AC3E}">
+        <p14:creationId xmlns:p14="http://schemas.microsoft.com/office/powerpoint/2010/main" val="2328189091"/>
+      </p:ext>
+    </p:extLst>
+  </p:cSld>
+  <p:clrMapOvr>
+    <a:masterClrMapping/>
+  </p:clrMapOvr>
+  <mc:AlternateContent xmlns:mc="http://schemas.openxmlformats.org/markup-compatibility/2006">
+    <mc:Choice xmlns:p14="http://schemas.microsoft.com/office/powerpoint/2010/main" Requires="p14">
+      <p:transition spd="slow" p14:dur="1300">
+        <p14:pan dir="u"/>
+      </p:transition>
+    </mc:Choice>
+    <mc:Fallback>
+      <p:transition spd="slow">
+        <p:fade/>
+      </p:transition>
+    </mc:Fallback>
+  </mc:AlternateContent>
+</p:sld>
+</file>
+
+<file path=ppt/slides/slide45.xml><?xml version="1.0" encoding="utf-8"?>
+<p:sld xmlns:a="http://schemas.openxmlformats.org/drawingml/2006/main" xmlns:r="http://schemas.openxmlformats.org/officeDocument/2006/relationships" xmlns:p="http://schemas.openxmlformats.org/presentationml/2006/main">
+  <p:cSld>
+    <p:spTree>
+      <p:nvGrpSpPr>
+        <p:cNvPr id="1" name=""/>
+        <p:cNvGrpSpPr/>
+        <p:nvPr/>
+      </p:nvGrpSpPr>
+      <p:grpSpPr>
+        <a:xfrm>
+          <a:off x="0" y="0"/>
+          <a:ext cx="0" cy="0"/>
+          <a:chOff x="0" y="0"/>
+          <a:chExt cx="0" cy="0"/>
+        </a:xfrm>
+      </p:grpSpPr>
+      <p:sp>
+        <p:nvSpPr>
+          <p:cNvPr id="6" name="عنوان 1">
+            <a:extLst>
+              <a:ext uri="{FF2B5EF4-FFF2-40B4-BE49-F238E27FC236}">
+                <a16:creationId xmlns:a16="http://schemas.microsoft.com/office/drawing/2014/main" id="{C45EC975-48AC-44AB-8E07-23FA12C6B678}"/>
+              </a:ext>
+            </a:extLst>
+          </p:cNvPr>
+          <p:cNvSpPr>
+            <a:spLocks noGrp="1"/>
+          </p:cNvSpPr>
+          <p:nvPr>
+            <p:ph type="title"/>
+          </p:nvPr>
+        </p:nvSpPr>
+        <p:spPr>
+          <a:xfrm>
+            <a:off x="838200" y="104248"/>
+            <a:ext cx="10515600" cy="1325563"/>
+          </a:xfrm>
+        </p:spPr>
+        <p:txBody>
+          <a:bodyPr>
+            <a:noAutofit/>
+          </a:bodyPr>
+          <a:lstStyle/>
+          <a:p>
+            <a:pPr algn="ctr"/>
+            <a:r>
+              <a:rPr lang="en-US" sz="4800" b="1" dirty="0">
+                <a:latin typeface="Times New Roman" panose="02020603050405020304" pitchFamily="18" charset="0"/>
+                <a:cs typeface="Times New Roman" panose="02020603050405020304" pitchFamily="18" charset="0"/>
+              </a:rPr>
+              <a:t>HTML  Form</a:t>
+            </a:r>
+            <a:br>
+              <a:rPr lang="en-US" sz="4800" b="1" dirty="0">
+                <a:latin typeface="Times New Roman" panose="02020603050405020304" pitchFamily="18" charset="0"/>
+                <a:cs typeface="Times New Roman" panose="02020603050405020304" pitchFamily="18" charset="0"/>
+              </a:rPr>
+            </a:br>
+            <a:r>
+              <a:rPr lang="en-US" sz="4800" b="1" dirty="0">
+                <a:latin typeface="Times New Roman" panose="02020603050405020304" pitchFamily="18" charset="0"/>
+                <a:cs typeface="Times New Roman" panose="02020603050405020304" pitchFamily="18" charset="0"/>
+              </a:rPr>
+              <a:t>Input</a:t>
+            </a:r>
+          </a:p>
+        </p:txBody>
+      </p:sp>
+      <p:pic>
+        <p:nvPicPr>
+          <p:cNvPr id="11" name="صورة 10">
+            <a:extLst>
+              <a:ext uri="{FF2B5EF4-FFF2-40B4-BE49-F238E27FC236}">
+                <a16:creationId xmlns:a16="http://schemas.microsoft.com/office/drawing/2014/main" id="{6CD8760D-8E0C-4881-A7BD-998EBAC32E4E}"/>
+              </a:ext>
+            </a:extLst>
+          </p:cNvPr>
+          <p:cNvPicPr>
+            <a:picLocks noChangeAspect="1"/>
+          </p:cNvPicPr>
+          <p:nvPr/>
+        </p:nvPicPr>
+        <p:blipFill>
+          <a:blip r:embed="rId3"/>
+          <a:stretch>
+            <a:fillRect/>
+          </a:stretch>
+        </p:blipFill>
+        <p:spPr>
+          <a:xfrm>
+            <a:off x="166255" y="2138650"/>
+            <a:ext cx="6537614" cy="3264623"/>
+          </a:xfrm>
+          <a:prstGeom prst="rect">
+            <a:avLst/>
+          </a:prstGeom>
+        </p:spPr>
+      </p:pic>
+      <p:pic>
+        <p:nvPicPr>
+          <p:cNvPr id="12" name="صورة 11">
+            <a:extLst>
+              <a:ext uri="{FF2B5EF4-FFF2-40B4-BE49-F238E27FC236}">
+                <a16:creationId xmlns:a16="http://schemas.microsoft.com/office/drawing/2014/main" id="{3620EF31-37BC-468E-AA34-3212782F14BC}"/>
+              </a:ext>
+            </a:extLst>
+          </p:cNvPr>
+          <p:cNvPicPr>
+            <a:picLocks noChangeAspect="1"/>
+          </p:cNvPicPr>
+          <p:nvPr/>
+        </p:nvPicPr>
+        <p:blipFill>
+          <a:blip r:embed="rId4"/>
+          <a:stretch>
+            <a:fillRect/>
+          </a:stretch>
+        </p:blipFill>
+        <p:spPr>
+          <a:xfrm>
+            <a:off x="7406120" y="2148101"/>
+            <a:ext cx="3698298" cy="3255172"/>
+          </a:xfrm>
+          <a:prstGeom prst="rect">
+            <a:avLst/>
+          </a:prstGeom>
+        </p:spPr>
+      </p:pic>
+    </p:spTree>
+    <p:extLst>
+      <p:ext uri="{BB962C8B-B14F-4D97-AF65-F5344CB8AC3E}">
+        <p14:creationId xmlns:p14="http://schemas.microsoft.com/office/powerpoint/2010/main" val="2326133028"/>
+      </p:ext>
+    </p:extLst>
+  </p:cSld>
+  <p:clrMapOvr>
+    <a:masterClrMapping/>
+  </p:clrMapOvr>
+  <mc:AlternateContent xmlns:mc="http://schemas.openxmlformats.org/markup-compatibility/2006">
+    <mc:Choice xmlns:p14="http://schemas.microsoft.com/office/powerpoint/2010/main" Requires="p14">
+      <p:transition spd="slow" p14:dur="1300">
+        <p14:pan dir="u"/>
+      </p:transition>
+    </mc:Choice>
+    <mc:Fallback>
+      <p:transition spd="slow">
+        <p:fade/>
+      </p:transition>
+    </mc:Fallback>
+  </mc:AlternateContent>
+</p:sld>
+</file>
+
+<file path=ppt/slides/slide46.xml><?xml version="1.0" encoding="utf-8"?>
+<p:sld xmlns:a="http://schemas.openxmlformats.org/drawingml/2006/main" xmlns:r="http://schemas.openxmlformats.org/officeDocument/2006/relationships" xmlns:p="http://schemas.openxmlformats.org/presentationml/2006/main">
+  <p:cSld>
+    <p:spTree>
+      <p:nvGrpSpPr>
+        <p:cNvPr id="1" name=""/>
+        <p:cNvGrpSpPr/>
+        <p:nvPr/>
+      </p:nvGrpSpPr>
+      <p:grpSpPr>
+        <a:xfrm>
+          <a:off x="0" y="0"/>
+          <a:ext cx="0" cy="0"/>
+          <a:chOff x="0" y="0"/>
+          <a:chExt cx="0" cy="0"/>
+        </a:xfrm>
+      </p:grpSpPr>
+      <p:sp>
+        <p:nvSpPr>
+          <p:cNvPr id="6" name="عنوان 1">
+            <a:extLst>
+              <a:ext uri="{FF2B5EF4-FFF2-40B4-BE49-F238E27FC236}">
+                <a16:creationId xmlns:a16="http://schemas.microsoft.com/office/drawing/2014/main" id="{C45EC975-48AC-44AB-8E07-23FA12C6B678}"/>
+              </a:ext>
+            </a:extLst>
+          </p:cNvPr>
+          <p:cNvSpPr>
+            <a:spLocks noGrp="1"/>
+          </p:cNvSpPr>
+          <p:nvPr>
+            <p:ph type="title"/>
+          </p:nvPr>
+        </p:nvSpPr>
+        <p:spPr>
+          <a:xfrm>
+            <a:off x="838200" y="104248"/>
+            <a:ext cx="10515600" cy="1325563"/>
+          </a:xfrm>
+        </p:spPr>
+        <p:txBody>
+          <a:bodyPr>
+            <a:noAutofit/>
+          </a:bodyPr>
+          <a:lstStyle/>
+          <a:p>
+            <a:pPr algn="ctr"/>
+            <a:r>
+              <a:rPr lang="en-US" sz="4800" b="1" dirty="0">
+                <a:latin typeface="Times New Roman" panose="02020603050405020304" pitchFamily="18" charset="0"/>
+                <a:cs typeface="Times New Roman" panose="02020603050405020304" pitchFamily="18" charset="0"/>
+              </a:rPr>
+              <a:t>HTML  Form</a:t>
+            </a:r>
+            <a:br>
+              <a:rPr lang="en-US" sz="4800" b="1" dirty="0">
+                <a:latin typeface="Times New Roman" panose="02020603050405020304" pitchFamily="18" charset="0"/>
+                <a:cs typeface="Times New Roman" panose="02020603050405020304" pitchFamily="18" charset="0"/>
+              </a:rPr>
+            </a:br>
+            <a:r>
+              <a:rPr lang="en-US" sz="4800" b="1" dirty="0">
+                <a:latin typeface="Times New Roman" panose="02020603050405020304" pitchFamily="18" charset="0"/>
+                <a:cs typeface="Times New Roman" panose="02020603050405020304" pitchFamily="18" charset="0"/>
+              </a:rPr>
+              <a:t>Input</a:t>
+            </a:r>
+          </a:p>
+        </p:txBody>
+      </p:sp>
+      <p:pic>
+        <p:nvPicPr>
+          <p:cNvPr id="3" name="صورة 2">
+            <a:extLst>
+              <a:ext uri="{FF2B5EF4-FFF2-40B4-BE49-F238E27FC236}">
+                <a16:creationId xmlns:a16="http://schemas.microsoft.com/office/drawing/2014/main" id="{3719EA81-2C2B-4F43-9A43-5AA7E6C01D41}"/>
+              </a:ext>
+            </a:extLst>
+          </p:cNvPr>
+          <p:cNvPicPr>
+            <a:picLocks noChangeAspect="1"/>
+          </p:cNvPicPr>
+          <p:nvPr/>
+        </p:nvPicPr>
+        <p:blipFill>
+          <a:blip r:embed="rId3"/>
+          <a:stretch>
+            <a:fillRect/>
+          </a:stretch>
+        </p:blipFill>
+        <p:spPr>
+          <a:xfrm>
+            <a:off x="207818" y="1580460"/>
+            <a:ext cx="5237018" cy="2700595"/>
+          </a:xfrm>
+          <a:prstGeom prst="rect">
+            <a:avLst/>
+          </a:prstGeom>
+        </p:spPr>
+      </p:pic>
+      <p:pic>
+        <p:nvPicPr>
+          <p:cNvPr id="4" name="صورة 3">
+            <a:extLst>
+              <a:ext uri="{FF2B5EF4-FFF2-40B4-BE49-F238E27FC236}">
+                <a16:creationId xmlns:a16="http://schemas.microsoft.com/office/drawing/2014/main" id="{5B0E60E0-F8E7-47F8-9D06-856C9A071176}"/>
+              </a:ext>
+            </a:extLst>
+          </p:cNvPr>
+          <p:cNvPicPr>
+            <a:picLocks noChangeAspect="1"/>
+          </p:cNvPicPr>
+          <p:nvPr/>
+        </p:nvPicPr>
+        <p:blipFill rotWithShape="1">
+          <a:blip r:embed="rId4"/>
+          <a:srcRect l="50000" t="25140" r="31818" b="62127"/>
+          <a:stretch/>
+        </p:blipFill>
+        <p:spPr>
+          <a:xfrm>
+            <a:off x="5889174" y="1580460"/>
+            <a:ext cx="5700154" cy="2244435"/>
+          </a:xfrm>
+          <a:prstGeom prst="rect">
+            <a:avLst/>
+          </a:prstGeom>
+        </p:spPr>
+      </p:pic>
+      <p:pic>
+        <p:nvPicPr>
+          <p:cNvPr id="5" name="صورة 4">
+            <a:extLst>
+              <a:ext uri="{FF2B5EF4-FFF2-40B4-BE49-F238E27FC236}">
+                <a16:creationId xmlns:a16="http://schemas.microsoft.com/office/drawing/2014/main" id="{20022537-7958-4C4F-9AA2-0CB523700F32}"/>
+              </a:ext>
+            </a:extLst>
+          </p:cNvPr>
+          <p:cNvPicPr>
+            <a:picLocks noChangeAspect="1"/>
+          </p:cNvPicPr>
+          <p:nvPr/>
+        </p:nvPicPr>
+        <p:blipFill>
+          <a:blip r:embed="rId5"/>
+          <a:stretch>
+            <a:fillRect/>
+          </a:stretch>
+        </p:blipFill>
+        <p:spPr>
+          <a:xfrm>
+            <a:off x="207818" y="4391181"/>
+            <a:ext cx="5237018" cy="2247900"/>
+          </a:xfrm>
+          <a:prstGeom prst="rect">
+            <a:avLst/>
+          </a:prstGeom>
+        </p:spPr>
+      </p:pic>
+      <p:pic>
+        <p:nvPicPr>
+          <p:cNvPr id="7" name="صورة 6">
+            <a:extLst>
+              <a:ext uri="{FF2B5EF4-FFF2-40B4-BE49-F238E27FC236}">
+                <a16:creationId xmlns:a16="http://schemas.microsoft.com/office/drawing/2014/main" id="{BE3E6C6C-3C78-4865-9B85-58227BF2D5C3}"/>
+              </a:ext>
+            </a:extLst>
+          </p:cNvPr>
+          <p:cNvPicPr>
+            <a:picLocks noChangeAspect="1"/>
+          </p:cNvPicPr>
+          <p:nvPr/>
+        </p:nvPicPr>
+        <p:blipFill>
+          <a:blip r:embed="rId6"/>
+          <a:stretch>
+            <a:fillRect/>
+          </a:stretch>
+        </p:blipFill>
+        <p:spPr>
+          <a:xfrm>
+            <a:off x="5889174" y="4079780"/>
+            <a:ext cx="5700154" cy="2327235"/>
+          </a:xfrm>
+          <a:prstGeom prst="rect">
+            <a:avLst/>
+          </a:prstGeom>
+        </p:spPr>
+      </p:pic>
+    </p:spTree>
+    <p:extLst>
+      <p:ext uri="{BB962C8B-B14F-4D97-AF65-F5344CB8AC3E}">
+        <p14:creationId xmlns:p14="http://schemas.microsoft.com/office/powerpoint/2010/main" val="54196888"/>
+      </p:ext>
+    </p:extLst>
+  </p:cSld>
+  <p:clrMapOvr>
+    <a:masterClrMapping/>
+  </p:clrMapOvr>
+  <mc:AlternateContent xmlns:mc="http://schemas.openxmlformats.org/markup-compatibility/2006">
+    <mc:Choice xmlns:p14="http://schemas.microsoft.com/office/powerpoint/2010/main" Requires="p14">
+      <p:transition spd="slow" p14:dur="1300">
+        <p14:pan dir="u"/>
+      </p:transition>
+    </mc:Choice>
+    <mc:Fallback>
+      <p:transition spd="slow">
+        <p:fade/>
+      </p:transition>
+    </mc:Fallback>
+  </mc:AlternateContent>
+</p:sld>
+</file>
+
+<file path=ppt/slides/slide47.xml><?xml version="1.0" encoding="utf-8"?>
+<p:sld xmlns:a="http://schemas.openxmlformats.org/drawingml/2006/main" xmlns:r="http://schemas.openxmlformats.org/officeDocument/2006/relationships" xmlns:p="http://schemas.openxmlformats.org/presentationml/2006/main">
+  <p:cSld>
+    <p:spTree>
+      <p:nvGrpSpPr>
+        <p:cNvPr id="1" name=""/>
+        <p:cNvGrpSpPr/>
+        <p:nvPr/>
+      </p:nvGrpSpPr>
+      <p:grpSpPr>
+        <a:xfrm>
+          <a:off x="0" y="0"/>
+          <a:ext cx="0" cy="0"/>
+          <a:chOff x="0" y="0"/>
+          <a:chExt cx="0" cy="0"/>
+        </a:xfrm>
+      </p:grpSpPr>
+      <p:sp>
+        <p:nvSpPr>
+          <p:cNvPr id="6" name="عنوان 1">
+            <a:extLst>
+              <a:ext uri="{FF2B5EF4-FFF2-40B4-BE49-F238E27FC236}">
+                <a16:creationId xmlns:a16="http://schemas.microsoft.com/office/drawing/2014/main" id="{C45EC975-48AC-44AB-8E07-23FA12C6B678}"/>
+              </a:ext>
+            </a:extLst>
+          </p:cNvPr>
+          <p:cNvSpPr>
+            <a:spLocks noGrp="1"/>
+          </p:cNvSpPr>
+          <p:nvPr>
+            <p:ph type="title"/>
+          </p:nvPr>
+        </p:nvSpPr>
+        <p:spPr>
+          <a:xfrm>
+            <a:off x="838200" y="104248"/>
+            <a:ext cx="10515600" cy="1325563"/>
+          </a:xfrm>
+        </p:spPr>
+        <p:txBody>
+          <a:bodyPr>
+            <a:noAutofit/>
+          </a:bodyPr>
+          <a:lstStyle/>
+          <a:p>
+            <a:pPr algn="ctr"/>
+            <a:r>
+              <a:rPr lang="en-US" sz="4800" b="1" dirty="0">
+                <a:latin typeface="Times New Roman" panose="02020603050405020304" pitchFamily="18" charset="0"/>
+                <a:cs typeface="Times New Roman" panose="02020603050405020304" pitchFamily="18" charset="0"/>
+              </a:rPr>
+              <a:t>HTML  Form</a:t>
+            </a:r>
+            <a:br>
+              <a:rPr lang="en-US" sz="4800" b="1" dirty="0">
+                <a:latin typeface="Times New Roman" panose="02020603050405020304" pitchFamily="18" charset="0"/>
+                <a:cs typeface="Times New Roman" panose="02020603050405020304" pitchFamily="18" charset="0"/>
+              </a:rPr>
+            </a:br>
+            <a:r>
+              <a:rPr lang="en-US" sz="4800" b="1" dirty="0">
+                <a:latin typeface="Times New Roman" panose="02020603050405020304" pitchFamily="18" charset="0"/>
+                <a:cs typeface="Times New Roman" panose="02020603050405020304" pitchFamily="18" charset="0"/>
+              </a:rPr>
+              <a:t>Input</a:t>
+            </a:r>
+          </a:p>
+        </p:txBody>
+      </p:sp>
+      <p:pic>
+        <p:nvPicPr>
+          <p:cNvPr id="2" name="صورة 1">
+            <a:extLst>
+              <a:ext uri="{FF2B5EF4-FFF2-40B4-BE49-F238E27FC236}">
+                <a16:creationId xmlns:a16="http://schemas.microsoft.com/office/drawing/2014/main" id="{06D2F0C4-154A-4C56-B85B-7E7967F9961B}"/>
+              </a:ext>
+            </a:extLst>
+          </p:cNvPr>
+          <p:cNvPicPr>
+            <a:picLocks noChangeAspect="1"/>
+          </p:cNvPicPr>
+          <p:nvPr/>
+        </p:nvPicPr>
+        <p:blipFill>
+          <a:blip r:embed="rId3"/>
+          <a:stretch>
+            <a:fillRect/>
+          </a:stretch>
+        </p:blipFill>
+        <p:spPr>
+          <a:xfrm>
+            <a:off x="207818" y="2400299"/>
+            <a:ext cx="6903893" cy="2400302"/>
+          </a:xfrm>
+          <a:prstGeom prst="rect">
+            <a:avLst/>
+          </a:prstGeom>
+        </p:spPr>
+      </p:pic>
+      <p:pic>
+        <p:nvPicPr>
+          <p:cNvPr id="8" name="صورة 7">
+            <a:extLst>
+              <a:ext uri="{FF2B5EF4-FFF2-40B4-BE49-F238E27FC236}">
+                <a16:creationId xmlns:a16="http://schemas.microsoft.com/office/drawing/2014/main" id="{88653FA1-43FF-4080-8926-00794E3EB026}"/>
+              </a:ext>
+            </a:extLst>
+          </p:cNvPr>
+          <p:cNvPicPr>
+            <a:picLocks noChangeAspect="1"/>
+          </p:cNvPicPr>
+          <p:nvPr/>
+        </p:nvPicPr>
+        <p:blipFill>
+          <a:blip r:embed="rId4"/>
+          <a:stretch>
+            <a:fillRect/>
+          </a:stretch>
+        </p:blipFill>
+        <p:spPr>
+          <a:xfrm>
+            <a:off x="7485784" y="1901535"/>
+            <a:ext cx="4221307" cy="3857401"/>
+          </a:xfrm>
+          <a:prstGeom prst="rect">
+            <a:avLst/>
+          </a:prstGeom>
+        </p:spPr>
+      </p:pic>
+    </p:spTree>
+    <p:extLst>
+      <p:ext uri="{BB962C8B-B14F-4D97-AF65-F5344CB8AC3E}">
+        <p14:creationId xmlns:p14="http://schemas.microsoft.com/office/powerpoint/2010/main" val="45733072"/>
+      </p:ext>
+    </p:extLst>
+  </p:cSld>
+  <p:clrMapOvr>
+    <a:masterClrMapping/>
+  </p:clrMapOvr>
+  <mc:AlternateContent xmlns:mc="http://schemas.openxmlformats.org/markup-compatibility/2006">
+    <mc:Choice xmlns:p14="http://schemas.microsoft.com/office/powerpoint/2010/main" Requires="p14">
+      <p:transition spd="slow" p14:dur="1300">
+        <p14:pan dir="u"/>
+      </p:transition>
+    </mc:Choice>
+    <mc:Fallback>
+      <p:transition spd="slow">
+        <p:fade/>
+      </p:transition>
+    </mc:Fallback>
+  </mc:AlternateContent>
+</p:sld>
+</file>
+
+<file path=ppt/slides/slide48.xml><?xml version="1.0" encoding="utf-8"?>
+<p:sld xmlns:a="http://schemas.openxmlformats.org/drawingml/2006/main" xmlns:r="http://schemas.openxmlformats.org/officeDocument/2006/relationships" xmlns:p="http://schemas.openxmlformats.org/presentationml/2006/main">
+  <p:cSld>
+    <p:spTree>
+      <p:nvGrpSpPr>
+        <p:cNvPr id="1" name=""/>
+        <p:cNvGrpSpPr/>
+        <p:nvPr/>
+      </p:nvGrpSpPr>
+      <p:grpSpPr>
+        <a:xfrm>
+          <a:off x="0" y="0"/>
+          <a:ext cx="0" cy="0"/>
+          <a:chOff x="0" y="0"/>
+          <a:chExt cx="0" cy="0"/>
+        </a:xfrm>
+      </p:grpSpPr>
+      <p:sp>
+        <p:nvSpPr>
+          <p:cNvPr id="6" name="عنوان 1">
+            <a:extLst>
+              <a:ext uri="{FF2B5EF4-FFF2-40B4-BE49-F238E27FC236}">
+                <a16:creationId xmlns:a16="http://schemas.microsoft.com/office/drawing/2014/main" id="{C45EC975-48AC-44AB-8E07-23FA12C6B678}"/>
+              </a:ext>
+            </a:extLst>
+          </p:cNvPr>
+          <p:cNvSpPr>
+            <a:spLocks noGrp="1"/>
+          </p:cNvSpPr>
+          <p:nvPr>
+            <p:ph type="title"/>
+          </p:nvPr>
+        </p:nvSpPr>
+        <p:spPr>
+          <a:xfrm>
+            <a:off x="838200" y="104248"/>
+            <a:ext cx="10515600" cy="1325563"/>
+          </a:xfrm>
+        </p:spPr>
+        <p:txBody>
+          <a:bodyPr>
+            <a:noAutofit/>
+          </a:bodyPr>
+          <a:lstStyle/>
+          <a:p>
+            <a:pPr algn="ctr"/>
+            <a:r>
+              <a:rPr lang="en-US" sz="4800" b="1" dirty="0">
+                <a:latin typeface="Times New Roman" panose="02020603050405020304" pitchFamily="18" charset="0"/>
+                <a:cs typeface="Times New Roman" panose="02020603050405020304" pitchFamily="18" charset="0"/>
+              </a:rPr>
+              <a:t>HTML  Form</a:t>
+            </a:r>
+            <a:br>
+              <a:rPr lang="en-US" sz="4800" b="1" dirty="0">
+                <a:latin typeface="Times New Roman" panose="02020603050405020304" pitchFamily="18" charset="0"/>
+                <a:cs typeface="Times New Roman" panose="02020603050405020304" pitchFamily="18" charset="0"/>
+              </a:rPr>
+            </a:br>
+            <a:r>
+              <a:rPr lang="en-US" sz="4800" b="1" dirty="0">
+                <a:latin typeface="Times New Roman" panose="02020603050405020304" pitchFamily="18" charset="0"/>
+                <a:cs typeface="Times New Roman" panose="02020603050405020304" pitchFamily="18" charset="0"/>
+              </a:rPr>
+              <a:t>Input</a:t>
+            </a:r>
+          </a:p>
+        </p:txBody>
+      </p:sp>
+      <p:pic>
+        <p:nvPicPr>
+          <p:cNvPr id="4" name="صورة 3">
+            <a:extLst>
+              <a:ext uri="{FF2B5EF4-FFF2-40B4-BE49-F238E27FC236}">
+                <a16:creationId xmlns:a16="http://schemas.microsoft.com/office/drawing/2014/main" id="{C92682B4-D0B0-4AD0-9F6E-923270426F92}"/>
+              </a:ext>
+            </a:extLst>
+          </p:cNvPr>
+          <p:cNvPicPr>
+            <a:picLocks noChangeAspect="1"/>
+          </p:cNvPicPr>
+          <p:nvPr/>
+        </p:nvPicPr>
+        <p:blipFill>
+          <a:blip r:embed="rId3"/>
+          <a:stretch>
+            <a:fillRect/>
+          </a:stretch>
+        </p:blipFill>
+        <p:spPr>
+          <a:xfrm>
+            <a:off x="276307" y="2543726"/>
+            <a:ext cx="6645001" cy="2125051"/>
+          </a:xfrm>
+          <a:prstGeom prst="rect">
+            <a:avLst/>
+          </a:prstGeom>
+        </p:spPr>
+      </p:pic>
+      <p:pic>
+        <p:nvPicPr>
+          <p:cNvPr id="5" name="صورة 4">
+            <a:extLst>
+              <a:ext uri="{FF2B5EF4-FFF2-40B4-BE49-F238E27FC236}">
+                <a16:creationId xmlns:a16="http://schemas.microsoft.com/office/drawing/2014/main" id="{46A29BF5-EED7-4ED8-89D0-8633C2B52E71}"/>
+              </a:ext>
+            </a:extLst>
+          </p:cNvPr>
+          <p:cNvPicPr>
+            <a:picLocks noChangeAspect="1"/>
+          </p:cNvPicPr>
+          <p:nvPr/>
+        </p:nvPicPr>
+        <p:blipFill>
+          <a:blip r:embed="rId4"/>
+          <a:stretch>
+            <a:fillRect/>
+          </a:stretch>
+        </p:blipFill>
+        <p:spPr>
+          <a:xfrm>
+            <a:off x="7558953" y="1971703"/>
+            <a:ext cx="3247592" cy="3269099"/>
+          </a:xfrm>
+          <a:prstGeom prst="rect">
+            <a:avLst/>
+          </a:prstGeom>
+        </p:spPr>
+      </p:pic>
+    </p:spTree>
+    <p:extLst>
+      <p:ext uri="{BB962C8B-B14F-4D97-AF65-F5344CB8AC3E}">
+        <p14:creationId xmlns:p14="http://schemas.microsoft.com/office/powerpoint/2010/main" val="2475208192"/>
+      </p:ext>
+    </p:extLst>
+  </p:cSld>
+  <p:clrMapOvr>
+    <a:masterClrMapping/>
+  </p:clrMapOvr>
+  <mc:AlternateContent xmlns:mc="http://schemas.openxmlformats.org/markup-compatibility/2006">
+    <mc:Choice xmlns:p14="http://schemas.microsoft.com/office/powerpoint/2010/main" Requires="p14">
+      <p:transition spd="slow" p14:dur="1300">
+        <p14:pan dir="u"/>
+      </p:transition>
+    </mc:Choice>
+    <mc:Fallback>
+      <p:transition spd="slow">
+        <p:fade/>
+      </p:transition>
+    </mc:Fallback>
+  </mc:AlternateContent>
+</p:sld>
+</file>
+
+<file path=ppt/slides/slide49.xml><?xml version="1.0" encoding="utf-8"?>
+<p:sld xmlns:a="http://schemas.openxmlformats.org/drawingml/2006/main" xmlns:r="http://schemas.openxmlformats.org/officeDocument/2006/relationships" xmlns:p="http://schemas.openxmlformats.org/presentationml/2006/main">
+  <p:cSld>
+    <p:spTree>
+      <p:nvGrpSpPr>
+        <p:cNvPr id="1" name=""/>
+        <p:cNvGrpSpPr/>
+        <p:nvPr/>
+      </p:nvGrpSpPr>
+      <p:grpSpPr>
+        <a:xfrm>
+          <a:off x="0" y="0"/>
+          <a:ext cx="0" cy="0"/>
+          <a:chOff x="0" y="0"/>
+          <a:chExt cx="0" cy="0"/>
+        </a:xfrm>
+      </p:grpSpPr>
+      <p:sp>
+        <p:nvSpPr>
+          <p:cNvPr id="6" name="عنوان 1">
+            <a:extLst>
+              <a:ext uri="{FF2B5EF4-FFF2-40B4-BE49-F238E27FC236}">
+                <a16:creationId xmlns:a16="http://schemas.microsoft.com/office/drawing/2014/main" id="{C45EC975-48AC-44AB-8E07-23FA12C6B678}"/>
+              </a:ext>
+            </a:extLst>
+          </p:cNvPr>
+          <p:cNvSpPr>
+            <a:spLocks noGrp="1"/>
+          </p:cNvSpPr>
+          <p:nvPr>
+            <p:ph type="title"/>
+          </p:nvPr>
+        </p:nvSpPr>
+        <p:spPr>
+          <a:xfrm>
+            <a:off x="838200" y="104248"/>
+            <a:ext cx="10515600" cy="1325563"/>
+          </a:xfrm>
+        </p:spPr>
+        <p:txBody>
+          <a:bodyPr>
+            <a:noAutofit/>
+          </a:bodyPr>
+          <a:lstStyle/>
+          <a:p>
+            <a:pPr algn="ctr"/>
+            <a:r>
+              <a:rPr lang="en-US" sz="4800" b="1" dirty="0">
+                <a:latin typeface="Times New Roman" panose="02020603050405020304" pitchFamily="18" charset="0"/>
+                <a:cs typeface="Times New Roman" panose="02020603050405020304" pitchFamily="18" charset="0"/>
+              </a:rPr>
+              <a:t>HTML  Form</a:t>
+            </a:r>
+            <a:br>
+              <a:rPr lang="en-US" sz="4800" b="1" dirty="0">
+                <a:latin typeface="Times New Roman" panose="02020603050405020304" pitchFamily="18" charset="0"/>
+                <a:cs typeface="Times New Roman" panose="02020603050405020304" pitchFamily="18" charset="0"/>
+              </a:rPr>
+            </a:br>
+            <a:r>
+              <a:rPr lang="en-US" sz="4800" b="1" dirty="0">
+                <a:latin typeface="Times New Roman" panose="02020603050405020304" pitchFamily="18" charset="0"/>
+                <a:cs typeface="Times New Roman" panose="02020603050405020304" pitchFamily="18" charset="0"/>
+              </a:rPr>
+              <a:t>Input</a:t>
+            </a:r>
+          </a:p>
+        </p:txBody>
+      </p:sp>
+      <p:pic>
+        <p:nvPicPr>
+          <p:cNvPr id="2" name="صورة 1">
+            <a:extLst>
+              <a:ext uri="{FF2B5EF4-FFF2-40B4-BE49-F238E27FC236}">
+                <a16:creationId xmlns:a16="http://schemas.microsoft.com/office/drawing/2014/main" id="{F35DE3AF-F484-4046-88A7-EE01028AE233}"/>
+              </a:ext>
+            </a:extLst>
+          </p:cNvPr>
+          <p:cNvPicPr>
+            <a:picLocks noChangeAspect="1"/>
+          </p:cNvPicPr>
+          <p:nvPr/>
+        </p:nvPicPr>
+        <p:blipFill>
+          <a:blip r:embed="rId3"/>
+          <a:stretch>
+            <a:fillRect/>
+          </a:stretch>
+        </p:blipFill>
+        <p:spPr>
+          <a:xfrm>
+            <a:off x="481654" y="2280689"/>
+            <a:ext cx="6473158" cy="2270529"/>
+          </a:xfrm>
+          <a:prstGeom prst="rect">
+            <a:avLst/>
+          </a:prstGeom>
+        </p:spPr>
+      </p:pic>
+      <p:pic>
+        <p:nvPicPr>
+          <p:cNvPr id="3" name="صورة 2">
+            <a:extLst>
+              <a:ext uri="{FF2B5EF4-FFF2-40B4-BE49-F238E27FC236}">
+                <a16:creationId xmlns:a16="http://schemas.microsoft.com/office/drawing/2014/main" id="{EFE7B8AF-A553-47BC-AED9-54D9F89BE199}"/>
+              </a:ext>
+            </a:extLst>
+          </p:cNvPr>
+          <p:cNvPicPr>
+            <a:picLocks noChangeAspect="1"/>
+          </p:cNvPicPr>
+          <p:nvPr/>
+        </p:nvPicPr>
+        <p:blipFill>
+          <a:blip r:embed="rId4"/>
+          <a:stretch>
+            <a:fillRect/>
+          </a:stretch>
+        </p:blipFill>
+        <p:spPr>
+          <a:xfrm>
+            <a:off x="7740361" y="2280688"/>
+            <a:ext cx="2811131" cy="2270529"/>
+          </a:xfrm>
+          <a:prstGeom prst="rect">
+            <a:avLst/>
+          </a:prstGeom>
+        </p:spPr>
+      </p:pic>
+    </p:spTree>
+    <p:extLst>
+      <p:ext uri="{BB962C8B-B14F-4D97-AF65-F5344CB8AC3E}">
+        <p14:creationId xmlns:p14="http://schemas.microsoft.com/office/powerpoint/2010/main" val="3652645697"/>
+      </p:ext>
+    </p:extLst>
+  </p:cSld>
+  <p:clrMapOvr>
+    <a:masterClrMapping/>
+  </p:clrMapOvr>
   <mc:AlternateContent xmlns:mc="http://schemas.openxmlformats.org/markup-compatibility/2006">
     <mc:Choice xmlns:p14="http://schemas.microsoft.com/office/powerpoint/2010/main" Requires="p14">
       <p:transition spd="slow" p14:dur="1300">
@@ -16368,6 +18847,160 @@
       </p:transition>
     </mc:Choice>
     <mc:Fallback xmlns="">
+      <p:transition spd="slow">
+        <p:fade/>
+      </p:transition>
+    </mc:Fallback>
+  </mc:AlternateContent>
+</p:sld>
+</file>
+
+<file path=ppt/slides/slide50.xml><?xml version="1.0" encoding="utf-8"?>
+<p:sld xmlns:a="http://schemas.openxmlformats.org/drawingml/2006/main" xmlns:r="http://schemas.openxmlformats.org/officeDocument/2006/relationships" xmlns:p="http://schemas.openxmlformats.org/presentationml/2006/main">
+  <p:cSld>
+    <p:spTree>
+      <p:nvGrpSpPr>
+        <p:cNvPr id="1" name=""/>
+        <p:cNvGrpSpPr/>
+        <p:nvPr/>
+      </p:nvGrpSpPr>
+      <p:grpSpPr>
+        <a:xfrm>
+          <a:off x="0" y="0"/>
+          <a:ext cx="0" cy="0"/>
+          <a:chOff x="0" y="0"/>
+          <a:chExt cx="0" cy="0"/>
+        </a:xfrm>
+      </p:grpSpPr>
+      <p:sp>
+        <p:nvSpPr>
+          <p:cNvPr id="6" name="عنوان 1">
+            <a:extLst>
+              <a:ext uri="{FF2B5EF4-FFF2-40B4-BE49-F238E27FC236}">
+                <a16:creationId xmlns:a16="http://schemas.microsoft.com/office/drawing/2014/main" id="{C45EC975-48AC-44AB-8E07-23FA12C6B678}"/>
+              </a:ext>
+            </a:extLst>
+          </p:cNvPr>
+          <p:cNvSpPr>
+            <a:spLocks noGrp="1"/>
+          </p:cNvSpPr>
+          <p:nvPr>
+            <p:ph type="title"/>
+          </p:nvPr>
+        </p:nvSpPr>
+        <p:spPr>
+          <a:xfrm>
+            <a:off x="838200" y="104248"/>
+            <a:ext cx="10515600" cy="1325563"/>
+          </a:xfrm>
+        </p:spPr>
+        <p:txBody>
+          <a:bodyPr>
+            <a:noAutofit/>
+          </a:bodyPr>
+          <a:lstStyle/>
+          <a:p>
+            <a:pPr algn="ctr"/>
+            <a:r>
+              <a:rPr lang="en-US" sz="4800" b="1" dirty="0">
+                <a:latin typeface="Times New Roman" panose="02020603050405020304" pitchFamily="18" charset="0"/>
+                <a:cs typeface="Times New Roman" panose="02020603050405020304" pitchFamily="18" charset="0"/>
+              </a:rPr>
+              <a:t>HTML  Form</a:t>
+            </a:r>
+            <a:br>
+              <a:rPr lang="en-US" sz="4800" b="1" dirty="0">
+                <a:latin typeface="Times New Roman" panose="02020603050405020304" pitchFamily="18" charset="0"/>
+                <a:cs typeface="Times New Roman" panose="02020603050405020304" pitchFamily="18" charset="0"/>
+              </a:rPr>
+            </a:br>
+            <a:r>
+              <a:rPr lang="en-US" sz="4800" b="1" dirty="0">
+                <a:latin typeface="Times New Roman" panose="02020603050405020304" pitchFamily="18" charset="0"/>
+                <a:cs typeface="Times New Roman" panose="02020603050405020304" pitchFamily="18" charset="0"/>
+              </a:rPr>
+              <a:t>Input</a:t>
+            </a:r>
+          </a:p>
+        </p:txBody>
+      </p:sp>
+      <p:pic>
+        <p:nvPicPr>
+          <p:cNvPr id="4" name="صورة 3">
+            <a:extLst>
+              <a:ext uri="{FF2B5EF4-FFF2-40B4-BE49-F238E27FC236}">
+                <a16:creationId xmlns:a16="http://schemas.microsoft.com/office/drawing/2014/main" id="{75C6DAAD-7FF0-4B61-823E-75A4EF401FAE}"/>
+              </a:ext>
+            </a:extLst>
+          </p:cNvPr>
+          <p:cNvPicPr>
+            <a:picLocks noChangeAspect="1"/>
+          </p:cNvPicPr>
+          <p:nvPr/>
+        </p:nvPicPr>
+        <p:blipFill>
+          <a:blip r:embed="rId3"/>
+          <a:stretch>
+            <a:fillRect/>
+          </a:stretch>
+        </p:blipFill>
+        <p:spPr>
+          <a:xfrm>
+            <a:off x="318752" y="2435946"/>
+            <a:ext cx="7058791" cy="2323089"/>
+          </a:xfrm>
+          <a:prstGeom prst="rect">
+            <a:avLst/>
+          </a:prstGeom>
+        </p:spPr>
+      </p:pic>
+      <p:pic>
+        <p:nvPicPr>
+          <p:cNvPr id="5" name="صورة 4">
+            <a:extLst>
+              <a:ext uri="{FF2B5EF4-FFF2-40B4-BE49-F238E27FC236}">
+                <a16:creationId xmlns:a16="http://schemas.microsoft.com/office/drawing/2014/main" id="{BB53812A-B3B4-4774-90E5-4F9BF788DEDF}"/>
+              </a:ext>
+            </a:extLst>
+          </p:cNvPr>
+          <p:cNvPicPr>
+            <a:picLocks noChangeAspect="1"/>
+          </p:cNvPicPr>
+          <p:nvPr/>
+        </p:nvPicPr>
+        <p:blipFill>
+          <a:blip r:embed="rId4"/>
+          <a:stretch>
+            <a:fillRect/>
+          </a:stretch>
+        </p:blipFill>
+        <p:spPr>
+          <a:xfrm>
+            <a:off x="7882369" y="2435946"/>
+            <a:ext cx="3645461" cy="2323088"/>
+          </a:xfrm>
+          <a:prstGeom prst="rect">
+            <a:avLst/>
+          </a:prstGeom>
+        </p:spPr>
+      </p:pic>
+    </p:spTree>
+    <p:extLst>
+      <p:ext uri="{BB962C8B-B14F-4D97-AF65-F5344CB8AC3E}">
+        <p14:creationId xmlns:p14="http://schemas.microsoft.com/office/powerpoint/2010/main" val="758881514"/>
+      </p:ext>
+    </p:extLst>
+  </p:cSld>
+  <p:clrMapOvr>
+    <a:masterClrMapping/>
+  </p:clrMapOvr>
+  <mc:AlternateContent xmlns:mc="http://schemas.openxmlformats.org/markup-compatibility/2006">
+    <mc:Choice xmlns:p14="http://schemas.microsoft.com/office/powerpoint/2010/main" Requires="p14">
+      <p:transition spd="slow" p14:dur="1300">
+        <p14:pan dir="u"/>
+      </p:transition>
+    </mc:Choice>
+    <mc:Fallback>
       <p:transition spd="slow">
         <p:fade/>
       </p:transition>

--- a/web.pptx
+++ b/web.pptx
@@ -5,7 +5,7 @@
     <p:sldMasterId id="2147483840" r:id="rId1"/>
   </p:sldMasterIdLst>
   <p:notesMasterIdLst>
-    <p:notesMasterId r:id="rId52"/>
+    <p:notesMasterId r:id="rId54"/>
   </p:notesMasterIdLst>
   <p:sldIdLst>
     <p:sldId id="256" r:id="rId2"/>
@@ -28,36 +28,38 @@
     <p:sldId id="270" r:id="rId19"/>
     <p:sldId id="273" r:id="rId20"/>
     <p:sldId id="274" r:id="rId21"/>
-    <p:sldId id="275" r:id="rId22"/>
-    <p:sldId id="277" r:id="rId23"/>
-    <p:sldId id="291" r:id="rId24"/>
-    <p:sldId id="276" r:id="rId25"/>
-    <p:sldId id="278" r:id="rId26"/>
-    <p:sldId id="281" r:id="rId27"/>
-    <p:sldId id="282" r:id="rId28"/>
-    <p:sldId id="283" r:id="rId29"/>
-    <p:sldId id="280" r:id="rId30"/>
-    <p:sldId id="284" r:id="rId31"/>
-    <p:sldId id="285" r:id="rId32"/>
-    <p:sldId id="286" r:id="rId33"/>
-    <p:sldId id="287" r:id="rId34"/>
-    <p:sldId id="288" r:id="rId35"/>
-    <p:sldId id="289" r:id="rId36"/>
-    <p:sldId id="290" r:id="rId37"/>
-    <p:sldId id="292" r:id="rId38"/>
-    <p:sldId id="293" r:id="rId39"/>
-    <p:sldId id="294" r:id="rId40"/>
-    <p:sldId id="295" r:id="rId41"/>
-    <p:sldId id="296" r:id="rId42"/>
-    <p:sldId id="297" r:id="rId43"/>
-    <p:sldId id="299" r:id="rId44"/>
-    <p:sldId id="298" r:id="rId45"/>
-    <p:sldId id="300" r:id="rId46"/>
-    <p:sldId id="304" r:id="rId47"/>
-    <p:sldId id="305" r:id="rId48"/>
-    <p:sldId id="301" r:id="rId49"/>
-    <p:sldId id="302" r:id="rId50"/>
-    <p:sldId id="303" r:id="rId51"/>
+    <p:sldId id="306" r:id="rId22"/>
+    <p:sldId id="307" r:id="rId23"/>
+    <p:sldId id="275" r:id="rId24"/>
+    <p:sldId id="277" r:id="rId25"/>
+    <p:sldId id="291" r:id="rId26"/>
+    <p:sldId id="276" r:id="rId27"/>
+    <p:sldId id="278" r:id="rId28"/>
+    <p:sldId id="281" r:id="rId29"/>
+    <p:sldId id="282" r:id="rId30"/>
+    <p:sldId id="283" r:id="rId31"/>
+    <p:sldId id="280" r:id="rId32"/>
+    <p:sldId id="284" r:id="rId33"/>
+    <p:sldId id="285" r:id="rId34"/>
+    <p:sldId id="286" r:id="rId35"/>
+    <p:sldId id="287" r:id="rId36"/>
+    <p:sldId id="288" r:id="rId37"/>
+    <p:sldId id="289" r:id="rId38"/>
+    <p:sldId id="290" r:id="rId39"/>
+    <p:sldId id="292" r:id="rId40"/>
+    <p:sldId id="293" r:id="rId41"/>
+    <p:sldId id="294" r:id="rId42"/>
+    <p:sldId id="295" r:id="rId43"/>
+    <p:sldId id="296" r:id="rId44"/>
+    <p:sldId id="297" r:id="rId45"/>
+    <p:sldId id="299" r:id="rId46"/>
+    <p:sldId id="298" r:id="rId47"/>
+    <p:sldId id="300" r:id="rId48"/>
+    <p:sldId id="304" r:id="rId49"/>
+    <p:sldId id="305" r:id="rId50"/>
+    <p:sldId id="301" r:id="rId51"/>
+    <p:sldId id="302" r:id="rId52"/>
+    <p:sldId id="303" r:id="rId53"/>
   </p:sldIdLst>
   <p:sldSz cx="12192000" cy="6858000"/>
   <p:notesSz cx="6858000" cy="9144000"/>
@@ -246,7 +248,7 @@
           <a:p>
             <a:fld id="{0A1A1DAE-EBF7-412C-A29B-AC6DBC49921F}" type="datetimeFigureOut">
               <a:rPr lang="ar-SY" smtClean="0"/>
-              <a:t>06/02/1442</a:t>
+              <a:t>07/02/1442</a:t>
             </a:fld>
             <a:endParaRPr lang="ar-SY"/>
           </a:p>
@@ -2751,7 +2753,7 @@
           <a:p>
             <a:r>
               <a:rPr lang="ar-SA" dirty="0"/>
-              <a:t>لوضع أسطر جديدة </a:t>
+              <a:t>يتم تجاهل المسافات</a:t>
             </a:r>
             <a:endParaRPr lang="en-US" dirty="0"/>
           </a:p>
@@ -2783,7 +2785,7 @@
     </p:spTree>
     <p:extLst>
       <p:ext uri="{BB962C8B-B14F-4D97-AF65-F5344CB8AC3E}">
-        <p14:creationId xmlns:p14="http://schemas.microsoft.com/office/powerpoint/2010/main" val="3619987907"/>
+        <p14:creationId xmlns:p14="http://schemas.microsoft.com/office/powerpoint/2010/main" val="2774870760"/>
       </p:ext>
     </p:extLst>
   </p:cSld>
@@ -2839,7 +2841,7 @@
           <a:p>
             <a:r>
               <a:rPr lang="ar-SA" dirty="0"/>
-              <a:t>لفصل العناصر عن بعضها يمكن استخدام الخط الأفقي</a:t>
+              <a:t>عدد الأسطر يعتمد على حجم الشاشة</a:t>
             </a:r>
             <a:endParaRPr lang="en-US" dirty="0"/>
           </a:p>
@@ -2871,7 +2873,7 @@
     </p:spTree>
     <p:extLst>
       <p:ext uri="{BB962C8B-B14F-4D97-AF65-F5344CB8AC3E}">
-        <p14:creationId xmlns:p14="http://schemas.microsoft.com/office/powerpoint/2010/main" val="926460330"/>
+        <p14:creationId xmlns:p14="http://schemas.microsoft.com/office/powerpoint/2010/main" val="1350473950"/>
       </p:ext>
     </p:extLst>
   </p:cSld>
@@ -2927,7 +2929,7 @@
           <a:p>
             <a:r>
               <a:rPr lang="ar-SA" dirty="0"/>
-              <a:t>يمكن وضع نصوص بصيغ خاصة</a:t>
+              <a:t>لوضع أسطر جديدة </a:t>
             </a:r>
             <a:endParaRPr lang="en-US" dirty="0"/>
           </a:p>
@@ -2959,7 +2961,7 @@
     </p:spTree>
     <p:extLst>
       <p:ext uri="{BB962C8B-B14F-4D97-AF65-F5344CB8AC3E}">
-        <p14:creationId xmlns:p14="http://schemas.microsoft.com/office/powerpoint/2010/main" val="1474853279"/>
+        <p14:creationId xmlns:p14="http://schemas.microsoft.com/office/powerpoint/2010/main" val="3619987907"/>
       </p:ext>
     </p:extLst>
   </p:cSld>
@@ -3015,29 +3017,9 @@
           <a:p>
             <a:r>
               <a:rPr lang="ar-SA" dirty="0"/>
-              <a:t>يوجد أكثر من درجة للعناوين من 1 حتى 6 </a:t>
-            </a:r>
-          </a:p>
-          <a:p>
-            <a:r>
-              <a:rPr lang="ar-SA" dirty="0"/>
-              <a:t>يكون اكبرها </a:t>
-            </a:r>
-            <a:r>
-              <a:rPr lang="en-US" dirty="0"/>
-              <a:t>h1</a:t>
-            </a:r>
-            <a:endParaRPr lang="ar-SA" dirty="0"/>
-          </a:p>
-          <a:p>
-            <a:r>
-              <a:rPr lang="ar-SA" dirty="0"/>
-              <a:t>و أصغرها </a:t>
-            </a:r>
-            <a:r>
-              <a:rPr lang="en-US" dirty="0"/>
-              <a:t>h6</a:t>
-            </a:r>
+              <a:t>لفصل العناصر عن بعضها يمكن استخدام الخط الأفقي</a:t>
+            </a:r>
+            <a:endParaRPr lang="en-US" dirty="0"/>
           </a:p>
         </p:txBody>
       </p:sp>
@@ -3067,7 +3049,7 @@
     </p:spTree>
     <p:extLst>
       <p:ext uri="{BB962C8B-B14F-4D97-AF65-F5344CB8AC3E}">
-        <p14:creationId xmlns:p14="http://schemas.microsoft.com/office/powerpoint/2010/main" val="36419190"/>
+        <p14:creationId xmlns:p14="http://schemas.microsoft.com/office/powerpoint/2010/main" val="926460330"/>
       </p:ext>
     </p:extLst>
   </p:cSld>
@@ -3123,38 +3105,9 @@
           <a:p>
             <a:r>
               <a:rPr lang="ar-SA" dirty="0"/>
-              <a:t>يتم استخدام </a:t>
-            </a:r>
-            <a:r>
-              <a:rPr lang="en-US" dirty="0"/>
-              <a:t>a </a:t>
-            </a:r>
-            <a:r>
-              <a:rPr lang="ar-SA" dirty="0"/>
-              <a:t>(</a:t>
-            </a:r>
-            <a:r>
-              <a:rPr lang="en-US" dirty="0"/>
-              <a:t>link</a:t>
-            </a:r>
-            <a:r>
-              <a:rPr lang="ar-SA" dirty="0"/>
-              <a:t>) لربط صفحات الموقع مع بعضها أو الارتباط مع صفحات و مواقع أخرى </a:t>
-            </a:r>
-          </a:p>
-          <a:p>
-            <a:r>
-              <a:rPr lang="ar-SA" dirty="0"/>
-              <a:t>بحيث يتم تحديد الرابط الخاص بالصفحة الهدف عن طريق </a:t>
-            </a:r>
-            <a:r>
-              <a:rPr lang="en-US" dirty="0" err="1"/>
-              <a:t>href</a:t>
-            </a:r>
-            <a:endParaRPr lang="ar-SA" dirty="0"/>
-          </a:p>
-          <a:p>
-            <a:endParaRPr lang="ar-SA" dirty="0"/>
+              <a:t>يمكن وضع نصوص بصيغ خاصة</a:t>
+            </a:r>
+            <a:endParaRPr lang="en-US" dirty="0"/>
           </a:p>
         </p:txBody>
       </p:sp>
@@ -3184,7 +3137,7 @@
     </p:spTree>
     <p:extLst>
       <p:ext uri="{BB962C8B-B14F-4D97-AF65-F5344CB8AC3E}">
-        <p14:creationId xmlns:p14="http://schemas.microsoft.com/office/powerpoint/2010/main" val="142374516"/>
+        <p14:creationId xmlns:p14="http://schemas.microsoft.com/office/powerpoint/2010/main" val="1474853279"/>
       </p:ext>
     </p:extLst>
   </p:cSld>
@@ -3240,11 +3193,29 @@
           <a:p>
             <a:r>
               <a:rPr lang="ar-SA" dirty="0"/>
-              <a:t>يمكن استخدام صورة بدلاً من استخدام نص كرابط لصفحة أخرى </a:t>
-            </a:r>
-          </a:p>
-          <a:p>
+              <a:t>يوجد أكثر من درجة للعناوين من 1 حتى 6 </a:t>
+            </a:r>
+          </a:p>
+          <a:p>
+            <a:r>
+              <a:rPr lang="ar-SA" dirty="0"/>
+              <a:t>يكون اكبرها </a:t>
+            </a:r>
+            <a:r>
+              <a:rPr lang="en-US" dirty="0"/>
+              <a:t>h1</a:t>
+            </a:r>
             <a:endParaRPr lang="ar-SA" dirty="0"/>
+          </a:p>
+          <a:p>
+            <a:r>
+              <a:rPr lang="ar-SA" dirty="0"/>
+              <a:t>و أصغرها </a:t>
+            </a:r>
+            <a:r>
+              <a:rPr lang="en-US" dirty="0"/>
+              <a:t>h6</a:t>
+            </a:r>
           </a:p>
         </p:txBody>
       </p:sp>
@@ -3274,7 +3245,7 @@
     </p:spTree>
     <p:extLst>
       <p:ext uri="{BB962C8B-B14F-4D97-AF65-F5344CB8AC3E}">
-        <p14:creationId xmlns:p14="http://schemas.microsoft.com/office/powerpoint/2010/main" val="1464452692"/>
+        <p14:creationId xmlns:p14="http://schemas.microsoft.com/office/powerpoint/2010/main" val="36419190"/>
       </p:ext>
     </p:extLst>
   </p:cSld>
@@ -3330,20 +3301,64 @@
           <a:p>
             <a:r>
               <a:rPr lang="ar-SA" dirty="0"/>
-              <a:t>يمكن استخدام الروابط المطلقة أو النسبية:</a:t>
-            </a:r>
-          </a:p>
-          <a:p>
+              <a:t>يتم استخدام </a:t>
+            </a:r>
+            <a:r>
+              <a:rPr lang="en-US" dirty="0"/>
+              <a:t>a </a:t>
+            </a:r>
             <a:r>
               <a:rPr lang="ar-SA" dirty="0"/>
-              <a:t>الرابط المطلق : بحيث يكتب الرابط "كعنوان صفحة ويب كامل" و غالبا ما يستخدم في حالة طلب موقع خارجي </a:t>
-            </a:r>
-          </a:p>
-          <a:p>
+              <a:t>(</a:t>
+            </a:r>
+            <a:r>
+              <a:rPr lang="en-US" dirty="0"/>
+              <a:t>link</a:t>
+            </a:r>
             <a:r>
               <a:rPr lang="ar-SA" dirty="0"/>
-              <a:t>الرابط النسبي: يكتب الرابط بشكل نسبي انطلقاً من الصفحة الحالية </a:t>
-            </a:r>
+              <a:t>) لربط صفحات الموقع مع بعضها أو الارتباط مع صفحات و مواقع أخرى </a:t>
+            </a:r>
+          </a:p>
+          <a:p>
+            <a:r>
+              <a:rPr lang="ar-SA" dirty="0"/>
+              <a:t>بحيث يتم تحديد الرابط الخاص بالصفحة الهدف عن طريق </a:t>
+            </a:r>
+            <a:r>
+              <a:rPr lang="en-US" dirty="0" err="1"/>
+              <a:t>href</a:t>
+            </a:r>
+            <a:endParaRPr lang="en-US" dirty="0"/>
+          </a:p>
+          <a:p>
+            <a:endParaRPr lang="en-US" dirty="0"/>
+          </a:p>
+          <a:p>
+            <a:pPr marL="0" marR="0" lvl="0" indent="0" algn="r" defTabSz="914400" rtl="1" eaLnBrk="1" fontAlgn="auto" latinLnBrk="0" hangingPunct="1">
+              <a:lnSpc>
+                <a:spcPct val="100000"/>
+              </a:lnSpc>
+              <a:spcBef>
+                <a:spcPts val="0"/>
+              </a:spcBef>
+              <a:spcAft>
+                <a:spcPts val="0"/>
+              </a:spcAft>
+              <a:buClrTx/>
+              <a:buSzTx/>
+              <a:buFontTx/>
+              <a:buNone/>
+              <a:tabLst/>
+              <a:defRPr/>
+            </a:pPr>
+            <a:r>
+              <a:rPr lang="ar-SA" dirty="0"/>
+              <a:t>يمكن استخدام صورة بدلاً من استخدام نص كرابط لصفحة أخرى </a:t>
+            </a:r>
+          </a:p>
+          <a:p>
+            <a:endParaRPr lang="ar-SA" dirty="0"/>
           </a:p>
           <a:p>
             <a:endParaRPr lang="ar-SA" dirty="0"/>
@@ -3376,7 +3391,7 @@
     </p:spTree>
     <p:extLst>
       <p:ext uri="{BB962C8B-B14F-4D97-AF65-F5344CB8AC3E}">
-        <p14:creationId xmlns:p14="http://schemas.microsoft.com/office/powerpoint/2010/main" val="1631188975"/>
+        <p14:creationId xmlns:p14="http://schemas.microsoft.com/office/powerpoint/2010/main" val="142374516"/>
       </p:ext>
     </p:extLst>
   </p:cSld>
@@ -3432,52 +3447,8 @@
           <a:p>
             <a:r>
               <a:rPr lang="ar-SA" dirty="0"/>
-              <a:t>في الروابط النسبية </a:t>
-            </a:r>
-            <a:br>
-              <a:rPr lang="ar-SA" dirty="0"/>
-            </a:br>
-            <a:r>
-              <a:rPr lang="ar-SA" dirty="0" err="1"/>
-              <a:t>نستخدام</a:t>
-            </a:r>
-            <a:r>
-              <a:rPr lang="ar-SA" dirty="0"/>
-              <a:t> </a:t>
-            </a:r>
-            <a:r>
-              <a:rPr lang="en-US" dirty="0"/>
-              <a:t>“/”</a:t>
-            </a:r>
-            <a:r>
-              <a:rPr lang="ar-SA" dirty="0"/>
-              <a:t>  لفتح ملف "خطوة للأمام"</a:t>
-            </a:r>
-          </a:p>
-          <a:p>
-            <a:r>
-              <a:rPr lang="ar-SA" dirty="0"/>
-              <a:t>و “</a:t>
-            </a:r>
-            <a:r>
-              <a:rPr lang="en-US" dirty="0"/>
-              <a:t>../</a:t>
-            </a:r>
-            <a:r>
-              <a:rPr lang="ar-SA" dirty="0"/>
-              <a:t>“</a:t>
-            </a:r>
-            <a:r>
-              <a:rPr lang="en-US" dirty="0"/>
-              <a:t> </a:t>
-            </a:r>
-            <a:r>
-              <a:rPr lang="ar-SA" dirty="0"/>
-              <a:t> للرجوع للخلف  "خطوة للخلف"</a:t>
-            </a:r>
-          </a:p>
-          <a:p>
-            <a:endParaRPr lang="ar-SA" dirty="0"/>
+              <a:t>يمكن استخدام صورة بدلاً من استخدام نص كرابط لصفحة أخرى </a:t>
+            </a:r>
           </a:p>
           <a:p>
             <a:endParaRPr lang="ar-SA" dirty="0"/>
@@ -3510,7 +3481,7 @@
     </p:spTree>
     <p:extLst>
       <p:ext uri="{BB962C8B-B14F-4D97-AF65-F5344CB8AC3E}">
-        <p14:creationId xmlns:p14="http://schemas.microsoft.com/office/powerpoint/2010/main" val="1402236627"/>
+        <p14:creationId xmlns:p14="http://schemas.microsoft.com/office/powerpoint/2010/main" val="1464452692"/>
       </p:ext>
     </p:extLst>
   </p:cSld>
@@ -3566,18 +3537,22 @@
           <a:p>
             <a:r>
               <a:rPr lang="ar-SA" dirty="0"/>
-              <a:t>بشكل اعتيادي سيتم فتح الصفحة الجديدة في نفس نافذة المتصفح</a:t>
+              <a:t>يمكن استخدام الروابط المطلقة أو النسبية:</a:t>
             </a:r>
           </a:p>
           <a:p>
             <a:r>
               <a:rPr lang="ar-SA" dirty="0"/>
-              <a:t>و لكن يمكن فتح الصفحة الجديدة في تبويب جديد باستخدام </a:t>
-            </a:r>
-            <a:r>
-              <a:rPr lang="en-US" dirty="0"/>
-              <a:t>target="_blank"</a:t>
-            </a:r>
+              <a:t>الرابط المطلق : بحيث يكتب الرابط "كعنوان صفحة ويب كامل" و غالبا ما يستخدم في حالة طلب موقع خارجي </a:t>
+            </a:r>
+          </a:p>
+          <a:p>
+            <a:r>
+              <a:rPr lang="ar-SA" dirty="0"/>
+              <a:t>الرابط النسبي: يكتب الرابط بشكل نسبي انطلقاً من الصفحة الحالية </a:t>
+            </a:r>
+          </a:p>
+          <a:p>
             <a:endParaRPr lang="ar-SA" dirty="0"/>
           </a:p>
         </p:txBody>
@@ -3608,7 +3583,7 @@
     </p:spTree>
     <p:extLst>
       <p:ext uri="{BB962C8B-B14F-4D97-AF65-F5344CB8AC3E}">
-        <p14:creationId xmlns:p14="http://schemas.microsoft.com/office/powerpoint/2010/main" val="2903009379"/>
+        <p14:creationId xmlns:p14="http://schemas.microsoft.com/office/powerpoint/2010/main" val="1631188975"/>
       </p:ext>
     </p:extLst>
   </p:cSld>
@@ -3747,61 +3722,56 @@
           <a:lstStyle/>
           <a:p>
             <a:r>
-              <a:rPr lang="ar-SY" dirty="0"/>
-              <a:t>لعرض</a:t>
-            </a:r>
-            <a:r>
-              <a:rPr lang="ar-SY" baseline="0" dirty="0"/>
-              <a:t> صورة نستخدم </a:t>
-            </a:r>
-            <a:r>
-              <a:rPr lang="ar-SY" baseline="0" dirty="0" err="1"/>
-              <a:t>تاغ</a:t>
-            </a:r>
-            <a:r>
-              <a:rPr lang="ar-SY" baseline="0" dirty="0"/>
+              <a:rPr lang="ar-SA" dirty="0"/>
+              <a:t>في الروابط النسبية </a:t>
+            </a:r>
+            <a:br>
+              <a:rPr lang="ar-SA" dirty="0"/>
+            </a:br>
+            <a:r>
+              <a:rPr lang="ar-SA" dirty="0" err="1"/>
+              <a:t>نستخدام</a:t>
+            </a:r>
+            <a:r>
+              <a:rPr lang="ar-SA" dirty="0"/>
               <a:t> </a:t>
             </a:r>
             <a:r>
-              <a:rPr lang="en-US" baseline="0" dirty="0" err="1"/>
-              <a:t>img</a:t>
-            </a:r>
-            <a:r>
-              <a:rPr lang="en-US" baseline="0" dirty="0"/>
-              <a:t>  </a:t>
-            </a:r>
-            <a:r>
-              <a:rPr lang="ar-SY" baseline="0" dirty="0"/>
-              <a:t>  :</a:t>
-            </a:r>
-          </a:p>
-          <a:p>
-            <a:r>
-              <a:rPr lang="ar-SY" baseline="0" dirty="0"/>
-              <a:t>يتم تحديد موقع الصورة المطلوبة : باستخدام  الواصفة </a:t>
-            </a:r>
-            <a:r>
-              <a:rPr lang="en-US" baseline="0" dirty="0" err="1"/>
-              <a:t>src</a:t>
-            </a:r>
-            <a:endParaRPr lang="en-US" baseline="0" dirty="0"/>
-          </a:p>
-          <a:p>
-            <a:r>
-              <a:rPr lang="ar-SY" baseline="0" dirty="0"/>
-              <a:t>في حال وجود مشكلة في تحميل الصورة يتم عرض النص البديل المكتوب في الواصفة </a:t>
-            </a:r>
-            <a:r>
-              <a:rPr lang="en-US" baseline="0" dirty="0"/>
-              <a:t>alt</a:t>
-            </a:r>
-            <a:endParaRPr lang="ar-SY" baseline="0" dirty="0"/>
-          </a:p>
-          <a:p>
-            <a:r>
-              <a:rPr lang="ar-SY" baseline="0" dirty="0"/>
-              <a:t>يمكن تحديد طول و عرض الصورة </a:t>
-            </a:r>
+              <a:rPr lang="en-US" dirty="0"/>
+              <a:t>“/”</a:t>
+            </a:r>
+            <a:r>
+              <a:rPr lang="ar-SA" dirty="0"/>
+              <a:t>  لفتح ملف "خطوة للأمام"</a:t>
+            </a:r>
+          </a:p>
+          <a:p>
+            <a:r>
+              <a:rPr lang="ar-SA" dirty="0"/>
+              <a:t>و “</a:t>
+            </a:r>
+            <a:r>
+              <a:rPr lang="en-US" dirty="0"/>
+              <a:t>../</a:t>
+            </a:r>
+            <a:r>
+              <a:rPr lang="ar-SA" dirty="0"/>
+              <a:t>“</a:t>
+            </a:r>
+            <a:r>
+              <a:rPr lang="en-US" dirty="0"/>
+              <a:t> </a:t>
+            </a:r>
+            <a:r>
+              <a:rPr lang="ar-SA" dirty="0"/>
+              <a:t> للرجوع للخلف  "خطوة للخلف"</a:t>
+            </a:r>
+          </a:p>
+          <a:p>
+            <a:endParaRPr lang="ar-SA" dirty="0"/>
+          </a:p>
+          <a:p>
+            <a:endParaRPr lang="ar-SA" dirty="0"/>
           </a:p>
         </p:txBody>
       </p:sp>
@@ -3831,7 +3801,7 @@
     </p:spTree>
     <p:extLst>
       <p:ext uri="{BB962C8B-B14F-4D97-AF65-F5344CB8AC3E}">
-        <p14:creationId xmlns:p14="http://schemas.microsoft.com/office/powerpoint/2010/main" val="258870236"/>
+        <p14:creationId xmlns:p14="http://schemas.microsoft.com/office/powerpoint/2010/main" val="1402236627"/>
       </p:ext>
     </p:extLst>
   </p:cSld>
@@ -3886,67 +3856,20 @@
           <a:lstStyle/>
           <a:p>
             <a:r>
-              <a:rPr lang="ar-SY" dirty="0"/>
-              <a:t>لعرض</a:t>
-            </a:r>
-            <a:r>
-              <a:rPr lang="ar-SY" baseline="0" dirty="0"/>
-              <a:t> صورة نستخدم </a:t>
-            </a:r>
-            <a:r>
-              <a:rPr lang="ar-SY" baseline="0" dirty="0" err="1"/>
-              <a:t>تاغ</a:t>
-            </a:r>
-            <a:r>
-              <a:rPr lang="ar-SY" baseline="0" dirty="0"/>
-              <a:t> </a:t>
-            </a:r>
-            <a:r>
-              <a:rPr lang="en-US" baseline="0" dirty="0" err="1"/>
-              <a:t>img</a:t>
-            </a:r>
-            <a:r>
-              <a:rPr lang="en-US" baseline="0" dirty="0"/>
-              <a:t>  </a:t>
-            </a:r>
-            <a:r>
-              <a:rPr lang="ar-SY" baseline="0" dirty="0"/>
-              <a:t>  :</a:t>
-            </a:r>
-          </a:p>
-          <a:p>
-            <a:r>
-              <a:rPr lang="ar-SY" baseline="0" dirty="0"/>
-              <a:t>يتم تحديد موقع الصورة المطلوبة : باستخدام  الواصفة </a:t>
-            </a:r>
-            <a:r>
-              <a:rPr lang="en-US" baseline="0" dirty="0" err="1"/>
-              <a:t>src</a:t>
-            </a:r>
-            <a:endParaRPr lang="en-US" baseline="0" dirty="0"/>
-          </a:p>
-          <a:p>
-            <a:r>
-              <a:rPr lang="ar-SY" baseline="0" dirty="0"/>
-              <a:t>في حال وجود مشكلة في تحميل الصورة يتم عرض النص البديل المكتوب في الواصفة </a:t>
-            </a:r>
-            <a:r>
-              <a:rPr lang="en-US" baseline="0" dirty="0"/>
-              <a:t>alt</a:t>
-            </a:r>
-            <a:endParaRPr lang="ar-SY" baseline="0" dirty="0"/>
-          </a:p>
-          <a:p>
-            <a:r>
-              <a:rPr lang="ar-SY" baseline="0" dirty="0"/>
-              <a:t>يمكن تحديد طول و عرض الصورة </a:t>
-            </a:r>
-          </a:p>
-          <a:p>
-            <a:r>
-              <a:rPr lang="ar-SY" baseline="0" dirty="0"/>
-              <a:t>في حال تم طلب صورة غير موجودة سيظهر النص البديل</a:t>
-            </a:r>
+              <a:rPr lang="ar-SA" dirty="0"/>
+              <a:t>بشكل اعتيادي سيتم فتح الصفحة الجديدة في نفس نافذة المتصفح</a:t>
+            </a:r>
+          </a:p>
+          <a:p>
+            <a:r>
+              <a:rPr lang="ar-SA" dirty="0"/>
+              <a:t>و لكن يمكن فتح الصفحة الجديدة في تبويب جديد باستخدام </a:t>
+            </a:r>
+            <a:r>
+              <a:rPr lang="en-US" dirty="0"/>
+              <a:t>target="_blank"</a:t>
+            </a:r>
+            <a:endParaRPr lang="ar-SA" dirty="0"/>
           </a:p>
         </p:txBody>
       </p:sp>
@@ -3976,7 +3899,7 @@
     </p:spTree>
     <p:extLst>
       <p:ext uri="{BB962C8B-B14F-4D97-AF65-F5344CB8AC3E}">
-        <p14:creationId xmlns:p14="http://schemas.microsoft.com/office/powerpoint/2010/main" val="4023587661"/>
+        <p14:creationId xmlns:p14="http://schemas.microsoft.com/office/powerpoint/2010/main" val="2903009379"/>
       </p:ext>
     </p:extLst>
   </p:cSld>
@@ -4087,12 +4010,6 @@
               <a:t>يمكن تحديد طول و عرض الصورة </a:t>
             </a:r>
           </a:p>
-          <a:p>
-            <a:r>
-              <a:rPr lang="ar-SY" baseline="0" dirty="0"/>
-              <a:t>في حال تم طلب صورة غير موجودة سيظهر النص البديل</a:t>
-            </a:r>
-          </a:p>
         </p:txBody>
       </p:sp>
       <p:sp>
@@ -4121,7 +4038,7 @@
     </p:spTree>
     <p:extLst>
       <p:ext uri="{BB962C8B-B14F-4D97-AF65-F5344CB8AC3E}">
-        <p14:creationId xmlns:p14="http://schemas.microsoft.com/office/powerpoint/2010/main" val="280403866"/>
+        <p14:creationId xmlns:p14="http://schemas.microsoft.com/office/powerpoint/2010/main" val="258870236"/>
       </p:ext>
     </p:extLst>
   </p:cSld>
@@ -4176,48 +4093,66 @@
           <a:lstStyle/>
           <a:p>
             <a:r>
-              <a:rPr lang="ar-SA" baseline="0" dirty="0"/>
-              <a:t>القوائم</a:t>
+              <a:rPr lang="ar-SY" dirty="0"/>
+              <a:t>لعرض</a:t>
+            </a:r>
+            <a:r>
+              <a:rPr lang="ar-SY" baseline="0" dirty="0"/>
+              <a:t> صورة نستخدم </a:t>
+            </a:r>
+            <a:r>
+              <a:rPr lang="ar-SY" baseline="0" dirty="0" err="1"/>
+              <a:t>تاغ</a:t>
+            </a:r>
+            <a:r>
+              <a:rPr lang="ar-SY" baseline="0" dirty="0"/>
+              <a:t> </a:t>
+            </a:r>
+            <a:r>
+              <a:rPr lang="en-US" baseline="0" dirty="0" err="1"/>
+              <a:t>img</a:t>
             </a:r>
             <a:r>
               <a:rPr lang="en-US" baseline="0" dirty="0"/>
-              <a:t>:</a:t>
-            </a:r>
-          </a:p>
-          <a:p>
-            <a:r>
-              <a:rPr lang="ar-SA" baseline="0" dirty="0"/>
-              <a:t>يوجد 3 أنواع للقوائم :</a:t>
-            </a:r>
-          </a:p>
-          <a:p>
-            <a:pPr marL="228600" indent="-228600">
-              <a:buFont typeface="+mj-lt"/>
-              <a:buAutoNum type="arabicPeriod"/>
-            </a:pPr>
-            <a:r>
-              <a:rPr lang="ar-SA" baseline="0" dirty="0"/>
-              <a:t>مرتبة</a:t>
-            </a:r>
-          </a:p>
-          <a:p>
-            <a:pPr marL="228600" indent="-228600">
-              <a:buFont typeface="+mj-lt"/>
-              <a:buAutoNum type="arabicPeriod"/>
-            </a:pPr>
-            <a:r>
-              <a:rPr lang="ar-SA" baseline="0" dirty="0"/>
-              <a:t>غير مرتبة </a:t>
-            </a:r>
-          </a:p>
-          <a:p>
-            <a:pPr marL="228600" indent="-228600">
-              <a:buFont typeface="+mj-lt"/>
-              <a:buAutoNum type="arabicPeriod"/>
-            </a:pPr>
-            <a:r>
-              <a:rPr lang="ar-SA" baseline="0" dirty="0"/>
-              <a:t>قوائم وصفية</a:t>
+              <a:t>  </a:t>
+            </a:r>
+            <a:r>
+              <a:rPr lang="ar-SY" baseline="0" dirty="0"/>
+              <a:t>  :</a:t>
+            </a:r>
+          </a:p>
+          <a:p>
+            <a:r>
+              <a:rPr lang="ar-SY" baseline="0" dirty="0"/>
+              <a:t>يتم تحديد موقع الصورة المطلوبة : باستخدام  الواصفة </a:t>
+            </a:r>
+            <a:r>
+              <a:rPr lang="en-US" baseline="0" dirty="0" err="1"/>
+              <a:t>src</a:t>
+            </a:r>
+            <a:endParaRPr lang="en-US" baseline="0" dirty="0"/>
+          </a:p>
+          <a:p>
+            <a:r>
+              <a:rPr lang="ar-SY" baseline="0" dirty="0"/>
+              <a:t>في حال وجود مشكلة في تحميل الصورة يتم عرض النص البديل المكتوب في الواصفة </a:t>
+            </a:r>
+            <a:r>
+              <a:rPr lang="en-US" baseline="0" dirty="0"/>
+              <a:t>alt</a:t>
+            </a:r>
+            <a:endParaRPr lang="ar-SY" baseline="0" dirty="0"/>
+          </a:p>
+          <a:p>
+            <a:r>
+              <a:rPr lang="ar-SY" baseline="0" dirty="0"/>
+              <a:t>يمكن تحديد طول و عرض الصورة </a:t>
+            </a:r>
+          </a:p>
+          <a:p>
+            <a:r>
+              <a:rPr lang="ar-SY" baseline="0" dirty="0"/>
+              <a:t>في حال تم طلب صورة غير موجودة سيظهر النص البديل</a:t>
             </a:r>
           </a:p>
         </p:txBody>
@@ -4248,7 +4183,7 @@
     </p:spTree>
     <p:extLst>
       <p:ext uri="{BB962C8B-B14F-4D97-AF65-F5344CB8AC3E}">
-        <p14:creationId xmlns:p14="http://schemas.microsoft.com/office/powerpoint/2010/main" val="3635117146"/>
+        <p14:creationId xmlns:p14="http://schemas.microsoft.com/office/powerpoint/2010/main" val="4023587661"/>
       </p:ext>
     </p:extLst>
   </p:cSld>
@@ -4303,8 +4238,66 @@
           <a:lstStyle/>
           <a:p>
             <a:r>
-              <a:rPr lang="ar-SA" baseline="0" dirty="0"/>
-              <a:t>القوائم الغير مرتبة </a:t>
+              <a:rPr lang="ar-SY" dirty="0"/>
+              <a:t>لعرض</a:t>
+            </a:r>
+            <a:r>
+              <a:rPr lang="ar-SY" baseline="0" dirty="0"/>
+              <a:t> صورة نستخدم </a:t>
+            </a:r>
+            <a:r>
+              <a:rPr lang="ar-SY" baseline="0" dirty="0" err="1"/>
+              <a:t>تاغ</a:t>
+            </a:r>
+            <a:r>
+              <a:rPr lang="ar-SY" baseline="0" dirty="0"/>
+              <a:t> </a:t>
+            </a:r>
+            <a:r>
+              <a:rPr lang="en-US" baseline="0" dirty="0" err="1"/>
+              <a:t>img</a:t>
+            </a:r>
+            <a:r>
+              <a:rPr lang="en-US" baseline="0" dirty="0"/>
+              <a:t>  </a:t>
+            </a:r>
+            <a:r>
+              <a:rPr lang="ar-SY" baseline="0" dirty="0"/>
+              <a:t>  :</a:t>
+            </a:r>
+          </a:p>
+          <a:p>
+            <a:r>
+              <a:rPr lang="ar-SY" baseline="0" dirty="0"/>
+              <a:t>يتم تحديد موقع الصورة المطلوبة : باستخدام  الواصفة </a:t>
+            </a:r>
+            <a:r>
+              <a:rPr lang="en-US" baseline="0" dirty="0" err="1"/>
+              <a:t>src</a:t>
+            </a:r>
+            <a:endParaRPr lang="en-US" baseline="0" dirty="0"/>
+          </a:p>
+          <a:p>
+            <a:r>
+              <a:rPr lang="ar-SY" baseline="0" dirty="0"/>
+              <a:t>في حال وجود مشكلة في تحميل الصورة يتم عرض النص البديل المكتوب في الواصفة </a:t>
+            </a:r>
+            <a:r>
+              <a:rPr lang="en-US" baseline="0" dirty="0"/>
+              <a:t>alt</a:t>
+            </a:r>
+            <a:endParaRPr lang="ar-SY" baseline="0" dirty="0"/>
+          </a:p>
+          <a:p>
+            <a:r>
+              <a:rPr lang="ar-SY" baseline="0" dirty="0"/>
+              <a:t>يمكن تحديد طول و عرض الصورة </a:t>
+            </a:r>
+          </a:p>
+          <a:p>
+            <a:r>
+              <a:rPr lang="ar-SY" baseline="0" dirty="0"/>
+              <a:t>في حال تم طلب صورة غير موجودة سيظهر النص البديل</a:t>
             </a:r>
           </a:p>
         </p:txBody>
@@ -4335,7 +4328,7 @@
     </p:spTree>
     <p:extLst>
       <p:ext uri="{BB962C8B-B14F-4D97-AF65-F5344CB8AC3E}">
-        <p14:creationId xmlns:p14="http://schemas.microsoft.com/office/powerpoint/2010/main" val="2975871838"/>
+        <p14:creationId xmlns:p14="http://schemas.microsoft.com/office/powerpoint/2010/main" val="280403866"/>
       </p:ext>
     </p:extLst>
   </p:cSld>
@@ -4391,7 +4384,47 @@
           <a:p>
             <a:r>
               <a:rPr lang="ar-SA" baseline="0" dirty="0"/>
-              <a:t>القوائم مرتبة </a:t>
+              <a:t>القوائم</a:t>
+            </a:r>
+            <a:r>
+              <a:rPr lang="en-US" baseline="0" dirty="0"/>
+              <a:t>:</a:t>
+            </a:r>
+          </a:p>
+          <a:p>
+            <a:r>
+              <a:rPr lang="ar-SA" baseline="0" dirty="0"/>
+              <a:t>يوجد 3 أنواع للقوائم :</a:t>
+            </a:r>
+          </a:p>
+          <a:p>
+            <a:pPr marL="228600" indent="-228600">
+              <a:buFont typeface="+mj-lt"/>
+              <a:buAutoNum type="arabicPeriod"/>
+            </a:pPr>
+            <a:r>
+              <a:rPr lang="ar-SA" baseline="0" dirty="0"/>
+              <a:t>مرتبة</a:t>
+            </a:r>
+          </a:p>
+          <a:p>
+            <a:pPr marL="228600" indent="-228600">
+              <a:buFont typeface="+mj-lt"/>
+              <a:buAutoNum type="arabicPeriod"/>
+            </a:pPr>
+            <a:r>
+              <a:rPr lang="ar-SA" baseline="0" dirty="0"/>
+              <a:t>غير مرتبة </a:t>
+            </a:r>
+          </a:p>
+          <a:p>
+            <a:pPr marL="228600" indent="-228600">
+              <a:buFont typeface="+mj-lt"/>
+              <a:buAutoNum type="arabicPeriod"/>
+            </a:pPr>
+            <a:r>
+              <a:rPr lang="ar-SA" baseline="0" dirty="0"/>
+              <a:t>قوائم وصفية</a:t>
             </a:r>
           </a:p>
         </p:txBody>
@@ -4422,7 +4455,7 @@
     </p:spTree>
     <p:extLst>
       <p:ext uri="{BB962C8B-B14F-4D97-AF65-F5344CB8AC3E}">
-        <p14:creationId xmlns:p14="http://schemas.microsoft.com/office/powerpoint/2010/main" val="2059139337"/>
+        <p14:creationId xmlns:p14="http://schemas.microsoft.com/office/powerpoint/2010/main" val="3635117146"/>
       </p:ext>
     </p:extLst>
   </p:cSld>
@@ -4478,7 +4511,7 @@
           <a:p>
             <a:r>
               <a:rPr lang="ar-SA" baseline="0" dirty="0"/>
-              <a:t>القوائم الوصفية </a:t>
+              <a:t>القوائم الغير مرتبة </a:t>
             </a:r>
           </a:p>
         </p:txBody>
@@ -4509,7 +4542,7 @@
     </p:spTree>
     <p:extLst>
       <p:ext uri="{BB962C8B-B14F-4D97-AF65-F5344CB8AC3E}">
-        <p14:creationId xmlns:p14="http://schemas.microsoft.com/office/powerpoint/2010/main" val="2362487279"/>
+        <p14:creationId xmlns:p14="http://schemas.microsoft.com/office/powerpoint/2010/main" val="2975871838"/>
       </p:ext>
     </p:extLst>
   </p:cSld>
@@ -4565,61 +4598,8 @@
           <a:p>
             <a:r>
               <a:rPr lang="ar-SA" baseline="0" dirty="0"/>
-              <a:t>يمكن إنشاء جدول باستخدام تاغ </a:t>
-            </a:r>
-            <a:r>
-              <a:rPr lang="en-US" baseline="0" dirty="0"/>
-              <a:t>Table</a:t>
-            </a:r>
-          </a:p>
-          <a:p>
-            <a:r>
-              <a:rPr lang="ar-SA" baseline="0" dirty="0"/>
-              <a:t>لإنشاء سطر نستخدم </a:t>
-            </a:r>
-            <a:r>
-              <a:rPr lang="en-US" baseline="0" dirty="0"/>
-              <a:t>tr</a:t>
-            </a:r>
-          </a:p>
-          <a:p>
-            <a:pPr marL="0" marR="0" lvl="0" indent="0" algn="r" defTabSz="914400" rtl="1" eaLnBrk="1" fontAlgn="auto" latinLnBrk="0" hangingPunct="1">
-              <a:lnSpc>
-                <a:spcPct val="100000"/>
-              </a:lnSpc>
-              <a:spcBef>
-                <a:spcPts val="0"/>
-              </a:spcBef>
-              <a:spcAft>
-                <a:spcPts val="0"/>
-              </a:spcAft>
-              <a:buClrTx/>
-              <a:buSzTx/>
-              <a:buFontTx/>
-              <a:buNone/>
-              <a:tabLst/>
-              <a:defRPr/>
-            </a:pPr>
-            <a:r>
-              <a:rPr lang="ar-SA" baseline="0" dirty="0"/>
-              <a:t>لإنشاء ترويسة الأعمدة </a:t>
-            </a:r>
-            <a:r>
-              <a:rPr lang="en-US" baseline="0" dirty="0" err="1"/>
-              <a:t>th</a:t>
-            </a:r>
-            <a:endParaRPr lang="en-US" baseline="0" dirty="0"/>
-          </a:p>
-          <a:p>
-            <a:r>
-              <a:rPr lang="ar-SA" baseline="0" dirty="0"/>
-              <a:t>لإنشاء عمود نستخدم </a:t>
-            </a:r>
-            <a:r>
-              <a:rPr lang="en-US" baseline="0" dirty="0"/>
-              <a:t>td</a:t>
-            </a:r>
-            <a:endParaRPr lang="ar-SA" baseline="0" dirty="0"/>
+              <a:t>القوائم مرتبة </a:t>
+            </a:r>
           </a:p>
         </p:txBody>
       </p:sp>
@@ -4649,7 +4629,7 @@
     </p:spTree>
     <p:extLst>
       <p:ext uri="{BB962C8B-B14F-4D97-AF65-F5344CB8AC3E}">
-        <p14:creationId xmlns:p14="http://schemas.microsoft.com/office/powerpoint/2010/main" val="2512501153"/>
+        <p14:creationId xmlns:p14="http://schemas.microsoft.com/office/powerpoint/2010/main" val="2059139337"/>
       </p:ext>
     </p:extLst>
   </p:cSld>
@@ -4705,32 +4685,7 @@
           <a:p>
             <a:r>
               <a:rPr lang="ar-SA" baseline="0" dirty="0"/>
-              <a:t>يمكن وضع حدود للجدول باستخدام الواصفة </a:t>
-            </a:r>
-            <a:r>
-              <a:rPr lang="en-US" baseline="0" dirty="0"/>
-              <a:t>border </a:t>
-            </a:r>
-          </a:p>
-          <a:p>
-            <a:r>
-              <a:rPr lang="ar-SA" baseline="0" dirty="0"/>
-              <a:t>يتم تحديد حجم و نوع الحدود</a:t>
-            </a:r>
-            <a:endParaRPr lang="en-US" baseline="0" dirty="0"/>
-          </a:p>
-          <a:p>
-            <a:r>
-              <a:rPr lang="ar-SA" baseline="0" dirty="0"/>
-              <a:t>يمكن تعديل خصائص الجدول باستخدام </a:t>
-            </a:r>
-            <a:r>
-              <a:rPr lang="en-US" baseline="0" dirty="0"/>
-              <a:t>CSS </a:t>
-            </a:r>
-            <a:r>
-              <a:rPr lang="ar-SA" baseline="0" dirty="0"/>
-              <a:t> لاحقاً</a:t>
+              <a:t>القوائم الوصفية </a:t>
             </a:r>
           </a:p>
         </p:txBody>
@@ -4761,7 +4716,7 @@
     </p:spTree>
     <p:extLst>
       <p:ext uri="{BB962C8B-B14F-4D97-AF65-F5344CB8AC3E}">
-        <p14:creationId xmlns:p14="http://schemas.microsoft.com/office/powerpoint/2010/main" val="684913543"/>
+        <p14:creationId xmlns:p14="http://schemas.microsoft.com/office/powerpoint/2010/main" val="2362487279"/>
       </p:ext>
     </p:extLst>
   </p:cSld>
@@ -4816,13 +4771,62 @@
           <a:lstStyle/>
           <a:p>
             <a:r>
+              <a:rPr lang="ar-SA" baseline="0" dirty="0"/>
+              <a:t>يمكن إنشاء جدول باستخدام تاغ </a:t>
+            </a:r>
+            <a:r>
+              <a:rPr lang="en-US" baseline="0" dirty="0"/>
+              <a:t>Table</a:t>
+            </a:r>
+          </a:p>
+          <a:p>
+            <a:r>
+              <a:rPr lang="ar-SA" baseline="0" dirty="0"/>
+              <a:t>لإنشاء سطر نستخدم </a:t>
+            </a:r>
+            <a:r>
+              <a:rPr lang="en-US" baseline="0" dirty="0"/>
+              <a:t>tr</a:t>
+            </a:r>
+          </a:p>
+          <a:p>
+            <a:pPr marL="0" marR="0" lvl="0" indent="0" algn="r" defTabSz="914400" rtl="1" eaLnBrk="1" fontAlgn="auto" latinLnBrk="0" hangingPunct="1">
+              <a:lnSpc>
+                <a:spcPct val="100000"/>
+              </a:lnSpc>
+              <a:spcBef>
+                <a:spcPts val="0"/>
+              </a:spcBef>
+              <a:spcAft>
+                <a:spcPts val="0"/>
+              </a:spcAft>
+              <a:buClrTx/>
+              <a:buSzTx/>
+              <a:buFontTx/>
+              <a:buNone/>
+              <a:tabLst/>
+              <a:defRPr/>
+            </a:pPr>
+            <a:r>
+              <a:rPr lang="ar-SA" baseline="0" dirty="0"/>
+              <a:t>لإنشاء ترويسة الأعمدة </a:t>
+            </a:r>
+            <a:r>
               <a:rPr lang="en-US" baseline="0" dirty="0" err="1"/>
-              <a:t>Colspan</a:t>
-            </a:r>
+              <a:t>th</a:t>
+            </a:r>
+            <a:endParaRPr lang="en-US" baseline="0" dirty="0"/>
+          </a:p>
+          <a:p>
             <a:r>
               <a:rPr lang="ar-SA" baseline="0" dirty="0"/>
-              <a:t> لجعل الخلية تمتد على أكثر من عمود </a:t>
-            </a:r>
+              <a:t>لإنشاء عمود نستخدم </a:t>
+            </a:r>
+            <a:r>
+              <a:rPr lang="en-US" baseline="0" dirty="0"/>
+              <a:t>td</a:t>
+            </a:r>
+            <a:endParaRPr lang="ar-SA" baseline="0" dirty="0"/>
           </a:p>
         </p:txBody>
       </p:sp>
@@ -4852,7 +4856,7 @@
     </p:spTree>
     <p:extLst>
       <p:ext uri="{BB962C8B-B14F-4D97-AF65-F5344CB8AC3E}">
-        <p14:creationId xmlns:p14="http://schemas.microsoft.com/office/powerpoint/2010/main" val="2247077776"/>
+        <p14:creationId xmlns:p14="http://schemas.microsoft.com/office/powerpoint/2010/main" val="2512501153"/>
       </p:ext>
     </p:extLst>
   </p:cSld>
@@ -5215,40 +5219,35 @@
           <a:bodyPr/>
           <a:lstStyle/>
           <a:p>
-            <a:pPr marL="0" marR="0" lvl="0" indent="0" algn="r" defTabSz="914400" rtl="1" eaLnBrk="1" fontAlgn="auto" latinLnBrk="0" hangingPunct="1">
-              <a:lnSpc>
-                <a:spcPct val="100000"/>
-              </a:lnSpc>
-              <a:spcBef>
-                <a:spcPts val="0"/>
-              </a:spcBef>
-              <a:spcAft>
-                <a:spcPts val="0"/>
-              </a:spcAft>
-              <a:buClrTx/>
-              <a:buSzTx/>
-              <a:buFontTx/>
-              <a:buNone/>
-              <a:tabLst/>
-              <a:defRPr/>
-            </a:pPr>
-            <a:r>
-              <a:rPr lang="en-US" b="0" i="0" dirty="0" err="1">
-                <a:solidFill>
-                  <a:srgbClr val="FF0000"/>
-                </a:solidFill>
-                <a:effectLst/>
-                <a:latin typeface="Consolas" panose="020B0609020204030204" pitchFamily="49" charset="0"/>
-              </a:rPr>
-              <a:t>rowspan</a:t>
-            </a:r>
             <a:r>
               <a:rPr lang="ar-SA" baseline="0" dirty="0"/>
-              <a:t> لجعل الخلية تمتد على أكثر من سطر </a:t>
-            </a:r>
-          </a:p>
-          <a:p>
-            <a:endParaRPr lang="ar-SA" baseline="0" dirty="0"/>
+              <a:t>يمكن وضع حدود للجدول باستخدام الواصفة </a:t>
+            </a:r>
+            <a:r>
+              <a:rPr lang="en-US" baseline="0" dirty="0"/>
+              <a:t>border </a:t>
+            </a:r>
+          </a:p>
+          <a:p>
+            <a:r>
+              <a:rPr lang="ar-SA" baseline="0" dirty="0"/>
+              <a:t>يتم تحديد حجم و نوع الحدود</a:t>
+            </a:r>
+            <a:endParaRPr lang="en-US" baseline="0" dirty="0"/>
+          </a:p>
+          <a:p>
+            <a:r>
+              <a:rPr lang="ar-SA" baseline="0" dirty="0"/>
+              <a:t>يمكن تعديل خصائص الجدول باستخدام </a:t>
+            </a:r>
+            <a:r>
+              <a:rPr lang="en-US" baseline="0" dirty="0"/>
+              <a:t>CSS </a:t>
+            </a:r>
+            <a:r>
+              <a:rPr lang="ar-SA" baseline="0" dirty="0"/>
+              <a:t> لاحقاً</a:t>
+            </a:r>
           </a:p>
         </p:txBody>
       </p:sp>
@@ -5278,7 +5277,7 @@
     </p:spTree>
     <p:extLst>
       <p:ext uri="{BB962C8B-B14F-4D97-AF65-F5344CB8AC3E}">
-        <p14:creationId xmlns:p14="http://schemas.microsoft.com/office/powerpoint/2010/main" val="4075004062"/>
+        <p14:creationId xmlns:p14="http://schemas.microsoft.com/office/powerpoint/2010/main" val="684913543"/>
       </p:ext>
     </p:extLst>
   </p:cSld>
@@ -5333,43 +5332,12 @@
           <a:lstStyle/>
           <a:p>
             <a:r>
+              <a:rPr lang="en-US" baseline="0" dirty="0" err="1"/>
+              <a:t>Colspan</a:t>
+            </a:r>
+            <a:r>
               <a:rPr lang="ar-SA" baseline="0" dirty="0"/>
-              <a:t>من أجل إرسال معلومات من قبل المستخدم للسيرفر .. لإجراء معالجات عليها </a:t>
-            </a:r>
-          </a:p>
-          <a:p>
-            <a:r>
-              <a:rPr lang="ar-SA" baseline="0" dirty="0"/>
-              <a:t>يكون الطلب </a:t>
-            </a:r>
-            <a:r>
-              <a:rPr lang="en-US" baseline="0" dirty="0"/>
-              <a:t>request </a:t>
-            </a:r>
-            <a:r>
-              <a:rPr lang="ar-SA" baseline="0" dirty="0"/>
-              <a:t> بنمط </a:t>
-            </a:r>
-            <a:r>
-              <a:rPr lang="en-US" baseline="0" dirty="0"/>
-              <a:t>http request </a:t>
-            </a:r>
-          </a:p>
-          <a:p>
-            <a:r>
-              <a:rPr lang="ar-SA" baseline="0" dirty="0"/>
-              <a:t>و هو الذي يتيح التواصل بين الزبون و المخدم</a:t>
-            </a:r>
-            <a:endParaRPr lang="en-US" baseline="0" dirty="0"/>
-          </a:p>
-          <a:p>
-            <a:r>
-              <a:rPr lang="en-US" baseline="0" dirty="0"/>
-              <a:t>http request </a:t>
-            </a:r>
-            <a:r>
-              <a:rPr lang="ar-SA" baseline="0" dirty="0"/>
-              <a:t> يمثل بروتوكول الطلب و الاستجابة بين الزبون و المخدم</a:t>
+              <a:t> لجعل الخلية تمتد على أكثر من عمود </a:t>
             </a:r>
           </a:p>
         </p:txBody>
@@ -5400,7 +5368,7 @@
     </p:spTree>
     <p:extLst>
       <p:ext uri="{BB962C8B-B14F-4D97-AF65-F5344CB8AC3E}">
-        <p14:creationId xmlns:p14="http://schemas.microsoft.com/office/powerpoint/2010/main" val="2190595567"/>
+        <p14:creationId xmlns:p14="http://schemas.microsoft.com/office/powerpoint/2010/main" val="2247077776"/>
       </p:ext>
     </p:extLst>
   </p:cSld>
@@ -5454,58 +5422,39 @@
           <a:bodyPr/>
           <a:lstStyle/>
           <a:p>
+            <a:pPr marL="0" marR="0" lvl="0" indent="0" algn="r" defTabSz="914400" rtl="1" eaLnBrk="1" fontAlgn="auto" latinLnBrk="0" hangingPunct="1">
+              <a:lnSpc>
+                <a:spcPct val="100000"/>
+              </a:lnSpc>
+              <a:spcBef>
+                <a:spcPts val="0"/>
+              </a:spcBef>
+              <a:spcAft>
+                <a:spcPts val="0"/>
+              </a:spcAft>
+              <a:buClrTx/>
+              <a:buSzTx/>
+              <a:buFontTx/>
+              <a:buNone/>
+              <a:tabLst/>
+              <a:defRPr/>
+            </a:pPr>
+            <a:r>
+              <a:rPr lang="en-US" b="0" i="0" dirty="0" err="1">
+                <a:solidFill>
+                  <a:srgbClr val="FF0000"/>
+                </a:solidFill>
+                <a:effectLst/>
+                <a:latin typeface="Consolas" panose="020B0609020204030204" pitchFamily="49" charset="0"/>
+              </a:rPr>
+              <a:t>rowspan</a:t>
+            </a:r>
             <a:r>
               <a:rPr lang="ar-SA" baseline="0" dirty="0"/>
-              <a:t>من أجل إرسال معلومات من قبل المستخدم للسيرفر .. لإجراء معالجات عليها </a:t>
-            </a:r>
-            <a:endParaRPr lang="en-US" baseline="0" dirty="0"/>
-          </a:p>
-          <a:p>
-            <a:r>
-              <a:rPr lang="en-US" baseline="0" dirty="0"/>
-              <a:t>Action </a:t>
-            </a:r>
-            <a:r>
-              <a:rPr lang="ar-SA" baseline="0" dirty="0"/>
-              <a:t>: لتحديد وجهة المعالجة </a:t>
-            </a:r>
-          </a:p>
-          <a:p>
-            <a:r>
-              <a:rPr lang="en-US" baseline="0" dirty="0"/>
-              <a:t>Method</a:t>
-            </a:r>
-            <a:r>
-              <a:rPr lang="ar-SA" baseline="0" dirty="0"/>
-              <a:t>: لتحديد نمط ارسال المعلومات إلى السيرفر</a:t>
-            </a:r>
-            <a:endParaRPr lang="en-US" baseline="0" dirty="0"/>
-          </a:p>
-          <a:p>
-            <a:r>
-              <a:rPr lang="ar-SA" baseline="0" dirty="0"/>
-              <a:t>يوجد طريقتين أساسيتين للإرسال</a:t>
-            </a:r>
-            <a:r>
-              <a:rPr lang="en-US" baseline="0" dirty="0"/>
-              <a:t> </a:t>
-            </a:r>
-            <a:r>
-              <a:rPr lang="ar-SA" baseline="0" dirty="0"/>
-              <a:t>:</a:t>
-            </a:r>
-          </a:p>
-          <a:p>
-            <a:r>
-              <a:rPr lang="en-US" baseline="0" dirty="0"/>
-              <a:t>Post</a:t>
-            </a:r>
-          </a:p>
-          <a:p>
-            <a:r>
-              <a:rPr lang="en-US" baseline="0" dirty="0"/>
-              <a:t>Get</a:t>
-            </a:r>
+              <a:t> لجعل الخلية تمتد على أكثر من سطر </a:t>
+            </a:r>
+          </a:p>
+          <a:p>
             <a:endParaRPr lang="ar-SA" baseline="0" dirty="0"/>
           </a:p>
         </p:txBody>
@@ -5536,7 +5485,7 @@
     </p:spTree>
     <p:extLst>
       <p:ext uri="{BB962C8B-B14F-4D97-AF65-F5344CB8AC3E}">
-        <p14:creationId xmlns:p14="http://schemas.microsoft.com/office/powerpoint/2010/main" val="75834950"/>
+        <p14:creationId xmlns:p14="http://schemas.microsoft.com/office/powerpoint/2010/main" val="4075004062"/>
       </p:ext>
     </p:extLst>
   </p:cSld>
@@ -5592,98 +5541,43 @@
           <a:p>
             <a:r>
               <a:rPr lang="ar-SA" baseline="0" dirty="0"/>
-              <a:t>يتم ارسال المعلومات من خلال </a:t>
+              <a:t>من أجل إرسال معلومات من قبل المستخدم للسيرفر .. لإجراء معالجات عليها </a:t>
+            </a:r>
+          </a:p>
+          <a:p>
+            <a:r>
+              <a:rPr lang="ar-SA" baseline="0" dirty="0"/>
+              <a:t>يكون الطلب </a:t>
             </a:r>
             <a:r>
               <a:rPr lang="en-US" baseline="0" dirty="0"/>
-              <a:t>URL </a:t>
+              <a:t>request </a:t>
             </a:r>
             <a:r>
               <a:rPr lang="ar-SA" baseline="0" dirty="0"/>
-              <a:t>  بشكل أزواج </a:t>
-            </a:r>
-          </a:p>
-          <a:p>
+              <a:t> بنمط </a:t>
+            </a:r>
             <a:r>
               <a:rPr lang="en-US" baseline="0" dirty="0"/>
-              <a:t>Name= value</a:t>
-            </a:r>
-            <a:endParaRPr lang="ar-SA" baseline="0" dirty="0"/>
+              <a:t>http request </a:t>
+            </a:r>
           </a:p>
           <a:p>
             <a:r>
               <a:rPr lang="ar-SA" baseline="0" dirty="0"/>
-              <a:t>عادة لا يتم استخدام </a:t>
-            </a:r>
+              <a:t>و هو الذي يتيح التواصل بين الزبون و المخدم</a:t>
+            </a:r>
+            <a:endParaRPr lang="en-US" baseline="0" dirty="0"/>
+          </a:p>
+          <a:p>
             <a:r>
               <a:rPr lang="en-US" baseline="0" dirty="0"/>
-              <a:t>get</a:t>
+              <a:t>http request </a:t>
             </a:r>
             <a:r>
               <a:rPr lang="ar-SA" baseline="0" dirty="0"/>
-              <a:t> مع البيانات الحساسة</a:t>
-            </a:r>
-          </a:p>
-          <a:p>
-            <a:r>
-              <a:rPr lang="ar-SA" baseline="0" dirty="0"/>
-              <a:t>و تستخدم عادة لطلب معلومات من المخدم .</a:t>
-            </a:r>
-            <a:endParaRPr lang="en-US" baseline="0" dirty="0"/>
-          </a:p>
-          <a:p>
-            <a:r>
-              <a:rPr lang="ar-SA" baseline="0" dirty="0"/>
-              <a:t>خصائص </a:t>
-            </a:r>
-            <a:r>
-              <a:rPr lang="en-US" baseline="0" dirty="0"/>
-              <a:t>get request </a:t>
-            </a:r>
-            <a:r>
-              <a:rPr lang="ar-SA" baseline="0" dirty="0"/>
-              <a:t>:</a:t>
-            </a:r>
-          </a:p>
-          <a:p>
-            <a:r>
-              <a:rPr lang="ar-SA" baseline="0" dirty="0"/>
-              <a:t>يمكن</a:t>
-            </a:r>
-            <a:r>
-              <a:rPr lang="en-US" baseline="0" dirty="0"/>
-              <a:t> </a:t>
-            </a:r>
-            <a:r>
-              <a:rPr lang="ar-SA" baseline="0" dirty="0"/>
-              <a:t> أن يخزن في الكاش</a:t>
-            </a:r>
-          </a:p>
-          <a:p>
-            <a:r>
-              <a:rPr lang="ar-SA" baseline="0" dirty="0"/>
-              <a:t>يخزن في تاريخ المتصفح </a:t>
-            </a:r>
-          </a:p>
-          <a:p>
-            <a:r>
-              <a:rPr lang="ar-SA" baseline="0" dirty="0"/>
-              <a:t>يوجد حد أعلى لحجم البيانات المرسلة </a:t>
-            </a:r>
-            <a:r>
-              <a:rPr lang="en-US" b="0" i="0" dirty="0">
-                <a:solidFill>
-                  <a:srgbClr val="000000"/>
-                </a:solidFill>
-                <a:effectLst/>
-                <a:latin typeface="Verdana" panose="020B0604030504040204" pitchFamily="34" charset="0"/>
-              </a:rPr>
-              <a:t>2048 characters</a:t>
-            </a:r>
-            <a:endParaRPr lang="en-US" baseline="0" dirty="0"/>
-          </a:p>
-          <a:p>
-            <a:endParaRPr lang="ar-SA" baseline="0" dirty="0"/>
+              <a:t> يمثل بروتوكول الطلب و الاستجابة بين الزبون و المخدم</a:t>
+            </a:r>
           </a:p>
         </p:txBody>
       </p:sp>
@@ -5713,7 +5607,7 @@
     </p:spTree>
     <p:extLst>
       <p:ext uri="{BB962C8B-B14F-4D97-AF65-F5344CB8AC3E}">
-        <p14:creationId xmlns:p14="http://schemas.microsoft.com/office/powerpoint/2010/main" val="4071096370"/>
+        <p14:creationId xmlns:p14="http://schemas.microsoft.com/office/powerpoint/2010/main" val="2190595567"/>
       </p:ext>
     </p:extLst>
   </p:cSld>
@@ -5769,15 +5663,35 @@
           <a:p>
             <a:r>
               <a:rPr lang="ar-SA" baseline="0" dirty="0"/>
-              <a:t>يتم ارسال </a:t>
-            </a:r>
+              <a:t>من أجل إرسال معلومات من قبل المستخدم للسيرفر .. لإجراء معالجات عليها </a:t>
+            </a:r>
+            <a:endParaRPr lang="en-US" baseline="0" dirty="0"/>
+          </a:p>
+          <a:p>
             <a:r>
               <a:rPr lang="en-US" baseline="0" dirty="0"/>
-              <a:t>data </a:t>
+              <a:t>Action </a:t>
             </a:r>
             <a:r>
               <a:rPr lang="ar-SA" baseline="0" dirty="0"/>
-              <a:t> عبر </a:t>
+              <a:t>: لتحديد وجهة المعالجة </a:t>
+            </a:r>
+          </a:p>
+          <a:p>
+            <a:r>
+              <a:rPr lang="en-US" baseline="0" dirty="0"/>
+              <a:t>Method</a:t>
+            </a:r>
+            <a:r>
+              <a:rPr lang="ar-SA" baseline="0" dirty="0"/>
+              <a:t>: لتحديد نمط ارسال المعلومات إلى السيرفر</a:t>
+            </a:r>
+            <a:endParaRPr lang="en-US" baseline="0" dirty="0"/>
+          </a:p>
+          <a:p>
+            <a:r>
+              <a:rPr lang="ar-SA" baseline="0" dirty="0"/>
+              <a:t>يوجد طريقتين أساسيتين للإرسال</a:t>
             </a:r>
             <a:r>
               <a:rPr lang="en-US" baseline="0" dirty="0"/>
@@ -5785,86 +5699,21 @@
             </a:r>
             <a:r>
               <a:rPr lang="ar-SA" baseline="0" dirty="0"/>
-              <a:t>“</a:t>
-            </a:r>
+              <a:t>:</a:t>
+            </a:r>
+          </a:p>
+          <a:p>
             <a:r>
               <a:rPr lang="en-US" baseline="0" dirty="0"/>
-              <a:t> </a:t>
-            </a:r>
-            <a:r>
-              <a:rPr lang="en-US" b="0" i="0" dirty="0">
-                <a:solidFill>
-                  <a:srgbClr val="000000"/>
-                </a:solidFill>
-                <a:effectLst/>
-                <a:latin typeface="Verdana" panose="020B0604030504040204" pitchFamily="34" charset="0"/>
-              </a:rPr>
-              <a:t>request body</a:t>
-            </a:r>
-            <a:r>
-              <a:rPr lang="ar-SA" baseline="0" dirty="0"/>
-              <a:t>“</a:t>
-            </a:r>
-            <a:endParaRPr lang="en-US" baseline="0" dirty="0"/>
-          </a:p>
-          <a:p>
-            <a:r>
-              <a:rPr lang="ar-SA" baseline="0" dirty="0"/>
-              <a:t>و لا تظهر في ال</a:t>
-            </a:r>
+              <a:t>Post</a:t>
+            </a:r>
+          </a:p>
+          <a:p>
             <a:r>
               <a:rPr lang="en-US" baseline="0" dirty="0"/>
-              <a:t> </a:t>
-            </a:r>
-            <a:r>
-              <a:rPr lang="en-US" baseline="0" dirty="0" err="1"/>
-              <a:t>url</a:t>
-            </a:r>
-            <a:r>
-              <a:rPr lang="en-US" baseline="0" dirty="0"/>
-              <a:t> </a:t>
+              <a:t>Get</a:t>
             </a:r>
             <a:endParaRPr lang="ar-SA" baseline="0" dirty="0"/>
-          </a:p>
-          <a:p>
-            <a:r>
-              <a:rPr lang="ar-SA" baseline="0" dirty="0"/>
-              <a:t>يستخدم للمعلومات الحساسة مثل "معلومات المستخدم"</a:t>
-            </a:r>
-            <a:endParaRPr lang="en-US" baseline="0" dirty="0"/>
-          </a:p>
-          <a:p>
-            <a:r>
-              <a:rPr lang="ar-SA" baseline="0" dirty="0"/>
-              <a:t>خصائص </a:t>
-            </a:r>
-            <a:r>
-              <a:rPr lang="en-US" baseline="0" dirty="0"/>
-              <a:t>post request</a:t>
-            </a:r>
-            <a:r>
-              <a:rPr lang="ar-SA" baseline="0" dirty="0"/>
-              <a:t> :</a:t>
-            </a:r>
-          </a:p>
-          <a:p>
-            <a:r>
-              <a:rPr lang="ar-SA" baseline="0" dirty="0"/>
-              <a:t>لا تخزن في الكاش </a:t>
-            </a:r>
-          </a:p>
-          <a:p>
-            <a:r>
-              <a:rPr lang="ar-SA" baseline="0" dirty="0"/>
-              <a:t>لا تخزن في تاريخ المتصفح </a:t>
-            </a:r>
-            <a:endParaRPr lang="en-US" baseline="0" dirty="0"/>
-          </a:p>
-          <a:p>
-            <a:r>
-              <a:rPr lang="ar-SA" baseline="0" dirty="0"/>
-              <a:t>لا يوجد حد أعلى لحجم البيانات المرسلة .</a:t>
-            </a:r>
           </a:p>
         </p:txBody>
       </p:sp>
@@ -5894,7 +5743,7 @@
     </p:spTree>
     <p:extLst>
       <p:ext uri="{BB962C8B-B14F-4D97-AF65-F5344CB8AC3E}">
-        <p14:creationId xmlns:p14="http://schemas.microsoft.com/office/powerpoint/2010/main" val="3489641673"/>
+        <p14:creationId xmlns:p14="http://schemas.microsoft.com/office/powerpoint/2010/main" val="75834950"/>
       </p:ext>
     </p:extLst>
   </p:cSld>
@@ -5948,6 +5797,99 @@
           <a:bodyPr/>
           <a:lstStyle/>
           <a:p>
+            <a:r>
+              <a:rPr lang="ar-SA" baseline="0" dirty="0"/>
+              <a:t>يتم ارسال المعلومات من خلال </a:t>
+            </a:r>
+            <a:r>
+              <a:rPr lang="en-US" baseline="0" dirty="0"/>
+              <a:t>URL </a:t>
+            </a:r>
+            <a:r>
+              <a:rPr lang="ar-SA" baseline="0" dirty="0"/>
+              <a:t>  بشكل أزواج </a:t>
+            </a:r>
+          </a:p>
+          <a:p>
+            <a:r>
+              <a:rPr lang="en-US" baseline="0" dirty="0"/>
+              <a:t>Name= value</a:t>
+            </a:r>
+            <a:endParaRPr lang="ar-SA" baseline="0" dirty="0"/>
+          </a:p>
+          <a:p>
+            <a:r>
+              <a:rPr lang="ar-SA" baseline="0" dirty="0"/>
+              <a:t>عادة لا يتم استخدام </a:t>
+            </a:r>
+            <a:r>
+              <a:rPr lang="en-US" baseline="0" dirty="0"/>
+              <a:t>get</a:t>
+            </a:r>
+            <a:r>
+              <a:rPr lang="ar-SA" baseline="0" dirty="0"/>
+              <a:t> مع البيانات الحساسة</a:t>
+            </a:r>
+          </a:p>
+          <a:p>
+            <a:r>
+              <a:rPr lang="ar-SA" baseline="0" dirty="0"/>
+              <a:t>و تستخدم عادة لطلب معلومات من المخدم .</a:t>
+            </a:r>
+            <a:endParaRPr lang="en-US" baseline="0" dirty="0"/>
+          </a:p>
+          <a:p>
+            <a:r>
+              <a:rPr lang="ar-SA" baseline="0" dirty="0"/>
+              <a:t>خصائص </a:t>
+            </a:r>
+            <a:r>
+              <a:rPr lang="en-US" baseline="0" dirty="0"/>
+              <a:t>get request </a:t>
+            </a:r>
+            <a:r>
+              <a:rPr lang="ar-SA" baseline="0" dirty="0"/>
+              <a:t>:</a:t>
+            </a:r>
+          </a:p>
+          <a:p>
+            <a:r>
+              <a:rPr lang="ar-SA" baseline="0" dirty="0"/>
+              <a:t>يمكن</a:t>
+            </a:r>
+            <a:r>
+              <a:rPr lang="en-US" baseline="0" dirty="0"/>
+              <a:t> </a:t>
+            </a:r>
+            <a:r>
+              <a:rPr lang="ar-SA" baseline="0" dirty="0"/>
+              <a:t> أن يخزن في الكاش</a:t>
+            </a:r>
+          </a:p>
+          <a:p>
+            <a:r>
+              <a:rPr lang="ar-SA" baseline="0" dirty="0"/>
+              <a:t>يخزن في تاريخ المتصفح </a:t>
+            </a:r>
+          </a:p>
+          <a:p>
+            <a:r>
+              <a:rPr lang="ar-SA" baseline="0" dirty="0"/>
+              <a:t>يوجد حد أعلى لحجم البيانات المرسلة </a:t>
+            </a:r>
+            <a:r>
+              <a:rPr lang="en-US" b="0" i="0" dirty="0">
+                <a:solidFill>
+                  <a:srgbClr val="000000"/>
+                </a:solidFill>
+                <a:effectLst/>
+                <a:latin typeface="Verdana" panose="020B0604030504040204" pitchFamily="34" charset="0"/>
+              </a:rPr>
+              <a:t>2048 characters</a:t>
+            </a:r>
+            <a:endParaRPr lang="en-US" baseline="0" dirty="0"/>
+          </a:p>
+          <a:p>
             <a:endParaRPr lang="ar-SA" baseline="0" dirty="0"/>
           </a:p>
         </p:txBody>
@@ -5978,7 +5920,7 @@
     </p:spTree>
     <p:extLst>
       <p:ext uri="{BB962C8B-B14F-4D97-AF65-F5344CB8AC3E}">
-        <p14:creationId xmlns:p14="http://schemas.microsoft.com/office/powerpoint/2010/main" val="3428489845"/>
+        <p14:creationId xmlns:p14="http://schemas.microsoft.com/office/powerpoint/2010/main" val="4071096370"/>
       </p:ext>
     </p:extLst>
   </p:cSld>
@@ -6032,7 +5974,104 @@
           <a:bodyPr/>
           <a:lstStyle/>
           <a:p>
+            <a:r>
+              <a:rPr lang="ar-SA" baseline="0" dirty="0"/>
+              <a:t>يتم ارسال </a:t>
+            </a:r>
+            <a:r>
+              <a:rPr lang="en-US" baseline="0" dirty="0"/>
+              <a:t>data </a:t>
+            </a:r>
+            <a:r>
+              <a:rPr lang="ar-SA" baseline="0" dirty="0"/>
+              <a:t> عبر </a:t>
+            </a:r>
+            <a:r>
+              <a:rPr lang="en-US" baseline="0" dirty="0"/>
+              <a:t> </a:t>
+            </a:r>
+            <a:r>
+              <a:rPr lang="ar-SA" baseline="0" dirty="0"/>
+              <a:t>“</a:t>
+            </a:r>
+            <a:r>
+              <a:rPr lang="en-US" baseline="0" dirty="0"/>
+              <a:t> </a:t>
+            </a:r>
+            <a:r>
+              <a:rPr lang="en-US" b="0" i="0" dirty="0">
+                <a:solidFill>
+                  <a:srgbClr val="000000"/>
+                </a:solidFill>
+                <a:effectLst/>
+                <a:latin typeface="Verdana" panose="020B0604030504040204" pitchFamily="34" charset="0"/>
+              </a:rPr>
+              <a:t>request body</a:t>
+            </a:r>
+            <a:r>
+              <a:rPr lang="ar-SA" baseline="0" dirty="0"/>
+              <a:t>“</a:t>
+            </a:r>
+            <a:endParaRPr lang="en-US" baseline="0" dirty="0"/>
+          </a:p>
+          <a:p>
+            <a:r>
+              <a:rPr lang="ar-SA" baseline="0" dirty="0"/>
+              <a:t>و لا تظهر في ال</a:t>
+            </a:r>
+            <a:r>
+              <a:rPr lang="en-US" baseline="0" dirty="0"/>
+              <a:t> </a:t>
+            </a:r>
+            <a:r>
+              <a:rPr lang="en-US" baseline="0" dirty="0" err="1"/>
+              <a:t>url</a:t>
+            </a:r>
+            <a:r>
+              <a:rPr lang="en-US" baseline="0" dirty="0"/>
+              <a:t> </a:t>
+            </a:r>
             <a:endParaRPr lang="ar-SA" baseline="0" dirty="0"/>
+          </a:p>
+          <a:p>
+            <a:r>
+              <a:rPr lang="ar-SA" baseline="0" dirty="0"/>
+              <a:t>يستخدم للمعلومات الحساسة مثل "معلومات المستخدم"</a:t>
+            </a:r>
+            <a:endParaRPr lang="en-US" baseline="0" dirty="0"/>
+          </a:p>
+          <a:p>
+            <a:r>
+              <a:rPr lang="ar-SA" baseline="0" dirty="0"/>
+              <a:t>خصائص </a:t>
+            </a:r>
+            <a:r>
+              <a:rPr lang="en-US" baseline="0" dirty="0"/>
+              <a:t>post request</a:t>
+            </a:r>
+            <a:r>
+              <a:rPr lang="ar-SA" baseline="0" dirty="0"/>
+              <a:t> :</a:t>
+            </a:r>
+          </a:p>
+          <a:p>
+            <a:r>
+              <a:rPr lang="ar-SA" baseline="0" dirty="0"/>
+              <a:t>لا تخزن في الكاش </a:t>
+            </a:r>
+          </a:p>
+          <a:p>
+            <a:r>
+              <a:rPr lang="ar-SA" baseline="0" dirty="0"/>
+              <a:t>لا تخزن في تاريخ المتصفح </a:t>
+            </a:r>
+            <a:endParaRPr lang="en-US" baseline="0" dirty="0"/>
+          </a:p>
+          <a:p>
+            <a:r>
+              <a:rPr lang="ar-SA" baseline="0" dirty="0"/>
+              <a:t>لا يوجد حد أعلى لحجم البيانات المرسلة .</a:t>
+            </a:r>
           </a:p>
         </p:txBody>
       </p:sp>
@@ -6062,7 +6101,7 @@
     </p:spTree>
     <p:extLst>
       <p:ext uri="{BB962C8B-B14F-4D97-AF65-F5344CB8AC3E}">
-        <p14:creationId xmlns:p14="http://schemas.microsoft.com/office/powerpoint/2010/main" val="217439323"/>
+        <p14:creationId xmlns:p14="http://schemas.microsoft.com/office/powerpoint/2010/main" val="3489641673"/>
       </p:ext>
     </p:extLst>
   </p:cSld>
@@ -6146,7 +6185,7 @@
     </p:spTree>
     <p:extLst>
       <p:ext uri="{BB962C8B-B14F-4D97-AF65-F5344CB8AC3E}">
-        <p14:creationId xmlns:p14="http://schemas.microsoft.com/office/powerpoint/2010/main" val="3726396628"/>
+        <p14:creationId xmlns:p14="http://schemas.microsoft.com/office/powerpoint/2010/main" val="3428489845"/>
       </p:ext>
     </p:extLst>
   </p:cSld>
@@ -6230,7 +6269,7 @@
     </p:spTree>
     <p:extLst>
       <p:ext uri="{BB962C8B-B14F-4D97-AF65-F5344CB8AC3E}">
-        <p14:creationId xmlns:p14="http://schemas.microsoft.com/office/powerpoint/2010/main" val="2745197936"/>
+        <p14:creationId xmlns:p14="http://schemas.microsoft.com/office/powerpoint/2010/main" val="217439323"/>
       </p:ext>
     </p:extLst>
   </p:cSld>
@@ -6314,7 +6353,7 @@
     </p:spTree>
     <p:extLst>
       <p:ext uri="{BB962C8B-B14F-4D97-AF65-F5344CB8AC3E}">
-        <p14:creationId xmlns:p14="http://schemas.microsoft.com/office/powerpoint/2010/main" val="1347351346"/>
+        <p14:creationId xmlns:p14="http://schemas.microsoft.com/office/powerpoint/2010/main" val="3726396628"/>
       </p:ext>
     </p:extLst>
   </p:cSld>
@@ -6699,6 +6738,174 @@
             <a:fld id="{CC320E0A-D0AF-4D7D-9A21-388A396A7CCB}" type="slidenum">
               <a:rPr lang="ar-SY" smtClean="0"/>
               <a:t>50</a:t>
+            </a:fld>
+            <a:endParaRPr lang="ar-SY"/>
+          </a:p>
+        </p:txBody>
+      </p:sp>
+    </p:spTree>
+    <p:extLst>
+      <p:ext uri="{BB962C8B-B14F-4D97-AF65-F5344CB8AC3E}">
+        <p14:creationId xmlns:p14="http://schemas.microsoft.com/office/powerpoint/2010/main" val="2745197936"/>
+      </p:ext>
+    </p:extLst>
+  </p:cSld>
+  <p:clrMapOvr>
+    <a:masterClrMapping/>
+  </p:clrMapOvr>
+</p:notes>
+</file>
+
+<file path=ppt/notesSlides/notesSlide51.xml><?xml version="1.0" encoding="utf-8"?>
+<p:notes xmlns:a="http://schemas.openxmlformats.org/drawingml/2006/main" xmlns:r="http://schemas.openxmlformats.org/officeDocument/2006/relationships" xmlns:p="http://schemas.openxmlformats.org/presentationml/2006/main">
+  <p:cSld>
+    <p:spTree>
+      <p:nvGrpSpPr>
+        <p:cNvPr id="1" name=""/>
+        <p:cNvGrpSpPr/>
+        <p:nvPr/>
+      </p:nvGrpSpPr>
+      <p:grpSpPr>
+        <a:xfrm>
+          <a:off x="0" y="0"/>
+          <a:ext cx="0" cy="0"/>
+          <a:chOff x="0" y="0"/>
+          <a:chExt cx="0" cy="0"/>
+        </a:xfrm>
+      </p:grpSpPr>
+      <p:sp>
+        <p:nvSpPr>
+          <p:cNvPr id="2" name="عنصر نائب لصورة الشريحة 1"/>
+          <p:cNvSpPr>
+            <a:spLocks noGrp="1" noRot="1" noChangeAspect="1"/>
+          </p:cNvSpPr>
+          <p:nvPr>
+            <p:ph type="sldImg"/>
+          </p:nvPr>
+        </p:nvSpPr>
+        <p:spPr/>
+      </p:sp>
+      <p:sp>
+        <p:nvSpPr>
+          <p:cNvPr id="3" name="عنصر نائب للملاحظات 2"/>
+          <p:cNvSpPr>
+            <a:spLocks noGrp="1"/>
+          </p:cNvSpPr>
+          <p:nvPr>
+            <p:ph type="body" idx="1"/>
+          </p:nvPr>
+        </p:nvSpPr>
+        <p:spPr/>
+        <p:txBody>
+          <a:bodyPr/>
+          <a:lstStyle/>
+          <a:p>
+            <a:endParaRPr lang="ar-SA" baseline="0" dirty="0"/>
+          </a:p>
+        </p:txBody>
+      </p:sp>
+      <p:sp>
+        <p:nvSpPr>
+          <p:cNvPr id="4" name="عنصر نائب لرقم الشريحة 3"/>
+          <p:cNvSpPr>
+            <a:spLocks noGrp="1"/>
+          </p:cNvSpPr>
+          <p:nvPr>
+            <p:ph type="sldNum" sz="quarter" idx="5"/>
+          </p:nvPr>
+        </p:nvSpPr>
+        <p:spPr/>
+        <p:txBody>
+          <a:bodyPr/>
+          <a:lstStyle/>
+          <a:p>
+            <a:fld id="{CC320E0A-D0AF-4D7D-9A21-388A396A7CCB}" type="slidenum">
+              <a:rPr lang="ar-SY" smtClean="0"/>
+              <a:t>51</a:t>
+            </a:fld>
+            <a:endParaRPr lang="ar-SY"/>
+          </a:p>
+        </p:txBody>
+      </p:sp>
+    </p:spTree>
+    <p:extLst>
+      <p:ext uri="{BB962C8B-B14F-4D97-AF65-F5344CB8AC3E}">
+        <p14:creationId xmlns:p14="http://schemas.microsoft.com/office/powerpoint/2010/main" val="1347351346"/>
+      </p:ext>
+    </p:extLst>
+  </p:cSld>
+  <p:clrMapOvr>
+    <a:masterClrMapping/>
+  </p:clrMapOvr>
+</p:notes>
+</file>
+
+<file path=ppt/notesSlides/notesSlide52.xml><?xml version="1.0" encoding="utf-8"?>
+<p:notes xmlns:a="http://schemas.openxmlformats.org/drawingml/2006/main" xmlns:r="http://schemas.openxmlformats.org/officeDocument/2006/relationships" xmlns:p="http://schemas.openxmlformats.org/presentationml/2006/main">
+  <p:cSld>
+    <p:spTree>
+      <p:nvGrpSpPr>
+        <p:cNvPr id="1" name=""/>
+        <p:cNvGrpSpPr/>
+        <p:nvPr/>
+      </p:nvGrpSpPr>
+      <p:grpSpPr>
+        <a:xfrm>
+          <a:off x="0" y="0"/>
+          <a:ext cx="0" cy="0"/>
+          <a:chOff x="0" y="0"/>
+          <a:chExt cx="0" cy="0"/>
+        </a:xfrm>
+      </p:grpSpPr>
+      <p:sp>
+        <p:nvSpPr>
+          <p:cNvPr id="2" name="عنصر نائب لصورة الشريحة 1"/>
+          <p:cNvSpPr>
+            <a:spLocks noGrp="1" noRot="1" noChangeAspect="1"/>
+          </p:cNvSpPr>
+          <p:nvPr>
+            <p:ph type="sldImg"/>
+          </p:nvPr>
+        </p:nvSpPr>
+        <p:spPr/>
+      </p:sp>
+      <p:sp>
+        <p:nvSpPr>
+          <p:cNvPr id="3" name="عنصر نائب للملاحظات 2"/>
+          <p:cNvSpPr>
+            <a:spLocks noGrp="1"/>
+          </p:cNvSpPr>
+          <p:nvPr>
+            <p:ph type="body" idx="1"/>
+          </p:nvPr>
+        </p:nvSpPr>
+        <p:spPr/>
+        <p:txBody>
+          <a:bodyPr/>
+          <a:lstStyle/>
+          <a:p>
+            <a:endParaRPr lang="ar-SA" baseline="0" dirty="0"/>
+          </a:p>
+        </p:txBody>
+      </p:sp>
+      <p:sp>
+        <p:nvSpPr>
+          <p:cNvPr id="4" name="عنصر نائب لرقم الشريحة 3"/>
+          <p:cNvSpPr>
+            <a:spLocks noGrp="1"/>
+          </p:cNvSpPr>
+          <p:nvPr>
+            <p:ph type="sldNum" sz="quarter" idx="5"/>
+          </p:nvPr>
+        </p:nvSpPr>
+        <p:spPr/>
+        <p:txBody>
+          <a:bodyPr/>
+          <a:lstStyle/>
+          <a:p>
+            <a:fld id="{CC320E0A-D0AF-4D7D-9A21-388A396A7CCB}" type="slidenum">
+              <a:rPr lang="ar-SY" smtClean="0"/>
+              <a:t>52</a:t>
             </a:fld>
             <a:endParaRPr lang="ar-SY"/>
           </a:p>
@@ -7508,7 +7715,7 @@
           <a:p>
             <a:fld id="{3B88ACB1-6B07-4748-A2AF-A58E584E06E3}" type="datetimeFigureOut">
               <a:rPr lang="ar-SY" smtClean="0"/>
-              <a:t>06/02/1442</a:t>
+              <a:t>07/02/1442</a:t>
             </a:fld>
             <a:endParaRPr lang="ar-SY"/>
           </a:p>
@@ -7690,7 +7897,7 @@
           <a:p>
             <a:fld id="{3B88ACB1-6B07-4748-A2AF-A58E584E06E3}" type="datetimeFigureOut">
               <a:rPr lang="ar-SY" smtClean="0"/>
-              <a:t>06/02/1442</a:t>
+              <a:t>07/02/1442</a:t>
             </a:fld>
             <a:endParaRPr lang="ar-SY"/>
           </a:p>
@@ -7882,7 +8089,7 @@
           <a:p>
             <a:fld id="{3B88ACB1-6B07-4748-A2AF-A58E584E06E3}" type="datetimeFigureOut">
               <a:rPr lang="ar-SY" smtClean="0"/>
-              <a:t>06/02/1442</a:t>
+              <a:t>07/02/1442</a:t>
             </a:fld>
             <a:endParaRPr lang="ar-SY"/>
           </a:p>
@@ -8064,7 +8271,7 @@
           <a:p>
             <a:fld id="{3B88ACB1-6B07-4748-A2AF-A58E584E06E3}" type="datetimeFigureOut">
               <a:rPr lang="ar-SY" smtClean="0"/>
-              <a:t>06/02/1442</a:t>
+              <a:t>07/02/1442</a:t>
             </a:fld>
             <a:endParaRPr lang="ar-SY"/>
           </a:p>
@@ -8322,7 +8529,7 @@
           <a:p>
             <a:fld id="{3B88ACB1-6B07-4748-A2AF-A58E584E06E3}" type="datetimeFigureOut">
               <a:rPr lang="ar-SY" smtClean="0"/>
-              <a:t>06/02/1442</a:t>
+              <a:t>07/02/1442</a:t>
             </a:fld>
             <a:endParaRPr lang="ar-SY"/>
           </a:p>
@@ -8566,7 +8773,7 @@
           <a:p>
             <a:fld id="{3B88ACB1-6B07-4748-A2AF-A58E584E06E3}" type="datetimeFigureOut">
               <a:rPr lang="ar-SY" smtClean="0"/>
-              <a:t>06/02/1442</a:t>
+              <a:t>07/02/1442</a:t>
             </a:fld>
             <a:endParaRPr lang="ar-SY"/>
           </a:p>
@@ -8933,7 +9140,7 @@
           <a:p>
             <a:fld id="{3B88ACB1-6B07-4748-A2AF-A58E584E06E3}" type="datetimeFigureOut">
               <a:rPr lang="ar-SY" smtClean="0"/>
-              <a:t>06/02/1442</a:t>
+              <a:t>07/02/1442</a:t>
             </a:fld>
             <a:endParaRPr lang="ar-SY"/>
           </a:p>
@@ -9063,7 +9270,7 @@
           <a:p>
             <a:fld id="{3B88ACB1-6B07-4748-A2AF-A58E584E06E3}" type="datetimeFigureOut">
               <a:rPr lang="ar-SY" smtClean="0"/>
-              <a:t>06/02/1442</a:t>
+              <a:t>07/02/1442</a:t>
             </a:fld>
             <a:endParaRPr lang="ar-SY"/>
           </a:p>
@@ -9170,7 +9377,7 @@
           <a:p>
             <a:fld id="{3B88ACB1-6B07-4748-A2AF-A58E584E06E3}" type="datetimeFigureOut">
               <a:rPr lang="ar-SY" smtClean="0"/>
-              <a:t>06/02/1442</a:t>
+              <a:t>07/02/1442</a:t>
             </a:fld>
             <a:endParaRPr lang="ar-SY"/>
           </a:p>
@@ -9459,7 +9666,7 @@
           <a:p>
             <a:fld id="{3B88ACB1-6B07-4748-A2AF-A58E584E06E3}" type="datetimeFigureOut">
               <a:rPr lang="ar-SY" smtClean="0"/>
-              <a:t>06/02/1442</a:t>
+              <a:t>07/02/1442</a:t>
             </a:fld>
             <a:endParaRPr lang="ar-SY"/>
           </a:p>
@@ -9716,7 +9923,7 @@
           <a:p>
             <a:fld id="{3B88ACB1-6B07-4748-A2AF-A58E584E06E3}" type="datetimeFigureOut">
               <a:rPr lang="ar-SY" smtClean="0"/>
-              <a:t>06/02/1442</a:t>
+              <a:t>07/02/1442</a:t>
             </a:fld>
             <a:endParaRPr lang="ar-SY"/>
           </a:p>
@@ -9941,7 +10148,7 @@
           <a:p>
             <a:fld id="{3B88ACB1-6B07-4748-A2AF-A58E584E06E3}" type="datetimeFigureOut">
               <a:rPr lang="ar-SY" smtClean="0"/>
-              <a:t>06/02/1442</a:t>
+              <a:t>07/02/1442</a:t>
             </a:fld>
             <a:endParaRPr lang="ar-SY"/>
           </a:p>
@@ -11685,7 +11892,7 @@
         </p:nvSpPr>
         <p:spPr>
           <a:xfrm>
-            <a:off x="-245700" y="3510843"/>
+            <a:off x="-3462" y="3444172"/>
             <a:ext cx="6099462" cy="461665"/>
           </a:xfrm>
           <a:prstGeom prst="rect">
@@ -11736,44 +11943,130 @@
         </p:blipFill>
         <p:spPr>
           <a:xfrm>
-            <a:off x="1421822" y="1123950"/>
-            <a:ext cx="9348355" cy="2305050"/>
+            <a:off x="1137424" y="1123619"/>
+            <a:ext cx="8718353" cy="2149709"/>
           </a:xfrm>
           <a:prstGeom prst="rect">
             <a:avLst/>
           </a:prstGeom>
         </p:spPr>
       </p:pic>
-      <p:pic>
-        <p:nvPicPr>
-          <p:cNvPr id="5" name="صورة 4">
+      <p:sp>
+        <p:nvSpPr>
+          <p:cNvPr id="12" name="مربع نص 11">
             <a:extLst>
               <a:ext uri="{FF2B5EF4-FFF2-40B4-BE49-F238E27FC236}">
-                <a16:creationId xmlns:a16="http://schemas.microsoft.com/office/drawing/2014/main" id="{EAEE52F5-2A5F-44BC-925A-4E29AD733A83}"/>
+                <a16:creationId xmlns:a16="http://schemas.microsoft.com/office/drawing/2014/main" id="{E29ADC41-7165-4CA4-BFEA-C447FA773DDA}"/>
               </a:ext>
             </a:extLst>
           </p:cNvPr>
-          <p:cNvPicPr>
-            <a:picLocks noChangeAspect="1"/>
-          </p:cNvPicPr>
+          <p:cNvSpPr txBox="1"/>
           <p:nvPr/>
-        </p:nvPicPr>
-        <p:blipFill>
-          <a:blip r:embed="rId5"/>
-          <a:stretch>
-            <a:fillRect/>
-          </a:stretch>
-        </p:blipFill>
+        </p:nvSpPr>
         <p:spPr>
           <a:xfrm>
-            <a:off x="1180885" y="4054351"/>
-            <a:ext cx="3699795" cy="2393985"/>
+            <a:off x="238776" y="3905837"/>
+            <a:ext cx="4326514" cy="2862322"/>
           </a:xfrm>
           <a:prstGeom prst="rect">
             <a:avLst/>
           </a:prstGeom>
+          <a:noFill/>
         </p:spPr>
-      </p:pic>
+        <p:txBody>
+          <a:bodyPr wrap="square">
+            <a:spAutoFit/>
+          </a:bodyPr>
+          <a:lstStyle/>
+          <a:p>
+            <a:r>
+              <a:rPr lang="en-US" sz="2000" dirty="0">
+                <a:latin typeface="Times New Roman" panose="02020603050405020304" pitchFamily="18" charset="0"/>
+                <a:cs typeface="Times New Roman" panose="02020603050405020304" pitchFamily="18" charset="0"/>
+              </a:rPr>
+              <a:t>&lt;!DOCTYPE html&gt;</a:t>
+            </a:r>
+          </a:p>
+          <a:p>
+            <a:r>
+              <a:rPr lang="en-US" sz="2000" dirty="0">
+                <a:latin typeface="Times New Roman" panose="02020603050405020304" pitchFamily="18" charset="0"/>
+                <a:cs typeface="Times New Roman" panose="02020603050405020304" pitchFamily="18" charset="0"/>
+              </a:rPr>
+              <a:t>&lt;html&gt;</a:t>
+            </a:r>
+          </a:p>
+          <a:p>
+            <a:pPr lvl="1"/>
+            <a:r>
+              <a:rPr lang="en-US" sz="2000" dirty="0">
+                <a:latin typeface="Times New Roman" panose="02020603050405020304" pitchFamily="18" charset="0"/>
+                <a:cs typeface="Times New Roman" panose="02020603050405020304" pitchFamily="18" charset="0"/>
+              </a:rPr>
+              <a:t>&lt;head&gt;</a:t>
+            </a:r>
+          </a:p>
+          <a:p>
+            <a:pPr lvl="1"/>
+            <a:r>
+              <a:rPr lang="en-US" sz="2000" dirty="0">
+                <a:latin typeface="Times New Roman" panose="02020603050405020304" pitchFamily="18" charset="0"/>
+                <a:cs typeface="Times New Roman" panose="02020603050405020304" pitchFamily="18" charset="0"/>
+              </a:rPr>
+              <a:t>	&lt;title&gt;Page Title&lt;/title&gt;</a:t>
+            </a:r>
+          </a:p>
+          <a:p>
+            <a:pPr lvl="1"/>
+            <a:r>
+              <a:rPr lang="en-US" sz="2000" dirty="0">
+                <a:latin typeface="Times New Roman" panose="02020603050405020304" pitchFamily="18" charset="0"/>
+                <a:cs typeface="Times New Roman" panose="02020603050405020304" pitchFamily="18" charset="0"/>
+              </a:rPr>
+              <a:t>&lt;/head&gt;</a:t>
+            </a:r>
+          </a:p>
+          <a:p>
+            <a:pPr lvl="1"/>
+            <a:r>
+              <a:rPr lang="en-US" sz="2000" dirty="0">
+                <a:latin typeface="Times New Roman" panose="02020603050405020304" pitchFamily="18" charset="0"/>
+                <a:cs typeface="Times New Roman" panose="02020603050405020304" pitchFamily="18" charset="0"/>
+              </a:rPr>
+              <a:t>&lt;body&gt;</a:t>
+            </a:r>
+          </a:p>
+          <a:p>
+            <a:pPr lvl="2"/>
+            <a:r>
+              <a:rPr lang="en-US" sz="2000" dirty="0">
+                <a:latin typeface="Times New Roman" panose="02020603050405020304" pitchFamily="18" charset="0"/>
+                <a:cs typeface="Times New Roman" panose="02020603050405020304" pitchFamily="18" charset="0"/>
+              </a:rPr>
+              <a:t>&lt;p&gt;This is a paragraph.&lt;/p&gt;</a:t>
+            </a:r>
+          </a:p>
+          <a:p>
+            <a:pPr lvl="1"/>
+            <a:r>
+              <a:rPr lang="en-US" sz="2000" dirty="0">
+                <a:latin typeface="Times New Roman" panose="02020603050405020304" pitchFamily="18" charset="0"/>
+                <a:cs typeface="Times New Roman" panose="02020603050405020304" pitchFamily="18" charset="0"/>
+              </a:rPr>
+              <a:t>&lt;/body&gt;</a:t>
+            </a:r>
+          </a:p>
+          <a:p>
+            <a:r>
+              <a:rPr lang="en-US" sz="2000" dirty="0">
+                <a:latin typeface="Times New Roman" panose="02020603050405020304" pitchFamily="18" charset="0"/>
+                <a:cs typeface="Times New Roman" panose="02020603050405020304" pitchFamily="18" charset="0"/>
+              </a:rPr>
+              <a:t>&lt;/html&gt;</a:t>
+            </a:r>
+          </a:p>
+        </p:txBody>
+      </p:sp>
     </p:spTree>
     <p:extLst>
       <p:ext uri="{BB962C8B-B14F-4D97-AF65-F5344CB8AC3E}">
@@ -11967,12 +12260,247 @@
           <a:chExt cx="0" cy="0"/>
         </a:xfrm>
       </p:grpSpPr>
+      <p:sp>
+        <p:nvSpPr>
+          <p:cNvPr id="6" name="عنوان 1">
+            <a:extLst>
+              <a:ext uri="{FF2B5EF4-FFF2-40B4-BE49-F238E27FC236}">
+                <a16:creationId xmlns:a16="http://schemas.microsoft.com/office/drawing/2014/main" id="{C45EC975-48AC-44AB-8E07-23FA12C6B678}"/>
+              </a:ext>
+            </a:extLst>
+          </p:cNvPr>
+          <p:cNvSpPr>
+            <a:spLocks noGrp="1"/>
+          </p:cNvSpPr>
+          <p:nvPr>
+            <p:ph type="title"/>
+          </p:nvPr>
+        </p:nvSpPr>
+        <p:spPr>
+          <a:xfrm>
+            <a:off x="838200" y="104248"/>
+            <a:ext cx="10515600" cy="1325563"/>
+          </a:xfrm>
+        </p:spPr>
+        <p:txBody>
+          <a:bodyPr>
+            <a:normAutofit/>
+          </a:bodyPr>
+          <a:lstStyle/>
+          <a:p>
+            <a:pPr algn="ctr"/>
+            <a:r>
+              <a:rPr lang="en-US" sz="4800" b="1" dirty="0">
+                <a:latin typeface="Times New Roman" panose="02020603050405020304" pitchFamily="18" charset="0"/>
+              </a:rPr>
+              <a:t>P</a:t>
+            </a:r>
+            <a:r>
+              <a:rPr lang="en-US" sz="4800" b="1" i="0" dirty="0">
+                <a:effectLst/>
+                <a:latin typeface="Times New Roman" panose="02020603050405020304" pitchFamily="18" charset="0"/>
+              </a:rPr>
+              <a:t>aragraph</a:t>
+            </a:r>
+            <a:r>
+              <a:rPr lang="en-US" sz="2000" b="0" i="0" dirty="0">
+                <a:solidFill>
+                  <a:srgbClr val="000000"/>
+                </a:solidFill>
+                <a:effectLst/>
+                <a:latin typeface="Times New Roman" panose="02020603050405020304" pitchFamily="18" charset="0"/>
+              </a:rPr>
+              <a:t> </a:t>
+            </a:r>
+            <a:endParaRPr lang="en-US" sz="4800" b="1" dirty="0">
+              <a:latin typeface="Times New Roman" panose="02020603050405020304" pitchFamily="18" charset="0"/>
+              <a:cs typeface="Times New Roman" panose="02020603050405020304" pitchFamily="18" charset="0"/>
+            </a:endParaRPr>
+          </a:p>
+        </p:txBody>
+      </p:sp>
+      <p:sp>
+        <p:nvSpPr>
+          <p:cNvPr id="8" name="مربع نص 7">
+            <a:extLst>
+              <a:ext uri="{FF2B5EF4-FFF2-40B4-BE49-F238E27FC236}">
+                <a16:creationId xmlns:a16="http://schemas.microsoft.com/office/drawing/2014/main" id="{F79C5A59-0082-403E-9338-561C3DFA00FC}"/>
+              </a:ext>
+            </a:extLst>
+          </p:cNvPr>
+          <p:cNvSpPr txBox="1"/>
+          <p:nvPr/>
+        </p:nvSpPr>
+        <p:spPr>
+          <a:xfrm>
+            <a:off x="5540853" y="1314395"/>
+            <a:ext cx="6099462" cy="461665"/>
+          </a:xfrm>
+          <a:prstGeom prst="rect">
+            <a:avLst/>
+          </a:prstGeom>
+          <a:noFill/>
+        </p:spPr>
+        <p:txBody>
+          <a:bodyPr wrap="square">
+            <a:spAutoFit/>
+          </a:bodyPr>
+          <a:lstStyle/>
+          <a:p>
+            <a:pPr algn="ctr"/>
+            <a:r>
+              <a:rPr lang="en-US" sz="2400" b="1" dirty="0">
+                <a:latin typeface="Times New Roman" panose="02020603050405020304" pitchFamily="18" charset="0"/>
+                <a:cs typeface="Times New Roman" panose="02020603050405020304" pitchFamily="18" charset="0"/>
+              </a:rPr>
+              <a:t>Output</a:t>
+            </a:r>
+            <a:endParaRPr lang="en-US" b="1" dirty="0">
+              <a:latin typeface="Times New Roman" panose="02020603050405020304" pitchFamily="18" charset="0"/>
+              <a:cs typeface="Times New Roman" panose="02020603050405020304" pitchFamily="18" charset="0"/>
+            </a:endParaRPr>
+          </a:p>
+        </p:txBody>
+      </p:sp>
+      <p:sp>
+        <p:nvSpPr>
+          <p:cNvPr id="10" name="مربع نص 9">
+            <a:extLst>
+              <a:ext uri="{FF2B5EF4-FFF2-40B4-BE49-F238E27FC236}">
+                <a16:creationId xmlns:a16="http://schemas.microsoft.com/office/drawing/2014/main" id="{8CFEF47C-0831-4393-B358-F4F423116293}"/>
+              </a:ext>
+            </a:extLst>
+          </p:cNvPr>
+          <p:cNvSpPr txBox="1"/>
+          <p:nvPr/>
+        </p:nvSpPr>
+        <p:spPr>
+          <a:xfrm>
+            <a:off x="-613928" y="1198978"/>
+            <a:ext cx="6099462" cy="461665"/>
+          </a:xfrm>
+          <a:prstGeom prst="rect">
+            <a:avLst/>
+          </a:prstGeom>
+          <a:noFill/>
+        </p:spPr>
+        <p:txBody>
+          <a:bodyPr wrap="square">
+            <a:spAutoFit/>
+          </a:bodyPr>
+          <a:lstStyle/>
+          <a:p>
+            <a:pPr algn="ctr"/>
+            <a:r>
+              <a:rPr lang="en-US" sz="2400" b="1" dirty="0">
+                <a:latin typeface="Times New Roman" panose="02020603050405020304" pitchFamily="18" charset="0"/>
+                <a:cs typeface="Times New Roman" panose="02020603050405020304" pitchFamily="18" charset="0"/>
+              </a:rPr>
+              <a:t>Html code</a:t>
+            </a:r>
+            <a:endParaRPr lang="en-US" b="1" dirty="0">
+              <a:latin typeface="Times New Roman" panose="02020603050405020304" pitchFamily="18" charset="0"/>
+              <a:cs typeface="Times New Roman" panose="02020603050405020304" pitchFamily="18" charset="0"/>
+            </a:endParaRPr>
+          </a:p>
+        </p:txBody>
+      </p:sp>
+      <p:sp>
+        <p:nvSpPr>
+          <p:cNvPr id="9" name="مربع نص 8">
+            <a:extLst>
+              <a:ext uri="{FF2B5EF4-FFF2-40B4-BE49-F238E27FC236}">
+                <a16:creationId xmlns:a16="http://schemas.microsoft.com/office/drawing/2014/main" id="{11E60F94-F6F0-48E2-A93A-18B0C55FFFB9}"/>
+              </a:ext>
+            </a:extLst>
+          </p:cNvPr>
+          <p:cNvSpPr txBox="1"/>
+          <p:nvPr/>
+        </p:nvSpPr>
+        <p:spPr>
+          <a:xfrm>
+            <a:off x="496365" y="2524541"/>
+            <a:ext cx="4950274" cy="2862322"/>
+          </a:xfrm>
+          <a:prstGeom prst="rect">
+            <a:avLst/>
+          </a:prstGeom>
+          <a:noFill/>
+        </p:spPr>
+        <p:txBody>
+          <a:bodyPr wrap="square">
+            <a:spAutoFit/>
+          </a:bodyPr>
+          <a:lstStyle/>
+          <a:p>
+            <a:r>
+              <a:rPr lang="en-US" sz="2000" dirty="0"/>
+              <a:t>&lt;body&gt;</a:t>
+            </a:r>
+          </a:p>
+          <a:p>
+            <a:pPr lvl="1"/>
+            <a:r>
+              <a:rPr lang="en-US" sz="2000" dirty="0"/>
+              <a:t>&lt;p&gt;</a:t>
+            </a:r>
+          </a:p>
+          <a:p>
+            <a:pPr lvl="2"/>
+            <a:r>
+              <a:rPr lang="en-US" sz="2000" dirty="0"/>
+              <a:t>This paragraph</a:t>
+            </a:r>
+          </a:p>
+          <a:p>
+            <a:pPr lvl="2"/>
+            <a:r>
+              <a:rPr lang="en-US" sz="2000" dirty="0"/>
+              <a:t>contains a lot of lines</a:t>
+            </a:r>
+          </a:p>
+          <a:p>
+            <a:pPr lvl="2"/>
+            <a:r>
+              <a:rPr lang="en-US" sz="2000" dirty="0"/>
+              <a:t>in the source code,</a:t>
+            </a:r>
+          </a:p>
+          <a:p>
+            <a:pPr lvl="2"/>
+            <a:r>
+              <a:rPr lang="en-US" sz="2000" dirty="0"/>
+              <a:t>but the browser </a:t>
+            </a:r>
+          </a:p>
+          <a:p>
+            <a:pPr lvl="2"/>
+            <a:r>
+              <a:rPr lang="en-US" sz="2000" dirty="0"/>
+              <a:t>ignores it.</a:t>
+            </a:r>
+          </a:p>
+          <a:p>
+            <a:pPr lvl="1"/>
+            <a:r>
+              <a:rPr lang="en-US" sz="2000" dirty="0"/>
+              <a:t>&lt;/p&gt;</a:t>
+            </a:r>
+          </a:p>
+          <a:p>
+            <a:r>
+              <a:rPr lang="en-US" sz="2000" dirty="0"/>
+              <a:t>&lt;/body&gt;</a:t>
+            </a:r>
+          </a:p>
+        </p:txBody>
+      </p:sp>
       <p:pic>
         <p:nvPicPr>
-          <p:cNvPr id="5" name="صورة 4">
+          <p:cNvPr id="4" name="صورة 3">
             <a:extLst>
               <a:ext uri="{FF2B5EF4-FFF2-40B4-BE49-F238E27FC236}">
-                <a16:creationId xmlns:a16="http://schemas.microsoft.com/office/drawing/2014/main" id="{EDD666B2-6E72-4A74-929D-19797B04A739}"/>
+                <a16:creationId xmlns:a16="http://schemas.microsoft.com/office/drawing/2014/main" id="{9493D00E-87A6-4C20-91D5-E5786F6C488A}"/>
               </a:ext>
             </a:extLst>
           </p:cNvPr>
@@ -11989,183 +12517,8 @@
         </p:blipFill>
         <p:spPr>
           <a:xfrm>
-            <a:off x="6162675" y="3387436"/>
-            <a:ext cx="6029325" cy="1162050"/>
-          </a:xfrm>
-          <a:prstGeom prst="rect">
-            <a:avLst/>
-          </a:prstGeom>
-        </p:spPr>
-      </p:pic>
-      <p:sp>
-        <p:nvSpPr>
-          <p:cNvPr id="6" name="عنوان 1">
-            <a:extLst>
-              <a:ext uri="{FF2B5EF4-FFF2-40B4-BE49-F238E27FC236}">
-                <a16:creationId xmlns:a16="http://schemas.microsoft.com/office/drawing/2014/main" id="{C45EC975-48AC-44AB-8E07-23FA12C6B678}"/>
-              </a:ext>
-            </a:extLst>
-          </p:cNvPr>
-          <p:cNvSpPr>
-            <a:spLocks noGrp="1"/>
-          </p:cNvSpPr>
-          <p:nvPr>
-            <p:ph type="title"/>
-          </p:nvPr>
-        </p:nvSpPr>
-        <p:spPr>
-          <a:xfrm>
-            <a:off x="838200" y="104248"/>
-            <a:ext cx="10515600" cy="1325563"/>
-          </a:xfrm>
-        </p:spPr>
-        <p:txBody>
-          <a:bodyPr>
-            <a:normAutofit/>
-          </a:bodyPr>
-          <a:lstStyle/>
-          <a:p>
-            <a:pPr algn="ctr"/>
-            <a:r>
-              <a:rPr lang="en-US" sz="4800" b="1" dirty="0">
-                <a:latin typeface="Times New Roman" panose="02020603050405020304" pitchFamily="18" charset="0"/>
-              </a:rPr>
-              <a:t>P</a:t>
-            </a:r>
-            <a:r>
-              <a:rPr lang="en-US" sz="4800" b="1" i="0" dirty="0">
-                <a:effectLst/>
-                <a:latin typeface="Times New Roman" panose="02020603050405020304" pitchFamily="18" charset="0"/>
-              </a:rPr>
-              <a:t>aragraph</a:t>
-            </a:r>
-            <a:r>
-              <a:rPr lang="en-US" sz="2000" b="0" i="0" dirty="0">
-                <a:solidFill>
-                  <a:srgbClr val="000000"/>
-                </a:solidFill>
-                <a:effectLst/>
-                <a:latin typeface="Times New Roman" panose="02020603050405020304" pitchFamily="18" charset="0"/>
-              </a:rPr>
-              <a:t> </a:t>
-            </a:r>
-            <a:endParaRPr lang="en-US" sz="4800" b="1" dirty="0">
-              <a:latin typeface="Times New Roman" panose="02020603050405020304" pitchFamily="18" charset="0"/>
-              <a:cs typeface="Times New Roman" panose="02020603050405020304" pitchFamily="18" charset="0"/>
-            </a:endParaRPr>
-          </a:p>
-        </p:txBody>
-      </p:sp>
-      <p:sp>
-        <p:nvSpPr>
-          <p:cNvPr id="8" name="مربع نص 7">
-            <a:extLst>
-              <a:ext uri="{FF2B5EF4-FFF2-40B4-BE49-F238E27FC236}">
-                <a16:creationId xmlns:a16="http://schemas.microsoft.com/office/drawing/2014/main" id="{F79C5A59-0082-403E-9338-561C3DFA00FC}"/>
-              </a:ext>
-            </a:extLst>
-          </p:cNvPr>
-          <p:cNvSpPr txBox="1"/>
-          <p:nvPr/>
-        </p:nvSpPr>
-        <p:spPr>
-          <a:xfrm>
-            <a:off x="6029326" y="2925771"/>
-            <a:ext cx="6099462" cy="461665"/>
-          </a:xfrm>
-          <a:prstGeom prst="rect">
-            <a:avLst/>
-          </a:prstGeom>
-          <a:noFill/>
-        </p:spPr>
-        <p:txBody>
-          <a:bodyPr wrap="square">
-            <a:spAutoFit/>
-          </a:bodyPr>
-          <a:lstStyle/>
-          <a:p>
-            <a:pPr algn="ctr"/>
-            <a:r>
-              <a:rPr lang="en-US" sz="2400" b="1" dirty="0">
-                <a:latin typeface="Times New Roman" panose="02020603050405020304" pitchFamily="18" charset="0"/>
-                <a:cs typeface="Times New Roman" panose="02020603050405020304" pitchFamily="18" charset="0"/>
-              </a:rPr>
-              <a:t>Output</a:t>
-            </a:r>
-            <a:endParaRPr lang="en-US" b="1" dirty="0">
-              <a:latin typeface="Times New Roman" panose="02020603050405020304" pitchFamily="18" charset="0"/>
-              <a:cs typeface="Times New Roman" panose="02020603050405020304" pitchFamily="18" charset="0"/>
-            </a:endParaRPr>
-          </a:p>
-        </p:txBody>
-      </p:sp>
-      <p:sp>
-        <p:nvSpPr>
-          <p:cNvPr id="10" name="مربع نص 9">
-            <a:extLst>
-              <a:ext uri="{FF2B5EF4-FFF2-40B4-BE49-F238E27FC236}">
-                <a16:creationId xmlns:a16="http://schemas.microsoft.com/office/drawing/2014/main" id="{8CFEF47C-0831-4393-B358-F4F423116293}"/>
-              </a:ext>
-            </a:extLst>
-          </p:cNvPr>
-          <p:cNvSpPr txBox="1"/>
-          <p:nvPr/>
-        </p:nvSpPr>
-        <p:spPr>
-          <a:xfrm>
-            <a:off x="-613929" y="1468178"/>
-            <a:ext cx="6099462" cy="461665"/>
-          </a:xfrm>
-          <a:prstGeom prst="rect">
-            <a:avLst/>
-          </a:prstGeom>
-          <a:noFill/>
-        </p:spPr>
-        <p:txBody>
-          <a:bodyPr wrap="square">
-            <a:spAutoFit/>
-          </a:bodyPr>
-          <a:lstStyle/>
-          <a:p>
-            <a:pPr algn="ctr"/>
-            <a:r>
-              <a:rPr lang="en-US" sz="2400" b="1" dirty="0">
-                <a:latin typeface="Times New Roman" panose="02020603050405020304" pitchFamily="18" charset="0"/>
-                <a:cs typeface="Times New Roman" panose="02020603050405020304" pitchFamily="18" charset="0"/>
-              </a:rPr>
-              <a:t>Html code</a:t>
-            </a:r>
-            <a:endParaRPr lang="en-US" b="1" dirty="0">
-              <a:latin typeface="Times New Roman" panose="02020603050405020304" pitchFamily="18" charset="0"/>
-              <a:cs typeface="Times New Roman" panose="02020603050405020304" pitchFamily="18" charset="0"/>
-            </a:endParaRPr>
-          </a:p>
-        </p:txBody>
-      </p:sp>
-      <p:pic>
-        <p:nvPicPr>
-          <p:cNvPr id="3" name="صورة 2">
-            <a:extLst>
-              <a:ext uri="{FF2B5EF4-FFF2-40B4-BE49-F238E27FC236}">
-                <a16:creationId xmlns:a16="http://schemas.microsoft.com/office/drawing/2014/main" id="{C93B5650-C804-4B55-9111-EBA3D7950E2E}"/>
-              </a:ext>
-            </a:extLst>
-          </p:cNvPr>
-          <p:cNvPicPr>
-            <a:picLocks noChangeAspect="1"/>
-          </p:cNvPicPr>
-          <p:nvPr/>
-        </p:nvPicPr>
-        <p:blipFill>
-          <a:blip r:embed="rId4"/>
-          <a:stretch>
-            <a:fillRect/>
-          </a:stretch>
-        </p:blipFill>
-        <p:spPr>
-          <a:xfrm>
-            <a:off x="28575" y="2134465"/>
-            <a:ext cx="6067425" cy="4057650"/>
+            <a:off x="5485534" y="3037704"/>
+            <a:ext cx="6210101" cy="1325563"/>
           </a:xfrm>
           <a:prstGeom prst="rect">
             <a:avLst/>
@@ -12238,18 +12591,33 @@
         </p:spPr>
         <p:txBody>
           <a:bodyPr>
-            <a:noAutofit/>
+            <a:normAutofit/>
           </a:bodyPr>
           <a:lstStyle/>
           <a:p>
             <a:pPr algn="ctr"/>
+            <a:r>
+              <a:rPr lang="en-US" sz="4800" b="1" dirty="0">
+                <a:latin typeface="Times New Roman" panose="02020603050405020304" pitchFamily="18" charset="0"/>
+              </a:rPr>
+              <a:t>P</a:t>
+            </a:r>
             <a:r>
               <a:rPr lang="en-US" sz="4800" b="1" i="0" dirty="0">
                 <a:effectLst/>
                 <a:latin typeface="Times New Roman" panose="02020603050405020304" pitchFamily="18" charset="0"/>
-                <a:cs typeface="Times New Roman" panose="02020603050405020304" pitchFamily="18" charset="0"/>
-              </a:rPr>
-              <a:t>Line Breaks</a:t>
+              </a:rPr>
+              <a:t>aragraph</a:t>
+            </a:r>
+            <a:r>
+              <a:rPr lang="en-US" sz="2000" b="0" i="0" dirty="0">
+                <a:solidFill>
+                  <a:srgbClr val="000000"/>
+                </a:solidFill>
+                <a:effectLst/>
+                <a:latin typeface="Times New Roman" panose="02020603050405020304" pitchFamily="18" charset="0"/>
+              </a:rPr>
+              <a:t> </a:t>
             </a:r>
             <a:endParaRPr lang="en-US" sz="4800" b="1" dirty="0">
               <a:latin typeface="Times New Roman" panose="02020603050405020304" pitchFamily="18" charset="0"/>
@@ -12272,7 +12640,7 @@
         </p:nvSpPr>
         <p:spPr>
           <a:xfrm>
-            <a:off x="6092538" y="2794383"/>
+            <a:off x="5540853" y="1314395"/>
             <a:ext cx="6099462" cy="461665"/>
           </a:xfrm>
           <a:prstGeom prst="rect">
@@ -12315,7 +12683,7 @@
         </p:nvSpPr>
         <p:spPr>
           <a:xfrm>
-            <a:off x="-3462" y="2736503"/>
+            <a:off x="-613928" y="1198978"/>
             <a:ext cx="6099462" cy="461665"/>
           </a:xfrm>
           <a:prstGeom prst="rect">
@@ -12344,12 +12712,102 @@
           </a:p>
         </p:txBody>
       </p:sp>
+      <p:sp>
+        <p:nvSpPr>
+          <p:cNvPr id="9" name="مربع نص 8">
+            <a:extLst>
+              <a:ext uri="{FF2B5EF4-FFF2-40B4-BE49-F238E27FC236}">
+                <a16:creationId xmlns:a16="http://schemas.microsoft.com/office/drawing/2014/main" id="{11E60F94-F6F0-48E2-A93A-18B0C55FFFB9}"/>
+              </a:ext>
+            </a:extLst>
+          </p:cNvPr>
+          <p:cNvSpPr txBox="1"/>
+          <p:nvPr/>
+        </p:nvSpPr>
+        <p:spPr>
+          <a:xfrm>
+            <a:off x="496365" y="2524541"/>
+            <a:ext cx="4950274" cy="2862322"/>
+          </a:xfrm>
+          <a:prstGeom prst="rect">
+            <a:avLst/>
+          </a:prstGeom>
+          <a:noFill/>
+        </p:spPr>
+        <p:txBody>
+          <a:bodyPr wrap="square">
+            <a:spAutoFit/>
+          </a:bodyPr>
+          <a:lstStyle/>
+          <a:p>
+            <a:r>
+              <a:rPr lang="en-US" sz="2000" dirty="0"/>
+              <a:t>&lt;body&gt;</a:t>
+            </a:r>
+          </a:p>
+          <a:p>
+            <a:pPr lvl="1"/>
+            <a:r>
+              <a:rPr lang="en-US" sz="2000" dirty="0"/>
+              <a:t>&lt;p&gt;</a:t>
+            </a:r>
+          </a:p>
+          <a:p>
+            <a:pPr lvl="2"/>
+            <a:r>
+              <a:rPr lang="en-US" sz="2000" dirty="0"/>
+              <a:t>This paragraph</a:t>
+            </a:r>
+          </a:p>
+          <a:p>
+            <a:pPr lvl="2"/>
+            <a:r>
+              <a:rPr lang="en-US" sz="2000" dirty="0"/>
+              <a:t>contains      a lot of spaces</a:t>
+            </a:r>
+          </a:p>
+          <a:p>
+            <a:pPr lvl="2"/>
+            <a:r>
+              <a:rPr lang="en-US" sz="2000" dirty="0"/>
+              <a:t>in the source     code,</a:t>
+            </a:r>
+          </a:p>
+          <a:p>
+            <a:pPr lvl="2"/>
+            <a:r>
+              <a:rPr lang="en-US" sz="2000" dirty="0"/>
+              <a:t>but the    browser </a:t>
+            </a:r>
+          </a:p>
+          <a:p>
+            <a:pPr lvl="2"/>
+            <a:r>
+              <a:rPr lang="en-US" sz="2000" dirty="0"/>
+              <a:t>ignores it.</a:t>
+            </a:r>
+          </a:p>
+          <a:p>
+            <a:pPr lvl="1"/>
+            <a:r>
+              <a:rPr lang="en-US" sz="2000" dirty="0"/>
+              <a:t>&lt;/p&gt;</a:t>
+            </a:r>
+          </a:p>
+          <a:p>
+            <a:r>
+              <a:rPr lang="en-US" sz="2000" dirty="0"/>
+              <a:t>&lt;/body&gt;</a:t>
+            </a:r>
+          </a:p>
+        </p:txBody>
+      </p:sp>
       <p:pic>
         <p:nvPicPr>
-          <p:cNvPr id="9" name="صورة 8">
+          <p:cNvPr id="2" name="صورة 1">
             <a:extLst>
               <a:ext uri="{FF2B5EF4-FFF2-40B4-BE49-F238E27FC236}">
-                <a16:creationId xmlns:a16="http://schemas.microsoft.com/office/drawing/2014/main" id="{5938B89E-2807-4BB0-816C-36F9588E6983}"/>
+                <a16:creationId xmlns:a16="http://schemas.microsoft.com/office/drawing/2014/main" id="{60FEE912-A7F9-4977-B410-06F189966698}"/>
               </a:ext>
             </a:extLst>
           </p:cNvPr>
@@ -12366,38 +12824,8 @@
         </p:blipFill>
         <p:spPr>
           <a:xfrm>
-            <a:off x="398269" y="3905866"/>
-            <a:ext cx="6923426" cy="1622097"/>
-          </a:xfrm>
-          <a:prstGeom prst="rect">
-            <a:avLst/>
-          </a:prstGeom>
-        </p:spPr>
-      </p:pic>
-      <p:pic>
-        <p:nvPicPr>
-          <p:cNvPr id="12" name="صورة 11">
-            <a:extLst>
-              <a:ext uri="{FF2B5EF4-FFF2-40B4-BE49-F238E27FC236}">
-                <a16:creationId xmlns:a16="http://schemas.microsoft.com/office/drawing/2014/main" id="{9DA7C438-B6A3-4683-94D8-B3B7654D337B}"/>
-              </a:ext>
-            </a:extLst>
-          </p:cNvPr>
-          <p:cNvPicPr>
-            <a:picLocks noChangeAspect="1"/>
-          </p:cNvPicPr>
-          <p:nvPr/>
-        </p:nvPicPr>
-        <p:blipFill>
-          <a:blip r:embed="rId4"/>
-          <a:stretch>
-            <a:fillRect/>
-          </a:stretch>
-        </p:blipFill>
-        <p:spPr>
-          <a:xfrm>
-            <a:off x="8172016" y="3311008"/>
-            <a:ext cx="2800783" cy="2514089"/>
+            <a:off x="4370398" y="3243618"/>
+            <a:ext cx="7821602" cy="885942"/>
           </a:xfrm>
           <a:prstGeom prst="rect">
             <a:avLst/>
@@ -12407,20 +12835,20 @@
     </p:spTree>
     <p:extLst>
       <p:ext uri="{BB962C8B-B14F-4D97-AF65-F5344CB8AC3E}">
-        <p14:creationId xmlns:p14="http://schemas.microsoft.com/office/powerpoint/2010/main" val="1423776012"/>
+        <p14:creationId xmlns:p14="http://schemas.microsoft.com/office/powerpoint/2010/main" val="2374540791"/>
       </p:ext>
     </p:extLst>
   </p:cSld>
   <p:clrMapOvr>
     <a:masterClrMapping/>
   </p:clrMapOvr>
-  <mc:AlternateContent xmlns:mc="http://schemas.openxmlformats.org/markup-compatibility/2006" xmlns:p14="http://schemas.microsoft.com/office/powerpoint/2010/main">
-    <mc:Choice Requires="p14">
+  <mc:AlternateContent xmlns:mc="http://schemas.openxmlformats.org/markup-compatibility/2006">
+    <mc:Choice xmlns:p14="http://schemas.microsoft.com/office/powerpoint/2010/main" Requires="p14">
       <p:transition spd="slow" p14:dur="1300">
         <p14:pan dir="u"/>
       </p:transition>
     </mc:Choice>
-    <mc:Fallback xmlns="">
+    <mc:Fallback>
       <p:transition spd="slow">
         <p:fade/>
       </p:transition>
@@ -12470,7 +12898,7 @@
         </p:spPr>
         <p:txBody>
           <a:bodyPr>
-            <a:noAutofit/>
+            <a:normAutofit/>
           </a:bodyPr>
           <a:lstStyle/>
           <a:p>
@@ -12478,10 +12906,30 @@
             <a:r>
               <a:rPr lang="en-US" sz="4800" b="1" dirty="0">
                 <a:latin typeface="Times New Roman" panose="02020603050405020304" pitchFamily="18" charset="0"/>
-                <a:cs typeface="Times New Roman" panose="02020603050405020304" pitchFamily="18" charset="0"/>
-              </a:rPr>
-              <a:t>Horizontal Rules</a:t>
-            </a:r>
+              </a:rPr>
+              <a:t>P</a:t>
+            </a:r>
+            <a:r>
+              <a:rPr lang="en-US" sz="4800" b="1" i="0" dirty="0">
+                <a:effectLst/>
+                <a:latin typeface="Times New Roman" panose="02020603050405020304" pitchFamily="18" charset="0"/>
+              </a:rPr>
+              <a:t>aragraph</a:t>
+            </a:r>
+            <a:r>
+              <a:rPr lang="en-US" sz="2000" b="0" i="0" dirty="0">
+                <a:solidFill>
+                  <a:srgbClr val="000000"/>
+                </a:solidFill>
+                <a:effectLst/>
+                <a:latin typeface="Times New Roman" panose="02020603050405020304" pitchFamily="18" charset="0"/>
+              </a:rPr>
+              <a:t> </a:t>
+            </a:r>
+            <a:endParaRPr lang="en-US" sz="4800" b="1" dirty="0">
+              <a:latin typeface="Times New Roman" panose="02020603050405020304" pitchFamily="18" charset="0"/>
+              <a:cs typeface="Times New Roman" panose="02020603050405020304" pitchFamily="18" charset="0"/>
+            </a:endParaRPr>
           </a:p>
         </p:txBody>
       </p:sp>
@@ -12499,7 +12947,7 @@
         </p:nvSpPr>
         <p:spPr>
           <a:xfrm>
-            <a:off x="6021098" y="1419599"/>
+            <a:off x="5540853" y="1314395"/>
             <a:ext cx="6099462" cy="461665"/>
           </a:xfrm>
           <a:prstGeom prst="rect">
@@ -12542,7 +12990,7 @@
         </p:nvSpPr>
         <p:spPr>
           <a:xfrm>
-            <a:off x="474520" y="1419599"/>
+            <a:off x="-613928" y="1198978"/>
             <a:ext cx="6099462" cy="461665"/>
           </a:xfrm>
           <a:prstGeom prst="rect">
@@ -12571,12 +13019,74 @@
           </a:p>
         </p:txBody>
       </p:sp>
+      <p:sp>
+        <p:nvSpPr>
+          <p:cNvPr id="9" name="مربع نص 8">
+            <a:extLst>
+              <a:ext uri="{FF2B5EF4-FFF2-40B4-BE49-F238E27FC236}">
+                <a16:creationId xmlns:a16="http://schemas.microsoft.com/office/drawing/2014/main" id="{11E60F94-F6F0-48E2-A93A-18B0C55FFFB9}"/>
+              </a:ext>
+            </a:extLst>
+          </p:cNvPr>
+          <p:cNvSpPr txBox="1"/>
+          <p:nvPr/>
+        </p:nvSpPr>
+        <p:spPr>
+          <a:xfrm>
+            <a:off x="496365" y="2524541"/>
+            <a:ext cx="4950274" cy="2862322"/>
+          </a:xfrm>
+          <a:prstGeom prst="rect">
+            <a:avLst/>
+          </a:prstGeom>
+          <a:noFill/>
+        </p:spPr>
+        <p:txBody>
+          <a:bodyPr wrap="square">
+            <a:spAutoFit/>
+          </a:bodyPr>
+          <a:lstStyle/>
+          <a:p>
+            <a:r>
+              <a:rPr lang="en-US" sz="2000" dirty="0"/>
+              <a:t>&lt;body&gt;</a:t>
+            </a:r>
+          </a:p>
+          <a:p>
+            <a:pPr lvl="1"/>
+            <a:r>
+              <a:rPr lang="en-US" sz="2000" dirty="0"/>
+              <a:t>&lt;p&gt;</a:t>
+            </a:r>
+          </a:p>
+          <a:p>
+            <a:pPr lvl="2"/>
+            <a:r>
+              <a:rPr lang="en-US" sz="2000" dirty="0"/>
+              <a:t>The number of lines in a paragraph depends on the size of the browser window. If you resize the browser window, the number of lines in this paragraph will change.</a:t>
+            </a:r>
+          </a:p>
+          <a:p>
+            <a:pPr lvl="1"/>
+            <a:r>
+              <a:rPr lang="en-US" sz="2000" dirty="0"/>
+              <a:t>&lt;/p&gt;</a:t>
+            </a:r>
+          </a:p>
+          <a:p>
+            <a:r>
+              <a:rPr lang="en-US" sz="2000" dirty="0"/>
+              <a:t>&lt;/body&gt;</a:t>
+            </a:r>
+          </a:p>
+        </p:txBody>
+      </p:sp>
       <p:pic>
         <p:nvPicPr>
-          <p:cNvPr id="2" name="صورة 1">
+          <p:cNvPr id="3" name="صورة 2">
             <a:extLst>
               <a:ext uri="{FF2B5EF4-FFF2-40B4-BE49-F238E27FC236}">
-                <a16:creationId xmlns:a16="http://schemas.microsoft.com/office/drawing/2014/main" id="{808F7610-E4F2-49DF-AE74-8DE11F37DB58}"/>
+                <a16:creationId xmlns:a16="http://schemas.microsoft.com/office/drawing/2014/main" id="{CCD91504-0F48-4E01-B881-09478932181F}"/>
               </a:ext>
             </a:extLst>
           </p:cNvPr>
@@ -12593,8 +13103,8 @@
         </p:blipFill>
         <p:spPr>
           <a:xfrm>
-            <a:off x="785597" y="2396835"/>
-            <a:ext cx="5477307" cy="3942145"/>
+            <a:off x="6058710" y="2354250"/>
+            <a:ext cx="5581605" cy="1081436"/>
           </a:xfrm>
           <a:prstGeom prst="rect">
             <a:avLst/>
@@ -12603,10 +13113,10 @@
       </p:pic>
       <p:pic>
         <p:nvPicPr>
-          <p:cNvPr id="3" name="صورة 2">
+          <p:cNvPr id="4" name="صورة 3">
             <a:extLst>
               <a:ext uri="{FF2B5EF4-FFF2-40B4-BE49-F238E27FC236}">
-                <a16:creationId xmlns:a16="http://schemas.microsoft.com/office/drawing/2014/main" id="{B86D681F-5A90-46D4-BEF3-29CEC9D96430}"/>
+                <a16:creationId xmlns:a16="http://schemas.microsoft.com/office/drawing/2014/main" id="{192C21DE-6650-4BD4-A529-E5A64B8522DC}"/>
               </a:ext>
             </a:extLst>
           </p:cNvPr>
@@ -12623,8 +13133,8 @@
         </p:blipFill>
         <p:spPr>
           <a:xfrm>
-            <a:off x="6332175" y="3196615"/>
-            <a:ext cx="5477307" cy="1973441"/>
+            <a:off x="5540853" y="4211485"/>
+            <a:ext cx="6229350" cy="1081436"/>
           </a:xfrm>
           <a:prstGeom prst="rect">
             <a:avLst/>
@@ -12634,20 +13144,20 @@
     </p:spTree>
     <p:extLst>
       <p:ext uri="{BB962C8B-B14F-4D97-AF65-F5344CB8AC3E}">
-        <p14:creationId xmlns:p14="http://schemas.microsoft.com/office/powerpoint/2010/main" val="575816353"/>
+        <p14:creationId xmlns:p14="http://schemas.microsoft.com/office/powerpoint/2010/main" val="3576049926"/>
       </p:ext>
     </p:extLst>
   </p:cSld>
   <p:clrMapOvr>
     <a:masterClrMapping/>
   </p:clrMapOvr>
-  <mc:AlternateContent xmlns:mc="http://schemas.openxmlformats.org/markup-compatibility/2006" xmlns:p14="http://schemas.microsoft.com/office/powerpoint/2010/main">
-    <mc:Choice Requires="p14">
+  <mc:AlternateContent xmlns:mc="http://schemas.openxmlformats.org/markup-compatibility/2006">
+    <mc:Choice xmlns:p14="http://schemas.microsoft.com/office/powerpoint/2010/main" Requires="p14">
       <p:transition spd="slow" p14:dur="1300">
         <p14:pan dir="u"/>
       </p:transition>
     </mc:Choice>
-    <mc:Fallback xmlns="">
+    <mc:Fallback>
       <p:transition spd="slow">
         <p:fade/>
       </p:transition>
@@ -12703,12 +13213,17 @@
           <a:p>
             <a:pPr algn="ctr"/>
             <a:r>
-              <a:rPr lang="en-US" sz="4800" b="1" dirty="0">
+              <a:rPr lang="en-US" sz="4800" b="1" i="0" dirty="0">
+                <a:effectLst/>
                 <a:latin typeface="Times New Roman" panose="02020603050405020304" pitchFamily="18" charset="0"/>
                 <a:cs typeface="Times New Roman" panose="02020603050405020304" pitchFamily="18" charset="0"/>
               </a:rPr>
-              <a:t>Text Formatting</a:t>
-            </a:r>
+              <a:t>Line Breaks</a:t>
+            </a:r>
+            <a:endParaRPr lang="en-US" sz="4800" b="1" dirty="0">
+              <a:latin typeface="Times New Roman" panose="02020603050405020304" pitchFamily="18" charset="0"/>
+              <a:cs typeface="Times New Roman" panose="02020603050405020304" pitchFamily="18" charset="0"/>
+            </a:endParaRPr>
           </a:p>
         </p:txBody>
       </p:sp>
@@ -12726,7 +13241,7 @@
         </p:nvSpPr>
         <p:spPr>
           <a:xfrm>
-            <a:off x="5439207" y="1419598"/>
+            <a:off x="6092538" y="2794383"/>
             <a:ext cx="6099462" cy="461665"/>
           </a:xfrm>
           <a:prstGeom prst="rect">
@@ -12769,7 +13284,7 @@
         </p:nvSpPr>
         <p:spPr>
           <a:xfrm>
-            <a:off x="474520" y="1419599"/>
+            <a:off x="-3462" y="2736503"/>
             <a:ext cx="6099462" cy="461665"/>
           </a:xfrm>
           <a:prstGeom prst="rect">
@@ -12800,10 +13315,10 @@
       </p:sp>
       <p:pic>
         <p:nvPicPr>
-          <p:cNvPr id="4" name="صورة 3">
+          <p:cNvPr id="12" name="صورة 11">
             <a:extLst>
               <a:ext uri="{FF2B5EF4-FFF2-40B4-BE49-F238E27FC236}">
-                <a16:creationId xmlns:a16="http://schemas.microsoft.com/office/drawing/2014/main" id="{2131CCDF-61E3-45EA-83A8-D97E141345E8}"/>
+                <a16:creationId xmlns:a16="http://schemas.microsoft.com/office/drawing/2014/main" id="{9DA7C438-B6A3-4683-94D8-B3B7654D337B}"/>
               </a:ext>
             </a:extLst>
           </p:cNvPr>
@@ -12820,48 +13335,69 @@
         </p:blipFill>
         <p:spPr>
           <a:xfrm>
-            <a:off x="474520" y="2452309"/>
-            <a:ext cx="5491439" cy="2524428"/>
+            <a:off x="8172016" y="3311008"/>
+            <a:ext cx="2800783" cy="2514089"/>
           </a:xfrm>
           <a:prstGeom prst="rect">
             <a:avLst/>
           </a:prstGeom>
         </p:spPr>
       </p:pic>
-      <p:pic>
-        <p:nvPicPr>
-          <p:cNvPr id="5" name="صورة 4">
+      <p:sp>
+        <p:nvSpPr>
+          <p:cNvPr id="11" name="مربع نص 10">
             <a:extLst>
               <a:ext uri="{FF2B5EF4-FFF2-40B4-BE49-F238E27FC236}">
-                <a16:creationId xmlns:a16="http://schemas.microsoft.com/office/drawing/2014/main" id="{0D387C9C-F3C3-4AB4-A938-62D90F7D908B}"/>
+                <a16:creationId xmlns:a16="http://schemas.microsoft.com/office/drawing/2014/main" id="{D41C98B3-7F0A-4C63-B63D-F2413DE70F68}"/>
               </a:ext>
             </a:extLst>
           </p:cNvPr>
-          <p:cNvPicPr>
-            <a:picLocks noChangeAspect="1"/>
-          </p:cNvPicPr>
+          <p:cNvSpPr txBox="1"/>
           <p:nvPr/>
-        </p:nvPicPr>
-        <p:blipFill>
-          <a:blip r:embed="rId4"/>
-          <a:stretch>
-            <a:fillRect/>
-          </a:stretch>
-        </p:blipFill>
+        </p:nvSpPr>
         <p:spPr>
           <a:xfrm>
-            <a:off x="6573982" y="2438024"/>
-            <a:ext cx="4403148" cy="2524428"/>
+            <a:off x="440474" y="3852074"/>
+            <a:ext cx="6473282" cy="400110"/>
           </a:xfrm>
           <a:prstGeom prst="rect">
             <a:avLst/>
           </a:prstGeom>
+          <a:noFill/>
         </p:spPr>
-      </p:pic>
+        <p:txBody>
+          <a:bodyPr wrap="square">
+            <a:spAutoFit/>
+          </a:bodyPr>
+          <a:lstStyle/>
+          <a:p>
+            <a:r>
+              <a:rPr lang="en-US" sz="2000" dirty="0"/>
+              <a:t>&lt;p&gt;This is&lt;</a:t>
+            </a:r>
+            <a:r>
+              <a:rPr lang="en-US" sz="2000" dirty="0" err="1"/>
+              <a:t>br</a:t>
+            </a:r>
+            <a:r>
+              <a:rPr lang="en-US" sz="2000" dirty="0"/>
+              <a:t>&gt;a paragraph&lt;</a:t>
+            </a:r>
+            <a:r>
+              <a:rPr lang="en-US" sz="2000" dirty="0" err="1"/>
+              <a:t>br</a:t>
+            </a:r>
+            <a:r>
+              <a:rPr lang="en-US" sz="2000" dirty="0"/>
+              <a:t>&gt;with line breaks.&lt;/p&gt;</a:t>
+            </a:r>
+          </a:p>
+        </p:txBody>
+      </p:sp>
     </p:spTree>
     <p:extLst>
       <p:ext uri="{BB962C8B-B14F-4D97-AF65-F5344CB8AC3E}">
-        <p14:creationId xmlns:p14="http://schemas.microsoft.com/office/powerpoint/2010/main" val="3652918350"/>
+        <p14:creationId xmlns:p14="http://schemas.microsoft.com/office/powerpoint/2010/main" val="1423776012"/>
       </p:ext>
     </p:extLst>
   </p:cSld>
@@ -12934,7 +13470,7 @@
                 <a:latin typeface="Times New Roman" panose="02020603050405020304" pitchFamily="18" charset="0"/>
                 <a:cs typeface="Times New Roman" panose="02020603050405020304" pitchFamily="18" charset="0"/>
               </a:rPr>
-              <a:t>Heading</a:t>
+              <a:t>Horizontal Rules</a:t>
             </a:r>
           </a:p>
         </p:txBody>
@@ -12953,7 +13489,7 @@
         </p:nvSpPr>
         <p:spPr>
           <a:xfrm>
-            <a:off x="5453496" y="1380859"/>
+            <a:off x="6021098" y="1419599"/>
             <a:ext cx="6099462" cy="461665"/>
           </a:xfrm>
           <a:prstGeom prst="rect">
@@ -12996,7 +13532,7 @@
         </p:nvSpPr>
         <p:spPr>
           <a:xfrm>
-            <a:off x="-224812" y="1380858"/>
+            <a:off x="474520" y="1419599"/>
             <a:ext cx="6099462" cy="461665"/>
           </a:xfrm>
           <a:prstGeom prst="rect">
@@ -13027,10 +13563,10 @@
       </p:sp>
       <p:pic>
         <p:nvPicPr>
-          <p:cNvPr id="4" name="صورة 3">
+          <p:cNvPr id="3" name="صورة 2">
             <a:extLst>
               <a:ext uri="{FF2B5EF4-FFF2-40B4-BE49-F238E27FC236}">
-                <a16:creationId xmlns:a16="http://schemas.microsoft.com/office/drawing/2014/main" id="{7251AC24-A662-4A79-84D2-8D803770FB5F}"/>
+                <a16:creationId xmlns:a16="http://schemas.microsoft.com/office/drawing/2014/main" id="{B86D681F-5A90-46D4-BEF3-29CEC9D96430}"/>
               </a:ext>
             </a:extLst>
           </p:cNvPr>
@@ -13047,48 +13583,93 @@
         </p:blipFill>
         <p:spPr>
           <a:xfrm>
-            <a:off x="838200" y="2263504"/>
-            <a:ext cx="3973439" cy="4103111"/>
+            <a:off x="6332175" y="3196615"/>
+            <a:ext cx="5477307" cy="1973441"/>
           </a:xfrm>
           <a:prstGeom prst="rect">
             <a:avLst/>
           </a:prstGeom>
         </p:spPr>
       </p:pic>
-      <p:pic>
-        <p:nvPicPr>
-          <p:cNvPr id="5" name="صورة 4">
+      <p:sp>
+        <p:nvSpPr>
+          <p:cNvPr id="9" name="مربع نص 8">
             <a:extLst>
               <a:ext uri="{FF2B5EF4-FFF2-40B4-BE49-F238E27FC236}">
-                <a16:creationId xmlns:a16="http://schemas.microsoft.com/office/drawing/2014/main" id="{299013A0-FBC6-42D4-A2AA-43602BF9525D}"/>
+                <a16:creationId xmlns:a16="http://schemas.microsoft.com/office/drawing/2014/main" id="{98C90F76-3743-4069-B672-AEAD81EDA32E}"/>
               </a:ext>
             </a:extLst>
           </p:cNvPr>
-          <p:cNvPicPr>
-            <a:picLocks noChangeAspect="1"/>
-          </p:cNvPicPr>
+          <p:cNvSpPr txBox="1"/>
           <p:nvPr/>
-        </p:nvPicPr>
-        <p:blipFill>
-          <a:blip r:embed="rId4"/>
-          <a:stretch>
-            <a:fillRect/>
-          </a:stretch>
-        </p:blipFill>
+        </p:nvSpPr>
         <p:spPr>
           <a:xfrm>
-            <a:off x="6719455" y="2263504"/>
-            <a:ext cx="3567545" cy="4103111"/>
+            <a:off x="474266" y="2745162"/>
+            <a:ext cx="6099716" cy="1938992"/>
           </a:xfrm>
           <a:prstGeom prst="rect">
             <a:avLst/>
           </a:prstGeom>
+          <a:noFill/>
         </p:spPr>
-      </p:pic>
+        <p:txBody>
+          <a:bodyPr wrap="square">
+            <a:spAutoFit/>
+          </a:bodyPr>
+          <a:lstStyle/>
+          <a:p>
+            <a:endParaRPr lang="en-US" sz="2000" dirty="0"/>
+          </a:p>
+          <a:p>
+            <a:r>
+              <a:rPr lang="en-US" sz="2000" dirty="0"/>
+              <a:t>&lt;p&gt;This is some text.&lt;/p&gt;</a:t>
+            </a:r>
+          </a:p>
+          <a:p>
+            <a:r>
+              <a:rPr lang="en-US" sz="2000" dirty="0"/>
+              <a:t>&lt;</a:t>
+            </a:r>
+            <a:r>
+              <a:rPr lang="en-US" sz="2000" dirty="0" err="1"/>
+              <a:t>hr</a:t>
+            </a:r>
+            <a:r>
+              <a:rPr lang="en-US" sz="2000" dirty="0"/>
+              <a:t>&gt;</a:t>
+            </a:r>
+          </a:p>
+          <a:p>
+            <a:endParaRPr lang="en-US" sz="2000" dirty="0"/>
+          </a:p>
+          <a:p>
+            <a:r>
+              <a:rPr lang="en-US" sz="2000" dirty="0"/>
+              <a:t>&lt;p&gt;This is some other text.&lt;/p&gt;</a:t>
+            </a:r>
+          </a:p>
+          <a:p>
+            <a:r>
+              <a:rPr lang="en-US" sz="2000" dirty="0"/>
+              <a:t>&lt;</a:t>
+            </a:r>
+            <a:r>
+              <a:rPr lang="en-US" sz="2000" dirty="0" err="1"/>
+              <a:t>hr</a:t>
+            </a:r>
+            <a:r>
+              <a:rPr lang="en-US" sz="2000" dirty="0"/>
+              <a:t>&gt;</a:t>
+            </a:r>
+          </a:p>
+        </p:txBody>
+      </p:sp>
     </p:spTree>
     <p:extLst>
       <p:ext uri="{BB962C8B-B14F-4D97-AF65-F5344CB8AC3E}">
-        <p14:creationId xmlns:p14="http://schemas.microsoft.com/office/powerpoint/2010/main" val="1387601624"/>
+        <p14:creationId xmlns:p14="http://schemas.microsoft.com/office/powerpoint/2010/main" val="575816353"/>
       </p:ext>
     </p:extLst>
   </p:cSld>
@@ -13161,7 +13742,7 @@
                 <a:latin typeface="Times New Roman" panose="02020603050405020304" pitchFamily="18" charset="0"/>
                 <a:cs typeface="Times New Roman" panose="02020603050405020304" pitchFamily="18" charset="0"/>
               </a:rPr>
-              <a:t>HTML Links</a:t>
+              <a:t>Text Formatting</a:t>
             </a:r>
           </a:p>
         </p:txBody>
@@ -13180,7 +13761,7 @@
         </p:nvSpPr>
         <p:spPr>
           <a:xfrm>
-            <a:off x="5453496" y="1380859"/>
+            <a:off x="5439207" y="1419598"/>
             <a:ext cx="6099462" cy="461665"/>
           </a:xfrm>
           <a:prstGeom prst="rect">
@@ -13223,7 +13804,7 @@
         </p:nvSpPr>
         <p:spPr>
           <a:xfrm>
-            <a:off x="-224812" y="1380858"/>
+            <a:off x="474520" y="1419599"/>
             <a:ext cx="6099462" cy="461665"/>
           </a:xfrm>
           <a:prstGeom prst="rect">
@@ -13254,10 +13835,10 @@
       </p:sp>
       <p:pic>
         <p:nvPicPr>
-          <p:cNvPr id="3" name="صورة 2">
+          <p:cNvPr id="5" name="صورة 4">
             <a:extLst>
               <a:ext uri="{FF2B5EF4-FFF2-40B4-BE49-F238E27FC236}">
-                <a16:creationId xmlns:a16="http://schemas.microsoft.com/office/drawing/2014/main" id="{EB19E433-01CD-4B5A-9CE4-18D2A9A212F7}"/>
+                <a16:creationId xmlns:a16="http://schemas.microsoft.com/office/drawing/2014/main" id="{0D387C9C-F3C3-4AB4-A938-62D90F7D908B}"/>
               </a:ext>
             </a:extLst>
           </p:cNvPr>
@@ -13274,48 +13855,81 @@
         </p:blipFill>
         <p:spPr>
           <a:xfrm>
-            <a:off x="6516510" y="2568314"/>
-            <a:ext cx="4726998" cy="2447163"/>
+            <a:off x="6573982" y="2438024"/>
+            <a:ext cx="4403148" cy="2524428"/>
           </a:xfrm>
           <a:prstGeom prst="rect">
             <a:avLst/>
           </a:prstGeom>
         </p:spPr>
       </p:pic>
-      <p:pic>
-        <p:nvPicPr>
-          <p:cNvPr id="9" name="صورة 8">
+      <p:sp>
+        <p:nvSpPr>
+          <p:cNvPr id="9" name="مربع نص 8">
             <a:extLst>
               <a:ext uri="{FF2B5EF4-FFF2-40B4-BE49-F238E27FC236}">
-                <a16:creationId xmlns:a16="http://schemas.microsoft.com/office/drawing/2014/main" id="{91FAF112-4BBF-4A54-90EB-896042B757D5}"/>
+                <a16:creationId xmlns:a16="http://schemas.microsoft.com/office/drawing/2014/main" id="{E4B28CA9-9808-4B0B-932B-5891A2624560}"/>
               </a:ext>
             </a:extLst>
           </p:cNvPr>
-          <p:cNvPicPr>
-            <a:picLocks noChangeAspect="1"/>
-          </p:cNvPicPr>
+          <p:cNvSpPr txBox="1"/>
           <p:nvPr/>
-        </p:nvPicPr>
-        <p:blipFill>
-          <a:blip r:embed="rId4"/>
-          <a:stretch>
-            <a:fillRect/>
-          </a:stretch>
-        </p:blipFill>
+        </p:nvSpPr>
         <p:spPr>
           <a:xfrm>
-            <a:off x="639041" y="2568314"/>
-            <a:ext cx="5036450" cy="2444852"/>
+            <a:off x="474520" y="3038518"/>
+            <a:ext cx="6099716" cy="1323439"/>
           </a:xfrm>
           <a:prstGeom prst="rect">
             <a:avLst/>
           </a:prstGeom>
+          <a:noFill/>
         </p:spPr>
-      </p:pic>
+        <p:txBody>
+          <a:bodyPr wrap="square">
+            <a:spAutoFit/>
+          </a:bodyPr>
+          <a:lstStyle/>
+          <a:p>
+            <a:r>
+              <a:rPr lang="en-US" sz="2000" dirty="0"/>
+              <a:t>&lt;p&gt;&lt;b&gt;This text is bold&lt;/b&gt;&lt;/p&gt;</a:t>
+            </a:r>
+          </a:p>
+          <a:p>
+            <a:r>
+              <a:rPr lang="en-US" sz="2000" dirty="0"/>
+              <a:t>&lt;p&gt;&lt;</a:t>
+            </a:r>
+            <a:r>
+              <a:rPr lang="en-US" sz="2000" dirty="0" err="1"/>
+              <a:t>i</a:t>
+            </a:r>
+            <a:r>
+              <a:rPr lang="en-US" sz="2000" dirty="0"/>
+              <a:t>&gt;This text is italic&lt;/</a:t>
+            </a:r>
+            <a:r>
+              <a:rPr lang="en-US" sz="2000" dirty="0" err="1"/>
+              <a:t>i</a:t>
+            </a:r>
+            <a:r>
+              <a:rPr lang="en-US" sz="2000" dirty="0"/>
+              <a:t>&gt;&lt;/p&gt;</a:t>
+            </a:r>
+          </a:p>
+          <a:p>
+            <a:r>
+              <a:rPr lang="en-US" sz="2000" dirty="0"/>
+              <a:t>&lt;p&gt;This is&lt;sub&gt; subscript&lt;/sub&gt; and &lt;sup&gt;superscript&lt;/sup&gt;&lt;/p&gt;</a:t>
+            </a:r>
+          </a:p>
+        </p:txBody>
+      </p:sp>
     </p:spTree>
     <p:extLst>
       <p:ext uri="{BB962C8B-B14F-4D97-AF65-F5344CB8AC3E}">
-        <p14:creationId xmlns:p14="http://schemas.microsoft.com/office/powerpoint/2010/main" val="1690054147"/>
+        <p14:creationId xmlns:p14="http://schemas.microsoft.com/office/powerpoint/2010/main" val="3652918350"/>
       </p:ext>
     </p:extLst>
   </p:cSld>
@@ -13388,7 +14002,7 @@
                 <a:latin typeface="Times New Roman" panose="02020603050405020304" pitchFamily="18" charset="0"/>
                 <a:cs typeface="Times New Roman" panose="02020603050405020304" pitchFamily="18" charset="0"/>
               </a:rPr>
-              <a:t>HTML Links</a:t>
+              <a:t>Heading</a:t>
             </a:r>
           </a:p>
         </p:txBody>
@@ -13481,10 +14095,10 @@
       </p:sp>
       <p:pic>
         <p:nvPicPr>
-          <p:cNvPr id="2" name="صورة 1">
+          <p:cNvPr id="5" name="صورة 4">
             <a:extLst>
               <a:ext uri="{FF2B5EF4-FFF2-40B4-BE49-F238E27FC236}">
-                <a16:creationId xmlns:a16="http://schemas.microsoft.com/office/drawing/2014/main" id="{8B3A8174-FE1E-44E6-A04E-619EAE98F849}"/>
+                <a16:creationId xmlns:a16="http://schemas.microsoft.com/office/drawing/2014/main" id="{299013A0-FBC6-42D4-A2AA-43602BF9525D}"/>
               </a:ext>
             </a:extLst>
           </p:cNvPr>
@@ -13501,48 +14115,83 @@
         </p:blipFill>
         <p:spPr>
           <a:xfrm>
-            <a:off x="475579" y="2554590"/>
-            <a:ext cx="5620421" cy="3128664"/>
+            <a:off x="6719455" y="2263504"/>
+            <a:ext cx="3567545" cy="4103111"/>
           </a:xfrm>
           <a:prstGeom prst="rect">
             <a:avLst/>
           </a:prstGeom>
         </p:spPr>
       </p:pic>
-      <p:pic>
-        <p:nvPicPr>
-          <p:cNvPr id="4" name="صورة 3">
+      <p:sp>
+        <p:nvSpPr>
+          <p:cNvPr id="9" name="مربع نص 8">
             <a:extLst>
               <a:ext uri="{FF2B5EF4-FFF2-40B4-BE49-F238E27FC236}">
-                <a16:creationId xmlns:a16="http://schemas.microsoft.com/office/drawing/2014/main" id="{AA5EA542-80FD-49F4-B3ED-2DE6351E89AD}"/>
+                <a16:creationId xmlns:a16="http://schemas.microsoft.com/office/drawing/2014/main" id="{25C72141-0355-4A05-BDB8-B8C804D5F9E5}"/>
               </a:ext>
             </a:extLst>
           </p:cNvPr>
-          <p:cNvPicPr>
-            <a:picLocks noChangeAspect="1"/>
-          </p:cNvPicPr>
+          <p:cNvSpPr txBox="1"/>
           <p:nvPr/>
-        </p:nvPicPr>
-        <p:blipFill>
-          <a:blip r:embed="rId4"/>
-          <a:stretch>
-            <a:fillRect/>
-          </a:stretch>
-        </p:blipFill>
+        </p:nvSpPr>
         <p:spPr>
           <a:xfrm>
-            <a:off x="6609024" y="3016255"/>
-            <a:ext cx="4744776" cy="2266792"/>
+            <a:off x="508227" y="2706421"/>
+            <a:ext cx="6211228" cy="1938992"/>
           </a:xfrm>
           <a:prstGeom prst="rect">
             <a:avLst/>
           </a:prstGeom>
+          <a:noFill/>
         </p:spPr>
-      </p:pic>
+        <p:txBody>
+          <a:bodyPr wrap="square">
+            <a:spAutoFit/>
+          </a:bodyPr>
+          <a:lstStyle/>
+          <a:p>
+            <a:r>
+              <a:rPr lang="en-US" sz="2000" dirty="0"/>
+              <a:t>&lt;h1&gt;Heading 1&lt;/h1&gt;</a:t>
+            </a:r>
+          </a:p>
+          <a:p>
+            <a:r>
+              <a:rPr lang="en-US" sz="2000" dirty="0"/>
+              <a:t>&lt;h2&gt;Heading 2&lt;/h2&gt;</a:t>
+            </a:r>
+          </a:p>
+          <a:p>
+            <a:r>
+              <a:rPr lang="en-US" sz="2000" dirty="0"/>
+              <a:t>&lt;h3&gt;Heading 3&lt;/h3&gt;</a:t>
+            </a:r>
+          </a:p>
+          <a:p>
+            <a:r>
+              <a:rPr lang="en-US" sz="2000" dirty="0"/>
+              <a:t>&lt;h4&gt;Heading 4&lt;/h4&gt;</a:t>
+            </a:r>
+          </a:p>
+          <a:p>
+            <a:r>
+              <a:rPr lang="en-US" sz="2000" dirty="0"/>
+              <a:t>&lt;h5&gt;Heading 5&lt;/h5&gt;</a:t>
+            </a:r>
+          </a:p>
+          <a:p>
+            <a:r>
+              <a:rPr lang="en-US" sz="2000" dirty="0"/>
+              <a:t>&lt;h6&gt;Heading 6&lt;/h6&gt;</a:t>
+            </a:r>
+          </a:p>
+        </p:txBody>
+      </p:sp>
     </p:spTree>
     <p:extLst>
       <p:ext uri="{BB962C8B-B14F-4D97-AF65-F5344CB8AC3E}">
-        <p14:creationId xmlns:p14="http://schemas.microsoft.com/office/powerpoint/2010/main" val="2897202820"/>
+        <p14:creationId xmlns:p14="http://schemas.microsoft.com/office/powerpoint/2010/main" val="1387601624"/>
       </p:ext>
     </p:extLst>
   </p:cSld>
@@ -13634,7 +14283,7 @@
         </p:nvSpPr>
         <p:spPr>
           <a:xfrm>
-            <a:off x="6142510" y="1373029"/>
+            <a:off x="5453496" y="1380859"/>
             <a:ext cx="6099462" cy="461665"/>
           </a:xfrm>
           <a:prstGeom prst="rect">
@@ -13711,7 +14360,7 @@
           <p:cNvPr id="3" name="صورة 2">
             <a:extLst>
               <a:ext uri="{FF2B5EF4-FFF2-40B4-BE49-F238E27FC236}">
-                <a16:creationId xmlns:a16="http://schemas.microsoft.com/office/drawing/2014/main" id="{E346C269-78A8-4AB6-AC90-F1ED8338F653}"/>
+                <a16:creationId xmlns:a16="http://schemas.microsoft.com/office/drawing/2014/main" id="{EB19E433-01CD-4B5A-9CE4-18D2A9A212F7}"/>
               </a:ext>
             </a:extLst>
           </p:cNvPr>
@@ -13728,48 +14377,70 @@
         </p:blipFill>
         <p:spPr>
           <a:xfrm>
-            <a:off x="425163" y="2918171"/>
-            <a:ext cx="6099462" cy="2558970"/>
+            <a:off x="6516510" y="2568314"/>
+            <a:ext cx="4726998" cy="2447163"/>
           </a:xfrm>
           <a:prstGeom prst="rect">
             <a:avLst/>
           </a:prstGeom>
         </p:spPr>
       </p:pic>
-      <p:pic>
-        <p:nvPicPr>
-          <p:cNvPr id="5" name="صورة 4">
+      <p:sp>
+        <p:nvSpPr>
+          <p:cNvPr id="11" name="مربع نص 10">
             <a:extLst>
               <a:ext uri="{FF2B5EF4-FFF2-40B4-BE49-F238E27FC236}">
-                <a16:creationId xmlns:a16="http://schemas.microsoft.com/office/drawing/2014/main" id="{2C186740-A461-4766-8B0B-2D678317F3CE}"/>
+                <a16:creationId xmlns:a16="http://schemas.microsoft.com/office/drawing/2014/main" id="{6152DC23-5B4C-414F-ABD9-5F9E1255DB1A}"/>
               </a:ext>
             </a:extLst>
           </p:cNvPr>
-          <p:cNvPicPr>
-            <a:picLocks noChangeAspect="1"/>
-          </p:cNvPicPr>
+          <p:cNvSpPr txBox="1"/>
           <p:nvPr/>
-        </p:nvPicPr>
-        <p:blipFill>
-          <a:blip r:embed="rId4"/>
-          <a:stretch>
-            <a:fillRect/>
-          </a:stretch>
-        </p:blipFill>
+        </p:nvSpPr>
         <p:spPr>
           <a:xfrm>
-            <a:off x="7392310" y="2025956"/>
-            <a:ext cx="3305455" cy="4343400"/>
+            <a:off x="405163" y="3130175"/>
+            <a:ext cx="6211228" cy="1323439"/>
           </a:xfrm>
           <a:prstGeom prst="rect">
             <a:avLst/>
           </a:prstGeom>
+          <a:noFill/>
         </p:spPr>
-      </p:pic>
+        <p:txBody>
+          <a:bodyPr wrap="square">
+            <a:spAutoFit/>
+          </a:bodyPr>
+          <a:lstStyle/>
+          <a:p>
+            <a:r>
+              <a:rPr lang="en-US" sz="2000" dirty="0"/>
+              <a:t>&lt;h1&gt;HTML Links&lt;/h1&gt;</a:t>
+            </a:r>
+          </a:p>
+          <a:p>
+            <a:endParaRPr lang="en-US" sz="2000" dirty="0"/>
+          </a:p>
+          <a:p>
+            <a:r>
+              <a:rPr lang="en-US" sz="2000" dirty="0"/>
+              <a:t>&lt;p&gt;&lt;a </a:t>
+            </a:r>
+            <a:r>
+              <a:rPr lang="en-US" sz="2000" dirty="0" err="1"/>
+              <a:t>href</a:t>
+            </a:r>
+            <a:r>
+              <a:rPr lang="en-US" sz="2000" dirty="0"/>
+              <a:t>="http://www.aspu.edu.sy/"&gt;Visit aspu.com!&lt;/a&gt;&lt;/p&gt;</a:t>
+            </a:r>
+          </a:p>
+        </p:txBody>
+      </p:sp>
     </p:spTree>
     <p:extLst>
       <p:ext uri="{BB962C8B-B14F-4D97-AF65-F5344CB8AC3E}">
-        <p14:creationId xmlns:p14="http://schemas.microsoft.com/office/powerpoint/2010/main" val="2394975321"/>
+        <p14:creationId xmlns:p14="http://schemas.microsoft.com/office/powerpoint/2010/main" val="1690054147"/>
       </p:ext>
     </p:extLst>
   </p:cSld>
@@ -13842,8 +14513,94 @@
                 <a:latin typeface="Times New Roman" panose="02020603050405020304" pitchFamily="18" charset="0"/>
                 <a:cs typeface="Times New Roman" panose="02020603050405020304" pitchFamily="18" charset="0"/>
               </a:rPr>
-              <a:t>Relative  Link</a:t>
-            </a:r>
+              <a:t>HTML Links</a:t>
+            </a:r>
+          </a:p>
+        </p:txBody>
+      </p:sp>
+      <p:sp>
+        <p:nvSpPr>
+          <p:cNvPr id="8" name="مربع نص 7">
+            <a:extLst>
+              <a:ext uri="{FF2B5EF4-FFF2-40B4-BE49-F238E27FC236}">
+                <a16:creationId xmlns:a16="http://schemas.microsoft.com/office/drawing/2014/main" id="{F79C5A59-0082-403E-9338-561C3DFA00FC}"/>
+              </a:ext>
+            </a:extLst>
+          </p:cNvPr>
+          <p:cNvSpPr txBox="1"/>
+          <p:nvPr/>
+        </p:nvSpPr>
+        <p:spPr>
+          <a:xfrm>
+            <a:off x="5453496" y="1380859"/>
+            <a:ext cx="6099462" cy="461665"/>
+          </a:xfrm>
+          <a:prstGeom prst="rect">
+            <a:avLst/>
+          </a:prstGeom>
+          <a:noFill/>
+        </p:spPr>
+        <p:txBody>
+          <a:bodyPr wrap="square">
+            <a:spAutoFit/>
+          </a:bodyPr>
+          <a:lstStyle/>
+          <a:p>
+            <a:pPr algn="ctr"/>
+            <a:r>
+              <a:rPr lang="en-US" sz="2400" b="1" dirty="0">
+                <a:latin typeface="Times New Roman" panose="02020603050405020304" pitchFamily="18" charset="0"/>
+                <a:cs typeface="Times New Roman" panose="02020603050405020304" pitchFamily="18" charset="0"/>
+              </a:rPr>
+              <a:t>Output</a:t>
+            </a:r>
+            <a:endParaRPr lang="en-US" b="1" dirty="0">
+              <a:latin typeface="Times New Roman" panose="02020603050405020304" pitchFamily="18" charset="0"/>
+              <a:cs typeface="Times New Roman" panose="02020603050405020304" pitchFamily="18" charset="0"/>
+            </a:endParaRPr>
+          </a:p>
+        </p:txBody>
+      </p:sp>
+      <p:sp>
+        <p:nvSpPr>
+          <p:cNvPr id="10" name="مربع نص 9">
+            <a:extLst>
+              <a:ext uri="{FF2B5EF4-FFF2-40B4-BE49-F238E27FC236}">
+                <a16:creationId xmlns:a16="http://schemas.microsoft.com/office/drawing/2014/main" id="{8CFEF47C-0831-4393-B358-F4F423116293}"/>
+              </a:ext>
+            </a:extLst>
+          </p:cNvPr>
+          <p:cNvSpPr txBox="1"/>
+          <p:nvPr/>
+        </p:nvSpPr>
+        <p:spPr>
+          <a:xfrm>
+            <a:off x="-224812" y="1380858"/>
+            <a:ext cx="6099462" cy="461665"/>
+          </a:xfrm>
+          <a:prstGeom prst="rect">
+            <a:avLst/>
+          </a:prstGeom>
+          <a:noFill/>
+        </p:spPr>
+        <p:txBody>
+          <a:bodyPr wrap="square">
+            <a:spAutoFit/>
+          </a:bodyPr>
+          <a:lstStyle/>
+          <a:p>
+            <a:pPr algn="ctr"/>
+            <a:r>
+              <a:rPr lang="en-US" sz="2400" b="1" dirty="0">
+                <a:latin typeface="Times New Roman" panose="02020603050405020304" pitchFamily="18" charset="0"/>
+                <a:cs typeface="Times New Roman" panose="02020603050405020304" pitchFamily="18" charset="0"/>
+              </a:rPr>
+              <a:t>Html code</a:t>
+            </a:r>
+            <a:endParaRPr lang="en-US" b="1" dirty="0">
+              <a:latin typeface="Times New Roman" panose="02020603050405020304" pitchFamily="18" charset="0"/>
+              <a:cs typeface="Times New Roman" panose="02020603050405020304" pitchFamily="18" charset="0"/>
+            </a:endParaRPr>
           </a:p>
         </p:txBody>
       </p:sp>
@@ -13852,7 +14609,7 @@
           <p:cNvPr id="4" name="صورة 3">
             <a:extLst>
               <a:ext uri="{FF2B5EF4-FFF2-40B4-BE49-F238E27FC236}">
-                <a16:creationId xmlns:a16="http://schemas.microsoft.com/office/drawing/2014/main" id="{0BC072D0-6E7D-4936-BCE5-FDA1E6454DF4}"/>
+                <a16:creationId xmlns:a16="http://schemas.microsoft.com/office/drawing/2014/main" id="{AA5EA542-80FD-49F4-B3ED-2DE6351E89AD}"/>
               </a:ext>
             </a:extLst>
           </p:cNvPr>
@@ -13862,31 +14619,110 @@
           <p:nvPr/>
         </p:nvPicPr>
         <p:blipFill>
-          <a:blip r:embed="rId3">
-            <a:extLst>
-              <a:ext uri="{28A0092B-C50C-407E-A947-70E740481C1C}">
-                <a14:useLocalDpi xmlns:a14="http://schemas.microsoft.com/office/drawing/2010/main" val="0"/>
-              </a:ext>
-            </a:extLst>
-          </a:blip>
+          <a:blip r:embed="rId3"/>
           <a:stretch>
             <a:fillRect/>
           </a:stretch>
         </p:blipFill>
         <p:spPr>
           <a:xfrm>
-            <a:off x="2854036" y="1325902"/>
-            <a:ext cx="6483927" cy="4862945"/>
+            <a:off x="6609024" y="3016255"/>
+            <a:ext cx="4744776" cy="2266792"/>
           </a:xfrm>
           <a:prstGeom prst="rect">
             <a:avLst/>
           </a:prstGeom>
         </p:spPr>
       </p:pic>
+      <p:sp>
+        <p:nvSpPr>
+          <p:cNvPr id="9" name="مربع نص 8">
+            <a:extLst>
+              <a:ext uri="{FF2B5EF4-FFF2-40B4-BE49-F238E27FC236}">
+                <a16:creationId xmlns:a16="http://schemas.microsoft.com/office/drawing/2014/main" id="{D3BC2E6C-B7AD-4651-9BA8-D62A114138AC}"/>
+              </a:ext>
+            </a:extLst>
+          </p:cNvPr>
+          <p:cNvSpPr txBox="1"/>
+          <p:nvPr/>
+        </p:nvSpPr>
+        <p:spPr>
+          <a:xfrm>
+            <a:off x="397796" y="3119133"/>
+            <a:ext cx="6211228" cy="1938992"/>
+          </a:xfrm>
+          <a:prstGeom prst="rect">
+            <a:avLst/>
+          </a:prstGeom>
+          <a:noFill/>
+        </p:spPr>
+        <p:txBody>
+          <a:bodyPr wrap="square">
+            <a:spAutoFit/>
+          </a:bodyPr>
+          <a:lstStyle/>
+          <a:p>
+            <a:r>
+              <a:rPr lang="en-US" sz="2000" dirty="0"/>
+              <a:t>&lt;h2&gt;Image as a Link&lt;/h2&gt;</a:t>
+            </a:r>
+          </a:p>
+          <a:p>
+            <a:endParaRPr lang="en-US" sz="2000" dirty="0"/>
+          </a:p>
+          <a:p>
+            <a:r>
+              <a:rPr lang="en-US" sz="2000" dirty="0"/>
+              <a:t>&lt;p&gt;The image below is a link. Try to click on it.&lt;/p&gt;</a:t>
+            </a:r>
+          </a:p>
+          <a:p>
+            <a:endParaRPr lang="en-US" sz="2000" dirty="0"/>
+          </a:p>
+          <a:p>
+            <a:r>
+              <a:rPr lang="en-US" sz="2000" dirty="0"/>
+              <a:t>&lt;a </a:t>
+            </a:r>
+            <a:r>
+              <a:rPr lang="en-US" sz="2000" dirty="0" err="1"/>
+              <a:t>href</a:t>
+            </a:r>
+            <a:r>
+              <a:rPr lang="en-US" sz="2000" dirty="0"/>
+              <a:t>="</a:t>
+            </a:r>
+            <a:r>
+              <a:rPr lang="en-US" sz="2000" dirty="0" err="1"/>
+              <a:t>default.php</a:t>
+            </a:r>
+            <a:r>
+              <a:rPr lang="en-US" sz="2000" dirty="0"/>
+              <a:t>"&gt;&lt;</a:t>
+            </a:r>
+            <a:r>
+              <a:rPr lang="en-US" sz="2000" dirty="0" err="1"/>
+              <a:t>img</a:t>
+            </a:r>
+            <a:r>
+              <a:rPr lang="en-US" sz="2000" dirty="0"/>
+              <a:t> </a:t>
+            </a:r>
+            <a:r>
+              <a:rPr lang="en-US" sz="2000" dirty="0" err="1"/>
+              <a:t>src</a:t>
+            </a:r>
+            <a:r>
+              <a:rPr lang="en-US" sz="2000" dirty="0"/>
+              <a:t>="smiley.gif" alt="HTML tutorial" style="width:42px;height:42px;"&gt;&lt;/a&gt;</a:t>
+            </a:r>
+          </a:p>
+        </p:txBody>
+      </p:sp>
     </p:spTree>
     <p:extLst>
       <p:ext uri="{BB962C8B-B14F-4D97-AF65-F5344CB8AC3E}">
-        <p14:creationId xmlns:p14="http://schemas.microsoft.com/office/powerpoint/2010/main" val="826802903"/>
+        <p14:creationId xmlns:p14="http://schemas.microsoft.com/office/powerpoint/2010/main" val="2897202820"/>
       </p:ext>
     </p:extLst>
   </p:cSld>
@@ -13978,7 +14814,7 @@
         </p:nvSpPr>
         <p:spPr>
           <a:xfrm>
-            <a:off x="5453496" y="1380859"/>
+            <a:off x="6142510" y="1373029"/>
             <a:ext cx="6099462" cy="461665"/>
           </a:xfrm>
           <a:prstGeom prst="rect">
@@ -14052,10 +14888,10 @@
       </p:sp>
       <p:pic>
         <p:nvPicPr>
-          <p:cNvPr id="2" name="صورة 1">
+          <p:cNvPr id="5" name="صورة 4">
             <a:extLst>
               <a:ext uri="{FF2B5EF4-FFF2-40B4-BE49-F238E27FC236}">
-                <a16:creationId xmlns:a16="http://schemas.microsoft.com/office/drawing/2014/main" id="{FE50414B-BAEF-4970-8C53-1A8B3E7AD083}"/>
+                <a16:creationId xmlns:a16="http://schemas.microsoft.com/office/drawing/2014/main" id="{2C186740-A461-4766-8B0B-2D678317F3CE}"/>
               </a:ext>
             </a:extLst>
           </p:cNvPr>
@@ -14072,48 +14908,134 @@
         </p:blipFill>
         <p:spPr>
           <a:xfrm>
-            <a:off x="282287" y="2502267"/>
-            <a:ext cx="6057900" cy="2513210"/>
+            <a:off x="7392310" y="2025956"/>
+            <a:ext cx="3305455" cy="4343400"/>
           </a:xfrm>
           <a:prstGeom prst="rect">
             <a:avLst/>
           </a:prstGeom>
         </p:spPr>
       </p:pic>
-      <p:pic>
-        <p:nvPicPr>
-          <p:cNvPr id="4" name="صورة 3">
+      <p:sp>
+        <p:nvSpPr>
+          <p:cNvPr id="11" name="مربع نص 10">
             <a:extLst>
               <a:ext uri="{FF2B5EF4-FFF2-40B4-BE49-F238E27FC236}">
-                <a16:creationId xmlns:a16="http://schemas.microsoft.com/office/drawing/2014/main" id="{C6875D00-2335-4EAE-9BAE-B858784D3180}"/>
+                <a16:creationId xmlns:a16="http://schemas.microsoft.com/office/drawing/2014/main" id="{C6E604B4-EEC7-45DA-BC01-E23239D5D688}"/>
               </a:ext>
             </a:extLst>
           </p:cNvPr>
-          <p:cNvPicPr>
-            <a:picLocks noChangeAspect="1"/>
-          </p:cNvPicPr>
+          <p:cNvSpPr txBox="1"/>
           <p:nvPr/>
-        </p:nvPicPr>
-        <p:blipFill>
-          <a:blip r:embed="rId4"/>
-          <a:stretch>
-            <a:fillRect/>
-          </a:stretch>
-        </p:blipFill>
+        </p:nvSpPr>
         <p:spPr>
           <a:xfrm>
-            <a:off x="6670097" y="2502267"/>
-            <a:ext cx="4882861" cy="2513209"/>
+            <a:off x="525966" y="2776538"/>
+            <a:ext cx="6233530" cy="2246769"/>
           </a:xfrm>
           <a:prstGeom prst="rect">
             <a:avLst/>
           </a:prstGeom>
+          <a:noFill/>
         </p:spPr>
-      </p:pic>
+        <p:txBody>
+          <a:bodyPr wrap="square">
+            <a:spAutoFit/>
+          </a:bodyPr>
+          <a:lstStyle/>
+          <a:p>
+            <a:r>
+              <a:rPr lang="en-US" sz="2000" dirty="0"/>
+              <a:t>&lt;h2&gt;Absolute URLs&lt;/h2&gt;</a:t>
+            </a:r>
+          </a:p>
+          <a:p>
+            <a:r>
+              <a:rPr lang="en-US" sz="2000" dirty="0"/>
+              <a:t>&lt;p&gt;&lt;a </a:t>
+            </a:r>
+            <a:r>
+              <a:rPr lang="en-US" sz="2000" dirty="0" err="1"/>
+              <a:t>href</a:t>
+            </a:r>
+            <a:r>
+              <a:rPr lang="en-US" sz="2000" dirty="0"/>
+              <a:t>="https://www.w3.org/"&gt;W3C&lt;/a&gt;&lt;/p&gt;</a:t>
+            </a:r>
+          </a:p>
+          <a:p>
+            <a:r>
+              <a:rPr lang="en-US" sz="2000" dirty="0"/>
+              <a:t>&lt;p&gt;&lt;a </a:t>
+            </a:r>
+            <a:r>
+              <a:rPr lang="en-US" sz="2000" dirty="0" err="1"/>
+              <a:t>href</a:t>
+            </a:r>
+            <a:r>
+              <a:rPr lang="en-US" sz="2000" dirty="0"/>
+              <a:t>="https://www.google.com/"&gt;Google&lt;/a&gt;&lt;/p&gt;</a:t>
+            </a:r>
+          </a:p>
+          <a:p>
+            <a:endParaRPr lang="en-US" sz="2000" dirty="0"/>
+          </a:p>
+          <a:p>
+            <a:r>
+              <a:rPr lang="en-US" sz="2000" dirty="0"/>
+              <a:t>&lt;h2&gt;Relative URLs&lt;/h2&gt;</a:t>
+            </a:r>
+          </a:p>
+          <a:p>
+            <a:r>
+              <a:rPr lang="en-US" sz="2000" dirty="0"/>
+              <a:t>&lt;p&gt;&lt;a </a:t>
+            </a:r>
+            <a:r>
+              <a:rPr lang="en-US" sz="2000" dirty="0" err="1"/>
+              <a:t>href</a:t>
+            </a:r>
+            <a:r>
+              <a:rPr lang="en-US" sz="2000" dirty="0"/>
+              <a:t>="test.html"&gt;HTML Images&lt;/a&gt;&lt;/p&gt;</a:t>
+            </a:r>
+          </a:p>
+          <a:p>
+            <a:r>
+              <a:rPr lang="en-US" sz="2000" dirty="0"/>
+              <a:t>&lt;p&gt;&lt;a </a:t>
+            </a:r>
+            <a:r>
+              <a:rPr lang="en-US" sz="2000" dirty="0" err="1"/>
+              <a:t>href</a:t>
+            </a:r>
+            <a:r>
+              <a:rPr lang="en-US" sz="2000" dirty="0"/>
+              <a:t>="/</a:t>
+            </a:r>
+            <a:r>
+              <a:rPr lang="en-US" sz="2000" dirty="0" err="1"/>
+              <a:t>css</a:t>
+            </a:r>
+            <a:r>
+              <a:rPr lang="en-US" sz="2000" dirty="0"/>
+              <a:t>/</a:t>
+            </a:r>
+            <a:r>
+              <a:rPr lang="en-US" sz="2000" dirty="0" err="1"/>
+              <a:t>css_tutorial.php</a:t>
+            </a:r>
+            <a:r>
+              <a:rPr lang="en-US" sz="2000" dirty="0"/>
+              <a:t>"&gt;CSS Tutorial&lt;/a&gt;&lt;/p&gt;</a:t>
+            </a:r>
+          </a:p>
+        </p:txBody>
+      </p:sp>
     </p:spTree>
     <p:extLst>
       <p:ext uri="{BB962C8B-B14F-4D97-AF65-F5344CB8AC3E}">
-        <p14:creationId xmlns:p14="http://schemas.microsoft.com/office/powerpoint/2010/main" val="187364660"/>
+        <p14:creationId xmlns:p14="http://schemas.microsoft.com/office/powerpoint/2010/main" val="2394975321"/>
       </p:ext>
     </p:extLst>
   </p:cSld>
@@ -14569,7 +15491,124 @@
                 <a:latin typeface="Times New Roman" panose="02020603050405020304" pitchFamily="18" charset="0"/>
                 <a:cs typeface="Times New Roman" panose="02020603050405020304" pitchFamily="18" charset="0"/>
               </a:rPr>
-              <a:t>HTML Images</a:t>
+              <a:t>Relative  Link</a:t>
+            </a:r>
+          </a:p>
+        </p:txBody>
+      </p:sp>
+      <p:pic>
+        <p:nvPicPr>
+          <p:cNvPr id="4" name="صورة 3">
+            <a:extLst>
+              <a:ext uri="{FF2B5EF4-FFF2-40B4-BE49-F238E27FC236}">
+                <a16:creationId xmlns:a16="http://schemas.microsoft.com/office/drawing/2014/main" id="{0BC072D0-6E7D-4936-BCE5-FDA1E6454DF4}"/>
+              </a:ext>
+            </a:extLst>
+          </p:cNvPr>
+          <p:cNvPicPr>
+            <a:picLocks noChangeAspect="1"/>
+          </p:cNvPicPr>
+          <p:nvPr/>
+        </p:nvPicPr>
+        <p:blipFill>
+          <a:blip r:embed="rId3">
+            <a:extLst>
+              <a:ext uri="{28A0092B-C50C-407E-A947-70E740481C1C}">
+                <a14:useLocalDpi xmlns:a14="http://schemas.microsoft.com/office/drawing/2010/main" val="0"/>
+              </a:ext>
+            </a:extLst>
+          </a:blip>
+          <a:stretch>
+            <a:fillRect/>
+          </a:stretch>
+        </p:blipFill>
+        <p:spPr>
+          <a:xfrm>
+            <a:off x="2854036" y="1325902"/>
+            <a:ext cx="6483927" cy="4862945"/>
+          </a:xfrm>
+          <a:prstGeom prst="rect">
+            <a:avLst/>
+          </a:prstGeom>
+        </p:spPr>
+      </p:pic>
+    </p:spTree>
+    <p:extLst>
+      <p:ext uri="{BB962C8B-B14F-4D97-AF65-F5344CB8AC3E}">
+        <p14:creationId xmlns:p14="http://schemas.microsoft.com/office/powerpoint/2010/main" val="826802903"/>
+      </p:ext>
+    </p:extLst>
+  </p:cSld>
+  <p:clrMapOvr>
+    <a:masterClrMapping/>
+  </p:clrMapOvr>
+  <mc:AlternateContent xmlns:mc="http://schemas.openxmlformats.org/markup-compatibility/2006" xmlns:p14="http://schemas.microsoft.com/office/powerpoint/2010/main">
+    <mc:Choice Requires="p14">
+      <p:transition spd="slow" p14:dur="1300">
+        <p14:pan dir="u"/>
+      </p:transition>
+    </mc:Choice>
+    <mc:Fallback xmlns="">
+      <p:transition spd="slow">
+        <p:fade/>
+      </p:transition>
+    </mc:Fallback>
+  </mc:AlternateContent>
+</p:sld>
+</file>
+
+<file path=ppt/slides/slide31.xml><?xml version="1.0" encoding="utf-8"?>
+<p:sld xmlns:a="http://schemas.openxmlformats.org/drawingml/2006/main" xmlns:r="http://schemas.openxmlformats.org/officeDocument/2006/relationships" xmlns:p="http://schemas.openxmlformats.org/presentationml/2006/main">
+  <p:cSld>
+    <p:spTree>
+      <p:nvGrpSpPr>
+        <p:cNvPr id="1" name=""/>
+        <p:cNvGrpSpPr/>
+        <p:nvPr/>
+      </p:nvGrpSpPr>
+      <p:grpSpPr>
+        <a:xfrm>
+          <a:off x="0" y="0"/>
+          <a:ext cx="0" cy="0"/>
+          <a:chOff x="0" y="0"/>
+          <a:chExt cx="0" cy="0"/>
+        </a:xfrm>
+      </p:grpSpPr>
+      <p:sp>
+        <p:nvSpPr>
+          <p:cNvPr id="6" name="عنوان 1">
+            <a:extLst>
+              <a:ext uri="{FF2B5EF4-FFF2-40B4-BE49-F238E27FC236}">
+                <a16:creationId xmlns:a16="http://schemas.microsoft.com/office/drawing/2014/main" id="{C45EC975-48AC-44AB-8E07-23FA12C6B678}"/>
+              </a:ext>
+            </a:extLst>
+          </p:cNvPr>
+          <p:cNvSpPr>
+            <a:spLocks noGrp="1"/>
+          </p:cNvSpPr>
+          <p:nvPr>
+            <p:ph type="title"/>
+          </p:nvPr>
+        </p:nvSpPr>
+        <p:spPr>
+          <a:xfrm>
+            <a:off x="838200" y="104248"/>
+            <a:ext cx="10515600" cy="1325563"/>
+          </a:xfrm>
+        </p:spPr>
+        <p:txBody>
+          <a:bodyPr>
+            <a:noAutofit/>
+          </a:bodyPr>
+          <a:lstStyle/>
+          <a:p>
+            <a:pPr algn="ctr"/>
+            <a:r>
+              <a:rPr lang="en-US" sz="4800" b="1" dirty="0">
+                <a:latin typeface="Times New Roman" panose="02020603050405020304" pitchFamily="18" charset="0"/>
+                <a:cs typeface="Times New Roman" panose="02020603050405020304" pitchFamily="18" charset="0"/>
+              </a:rPr>
+              <a:t>HTML Links</a:t>
             </a:r>
           </a:p>
         </p:txBody>
@@ -14588,7 +15627,7 @@
         </p:nvSpPr>
         <p:spPr>
           <a:xfrm>
-            <a:off x="5874650" y="1380858"/>
+            <a:off x="5453496" y="1380859"/>
             <a:ext cx="6099462" cy="461665"/>
           </a:xfrm>
           <a:prstGeom prst="rect">
@@ -14662,7 +15701,13 @@
       </p:sp>
       <p:pic>
         <p:nvPicPr>
-          <p:cNvPr id="3" name="صورة 2"/>
+          <p:cNvPr id="4" name="صورة 3">
+            <a:extLst>
+              <a:ext uri="{FF2B5EF4-FFF2-40B4-BE49-F238E27FC236}">
+                <a16:creationId xmlns:a16="http://schemas.microsoft.com/office/drawing/2014/main" id="{C6875D00-2335-4EAE-9BAE-B858784D3180}"/>
+              </a:ext>
+            </a:extLst>
+          </p:cNvPr>
           <p:cNvPicPr>
             <a:picLocks noChangeAspect="1"/>
           </p:cNvPicPr>
@@ -14676,14 +15721,233 @@
         </p:blipFill>
         <p:spPr>
           <a:xfrm>
-            <a:off x="159649" y="2706421"/>
-            <a:ext cx="6082125" cy="1913795"/>
+            <a:off x="6670097" y="2502267"/>
+            <a:ext cx="4882861" cy="2513209"/>
           </a:xfrm>
           <a:prstGeom prst="rect">
             <a:avLst/>
           </a:prstGeom>
         </p:spPr>
       </p:pic>
+      <p:sp>
+        <p:nvSpPr>
+          <p:cNvPr id="9" name="مربع نص 8">
+            <a:extLst>
+              <a:ext uri="{FF2B5EF4-FFF2-40B4-BE49-F238E27FC236}">
+                <a16:creationId xmlns:a16="http://schemas.microsoft.com/office/drawing/2014/main" id="{40D01ECC-C596-4B1D-87E8-0D0EB7F56306}"/>
+              </a:ext>
+            </a:extLst>
+          </p:cNvPr>
+          <p:cNvSpPr txBox="1"/>
+          <p:nvPr/>
+        </p:nvSpPr>
+        <p:spPr>
+          <a:xfrm>
+            <a:off x="338256" y="3119133"/>
+            <a:ext cx="6211228" cy="1323439"/>
+          </a:xfrm>
+          <a:prstGeom prst="rect">
+            <a:avLst/>
+          </a:prstGeom>
+          <a:noFill/>
+        </p:spPr>
+        <p:txBody>
+          <a:bodyPr wrap="square">
+            <a:spAutoFit/>
+          </a:bodyPr>
+          <a:lstStyle/>
+          <a:p>
+            <a:r>
+              <a:rPr lang="en-US" sz="2000" dirty="0"/>
+              <a:t>&lt;h2&gt;The target Attribute&lt;/h2&gt;</a:t>
+            </a:r>
+          </a:p>
+          <a:p>
+            <a:endParaRPr lang="en-US" sz="2000" dirty="0"/>
+          </a:p>
+          <a:p>
+            <a:r>
+              <a:rPr lang="en-US" sz="2000" dirty="0"/>
+              <a:t>&lt;a </a:t>
+            </a:r>
+            <a:r>
+              <a:rPr lang="en-US" sz="2000" dirty="0" err="1"/>
+              <a:t>href</a:t>
+            </a:r>
+            <a:r>
+              <a:rPr lang="en-US" sz="2000" dirty="0"/>
+              <a:t>="http://www.aspu.edu.sy/" target="_blank"&gt;Visit aspu.com!&lt;/a&gt; </a:t>
+            </a:r>
+          </a:p>
+        </p:txBody>
+      </p:sp>
+    </p:spTree>
+    <p:extLst>
+      <p:ext uri="{BB962C8B-B14F-4D97-AF65-F5344CB8AC3E}">
+        <p14:creationId xmlns:p14="http://schemas.microsoft.com/office/powerpoint/2010/main" val="187364660"/>
+      </p:ext>
+    </p:extLst>
+  </p:cSld>
+  <p:clrMapOvr>
+    <a:masterClrMapping/>
+  </p:clrMapOvr>
+  <mc:AlternateContent xmlns:mc="http://schemas.openxmlformats.org/markup-compatibility/2006" xmlns:p14="http://schemas.microsoft.com/office/powerpoint/2010/main">
+    <mc:Choice Requires="p14">
+      <p:transition spd="slow" p14:dur="1300">
+        <p14:pan dir="u"/>
+      </p:transition>
+    </mc:Choice>
+    <mc:Fallback xmlns="">
+      <p:transition spd="slow">
+        <p:fade/>
+      </p:transition>
+    </mc:Fallback>
+  </mc:AlternateContent>
+</p:sld>
+</file>
+
+<file path=ppt/slides/slide32.xml><?xml version="1.0" encoding="utf-8"?>
+<p:sld xmlns:a="http://schemas.openxmlformats.org/drawingml/2006/main" xmlns:r="http://schemas.openxmlformats.org/officeDocument/2006/relationships" xmlns:p="http://schemas.openxmlformats.org/presentationml/2006/main">
+  <p:cSld>
+    <p:spTree>
+      <p:nvGrpSpPr>
+        <p:cNvPr id="1" name=""/>
+        <p:cNvGrpSpPr/>
+        <p:nvPr/>
+      </p:nvGrpSpPr>
+      <p:grpSpPr>
+        <a:xfrm>
+          <a:off x="0" y="0"/>
+          <a:ext cx="0" cy="0"/>
+          <a:chOff x="0" y="0"/>
+          <a:chExt cx="0" cy="0"/>
+        </a:xfrm>
+      </p:grpSpPr>
+      <p:sp>
+        <p:nvSpPr>
+          <p:cNvPr id="6" name="عنوان 1">
+            <a:extLst>
+              <a:ext uri="{FF2B5EF4-FFF2-40B4-BE49-F238E27FC236}">
+                <a16:creationId xmlns:a16="http://schemas.microsoft.com/office/drawing/2014/main" id="{C45EC975-48AC-44AB-8E07-23FA12C6B678}"/>
+              </a:ext>
+            </a:extLst>
+          </p:cNvPr>
+          <p:cNvSpPr>
+            <a:spLocks noGrp="1"/>
+          </p:cNvSpPr>
+          <p:nvPr>
+            <p:ph type="title"/>
+          </p:nvPr>
+        </p:nvSpPr>
+        <p:spPr>
+          <a:xfrm>
+            <a:off x="838200" y="104248"/>
+            <a:ext cx="10515600" cy="1325563"/>
+          </a:xfrm>
+        </p:spPr>
+        <p:txBody>
+          <a:bodyPr>
+            <a:noAutofit/>
+          </a:bodyPr>
+          <a:lstStyle/>
+          <a:p>
+            <a:pPr algn="ctr"/>
+            <a:r>
+              <a:rPr lang="en-US" sz="4800" b="1" dirty="0">
+                <a:latin typeface="Times New Roman" panose="02020603050405020304" pitchFamily="18" charset="0"/>
+                <a:cs typeface="Times New Roman" panose="02020603050405020304" pitchFamily="18" charset="0"/>
+              </a:rPr>
+              <a:t>HTML Images</a:t>
+            </a:r>
+          </a:p>
+        </p:txBody>
+      </p:sp>
+      <p:sp>
+        <p:nvSpPr>
+          <p:cNvPr id="8" name="مربع نص 7">
+            <a:extLst>
+              <a:ext uri="{FF2B5EF4-FFF2-40B4-BE49-F238E27FC236}">
+                <a16:creationId xmlns:a16="http://schemas.microsoft.com/office/drawing/2014/main" id="{F79C5A59-0082-403E-9338-561C3DFA00FC}"/>
+              </a:ext>
+            </a:extLst>
+          </p:cNvPr>
+          <p:cNvSpPr txBox="1"/>
+          <p:nvPr/>
+        </p:nvSpPr>
+        <p:spPr>
+          <a:xfrm>
+            <a:off x="5874650" y="1380858"/>
+            <a:ext cx="6099462" cy="461665"/>
+          </a:xfrm>
+          <a:prstGeom prst="rect">
+            <a:avLst/>
+          </a:prstGeom>
+          <a:noFill/>
+        </p:spPr>
+        <p:txBody>
+          <a:bodyPr wrap="square">
+            <a:spAutoFit/>
+          </a:bodyPr>
+          <a:lstStyle/>
+          <a:p>
+            <a:pPr algn="ctr"/>
+            <a:r>
+              <a:rPr lang="en-US" sz="2400" b="1" dirty="0">
+                <a:latin typeface="Times New Roman" panose="02020603050405020304" pitchFamily="18" charset="0"/>
+                <a:cs typeface="Times New Roman" panose="02020603050405020304" pitchFamily="18" charset="0"/>
+              </a:rPr>
+              <a:t>Output</a:t>
+            </a:r>
+            <a:endParaRPr lang="en-US" b="1" dirty="0">
+              <a:latin typeface="Times New Roman" panose="02020603050405020304" pitchFamily="18" charset="0"/>
+              <a:cs typeface="Times New Roman" panose="02020603050405020304" pitchFamily="18" charset="0"/>
+            </a:endParaRPr>
+          </a:p>
+        </p:txBody>
+      </p:sp>
+      <p:sp>
+        <p:nvSpPr>
+          <p:cNvPr id="10" name="مربع نص 9">
+            <a:extLst>
+              <a:ext uri="{FF2B5EF4-FFF2-40B4-BE49-F238E27FC236}">
+                <a16:creationId xmlns:a16="http://schemas.microsoft.com/office/drawing/2014/main" id="{8CFEF47C-0831-4393-B358-F4F423116293}"/>
+              </a:ext>
+            </a:extLst>
+          </p:cNvPr>
+          <p:cNvSpPr txBox="1"/>
+          <p:nvPr/>
+        </p:nvSpPr>
+        <p:spPr>
+          <a:xfrm>
+            <a:off x="-224812" y="1380858"/>
+            <a:ext cx="6099462" cy="461665"/>
+          </a:xfrm>
+          <a:prstGeom prst="rect">
+            <a:avLst/>
+          </a:prstGeom>
+          <a:noFill/>
+        </p:spPr>
+        <p:txBody>
+          <a:bodyPr wrap="square">
+            <a:spAutoFit/>
+          </a:bodyPr>
+          <a:lstStyle/>
+          <a:p>
+            <a:pPr algn="ctr"/>
+            <a:r>
+              <a:rPr lang="en-US" sz="2400" b="1" dirty="0">
+                <a:latin typeface="Times New Roman" panose="02020603050405020304" pitchFamily="18" charset="0"/>
+                <a:cs typeface="Times New Roman" panose="02020603050405020304" pitchFamily="18" charset="0"/>
+              </a:rPr>
+              <a:t>Html code</a:t>
+            </a:r>
+            <a:endParaRPr lang="en-US" b="1" dirty="0">
+              <a:latin typeface="Times New Roman" panose="02020603050405020304" pitchFamily="18" charset="0"/>
+              <a:cs typeface="Times New Roman" panose="02020603050405020304" pitchFamily="18" charset="0"/>
+            </a:endParaRPr>
+          </a:p>
+        </p:txBody>
+      </p:sp>
       <p:pic>
         <p:nvPicPr>
           <p:cNvPr id="5" name="صورة 4"/>
@@ -14693,7 +15957,7 @@
           <p:nvPr/>
         </p:nvPicPr>
         <p:blipFill>
-          <a:blip r:embed="rId4"/>
+          <a:blip r:embed="rId3"/>
           <a:stretch>
             <a:fillRect/>
           </a:stretch>
@@ -14708,6 +15972,71 @@
           </a:prstGeom>
         </p:spPr>
       </p:pic>
+      <p:sp>
+        <p:nvSpPr>
+          <p:cNvPr id="9" name="مربع نص 8">
+            <a:extLst>
+              <a:ext uri="{FF2B5EF4-FFF2-40B4-BE49-F238E27FC236}">
+                <a16:creationId xmlns:a16="http://schemas.microsoft.com/office/drawing/2014/main" id="{198A12BB-0038-4F3E-A0FB-9DC9F25B66D2}"/>
+              </a:ext>
+            </a:extLst>
+          </p:cNvPr>
+          <p:cNvSpPr txBox="1"/>
+          <p:nvPr/>
+        </p:nvSpPr>
+        <p:spPr>
+          <a:xfrm>
+            <a:off x="228847" y="3119133"/>
+            <a:ext cx="6640303" cy="1015663"/>
+          </a:xfrm>
+          <a:prstGeom prst="rect">
+            <a:avLst/>
+          </a:prstGeom>
+          <a:noFill/>
+        </p:spPr>
+        <p:txBody>
+          <a:bodyPr wrap="square">
+            <a:spAutoFit/>
+          </a:bodyPr>
+          <a:lstStyle/>
+          <a:p>
+            <a:r>
+              <a:rPr lang="en-US" sz="2000" dirty="0"/>
+              <a:t>&lt;h2&gt;HTML Image&lt;/h2&gt;</a:t>
+            </a:r>
+          </a:p>
+          <a:p>
+            <a:r>
+              <a:rPr lang="en-US" sz="2000" dirty="0"/>
+              <a:t>&lt;</a:t>
+            </a:r>
+            <a:r>
+              <a:rPr lang="en-US" sz="2000" dirty="0" err="1"/>
+              <a:t>img</a:t>
+            </a:r>
+            <a:r>
+              <a:rPr lang="en-US" sz="2000" dirty="0"/>
+              <a:t> </a:t>
+            </a:r>
+            <a:r>
+              <a:rPr lang="en-US" sz="2000" dirty="0" err="1"/>
+              <a:t>src</a:t>
+            </a:r>
+            <a:r>
+              <a:rPr lang="en-US" sz="2000" dirty="0"/>
+              <a:t>="pic_trulli.jpg" alt="</a:t>
+            </a:r>
+            <a:r>
+              <a:rPr lang="en-US" sz="2000" dirty="0" err="1"/>
+              <a:t>Trulli</a:t>
+            </a:r>
+            <a:r>
+              <a:rPr lang="en-US" sz="2000" dirty="0"/>
+              <a:t>" width="500" height="333"&gt;</a:t>
+            </a:r>
+          </a:p>
+        </p:txBody>
+      </p:sp>
     </p:spTree>
     <p:extLst>
       <p:ext uri="{BB962C8B-B14F-4D97-AF65-F5344CB8AC3E}">
@@ -14733,7 +16062,7 @@
 </p:sld>
 </file>
 
-<file path=ppt/slides/slide31.xml><?xml version="1.0" encoding="utf-8"?>
+<file path=ppt/slides/slide33.xml><?xml version="1.0" encoding="utf-8"?>
 <p:sld xmlns:a="http://schemas.openxmlformats.org/drawingml/2006/main" xmlns:r="http://schemas.openxmlformats.org/officeDocument/2006/relationships" xmlns:p="http://schemas.openxmlformats.org/presentationml/2006/main">
   <p:cSld>
     <p:spTree>
@@ -14994,7 +16323,7 @@
 </p:sld>
 </file>
 
-<file path=ppt/slides/slide32.xml><?xml version="1.0" encoding="utf-8"?>
+<file path=ppt/slides/slide34.xml><?xml version="1.0" encoding="utf-8"?>
 <p:sld xmlns:a="http://schemas.openxmlformats.org/drawingml/2006/main" xmlns:r="http://schemas.openxmlformats.org/officeDocument/2006/relationships" xmlns:p="http://schemas.openxmlformats.org/presentationml/2006/main">
   <p:cSld>
     <p:spTree>
@@ -15255,7 +16584,7 @@
 </p:sld>
 </file>
 
-<file path=ppt/slides/slide33.xml><?xml version="1.0" encoding="utf-8"?>
+<file path=ppt/slides/slide35.xml><?xml version="1.0" encoding="utf-8"?>
 <p:sld xmlns:a="http://schemas.openxmlformats.org/drawingml/2006/main" xmlns:r="http://schemas.openxmlformats.org/officeDocument/2006/relationships" xmlns:p="http://schemas.openxmlformats.org/presentationml/2006/main">
   <p:cSld>
     <p:spTree>
@@ -15426,7 +16755,7 @@
 </p:sld>
 </file>
 
-<file path=ppt/slides/slide34.xml><?xml version="1.0" encoding="utf-8"?>
+<file path=ppt/slides/slide36.xml><?xml version="1.0" encoding="utf-8"?>
 <p:sld xmlns:a="http://schemas.openxmlformats.org/drawingml/2006/main" xmlns:r="http://schemas.openxmlformats.org/officeDocument/2006/relationships" xmlns:p="http://schemas.openxmlformats.org/presentationml/2006/main">
   <p:cSld>
     <p:spTree>
@@ -15484,36 +16813,6 @@
       </p:sp>
       <p:pic>
         <p:nvPicPr>
-          <p:cNvPr id="2" name="صورة 1">
-            <a:extLst>
-              <a:ext uri="{FF2B5EF4-FFF2-40B4-BE49-F238E27FC236}">
-                <a16:creationId xmlns:a16="http://schemas.microsoft.com/office/drawing/2014/main" id="{2801BA17-D97E-4978-A64B-1FD329A5C7FD}"/>
-              </a:ext>
-            </a:extLst>
-          </p:cNvPr>
-          <p:cNvPicPr>
-            <a:picLocks noChangeAspect="1"/>
-          </p:cNvPicPr>
-          <p:nvPr/>
-        </p:nvPicPr>
-        <p:blipFill>
-          <a:blip r:embed="rId3"/>
-          <a:stretch>
-            <a:fillRect/>
-          </a:stretch>
-        </p:blipFill>
-        <p:spPr>
-          <a:xfrm>
-            <a:off x="401782" y="1841423"/>
-            <a:ext cx="5320954" cy="2254828"/>
-          </a:xfrm>
-          <a:prstGeom prst="rect">
-            <a:avLst/>
-          </a:prstGeom>
-        </p:spPr>
-      </p:pic>
-      <p:pic>
-        <p:nvPicPr>
           <p:cNvPr id="3" name="صورة 2">
             <a:extLst>
               <a:ext uri="{FF2B5EF4-FFF2-40B4-BE49-F238E27FC236}">
@@ -15527,7 +16826,7 @@
           <p:nvPr/>
         </p:nvPicPr>
         <p:blipFill>
-          <a:blip r:embed="rId4"/>
+          <a:blip r:embed="rId3"/>
           <a:stretch>
             <a:fillRect/>
           </a:stretch>
@@ -15695,93 +16994,12 @@
           </a:p>
         </p:txBody>
       </p:sp>
-    </p:spTree>
-    <p:extLst>
-      <p:ext uri="{BB962C8B-B14F-4D97-AF65-F5344CB8AC3E}">
-        <p14:creationId xmlns:p14="http://schemas.microsoft.com/office/powerpoint/2010/main" val="3945606991"/>
-      </p:ext>
-    </p:extLst>
-  </p:cSld>
-  <p:clrMapOvr>
-    <a:masterClrMapping/>
-  </p:clrMapOvr>
-  <mc:AlternateContent xmlns:mc="http://schemas.openxmlformats.org/markup-compatibility/2006" xmlns:p14="http://schemas.microsoft.com/office/powerpoint/2010/main">
-    <mc:Choice Requires="p14">
-      <p:transition spd="slow" p14:dur="1300">
-        <p14:pan dir="u"/>
-      </p:transition>
-    </mc:Choice>
-    <mc:Fallback xmlns="">
-      <p:transition spd="slow">
-        <p:fade/>
-      </p:transition>
-    </mc:Fallback>
-  </mc:AlternateContent>
-</p:sld>
-</file>
-
-<file path=ppt/slides/slide35.xml><?xml version="1.0" encoding="utf-8"?>
-<p:sld xmlns:a="http://schemas.openxmlformats.org/drawingml/2006/main" xmlns:r="http://schemas.openxmlformats.org/officeDocument/2006/relationships" xmlns:p="http://schemas.openxmlformats.org/presentationml/2006/main">
-  <p:cSld>
-    <p:spTree>
-      <p:nvGrpSpPr>
-        <p:cNvPr id="1" name=""/>
-        <p:cNvGrpSpPr/>
-        <p:nvPr/>
-      </p:nvGrpSpPr>
-      <p:grpSpPr>
-        <a:xfrm>
-          <a:off x="0" y="0"/>
-          <a:ext cx="0" cy="0"/>
-          <a:chOff x="0" y="0"/>
-          <a:chExt cx="0" cy="0"/>
-        </a:xfrm>
-      </p:grpSpPr>
-      <p:sp>
-        <p:nvSpPr>
-          <p:cNvPr id="6" name="عنوان 1">
+      <p:sp>
+        <p:nvSpPr>
+          <p:cNvPr id="9" name="مربع نص 8">
             <a:extLst>
               <a:ext uri="{FF2B5EF4-FFF2-40B4-BE49-F238E27FC236}">
-                <a16:creationId xmlns:a16="http://schemas.microsoft.com/office/drawing/2014/main" id="{C45EC975-48AC-44AB-8E07-23FA12C6B678}"/>
-              </a:ext>
-            </a:extLst>
-          </p:cNvPr>
-          <p:cNvSpPr>
-            <a:spLocks noGrp="1"/>
-          </p:cNvSpPr>
-          <p:nvPr>
-            <p:ph type="title"/>
-          </p:nvPr>
-        </p:nvSpPr>
-        <p:spPr>
-          <a:xfrm>
-            <a:off x="838200" y="104248"/>
-            <a:ext cx="10515600" cy="1325563"/>
-          </a:xfrm>
-        </p:spPr>
-        <p:txBody>
-          <a:bodyPr>
-            <a:noAutofit/>
-          </a:bodyPr>
-          <a:lstStyle/>
-          <a:p>
-            <a:pPr algn="ctr"/>
-            <a:r>
-              <a:rPr lang="en-US" sz="4800" b="1" dirty="0">
-                <a:latin typeface="Times New Roman" panose="02020603050405020304" pitchFamily="18" charset="0"/>
-                <a:cs typeface="Times New Roman" panose="02020603050405020304" pitchFamily="18" charset="0"/>
-              </a:rPr>
-              <a:t>HTML Lists</a:t>
-            </a:r>
-          </a:p>
-        </p:txBody>
-      </p:sp>
-      <p:sp>
-        <p:nvSpPr>
-          <p:cNvPr id="4" name="مربع نص 3">
-            <a:extLst>
-              <a:ext uri="{FF2B5EF4-FFF2-40B4-BE49-F238E27FC236}">
-                <a16:creationId xmlns:a16="http://schemas.microsoft.com/office/drawing/2014/main" id="{0AB3765B-25D4-4268-9F12-80BEFF6E9ED7}"/>
+                <a16:creationId xmlns:a16="http://schemas.microsoft.com/office/drawing/2014/main" id="{26E8D773-88E1-4648-AD8C-E049F5915800}"/>
               </a:ext>
             </a:extLst>
           </p:cNvPr>
@@ -15790,8 +17008,8 @@
         </p:nvSpPr>
         <p:spPr>
           <a:xfrm>
-            <a:off x="5566065" y="1068229"/>
-            <a:ext cx="6099462" cy="461665"/>
+            <a:off x="234246" y="1815956"/>
+            <a:ext cx="6122018" cy="2246769"/>
           </a:xfrm>
           <a:prstGeom prst="rect">
             <a:avLst/>
@@ -15804,545 +17022,51 @@
           </a:bodyPr>
           <a:lstStyle/>
           <a:p>
-            <a:pPr algn="ctr"/>
-            <a:r>
-              <a:rPr lang="en-US" sz="2400" b="1" dirty="0">
-                <a:latin typeface="Times New Roman" panose="02020603050405020304" pitchFamily="18" charset="0"/>
-                <a:cs typeface="Times New Roman" panose="02020603050405020304" pitchFamily="18" charset="0"/>
-              </a:rPr>
-              <a:t>Output</a:t>
-            </a:r>
-            <a:endParaRPr lang="en-US" b="1" dirty="0">
-              <a:latin typeface="Times New Roman" panose="02020603050405020304" pitchFamily="18" charset="0"/>
-              <a:cs typeface="Times New Roman" panose="02020603050405020304" pitchFamily="18" charset="0"/>
-            </a:endParaRPr>
-          </a:p>
-        </p:txBody>
-      </p:sp>
-      <p:sp>
-        <p:nvSpPr>
-          <p:cNvPr id="5" name="مربع نص 4">
-            <a:extLst>
-              <a:ext uri="{FF2B5EF4-FFF2-40B4-BE49-F238E27FC236}">
-                <a16:creationId xmlns:a16="http://schemas.microsoft.com/office/drawing/2014/main" id="{842AF601-BC8D-4EED-9EEC-EE850A8D9160}"/>
-              </a:ext>
-            </a:extLst>
-          </p:cNvPr>
-          <p:cNvSpPr txBox="1"/>
-          <p:nvPr/>
-        </p:nvSpPr>
-        <p:spPr>
-          <a:xfrm>
-            <a:off x="155581" y="1068228"/>
-            <a:ext cx="6099462" cy="461665"/>
-          </a:xfrm>
-          <a:prstGeom prst="rect">
-            <a:avLst/>
-          </a:prstGeom>
-          <a:noFill/>
-        </p:spPr>
-        <p:txBody>
-          <a:bodyPr wrap="square">
-            <a:spAutoFit/>
-          </a:bodyPr>
-          <a:lstStyle/>
-          <a:p>
-            <a:pPr algn="ctr"/>
-            <a:r>
-              <a:rPr lang="en-US" sz="2400" b="1" dirty="0">
-                <a:latin typeface="Times New Roman" panose="02020603050405020304" pitchFamily="18" charset="0"/>
-                <a:cs typeface="Times New Roman" panose="02020603050405020304" pitchFamily="18" charset="0"/>
-              </a:rPr>
-              <a:t>Html code</a:t>
-            </a:r>
-            <a:endParaRPr lang="en-US" b="1" dirty="0">
-              <a:latin typeface="Times New Roman" panose="02020603050405020304" pitchFamily="18" charset="0"/>
-              <a:cs typeface="Times New Roman" panose="02020603050405020304" pitchFamily="18" charset="0"/>
-            </a:endParaRPr>
-          </a:p>
-        </p:txBody>
-      </p:sp>
-      <p:pic>
-        <p:nvPicPr>
-          <p:cNvPr id="7" name="صورة 6">
-            <a:extLst>
-              <a:ext uri="{FF2B5EF4-FFF2-40B4-BE49-F238E27FC236}">
-                <a16:creationId xmlns:a16="http://schemas.microsoft.com/office/drawing/2014/main" id="{7422F9A3-1DAB-496F-A57C-4535351E35AF}"/>
-              </a:ext>
-            </a:extLst>
-          </p:cNvPr>
-          <p:cNvPicPr>
-            <a:picLocks noChangeAspect="1"/>
-          </p:cNvPicPr>
-          <p:nvPr/>
-        </p:nvPicPr>
-        <p:blipFill>
-          <a:blip r:embed="rId3"/>
-          <a:stretch>
-            <a:fillRect/>
-          </a:stretch>
-        </p:blipFill>
-        <p:spPr>
-          <a:xfrm>
-            <a:off x="590267" y="1772546"/>
-            <a:ext cx="5230091" cy="2456752"/>
-          </a:xfrm>
-          <a:prstGeom prst="rect">
-            <a:avLst/>
-          </a:prstGeom>
-        </p:spPr>
-      </p:pic>
-      <p:pic>
-        <p:nvPicPr>
-          <p:cNvPr id="8" name="صورة 7">
-            <a:extLst>
-              <a:ext uri="{FF2B5EF4-FFF2-40B4-BE49-F238E27FC236}">
-                <a16:creationId xmlns:a16="http://schemas.microsoft.com/office/drawing/2014/main" id="{5E86CB01-BEC3-432B-AA0A-3A532BDB3E36}"/>
-              </a:ext>
-            </a:extLst>
-          </p:cNvPr>
-          <p:cNvPicPr>
-            <a:picLocks noChangeAspect="1"/>
-          </p:cNvPicPr>
-          <p:nvPr/>
-        </p:nvPicPr>
-        <p:blipFill>
-          <a:blip r:embed="rId4"/>
-          <a:stretch>
-            <a:fillRect/>
-          </a:stretch>
-        </p:blipFill>
-        <p:spPr>
-          <a:xfrm>
-            <a:off x="6132085" y="1772547"/>
-            <a:ext cx="5652912" cy="2456751"/>
-          </a:xfrm>
-          <a:prstGeom prst="rect">
-            <a:avLst/>
-          </a:prstGeom>
-        </p:spPr>
-      </p:pic>
-      <p:sp>
-        <p:nvSpPr>
-          <p:cNvPr id="16" name="مربع نص 15">
-            <a:extLst>
-              <a:ext uri="{FF2B5EF4-FFF2-40B4-BE49-F238E27FC236}">
-                <a16:creationId xmlns:a16="http://schemas.microsoft.com/office/drawing/2014/main" id="{EED95453-38C4-4F61-82EE-6CBE9B2540BE}"/>
-              </a:ext>
-            </a:extLst>
-          </p:cNvPr>
-          <p:cNvSpPr txBox="1"/>
-          <p:nvPr/>
-        </p:nvSpPr>
-        <p:spPr>
-          <a:xfrm>
-            <a:off x="2859079" y="4735705"/>
-            <a:ext cx="6099462" cy="1200329"/>
-          </a:xfrm>
-          <a:prstGeom prst="rect">
-            <a:avLst/>
-          </a:prstGeom>
-          <a:noFill/>
-        </p:spPr>
-        <p:txBody>
-          <a:bodyPr wrap="square">
-            <a:spAutoFit/>
-          </a:bodyPr>
-          <a:lstStyle/>
-          <a:p>
-            <a:pPr algn="ctr">
-              <a:defRPr/>
-            </a:pPr>
-            <a:r>
-              <a:rPr lang="en-US" sz="3600" b="1" dirty="0">
-                <a:latin typeface="Times New Roman" panose="02020603050405020304" pitchFamily="18" charset="0"/>
-                <a:ea typeface="+mj-ea"/>
-                <a:cs typeface="Times New Roman" panose="02020603050405020304" pitchFamily="18" charset="0"/>
-              </a:rPr>
-              <a:t>ol :Defines an ordered list</a:t>
-            </a:r>
-            <a:endParaRPr lang="ar-SA" sz="3600" b="1" dirty="0">
-              <a:latin typeface="Times New Roman" panose="02020603050405020304" pitchFamily="18" charset="0"/>
-              <a:ea typeface="+mj-ea"/>
-              <a:cs typeface="Times New Roman" panose="02020603050405020304" pitchFamily="18" charset="0"/>
-            </a:endParaRPr>
-          </a:p>
-          <a:p>
-            <a:pPr marR="0" lvl="0" indent="0" algn="ctr" fontAlgn="auto">
-              <a:lnSpc>
-                <a:spcPct val="100000"/>
-              </a:lnSpc>
-              <a:spcBef>
-                <a:spcPts val="0"/>
-              </a:spcBef>
-              <a:spcAft>
-                <a:spcPts val="0"/>
-              </a:spcAft>
-              <a:buClrTx/>
-              <a:buSzTx/>
-              <a:buFontTx/>
-              <a:buNone/>
-              <a:tabLst/>
-              <a:defRPr/>
-            </a:pPr>
-            <a:r>
-              <a:rPr lang="en-US" sz="3600" b="1" dirty="0">
-                <a:latin typeface="Times New Roman" panose="02020603050405020304" pitchFamily="18" charset="0"/>
-                <a:ea typeface="+mj-ea"/>
-                <a:cs typeface="Times New Roman" panose="02020603050405020304" pitchFamily="18" charset="0"/>
-              </a:rPr>
-              <a:t>li :Defines a list item</a:t>
-            </a:r>
+            <a:r>
+              <a:rPr lang="it-IT" sz="2000" dirty="0"/>
+              <a:t>&lt;h2&gt;An unordered HTML list&lt;/h2&gt;</a:t>
+            </a:r>
+          </a:p>
+          <a:p>
+            <a:endParaRPr lang="it-IT" sz="2000" dirty="0"/>
+          </a:p>
+          <a:p>
+            <a:r>
+              <a:rPr lang="it-IT" sz="2000" dirty="0"/>
+              <a:t>&lt;ul&gt;</a:t>
+            </a:r>
+          </a:p>
+          <a:p>
+            <a:r>
+              <a:rPr lang="it-IT" sz="2000" dirty="0"/>
+              <a:t>  &lt;li&gt;Coffee&lt;/li&gt;</a:t>
+            </a:r>
+          </a:p>
+          <a:p>
+            <a:r>
+              <a:rPr lang="it-IT" sz="2000" dirty="0"/>
+              <a:t>  &lt;li&gt;Tea&lt;/li&gt;</a:t>
+            </a:r>
+          </a:p>
+          <a:p>
+            <a:r>
+              <a:rPr lang="it-IT" sz="2000" dirty="0"/>
+              <a:t>  &lt;li&gt;Milk&lt;/li&gt;</a:t>
+            </a:r>
+          </a:p>
+          <a:p>
+            <a:r>
+              <a:rPr lang="it-IT" sz="2000" dirty="0"/>
+              <a:t>&lt;/ul&gt; </a:t>
+            </a:r>
+            <a:endParaRPr lang="en-US" sz="2000" dirty="0"/>
           </a:p>
         </p:txBody>
       </p:sp>
     </p:spTree>
     <p:extLst>
       <p:ext uri="{BB962C8B-B14F-4D97-AF65-F5344CB8AC3E}">
-        <p14:creationId xmlns:p14="http://schemas.microsoft.com/office/powerpoint/2010/main" val="2178758993"/>
-      </p:ext>
-    </p:extLst>
-  </p:cSld>
-  <p:clrMapOvr>
-    <a:masterClrMapping/>
-  </p:clrMapOvr>
-  <mc:AlternateContent xmlns:mc="http://schemas.openxmlformats.org/markup-compatibility/2006" xmlns:p14="http://schemas.microsoft.com/office/powerpoint/2010/main">
-    <mc:Choice Requires="p14">
-      <p:transition spd="slow" p14:dur="1300">
-        <p14:pan dir="u"/>
-      </p:transition>
-    </mc:Choice>
-    <mc:Fallback xmlns="">
-      <p:transition spd="slow">
-        <p:fade/>
-      </p:transition>
-    </mc:Fallback>
-  </mc:AlternateContent>
-</p:sld>
-</file>
-
-<file path=ppt/slides/slide36.xml><?xml version="1.0" encoding="utf-8"?>
-<p:sld xmlns:a="http://schemas.openxmlformats.org/drawingml/2006/main" xmlns:r="http://schemas.openxmlformats.org/officeDocument/2006/relationships" xmlns:p="http://schemas.openxmlformats.org/presentationml/2006/main">
-  <p:cSld>
-    <p:spTree>
-      <p:nvGrpSpPr>
-        <p:cNvPr id="1" name=""/>
-        <p:cNvGrpSpPr/>
-        <p:nvPr/>
-      </p:nvGrpSpPr>
-      <p:grpSpPr>
-        <a:xfrm>
-          <a:off x="0" y="0"/>
-          <a:ext cx="0" cy="0"/>
-          <a:chOff x="0" y="0"/>
-          <a:chExt cx="0" cy="0"/>
-        </a:xfrm>
-      </p:grpSpPr>
-      <p:sp>
-        <p:nvSpPr>
-          <p:cNvPr id="6" name="عنوان 1">
-            <a:extLst>
-              <a:ext uri="{FF2B5EF4-FFF2-40B4-BE49-F238E27FC236}">
-                <a16:creationId xmlns:a16="http://schemas.microsoft.com/office/drawing/2014/main" id="{C45EC975-48AC-44AB-8E07-23FA12C6B678}"/>
-              </a:ext>
-            </a:extLst>
-          </p:cNvPr>
-          <p:cNvSpPr>
-            <a:spLocks noGrp="1"/>
-          </p:cNvSpPr>
-          <p:nvPr>
-            <p:ph type="title"/>
-          </p:nvPr>
-        </p:nvSpPr>
-        <p:spPr>
-          <a:xfrm>
-            <a:off x="838200" y="104248"/>
-            <a:ext cx="10515600" cy="1325563"/>
-          </a:xfrm>
-        </p:spPr>
-        <p:txBody>
-          <a:bodyPr>
-            <a:noAutofit/>
-          </a:bodyPr>
-          <a:lstStyle/>
-          <a:p>
-            <a:pPr algn="ctr"/>
-            <a:r>
-              <a:rPr lang="en-US" sz="4800" b="1" dirty="0">
-                <a:latin typeface="Times New Roman" panose="02020603050405020304" pitchFamily="18" charset="0"/>
-                <a:cs typeface="Times New Roman" panose="02020603050405020304" pitchFamily="18" charset="0"/>
-              </a:rPr>
-              <a:t>HTML Lists</a:t>
-            </a:r>
-          </a:p>
-        </p:txBody>
-      </p:sp>
-      <p:sp>
-        <p:nvSpPr>
-          <p:cNvPr id="4" name="مربع نص 3">
-            <a:extLst>
-              <a:ext uri="{FF2B5EF4-FFF2-40B4-BE49-F238E27FC236}">
-                <a16:creationId xmlns:a16="http://schemas.microsoft.com/office/drawing/2014/main" id="{0AB3765B-25D4-4268-9F12-80BEFF6E9ED7}"/>
-              </a:ext>
-            </a:extLst>
-          </p:cNvPr>
-          <p:cNvSpPr txBox="1"/>
-          <p:nvPr/>
-        </p:nvSpPr>
-        <p:spPr>
-          <a:xfrm>
-            <a:off x="5860473" y="1198978"/>
-            <a:ext cx="6099462" cy="461665"/>
-          </a:xfrm>
-          <a:prstGeom prst="rect">
-            <a:avLst/>
-          </a:prstGeom>
-          <a:noFill/>
-        </p:spPr>
-        <p:txBody>
-          <a:bodyPr wrap="square">
-            <a:spAutoFit/>
-          </a:bodyPr>
-          <a:lstStyle/>
-          <a:p>
-            <a:pPr algn="ctr"/>
-            <a:r>
-              <a:rPr lang="en-US" sz="2400" b="1" dirty="0">
-                <a:latin typeface="Times New Roman" panose="02020603050405020304" pitchFamily="18" charset="0"/>
-                <a:cs typeface="Times New Roman" panose="02020603050405020304" pitchFamily="18" charset="0"/>
-              </a:rPr>
-              <a:t>Output</a:t>
-            </a:r>
-            <a:endParaRPr lang="en-US" b="1" dirty="0">
-              <a:latin typeface="Times New Roman" panose="02020603050405020304" pitchFamily="18" charset="0"/>
-              <a:cs typeface="Times New Roman" panose="02020603050405020304" pitchFamily="18" charset="0"/>
-            </a:endParaRPr>
-          </a:p>
-        </p:txBody>
-      </p:sp>
-      <p:sp>
-        <p:nvSpPr>
-          <p:cNvPr id="5" name="مربع نص 4">
-            <a:extLst>
-              <a:ext uri="{FF2B5EF4-FFF2-40B4-BE49-F238E27FC236}">
-                <a16:creationId xmlns:a16="http://schemas.microsoft.com/office/drawing/2014/main" id="{842AF601-BC8D-4EED-9EEC-EE850A8D9160}"/>
-              </a:ext>
-            </a:extLst>
-          </p:cNvPr>
-          <p:cNvSpPr txBox="1"/>
-          <p:nvPr/>
-        </p:nvSpPr>
-        <p:spPr>
-          <a:xfrm>
-            <a:off x="-3462" y="1169262"/>
-            <a:ext cx="6099462" cy="461665"/>
-          </a:xfrm>
-          <a:prstGeom prst="rect">
-            <a:avLst/>
-          </a:prstGeom>
-          <a:noFill/>
-        </p:spPr>
-        <p:txBody>
-          <a:bodyPr wrap="square">
-            <a:spAutoFit/>
-          </a:bodyPr>
-          <a:lstStyle/>
-          <a:p>
-            <a:pPr algn="ctr"/>
-            <a:r>
-              <a:rPr lang="en-US" sz="2400" b="1" dirty="0">
-                <a:latin typeface="Times New Roman" panose="02020603050405020304" pitchFamily="18" charset="0"/>
-                <a:cs typeface="Times New Roman" panose="02020603050405020304" pitchFamily="18" charset="0"/>
-              </a:rPr>
-              <a:t>Html code</a:t>
-            </a:r>
-            <a:endParaRPr lang="en-US" b="1" dirty="0">
-              <a:latin typeface="Times New Roman" panose="02020603050405020304" pitchFamily="18" charset="0"/>
-              <a:cs typeface="Times New Roman" panose="02020603050405020304" pitchFamily="18" charset="0"/>
-            </a:endParaRPr>
-          </a:p>
-        </p:txBody>
-      </p:sp>
-      <p:pic>
-        <p:nvPicPr>
-          <p:cNvPr id="2" name="صورة 1">
-            <a:extLst>
-              <a:ext uri="{FF2B5EF4-FFF2-40B4-BE49-F238E27FC236}">
-                <a16:creationId xmlns:a16="http://schemas.microsoft.com/office/drawing/2014/main" id="{1D6259D6-FB13-40E4-8207-99D95515078E}"/>
-              </a:ext>
-            </a:extLst>
-          </p:cNvPr>
-          <p:cNvPicPr>
-            <a:picLocks noChangeAspect="1"/>
-          </p:cNvPicPr>
-          <p:nvPr/>
-        </p:nvPicPr>
-        <p:blipFill>
-          <a:blip r:embed="rId3"/>
-          <a:stretch>
-            <a:fillRect/>
-          </a:stretch>
-        </p:blipFill>
-        <p:spPr>
-          <a:xfrm>
-            <a:off x="407003" y="1861759"/>
-            <a:ext cx="5453470" cy="2791476"/>
-          </a:xfrm>
-          <a:prstGeom prst="rect">
-            <a:avLst/>
-          </a:prstGeom>
-        </p:spPr>
-      </p:pic>
-      <p:pic>
-        <p:nvPicPr>
-          <p:cNvPr id="3" name="صورة 2">
-            <a:extLst>
-              <a:ext uri="{FF2B5EF4-FFF2-40B4-BE49-F238E27FC236}">
-                <a16:creationId xmlns:a16="http://schemas.microsoft.com/office/drawing/2014/main" id="{82E82E9E-8D7C-4464-AB9D-4D7401089550}"/>
-              </a:ext>
-            </a:extLst>
-          </p:cNvPr>
-          <p:cNvPicPr>
-            <a:picLocks noChangeAspect="1"/>
-          </p:cNvPicPr>
-          <p:nvPr/>
-        </p:nvPicPr>
-        <p:blipFill>
-          <a:blip r:embed="rId4"/>
-          <a:stretch>
-            <a:fillRect/>
-          </a:stretch>
-        </p:blipFill>
-        <p:spPr>
-          <a:xfrm>
-            <a:off x="6331529" y="1861758"/>
-            <a:ext cx="4703616" cy="2834577"/>
-          </a:xfrm>
-          <a:prstGeom prst="rect">
-            <a:avLst/>
-          </a:prstGeom>
-        </p:spPr>
-      </p:pic>
-      <p:sp>
-        <p:nvSpPr>
-          <p:cNvPr id="9" name="مربع نص 8">
-            <a:extLst>
-              <a:ext uri="{FF2B5EF4-FFF2-40B4-BE49-F238E27FC236}">
-                <a16:creationId xmlns:a16="http://schemas.microsoft.com/office/drawing/2014/main" id="{6EAE7DD6-0A3B-48AC-9B29-504421B1B95B}"/>
-              </a:ext>
-            </a:extLst>
-          </p:cNvPr>
-          <p:cNvSpPr txBox="1"/>
-          <p:nvPr/>
-        </p:nvSpPr>
-        <p:spPr>
-          <a:xfrm>
-            <a:off x="685800" y="4999426"/>
-            <a:ext cx="10349345" cy="1754326"/>
-          </a:xfrm>
-          <a:prstGeom prst="rect">
-            <a:avLst/>
-          </a:prstGeom>
-          <a:noFill/>
-        </p:spPr>
-        <p:txBody>
-          <a:bodyPr wrap="square" rtlCol="0">
-            <a:spAutoFit/>
-          </a:bodyPr>
-          <a:lstStyle/>
-          <a:p>
-            <a:pPr algn="ctr">
-              <a:defRPr/>
-            </a:pPr>
-            <a:r>
-              <a:rPr lang="en-US" sz="3600" b="1" dirty="0">
-                <a:latin typeface="Times New Roman" panose="02020603050405020304" pitchFamily="18" charset="0"/>
-                <a:ea typeface="+mj-ea"/>
-                <a:cs typeface="Times New Roman" panose="02020603050405020304" pitchFamily="18" charset="0"/>
-              </a:rPr>
-              <a:t>dl : </a:t>
-            </a:r>
-            <a:r>
-              <a:rPr lang="en-US" sz="3600" b="1" i="1" dirty="0">
-                <a:latin typeface="Times New Roman" panose="02020603050405020304" pitchFamily="18" charset="0"/>
-                <a:ea typeface="+mj-ea"/>
-                <a:cs typeface="Times New Roman" panose="02020603050405020304" pitchFamily="18" charset="0"/>
-              </a:rPr>
-              <a:t>Defines</a:t>
-            </a:r>
-            <a:r>
-              <a:rPr lang="en-US" sz="3600" b="1" dirty="0">
-                <a:latin typeface="Times New Roman" panose="02020603050405020304" pitchFamily="18" charset="0"/>
-                <a:ea typeface="+mj-ea"/>
-                <a:cs typeface="Times New Roman" panose="02020603050405020304" pitchFamily="18" charset="0"/>
-              </a:rPr>
-              <a:t> a description list</a:t>
-            </a:r>
-          </a:p>
-          <a:p>
-            <a:pPr algn="ctr">
-              <a:defRPr/>
-            </a:pPr>
-            <a:r>
-              <a:rPr lang="en-US" sz="3600" b="1" dirty="0">
-                <a:latin typeface="Times New Roman" panose="02020603050405020304" pitchFamily="18" charset="0"/>
-                <a:ea typeface="+mj-ea"/>
-                <a:cs typeface="Times New Roman" panose="02020603050405020304" pitchFamily="18" charset="0"/>
-              </a:rPr>
-              <a:t>dt : </a:t>
-            </a:r>
-            <a:r>
-              <a:rPr lang="en-US" sz="3600" b="1" i="1" dirty="0">
-                <a:latin typeface="Times New Roman" panose="02020603050405020304" pitchFamily="18" charset="0"/>
-                <a:ea typeface="+mj-ea"/>
-                <a:cs typeface="Times New Roman" panose="02020603050405020304" pitchFamily="18" charset="0"/>
-              </a:rPr>
-              <a:t>Defines</a:t>
-            </a:r>
-            <a:r>
-              <a:rPr lang="en-US" sz="3600" b="1" dirty="0">
-                <a:latin typeface="Times New Roman" panose="02020603050405020304" pitchFamily="18" charset="0"/>
-                <a:ea typeface="+mj-ea"/>
-                <a:cs typeface="Times New Roman" panose="02020603050405020304" pitchFamily="18" charset="0"/>
-              </a:rPr>
-              <a:t> a term in a description list</a:t>
-            </a:r>
-          </a:p>
-          <a:p>
-            <a:pPr algn="ctr">
-              <a:defRPr/>
-            </a:pPr>
-            <a:r>
-              <a:rPr lang="en-US" sz="3600" b="1" dirty="0">
-                <a:latin typeface="Times New Roman" panose="02020603050405020304" pitchFamily="18" charset="0"/>
-                <a:ea typeface="+mj-ea"/>
-                <a:cs typeface="Times New Roman" panose="02020603050405020304" pitchFamily="18" charset="0"/>
-              </a:rPr>
-              <a:t>dd : </a:t>
-            </a:r>
-            <a:r>
-              <a:rPr lang="en-US" sz="3600" b="1" i="1" dirty="0">
-                <a:latin typeface="Times New Roman" panose="02020603050405020304" pitchFamily="18" charset="0"/>
-                <a:ea typeface="+mj-ea"/>
-                <a:cs typeface="Times New Roman" panose="02020603050405020304" pitchFamily="18" charset="0"/>
-              </a:rPr>
-              <a:t>Describes</a:t>
-            </a:r>
-            <a:r>
-              <a:rPr lang="en-US" sz="3600" b="1" dirty="0">
-                <a:latin typeface="Times New Roman" panose="02020603050405020304" pitchFamily="18" charset="0"/>
-                <a:ea typeface="+mj-ea"/>
-                <a:cs typeface="Times New Roman" panose="02020603050405020304" pitchFamily="18" charset="0"/>
-              </a:rPr>
-              <a:t> the term in a description list</a:t>
-            </a:r>
-          </a:p>
-        </p:txBody>
-      </p:sp>
-    </p:spTree>
-    <p:extLst>
-      <p:ext uri="{BB962C8B-B14F-4D97-AF65-F5344CB8AC3E}">
-        <p14:creationId xmlns:p14="http://schemas.microsoft.com/office/powerpoint/2010/main" val="4085744919"/>
+        <p14:creationId xmlns:p14="http://schemas.microsoft.com/office/powerpoint/2010/main" val="3945606991"/>
       </p:ext>
     </p:extLst>
   </p:cSld>
@@ -16415,7 +17139,7 @@
                 <a:latin typeface="Times New Roman" panose="02020603050405020304" pitchFamily="18" charset="0"/>
                 <a:cs typeface="Times New Roman" panose="02020603050405020304" pitchFamily="18" charset="0"/>
               </a:rPr>
-              <a:t>HTML  Table</a:t>
+              <a:t>HTML Lists</a:t>
             </a:r>
           </a:p>
         </p:txBody>
@@ -16434,7 +17158,7 @@
         </p:nvSpPr>
         <p:spPr>
           <a:xfrm>
-            <a:off x="5860473" y="1198978"/>
+            <a:off x="5566065" y="1068229"/>
             <a:ext cx="6099462" cy="461665"/>
           </a:xfrm>
           <a:prstGeom prst="rect">
@@ -16477,7 +17201,7 @@
         </p:nvSpPr>
         <p:spPr>
           <a:xfrm>
-            <a:off x="-3462" y="1169262"/>
+            <a:off x="155581" y="1068228"/>
             <a:ext cx="6099462" cy="461665"/>
           </a:xfrm>
           <a:prstGeom prst="rect">
@@ -16508,10 +17232,10 @@
       </p:sp>
       <p:pic>
         <p:nvPicPr>
-          <p:cNvPr id="7" name="صورة 6">
+          <p:cNvPr id="8" name="صورة 7">
             <a:extLst>
               <a:ext uri="{FF2B5EF4-FFF2-40B4-BE49-F238E27FC236}">
-                <a16:creationId xmlns:a16="http://schemas.microsoft.com/office/drawing/2014/main" id="{F1C7E18E-FEC7-4149-A5D0-BC4D9C89B66A}"/>
+                <a16:creationId xmlns:a16="http://schemas.microsoft.com/office/drawing/2014/main" id="{5E86CB01-BEC3-432B-AA0A-3A532BDB3E36}"/>
               </a:ext>
             </a:extLst>
           </p:cNvPr>
@@ -16528,48 +17252,176 @@
         </p:blipFill>
         <p:spPr>
           <a:xfrm>
-            <a:off x="1241714" y="1630927"/>
-            <a:ext cx="3609109" cy="4823926"/>
+            <a:off x="6132085" y="1772547"/>
+            <a:ext cx="5652912" cy="2456751"/>
           </a:xfrm>
           <a:prstGeom prst="rect">
             <a:avLst/>
           </a:prstGeom>
         </p:spPr>
       </p:pic>
-      <p:pic>
-        <p:nvPicPr>
-          <p:cNvPr id="8" name="صورة 7">
+      <p:sp>
+        <p:nvSpPr>
+          <p:cNvPr id="16" name="مربع نص 15">
             <a:extLst>
               <a:ext uri="{FF2B5EF4-FFF2-40B4-BE49-F238E27FC236}">
-                <a16:creationId xmlns:a16="http://schemas.microsoft.com/office/drawing/2014/main" id="{BFA05AAA-119B-434A-AB24-A3A2B31206CE}"/>
+                <a16:creationId xmlns:a16="http://schemas.microsoft.com/office/drawing/2014/main" id="{EED95453-38C4-4F61-82EE-6CBE9B2540BE}"/>
               </a:ext>
             </a:extLst>
           </p:cNvPr>
-          <p:cNvPicPr>
-            <a:picLocks noChangeAspect="1"/>
-          </p:cNvPicPr>
+          <p:cNvSpPr txBox="1"/>
           <p:nvPr/>
-        </p:nvPicPr>
-        <p:blipFill>
-          <a:blip r:embed="rId4"/>
-          <a:stretch>
-            <a:fillRect/>
-          </a:stretch>
-        </p:blipFill>
+        </p:nvSpPr>
         <p:spPr>
           <a:xfrm>
-            <a:off x="6711661" y="2739601"/>
-            <a:ext cx="3609108" cy="2606578"/>
+            <a:off x="2859079" y="4735705"/>
+            <a:ext cx="6099462" cy="1200329"/>
           </a:xfrm>
           <a:prstGeom prst="rect">
             <a:avLst/>
           </a:prstGeom>
+          <a:noFill/>
         </p:spPr>
-      </p:pic>
+        <p:txBody>
+          <a:bodyPr wrap="square">
+            <a:spAutoFit/>
+          </a:bodyPr>
+          <a:lstStyle/>
+          <a:p>
+            <a:pPr algn="ctr">
+              <a:defRPr/>
+            </a:pPr>
+            <a:r>
+              <a:rPr lang="en-US" sz="3600" b="1" dirty="0">
+                <a:latin typeface="Times New Roman" panose="02020603050405020304" pitchFamily="18" charset="0"/>
+                <a:ea typeface="+mj-ea"/>
+                <a:cs typeface="Times New Roman" panose="02020603050405020304" pitchFamily="18" charset="0"/>
+              </a:rPr>
+              <a:t>ol :Defines an ordered list</a:t>
+            </a:r>
+            <a:endParaRPr lang="ar-SA" sz="3600" b="1" dirty="0">
+              <a:latin typeface="Times New Roman" panose="02020603050405020304" pitchFamily="18" charset="0"/>
+              <a:ea typeface="+mj-ea"/>
+              <a:cs typeface="Times New Roman" panose="02020603050405020304" pitchFamily="18" charset="0"/>
+            </a:endParaRPr>
+          </a:p>
+          <a:p>
+            <a:pPr marR="0" lvl="0" indent="0" algn="ctr" fontAlgn="auto">
+              <a:lnSpc>
+                <a:spcPct val="100000"/>
+              </a:lnSpc>
+              <a:spcBef>
+                <a:spcPts val="0"/>
+              </a:spcBef>
+              <a:spcAft>
+                <a:spcPts val="0"/>
+              </a:spcAft>
+              <a:buClrTx/>
+              <a:buSzTx/>
+              <a:buFontTx/>
+              <a:buNone/>
+              <a:tabLst/>
+              <a:defRPr/>
+            </a:pPr>
+            <a:r>
+              <a:rPr lang="en-US" sz="3600" b="1" dirty="0">
+                <a:latin typeface="Times New Roman" panose="02020603050405020304" pitchFamily="18" charset="0"/>
+                <a:ea typeface="+mj-ea"/>
+                <a:cs typeface="Times New Roman" panose="02020603050405020304" pitchFamily="18" charset="0"/>
+              </a:rPr>
+              <a:t>li :Defines a list item</a:t>
+            </a:r>
+          </a:p>
+        </p:txBody>
+      </p:sp>
+      <p:sp>
+        <p:nvSpPr>
+          <p:cNvPr id="9" name="مربع نص 8">
+            <a:extLst>
+              <a:ext uri="{FF2B5EF4-FFF2-40B4-BE49-F238E27FC236}">
+                <a16:creationId xmlns:a16="http://schemas.microsoft.com/office/drawing/2014/main" id="{DDA4555F-2EAD-4FB2-9784-C5CAC449C1E0}"/>
+              </a:ext>
+            </a:extLst>
+          </p:cNvPr>
+          <p:cNvSpPr txBox="1"/>
+          <p:nvPr/>
+        </p:nvSpPr>
+        <p:spPr>
+          <a:xfrm>
+            <a:off x="407003" y="2009414"/>
+            <a:ext cx="6099716" cy="2246769"/>
+          </a:xfrm>
+          <a:prstGeom prst="rect">
+            <a:avLst/>
+          </a:prstGeom>
+          <a:noFill/>
+        </p:spPr>
+        <p:txBody>
+          <a:bodyPr wrap="square">
+            <a:spAutoFit/>
+          </a:bodyPr>
+          <a:lstStyle/>
+          <a:p>
+            <a:r>
+              <a:rPr lang="en-US" sz="2000" dirty="0"/>
+              <a:t>&lt;h2&gt;An ordered HTML list&lt;/h2&gt;</a:t>
+            </a:r>
+          </a:p>
+          <a:p>
+            <a:endParaRPr lang="en-US" sz="2000" dirty="0"/>
+          </a:p>
+          <a:p>
+            <a:r>
+              <a:rPr lang="en-US" sz="2000" dirty="0"/>
+              <a:t>&lt;</a:t>
+            </a:r>
+            <a:r>
+              <a:rPr lang="en-US" sz="2000" dirty="0" err="1"/>
+              <a:t>ol</a:t>
+            </a:r>
+            <a:r>
+              <a:rPr lang="en-US" sz="2000" dirty="0"/>
+              <a:t>&gt;</a:t>
+            </a:r>
+          </a:p>
+          <a:p>
+            <a:r>
+              <a:rPr lang="en-US" sz="2000" dirty="0"/>
+              <a:t>  &lt;li&gt;Coffee&lt;/li&gt;</a:t>
+            </a:r>
+          </a:p>
+          <a:p>
+            <a:r>
+              <a:rPr lang="en-US" sz="2000" dirty="0"/>
+              <a:t>  &lt;li&gt;Tea&lt;/li&gt;</a:t>
+            </a:r>
+          </a:p>
+          <a:p>
+            <a:r>
+              <a:rPr lang="en-US" sz="2000" dirty="0"/>
+              <a:t>  &lt;li&gt;Milk&lt;/li&gt;</a:t>
+            </a:r>
+          </a:p>
+          <a:p>
+            <a:r>
+              <a:rPr lang="en-US" sz="2000" dirty="0"/>
+              <a:t>&lt;/</a:t>
+            </a:r>
+            <a:r>
+              <a:rPr lang="en-US" sz="2000" dirty="0" err="1"/>
+              <a:t>ol</a:t>
+            </a:r>
+            <a:r>
+              <a:rPr lang="en-US" sz="2000" dirty="0"/>
+              <a:t>&gt;</a:t>
+            </a:r>
+          </a:p>
+        </p:txBody>
+      </p:sp>
     </p:spTree>
     <p:extLst>
       <p:ext uri="{BB962C8B-B14F-4D97-AF65-F5344CB8AC3E}">
-        <p14:creationId xmlns:p14="http://schemas.microsoft.com/office/powerpoint/2010/main" val="1257558819"/>
+        <p14:creationId xmlns:p14="http://schemas.microsoft.com/office/powerpoint/2010/main" val="2178758993"/>
       </p:ext>
     </p:extLst>
   </p:cSld>
@@ -16642,7 +17494,7 @@
                 <a:latin typeface="Times New Roman" panose="02020603050405020304" pitchFamily="18" charset="0"/>
                 <a:cs typeface="Times New Roman" panose="02020603050405020304" pitchFamily="18" charset="0"/>
               </a:rPr>
-              <a:t>HTML  Table</a:t>
+              <a:t>HTML Lists</a:t>
             </a:r>
           </a:p>
         </p:txBody>
@@ -16735,10 +17587,10 @@
       </p:sp>
       <p:pic>
         <p:nvPicPr>
-          <p:cNvPr id="2" name="صورة 1">
+          <p:cNvPr id="3" name="صورة 2">
             <a:extLst>
               <a:ext uri="{FF2B5EF4-FFF2-40B4-BE49-F238E27FC236}">
-                <a16:creationId xmlns:a16="http://schemas.microsoft.com/office/drawing/2014/main" id="{BD1B5D40-25D3-4C6F-ABC8-453772D17536}"/>
+                <a16:creationId xmlns:a16="http://schemas.microsoft.com/office/drawing/2014/main" id="{82E82E9E-8D7C-4464-AB9D-4D7401089550}"/>
               </a:ext>
             </a:extLst>
           </p:cNvPr>
@@ -16755,48 +17607,208 @@
         </p:blipFill>
         <p:spPr>
           <a:xfrm>
-            <a:off x="1233055" y="1660643"/>
-            <a:ext cx="4232564" cy="4978178"/>
+            <a:off x="6331529" y="1861758"/>
+            <a:ext cx="4703616" cy="2834577"/>
           </a:xfrm>
           <a:prstGeom prst="rect">
             <a:avLst/>
           </a:prstGeom>
         </p:spPr>
       </p:pic>
-      <p:pic>
-        <p:nvPicPr>
-          <p:cNvPr id="3" name="صورة 2">
+      <p:sp>
+        <p:nvSpPr>
+          <p:cNvPr id="9" name="مربع نص 8">
             <a:extLst>
               <a:ext uri="{FF2B5EF4-FFF2-40B4-BE49-F238E27FC236}">
-                <a16:creationId xmlns:a16="http://schemas.microsoft.com/office/drawing/2014/main" id="{BCF4BB68-CD06-4A67-BA9D-9B3249953F43}"/>
+                <a16:creationId xmlns:a16="http://schemas.microsoft.com/office/drawing/2014/main" id="{6EAE7DD6-0A3B-48AC-9B29-504421B1B95B}"/>
               </a:ext>
             </a:extLst>
           </p:cNvPr>
-          <p:cNvPicPr>
-            <a:picLocks noChangeAspect="1"/>
-          </p:cNvPicPr>
+          <p:cNvSpPr txBox="1"/>
           <p:nvPr/>
-        </p:nvPicPr>
-        <p:blipFill>
-          <a:blip r:embed="rId4"/>
-          <a:stretch>
-            <a:fillRect/>
-          </a:stretch>
-        </p:blipFill>
+        </p:nvSpPr>
         <p:spPr>
           <a:xfrm>
-            <a:off x="6726382" y="2192032"/>
-            <a:ext cx="4627417" cy="3796855"/>
+            <a:off x="685800" y="4999426"/>
+            <a:ext cx="10349345" cy="1754326"/>
           </a:xfrm>
           <a:prstGeom prst="rect">
             <a:avLst/>
           </a:prstGeom>
+          <a:noFill/>
         </p:spPr>
-      </p:pic>
+        <p:txBody>
+          <a:bodyPr wrap="square" rtlCol="0">
+            <a:spAutoFit/>
+          </a:bodyPr>
+          <a:lstStyle/>
+          <a:p>
+            <a:pPr algn="ctr">
+              <a:defRPr/>
+            </a:pPr>
+            <a:r>
+              <a:rPr lang="en-US" sz="3600" b="1" dirty="0">
+                <a:latin typeface="Times New Roman" panose="02020603050405020304" pitchFamily="18" charset="0"/>
+                <a:ea typeface="+mj-ea"/>
+                <a:cs typeface="Times New Roman" panose="02020603050405020304" pitchFamily="18" charset="0"/>
+              </a:rPr>
+              <a:t>dl : </a:t>
+            </a:r>
+            <a:r>
+              <a:rPr lang="en-US" sz="3600" b="1" i="1" dirty="0">
+                <a:latin typeface="Times New Roman" panose="02020603050405020304" pitchFamily="18" charset="0"/>
+                <a:ea typeface="+mj-ea"/>
+                <a:cs typeface="Times New Roman" panose="02020603050405020304" pitchFamily="18" charset="0"/>
+              </a:rPr>
+              <a:t>Defines</a:t>
+            </a:r>
+            <a:r>
+              <a:rPr lang="en-US" sz="3600" b="1" dirty="0">
+                <a:latin typeface="Times New Roman" panose="02020603050405020304" pitchFamily="18" charset="0"/>
+                <a:ea typeface="+mj-ea"/>
+                <a:cs typeface="Times New Roman" panose="02020603050405020304" pitchFamily="18" charset="0"/>
+              </a:rPr>
+              <a:t> a description list</a:t>
+            </a:r>
+          </a:p>
+          <a:p>
+            <a:pPr algn="ctr">
+              <a:defRPr/>
+            </a:pPr>
+            <a:r>
+              <a:rPr lang="en-US" sz="3600" b="1" dirty="0">
+                <a:latin typeface="Times New Roman" panose="02020603050405020304" pitchFamily="18" charset="0"/>
+                <a:ea typeface="+mj-ea"/>
+                <a:cs typeface="Times New Roman" panose="02020603050405020304" pitchFamily="18" charset="0"/>
+              </a:rPr>
+              <a:t>dt : </a:t>
+            </a:r>
+            <a:r>
+              <a:rPr lang="en-US" sz="3600" b="1" i="1" dirty="0">
+                <a:latin typeface="Times New Roman" panose="02020603050405020304" pitchFamily="18" charset="0"/>
+                <a:ea typeface="+mj-ea"/>
+                <a:cs typeface="Times New Roman" panose="02020603050405020304" pitchFamily="18" charset="0"/>
+              </a:rPr>
+              <a:t>Defines</a:t>
+            </a:r>
+            <a:r>
+              <a:rPr lang="en-US" sz="3600" b="1" dirty="0">
+                <a:latin typeface="Times New Roman" panose="02020603050405020304" pitchFamily="18" charset="0"/>
+                <a:ea typeface="+mj-ea"/>
+                <a:cs typeface="Times New Roman" panose="02020603050405020304" pitchFamily="18" charset="0"/>
+              </a:rPr>
+              <a:t> a term in a description list</a:t>
+            </a:r>
+          </a:p>
+          <a:p>
+            <a:pPr algn="ctr">
+              <a:defRPr/>
+            </a:pPr>
+            <a:r>
+              <a:rPr lang="en-US" sz="3600" b="1" dirty="0">
+                <a:latin typeface="Times New Roman" panose="02020603050405020304" pitchFamily="18" charset="0"/>
+                <a:ea typeface="+mj-ea"/>
+                <a:cs typeface="Times New Roman" panose="02020603050405020304" pitchFamily="18" charset="0"/>
+              </a:rPr>
+              <a:t>dd : </a:t>
+            </a:r>
+            <a:r>
+              <a:rPr lang="en-US" sz="3600" b="1" i="1" dirty="0">
+                <a:latin typeface="Times New Roman" panose="02020603050405020304" pitchFamily="18" charset="0"/>
+                <a:ea typeface="+mj-ea"/>
+                <a:cs typeface="Times New Roman" panose="02020603050405020304" pitchFamily="18" charset="0"/>
+              </a:rPr>
+              <a:t>Describes</a:t>
+            </a:r>
+            <a:r>
+              <a:rPr lang="en-US" sz="3600" b="1" dirty="0">
+                <a:latin typeface="Times New Roman" panose="02020603050405020304" pitchFamily="18" charset="0"/>
+                <a:ea typeface="+mj-ea"/>
+                <a:cs typeface="Times New Roman" panose="02020603050405020304" pitchFamily="18" charset="0"/>
+              </a:rPr>
+              <a:t> the term in a description list</a:t>
+            </a:r>
+          </a:p>
+        </p:txBody>
+      </p:sp>
+      <p:sp>
+        <p:nvSpPr>
+          <p:cNvPr id="10" name="مربع نص 9">
+            <a:extLst>
+              <a:ext uri="{FF2B5EF4-FFF2-40B4-BE49-F238E27FC236}">
+                <a16:creationId xmlns:a16="http://schemas.microsoft.com/office/drawing/2014/main" id="{C6E381F9-7B45-4D8E-A575-ACE14F874220}"/>
+              </a:ext>
+            </a:extLst>
+          </p:cNvPr>
+          <p:cNvSpPr txBox="1"/>
+          <p:nvPr/>
+        </p:nvSpPr>
+        <p:spPr>
+          <a:xfrm>
+            <a:off x="418171" y="1934018"/>
+            <a:ext cx="6099716" cy="2554545"/>
+          </a:xfrm>
+          <a:prstGeom prst="rect">
+            <a:avLst/>
+          </a:prstGeom>
+          <a:noFill/>
+        </p:spPr>
+        <p:txBody>
+          <a:bodyPr wrap="square">
+            <a:spAutoFit/>
+          </a:bodyPr>
+          <a:lstStyle/>
+          <a:p>
+            <a:r>
+              <a:rPr lang="en-US" sz="2000" dirty="0"/>
+              <a:t>&lt;h2&gt;A Description List&lt;/h2&gt;</a:t>
+            </a:r>
+          </a:p>
+          <a:p>
+            <a:endParaRPr lang="en-US" sz="2000" dirty="0"/>
+          </a:p>
+          <a:p>
+            <a:r>
+              <a:rPr lang="en-US" sz="2000" dirty="0"/>
+              <a:t>&lt;dl&gt;</a:t>
+            </a:r>
+          </a:p>
+          <a:p>
+            <a:r>
+              <a:rPr lang="en-US" sz="2000" dirty="0"/>
+              <a:t>  &lt;dt&gt;Coffee&lt;/dt&gt;</a:t>
+            </a:r>
+          </a:p>
+          <a:p>
+            <a:r>
+              <a:rPr lang="en-US" sz="2000" dirty="0"/>
+              <a:t>  &lt;dd&gt;- black hot drink&lt;/dd&gt;</a:t>
+            </a:r>
+          </a:p>
+          <a:p>
+            <a:r>
+              <a:rPr lang="en-US" sz="2000" dirty="0"/>
+              <a:t>  &lt;dt&gt;Milk&lt;/dt&gt;</a:t>
+            </a:r>
+          </a:p>
+          <a:p>
+            <a:r>
+              <a:rPr lang="en-US" sz="2000" dirty="0"/>
+              <a:t>  &lt;dd&gt;- white cold drink&lt;/dd&gt;</a:t>
+            </a:r>
+          </a:p>
+          <a:p>
+            <a:r>
+              <a:rPr lang="en-US" sz="2000" dirty="0"/>
+              <a:t>&lt;/dl&gt;</a:t>
+            </a:r>
+          </a:p>
+        </p:txBody>
+      </p:sp>
     </p:spTree>
     <p:extLst>
       <p:ext uri="{BB962C8B-B14F-4D97-AF65-F5344CB8AC3E}">
-        <p14:creationId xmlns:p14="http://schemas.microsoft.com/office/powerpoint/2010/main" val="2635667144"/>
+        <p14:creationId xmlns:p14="http://schemas.microsoft.com/office/powerpoint/2010/main" val="4085744919"/>
       </p:ext>
     </p:extLst>
   </p:cSld>
@@ -16853,7 +17865,7 @@
         </p:nvSpPr>
         <p:spPr>
           <a:xfrm>
-            <a:off x="838200" y="104248"/>
+            <a:off x="602673" y="-126585"/>
             <a:ext cx="10515600" cy="1325563"/>
           </a:xfrm>
         </p:spPr>
@@ -16917,55 +17929,12 @@
           </a:p>
         </p:txBody>
       </p:sp>
-      <p:sp>
-        <p:nvSpPr>
-          <p:cNvPr id="5" name="مربع نص 4">
-            <a:extLst>
-              <a:ext uri="{FF2B5EF4-FFF2-40B4-BE49-F238E27FC236}">
-                <a16:creationId xmlns:a16="http://schemas.microsoft.com/office/drawing/2014/main" id="{842AF601-BC8D-4EED-9EEC-EE850A8D9160}"/>
-              </a:ext>
-            </a:extLst>
-          </p:cNvPr>
-          <p:cNvSpPr txBox="1"/>
-          <p:nvPr/>
-        </p:nvSpPr>
-        <p:spPr>
-          <a:xfrm>
-            <a:off x="-3462" y="1169262"/>
-            <a:ext cx="6099462" cy="461665"/>
-          </a:xfrm>
-          <a:prstGeom prst="rect">
-            <a:avLst/>
-          </a:prstGeom>
-          <a:noFill/>
-        </p:spPr>
-        <p:txBody>
-          <a:bodyPr wrap="square">
-            <a:spAutoFit/>
-          </a:bodyPr>
-          <a:lstStyle/>
-          <a:p>
-            <a:pPr algn="ctr"/>
-            <a:r>
-              <a:rPr lang="en-US" sz="2400" b="1" dirty="0">
-                <a:latin typeface="Times New Roman" panose="02020603050405020304" pitchFamily="18" charset="0"/>
-                <a:cs typeface="Times New Roman" panose="02020603050405020304" pitchFamily="18" charset="0"/>
-              </a:rPr>
-              <a:t>Html code</a:t>
-            </a:r>
-            <a:endParaRPr lang="en-US" b="1" dirty="0">
-              <a:latin typeface="Times New Roman" panose="02020603050405020304" pitchFamily="18" charset="0"/>
-              <a:cs typeface="Times New Roman" panose="02020603050405020304" pitchFamily="18" charset="0"/>
-            </a:endParaRPr>
-          </a:p>
-        </p:txBody>
-      </p:sp>
       <p:pic>
         <p:nvPicPr>
           <p:cNvPr id="8" name="صورة 7">
             <a:extLst>
               <a:ext uri="{FF2B5EF4-FFF2-40B4-BE49-F238E27FC236}">
-                <a16:creationId xmlns:a16="http://schemas.microsoft.com/office/drawing/2014/main" id="{B27E420C-F0E2-419A-A248-84B8E2D3442C}"/>
+                <a16:creationId xmlns:a16="http://schemas.microsoft.com/office/drawing/2014/main" id="{BFA05AAA-119B-434A-AB24-A3A2B31206CE}"/>
               </a:ext>
             </a:extLst>
           </p:cNvPr>
@@ -16982,48 +17951,252 @@
         </p:blipFill>
         <p:spPr>
           <a:xfrm>
-            <a:off x="232064" y="1630927"/>
-            <a:ext cx="5863935" cy="4917762"/>
+            <a:off x="6711661" y="2739601"/>
+            <a:ext cx="3609108" cy="2606578"/>
           </a:xfrm>
           <a:prstGeom prst="rect">
             <a:avLst/>
           </a:prstGeom>
         </p:spPr>
       </p:pic>
-      <p:pic>
-        <p:nvPicPr>
-          <p:cNvPr id="9" name="صورة 8">
+      <p:sp>
+        <p:nvSpPr>
+          <p:cNvPr id="9" name="مربع نص 8">
             <a:extLst>
               <a:ext uri="{FF2B5EF4-FFF2-40B4-BE49-F238E27FC236}">
-                <a16:creationId xmlns:a16="http://schemas.microsoft.com/office/drawing/2014/main" id="{08419883-D2E5-4B43-A4BA-D5A4444D7EF3}"/>
+                <a16:creationId xmlns:a16="http://schemas.microsoft.com/office/drawing/2014/main" id="{15CE72E9-8B45-42FB-8CF4-B7645D0BB234}"/>
               </a:ext>
             </a:extLst>
           </p:cNvPr>
-          <p:cNvPicPr>
-            <a:picLocks noChangeAspect="1"/>
-          </p:cNvPicPr>
+          <p:cNvSpPr txBox="1"/>
           <p:nvPr/>
-        </p:nvPicPr>
-        <p:blipFill>
-          <a:blip r:embed="rId4"/>
-          <a:stretch>
-            <a:fillRect/>
-          </a:stretch>
-        </p:blipFill>
+        </p:nvSpPr>
         <p:spPr>
           <a:xfrm>
-            <a:off x="6210299" y="2755373"/>
-            <a:ext cx="5635335" cy="2232263"/>
+            <a:off x="232065" y="117693"/>
+            <a:ext cx="5493581" cy="6740307"/>
           </a:xfrm>
           <a:prstGeom prst="rect">
             <a:avLst/>
           </a:prstGeom>
+          <a:noFill/>
         </p:spPr>
-      </p:pic>
+        <p:txBody>
+          <a:bodyPr wrap="square">
+            <a:spAutoFit/>
+          </a:bodyPr>
+          <a:lstStyle/>
+          <a:p>
+            <a:r>
+              <a:rPr lang="en-US" dirty="0"/>
+              <a:t>&lt;h2&gt;Basic HTML Table&lt;/h2&gt;</a:t>
+            </a:r>
+          </a:p>
+          <a:p>
+            <a:endParaRPr lang="en-US" dirty="0"/>
+          </a:p>
+          <a:p>
+            <a:r>
+              <a:rPr lang="en-US" dirty="0"/>
+              <a:t>&lt;table &gt;</a:t>
+            </a:r>
+          </a:p>
+          <a:p>
+            <a:r>
+              <a:rPr lang="en-US" dirty="0"/>
+              <a:t>  &lt;tr&gt;</a:t>
+            </a:r>
+          </a:p>
+          <a:p>
+            <a:r>
+              <a:rPr lang="en-US" dirty="0"/>
+              <a:t>    &lt;</a:t>
+            </a:r>
+            <a:r>
+              <a:rPr lang="en-US" dirty="0" err="1"/>
+              <a:t>th</a:t>
+            </a:r>
+            <a:r>
+              <a:rPr lang="en-US" dirty="0"/>
+              <a:t>&gt;</a:t>
+            </a:r>
+            <a:r>
+              <a:rPr lang="en-US" dirty="0" err="1"/>
+              <a:t>Firstname</a:t>
+            </a:r>
+            <a:r>
+              <a:rPr lang="en-US" dirty="0"/>
+              <a:t>&lt;/</a:t>
+            </a:r>
+            <a:r>
+              <a:rPr lang="en-US" dirty="0" err="1"/>
+              <a:t>th</a:t>
+            </a:r>
+            <a:r>
+              <a:rPr lang="en-US" dirty="0"/>
+              <a:t>&gt;</a:t>
+            </a:r>
+          </a:p>
+          <a:p>
+            <a:r>
+              <a:rPr lang="en-US" dirty="0"/>
+              <a:t>    &lt;</a:t>
+            </a:r>
+            <a:r>
+              <a:rPr lang="en-US" dirty="0" err="1"/>
+              <a:t>th</a:t>
+            </a:r>
+            <a:r>
+              <a:rPr lang="en-US" dirty="0"/>
+              <a:t>&gt;</a:t>
+            </a:r>
+            <a:r>
+              <a:rPr lang="en-US" dirty="0" err="1"/>
+              <a:t>Lastname</a:t>
+            </a:r>
+            <a:r>
+              <a:rPr lang="en-US" dirty="0"/>
+              <a:t>&lt;/</a:t>
+            </a:r>
+            <a:r>
+              <a:rPr lang="en-US" dirty="0" err="1"/>
+              <a:t>th</a:t>
+            </a:r>
+            <a:r>
+              <a:rPr lang="en-US" dirty="0"/>
+              <a:t>&gt; </a:t>
+            </a:r>
+          </a:p>
+          <a:p>
+            <a:r>
+              <a:rPr lang="en-US" dirty="0"/>
+              <a:t>    &lt;</a:t>
+            </a:r>
+            <a:r>
+              <a:rPr lang="en-US" dirty="0" err="1"/>
+              <a:t>th</a:t>
+            </a:r>
+            <a:r>
+              <a:rPr lang="en-US" dirty="0"/>
+              <a:t>&gt;Age&lt;/</a:t>
+            </a:r>
+            <a:r>
+              <a:rPr lang="en-US" dirty="0" err="1"/>
+              <a:t>th</a:t>
+            </a:r>
+            <a:r>
+              <a:rPr lang="en-US" dirty="0"/>
+              <a:t>&gt;</a:t>
+            </a:r>
+          </a:p>
+          <a:p>
+            <a:r>
+              <a:rPr lang="en-US" dirty="0"/>
+              <a:t>  &lt;/tr&gt;</a:t>
+            </a:r>
+          </a:p>
+          <a:p>
+            <a:r>
+              <a:rPr lang="en-US" dirty="0"/>
+              <a:t>  &lt;tr&gt;</a:t>
+            </a:r>
+          </a:p>
+          <a:p>
+            <a:r>
+              <a:rPr lang="en-US" dirty="0"/>
+              <a:t>    &lt;td&gt;Jill&lt;/td&gt;</a:t>
+            </a:r>
+          </a:p>
+          <a:p>
+            <a:r>
+              <a:rPr lang="en-US" dirty="0"/>
+              <a:t>    &lt;td&gt;Smith&lt;/td&gt;</a:t>
+            </a:r>
+          </a:p>
+          <a:p>
+            <a:r>
+              <a:rPr lang="en-US" dirty="0"/>
+              <a:t>    &lt;td&gt;50&lt;/td&gt;</a:t>
+            </a:r>
+          </a:p>
+          <a:p>
+            <a:r>
+              <a:rPr lang="en-US" dirty="0"/>
+              <a:t>  &lt;/tr&gt;</a:t>
+            </a:r>
+          </a:p>
+          <a:p>
+            <a:r>
+              <a:rPr lang="en-US" dirty="0"/>
+              <a:t>  &lt;tr&gt;</a:t>
+            </a:r>
+          </a:p>
+          <a:p>
+            <a:r>
+              <a:rPr lang="en-US" dirty="0"/>
+              <a:t>    &lt;td&gt;Eve&lt;/td&gt;</a:t>
+            </a:r>
+          </a:p>
+          <a:p>
+            <a:r>
+              <a:rPr lang="en-US" dirty="0"/>
+              <a:t>    &lt;td&gt;Jackson&lt;/td&gt;</a:t>
+            </a:r>
+          </a:p>
+          <a:p>
+            <a:r>
+              <a:rPr lang="en-US" dirty="0"/>
+              <a:t>    &lt;td&gt;94&lt;/td&gt;</a:t>
+            </a:r>
+          </a:p>
+          <a:p>
+            <a:r>
+              <a:rPr lang="en-US" dirty="0"/>
+              <a:t>  &lt;/tr&gt;</a:t>
+            </a:r>
+          </a:p>
+          <a:p>
+            <a:r>
+              <a:rPr lang="en-US" dirty="0"/>
+              <a:t>  &lt;tr&gt;</a:t>
+            </a:r>
+          </a:p>
+          <a:p>
+            <a:r>
+              <a:rPr lang="en-US" dirty="0"/>
+              <a:t>    &lt;td&gt;John&lt;/td&gt;</a:t>
+            </a:r>
+          </a:p>
+          <a:p>
+            <a:r>
+              <a:rPr lang="en-US" dirty="0"/>
+              <a:t>    &lt;td&gt;Doe&lt;/td&gt;</a:t>
+            </a:r>
+          </a:p>
+          <a:p>
+            <a:r>
+              <a:rPr lang="en-US" dirty="0"/>
+              <a:t>    &lt;td&gt;80&lt;/td&gt;</a:t>
+            </a:r>
+          </a:p>
+          <a:p>
+            <a:r>
+              <a:rPr lang="en-US" dirty="0"/>
+              <a:t>  &lt;/tr&gt;</a:t>
+            </a:r>
+          </a:p>
+          <a:p>
+            <a:r>
+              <a:rPr lang="en-US" dirty="0"/>
+              <a:t>&lt;/table&gt;</a:t>
+            </a:r>
+          </a:p>
+        </p:txBody>
+      </p:sp>
     </p:spTree>
     <p:extLst>
       <p:ext uri="{BB962C8B-B14F-4D97-AF65-F5344CB8AC3E}">
-        <p14:creationId xmlns:p14="http://schemas.microsoft.com/office/powerpoint/2010/main" val="1581709590"/>
+        <p14:creationId xmlns:p14="http://schemas.microsoft.com/office/powerpoint/2010/main" val="1257558819"/>
       </p:ext>
     </p:extLst>
   </p:cSld>
@@ -17275,55 +18448,12 @@
           </a:p>
         </p:txBody>
       </p:sp>
-      <p:sp>
-        <p:nvSpPr>
-          <p:cNvPr id="5" name="مربع نص 4">
+      <p:pic>
+        <p:nvPicPr>
+          <p:cNvPr id="3" name="صورة 2">
             <a:extLst>
               <a:ext uri="{FF2B5EF4-FFF2-40B4-BE49-F238E27FC236}">
-                <a16:creationId xmlns:a16="http://schemas.microsoft.com/office/drawing/2014/main" id="{842AF601-BC8D-4EED-9EEC-EE850A8D9160}"/>
-              </a:ext>
-            </a:extLst>
-          </p:cNvPr>
-          <p:cNvSpPr txBox="1"/>
-          <p:nvPr/>
-        </p:nvSpPr>
-        <p:spPr>
-          <a:xfrm>
-            <a:off x="-3462" y="1169262"/>
-            <a:ext cx="6099462" cy="461665"/>
-          </a:xfrm>
-          <a:prstGeom prst="rect">
-            <a:avLst/>
-          </a:prstGeom>
-          <a:noFill/>
-        </p:spPr>
-        <p:txBody>
-          <a:bodyPr wrap="square">
-            <a:spAutoFit/>
-          </a:bodyPr>
-          <a:lstStyle/>
-          <a:p>
-            <a:pPr algn="ctr"/>
-            <a:r>
-              <a:rPr lang="en-US" sz="2400" b="1" dirty="0">
-                <a:latin typeface="Times New Roman" panose="02020603050405020304" pitchFamily="18" charset="0"/>
-                <a:cs typeface="Times New Roman" panose="02020603050405020304" pitchFamily="18" charset="0"/>
-              </a:rPr>
-              <a:t>Html code</a:t>
-            </a:r>
-            <a:endParaRPr lang="en-US" b="1" dirty="0">
-              <a:latin typeface="Times New Roman" panose="02020603050405020304" pitchFamily="18" charset="0"/>
-              <a:cs typeface="Times New Roman" panose="02020603050405020304" pitchFamily="18" charset="0"/>
-            </a:endParaRPr>
-          </a:p>
-        </p:txBody>
-      </p:sp>
-      <p:pic>
-        <p:nvPicPr>
-          <p:cNvPr id="2" name="صورة 1">
-            <a:extLst>
-              <a:ext uri="{FF2B5EF4-FFF2-40B4-BE49-F238E27FC236}">
-                <a16:creationId xmlns:a16="http://schemas.microsoft.com/office/drawing/2014/main" id="{AE3B808E-DDE9-4817-A307-F84523F8FA47}"/>
+                <a16:creationId xmlns:a16="http://schemas.microsoft.com/office/drawing/2014/main" id="{BCF4BB68-CD06-4A67-BA9D-9B3249953F43}"/>
               </a:ext>
             </a:extLst>
           </p:cNvPr>
@@ -17340,14 +18470,786 @@
         </p:blipFill>
         <p:spPr>
           <a:xfrm>
-            <a:off x="207820" y="1660643"/>
-            <a:ext cx="5773882" cy="4934685"/>
+            <a:off x="6726382" y="2192032"/>
+            <a:ext cx="4627417" cy="3796855"/>
           </a:xfrm>
           <a:prstGeom prst="rect">
             <a:avLst/>
           </a:prstGeom>
         </p:spPr>
       </p:pic>
+      <p:sp>
+        <p:nvSpPr>
+          <p:cNvPr id="8" name="مربع نص 7">
+            <a:extLst>
+              <a:ext uri="{FF2B5EF4-FFF2-40B4-BE49-F238E27FC236}">
+                <a16:creationId xmlns:a16="http://schemas.microsoft.com/office/drawing/2014/main" id="{CF8A68EB-DE68-43AC-B641-A5FDD2A7B9BA}"/>
+              </a:ext>
+            </a:extLst>
+          </p:cNvPr>
+          <p:cNvSpPr txBox="1"/>
+          <p:nvPr/>
+        </p:nvSpPr>
+        <p:spPr>
+          <a:xfrm>
+            <a:off x="232065" y="104248"/>
+            <a:ext cx="6099716" cy="6740307"/>
+          </a:xfrm>
+          <a:prstGeom prst="rect">
+            <a:avLst/>
+          </a:prstGeom>
+          <a:noFill/>
+        </p:spPr>
+        <p:txBody>
+          <a:bodyPr wrap="square">
+            <a:spAutoFit/>
+          </a:bodyPr>
+          <a:lstStyle/>
+          <a:p>
+            <a:r>
+              <a:rPr lang="en-US" dirty="0"/>
+              <a:t>&lt;h2&gt;Basic HTML Table&lt;/h2&gt;</a:t>
+            </a:r>
+          </a:p>
+          <a:p>
+            <a:endParaRPr lang="en-US" dirty="0"/>
+          </a:p>
+          <a:p>
+            <a:r>
+              <a:rPr lang="en-US" dirty="0"/>
+              <a:t>&lt;table border="1px solid"&gt;</a:t>
+            </a:r>
+          </a:p>
+          <a:p>
+            <a:r>
+              <a:rPr lang="en-US" dirty="0"/>
+              <a:t>  &lt;tr&gt;</a:t>
+            </a:r>
+          </a:p>
+          <a:p>
+            <a:r>
+              <a:rPr lang="en-US" dirty="0"/>
+              <a:t>    &lt;</a:t>
+            </a:r>
+            <a:r>
+              <a:rPr lang="en-US" dirty="0" err="1"/>
+              <a:t>th</a:t>
+            </a:r>
+            <a:r>
+              <a:rPr lang="en-US" dirty="0"/>
+              <a:t>&gt;</a:t>
+            </a:r>
+            <a:r>
+              <a:rPr lang="en-US" dirty="0" err="1"/>
+              <a:t>Firstname</a:t>
+            </a:r>
+            <a:r>
+              <a:rPr lang="en-US" dirty="0"/>
+              <a:t>&lt;/</a:t>
+            </a:r>
+            <a:r>
+              <a:rPr lang="en-US" dirty="0" err="1"/>
+              <a:t>th</a:t>
+            </a:r>
+            <a:r>
+              <a:rPr lang="en-US" dirty="0"/>
+              <a:t>&gt;</a:t>
+            </a:r>
+          </a:p>
+          <a:p>
+            <a:r>
+              <a:rPr lang="en-US" dirty="0"/>
+              <a:t>    &lt;</a:t>
+            </a:r>
+            <a:r>
+              <a:rPr lang="en-US" dirty="0" err="1"/>
+              <a:t>th</a:t>
+            </a:r>
+            <a:r>
+              <a:rPr lang="en-US" dirty="0"/>
+              <a:t>&gt;</a:t>
+            </a:r>
+            <a:r>
+              <a:rPr lang="en-US" dirty="0" err="1"/>
+              <a:t>Lastname</a:t>
+            </a:r>
+            <a:r>
+              <a:rPr lang="en-US" dirty="0"/>
+              <a:t>&lt;/</a:t>
+            </a:r>
+            <a:r>
+              <a:rPr lang="en-US" dirty="0" err="1"/>
+              <a:t>th</a:t>
+            </a:r>
+            <a:r>
+              <a:rPr lang="en-US" dirty="0"/>
+              <a:t>&gt; </a:t>
+            </a:r>
+          </a:p>
+          <a:p>
+            <a:r>
+              <a:rPr lang="en-US" dirty="0"/>
+              <a:t>    &lt;</a:t>
+            </a:r>
+            <a:r>
+              <a:rPr lang="en-US" dirty="0" err="1"/>
+              <a:t>th</a:t>
+            </a:r>
+            <a:r>
+              <a:rPr lang="en-US" dirty="0"/>
+              <a:t>&gt;Age&lt;/</a:t>
+            </a:r>
+            <a:r>
+              <a:rPr lang="en-US" dirty="0" err="1"/>
+              <a:t>th</a:t>
+            </a:r>
+            <a:r>
+              <a:rPr lang="en-US" dirty="0"/>
+              <a:t>&gt;</a:t>
+            </a:r>
+          </a:p>
+          <a:p>
+            <a:r>
+              <a:rPr lang="en-US" dirty="0"/>
+              <a:t>  &lt;/tr&gt;</a:t>
+            </a:r>
+          </a:p>
+          <a:p>
+            <a:r>
+              <a:rPr lang="en-US" dirty="0"/>
+              <a:t>  &lt;tr&gt;</a:t>
+            </a:r>
+          </a:p>
+          <a:p>
+            <a:r>
+              <a:rPr lang="en-US" dirty="0"/>
+              <a:t>    &lt;td&gt;Jill&lt;/td&gt;</a:t>
+            </a:r>
+          </a:p>
+          <a:p>
+            <a:r>
+              <a:rPr lang="en-US" dirty="0"/>
+              <a:t>    &lt;td&gt;Smith&lt;/td&gt;</a:t>
+            </a:r>
+          </a:p>
+          <a:p>
+            <a:r>
+              <a:rPr lang="en-US" dirty="0"/>
+              <a:t>    &lt;td&gt;50&lt;/td&gt;</a:t>
+            </a:r>
+          </a:p>
+          <a:p>
+            <a:r>
+              <a:rPr lang="en-US" dirty="0"/>
+              <a:t>  &lt;/tr&gt;</a:t>
+            </a:r>
+          </a:p>
+          <a:p>
+            <a:r>
+              <a:rPr lang="en-US" dirty="0"/>
+              <a:t>  &lt;tr&gt;</a:t>
+            </a:r>
+          </a:p>
+          <a:p>
+            <a:r>
+              <a:rPr lang="en-US" dirty="0"/>
+              <a:t>    &lt;td&gt;Eve&lt;/td&gt;</a:t>
+            </a:r>
+          </a:p>
+          <a:p>
+            <a:r>
+              <a:rPr lang="en-US" dirty="0"/>
+              <a:t>    &lt;td&gt;Jackson&lt;/td&gt;</a:t>
+            </a:r>
+          </a:p>
+          <a:p>
+            <a:r>
+              <a:rPr lang="en-US" dirty="0"/>
+              <a:t>    &lt;td&gt;94&lt;/td&gt;</a:t>
+            </a:r>
+          </a:p>
+          <a:p>
+            <a:r>
+              <a:rPr lang="en-US" dirty="0"/>
+              <a:t>  &lt;/tr&gt;</a:t>
+            </a:r>
+          </a:p>
+          <a:p>
+            <a:r>
+              <a:rPr lang="en-US" dirty="0"/>
+              <a:t>  &lt;tr&gt;</a:t>
+            </a:r>
+          </a:p>
+          <a:p>
+            <a:r>
+              <a:rPr lang="en-US" dirty="0"/>
+              <a:t>    &lt;td&gt;John&lt;/td&gt;</a:t>
+            </a:r>
+          </a:p>
+          <a:p>
+            <a:r>
+              <a:rPr lang="en-US" dirty="0"/>
+              <a:t>    &lt;td&gt;Doe&lt;/td&gt;</a:t>
+            </a:r>
+          </a:p>
+          <a:p>
+            <a:r>
+              <a:rPr lang="en-US" dirty="0"/>
+              <a:t>    &lt;td&gt;80&lt;/td&gt;</a:t>
+            </a:r>
+          </a:p>
+          <a:p>
+            <a:r>
+              <a:rPr lang="en-US" dirty="0"/>
+              <a:t>  &lt;/tr&gt;</a:t>
+            </a:r>
+          </a:p>
+          <a:p>
+            <a:r>
+              <a:rPr lang="en-US" dirty="0"/>
+              <a:t>&lt;/table&gt;</a:t>
+            </a:r>
+          </a:p>
+        </p:txBody>
+      </p:sp>
+    </p:spTree>
+    <p:extLst>
+      <p:ext uri="{BB962C8B-B14F-4D97-AF65-F5344CB8AC3E}">
+        <p14:creationId xmlns:p14="http://schemas.microsoft.com/office/powerpoint/2010/main" val="2635667144"/>
+      </p:ext>
+    </p:extLst>
+  </p:cSld>
+  <p:clrMapOvr>
+    <a:masterClrMapping/>
+  </p:clrMapOvr>
+  <mc:AlternateContent xmlns:mc="http://schemas.openxmlformats.org/markup-compatibility/2006" xmlns:p14="http://schemas.microsoft.com/office/powerpoint/2010/main">
+    <mc:Choice Requires="p14">
+      <p:transition spd="slow" p14:dur="1300">
+        <p14:pan dir="u"/>
+      </p:transition>
+    </mc:Choice>
+    <mc:Fallback xmlns="">
+      <p:transition spd="slow">
+        <p:fade/>
+      </p:transition>
+    </mc:Fallback>
+  </mc:AlternateContent>
+</p:sld>
+</file>
+
+<file path=ppt/slides/slide41.xml><?xml version="1.0" encoding="utf-8"?>
+<p:sld xmlns:a="http://schemas.openxmlformats.org/drawingml/2006/main" xmlns:r="http://schemas.openxmlformats.org/officeDocument/2006/relationships" xmlns:p="http://schemas.openxmlformats.org/presentationml/2006/main">
+  <p:cSld>
+    <p:spTree>
+      <p:nvGrpSpPr>
+        <p:cNvPr id="1" name=""/>
+        <p:cNvGrpSpPr/>
+        <p:nvPr/>
+      </p:nvGrpSpPr>
+      <p:grpSpPr>
+        <a:xfrm>
+          <a:off x="0" y="0"/>
+          <a:ext cx="0" cy="0"/>
+          <a:chOff x="0" y="0"/>
+          <a:chExt cx="0" cy="0"/>
+        </a:xfrm>
+      </p:grpSpPr>
+      <p:sp>
+        <p:nvSpPr>
+          <p:cNvPr id="6" name="عنوان 1">
+            <a:extLst>
+              <a:ext uri="{FF2B5EF4-FFF2-40B4-BE49-F238E27FC236}">
+                <a16:creationId xmlns:a16="http://schemas.microsoft.com/office/drawing/2014/main" id="{C45EC975-48AC-44AB-8E07-23FA12C6B678}"/>
+              </a:ext>
+            </a:extLst>
+          </p:cNvPr>
+          <p:cNvSpPr>
+            <a:spLocks noGrp="1"/>
+          </p:cNvSpPr>
+          <p:nvPr>
+            <p:ph type="title"/>
+          </p:nvPr>
+        </p:nvSpPr>
+        <p:spPr>
+          <a:xfrm>
+            <a:off x="838200" y="104248"/>
+            <a:ext cx="10515600" cy="1325563"/>
+          </a:xfrm>
+        </p:spPr>
+        <p:txBody>
+          <a:bodyPr>
+            <a:noAutofit/>
+          </a:bodyPr>
+          <a:lstStyle/>
+          <a:p>
+            <a:pPr algn="ctr"/>
+            <a:r>
+              <a:rPr lang="en-US" sz="4800" b="1" dirty="0">
+                <a:latin typeface="Times New Roman" panose="02020603050405020304" pitchFamily="18" charset="0"/>
+                <a:cs typeface="Times New Roman" panose="02020603050405020304" pitchFamily="18" charset="0"/>
+              </a:rPr>
+              <a:t>HTML  Table</a:t>
+            </a:r>
+          </a:p>
+        </p:txBody>
+      </p:sp>
+      <p:sp>
+        <p:nvSpPr>
+          <p:cNvPr id="4" name="مربع نص 3">
+            <a:extLst>
+              <a:ext uri="{FF2B5EF4-FFF2-40B4-BE49-F238E27FC236}">
+                <a16:creationId xmlns:a16="http://schemas.microsoft.com/office/drawing/2014/main" id="{0AB3765B-25D4-4268-9F12-80BEFF6E9ED7}"/>
+              </a:ext>
+            </a:extLst>
+          </p:cNvPr>
+          <p:cNvSpPr txBox="1"/>
+          <p:nvPr/>
+        </p:nvSpPr>
+        <p:spPr>
+          <a:xfrm>
+            <a:off x="5860473" y="1198978"/>
+            <a:ext cx="6099462" cy="461665"/>
+          </a:xfrm>
+          <a:prstGeom prst="rect">
+            <a:avLst/>
+          </a:prstGeom>
+          <a:noFill/>
+        </p:spPr>
+        <p:txBody>
+          <a:bodyPr wrap="square">
+            <a:spAutoFit/>
+          </a:bodyPr>
+          <a:lstStyle/>
+          <a:p>
+            <a:pPr algn="ctr"/>
+            <a:r>
+              <a:rPr lang="en-US" sz="2400" b="1" dirty="0">
+                <a:latin typeface="Times New Roman" panose="02020603050405020304" pitchFamily="18" charset="0"/>
+                <a:cs typeface="Times New Roman" panose="02020603050405020304" pitchFamily="18" charset="0"/>
+              </a:rPr>
+              <a:t>Output</a:t>
+            </a:r>
+            <a:endParaRPr lang="en-US" b="1" dirty="0">
+              <a:latin typeface="Times New Roman" panose="02020603050405020304" pitchFamily="18" charset="0"/>
+              <a:cs typeface="Times New Roman" panose="02020603050405020304" pitchFamily="18" charset="0"/>
+            </a:endParaRPr>
+          </a:p>
+        </p:txBody>
+      </p:sp>
+      <p:pic>
+        <p:nvPicPr>
+          <p:cNvPr id="9" name="صورة 8">
+            <a:extLst>
+              <a:ext uri="{FF2B5EF4-FFF2-40B4-BE49-F238E27FC236}">
+                <a16:creationId xmlns:a16="http://schemas.microsoft.com/office/drawing/2014/main" id="{08419883-D2E5-4B43-A4BA-D5A4444D7EF3}"/>
+              </a:ext>
+            </a:extLst>
+          </p:cNvPr>
+          <p:cNvPicPr>
+            <a:picLocks noChangeAspect="1"/>
+          </p:cNvPicPr>
+          <p:nvPr/>
+        </p:nvPicPr>
+        <p:blipFill>
+          <a:blip r:embed="rId3"/>
+          <a:stretch>
+            <a:fillRect/>
+          </a:stretch>
+        </p:blipFill>
+        <p:spPr>
+          <a:xfrm>
+            <a:off x="6210299" y="2755373"/>
+            <a:ext cx="5635335" cy="2232263"/>
+          </a:xfrm>
+          <a:prstGeom prst="rect">
+            <a:avLst/>
+          </a:prstGeom>
+        </p:spPr>
+      </p:pic>
+      <p:sp>
+        <p:nvSpPr>
+          <p:cNvPr id="10" name="مربع نص 9">
+            <a:extLst>
+              <a:ext uri="{FF2B5EF4-FFF2-40B4-BE49-F238E27FC236}">
+                <a16:creationId xmlns:a16="http://schemas.microsoft.com/office/drawing/2014/main" id="{EFB1EE5D-702E-40F9-B7D0-CA483B5DFFD8}"/>
+              </a:ext>
+            </a:extLst>
+          </p:cNvPr>
+          <p:cNvSpPr txBox="1"/>
+          <p:nvPr/>
+        </p:nvSpPr>
+        <p:spPr>
+          <a:xfrm>
+            <a:off x="232065" y="0"/>
+            <a:ext cx="7409985" cy="7017306"/>
+          </a:xfrm>
+          <a:prstGeom prst="rect">
+            <a:avLst/>
+          </a:prstGeom>
+          <a:noFill/>
+        </p:spPr>
+        <p:txBody>
+          <a:bodyPr wrap="square">
+            <a:spAutoFit/>
+          </a:bodyPr>
+          <a:lstStyle/>
+          <a:p>
+            <a:r>
+              <a:rPr lang="en-US" dirty="0"/>
+              <a:t>&lt;head&gt;</a:t>
+            </a:r>
+          </a:p>
+          <a:p>
+            <a:pPr lvl="1"/>
+            <a:r>
+              <a:rPr lang="en-US" dirty="0"/>
+              <a:t>&lt;style&gt;</a:t>
+            </a:r>
+          </a:p>
+          <a:p>
+            <a:pPr lvl="2"/>
+            <a:r>
+              <a:rPr lang="en-US" dirty="0"/>
+              <a:t>table, </a:t>
+            </a:r>
+            <a:r>
+              <a:rPr lang="en-US" dirty="0" err="1"/>
+              <a:t>th</a:t>
+            </a:r>
+            <a:r>
+              <a:rPr lang="en-US" dirty="0"/>
+              <a:t>, td {</a:t>
+            </a:r>
+          </a:p>
+          <a:p>
+            <a:pPr lvl="2"/>
+            <a:r>
+              <a:rPr lang="en-US" dirty="0"/>
+              <a:t>  border: 1px solid black;</a:t>
+            </a:r>
+          </a:p>
+          <a:p>
+            <a:pPr lvl="2"/>
+            <a:r>
+              <a:rPr lang="en-US" dirty="0"/>
+              <a:t>  border-collapse: collapse;}</a:t>
+            </a:r>
+          </a:p>
+          <a:p>
+            <a:pPr lvl="2"/>
+            <a:r>
+              <a:rPr lang="en-US" dirty="0" err="1"/>
+              <a:t>th</a:t>
+            </a:r>
+            <a:r>
+              <a:rPr lang="en-US" dirty="0"/>
+              <a:t>, td {</a:t>
+            </a:r>
+          </a:p>
+          <a:p>
+            <a:pPr lvl="2"/>
+            <a:r>
+              <a:rPr lang="en-US" dirty="0"/>
+              <a:t>  padding: 5px;</a:t>
+            </a:r>
+          </a:p>
+          <a:p>
+            <a:pPr lvl="2"/>
+            <a:r>
+              <a:rPr lang="en-US" dirty="0"/>
+              <a:t>  text-align: left;    }</a:t>
+            </a:r>
+          </a:p>
+          <a:p>
+            <a:pPr lvl="1"/>
+            <a:r>
+              <a:rPr lang="en-US" dirty="0"/>
+              <a:t>&lt;/style&gt;</a:t>
+            </a:r>
+          </a:p>
+          <a:p>
+            <a:r>
+              <a:rPr lang="en-US" dirty="0"/>
+              <a:t>&lt;/head&gt;</a:t>
+            </a:r>
+          </a:p>
+          <a:p>
+            <a:r>
+              <a:rPr lang="en-US" dirty="0"/>
+              <a:t>&lt;body&gt;</a:t>
+            </a:r>
+          </a:p>
+          <a:p>
+            <a:pPr lvl="1"/>
+            <a:r>
+              <a:rPr lang="en-US" dirty="0"/>
+              <a:t>&lt;h2&gt;Cell that spans two columns&lt;/h2&gt;</a:t>
+            </a:r>
+          </a:p>
+          <a:p>
+            <a:pPr lvl="1"/>
+            <a:r>
+              <a:rPr lang="en-US" dirty="0"/>
+              <a:t>&lt;p&gt;To make a cell span more than one column, </a:t>
+            </a:r>
+          </a:p>
+          <a:p>
+            <a:pPr lvl="1"/>
+            <a:r>
+              <a:rPr lang="en-US" dirty="0"/>
+              <a:t>use the </a:t>
+            </a:r>
+            <a:r>
+              <a:rPr lang="en-US" dirty="0" err="1"/>
+              <a:t>colspan</a:t>
+            </a:r>
+            <a:r>
+              <a:rPr lang="en-US" dirty="0"/>
+              <a:t> attribute.&lt;/p&gt;</a:t>
+            </a:r>
+          </a:p>
+          <a:p>
+            <a:pPr lvl="1"/>
+            <a:r>
+              <a:rPr lang="en-US" dirty="0"/>
+              <a:t>&lt;table style="width:100%"&gt;</a:t>
+            </a:r>
+          </a:p>
+          <a:p>
+            <a:pPr lvl="2"/>
+            <a:r>
+              <a:rPr lang="en-US" dirty="0"/>
+              <a:t>  &lt;tr&gt;</a:t>
+            </a:r>
+          </a:p>
+          <a:p>
+            <a:pPr lvl="3"/>
+            <a:r>
+              <a:rPr lang="en-US" dirty="0"/>
+              <a:t>    &lt;</a:t>
+            </a:r>
+            <a:r>
+              <a:rPr lang="en-US" dirty="0" err="1"/>
+              <a:t>th</a:t>
+            </a:r>
+            <a:r>
+              <a:rPr lang="en-US" dirty="0"/>
+              <a:t>&gt;Name&lt;/</a:t>
+            </a:r>
+            <a:r>
+              <a:rPr lang="en-US" dirty="0" err="1"/>
+              <a:t>th</a:t>
+            </a:r>
+            <a:r>
+              <a:rPr lang="en-US" dirty="0"/>
+              <a:t>&gt;</a:t>
+            </a:r>
+          </a:p>
+          <a:p>
+            <a:pPr lvl="3"/>
+            <a:r>
+              <a:rPr lang="en-US" dirty="0"/>
+              <a:t>    &lt;</a:t>
+            </a:r>
+            <a:r>
+              <a:rPr lang="en-US" dirty="0" err="1"/>
+              <a:t>th</a:t>
+            </a:r>
+            <a:r>
+              <a:rPr lang="en-US" dirty="0"/>
+              <a:t> </a:t>
+            </a:r>
+            <a:r>
+              <a:rPr lang="en-US" dirty="0" err="1"/>
+              <a:t>colspan</a:t>
+            </a:r>
+            <a:r>
+              <a:rPr lang="en-US" dirty="0"/>
+              <a:t>="2"&gt;Telephone&lt;/</a:t>
+            </a:r>
+            <a:r>
+              <a:rPr lang="en-US" dirty="0" err="1"/>
+              <a:t>th</a:t>
+            </a:r>
+            <a:r>
+              <a:rPr lang="en-US" dirty="0"/>
+              <a:t>&gt;</a:t>
+            </a:r>
+          </a:p>
+          <a:p>
+            <a:pPr lvl="2"/>
+            <a:r>
+              <a:rPr lang="en-US" dirty="0"/>
+              <a:t>  &lt;/tr&gt;</a:t>
+            </a:r>
+          </a:p>
+          <a:p>
+            <a:pPr lvl="2"/>
+            <a:r>
+              <a:rPr lang="en-US" dirty="0"/>
+              <a:t>  &lt;tr&gt;</a:t>
+            </a:r>
+          </a:p>
+          <a:p>
+            <a:pPr lvl="3"/>
+            <a:r>
+              <a:rPr lang="en-US" dirty="0"/>
+              <a:t>    &lt;td&gt;Bill Gates&lt;/td&gt;</a:t>
+            </a:r>
+          </a:p>
+          <a:p>
+            <a:pPr lvl="3"/>
+            <a:r>
+              <a:rPr lang="en-US" dirty="0"/>
+              <a:t>    &lt;td&gt;55577854&lt;/td&gt;</a:t>
+            </a:r>
+          </a:p>
+          <a:p>
+            <a:pPr lvl="3"/>
+            <a:r>
+              <a:rPr lang="en-US" dirty="0"/>
+              <a:t>    &lt;td&gt;55577855&lt;/td&gt;</a:t>
+            </a:r>
+          </a:p>
+          <a:p>
+            <a:pPr lvl="2"/>
+            <a:r>
+              <a:rPr lang="en-US" dirty="0"/>
+              <a:t>  &lt;/tr&gt;</a:t>
+            </a:r>
+          </a:p>
+          <a:p>
+            <a:r>
+              <a:rPr lang="en-US" dirty="0"/>
+              <a:t>&lt;/table&gt; &lt;/body&gt;</a:t>
+            </a:r>
+          </a:p>
+        </p:txBody>
+      </p:sp>
+    </p:spTree>
+    <p:extLst>
+      <p:ext uri="{BB962C8B-B14F-4D97-AF65-F5344CB8AC3E}">
+        <p14:creationId xmlns:p14="http://schemas.microsoft.com/office/powerpoint/2010/main" val="1581709590"/>
+      </p:ext>
+    </p:extLst>
+  </p:cSld>
+  <p:clrMapOvr>
+    <a:masterClrMapping/>
+  </p:clrMapOvr>
+  <mc:AlternateContent xmlns:mc="http://schemas.openxmlformats.org/markup-compatibility/2006" xmlns:p14="http://schemas.microsoft.com/office/powerpoint/2010/main">
+    <mc:Choice Requires="p14">
+      <p:transition spd="slow" p14:dur="1300">
+        <p14:pan dir="u"/>
+      </p:transition>
+    </mc:Choice>
+    <mc:Fallback xmlns="">
+      <p:transition spd="slow">
+        <p:fade/>
+      </p:transition>
+    </mc:Fallback>
+  </mc:AlternateContent>
+</p:sld>
+</file>
+
+<file path=ppt/slides/slide42.xml><?xml version="1.0" encoding="utf-8"?>
+<p:sld xmlns:a="http://schemas.openxmlformats.org/drawingml/2006/main" xmlns:r="http://schemas.openxmlformats.org/officeDocument/2006/relationships" xmlns:p="http://schemas.openxmlformats.org/presentationml/2006/main">
+  <p:cSld>
+    <p:spTree>
+      <p:nvGrpSpPr>
+        <p:cNvPr id="1" name=""/>
+        <p:cNvGrpSpPr/>
+        <p:nvPr/>
+      </p:nvGrpSpPr>
+      <p:grpSpPr>
+        <a:xfrm>
+          <a:off x="0" y="0"/>
+          <a:ext cx="0" cy="0"/>
+          <a:chOff x="0" y="0"/>
+          <a:chExt cx="0" cy="0"/>
+        </a:xfrm>
+      </p:grpSpPr>
+      <p:sp>
+        <p:nvSpPr>
+          <p:cNvPr id="6" name="عنوان 1">
+            <a:extLst>
+              <a:ext uri="{FF2B5EF4-FFF2-40B4-BE49-F238E27FC236}">
+                <a16:creationId xmlns:a16="http://schemas.microsoft.com/office/drawing/2014/main" id="{C45EC975-48AC-44AB-8E07-23FA12C6B678}"/>
+              </a:ext>
+            </a:extLst>
+          </p:cNvPr>
+          <p:cNvSpPr>
+            <a:spLocks noGrp="1"/>
+          </p:cNvSpPr>
+          <p:nvPr>
+            <p:ph type="title"/>
+          </p:nvPr>
+        </p:nvSpPr>
+        <p:spPr>
+          <a:xfrm>
+            <a:off x="838200" y="104248"/>
+            <a:ext cx="10515600" cy="1325563"/>
+          </a:xfrm>
+        </p:spPr>
+        <p:txBody>
+          <a:bodyPr>
+            <a:noAutofit/>
+          </a:bodyPr>
+          <a:lstStyle/>
+          <a:p>
+            <a:pPr algn="ctr"/>
+            <a:r>
+              <a:rPr lang="en-US" sz="4800" b="1" dirty="0">
+                <a:latin typeface="Times New Roman" panose="02020603050405020304" pitchFamily="18" charset="0"/>
+                <a:cs typeface="Times New Roman" panose="02020603050405020304" pitchFamily="18" charset="0"/>
+              </a:rPr>
+              <a:t>HTML  Table</a:t>
+            </a:r>
+          </a:p>
+        </p:txBody>
+      </p:sp>
+      <p:sp>
+        <p:nvSpPr>
+          <p:cNvPr id="4" name="مربع نص 3">
+            <a:extLst>
+              <a:ext uri="{FF2B5EF4-FFF2-40B4-BE49-F238E27FC236}">
+                <a16:creationId xmlns:a16="http://schemas.microsoft.com/office/drawing/2014/main" id="{0AB3765B-25D4-4268-9F12-80BEFF6E9ED7}"/>
+              </a:ext>
+            </a:extLst>
+          </p:cNvPr>
+          <p:cNvSpPr txBox="1"/>
+          <p:nvPr/>
+        </p:nvSpPr>
+        <p:spPr>
+          <a:xfrm>
+            <a:off x="5860473" y="1198978"/>
+            <a:ext cx="6099462" cy="461665"/>
+          </a:xfrm>
+          <a:prstGeom prst="rect">
+            <a:avLst/>
+          </a:prstGeom>
+          <a:noFill/>
+        </p:spPr>
+        <p:txBody>
+          <a:bodyPr wrap="square">
+            <a:spAutoFit/>
+          </a:bodyPr>
+          <a:lstStyle/>
+          <a:p>
+            <a:pPr algn="ctr"/>
+            <a:r>
+              <a:rPr lang="en-US" sz="2400" b="1" dirty="0">
+                <a:latin typeface="Times New Roman" panose="02020603050405020304" pitchFamily="18" charset="0"/>
+                <a:cs typeface="Times New Roman" panose="02020603050405020304" pitchFamily="18" charset="0"/>
+              </a:rPr>
+              <a:t>Output</a:t>
+            </a:r>
+            <a:endParaRPr lang="en-US" b="1" dirty="0">
+              <a:latin typeface="Times New Roman" panose="02020603050405020304" pitchFamily="18" charset="0"/>
+              <a:cs typeface="Times New Roman" panose="02020603050405020304" pitchFamily="18" charset="0"/>
+            </a:endParaRPr>
+          </a:p>
+        </p:txBody>
+      </p:sp>
       <p:pic>
         <p:nvPicPr>
           <p:cNvPr id="3" name="صورة 2">
@@ -17363,7 +19265,7 @@
           <p:nvPr/>
         </p:nvPicPr>
         <p:blipFill>
-          <a:blip r:embed="rId4"/>
+          <a:blip r:embed="rId3"/>
           <a:stretch>
             <a:fillRect/>
           </a:stretch>
@@ -17378,6 +19280,191 @@
           </a:prstGeom>
         </p:spPr>
       </p:pic>
+      <p:sp>
+        <p:nvSpPr>
+          <p:cNvPr id="8" name="مربع نص 7">
+            <a:extLst>
+              <a:ext uri="{FF2B5EF4-FFF2-40B4-BE49-F238E27FC236}">
+                <a16:creationId xmlns:a16="http://schemas.microsoft.com/office/drawing/2014/main" id="{7ACAD2E2-CE9B-4376-98B8-CD9E8694FA47}"/>
+              </a:ext>
+            </a:extLst>
+          </p:cNvPr>
+          <p:cNvSpPr txBox="1"/>
+          <p:nvPr/>
+        </p:nvSpPr>
+        <p:spPr>
+          <a:xfrm>
+            <a:off x="299479" y="767029"/>
+            <a:ext cx="6099716" cy="5940088"/>
+          </a:xfrm>
+          <a:prstGeom prst="rect">
+            <a:avLst/>
+          </a:prstGeom>
+          <a:noFill/>
+        </p:spPr>
+        <p:txBody>
+          <a:bodyPr wrap="square">
+            <a:spAutoFit/>
+          </a:bodyPr>
+          <a:lstStyle/>
+          <a:p>
+            <a:r>
+              <a:rPr lang="en-US" sz="2000" dirty="0"/>
+              <a:t>&lt;body&gt;</a:t>
+            </a:r>
+          </a:p>
+          <a:p>
+            <a:endParaRPr lang="en-US" sz="2000" dirty="0"/>
+          </a:p>
+          <a:p>
+            <a:r>
+              <a:rPr lang="en-US" sz="2000" dirty="0"/>
+              <a:t>&lt;h2&gt;Cell that spans two columns&lt;/h2&gt;</a:t>
+            </a:r>
+          </a:p>
+          <a:p>
+            <a:r>
+              <a:rPr lang="en-US" sz="2000" dirty="0"/>
+              <a:t>&lt;p&gt;To make a cell span more than one column, use the </a:t>
+            </a:r>
+            <a:r>
+              <a:rPr lang="en-US" sz="2000" dirty="0" err="1"/>
+              <a:t>colspan</a:t>
+            </a:r>
+            <a:r>
+              <a:rPr lang="en-US" sz="2000" dirty="0"/>
+              <a:t> attribute.&lt;/p&gt;</a:t>
+            </a:r>
+          </a:p>
+          <a:p>
+            <a:endParaRPr lang="en-US" sz="2000" dirty="0"/>
+          </a:p>
+          <a:p>
+            <a:r>
+              <a:rPr lang="en-US" sz="2000" dirty="0"/>
+              <a:t>&lt;table style="width:100%"&gt;</a:t>
+            </a:r>
+          </a:p>
+          <a:p>
+            <a:pPr lvl="1"/>
+            <a:r>
+              <a:rPr lang="en-US" sz="2000" dirty="0"/>
+              <a:t>  &lt;tr&gt;</a:t>
+            </a:r>
+          </a:p>
+          <a:p>
+            <a:pPr lvl="2"/>
+            <a:r>
+              <a:rPr lang="en-US" sz="2000" dirty="0"/>
+              <a:t>    &lt;</a:t>
+            </a:r>
+            <a:r>
+              <a:rPr lang="en-US" sz="2000" dirty="0" err="1"/>
+              <a:t>th</a:t>
+            </a:r>
+            <a:r>
+              <a:rPr lang="en-US" sz="2000" dirty="0"/>
+              <a:t>&gt;Name&lt;/</a:t>
+            </a:r>
+            <a:r>
+              <a:rPr lang="en-US" sz="2000" dirty="0" err="1"/>
+              <a:t>th</a:t>
+            </a:r>
+            <a:r>
+              <a:rPr lang="en-US" sz="2000" dirty="0"/>
+              <a:t>&gt;</a:t>
+            </a:r>
+          </a:p>
+          <a:p>
+            <a:pPr lvl="2"/>
+            <a:r>
+              <a:rPr lang="en-US" sz="2000" dirty="0"/>
+              <a:t>    &lt;</a:t>
+            </a:r>
+            <a:r>
+              <a:rPr lang="en-US" sz="2000" dirty="0" err="1"/>
+              <a:t>th</a:t>
+            </a:r>
+            <a:r>
+              <a:rPr lang="en-US" sz="2000" dirty="0"/>
+              <a:t> </a:t>
+            </a:r>
+            <a:r>
+              <a:rPr lang="en-US" sz="2000" dirty="0" err="1"/>
+              <a:t>colspan</a:t>
+            </a:r>
+            <a:r>
+              <a:rPr lang="en-US" sz="2000" dirty="0"/>
+              <a:t>="2"&gt;Telephone&lt;/</a:t>
+            </a:r>
+            <a:r>
+              <a:rPr lang="en-US" sz="2000" dirty="0" err="1"/>
+              <a:t>th</a:t>
+            </a:r>
+            <a:r>
+              <a:rPr lang="en-US" sz="2000" dirty="0"/>
+              <a:t>&gt;</a:t>
+            </a:r>
+          </a:p>
+          <a:p>
+            <a:pPr lvl="1"/>
+            <a:r>
+              <a:rPr lang="en-US" sz="2000" dirty="0"/>
+              <a:t>  &lt;/tr&gt;</a:t>
+            </a:r>
+          </a:p>
+          <a:p>
+            <a:pPr lvl="1"/>
+            <a:r>
+              <a:rPr lang="en-US" sz="2000" dirty="0"/>
+              <a:t>  &lt;tr&gt;</a:t>
+            </a:r>
+          </a:p>
+          <a:p>
+            <a:pPr lvl="2"/>
+            <a:r>
+              <a:rPr lang="en-US" sz="2000" dirty="0"/>
+              <a:t>    &lt;td&gt;Bill Gates&lt;/td&gt;</a:t>
+            </a:r>
+          </a:p>
+          <a:p>
+            <a:pPr lvl="2"/>
+            <a:r>
+              <a:rPr lang="en-US" sz="2000" dirty="0"/>
+              <a:t>    &lt;td&gt;55577854&lt;/td&gt;</a:t>
+            </a:r>
+          </a:p>
+          <a:p>
+            <a:pPr lvl="2"/>
+            <a:r>
+              <a:rPr lang="en-US" sz="2000" dirty="0"/>
+              <a:t>    &lt;td&gt;55577855&lt;/td&gt;</a:t>
+            </a:r>
+          </a:p>
+          <a:p>
+            <a:pPr lvl="1"/>
+            <a:r>
+              <a:rPr lang="en-US" sz="2000" dirty="0"/>
+              <a:t>  &lt;/tr&gt;</a:t>
+            </a:r>
+          </a:p>
+          <a:p>
+            <a:r>
+              <a:rPr lang="en-US" sz="2000" dirty="0"/>
+              <a:t>&lt;/table&gt;</a:t>
+            </a:r>
+          </a:p>
+          <a:p>
+            <a:endParaRPr lang="en-US" sz="2000" dirty="0"/>
+          </a:p>
+          <a:p>
+            <a:r>
+              <a:rPr lang="en-US" sz="2000" dirty="0"/>
+              <a:t>&lt;/body&gt;</a:t>
+            </a:r>
+          </a:p>
+        </p:txBody>
+      </p:sp>
     </p:spTree>
     <p:extLst>
       <p:ext uri="{BB962C8B-B14F-4D97-AF65-F5344CB8AC3E}">
@@ -17403,7 +19490,7 @@
 </p:sld>
 </file>
 
-<file path=ppt/slides/slide41.xml><?xml version="1.0" encoding="utf-8"?>
+<file path=ppt/slides/slide43.xml><?xml version="1.0" encoding="utf-8"?>
 <p:sld xmlns:a="http://schemas.openxmlformats.org/drawingml/2006/main" xmlns:r="http://schemas.openxmlformats.org/officeDocument/2006/relationships" xmlns:p="http://schemas.openxmlformats.org/presentationml/2006/main">
   <p:cSld>
     <p:spTree>
@@ -17505,13 +19592,13 @@
   <p:clrMapOvr>
     <a:masterClrMapping/>
   </p:clrMapOvr>
-  <mc:AlternateContent xmlns:mc="http://schemas.openxmlformats.org/markup-compatibility/2006">
-    <mc:Choice xmlns:p14="http://schemas.microsoft.com/office/powerpoint/2010/main" Requires="p14">
+  <mc:AlternateContent xmlns:mc="http://schemas.openxmlformats.org/markup-compatibility/2006" xmlns:p14="http://schemas.microsoft.com/office/powerpoint/2010/main">
+    <mc:Choice Requires="p14">
       <p:transition spd="slow" p14:dur="1300">
         <p14:pan dir="u"/>
       </p:transition>
     </mc:Choice>
-    <mc:Fallback>
+    <mc:Fallback xmlns="">
       <p:transition spd="slow">
         <p:fade/>
       </p:transition>
@@ -17520,7 +19607,7 @@
 </p:sld>
 </file>
 
-<file path=ppt/slides/slide42.xml><?xml version="1.0" encoding="utf-8"?>
+<file path=ppt/slides/slide44.xml><?xml version="1.0" encoding="utf-8"?>
 <p:sld xmlns:a="http://schemas.openxmlformats.org/drawingml/2006/main" xmlns:r="http://schemas.openxmlformats.org/officeDocument/2006/relationships" xmlns:p="http://schemas.openxmlformats.org/presentationml/2006/main">
   <p:cSld>
     <p:spTree>
@@ -17606,36 +19693,142 @@
           </a:prstGeom>
         </p:spPr>
       </p:pic>
-      <p:pic>
-        <p:nvPicPr>
-          <p:cNvPr id="4" name="صورة 3">
+      <p:sp>
+        <p:nvSpPr>
+          <p:cNvPr id="7" name="مربع نص 6">
             <a:extLst>
               <a:ext uri="{FF2B5EF4-FFF2-40B4-BE49-F238E27FC236}">
-                <a16:creationId xmlns:a16="http://schemas.microsoft.com/office/drawing/2014/main" id="{34D3BA68-5E8C-4FB6-B5B5-E511EA5DB27D}"/>
+                <a16:creationId xmlns:a16="http://schemas.microsoft.com/office/drawing/2014/main" id="{8F652895-41A3-42A1-833C-1F8544F17FBB}"/>
               </a:ext>
             </a:extLst>
           </p:cNvPr>
-          <p:cNvPicPr>
-            <a:picLocks noChangeAspect="1"/>
-          </p:cNvPicPr>
+          <p:cNvSpPr txBox="1"/>
           <p:nvPr/>
-        </p:nvPicPr>
-        <p:blipFill>
-          <a:blip r:embed="rId4"/>
-          <a:stretch>
-            <a:fillRect/>
-          </a:stretch>
-        </p:blipFill>
+        </p:nvSpPr>
         <p:spPr>
           <a:xfrm>
-            <a:off x="207818" y="2261082"/>
-            <a:ext cx="5733311" cy="2664207"/>
+            <a:off x="0" y="2016347"/>
+            <a:ext cx="6099716" cy="3785652"/>
           </a:xfrm>
           <a:prstGeom prst="rect">
             <a:avLst/>
           </a:prstGeom>
+          <a:noFill/>
         </p:spPr>
-      </p:pic>
+        <p:txBody>
+          <a:bodyPr wrap="square">
+            <a:spAutoFit/>
+          </a:bodyPr>
+          <a:lstStyle/>
+          <a:p>
+            <a:r>
+              <a:rPr lang="en-US" sz="2000" dirty="0"/>
+              <a:t>&lt;h2&gt;HTML Forms&lt;/h2&gt;</a:t>
+            </a:r>
+          </a:p>
+          <a:p>
+            <a:endParaRPr lang="en-US" sz="2000" dirty="0"/>
+          </a:p>
+          <a:p>
+            <a:r>
+              <a:rPr lang="en-US" sz="2000" dirty="0"/>
+              <a:t>&lt;form action="/</a:t>
+            </a:r>
+            <a:r>
+              <a:rPr lang="en-US" sz="2000" dirty="0" err="1"/>
+              <a:t>action_page.php</a:t>
+            </a:r>
+            <a:r>
+              <a:rPr lang="en-US" sz="2000" dirty="0"/>
+              <a:t>"&gt;</a:t>
+            </a:r>
+          </a:p>
+          <a:p>
+            <a:r>
+              <a:rPr lang="en-US" sz="2000" dirty="0"/>
+              <a:t>  &lt;label for="</a:t>
+            </a:r>
+            <a:r>
+              <a:rPr lang="en-US" sz="2000" dirty="0" err="1"/>
+              <a:t>fname</a:t>
+            </a:r>
+            <a:r>
+              <a:rPr lang="en-US" sz="2000" dirty="0"/>
+              <a:t>"&gt;First name:&lt;/label&gt;&lt;</a:t>
+            </a:r>
+            <a:r>
+              <a:rPr lang="en-US" sz="2000" dirty="0" err="1"/>
+              <a:t>br</a:t>
+            </a:r>
+            <a:r>
+              <a:rPr lang="en-US" sz="2000" dirty="0"/>
+              <a:t>&gt;</a:t>
+            </a:r>
+          </a:p>
+          <a:p>
+            <a:r>
+              <a:rPr lang="en-US" sz="2000" dirty="0"/>
+              <a:t>  &lt;input type="text" id="</a:t>
+            </a:r>
+            <a:r>
+              <a:rPr lang="en-US" sz="2000" dirty="0" err="1"/>
+              <a:t>fname</a:t>
+            </a:r>
+            <a:r>
+              <a:rPr lang="en-US" sz="2000" dirty="0"/>
+              <a:t>" name="</a:t>
+            </a:r>
+            <a:r>
+              <a:rPr lang="en-US" sz="2000" dirty="0" err="1"/>
+              <a:t>fname</a:t>
+            </a:r>
+            <a:r>
+              <a:rPr lang="en-US" sz="2000" dirty="0"/>
+              <a:t>" value="John"&gt;&lt;</a:t>
+            </a:r>
+            <a:r>
+              <a:rPr lang="en-US" sz="2000" dirty="0" err="1"/>
+              <a:t>br</a:t>
+            </a:r>
+            <a:r>
+              <a:rPr lang="en-US" sz="2000" dirty="0"/>
+              <a:t>&gt;</a:t>
+            </a:r>
+          </a:p>
+          <a:p>
+            <a:endParaRPr lang="en-US" sz="2000" dirty="0"/>
+          </a:p>
+          <a:p>
+            <a:r>
+              <a:rPr lang="en-US" sz="2000" dirty="0"/>
+              <a:t>  &lt;input type="submit" value="Submit"&gt;</a:t>
+            </a:r>
+          </a:p>
+          <a:p>
+            <a:r>
+              <a:rPr lang="en-US" sz="2000" dirty="0"/>
+              <a:t>&lt;/form&gt; </a:t>
+            </a:r>
+          </a:p>
+          <a:p>
+            <a:endParaRPr lang="en-US" sz="2000" dirty="0"/>
+          </a:p>
+          <a:p>
+            <a:r>
+              <a:rPr lang="en-US" sz="2000" dirty="0"/>
+              <a:t>&lt;p&gt;If you click the "Submit" button, the form-data will be sent to a page called "/</a:t>
+            </a:r>
+            <a:r>
+              <a:rPr lang="en-US" sz="2000" dirty="0" err="1"/>
+              <a:t>action_page.php</a:t>
+            </a:r>
+            <a:r>
+              <a:rPr lang="en-US" sz="2000" dirty="0"/>
+              <a:t>".&lt;/p&gt;</a:t>
+            </a:r>
+          </a:p>
+        </p:txBody>
+      </p:sp>
     </p:spTree>
     <p:extLst>
       <p:ext uri="{BB962C8B-B14F-4D97-AF65-F5344CB8AC3E}">
@@ -17646,13 +19839,13 @@
   <p:clrMapOvr>
     <a:masterClrMapping/>
   </p:clrMapOvr>
-  <mc:AlternateContent xmlns:mc="http://schemas.openxmlformats.org/markup-compatibility/2006">
-    <mc:Choice xmlns:p14="http://schemas.microsoft.com/office/powerpoint/2010/main" Requires="p14">
+  <mc:AlternateContent xmlns:mc="http://schemas.openxmlformats.org/markup-compatibility/2006" xmlns:p14="http://schemas.microsoft.com/office/powerpoint/2010/main">
+    <mc:Choice Requires="p14">
       <p:transition spd="slow" p14:dur="1300">
         <p14:pan dir="u"/>
       </p:transition>
     </mc:Choice>
-    <mc:Fallback>
+    <mc:Fallback xmlns="">
       <p:transition spd="slow">
         <p:fade/>
       </p:transition>
@@ -17661,7 +19854,7 @@
 </p:sld>
 </file>
 
-<file path=ppt/slides/slide43.xml><?xml version="1.0" encoding="utf-8"?>
+<file path=ppt/slides/slide45.xml><?xml version="1.0" encoding="utf-8"?>
 <p:sld xmlns:a="http://schemas.openxmlformats.org/drawingml/2006/main" xmlns:r="http://schemas.openxmlformats.org/officeDocument/2006/relationships" xmlns:p="http://schemas.openxmlformats.org/presentationml/2006/main">
   <p:cSld>
     <p:spTree>
@@ -17762,13 +19955,13 @@
   <p:clrMapOvr>
     <a:masterClrMapping/>
   </p:clrMapOvr>
-  <mc:AlternateContent xmlns:mc="http://schemas.openxmlformats.org/markup-compatibility/2006">
-    <mc:Choice xmlns:p14="http://schemas.microsoft.com/office/powerpoint/2010/main" Requires="p14">
+  <mc:AlternateContent xmlns:mc="http://schemas.openxmlformats.org/markup-compatibility/2006" xmlns:p14="http://schemas.microsoft.com/office/powerpoint/2010/main">
+    <mc:Choice Requires="p14">
       <p:transition spd="slow" p14:dur="1300">
         <p14:pan dir="u"/>
       </p:transition>
     </mc:Choice>
-    <mc:Fallback>
+    <mc:Fallback xmlns="">
       <p:transition spd="slow">
         <p:fade/>
       </p:transition>
@@ -17777,7 +19970,7 @@
 </p:sld>
 </file>
 
-<file path=ppt/slides/slide44.xml><?xml version="1.0" encoding="utf-8"?>
+<file path=ppt/slides/slide46.xml><?xml version="1.0" encoding="utf-8"?>
 <p:sld xmlns:a="http://schemas.openxmlformats.org/drawingml/2006/main" xmlns:r="http://schemas.openxmlformats.org/officeDocument/2006/relationships" xmlns:p="http://schemas.openxmlformats.org/presentationml/2006/main">
   <p:cSld>
     <p:spTree>
@@ -17908,13 +20101,13 @@
   <p:clrMapOvr>
     <a:masterClrMapping/>
   </p:clrMapOvr>
-  <mc:AlternateContent xmlns:mc="http://schemas.openxmlformats.org/markup-compatibility/2006">
-    <mc:Choice xmlns:p14="http://schemas.microsoft.com/office/powerpoint/2010/main" Requires="p14">
+  <mc:AlternateContent xmlns:mc="http://schemas.openxmlformats.org/markup-compatibility/2006" xmlns:p14="http://schemas.microsoft.com/office/powerpoint/2010/main">
+    <mc:Choice Requires="p14">
       <p:transition spd="slow" p14:dur="1300">
         <p14:pan dir="u"/>
       </p:transition>
     </mc:Choice>
-    <mc:Fallback>
+    <mc:Fallback xmlns="">
       <p:transition spd="slow">
         <p:fade/>
       </p:transition>
@@ -17923,7 +20116,7 @@
 </p:sld>
 </file>
 
-<file path=ppt/slides/slide45.xml><?xml version="1.0" encoding="utf-8"?>
+<file path=ppt/slides/slide47.xml><?xml version="1.0" encoding="utf-8"?>
 <p:sld xmlns:a="http://schemas.openxmlformats.org/drawingml/2006/main" xmlns:r="http://schemas.openxmlformats.org/officeDocument/2006/relationships" xmlns:p="http://schemas.openxmlformats.org/presentationml/2006/main">
   <p:cSld>
     <p:spTree>
@@ -18062,13 +20255,13 @@
   <p:clrMapOvr>
     <a:masterClrMapping/>
   </p:clrMapOvr>
-  <mc:AlternateContent xmlns:mc="http://schemas.openxmlformats.org/markup-compatibility/2006">
-    <mc:Choice xmlns:p14="http://schemas.microsoft.com/office/powerpoint/2010/main" Requires="p14">
+  <mc:AlternateContent xmlns:mc="http://schemas.openxmlformats.org/markup-compatibility/2006" xmlns:p14="http://schemas.microsoft.com/office/powerpoint/2010/main">
+    <mc:Choice Requires="p14">
       <p:transition spd="slow" p14:dur="1300">
         <p14:pan dir="u"/>
       </p:transition>
     </mc:Choice>
-    <mc:Fallback>
+    <mc:Fallback xmlns="">
       <p:transition spd="slow">
         <p:fade/>
       </p:transition>
@@ -18077,7 +20270,7 @@
 </p:sld>
 </file>
 
-<file path=ppt/slides/slide46.xml><?xml version="1.0" encoding="utf-8"?>
+<file path=ppt/slides/slide48.xml><?xml version="1.0" encoding="utf-8"?>
 <p:sld xmlns:a="http://schemas.openxmlformats.org/drawingml/2006/main" xmlns:r="http://schemas.openxmlformats.org/officeDocument/2006/relationships" xmlns:p="http://schemas.openxmlformats.org/presentationml/2006/main">
   <p:cSld>
     <p:spTree>
@@ -18275,13 +20468,13 @@
   <p:clrMapOvr>
     <a:masterClrMapping/>
   </p:clrMapOvr>
-  <mc:AlternateContent xmlns:mc="http://schemas.openxmlformats.org/markup-compatibility/2006">
-    <mc:Choice xmlns:p14="http://schemas.microsoft.com/office/powerpoint/2010/main" Requires="p14">
+  <mc:AlternateContent xmlns:mc="http://schemas.openxmlformats.org/markup-compatibility/2006" xmlns:p14="http://schemas.microsoft.com/office/powerpoint/2010/main">
+    <mc:Choice Requires="p14">
       <p:transition spd="slow" p14:dur="1300">
         <p14:pan dir="u"/>
       </p:transition>
     </mc:Choice>
-    <mc:Fallback>
+    <mc:Fallback xmlns="">
       <p:transition spd="slow">
         <p:fade/>
       </p:transition>
@@ -18290,7 +20483,7 @@
 </p:sld>
 </file>
 
-<file path=ppt/slides/slide47.xml><?xml version="1.0" encoding="utf-8"?>
+<file path=ppt/slides/slide49.xml><?xml version="1.0" encoding="utf-8"?>
 <p:sld xmlns:a="http://schemas.openxmlformats.org/drawingml/2006/main" xmlns:r="http://schemas.openxmlformats.org/officeDocument/2006/relationships" xmlns:p="http://schemas.openxmlformats.org/presentationml/2006/main">
   <p:cSld>
     <p:spTree>
@@ -18429,13 +20622,13 @@
   <p:clrMapOvr>
     <a:masterClrMapping/>
   </p:clrMapOvr>
-  <mc:AlternateContent xmlns:mc="http://schemas.openxmlformats.org/markup-compatibility/2006">
-    <mc:Choice xmlns:p14="http://schemas.microsoft.com/office/powerpoint/2010/main" Requires="p14">
+  <mc:AlternateContent xmlns:mc="http://schemas.openxmlformats.org/markup-compatibility/2006" xmlns:p14="http://schemas.microsoft.com/office/powerpoint/2010/main">
+    <mc:Choice Requires="p14">
       <p:transition spd="slow" p14:dur="1300">
         <p14:pan dir="u"/>
       </p:transition>
     </mc:Choice>
-    <mc:Fallback>
+    <mc:Fallback xmlns="">
       <p:transition spd="slow">
         <p:fade/>
       </p:transition>
@@ -18444,7 +20637,110 @@
 </p:sld>
 </file>
 
-<file path=ppt/slides/slide48.xml><?xml version="1.0" encoding="utf-8"?>
+<file path=ppt/slides/slide5.xml><?xml version="1.0" encoding="utf-8"?>
+<p:sld xmlns:a="http://schemas.openxmlformats.org/drawingml/2006/main" xmlns:r="http://schemas.openxmlformats.org/officeDocument/2006/relationships" xmlns:p="http://schemas.openxmlformats.org/presentationml/2006/main">
+  <p:cSld>
+    <p:spTree>
+      <p:nvGrpSpPr>
+        <p:cNvPr id="1" name=""/>
+        <p:cNvGrpSpPr/>
+        <p:nvPr/>
+      </p:nvGrpSpPr>
+      <p:grpSpPr>
+        <a:xfrm>
+          <a:off x="0" y="0"/>
+          <a:ext cx="0" cy="0"/>
+          <a:chOff x="0" y="0"/>
+          <a:chExt cx="0" cy="0"/>
+        </a:xfrm>
+      </p:grpSpPr>
+      <p:sp>
+        <p:nvSpPr>
+          <p:cNvPr id="2" name="عنوان 1"/>
+          <p:cNvSpPr>
+            <a:spLocks noGrp="1"/>
+          </p:cNvSpPr>
+          <p:nvPr>
+            <p:ph type="title"/>
+          </p:nvPr>
+        </p:nvSpPr>
+        <p:spPr/>
+        <p:txBody>
+          <a:bodyPr/>
+          <a:lstStyle/>
+          <a:p>
+            <a:pPr algn="ctr"/>
+            <a:r>
+              <a:rPr lang="en-US" sz="4800" b="1" dirty="0" err="1">
+                <a:latin typeface="Times New Roman" panose="02020603050405020304" pitchFamily="18" charset="0"/>
+                <a:cs typeface="Times New Roman" panose="02020603050405020304" pitchFamily="18" charset="0"/>
+              </a:rPr>
+              <a:t>Ip</a:t>
+            </a:r>
+            <a:r>
+              <a:rPr lang="en-US" sz="4800" b="1" dirty="0">
+                <a:latin typeface="Times New Roman" panose="02020603050405020304" pitchFamily="18" charset="0"/>
+                <a:cs typeface="Times New Roman" panose="02020603050405020304" pitchFamily="18" charset="0"/>
+              </a:rPr>
+              <a:t> address</a:t>
+            </a:r>
+            <a:endParaRPr lang="ar-SY" sz="4800" b="1" dirty="0">
+              <a:latin typeface="Times New Roman" panose="02020603050405020304" pitchFamily="18" charset="0"/>
+              <a:cs typeface="Times New Roman" panose="02020603050405020304" pitchFamily="18" charset="0"/>
+            </a:endParaRPr>
+          </a:p>
+        </p:txBody>
+      </p:sp>
+      <p:pic>
+        <p:nvPicPr>
+          <p:cNvPr id="9" name="صورة 8"/>
+          <p:cNvPicPr>
+            <a:picLocks noChangeAspect="1"/>
+          </p:cNvPicPr>
+          <p:nvPr/>
+        </p:nvPicPr>
+        <p:blipFill>
+          <a:blip r:embed="rId3"/>
+          <a:stretch>
+            <a:fillRect/>
+          </a:stretch>
+        </p:blipFill>
+        <p:spPr>
+          <a:xfrm>
+            <a:off x="1599164" y="1690688"/>
+            <a:ext cx="9413392" cy="4811350"/>
+          </a:xfrm>
+          <a:prstGeom prst="rect">
+            <a:avLst/>
+          </a:prstGeom>
+        </p:spPr>
+      </p:pic>
+    </p:spTree>
+    <p:extLst>
+      <p:ext uri="{BB962C8B-B14F-4D97-AF65-F5344CB8AC3E}">
+        <p14:creationId xmlns:p14="http://schemas.microsoft.com/office/powerpoint/2010/main" val="2359379019"/>
+      </p:ext>
+    </p:extLst>
+  </p:cSld>
+  <p:clrMapOvr>
+    <a:masterClrMapping/>
+  </p:clrMapOvr>
+  <mc:AlternateContent xmlns:mc="http://schemas.openxmlformats.org/markup-compatibility/2006" xmlns:p14="http://schemas.microsoft.com/office/powerpoint/2010/main">
+    <mc:Choice Requires="p14">
+      <p:transition spd="slow" p14:dur="1300">
+        <p14:pan dir="u"/>
+      </p:transition>
+    </mc:Choice>
+    <mc:Fallback xmlns="">
+      <p:transition spd="slow">
+        <p:fade/>
+      </p:transition>
+    </mc:Fallback>
+  </mc:AlternateContent>
+</p:sld>
+</file>
+
+<file path=ppt/slides/slide50.xml><?xml version="1.0" encoding="utf-8"?>
 <p:sld xmlns:a="http://schemas.openxmlformats.org/drawingml/2006/main" xmlns:r="http://schemas.openxmlformats.org/officeDocument/2006/relationships" xmlns:p="http://schemas.openxmlformats.org/presentationml/2006/main">
   <p:cSld>
     <p:spTree>
@@ -18583,13 +20879,13 @@
   <p:clrMapOvr>
     <a:masterClrMapping/>
   </p:clrMapOvr>
-  <mc:AlternateContent xmlns:mc="http://schemas.openxmlformats.org/markup-compatibility/2006">
-    <mc:Choice xmlns:p14="http://schemas.microsoft.com/office/powerpoint/2010/main" Requires="p14">
+  <mc:AlternateContent xmlns:mc="http://schemas.openxmlformats.org/markup-compatibility/2006" xmlns:p14="http://schemas.microsoft.com/office/powerpoint/2010/main">
+    <mc:Choice Requires="p14">
       <p:transition spd="slow" p14:dur="1300">
         <p14:pan dir="u"/>
       </p:transition>
     </mc:Choice>
-    <mc:Fallback>
+    <mc:Fallback xmlns="">
       <p:transition spd="slow">
         <p:fade/>
       </p:transition>
@@ -18598,7 +20894,7 @@
 </p:sld>
 </file>
 
-<file path=ppt/slides/slide49.xml><?xml version="1.0" encoding="utf-8"?>
+<file path=ppt/slides/slide51.xml><?xml version="1.0" encoding="utf-8"?>
 <p:sld xmlns:a="http://schemas.openxmlformats.org/drawingml/2006/main" xmlns:r="http://schemas.openxmlformats.org/officeDocument/2006/relationships" xmlns:p="http://schemas.openxmlformats.org/presentationml/2006/main">
   <p:cSld>
     <p:spTree>
@@ -18737,109 +21033,6 @@
   <p:clrMapOvr>
     <a:masterClrMapping/>
   </p:clrMapOvr>
-  <mc:AlternateContent xmlns:mc="http://schemas.openxmlformats.org/markup-compatibility/2006">
-    <mc:Choice xmlns:p14="http://schemas.microsoft.com/office/powerpoint/2010/main" Requires="p14">
-      <p:transition spd="slow" p14:dur="1300">
-        <p14:pan dir="u"/>
-      </p:transition>
-    </mc:Choice>
-    <mc:Fallback>
-      <p:transition spd="slow">
-        <p:fade/>
-      </p:transition>
-    </mc:Fallback>
-  </mc:AlternateContent>
-</p:sld>
-</file>
-
-<file path=ppt/slides/slide5.xml><?xml version="1.0" encoding="utf-8"?>
-<p:sld xmlns:a="http://schemas.openxmlformats.org/drawingml/2006/main" xmlns:r="http://schemas.openxmlformats.org/officeDocument/2006/relationships" xmlns:p="http://schemas.openxmlformats.org/presentationml/2006/main">
-  <p:cSld>
-    <p:spTree>
-      <p:nvGrpSpPr>
-        <p:cNvPr id="1" name=""/>
-        <p:cNvGrpSpPr/>
-        <p:nvPr/>
-      </p:nvGrpSpPr>
-      <p:grpSpPr>
-        <a:xfrm>
-          <a:off x="0" y="0"/>
-          <a:ext cx="0" cy="0"/>
-          <a:chOff x="0" y="0"/>
-          <a:chExt cx="0" cy="0"/>
-        </a:xfrm>
-      </p:grpSpPr>
-      <p:sp>
-        <p:nvSpPr>
-          <p:cNvPr id="2" name="عنوان 1"/>
-          <p:cNvSpPr>
-            <a:spLocks noGrp="1"/>
-          </p:cNvSpPr>
-          <p:nvPr>
-            <p:ph type="title"/>
-          </p:nvPr>
-        </p:nvSpPr>
-        <p:spPr/>
-        <p:txBody>
-          <a:bodyPr/>
-          <a:lstStyle/>
-          <a:p>
-            <a:pPr algn="ctr"/>
-            <a:r>
-              <a:rPr lang="en-US" sz="4800" b="1" dirty="0" err="1">
-                <a:latin typeface="Times New Roman" panose="02020603050405020304" pitchFamily="18" charset="0"/>
-                <a:cs typeface="Times New Roman" panose="02020603050405020304" pitchFamily="18" charset="0"/>
-              </a:rPr>
-              <a:t>Ip</a:t>
-            </a:r>
-            <a:r>
-              <a:rPr lang="en-US" sz="4800" b="1" dirty="0">
-                <a:latin typeface="Times New Roman" panose="02020603050405020304" pitchFamily="18" charset="0"/>
-                <a:cs typeface="Times New Roman" panose="02020603050405020304" pitchFamily="18" charset="0"/>
-              </a:rPr>
-              <a:t> address</a:t>
-            </a:r>
-            <a:endParaRPr lang="ar-SY" sz="4800" b="1" dirty="0">
-              <a:latin typeface="Times New Roman" panose="02020603050405020304" pitchFamily="18" charset="0"/>
-              <a:cs typeface="Times New Roman" panose="02020603050405020304" pitchFamily="18" charset="0"/>
-            </a:endParaRPr>
-          </a:p>
-        </p:txBody>
-      </p:sp>
-      <p:pic>
-        <p:nvPicPr>
-          <p:cNvPr id="9" name="صورة 8"/>
-          <p:cNvPicPr>
-            <a:picLocks noChangeAspect="1"/>
-          </p:cNvPicPr>
-          <p:nvPr/>
-        </p:nvPicPr>
-        <p:blipFill>
-          <a:blip r:embed="rId3"/>
-          <a:stretch>
-            <a:fillRect/>
-          </a:stretch>
-        </p:blipFill>
-        <p:spPr>
-          <a:xfrm>
-            <a:off x="1599164" y="1690688"/>
-            <a:ext cx="9413392" cy="4811350"/>
-          </a:xfrm>
-          <a:prstGeom prst="rect">
-            <a:avLst/>
-          </a:prstGeom>
-        </p:spPr>
-      </p:pic>
-    </p:spTree>
-    <p:extLst>
-      <p:ext uri="{BB962C8B-B14F-4D97-AF65-F5344CB8AC3E}">
-        <p14:creationId xmlns:p14="http://schemas.microsoft.com/office/powerpoint/2010/main" val="2359379019"/>
-      </p:ext>
-    </p:extLst>
-  </p:cSld>
-  <p:clrMapOvr>
-    <a:masterClrMapping/>
-  </p:clrMapOvr>
   <mc:AlternateContent xmlns:mc="http://schemas.openxmlformats.org/markup-compatibility/2006" xmlns:p14="http://schemas.microsoft.com/office/powerpoint/2010/main">
     <mc:Choice Requires="p14">
       <p:transition spd="slow" p14:dur="1300">
@@ -18855,7 +21048,7 @@
 </p:sld>
 </file>
 
-<file path=ppt/slides/slide50.xml><?xml version="1.0" encoding="utf-8"?>
+<file path=ppt/slides/slide52.xml><?xml version="1.0" encoding="utf-8"?>
 <p:sld xmlns:a="http://schemas.openxmlformats.org/drawingml/2006/main" xmlns:r="http://schemas.openxmlformats.org/officeDocument/2006/relationships" xmlns:p="http://schemas.openxmlformats.org/presentationml/2006/main">
   <p:cSld>
     <p:spTree>
@@ -18994,13 +21187,13 @@
   <p:clrMapOvr>
     <a:masterClrMapping/>
   </p:clrMapOvr>
-  <mc:AlternateContent xmlns:mc="http://schemas.openxmlformats.org/markup-compatibility/2006">
-    <mc:Choice xmlns:p14="http://schemas.microsoft.com/office/powerpoint/2010/main" Requires="p14">
+  <mc:AlternateContent xmlns:mc="http://schemas.openxmlformats.org/markup-compatibility/2006" xmlns:p14="http://schemas.microsoft.com/office/powerpoint/2010/main">
+    <mc:Choice Requires="p14">
       <p:transition spd="slow" p14:dur="1300">
         <p14:pan dir="u"/>
       </p:transition>
     </mc:Choice>
-    <mc:Fallback>
+    <mc:Fallback xmlns="">
       <p:transition spd="slow">
         <p:fade/>
       </p:transition>
